--- a/presentation/TemplateSlides2016.pptx
+++ b/presentation/TemplateSlides2016.pptx
@@ -5,18 +5,22 @@
     <p:sldMasterId id="2147483667" r:id="rId1"/>
   </p:sldMasterIdLst>
   <p:notesMasterIdLst>
-    <p:notesMasterId r:id="rId8"/>
+    <p:notesMasterId r:id="rId12"/>
   </p:notesMasterIdLst>
   <p:handoutMasterIdLst>
-    <p:handoutMasterId r:id="rId9"/>
+    <p:handoutMasterId r:id="rId13"/>
   </p:handoutMasterIdLst>
   <p:sldIdLst>
     <p:sldId id="479" r:id="rId2"/>
     <p:sldId id="666" r:id="rId3"/>
     <p:sldId id="657" r:id="rId4"/>
-    <p:sldId id="667" r:id="rId5"/>
-    <p:sldId id="668" r:id="rId6"/>
-    <p:sldId id="669" r:id="rId7"/>
+    <p:sldId id="671" r:id="rId5"/>
+    <p:sldId id="667" r:id="rId6"/>
+    <p:sldId id="673" r:id="rId7"/>
+    <p:sldId id="668" r:id="rId8"/>
+    <p:sldId id="670" r:id="rId9"/>
+    <p:sldId id="669" r:id="rId10"/>
+    <p:sldId id="672" r:id="rId11"/>
   </p:sldIdLst>
   <p:sldSz cx="9144000" cy="6858000" type="screen4x3"/>
   <p:notesSz cx="6858000" cy="9144000"/>
@@ -145,6 +149,22 @@
       </a:defRPr>
     </a:lvl9pPr>
   </p:defaultTextStyle>
+  <p:extLst>
+    <p:ext uri="{EFAFB233-063F-42B5-8137-9DF3F51BA10A}">
+      <p15:sldGuideLst xmlns:p15="http://schemas.microsoft.com/office/powerpoint/2012/main">
+        <p15:guide id="1" orient="horz" pos="4273">
+          <p15:clr>
+            <a:srgbClr val="A4A3A4"/>
+          </p15:clr>
+        </p15:guide>
+        <p15:guide id="2" pos="384">
+          <p15:clr>
+            <a:srgbClr val="A4A3A4"/>
+          </p15:clr>
+        </p15:guide>
+      </p15:sldGuideLst>
+    </p:ext>
+  </p:extLst>
 </p:presentation>
 </file>
 
@@ -234,7 +254,7 @@
               <a:rPr lang="de-DE" smtClean="0">
                 <a:latin typeface="Calibri"/>
               </a:rPr>
-              <a:t>14.01.2017</a:t>
+              <a:t>16.01.2017</a:t>
             </a:fld>
             <a:endParaRPr lang="de-DE" dirty="0">
               <a:latin typeface="Calibri"/>
@@ -270,13 +290,13 @@
           </a:lstStyle>
           <a:p>
             <a:r>
-              <a:rPr lang="de-DE" sz="1000" dirty="0" smtClean="0">
+              <a:rPr lang="de-DE" sz="1000" dirty="0">
                 <a:latin typeface="Calibri"/>
               </a:rPr>
               <a:t>https://</a:t>
             </a:r>
             <a:r>
-              <a:rPr lang="de-DE" sz="1000" dirty="0" err="1" smtClean="0">
+              <a:rPr lang="de-DE" sz="1000" dirty="0" err="1">
                 <a:latin typeface="Calibri"/>
               </a:rPr>
               <a:t>svs.informatik.uni-hamburg.de</a:t>
@@ -498,7 +518,7 @@
               </a14:hiddenFill>
             </a:ext>
             <a:ext uri="{FAA26D3D-D897-4be2-8F04-BA451C77F1D7}">
-              <ma14:placeholderFlag xmlns:ma14="http://schemas.microsoft.com/office/mac/drawingml/2011/main" xmlns="" val="1"/>
+              <ma14:placeholderFlag xmlns="" xmlns:ma14="http://schemas.microsoft.com/office/mac/drawingml/2011/main" val="1"/>
             </a:ext>
           </a:extLst>
         </p:spPr>
@@ -1292,7 +1312,7 @@
           </a:ln>
           <a:extLst>
             <a:ext uri="{FAA26D3D-D897-4be2-8F04-BA451C77F1D7}">
-              <ma14:placeholderFlag xmlns:ma14="http://schemas.microsoft.com/office/mac/drawingml/2011/main" xmlns="" val="1"/>
+              <ma14:placeholderFlag xmlns="" xmlns:ma14="http://schemas.microsoft.com/office/mac/drawingml/2011/main" val="1"/>
             </a:ext>
           </a:extLst>
         </p:spPr>
@@ -1525,7 +1545,7 @@
           </a:ln>
           <a:extLst>
             <a:ext uri="{FAA26D3D-D897-4be2-8F04-BA451C77F1D7}">
-              <ma14:placeholderFlag xmlns:ma14="http://schemas.microsoft.com/office/mac/drawingml/2011/main" xmlns="" val="1"/>
+              <ma14:placeholderFlag xmlns="" xmlns:ma14="http://schemas.microsoft.com/office/mac/drawingml/2011/main" val="1"/>
             </a:ext>
           </a:extLst>
         </p:spPr>
@@ -1539,6 +1559,11 @@
         </p:txBody>
       </p:sp>
     </p:spTree>
+    <p:extLst>
+      <p:ext uri="{BB962C8B-B14F-4D97-AF65-F5344CB8AC3E}">
+        <p14:creationId xmlns:p14="http://schemas.microsoft.com/office/powerpoint/2010/main" val="3990224284"/>
+      </p:ext>
+    </p:extLst>
   </p:cSld>
   <p:clrMapOvr>
     <a:masterClrMapping/>
@@ -1758,7 +1783,7 @@
           </a:ln>
           <a:extLst>
             <a:ext uri="{FAA26D3D-D897-4be2-8F04-BA451C77F1D7}">
-              <ma14:placeholderFlag xmlns:ma14="http://schemas.microsoft.com/office/mac/drawingml/2011/main" xmlns="" val="1"/>
+              <ma14:placeholderFlag xmlns="" xmlns:ma14="http://schemas.microsoft.com/office/mac/drawingml/2011/main" val="1"/>
             </a:ext>
           </a:extLst>
         </p:spPr>
@@ -1991,7 +2016,7 @@
           </a:ln>
           <a:extLst>
             <a:ext uri="{FAA26D3D-D897-4be2-8F04-BA451C77F1D7}">
-              <ma14:placeholderFlag xmlns:ma14="http://schemas.microsoft.com/office/mac/drawingml/2011/main" xmlns="" val="1"/>
+              <ma14:placeholderFlag xmlns="" xmlns:ma14="http://schemas.microsoft.com/office/mac/drawingml/2011/main" val="1"/>
             </a:ext>
           </a:extLst>
         </p:spPr>
@@ -2005,6 +2030,1009 @@
         </p:txBody>
       </p:sp>
     </p:spTree>
+    <p:extLst>
+      <p:ext uri="{BB962C8B-B14F-4D97-AF65-F5344CB8AC3E}">
+        <p14:creationId xmlns:p14="http://schemas.microsoft.com/office/powerpoint/2010/main" val="2003725275"/>
+      </p:ext>
+    </p:extLst>
+  </p:cSld>
+  <p:clrMapOvr>
+    <a:masterClrMapping/>
+  </p:clrMapOvr>
+</p:notes>
+</file>
+
+<file path=ppt/notesSlides/notesSlide6.xml><?xml version="1.0" encoding="utf-8"?>
+<p:notes xmlns:a="http://schemas.openxmlformats.org/drawingml/2006/main" xmlns:r="http://schemas.openxmlformats.org/officeDocument/2006/relationships" xmlns:p="http://schemas.openxmlformats.org/presentationml/2006/main">
+  <p:cSld>
+    <p:spTree>
+      <p:nvGrpSpPr>
+        <p:cNvPr id="1" name=""/>
+        <p:cNvGrpSpPr/>
+        <p:nvPr/>
+      </p:nvGrpSpPr>
+      <p:grpSpPr>
+        <a:xfrm>
+          <a:off x="0" y="0"/>
+          <a:ext cx="0" cy="0"/>
+          <a:chOff x="0" y="0"/>
+          <a:chExt cx="0" cy="0"/>
+        </a:xfrm>
+      </p:grpSpPr>
+      <p:sp>
+        <p:nvSpPr>
+          <p:cNvPr id="13313" name="Rectangle 7"/>
+          <p:cNvSpPr>
+            <a:spLocks noGrp="1" noChangeArrowheads="1"/>
+          </p:cNvSpPr>
+          <p:nvPr>
+            <p:ph type="sldNum" sz="quarter" idx="5"/>
+          </p:nvPr>
+        </p:nvSpPr>
+        <p:spPr>
+          <a:noFill/>
+          <a:ln/>
+          <a:extLst>
+            <a:ext uri="{909E8E84-426E-40DD-AFC4-6F175D3DCCD1}">
+              <a14:hiddenFill xmlns:a14="http://schemas.microsoft.com/office/drawing/2010/main">
+                <a:solidFill>
+                  <a:srgbClr val="FFFFFF"/>
+                </a:solidFill>
+              </a14:hiddenFill>
+            </a:ext>
+            <a:ext uri="{91240B29-F687-4F45-9708-019B960494DF}">
+              <a14:hiddenLine xmlns:a14="http://schemas.microsoft.com/office/drawing/2010/main" w="9525">
+                <a:solidFill>
+                  <a:srgbClr val="000000"/>
+                </a:solidFill>
+                <a:miter lim="800000"/>
+                <a:headEnd/>
+                <a:tailEnd/>
+              </a14:hiddenLine>
+            </a:ext>
+          </a:extLst>
+        </p:spPr>
+        <p:txBody>
+          <a:bodyPr/>
+          <a:lstStyle>
+            <a:lvl1pPr eaLnBrk="0" hangingPunct="0">
+              <a:defRPr sz="2400">
+                <a:solidFill>
+                  <a:schemeClr val="tx1"/>
+                </a:solidFill>
+                <a:latin typeface="Verdana" charset="0"/>
+                <a:ea typeface="ＭＳ Ｐゴシック" charset="0"/>
+                <a:cs typeface="ＭＳ Ｐゴシック" charset="0"/>
+              </a:defRPr>
+            </a:lvl1pPr>
+            <a:lvl2pPr marL="742950" indent="-285750" eaLnBrk="0" hangingPunct="0">
+              <a:defRPr sz="2400">
+                <a:solidFill>
+                  <a:schemeClr val="tx1"/>
+                </a:solidFill>
+                <a:latin typeface="Verdana" charset="0"/>
+                <a:ea typeface="ＭＳ Ｐゴシック" charset="0"/>
+              </a:defRPr>
+            </a:lvl2pPr>
+            <a:lvl3pPr marL="1143000" indent="-228600" eaLnBrk="0" hangingPunct="0">
+              <a:defRPr sz="2400">
+                <a:solidFill>
+                  <a:schemeClr val="tx1"/>
+                </a:solidFill>
+                <a:latin typeface="Verdana" charset="0"/>
+                <a:ea typeface="ＭＳ Ｐゴシック" charset="0"/>
+              </a:defRPr>
+            </a:lvl3pPr>
+            <a:lvl4pPr marL="1600200" indent="-228600" eaLnBrk="0" hangingPunct="0">
+              <a:defRPr sz="2400">
+                <a:solidFill>
+                  <a:schemeClr val="tx1"/>
+                </a:solidFill>
+                <a:latin typeface="Verdana" charset="0"/>
+                <a:ea typeface="ＭＳ Ｐゴシック" charset="0"/>
+              </a:defRPr>
+            </a:lvl4pPr>
+            <a:lvl5pPr marL="2057400" indent="-228600" eaLnBrk="0" hangingPunct="0">
+              <a:defRPr sz="2400">
+                <a:solidFill>
+                  <a:schemeClr val="tx1"/>
+                </a:solidFill>
+                <a:latin typeface="Verdana" charset="0"/>
+                <a:ea typeface="ＭＳ Ｐゴシック" charset="0"/>
+              </a:defRPr>
+            </a:lvl5pPr>
+            <a:lvl6pPr marL="2514600" indent="-228600" eaLnBrk="0" fontAlgn="base" hangingPunct="0">
+              <a:spcBef>
+                <a:spcPct val="0"/>
+              </a:spcBef>
+              <a:spcAft>
+                <a:spcPct val="0"/>
+              </a:spcAft>
+              <a:defRPr sz="2400">
+                <a:solidFill>
+                  <a:schemeClr val="tx1"/>
+                </a:solidFill>
+                <a:latin typeface="Verdana" charset="0"/>
+                <a:ea typeface="ＭＳ Ｐゴシック" charset="0"/>
+              </a:defRPr>
+            </a:lvl6pPr>
+            <a:lvl7pPr marL="2971800" indent="-228600" eaLnBrk="0" fontAlgn="base" hangingPunct="0">
+              <a:spcBef>
+                <a:spcPct val="0"/>
+              </a:spcBef>
+              <a:spcAft>
+                <a:spcPct val="0"/>
+              </a:spcAft>
+              <a:defRPr sz="2400">
+                <a:solidFill>
+                  <a:schemeClr val="tx1"/>
+                </a:solidFill>
+                <a:latin typeface="Verdana" charset="0"/>
+                <a:ea typeface="ＭＳ Ｐゴシック" charset="0"/>
+              </a:defRPr>
+            </a:lvl7pPr>
+            <a:lvl8pPr marL="3429000" indent="-228600" eaLnBrk="0" fontAlgn="base" hangingPunct="0">
+              <a:spcBef>
+                <a:spcPct val="0"/>
+              </a:spcBef>
+              <a:spcAft>
+                <a:spcPct val="0"/>
+              </a:spcAft>
+              <a:defRPr sz="2400">
+                <a:solidFill>
+                  <a:schemeClr val="tx1"/>
+                </a:solidFill>
+                <a:latin typeface="Verdana" charset="0"/>
+                <a:ea typeface="ＭＳ Ｐゴシック" charset="0"/>
+              </a:defRPr>
+            </a:lvl8pPr>
+            <a:lvl9pPr marL="3886200" indent="-228600" eaLnBrk="0" fontAlgn="base" hangingPunct="0">
+              <a:spcBef>
+                <a:spcPct val="0"/>
+              </a:spcBef>
+              <a:spcAft>
+                <a:spcPct val="0"/>
+              </a:spcAft>
+              <a:defRPr sz="2400">
+                <a:solidFill>
+                  <a:schemeClr val="tx1"/>
+                </a:solidFill>
+                <a:latin typeface="Verdana" charset="0"/>
+                <a:ea typeface="ＭＳ Ｐゴシック" charset="0"/>
+              </a:defRPr>
+            </a:lvl9pPr>
+          </a:lstStyle>
+          <a:p>
+            <a:fld id="{D96C611C-4D80-864B-B939-EBFCF83FC60E}" type="slidenum">
+              <a:rPr lang="de-DE" sz="1200">
+                <a:latin typeface="Andale Mono" charset="0"/>
+              </a:rPr>
+              <a:pPr/>
+              <a:t>7</a:t>
+            </a:fld>
+            <a:endParaRPr lang="de-DE" sz="1200">
+              <a:latin typeface="Andale Mono" charset="0"/>
+            </a:endParaRPr>
+          </a:p>
+        </p:txBody>
+      </p:sp>
+      <p:sp>
+        <p:nvSpPr>
+          <p:cNvPr id="13314" name="Rectangle 2"/>
+          <p:cNvSpPr>
+            <a:spLocks noGrp="1" noRot="1" noChangeAspect="1" noChangeArrowheads="1"/>
+          </p:cNvSpPr>
+          <p:nvPr>
+            <p:ph type="sldImg"/>
+          </p:nvPr>
+        </p:nvSpPr>
+        <p:spPr>
+          <a:solidFill>
+            <a:srgbClr val="FFFFFF"/>
+          </a:solidFill>
+          <a:ln/>
+        </p:spPr>
+      </p:sp>
+      <p:sp>
+        <p:nvSpPr>
+          <p:cNvPr id="13315" name="Rectangle 3"/>
+          <p:cNvSpPr>
+            <a:spLocks noGrp="1" noChangeArrowheads="1"/>
+          </p:cNvSpPr>
+          <p:nvPr>
+            <p:ph type="body" idx="1"/>
+          </p:nvPr>
+        </p:nvSpPr>
+        <p:spPr>
+          <a:solidFill>
+            <a:srgbClr val="FFFFFF"/>
+          </a:solidFill>
+          <a:ln>
+            <a:solidFill>
+              <a:srgbClr val="000000"/>
+            </a:solidFill>
+          </a:ln>
+          <a:extLst>
+            <a:ext uri="{FAA26D3D-D897-4be2-8F04-BA451C77F1D7}">
+              <ma14:placeholderFlag xmlns="" xmlns:ma14="http://schemas.microsoft.com/office/mac/drawingml/2011/main" val="1"/>
+            </a:ext>
+          </a:extLst>
+        </p:spPr>
+        <p:txBody>
+          <a:bodyPr/>
+          <a:lstStyle/>
+          <a:p>
+            <a:pPr eaLnBrk="1" hangingPunct="1"/>
+            <a:endParaRPr lang="en-GB" dirty="0"/>
+          </a:p>
+        </p:txBody>
+      </p:sp>
+    </p:spTree>
+  </p:cSld>
+  <p:clrMapOvr>
+    <a:masterClrMapping/>
+  </p:clrMapOvr>
+</p:notes>
+</file>
+
+<file path=ppt/notesSlides/notesSlide7.xml><?xml version="1.0" encoding="utf-8"?>
+<p:notes xmlns:a="http://schemas.openxmlformats.org/drawingml/2006/main" xmlns:r="http://schemas.openxmlformats.org/officeDocument/2006/relationships" xmlns:p="http://schemas.openxmlformats.org/presentationml/2006/main">
+  <p:cSld>
+    <p:spTree>
+      <p:nvGrpSpPr>
+        <p:cNvPr id="1" name=""/>
+        <p:cNvGrpSpPr/>
+        <p:nvPr/>
+      </p:nvGrpSpPr>
+      <p:grpSpPr>
+        <a:xfrm>
+          <a:off x="0" y="0"/>
+          <a:ext cx="0" cy="0"/>
+          <a:chOff x="0" y="0"/>
+          <a:chExt cx="0" cy="0"/>
+        </a:xfrm>
+      </p:grpSpPr>
+      <p:sp>
+        <p:nvSpPr>
+          <p:cNvPr id="13313" name="Rectangle 7"/>
+          <p:cNvSpPr>
+            <a:spLocks noGrp="1" noChangeArrowheads="1"/>
+          </p:cNvSpPr>
+          <p:nvPr>
+            <p:ph type="sldNum" sz="quarter" idx="5"/>
+          </p:nvPr>
+        </p:nvSpPr>
+        <p:spPr>
+          <a:noFill/>
+          <a:ln/>
+          <a:extLst>
+            <a:ext uri="{909E8E84-426E-40DD-AFC4-6F175D3DCCD1}">
+              <a14:hiddenFill xmlns:a14="http://schemas.microsoft.com/office/drawing/2010/main">
+                <a:solidFill>
+                  <a:srgbClr val="FFFFFF"/>
+                </a:solidFill>
+              </a14:hiddenFill>
+            </a:ext>
+            <a:ext uri="{91240B29-F687-4F45-9708-019B960494DF}">
+              <a14:hiddenLine xmlns:a14="http://schemas.microsoft.com/office/drawing/2010/main" w="9525">
+                <a:solidFill>
+                  <a:srgbClr val="000000"/>
+                </a:solidFill>
+                <a:miter lim="800000"/>
+                <a:headEnd/>
+                <a:tailEnd/>
+              </a14:hiddenLine>
+            </a:ext>
+          </a:extLst>
+        </p:spPr>
+        <p:txBody>
+          <a:bodyPr/>
+          <a:lstStyle>
+            <a:lvl1pPr eaLnBrk="0" hangingPunct="0">
+              <a:defRPr sz="2400">
+                <a:solidFill>
+                  <a:schemeClr val="tx1"/>
+                </a:solidFill>
+                <a:latin typeface="Verdana" charset="0"/>
+                <a:ea typeface="ＭＳ Ｐゴシック" charset="0"/>
+                <a:cs typeface="ＭＳ Ｐゴシック" charset="0"/>
+              </a:defRPr>
+            </a:lvl1pPr>
+            <a:lvl2pPr marL="742950" indent="-285750" eaLnBrk="0" hangingPunct="0">
+              <a:defRPr sz="2400">
+                <a:solidFill>
+                  <a:schemeClr val="tx1"/>
+                </a:solidFill>
+                <a:latin typeface="Verdana" charset="0"/>
+                <a:ea typeface="ＭＳ Ｐゴシック" charset="0"/>
+              </a:defRPr>
+            </a:lvl2pPr>
+            <a:lvl3pPr marL="1143000" indent="-228600" eaLnBrk="0" hangingPunct="0">
+              <a:defRPr sz="2400">
+                <a:solidFill>
+                  <a:schemeClr val="tx1"/>
+                </a:solidFill>
+                <a:latin typeface="Verdana" charset="0"/>
+                <a:ea typeface="ＭＳ Ｐゴシック" charset="0"/>
+              </a:defRPr>
+            </a:lvl3pPr>
+            <a:lvl4pPr marL="1600200" indent="-228600" eaLnBrk="0" hangingPunct="0">
+              <a:defRPr sz="2400">
+                <a:solidFill>
+                  <a:schemeClr val="tx1"/>
+                </a:solidFill>
+                <a:latin typeface="Verdana" charset="0"/>
+                <a:ea typeface="ＭＳ Ｐゴシック" charset="0"/>
+              </a:defRPr>
+            </a:lvl4pPr>
+            <a:lvl5pPr marL="2057400" indent="-228600" eaLnBrk="0" hangingPunct="0">
+              <a:defRPr sz="2400">
+                <a:solidFill>
+                  <a:schemeClr val="tx1"/>
+                </a:solidFill>
+                <a:latin typeface="Verdana" charset="0"/>
+                <a:ea typeface="ＭＳ Ｐゴシック" charset="0"/>
+              </a:defRPr>
+            </a:lvl5pPr>
+            <a:lvl6pPr marL="2514600" indent="-228600" eaLnBrk="0" fontAlgn="base" hangingPunct="0">
+              <a:spcBef>
+                <a:spcPct val="0"/>
+              </a:spcBef>
+              <a:spcAft>
+                <a:spcPct val="0"/>
+              </a:spcAft>
+              <a:defRPr sz="2400">
+                <a:solidFill>
+                  <a:schemeClr val="tx1"/>
+                </a:solidFill>
+                <a:latin typeface="Verdana" charset="0"/>
+                <a:ea typeface="ＭＳ Ｐゴシック" charset="0"/>
+              </a:defRPr>
+            </a:lvl6pPr>
+            <a:lvl7pPr marL="2971800" indent="-228600" eaLnBrk="0" fontAlgn="base" hangingPunct="0">
+              <a:spcBef>
+                <a:spcPct val="0"/>
+              </a:spcBef>
+              <a:spcAft>
+                <a:spcPct val="0"/>
+              </a:spcAft>
+              <a:defRPr sz="2400">
+                <a:solidFill>
+                  <a:schemeClr val="tx1"/>
+                </a:solidFill>
+                <a:latin typeface="Verdana" charset="0"/>
+                <a:ea typeface="ＭＳ Ｐゴシック" charset="0"/>
+              </a:defRPr>
+            </a:lvl7pPr>
+            <a:lvl8pPr marL="3429000" indent="-228600" eaLnBrk="0" fontAlgn="base" hangingPunct="0">
+              <a:spcBef>
+                <a:spcPct val="0"/>
+              </a:spcBef>
+              <a:spcAft>
+                <a:spcPct val="0"/>
+              </a:spcAft>
+              <a:defRPr sz="2400">
+                <a:solidFill>
+                  <a:schemeClr val="tx1"/>
+                </a:solidFill>
+                <a:latin typeface="Verdana" charset="0"/>
+                <a:ea typeface="ＭＳ Ｐゴシック" charset="0"/>
+              </a:defRPr>
+            </a:lvl8pPr>
+            <a:lvl9pPr marL="3886200" indent="-228600" eaLnBrk="0" fontAlgn="base" hangingPunct="0">
+              <a:spcBef>
+                <a:spcPct val="0"/>
+              </a:spcBef>
+              <a:spcAft>
+                <a:spcPct val="0"/>
+              </a:spcAft>
+              <a:defRPr sz="2400">
+                <a:solidFill>
+                  <a:schemeClr val="tx1"/>
+                </a:solidFill>
+                <a:latin typeface="Verdana" charset="0"/>
+                <a:ea typeface="ＭＳ Ｐゴシック" charset="0"/>
+              </a:defRPr>
+            </a:lvl9pPr>
+          </a:lstStyle>
+          <a:p>
+            <a:fld id="{D96C611C-4D80-864B-B939-EBFCF83FC60E}" type="slidenum">
+              <a:rPr lang="de-DE" sz="1200">
+                <a:latin typeface="Andale Mono" charset="0"/>
+              </a:rPr>
+              <a:pPr/>
+              <a:t>8</a:t>
+            </a:fld>
+            <a:endParaRPr lang="de-DE" sz="1200">
+              <a:latin typeface="Andale Mono" charset="0"/>
+            </a:endParaRPr>
+          </a:p>
+        </p:txBody>
+      </p:sp>
+      <p:sp>
+        <p:nvSpPr>
+          <p:cNvPr id="13314" name="Rectangle 2"/>
+          <p:cNvSpPr>
+            <a:spLocks noGrp="1" noRot="1" noChangeAspect="1" noChangeArrowheads="1"/>
+          </p:cNvSpPr>
+          <p:nvPr>
+            <p:ph type="sldImg"/>
+          </p:nvPr>
+        </p:nvSpPr>
+        <p:spPr>
+          <a:solidFill>
+            <a:srgbClr val="FFFFFF"/>
+          </a:solidFill>
+          <a:ln/>
+        </p:spPr>
+      </p:sp>
+      <p:sp>
+        <p:nvSpPr>
+          <p:cNvPr id="13315" name="Rectangle 3"/>
+          <p:cNvSpPr>
+            <a:spLocks noGrp="1" noChangeArrowheads="1"/>
+          </p:cNvSpPr>
+          <p:nvPr>
+            <p:ph type="body" idx="1"/>
+          </p:nvPr>
+        </p:nvSpPr>
+        <p:spPr>
+          <a:solidFill>
+            <a:srgbClr val="FFFFFF"/>
+          </a:solidFill>
+          <a:ln>
+            <a:solidFill>
+              <a:srgbClr val="000000"/>
+            </a:solidFill>
+          </a:ln>
+          <a:extLst>
+            <a:ext uri="{FAA26D3D-D897-4be2-8F04-BA451C77F1D7}">
+              <ma14:placeholderFlag xmlns="" xmlns:ma14="http://schemas.microsoft.com/office/mac/drawingml/2011/main" val="1"/>
+            </a:ext>
+          </a:extLst>
+        </p:spPr>
+        <p:txBody>
+          <a:bodyPr/>
+          <a:lstStyle/>
+          <a:p>
+            <a:pPr eaLnBrk="1" hangingPunct="1"/>
+            <a:r>
+              <a:rPr lang="en-GB" dirty="0" err="1"/>
+              <a:t>Vermutung</a:t>
+            </a:r>
+            <a:r>
+              <a:rPr lang="en-GB" dirty="0"/>
+              <a:t>: command and control </a:t>
+            </a:r>
+            <a:r>
+              <a:rPr lang="en-GB" dirty="0" err="1"/>
+              <a:t>eines</a:t>
+            </a:r>
+            <a:r>
+              <a:rPr lang="en-GB" dirty="0"/>
+              <a:t> Botnets </a:t>
+            </a:r>
+            <a:r>
+              <a:rPr lang="en-GB" dirty="0" err="1"/>
+              <a:t>wurde</a:t>
+            </a:r>
+            <a:r>
+              <a:rPr lang="en-GB" dirty="0"/>
+              <a:t> </a:t>
+            </a:r>
+            <a:r>
+              <a:rPr lang="en-GB" dirty="0" err="1"/>
+              <a:t>über</a:t>
+            </a:r>
+            <a:r>
+              <a:rPr lang="en-GB" dirty="0"/>
+              <a:t> TOR</a:t>
+            </a:r>
+            <a:r>
+              <a:rPr lang="en-GB" dirty="0"/>
+              <a:t> </a:t>
+            </a:r>
+            <a:r>
+              <a:rPr lang="en-GB" dirty="0" err="1"/>
+              <a:t>netzwerk</a:t>
+            </a:r>
+            <a:r>
+              <a:rPr lang="en-GB" dirty="0"/>
+              <a:t> </a:t>
+            </a:r>
+            <a:r>
+              <a:rPr lang="en-GB" dirty="0" err="1"/>
+              <a:t>laufen</a:t>
+            </a:r>
+            <a:r>
+              <a:rPr lang="en-GB" dirty="0"/>
+              <a:t> </a:t>
+            </a:r>
+            <a:r>
+              <a:rPr lang="en-GB" dirty="0" err="1"/>
+              <a:t>gelassen</a:t>
+            </a:r>
+            <a:endParaRPr lang="en-GB" dirty="0"/>
+          </a:p>
+        </p:txBody>
+      </p:sp>
+    </p:spTree>
+    <p:extLst>
+      <p:ext uri="{BB962C8B-B14F-4D97-AF65-F5344CB8AC3E}">
+        <p14:creationId xmlns:p14="http://schemas.microsoft.com/office/powerpoint/2010/main" val="1295026059"/>
+      </p:ext>
+    </p:extLst>
+  </p:cSld>
+  <p:clrMapOvr>
+    <a:masterClrMapping/>
+  </p:clrMapOvr>
+</p:notes>
+</file>
+
+<file path=ppt/notesSlides/notesSlide8.xml><?xml version="1.0" encoding="utf-8"?>
+<p:notes xmlns:a="http://schemas.openxmlformats.org/drawingml/2006/main" xmlns:r="http://schemas.openxmlformats.org/officeDocument/2006/relationships" xmlns:p="http://schemas.openxmlformats.org/presentationml/2006/main">
+  <p:cSld>
+    <p:spTree>
+      <p:nvGrpSpPr>
+        <p:cNvPr id="1" name=""/>
+        <p:cNvGrpSpPr/>
+        <p:nvPr/>
+      </p:nvGrpSpPr>
+      <p:grpSpPr>
+        <a:xfrm>
+          <a:off x="0" y="0"/>
+          <a:ext cx="0" cy="0"/>
+          <a:chOff x="0" y="0"/>
+          <a:chExt cx="0" cy="0"/>
+        </a:xfrm>
+      </p:grpSpPr>
+      <p:sp>
+        <p:nvSpPr>
+          <p:cNvPr id="13313" name="Rectangle 7"/>
+          <p:cNvSpPr>
+            <a:spLocks noGrp="1" noChangeArrowheads="1"/>
+          </p:cNvSpPr>
+          <p:nvPr>
+            <p:ph type="sldNum" sz="quarter" idx="5"/>
+          </p:nvPr>
+        </p:nvSpPr>
+        <p:spPr>
+          <a:noFill/>
+          <a:ln/>
+          <a:extLst>
+            <a:ext uri="{909E8E84-426E-40DD-AFC4-6F175D3DCCD1}">
+              <a14:hiddenFill xmlns:a14="http://schemas.microsoft.com/office/drawing/2010/main">
+                <a:solidFill>
+                  <a:srgbClr val="FFFFFF"/>
+                </a:solidFill>
+              </a14:hiddenFill>
+            </a:ext>
+            <a:ext uri="{91240B29-F687-4F45-9708-019B960494DF}">
+              <a14:hiddenLine xmlns:a14="http://schemas.microsoft.com/office/drawing/2010/main" w="9525">
+                <a:solidFill>
+                  <a:srgbClr val="000000"/>
+                </a:solidFill>
+                <a:miter lim="800000"/>
+                <a:headEnd/>
+                <a:tailEnd/>
+              </a14:hiddenLine>
+            </a:ext>
+          </a:extLst>
+        </p:spPr>
+        <p:txBody>
+          <a:bodyPr/>
+          <a:lstStyle>
+            <a:lvl1pPr eaLnBrk="0" hangingPunct="0">
+              <a:defRPr sz="2400">
+                <a:solidFill>
+                  <a:schemeClr val="tx1"/>
+                </a:solidFill>
+                <a:latin typeface="Verdana" charset="0"/>
+                <a:ea typeface="ＭＳ Ｐゴシック" charset="0"/>
+                <a:cs typeface="ＭＳ Ｐゴシック" charset="0"/>
+              </a:defRPr>
+            </a:lvl1pPr>
+            <a:lvl2pPr marL="742950" indent="-285750" eaLnBrk="0" hangingPunct="0">
+              <a:defRPr sz="2400">
+                <a:solidFill>
+                  <a:schemeClr val="tx1"/>
+                </a:solidFill>
+                <a:latin typeface="Verdana" charset="0"/>
+                <a:ea typeface="ＭＳ Ｐゴシック" charset="0"/>
+              </a:defRPr>
+            </a:lvl2pPr>
+            <a:lvl3pPr marL="1143000" indent="-228600" eaLnBrk="0" hangingPunct="0">
+              <a:defRPr sz="2400">
+                <a:solidFill>
+                  <a:schemeClr val="tx1"/>
+                </a:solidFill>
+                <a:latin typeface="Verdana" charset="0"/>
+                <a:ea typeface="ＭＳ Ｐゴシック" charset="0"/>
+              </a:defRPr>
+            </a:lvl3pPr>
+            <a:lvl4pPr marL="1600200" indent="-228600" eaLnBrk="0" hangingPunct="0">
+              <a:defRPr sz="2400">
+                <a:solidFill>
+                  <a:schemeClr val="tx1"/>
+                </a:solidFill>
+                <a:latin typeface="Verdana" charset="0"/>
+                <a:ea typeface="ＭＳ Ｐゴシック" charset="0"/>
+              </a:defRPr>
+            </a:lvl4pPr>
+            <a:lvl5pPr marL="2057400" indent="-228600" eaLnBrk="0" hangingPunct="0">
+              <a:defRPr sz="2400">
+                <a:solidFill>
+                  <a:schemeClr val="tx1"/>
+                </a:solidFill>
+                <a:latin typeface="Verdana" charset="0"/>
+                <a:ea typeface="ＭＳ Ｐゴシック" charset="0"/>
+              </a:defRPr>
+            </a:lvl5pPr>
+            <a:lvl6pPr marL="2514600" indent="-228600" eaLnBrk="0" fontAlgn="base" hangingPunct="0">
+              <a:spcBef>
+                <a:spcPct val="0"/>
+              </a:spcBef>
+              <a:spcAft>
+                <a:spcPct val="0"/>
+              </a:spcAft>
+              <a:defRPr sz="2400">
+                <a:solidFill>
+                  <a:schemeClr val="tx1"/>
+                </a:solidFill>
+                <a:latin typeface="Verdana" charset="0"/>
+                <a:ea typeface="ＭＳ Ｐゴシック" charset="0"/>
+              </a:defRPr>
+            </a:lvl6pPr>
+            <a:lvl7pPr marL="2971800" indent="-228600" eaLnBrk="0" fontAlgn="base" hangingPunct="0">
+              <a:spcBef>
+                <a:spcPct val="0"/>
+              </a:spcBef>
+              <a:spcAft>
+                <a:spcPct val="0"/>
+              </a:spcAft>
+              <a:defRPr sz="2400">
+                <a:solidFill>
+                  <a:schemeClr val="tx1"/>
+                </a:solidFill>
+                <a:latin typeface="Verdana" charset="0"/>
+                <a:ea typeface="ＭＳ Ｐゴシック" charset="0"/>
+              </a:defRPr>
+            </a:lvl7pPr>
+            <a:lvl8pPr marL="3429000" indent="-228600" eaLnBrk="0" fontAlgn="base" hangingPunct="0">
+              <a:spcBef>
+                <a:spcPct val="0"/>
+              </a:spcBef>
+              <a:spcAft>
+                <a:spcPct val="0"/>
+              </a:spcAft>
+              <a:defRPr sz="2400">
+                <a:solidFill>
+                  <a:schemeClr val="tx1"/>
+                </a:solidFill>
+                <a:latin typeface="Verdana" charset="0"/>
+                <a:ea typeface="ＭＳ Ｐゴシック" charset="0"/>
+              </a:defRPr>
+            </a:lvl8pPr>
+            <a:lvl9pPr marL="3886200" indent="-228600" eaLnBrk="0" fontAlgn="base" hangingPunct="0">
+              <a:spcBef>
+                <a:spcPct val="0"/>
+              </a:spcBef>
+              <a:spcAft>
+                <a:spcPct val="0"/>
+              </a:spcAft>
+              <a:defRPr sz="2400">
+                <a:solidFill>
+                  <a:schemeClr val="tx1"/>
+                </a:solidFill>
+                <a:latin typeface="Verdana" charset="0"/>
+                <a:ea typeface="ＭＳ Ｐゴシック" charset="0"/>
+              </a:defRPr>
+            </a:lvl9pPr>
+          </a:lstStyle>
+          <a:p>
+            <a:fld id="{D96C611C-4D80-864B-B939-EBFCF83FC60E}" type="slidenum">
+              <a:rPr lang="de-DE" sz="1200">
+                <a:latin typeface="Andale Mono" charset="0"/>
+              </a:rPr>
+              <a:pPr/>
+              <a:t>9</a:t>
+            </a:fld>
+            <a:endParaRPr lang="de-DE" sz="1200">
+              <a:latin typeface="Andale Mono" charset="0"/>
+            </a:endParaRPr>
+          </a:p>
+        </p:txBody>
+      </p:sp>
+      <p:sp>
+        <p:nvSpPr>
+          <p:cNvPr id="13314" name="Rectangle 2"/>
+          <p:cNvSpPr>
+            <a:spLocks noGrp="1" noRot="1" noChangeAspect="1" noChangeArrowheads="1"/>
+          </p:cNvSpPr>
+          <p:nvPr>
+            <p:ph type="sldImg"/>
+          </p:nvPr>
+        </p:nvSpPr>
+        <p:spPr>
+          <a:solidFill>
+            <a:srgbClr val="FFFFFF"/>
+          </a:solidFill>
+          <a:ln/>
+        </p:spPr>
+      </p:sp>
+      <p:sp>
+        <p:nvSpPr>
+          <p:cNvPr id="13315" name="Rectangle 3"/>
+          <p:cNvSpPr>
+            <a:spLocks noGrp="1" noChangeArrowheads="1"/>
+          </p:cNvSpPr>
+          <p:nvPr>
+            <p:ph type="body" idx="1"/>
+          </p:nvPr>
+        </p:nvSpPr>
+        <p:spPr>
+          <a:solidFill>
+            <a:srgbClr val="FFFFFF"/>
+          </a:solidFill>
+          <a:ln>
+            <a:solidFill>
+              <a:srgbClr val="000000"/>
+            </a:solidFill>
+          </a:ln>
+          <a:extLst>
+            <a:ext uri="{FAA26D3D-D897-4be2-8F04-BA451C77F1D7}">
+              <ma14:placeholderFlag xmlns="" xmlns:ma14="http://schemas.microsoft.com/office/mac/drawingml/2011/main" val="1"/>
+            </a:ext>
+          </a:extLst>
+        </p:spPr>
+        <p:txBody>
+          <a:bodyPr/>
+          <a:lstStyle/>
+          <a:p>
+            <a:pPr eaLnBrk="1" hangingPunct="1"/>
+            <a:endParaRPr lang="en-GB" dirty="0"/>
+          </a:p>
+        </p:txBody>
+      </p:sp>
+    </p:spTree>
+  </p:cSld>
+  <p:clrMapOvr>
+    <a:masterClrMapping/>
+  </p:clrMapOvr>
+</p:notes>
+</file>
+
+<file path=ppt/notesSlides/notesSlide9.xml><?xml version="1.0" encoding="utf-8"?>
+<p:notes xmlns:a="http://schemas.openxmlformats.org/drawingml/2006/main" xmlns:r="http://schemas.openxmlformats.org/officeDocument/2006/relationships" xmlns:p="http://schemas.openxmlformats.org/presentationml/2006/main">
+  <p:cSld>
+    <p:spTree>
+      <p:nvGrpSpPr>
+        <p:cNvPr id="1" name=""/>
+        <p:cNvGrpSpPr/>
+        <p:nvPr/>
+      </p:nvGrpSpPr>
+      <p:grpSpPr>
+        <a:xfrm>
+          <a:off x="0" y="0"/>
+          <a:ext cx="0" cy="0"/>
+          <a:chOff x="0" y="0"/>
+          <a:chExt cx="0" cy="0"/>
+        </a:xfrm>
+      </p:grpSpPr>
+      <p:sp>
+        <p:nvSpPr>
+          <p:cNvPr id="13313" name="Rectangle 7"/>
+          <p:cNvSpPr>
+            <a:spLocks noGrp="1" noChangeArrowheads="1"/>
+          </p:cNvSpPr>
+          <p:nvPr>
+            <p:ph type="sldNum" sz="quarter" idx="5"/>
+          </p:nvPr>
+        </p:nvSpPr>
+        <p:spPr>
+          <a:noFill/>
+          <a:ln/>
+          <a:extLst>
+            <a:ext uri="{909E8E84-426E-40DD-AFC4-6F175D3DCCD1}">
+              <a14:hiddenFill xmlns:a14="http://schemas.microsoft.com/office/drawing/2010/main">
+                <a:solidFill>
+                  <a:srgbClr val="FFFFFF"/>
+                </a:solidFill>
+              </a14:hiddenFill>
+            </a:ext>
+            <a:ext uri="{91240B29-F687-4F45-9708-019B960494DF}">
+              <a14:hiddenLine xmlns:a14="http://schemas.microsoft.com/office/drawing/2010/main" w="9525">
+                <a:solidFill>
+                  <a:srgbClr val="000000"/>
+                </a:solidFill>
+                <a:miter lim="800000"/>
+                <a:headEnd/>
+                <a:tailEnd/>
+              </a14:hiddenLine>
+            </a:ext>
+          </a:extLst>
+        </p:spPr>
+        <p:txBody>
+          <a:bodyPr/>
+          <a:lstStyle>
+            <a:lvl1pPr eaLnBrk="0" hangingPunct="0">
+              <a:defRPr sz="2400">
+                <a:solidFill>
+                  <a:schemeClr val="tx1"/>
+                </a:solidFill>
+                <a:latin typeface="Verdana" charset="0"/>
+                <a:ea typeface="ＭＳ Ｐゴシック" charset="0"/>
+                <a:cs typeface="ＭＳ Ｐゴシック" charset="0"/>
+              </a:defRPr>
+            </a:lvl1pPr>
+            <a:lvl2pPr marL="742950" indent="-285750" eaLnBrk="0" hangingPunct="0">
+              <a:defRPr sz="2400">
+                <a:solidFill>
+                  <a:schemeClr val="tx1"/>
+                </a:solidFill>
+                <a:latin typeface="Verdana" charset="0"/>
+                <a:ea typeface="ＭＳ Ｐゴシック" charset="0"/>
+              </a:defRPr>
+            </a:lvl2pPr>
+            <a:lvl3pPr marL="1143000" indent="-228600" eaLnBrk="0" hangingPunct="0">
+              <a:defRPr sz="2400">
+                <a:solidFill>
+                  <a:schemeClr val="tx1"/>
+                </a:solidFill>
+                <a:latin typeface="Verdana" charset="0"/>
+                <a:ea typeface="ＭＳ Ｐゴシック" charset="0"/>
+              </a:defRPr>
+            </a:lvl3pPr>
+            <a:lvl4pPr marL="1600200" indent="-228600" eaLnBrk="0" hangingPunct="0">
+              <a:defRPr sz="2400">
+                <a:solidFill>
+                  <a:schemeClr val="tx1"/>
+                </a:solidFill>
+                <a:latin typeface="Verdana" charset="0"/>
+                <a:ea typeface="ＭＳ Ｐゴシック" charset="0"/>
+              </a:defRPr>
+            </a:lvl4pPr>
+            <a:lvl5pPr marL="2057400" indent="-228600" eaLnBrk="0" hangingPunct="0">
+              <a:defRPr sz="2400">
+                <a:solidFill>
+                  <a:schemeClr val="tx1"/>
+                </a:solidFill>
+                <a:latin typeface="Verdana" charset="0"/>
+                <a:ea typeface="ＭＳ Ｐゴシック" charset="0"/>
+              </a:defRPr>
+            </a:lvl5pPr>
+            <a:lvl6pPr marL="2514600" indent="-228600" eaLnBrk="0" fontAlgn="base" hangingPunct="0">
+              <a:spcBef>
+                <a:spcPct val="0"/>
+              </a:spcBef>
+              <a:spcAft>
+                <a:spcPct val="0"/>
+              </a:spcAft>
+              <a:defRPr sz="2400">
+                <a:solidFill>
+                  <a:schemeClr val="tx1"/>
+                </a:solidFill>
+                <a:latin typeface="Verdana" charset="0"/>
+                <a:ea typeface="ＭＳ Ｐゴシック" charset="0"/>
+              </a:defRPr>
+            </a:lvl6pPr>
+            <a:lvl7pPr marL="2971800" indent="-228600" eaLnBrk="0" fontAlgn="base" hangingPunct="0">
+              <a:spcBef>
+                <a:spcPct val="0"/>
+              </a:spcBef>
+              <a:spcAft>
+                <a:spcPct val="0"/>
+              </a:spcAft>
+              <a:defRPr sz="2400">
+                <a:solidFill>
+                  <a:schemeClr val="tx1"/>
+                </a:solidFill>
+                <a:latin typeface="Verdana" charset="0"/>
+                <a:ea typeface="ＭＳ Ｐゴシック" charset="0"/>
+              </a:defRPr>
+            </a:lvl7pPr>
+            <a:lvl8pPr marL="3429000" indent="-228600" eaLnBrk="0" fontAlgn="base" hangingPunct="0">
+              <a:spcBef>
+                <a:spcPct val="0"/>
+              </a:spcBef>
+              <a:spcAft>
+                <a:spcPct val="0"/>
+              </a:spcAft>
+              <a:defRPr sz="2400">
+                <a:solidFill>
+                  <a:schemeClr val="tx1"/>
+                </a:solidFill>
+                <a:latin typeface="Verdana" charset="0"/>
+                <a:ea typeface="ＭＳ Ｐゴシック" charset="0"/>
+              </a:defRPr>
+            </a:lvl8pPr>
+            <a:lvl9pPr marL="3886200" indent="-228600" eaLnBrk="0" fontAlgn="base" hangingPunct="0">
+              <a:spcBef>
+                <a:spcPct val="0"/>
+              </a:spcBef>
+              <a:spcAft>
+                <a:spcPct val="0"/>
+              </a:spcAft>
+              <a:defRPr sz="2400">
+                <a:solidFill>
+                  <a:schemeClr val="tx1"/>
+                </a:solidFill>
+                <a:latin typeface="Verdana" charset="0"/>
+                <a:ea typeface="ＭＳ Ｐゴシック" charset="0"/>
+              </a:defRPr>
+            </a:lvl9pPr>
+          </a:lstStyle>
+          <a:p>
+            <a:fld id="{D96C611C-4D80-864B-B939-EBFCF83FC60E}" type="slidenum">
+              <a:rPr lang="de-DE" sz="1200">
+                <a:latin typeface="Andale Mono" charset="0"/>
+              </a:rPr>
+              <a:pPr/>
+              <a:t>10</a:t>
+            </a:fld>
+            <a:endParaRPr lang="de-DE" sz="1200">
+              <a:latin typeface="Andale Mono" charset="0"/>
+            </a:endParaRPr>
+          </a:p>
+        </p:txBody>
+      </p:sp>
+      <p:sp>
+        <p:nvSpPr>
+          <p:cNvPr id="13314" name="Rectangle 2"/>
+          <p:cNvSpPr>
+            <a:spLocks noGrp="1" noRot="1" noChangeAspect="1" noChangeArrowheads="1"/>
+          </p:cNvSpPr>
+          <p:nvPr>
+            <p:ph type="sldImg"/>
+          </p:nvPr>
+        </p:nvSpPr>
+        <p:spPr>
+          <a:solidFill>
+            <a:srgbClr val="FFFFFF"/>
+          </a:solidFill>
+          <a:ln/>
+        </p:spPr>
+      </p:sp>
+      <p:sp>
+        <p:nvSpPr>
+          <p:cNvPr id="13315" name="Rectangle 3"/>
+          <p:cNvSpPr>
+            <a:spLocks noGrp="1" noChangeArrowheads="1"/>
+          </p:cNvSpPr>
+          <p:nvPr>
+            <p:ph type="body" idx="1"/>
+          </p:nvPr>
+        </p:nvSpPr>
+        <p:spPr>
+          <a:solidFill>
+            <a:srgbClr val="FFFFFF"/>
+          </a:solidFill>
+          <a:ln>
+            <a:solidFill>
+              <a:srgbClr val="000000"/>
+            </a:solidFill>
+          </a:ln>
+          <a:extLst>
+            <a:ext uri="{FAA26D3D-D897-4be2-8F04-BA451C77F1D7}">
+              <ma14:placeholderFlag xmlns="" xmlns:ma14="http://schemas.microsoft.com/office/mac/drawingml/2011/main" val="1"/>
+            </a:ext>
+          </a:extLst>
+        </p:spPr>
+        <p:txBody>
+          <a:bodyPr/>
+          <a:lstStyle/>
+          <a:p>
+            <a:pPr eaLnBrk="1" hangingPunct="1"/>
+            <a:endParaRPr lang="en-GB" dirty="0"/>
+          </a:p>
+        </p:txBody>
+      </p:sp>
+    </p:spTree>
+    <p:extLst>
+      <p:ext uri="{BB962C8B-B14F-4D97-AF65-F5344CB8AC3E}">
+        <p14:creationId xmlns:p14="http://schemas.microsoft.com/office/powerpoint/2010/main" val="885676067"/>
+      </p:ext>
+    </p:extLst>
   </p:cSld>
   <p:clrMapOvr>
     <a:masterClrMapping/>
@@ -2247,7 +3275,7 @@
               </a:pPr>
               <a:t>‹Nr.›</a:t>
             </a:fld>
-            <a:endParaRPr lang="de-DE" sz="1000" smtClean="0">
+            <a:endParaRPr lang="de-DE" sz="1000">
               <a:latin typeface="Calibri"/>
               <a:cs typeface="Calibri"/>
             </a:endParaRPr>
@@ -2286,10 +3314,9 @@
           </a:lstStyle>
           <a:p>
             <a:r>
-              <a:rPr lang="de-DE" dirty="0" smtClean="0"/>
+              <a:rPr lang="de-DE" dirty="0"/>
               <a:t>Mastertitelformat bearbeiten</a:t>
             </a:r>
-            <a:endParaRPr lang="de-DE" dirty="0"/>
           </a:p>
         </p:txBody>
       </p:sp>
@@ -2324,10 +3351,9 @@
           </a:lstStyle>
           <a:p>
             <a:r>
-              <a:rPr lang="de-DE" smtClean="0"/>
+              <a:rPr lang="de-DE"/>
               <a:t>Master-Untertitelformat bearbeiten</a:t>
             </a:r>
-            <a:endParaRPr lang="de-DE"/>
           </a:p>
         </p:txBody>
       </p:sp>
@@ -2362,7 +3388,7 @@
           <a:p>
             <a:pPr lvl="0"/>
             <a:r>
-              <a:rPr lang="de-DE" dirty="0" smtClean="0"/>
+              <a:rPr lang="de-DE" dirty="0"/>
               <a:t>Mastertextformat bearbeiten</a:t>
             </a:r>
           </a:p>
@@ -2438,10 +3464,9 @@
           <a:lstStyle/>
           <a:p>
             <a:r>
-              <a:rPr lang="de-DE" dirty="0" smtClean="0"/>
+              <a:rPr lang="de-DE" dirty="0"/>
               <a:t>Mastertitelformat bearbeiten</a:t>
             </a:r>
-            <a:endParaRPr lang="de-DE" dirty="0"/>
           </a:p>
         </p:txBody>
       </p:sp>
@@ -2462,38 +3487,37 @@
           <a:p>
             <a:pPr lvl="0"/>
             <a:r>
-              <a:rPr lang="de-DE" smtClean="0"/>
+              <a:rPr lang="de-DE"/>
               <a:t>Mastertextformat bearbeiten</a:t>
             </a:r>
           </a:p>
           <a:p>
             <a:pPr lvl="1"/>
             <a:r>
-              <a:rPr lang="de-DE" smtClean="0"/>
+              <a:rPr lang="de-DE"/>
               <a:t>Zweite Ebene</a:t>
             </a:r>
           </a:p>
           <a:p>
             <a:pPr lvl="2"/>
             <a:r>
-              <a:rPr lang="de-DE" smtClean="0"/>
+              <a:rPr lang="de-DE"/>
               <a:t>Dritte Ebene</a:t>
             </a:r>
           </a:p>
           <a:p>
             <a:pPr lvl="3"/>
             <a:r>
-              <a:rPr lang="de-DE" smtClean="0"/>
+              <a:rPr lang="de-DE"/>
               <a:t>Vierte Ebene</a:t>
             </a:r>
           </a:p>
           <a:p>
             <a:pPr lvl="4"/>
             <a:r>
-              <a:rPr lang="de-DE" smtClean="0"/>
+              <a:rPr lang="de-DE"/>
               <a:t>Fünfte Ebene</a:t>
             </a:r>
-            <a:endParaRPr lang="de-DE"/>
           </a:p>
         </p:txBody>
       </p:sp>
@@ -2632,7 +3656,7 @@
               </a14:hiddenLine>
             </a:ext>
             <a:ext uri="{FAA26D3D-D897-4be2-8F04-BA451C77F1D7}">
-              <ma14:placeholderFlag xmlns:ma14="http://schemas.microsoft.com/office/mac/drawingml/2011/main" xmlns="" val="1"/>
+              <ma14:placeholderFlag xmlns="" xmlns:ma14="http://schemas.microsoft.com/office/mac/drawingml/2011/main" val="1"/>
             </a:ext>
           </a:extLst>
         </p:spPr>
@@ -2693,7 +3717,7 @@
               </a14:hiddenLine>
             </a:ext>
             <a:ext uri="{FAA26D3D-D897-4be2-8F04-BA451C77F1D7}">
-              <ma14:placeholderFlag xmlns:ma14="http://schemas.microsoft.com/office/mac/drawingml/2011/main" xmlns="" val="1"/>
+              <ma14:placeholderFlag xmlns="" xmlns:ma14="http://schemas.microsoft.com/office/mac/drawingml/2011/main" val="1"/>
             </a:ext>
           </a:extLst>
         </p:spPr>
@@ -3057,7 +4081,7 @@
               </a:pPr>
               <a:t>‹Nr.›</a:t>
             </a:fld>
-            <a:endParaRPr lang="de-DE" sz="1000" smtClean="0">
+            <a:endParaRPr lang="de-DE" sz="1000">
               <a:latin typeface="Calibri"/>
               <a:cs typeface="Calibri"/>
             </a:endParaRPr>
@@ -3542,22 +4566,22 @@
           <a:lstStyle/>
           <a:p>
             <a:r>
-              <a:rPr lang="de-DE" dirty="0" smtClean="0"/>
+              <a:rPr lang="de-DE" dirty="0"/>
               <a:t>Tor: The Second-Generation </a:t>
             </a:r>
             <a:r>
-              <a:rPr lang="de-DE" dirty="0" err="1" smtClean="0"/>
+              <a:rPr lang="de-DE" dirty="0" err="1"/>
               <a:t>Onion</a:t>
             </a:r>
             <a:r>
-              <a:rPr lang="de-DE" dirty="0" smtClean="0"/>
+              <a:rPr lang="de-DE" dirty="0"/>
               <a:t> Router</a:t>
             </a:r>
             <a:br>
-              <a:rPr lang="de-DE" dirty="0" smtClean="0"/>
+              <a:rPr lang="de-DE" dirty="0"/>
             </a:br>
             <a:r>
-              <a:rPr lang="en-US" dirty="0" smtClean="0">
+              <a:rPr lang="en-US" dirty="0">
                 <a:solidFill>
                   <a:schemeClr val="tx1">
                     <a:lumMod val="50000"/>
@@ -3594,7 +4618,7 @@
           <a:lstStyle/>
           <a:p>
             <a:r>
-              <a:rPr lang="de-DE" dirty="0" smtClean="0"/>
+              <a:rPr lang="de-DE" dirty="0"/>
               <a:t>Thomas Maier, Tom Petersen</a:t>
             </a:r>
           </a:p>
@@ -3654,7 +4678,7 @@
           </a:p>
           <a:p>
             <a:r>
-              <a:rPr lang="de-DE" dirty="0" smtClean="0">
+              <a:rPr lang="de-DE" dirty="0">
                 <a:solidFill>
                   <a:schemeClr val="tx1">
                     <a:lumMod val="50000"/>
@@ -3665,7 +4689,7 @@
               <a:t>University </a:t>
             </a:r>
             <a:r>
-              <a:rPr lang="de-DE" dirty="0" err="1" smtClean="0">
+              <a:rPr lang="de-DE" dirty="0" err="1">
                 <a:solidFill>
                   <a:schemeClr val="tx1">
                     <a:lumMod val="50000"/>
@@ -3676,7 +4700,7 @@
               <a:t>of</a:t>
             </a:r>
             <a:r>
-              <a:rPr lang="de-DE" dirty="0" smtClean="0">
+              <a:rPr lang="de-DE" dirty="0">
                 <a:solidFill>
                   <a:schemeClr val="tx1">
                     <a:lumMod val="50000"/>
@@ -3686,14 +4710,6 @@
               </a:rPr>
               <a:t> Hamburg</a:t>
             </a:r>
-            <a:endParaRPr lang="de-DE" dirty="0" smtClean="0">
-              <a:solidFill>
-                <a:schemeClr val="tx1">
-                  <a:lumMod val="50000"/>
-                  <a:lumOff val="50000"/>
-                </a:schemeClr>
-              </a:solidFill>
-            </a:endParaRPr>
           </a:p>
         </p:txBody>
       </p:sp>
@@ -3713,18 +4729,17 @@
           <a:lstStyle/>
           <a:p>
             <a:r>
-              <a:rPr lang="de-DE" dirty="0" smtClean="0"/>
+              <a:rPr lang="de-DE" dirty="0"/>
               <a:t>18 </a:t>
             </a:r>
             <a:r>
-              <a:rPr lang="de-DE" dirty="0" err="1" smtClean="0"/>
+              <a:rPr lang="de-DE" dirty="0" err="1"/>
               <a:t>January</a:t>
             </a:r>
             <a:r>
-              <a:rPr lang="de-DE" dirty="0" smtClean="0"/>
+              <a:rPr lang="de-DE" dirty="0"/>
               <a:t> 2017</a:t>
             </a:r>
-            <a:endParaRPr lang="de-DE" dirty="0"/>
           </a:p>
         </p:txBody>
       </p:sp>
@@ -3733,13 +4748,618 @@
   <p:clrMapOvr>
     <a:masterClrMapping/>
   </p:clrMapOvr>
-  <p:timing>
-    <p:tnLst>
-      <p:par>
-        <p:cTn id="1" dur="indefinite" restart="never" nodeType="tmRoot"/>
-      </p:par>
-    </p:tnLst>
-  </p:timing>
+</p:sld>
+</file>
+
+<file path=ppt/slides/slide10.xml><?xml version="1.0" encoding="utf-8"?>
+<p:sld xmlns:a="http://schemas.openxmlformats.org/drawingml/2006/main" xmlns:r="http://schemas.openxmlformats.org/officeDocument/2006/relationships" xmlns:p="http://schemas.openxmlformats.org/presentationml/2006/main">
+  <p:cSld>
+    <p:spTree>
+      <p:nvGrpSpPr>
+        <p:cNvPr id="1" name=""/>
+        <p:cNvGrpSpPr/>
+        <p:nvPr/>
+      </p:nvGrpSpPr>
+      <p:grpSpPr>
+        <a:xfrm>
+          <a:off x="0" y="0"/>
+          <a:ext cx="0" cy="0"/>
+          <a:chOff x="0" y="0"/>
+          <a:chExt cx="0" cy="0"/>
+        </a:xfrm>
+      </p:grpSpPr>
+      <p:sp>
+        <p:nvSpPr>
+          <p:cNvPr id="12290" name="Rectangle 3"/>
+          <p:cNvSpPr>
+            <a:spLocks noGrp="1" noChangeArrowheads="1"/>
+          </p:cNvSpPr>
+          <p:nvPr>
+            <p:ph type="title"/>
+          </p:nvPr>
+        </p:nvSpPr>
+        <p:spPr/>
+        <p:txBody>
+          <a:bodyPr/>
+          <a:lstStyle/>
+          <a:p>
+            <a:r>
+              <a:rPr lang="de-DE" dirty="0" err="1"/>
+              <a:t>Conclusion</a:t>
+            </a:r>
+            <a:endParaRPr lang="de-DE" dirty="0">
+              <a:latin typeface="Calibri"/>
+            </a:endParaRPr>
+          </a:p>
+        </p:txBody>
+      </p:sp>
+      <p:sp>
+        <p:nvSpPr>
+          <p:cNvPr id="12315" name="Rectangle 28"/>
+          <p:cNvSpPr>
+            <a:spLocks noGrp="1" noChangeArrowheads="1"/>
+          </p:cNvSpPr>
+          <p:nvPr>
+            <p:ph type="body" idx="1"/>
+          </p:nvPr>
+        </p:nvSpPr>
+        <p:spPr>
+          <a:xfrm>
+            <a:off x="457200" y="1219200"/>
+            <a:ext cx="8458200" cy="5162128"/>
+          </a:xfrm>
+        </p:spPr>
+        <p:txBody>
+          <a:bodyPr/>
+          <a:lstStyle/>
+          <a:p>
+            <a:pPr eaLnBrk="1" hangingPunct="1"/>
+            <a:r>
+              <a:rPr lang="de-DE" dirty="0" err="1">
+                <a:latin typeface="Calibri"/>
+              </a:rPr>
+              <a:t>Based</a:t>
+            </a:r>
+            <a:r>
+              <a:rPr lang="de-DE" dirty="0">
+                <a:latin typeface="Calibri"/>
+              </a:rPr>
+              <a:t> on Mixed-Nets </a:t>
+            </a:r>
+            <a:r>
+              <a:rPr lang="de-DE" dirty="0" err="1">
+                <a:latin typeface="Calibri"/>
+              </a:rPr>
+              <a:t>and</a:t>
+            </a:r>
+            <a:r>
+              <a:rPr lang="de-DE" dirty="0">
+                <a:latin typeface="Calibri"/>
+              </a:rPr>
+              <a:t> </a:t>
+            </a:r>
+            <a:r>
+              <a:rPr lang="de-DE" dirty="0" err="1">
+                <a:latin typeface="Calibri"/>
+              </a:rPr>
+              <a:t>onion</a:t>
+            </a:r>
+            <a:r>
+              <a:rPr lang="de-DE" dirty="0">
+                <a:latin typeface="Calibri"/>
+              </a:rPr>
+              <a:t> </a:t>
+            </a:r>
+            <a:r>
+              <a:rPr lang="de-DE" dirty="0" err="1">
+                <a:latin typeface="Calibri"/>
+              </a:rPr>
+              <a:t>routing</a:t>
+            </a:r>
+            <a:endParaRPr lang="de-DE" dirty="0">
+              <a:latin typeface="Calibri"/>
+            </a:endParaRPr>
+          </a:p>
+          <a:p>
+            <a:pPr lvl="1"/>
+            <a:r>
+              <a:rPr lang="de-DE" dirty="0" err="1">
+                <a:latin typeface="Calibri"/>
+              </a:rPr>
+              <a:t>Uses</a:t>
+            </a:r>
+            <a:r>
+              <a:rPr lang="de-DE" dirty="0">
+                <a:latin typeface="Calibri"/>
+              </a:rPr>
+              <a:t> </a:t>
+            </a:r>
+            <a:r>
+              <a:rPr lang="de-DE" dirty="0" err="1">
+                <a:latin typeface="Calibri"/>
+              </a:rPr>
+              <a:t>layered</a:t>
+            </a:r>
+            <a:r>
+              <a:rPr lang="de-DE" dirty="0">
+                <a:latin typeface="Calibri"/>
+              </a:rPr>
+              <a:t> </a:t>
+            </a:r>
+            <a:r>
+              <a:rPr lang="de-DE" dirty="0" err="1">
+                <a:latin typeface="Calibri"/>
+              </a:rPr>
+              <a:t>encryption</a:t>
+            </a:r>
+            <a:r>
+              <a:rPr lang="de-DE" dirty="0">
+                <a:latin typeface="Calibri"/>
+              </a:rPr>
+              <a:t> </a:t>
+            </a:r>
+            <a:r>
+              <a:rPr lang="de-DE" dirty="0" err="1">
+                <a:latin typeface="Calibri"/>
+              </a:rPr>
+              <a:t>to</a:t>
+            </a:r>
+            <a:r>
+              <a:rPr lang="de-DE" dirty="0">
+                <a:latin typeface="Calibri"/>
+              </a:rPr>
+              <a:t> </a:t>
+            </a:r>
+            <a:r>
+              <a:rPr lang="de-DE" dirty="0" err="1">
+                <a:latin typeface="Calibri"/>
+              </a:rPr>
+              <a:t>hide</a:t>
+            </a:r>
+            <a:r>
+              <a:rPr lang="de-DE" dirty="0">
+                <a:latin typeface="Calibri"/>
+              </a:rPr>
+              <a:t> </a:t>
+            </a:r>
+            <a:r>
+              <a:rPr lang="de-DE" dirty="0" err="1">
+                <a:latin typeface="Calibri"/>
+              </a:rPr>
+              <a:t>the</a:t>
+            </a:r>
+            <a:r>
+              <a:rPr lang="de-DE" dirty="0">
+                <a:latin typeface="Calibri"/>
+              </a:rPr>
+              <a:t> </a:t>
+            </a:r>
+            <a:r>
+              <a:rPr lang="de-DE" dirty="0" err="1">
+                <a:latin typeface="Calibri"/>
+              </a:rPr>
+              <a:t>message</a:t>
+            </a:r>
+            <a:r>
+              <a:rPr lang="de-DE" dirty="0">
+                <a:latin typeface="Calibri"/>
+              </a:rPr>
+              <a:t> </a:t>
+            </a:r>
+            <a:r>
+              <a:rPr lang="de-DE" dirty="0" err="1">
+                <a:latin typeface="Calibri"/>
+              </a:rPr>
+              <a:t>destination</a:t>
+            </a:r>
+            <a:r>
+              <a:rPr lang="de-DE" dirty="0">
+                <a:latin typeface="Calibri"/>
+              </a:rPr>
+              <a:t> </a:t>
+            </a:r>
+            <a:r>
+              <a:rPr lang="de-DE" dirty="0" err="1">
+                <a:latin typeface="Calibri"/>
+              </a:rPr>
+              <a:t>and</a:t>
+            </a:r>
+            <a:r>
+              <a:rPr lang="de-DE" dirty="0">
+                <a:latin typeface="Calibri"/>
+              </a:rPr>
+              <a:t> </a:t>
+            </a:r>
+            <a:r>
+              <a:rPr lang="de-DE" dirty="0" err="1">
+                <a:latin typeface="Calibri"/>
+              </a:rPr>
+              <a:t>origin</a:t>
+            </a:r>
+            <a:endParaRPr lang="de-DE" dirty="0">
+              <a:latin typeface="Calibri"/>
+            </a:endParaRPr>
+          </a:p>
+          <a:p>
+            <a:pPr lvl="1"/>
+            <a:r>
+              <a:rPr lang="de-DE" dirty="0" err="1">
+                <a:latin typeface="Calibri"/>
+              </a:rPr>
+              <a:t>Protects</a:t>
+            </a:r>
+            <a:r>
+              <a:rPr lang="de-DE" dirty="0">
+                <a:latin typeface="Calibri"/>
+              </a:rPr>
+              <a:t> </a:t>
+            </a:r>
+            <a:r>
+              <a:rPr lang="de-DE" dirty="0" err="1">
+                <a:latin typeface="Calibri"/>
+              </a:rPr>
+              <a:t>against</a:t>
+            </a:r>
+            <a:r>
+              <a:rPr lang="de-DE" dirty="0">
+                <a:latin typeface="Calibri"/>
+              </a:rPr>
+              <a:t> </a:t>
+            </a:r>
+            <a:r>
+              <a:rPr lang="de-DE" dirty="0" err="1">
+                <a:latin typeface="Calibri"/>
+              </a:rPr>
+              <a:t>traffic</a:t>
+            </a:r>
+            <a:r>
+              <a:rPr lang="de-DE" dirty="0">
+                <a:latin typeface="Calibri"/>
+              </a:rPr>
+              <a:t> </a:t>
+            </a:r>
+            <a:r>
+              <a:rPr lang="de-DE" dirty="0" err="1">
+                <a:latin typeface="Calibri"/>
+              </a:rPr>
+              <a:t>analysis</a:t>
+            </a:r>
+            <a:r>
+              <a:rPr lang="de-DE" dirty="0">
+                <a:latin typeface="Calibri"/>
+              </a:rPr>
+              <a:t> </a:t>
+            </a:r>
+            <a:r>
+              <a:rPr lang="de-DE" dirty="0" err="1">
+                <a:latin typeface="Calibri"/>
+              </a:rPr>
+              <a:t>and</a:t>
+            </a:r>
+            <a:r>
+              <a:rPr lang="de-DE" dirty="0">
+                <a:latin typeface="Calibri"/>
+              </a:rPr>
+              <a:t> </a:t>
+            </a:r>
+            <a:r>
+              <a:rPr lang="de-DE" dirty="0" err="1">
+                <a:latin typeface="Calibri"/>
+              </a:rPr>
+              <a:t>network</a:t>
+            </a:r>
+            <a:r>
+              <a:rPr lang="de-DE" dirty="0">
+                <a:latin typeface="Calibri"/>
+              </a:rPr>
+              <a:t> </a:t>
+            </a:r>
+            <a:r>
+              <a:rPr lang="de-DE" dirty="0" err="1">
+                <a:latin typeface="Calibri"/>
+              </a:rPr>
+              <a:t>surveillance</a:t>
+            </a:r>
+            <a:endParaRPr lang="de-DE" dirty="0">
+              <a:latin typeface="Calibri"/>
+            </a:endParaRPr>
+          </a:p>
+          <a:p>
+            <a:pPr eaLnBrk="1" hangingPunct="1"/>
+            <a:endParaRPr lang="de-DE" dirty="0">
+              <a:latin typeface="Calibri"/>
+            </a:endParaRPr>
+          </a:p>
+          <a:p>
+            <a:pPr eaLnBrk="1" hangingPunct="1"/>
+            <a:r>
+              <a:rPr lang="de-DE" dirty="0">
+                <a:latin typeface="Calibri"/>
+              </a:rPr>
+              <a:t>Major </a:t>
+            </a:r>
+            <a:r>
+              <a:rPr lang="de-DE" dirty="0" err="1">
+                <a:latin typeface="Calibri"/>
+              </a:rPr>
+              <a:t>improvements</a:t>
+            </a:r>
+            <a:r>
+              <a:rPr lang="de-DE" dirty="0">
+                <a:latin typeface="Calibri"/>
+              </a:rPr>
+              <a:t> </a:t>
+            </a:r>
+            <a:r>
+              <a:rPr lang="de-DE" dirty="0" err="1">
+                <a:latin typeface="Calibri"/>
+              </a:rPr>
+              <a:t>to</a:t>
+            </a:r>
+            <a:r>
+              <a:rPr lang="de-DE" dirty="0">
+                <a:latin typeface="Calibri"/>
+              </a:rPr>
+              <a:t> </a:t>
+            </a:r>
+            <a:r>
+              <a:rPr lang="de-DE" dirty="0" err="1">
+                <a:latin typeface="Calibri"/>
+              </a:rPr>
+              <a:t>the</a:t>
+            </a:r>
+            <a:r>
+              <a:rPr lang="de-DE" dirty="0">
+                <a:latin typeface="Calibri"/>
+              </a:rPr>
+              <a:t> original </a:t>
+            </a:r>
+            <a:r>
+              <a:rPr lang="de-DE" dirty="0" err="1">
+                <a:latin typeface="Calibri"/>
+              </a:rPr>
+              <a:t>onion</a:t>
+            </a:r>
+            <a:r>
+              <a:rPr lang="de-DE" dirty="0">
+                <a:latin typeface="Calibri"/>
+              </a:rPr>
+              <a:t> </a:t>
+            </a:r>
+            <a:r>
+              <a:rPr lang="de-DE" dirty="0" err="1">
+                <a:latin typeface="Calibri"/>
+              </a:rPr>
+              <a:t>routing</a:t>
+            </a:r>
+            <a:endParaRPr lang="de-DE" dirty="0">
+              <a:latin typeface="Calibri"/>
+            </a:endParaRPr>
+          </a:p>
+          <a:p>
+            <a:pPr eaLnBrk="1" hangingPunct="1"/>
+            <a:endParaRPr lang="de-DE" dirty="0">
+              <a:latin typeface="Calibri"/>
+            </a:endParaRPr>
+          </a:p>
+          <a:p>
+            <a:pPr eaLnBrk="1" hangingPunct="1"/>
+            <a:r>
+              <a:rPr lang="de-DE" dirty="0" err="1">
+                <a:latin typeface="Calibri"/>
+              </a:rPr>
+              <a:t>Highly</a:t>
+            </a:r>
+            <a:r>
+              <a:rPr lang="de-DE" dirty="0">
+                <a:latin typeface="Calibri"/>
+              </a:rPr>
+              <a:t> </a:t>
+            </a:r>
+            <a:r>
+              <a:rPr lang="de-DE" dirty="0" err="1">
+                <a:latin typeface="Calibri"/>
+              </a:rPr>
+              <a:t>adapted</a:t>
+            </a:r>
+            <a:r>
+              <a:rPr lang="de-DE" dirty="0">
+                <a:latin typeface="Calibri"/>
+              </a:rPr>
+              <a:t> in </a:t>
+            </a:r>
+            <a:r>
+              <a:rPr lang="de-DE" dirty="0" err="1">
+                <a:latin typeface="Calibri"/>
+              </a:rPr>
+              <a:t>the</a:t>
+            </a:r>
+            <a:r>
+              <a:rPr lang="de-DE" dirty="0">
+                <a:latin typeface="Calibri"/>
+              </a:rPr>
+              <a:t> </a:t>
+            </a:r>
+            <a:r>
+              <a:rPr lang="de-DE" dirty="0" err="1">
+                <a:latin typeface="Calibri"/>
+              </a:rPr>
+              <a:t>world</a:t>
+            </a:r>
+            <a:r>
+              <a:rPr lang="de-DE" dirty="0">
+                <a:latin typeface="Calibri"/>
+              </a:rPr>
+              <a:t> </a:t>
+            </a:r>
+            <a:r>
+              <a:rPr lang="de-DE" dirty="0" err="1">
+                <a:latin typeface="Calibri"/>
+              </a:rPr>
+              <a:t>wide</a:t>
+            </a:r>
+            <a:r>
+              <a:rPr lang="de-DE" dirty="0">
+                <a:latin typeface="Calibri"/>
+              </a:rPr>
+              <a:t> web</a:t>
+            </a:r>
+          </a:p>
+          <a:p>
+            <a:pPr lvl="1"/>
+            <a:r>
+              <a:rPr lang="de-DE" dirty="0" err="1">
+                <a:latin typeface="Calibri"/>
+              </a:rPr>
+              <a:t>Currently</a:t>
+            </a:r>
+            <a:r>
+              <a:rPr lang="de-DE" dirty="0">
+                <a:latin typeface="Calibri"/>
+              </a:rPr>
+              <a:t> </a:t>
+            </a:r>
+            <a:r>
+              <a:rPr lang="de-DE" dirty="0" err="1">
+                <a:latin typeface="Calibri"/>
+              </a:rPr>
+              <a:t>round</a:t>
+            </a:r>
+            <a:r>
+              <a:rPr lang="de-DE" dirty="0">
+                <a:latin typeface="Calibri"/>
+              </a:rPr>
+              <a:t> </a:t>
+            </a:r>
+            <a:r>
+              <a:rPr lang="de-DE" dirty="0" err="1">
+                <a:latin typeface="Calibri"/>
+              </a:rPr>
+              <a:t>about</a:t>
+            </a:r>
+            <a:r>
+              <a:rPr lang="de-DE" dirty="0">
+                <a:latin typeface="Calibri"/>
+              </a:rPr>
+              <a:t> 2 </a:t>
+            </a:r>
+            <a:r>
+              <a:rPr lang="de-DE" dirty="0" err="1">
+                <a:latin typeface="Calibri"/>
+              </a:rPr>
+              <a:t>million</a:t>
+            </a:r>
+            <a:r>
+              <a:rPr lang="de-DE" dirty="0">
+                <a:latin typeface="Calibri"/>
+              </a:rPr>
+              <a:t> </a:t>
+            </a:r>
+            <a:r>
+              <a:rPr lang="de-DE" dirty="0" err="1">
+                <a:latin typeface="Calibri"/>
+              </a:rPr>
+              <a:t>users</a:t>
+            </a:r>
+            <a:endParaRPr lang="de-DE" dirty="0">
+              <a:latin typeface="Calibri"/>
+            </a:endParaRPr>
+          </a:p>
+          <a:p>
+            <a:pPr eaLnBrk="1" hangingPunct="1"/>
+            <a:endParaRPr lang="de-DE" dirty="0">
+              <a:latin typeface="Calibri"/>
+            </a:endParaRPr>
+          </a:p>
+          <a:p>
+            <a:r>
+              <a:rPr lang="de-DE" dirty="0"/>
+              <a:t>Support </a:t>
+            </a:r>
+            <a:r>
+              <a:rPr lang="de-DE" dirty="0" err="1"/>
+              <a:t>of</a:t>
+            </a:r>
+            <a:r>
+              <a:rPr lang="de-DE" dirty="0"/>
+              <a:t> </a:t>
+            </a:r>
+            <a:r>
+              <a:rPr lang="de-DE" dirty="0" err="1"/>
+              <a:t>privacy</a:t>
+            </a:r>
+            <a:r>
+              <a:rPr lang="de-DE" dirty="0"/>
+              <a:t> </a:t>
+            </a:r>
+            <a:r>
+              <a:rPr lang="de-DE" dirty="0" err="1"/>
+              <a:t>for</a:t>
+            </a:r>
+            <a:r>
+              <a:rPr lang="de-DE" dirty="0"/>
+              <a:t> </a:t>
+            </a:r>
+            <a:r>
+              <a:rPr lang="de-DE" dirty="0" err="1"/>
+              <a:t>everyone</a:t>
+            </a:r>
+            <a:r>
+              <a:rPr lang="de-DE" dirty="0"/>
+              <a:t>  vs. </a:t>
+            </a:r>
+            <a:r>
+              <a:rPr lang="de-DE" dirty="0"/>
+              <a:t>Potentia</a:t>
+            </a:r>
+            <a:r>
+              <a:rPr lang="de-DE" dirty="0">
+                <a:latin typeface="Calibri"/>
+              </a:rPr>
+              <a:t>l </a:t>
+            </a:r>
+            <a:r>
+              <a:rPr lang="de-DE" dirty="0" err="1">
+                <a:latin typeface="Calibri"/>
+              </a:rPr>
+              <a:t>criminal</a:t>
+            </a:r>
+            <a:r>
+              <a:rPr lang="de-DE" dirty="0">
+                <a:latin typeface="Calibri"/>
+              </a:rPr>
+              <a:t> </a:t>
+            </a:r>
+            <a:r>
+              <a:rPr lang="de-DE" dirty="0" err="1">
+                <a:latin typeface="Calibri"/>
+              </a:rPr>
+              <a:t>usage</a:t>
+            </a:r>
+            <a:endParaRPr lang="de-DE" dirty="0">
+              <a:latin typeface="Calibri"/>
+            </a:endParaRPr>
+          </a:p>
+          <a:p>
+            <a:pPr marL="0" indent="0">
+              <a:buNone/>
+            </a:pPr>
+            <a:endParaRPr lang="de-DE" dirty="0">
+              <a:latin typeface="Calibri"/>
+            </a:endParaRPr>
+          </a:p>
+        </p:txBody>
+      </p:sp>
+    </p:spTree>
+    <p:extLst>
+      <p:ext uri="{BB962C8B-B14F-4D97-AF65-F5344CB8AC3E}">
+        <p14:creationId xmlns:p14="http://schemas.microsoft.com/office/powerpoint/2010/main" val="3017450633"/>
+      </p:ext>
+    </p:extLst>
+  </p:cSld>
+  <p:clrMapOvr>
+    <a:masterClrMapping/>
+  </p:clrMapOvr>
 </p:sld>
 </file>
 
@@ -3776,10 +5396,9 @@
           <a:lstStyle/>
           <a:p>
             <a:r>
-              <a:rPr lang="de-DE" dirty="0" smtClean="0"/>
+              <a:rPr lang="de-DE" dirty="0"/>
               <a:t>Agenda</a:t>
             </a:r>
-            <a:endParaRPr lang="de-DE" dirty="0"/>
           </a:p>
         </p:txBody>
       </p:sp>
@@ -3798,34 +5417,34 @@
           <a:bodyPr/>
           <a:lstStyle/>
           <a:p>
-            <a:endParaRPr lang="de-DE" dirty="0" smtClean="0"/>
-          </a:p>
-          <a:p>
-            <a:r>
-              <a:rPr lang="de-DE" dirty="0" err="1" smtClean="0"/>
+            <a:endParaRPr lang="de-DE" dirty="0"/>
+          </a:p>
+          <a:p>
+            <a:r>
+              <a:rPr lang="de-DE" dirty="0" err="1"/>
               <a:t>Previous</a:t>
             </a:r>
             <a:r>
-              <a:rPr lang="de-DE" dirty="0" smtClean="0"/>
+              <a:rPr lang="de-DE" dirty="0"/>
               <a:t> </a:t>
             </a:r>
             <a:r>
-              <a:rPr lang="de-DE" dirty="0" err="1" smtClean="0"/>
+              <a:rPr lang="de-DE" dirty="0" err="1"/>
               <a:t>work</a:t>
             </a:r>
-            <a:endParaRPr lang="de-DE" dirty="0" smtClean="0"/>
-          </a:p>
-          <a:p>
-            <a:r>
-              <a:rPr lang="de-DE" dirty="0" smtClean="0"/>
+            <a:endParaRPr lang="de-DE" dirty="0"/>
+          </a:p>
+          <a:p>
+            <a:r>
+              <a:rPr lang="de-DE" dirty="0"/>
               <a:t>Working </a:t>
             </a:r>
             <a:r>
-              <a:rPr lang="de-DE" dirty="0" err="1" smtClean="0"/>
+              <a:rPr lang="de-DE" dirty="0" err="1"/>
               <a:t>principle</a:t>
             </a:r>
             <a:r>
-              <a:rPr lang="de-DE" dirty="0" smtClean="0"/>
+              <a:rPr lang="de-DE" dirty="0"/>
               <a:t> </a:t>
             </a:r>
           </a:p>
@@ -3855,15 +5474,21 @@
               <a:t> </a:t>
             </a:r>
             <a:r>
-              <a:rPr lang="de-DE" dirty="0" err="1" smtClean="0"/>
+              <a:rPr lang="de-DE" dirty="0" err="1"/>
               <a:t>routing</a:t>
             </a:r>
-            <a:endParaRPr lang="de-DE" dirty="0" smtClean="0"/>
-          </a:p>
-          <a:p>
-            <a:r>
-              <a:rPr lang="de-DE" dirty="0" smtClean="0"/>
+            <a:endParaRPr lang="de-DE" dirty="0"/>
+          </a:p>
+          <a:p>
+            <a:r>
+              <a:rPr lang="de-DE" dirty="0"/>
               <a:t>Status quo</a:t>
+            </a:r>
+          </a:p>
+          <a:p>
+            <a:r>
+              <a:rPr lang="de-DE" dirty="0" err="1"/>
+              <a:t>Conclusion</a:t>
             </a:r>
             <a:endParaRPr lang="de-DE" dirty="0"/>
           </a:p>
@@ -3879,13 +5504,6 @@
   <p:clrMapOvr>
     <a:masterClrMapping/>
   </p:clrMapOvr>
-  <p:timing>
-    <p:tnLst>
-      <p:par>
-        <p:cTn id="1" dur="indefinite" restart="never" nodeType="tmRoot"/>
-      </p:par>
-    </p:tnLst>
-  </p:timing>
 </p:sld>
 </file>
 
@@ -3923,19 +5541,19 @@
           <a:p>
             <a:pPr eaLnBrk="1" hangingPunct="1"/>
             <a:r>
-              <a:rPr lang="de-DE" dirty="0" err="1" smtClean="0">
+              <a:rPr lang="de-DE" dirty="0" err="1">
                 <a:latin typeface="Calibri"/>
               </a:rPr>
               <a:t>Previous</a:t>
             </a:r>
             <a:r>
-              <a:rPr lang="de-DE" dirty="0" smtClean="0">
+              <a:rPr lang="de-DE" dirty="0">
                 <a:latin typeface="Calibri"/>
               </a:rPr>
               <a:t> </a:t>
             </a:r>
             <a:r>
-              <a:rPr lang="de-DE" dirty="0" err="1" smtClean="0">
+              <a:rPr lang="de-DE" dirty="0" err="1">
                 <a:latin typeface="Calibri"/>
               </a:rPr>
               <a:t>work</a:t>
@@ -3968,137 +5586,49 @@
           <a:p>
             <a:pPr eaLnBrk="1" hangingPunct="1"/>
             <a:r>
-              <a:rPr lang="de-DE" dirty="0" err="1" smtClean="0">
+              <a:rPr lang="de-DE" dirty="0" err="1">
                 <a:latin typeface="Calibri"/>
               </a:rPr>
               <a:t>Chaum</a:t>
             </a:r>
             <a:r>
-              <a:rPr lang="de-DE" dirty="0" smtClean="0">
+              <a:rPr lang="de-DE" dirty="0">
                 <a:latin typeface="Calibri"/>
               </a:rPr>
               <a:t> Mix-Nets</a:t>
             </a:r>
-          </a:p>
-          <a:p>
-            <a:pPr eaLnBrk="1" hangingPunct="1"/>
-            <a:r>
-              <a:rPr lang="de-DE" dirty="0" err="1" smtClean="0">
-                <a:latin typeface="Calibri"/>
-              </a:rPr>
-              <a:t>Onion</a:t>
-            </a:r>
-            <a:r>
-              <a:rPr lang="de-DE" dirty="0" smtClean="0">
-                <a:latin typeface="Calibri"/>
-              </a:rPr>
-              <a:t> Routing</a:t>
-            </a:r>
-          </a:p>
-          <a:p>
-            <a:pPr eaLnBrk="1" hangingPunct="1"/>
-            <a:r>
-              <a:rPr lang="de-DE" dirty="0" err="1" smtClean="0">
-                <a:latin typeface="Calibri"/>
-              </a:rPr>
-              <a:t>History</a:t>
-            </a:r>
-            <a:r>
-              <a:rPr lang="de-DE" dirty="0" smtClean="0">
-                <a:latin typeface="Calibri"/>
-              </a:rPr>
-              <a:t> </a:t>
-            </a:r>
-            <a:r>
-              <a:rPr lang="de-DE" dirty="0" err="1" smtClean="0">
-                <a:latin typeface="Calibri"/>
-              </a:rPr>
-              <a:t>of</a:t>
-            </a:r>
-            <a:r>
-              <a:rPr lang="de-DE" dirty="0" smtClean="0">
-                <a:latin typeface="Calibri"/>
-              </a:rPr>
-              <a:t> Tor (</a:t>
-            </a:r>
-            <a:r>
-              <a:rPr lang="de-DE" dirty="0" err="1" smtClean="0">
-                <a:latin typeface="Calibri"/>
-              </a:rPr>
-              <a:t>when</a:t>
-            </a:r>
-            <a:r>
-              <a:rPr lang="de-DE" dirty="0" smtClean="0">
-                <a:latin typeface="Calibri"/>
-              </a:rPr>
-              <a:t>, </a:t>
-            </a:r>
-            <a:r>
-              <a:rPr lang="de-DE" dirty="0" err="1" smtClean="0">
-                <a:latin typeface="Calibri"/>
-              </a:rPr>
-              <a:t>where</a:t>
-            </a:r>
-            <a:r>
-              <a:rPr lang="de-DE" dirty="0" smtClean="0">
-                <a:latin typeface="Calibri"/>
-              </a:rPr>
-              <a:t>, </a:t>
-            </a:r>
-            <a:r>
-              <a:rPr lang="de-DE" dirty="0" err="1" smtClean="0">
-                <a:latin typeface="Calibri"/>
-              </a:rPr>
-              <a:t>who</a:t>
-            </a:r>
-            <a:r>
-              <a:rPr lang="de-DE" dirty="0" smtClean="0">
-                <a:latin typeface="Calibri"/>
-              </a:rPr>
-              <a:t>, </a:t>
-            </a:r>
-            <a:r>
-              <a:rPr lang="de-DE" dirty="0" err="1" smtClean="0">
-                <a:latin typeface="Calibri"/>
-              </a:rPr>
-              <a:t>which</a:t>
-            </a:r>
-            <a:r>
-              <a:rPr lang="de-DE" dirty="0" smtClean="0">
-                <a:latin typeface="Calibri"/>
-              </a:rPr>
-              <a:t> </a:t>
-            </a:r>
-            <a:r>
-              <a:rPr lang="de-DE" dirty="0" err="1" smtClean="0">
-                <a:latin typeface="Calibri"/>
-              </a:rPr>
-              <a:t>paper</a:t>
-            </a:r>
-            <a:r>
-              <a:rPr lang="de-DE" dirty="0" smtClean="0">
-                <a:latin typeface="Calibri"/>
-              </a:rPr>
-              <a:t>)</a:t>
-            </a:r>
-            <a:endParaRPr lang="de-DE" dirty="0">
-              <a:latin typeface="Calibri"/>
-            </a:endParaRPr>
           </a:p>
         </p:txBody>
       </p:sp>
+      <p:pic>
+        <p:nvPicPr>
+          <p:cNvPr id="2" name="Grafik 1"/>
+          <p:cNvPicPr>
+            <a:picLocks noChangeAspect="1"/>
+          </p:cNvPicPr>
+          <p:nvPr/>
+        </p:nvPicPr>
+        <p:blipFill>
+          <a:blip r:embed="rId3"/>
+          <a:stretch>
+            <a:fillRect/>
+          </a:stretch>
+        </p:blipFill>
+        <p:spPr>
+          <a:xfrm>
+            <a:off x="323528" y="1916832"/>
+            <a:ext cx="8075240" cy="4672686"/>
+          </a:xfrm>
+          <a:prstGeom prst="rect">
+            <a:avLst/>
+          </a:prstGeom>
+        </p:spPr>
+      </p:pic>
     </p:spTree>
   </p:cSld>
   <p:clrMapOvr>
     <a:masterClrMapping/>
   </p:clrMapOvr>
-  <p:timing>
-    <p:tnLst>
-      <p:par>
-        <p:cTn id="1" dur="indefinite" restart="never" nodeType="tmRoot"/>
-      </p:par>
-    </p:tnLst>
-  </p:timing>
 </p:sld>
 </file>
 
@@ -4136,34 +5666,22 @@
           <a:p>
             <a:pPr eaLnBrk="1" hangingPunct="1"/>
             <a:r>
-              <a:rPr lang="de-DE" dirty="0" smtClean="0">
-                <a:latin typeface="Calibri"/>
-              </a:rPr>
-              <a:t>Working </a:t>
-            </a:r>
-            <a:r>
-              <a:rPr lang="de-DE" dirty="0" err="1" smtClean="0">
-                <a:latin typeface="Calibri"/>
-              </a:rPr>
-              <a:t>principle</a:t>
-            </a:r>
-            <a:r>
-              <a:rPr lang="de-DE" dirty="0" smtClean="0">
+              <a:rPr lang="de-DE" dirty="0" err="1">
+                <a:latin typeface="Calibri"/>
+              </a:rPr>
+              <a:t>Previous</a:t>
+            </a:r>
+            <a:r>
+              <a:rPr lang="de-DE" dirty="0">
                 <a:latin typeface="Calibri"/>
               </a:rPr>
               <a:t> </a:t>
             </a:r>
             <a:r>
-              <a:rPr lang="de-DE" dirty="0" err="1" smtClean="0">
-                <a:latin typeface="Calibri"/>
-              </a:rPr>
-              <a:t>of</a:t>
-            </a:r>
-            <a:r>
-              <a:rPr lang="de-DE" dirty="0" smtClean="0">
-                <a:latin typeface="Calibri"/>
-              </a:rPr>
-              <a:t> Tor</a:t>
+              <a:rPr lang="de-DE" dirty="0" err="1">
+                <a:latin typeface="Calibri"/>
+              </a:rPr>
+              <a:t>work</a:t>
             </a:r>
             <a:endParaRPr lang="de-DE" dirty="0">
               <a:latin typeface="Calibri"/>
@@ -4192,6 +5710,314 @@
           <a:lstStyle/>
           <a:p>
             <a:pPr eaLnBrk="1" hangingPunct="1"/>
+            <a:r>
+              <a:rPr lang="de-DE" dirty="0" err="1">
+                <a:latin typeface="Calibri"/>
+              </a:rPr>
+              <a:t>Onion</a:t>
+            </a:r>
+            <a:r>
+              <a:rPr lang="de-DE" dirty="0">
+                <a:latin typeface="Calibri"/>
+              </a:rPr>
+              <a:t> Routing</a:t>
+            </a:r>
+          </a:p>
+          <a:p>
+            <a:pPr lvl="1"/>
+            <a:r>
+              <a:rPr lang="de-DE" dirty="0" err="1">
+                <a:latin typeface="Calibri"/>
+              </a:rPr>
+              <a:t>Developed</a:t>
+            </a:r>
+            <a:r>
+              <a:rPr lang="de-DE" dirty="0">
+                <a:latin typeface="Calibri"/>
+              </a:rPr>
+              <a:t> </a:t>
+            </a:r>
+            <a:r>
+              <a:rPr lang="de-DE" dirty="0" err="1">
+                <a:latin typeface="Calibri"/>
+              </a:rPr>
+              <a:t>since</a:t>
+            </a:r>
+            <a:r>
+              <a:rPr lang="de-DE" dirty="0">
+                <a:latin typeface="Calibri"/>
+              </a:rPr>
+              <a:t> 1995</a:t>
+            </a:r>
+          </a:p>
+          <a:p>
+            <a:pPr lvl="1"/>
+            <a:r>
+              <a:rPr lang="de-DE" dirty="0" err="1">
+                <a:latin typeface="Calibri"/>
+              </a:rPr>
+              <a:t>Based</a:t>
+            </a:r>
+            <a:r>
+              <a:rPr lang="de-DE" dirty="0">
+                <a:latin typeface="Calibri"/>
+              </a:rPr>
+              <a:t> on </a:t>
+            </a:r>
+            <a:r>
+              <a:rPr lang="de-DE" dirty="0" err="1">
+                <a:latin typeface="Calibri"/>
+              </a:rPr>
+              <a:t>Chaums</a:t>
+            </a:r>
+            <a:r>
+              <a:rPr lang="de-DE" dirty="0">
+                <a:latin typeface="Calibri"/>
+              </a:rPr>
+              <a:t> Mix-Nets</a:t>
+            </a:r>
+          </a:p>
+          <a:p>
+            <a:pPr lvl="1"/>
+            <a:r>
+              <a:rPr lang="de-DE" dirty="0" err="1">
+                <a:latin typeface="Calibri"/>
+              </a:rPr>
+              <a:t>Offers</a:t>
+            </a:r>
+            <a:r>
+              <a:rPr lang="de-DE" dirty="0">
+                <a:latin typeface="Calibri"/>
+              </a:rPr>
+              <a:t> </a:t>
+            </a:r>
+            <a:r>
+              <a:rPr lang="de-DE" dirty="0" err="1">
+                <a:latin typeface="Calibri"/>
+              </a:rPr>
+              <a:t>anonymous</a:t>
+            </a:r>
+            <a:r>
+              <a:rPr lang="de-DE" dirty="0">
+                <a:latin typeface="Calibri"/>
+              </a:rPr>
+              <a:t> </a:t>
+            </a:r>
+            <a:r>
+              <a:rPr lang="de-DE" dirty="0" err="1">
+                <a:latin typeface="Calibri"/>
+              </a:rPr>
+              <a:t>connections</a:t>
+            </a:r>
+            <a:endParaRPr lang="de-DE" dirty="0">
+              <a:latin typeface="Calibri"/>
+            </a:endParaRPr>
+          </a:p>
+          <a:p>
+            <a:pPr lvl="3"/>
+            <a:r>
+              <a:rPr lang="de-DE" dirty="0" err="1">
+                <a:latin typeface="Calibri"/>
+              </a:rPr>
+              <a:t>Protects</a:t>
+            </a:r>
+            <a:r>
+              <a:rPr lang="de-DE" dirty="0">
+                <a:latin typeface="Calibri"/>
+              </a:rPr>
+              <a:t> </a:t>
+            </a:r>
+            <a:r>
+              <a:rPr lang="de-DE" dirty="0" err="1">
+                <a:latin typeface="Calibri"/>
+              </a:rPr>
+              <a:t>against</a:t>
+            </a:r>
+            <a:r>
+              <a:rPr lang="de-DE" dirty="0">
+                <a:latin typeface="Calibri"/>
+              </a:rPr>
+              <a:t> </a:t>
+            </a:r>
+            <a:r>
+              <a:rPr lang="de-DE" dirty="0" err="1">
+                <a:latin typeface="Calibri"/>
+              </a:rPr>
+              <a:t>traffic</a:t>
+            </a:r>
+            <a:r>
+              <a:rPr lang="de-DE" dirty="0">
+                <a:latin typeface="Calibri"/>
+              </a:rPr>
+              <a:t> </a:t>
+            </a:r>
+            <a:r>
+              <a:rPr lang="de-DE" dirty="0" err="1">
+                <a:latin typeface="Calibri"/>
+              </a:rPr>
+              <a:t>analysis</a:t>
+            </a:r>
+            <a:r>
+              <a:rPr lang="de-DE" dirty="0">
+                <a:latin typeface="Calibri"/>
+              </a:rPr>
+              <a:t> </a:t>
+            </a:r>
+            <a:r>
+              <a:rPr lang="de-DE" dirty="0" err="1">
+                <a:latin typeface="Calibri"/>
+              </a:rPr>
+              <a:t>and</a:t>
+            </a:r>
+            <a:r>
+              <a:rPr lang="de-DE" dirty="0">
+                <a:latin typeface="Calibri"/>
+              </a:rPr>
+              <a:t> </a:t>
+            </a:r>
+            <a:r>
+              <a:rPr lang="de-DE" dirty="0" err="1">
+                <a:latin typeface="Calibri"/>
+              </a:rPr>
+              <a:t>network</a:t>
+            </a:r>
+            <a:r>
+              <a:rPr lang="de-DE" dirty="0">
+                <a:latin typeface="Calibri"/>
+              </a:rPr>
+              <a:t> </a:t>
+            </a:r>
+            <a:r>
+              <a:rPr lang="de-DE" dirty="0" err="1">
+                <a:latin typeface="Calibri"/>
+              </a:rPr>
+              <a:t>surveillance</a:t>
+            </a:r>
+            <a:endParaRPr lang="de-DE" dirty="0">
+              <a:latin typeface="Calibri"/>
+            </a:endParaRPr>
+          </a:p>
+          <a:p>
+            <a:pPr lvl="1"/>
+            <a:r>
+              <a:rPr lang="de-DE" dirty="0">
+                <a:latin typeface="Calibri"/>
+              </a:rPr>
+              <a:t>Connection </a:t>
+            </a:r>
+            <a:r>
+              <a:rPr lang="de-DE" dirty="0" err="1">
+                <a:latin typeface="Calibri"/>
+              </a:rPr>
+              <a:t>through</a:t>
+            </a:r>
+            <a:r>
+              <a:rPr lang="de-DE" dirty="0">
+                <a:latin typeface="Calibri"/>
+              </a:rPr>
+              <a:t> </a:t>
+            </a:r>
+            <a:r>
+              <a:rPr lang="de-DE" dirty="0" err="1">
+                <a:latin typeface="Calibri"/>
+              </a:rPr>
+              <a:t>onion</a:t>
+            </a:r>
+            <a:r>
+              <a:rPr lang="de-DE" dirty="0">
+                <a:latin typeface="Calibri"/>
+              </a:rPr>
+              <a:t> </a:t>
+            </a:r>
+            <a:r>
+              <a:rPr lang="de-DE" dirty="0" err="1">
+                <a:latin typeface="Calibri"/>
+              </a:rPr>
+              <a:t>routers</a:t>
+            </a:r>
+            <a:r>
+              <a:rPr lang="de-DE" dirty="0">
+                <a:latin typeface="Calibri"/>
+              </a:rPr>
+              <a:t> (OR)</a:t>
+            </a:r>
+          </a:p>
+          <a:p>
+            <a:endParaRPr lang="en-US" dirty="0"/>
+          </a:p>
+          <a:p>
+            <a:r>
+              <a:rPr lang="en-US" dirty="0"/>
+              <a:t>Other implementations</a:t>
+            </a:r>
+          </a:p>
+          <a:p>
+            <a:pPr lvl="1"/>
+            <a:r>
+              <a:rPr lang="en-US" dirty="0"/>
+              <a:t>JAP: </a:t>
+            </a:r>
+            <a:r>
+              <a:rPr lang="en-US" dirty="0"/>
+              <a:t>Used f</a:t>
+            </a:r>
+            <a:r>
+              <a:rPr lang="en-US" dirty="0"/>
+              <a:t>ixed mix cascades instead of variable circuits</a:t>
+            </a:r>
+          </a:p>
+          <a:p>
+            <a:pPr lvl="1"/>
+            <a:r>
+              <a:rPr lang="en-US" dirty="0" err="1"/>
+              <a:t>MorphMix</a:t>
+            </a:r>
+            <a:r>
+              <a:rPr lang="en-US" dirty="0"/>
+              <a:t>: peer to peer based anonymity network.</a:t>
+            </a:r>
+            <a:endParaRPr lang="de-DE" dirty="0">
+              <a:latin typeface="Calibri"/>
+            </a:endParaRPr>
+          </a:p>
+          <a:p>
+            <a:pPr eaLnBrk="1" hangingPunct="1"/>
+            <a:endParaRPr lang="de-DE" dirty="0">
+              <a:latin typeface="Calibri"/>
+            </a:endParaRPr>
+          </a:p>
+          <a:p>
+            <a:pPr eaLnBrk="1" hangingPunct="1"/>
+            <a:r>
+              <a:rPr lang="de-DE" dirty="0">
+                <a:latin typeface="Calibri"/>
+              </a:rPr>
+              <a:t>Tor</a:t>
+            </a:r>
+          </a:p>
+          <a:p>
+            <a:pPr lvl="1"/>
+            <a:r>
+              <a:rPr lang="de-DE" dirty="0">
+                <a:latin typeface="Calibri"/>
+              </a:rPr>
+              <a:t>Paper was </a:t>
+            </a:r>
+            <a:r>
+              <a:rPr lang="de-DE" dirty="0" err="1">
+                <a:latin typeface="Calibri"/>
+              </a:rPr>
+              <a:t>published</a:t>
+            </a:r>
+            <a:r>
+              <a:rPr lang="de-DE" dirty="0">
+                <a:latin typeface="Calibri"/>
+              </a:rPr>
+              <a:t> 2004</a:t>
+            </a:r>
+          </a:p>
+          <a:p>
+            <a:pPr lvl="1"/>
             <a:endParaRPr lang="de-DE" dirty="0">
               <a:latin typeface="Calibri"/>
             </a:endParaRPr>
@@ -4200,7 +6026,7 @@
       </p:sp>
       <p:pic>
         <p:nvPicPr>
-          <p:cNvPr id="4" name="Grafik 3"/>
+          <p:cNvPr id="5" name="Grafik 4"/>
           <p:cNvPicPr>
             <a:picLocks noChangeAspect="1"/>
           </p:cNvPicPr>
@@ -4220,8 +6046,8 @@
         </p:blipFill>
         <p:spPr>
           <a:xfrm>
-            <a:off x="3563888" y="3789040"/>
-            <a:ext cx="1419151" cy="858143"/>
+            <a:off x="4860032" y="4869160"/>
+            <a:ext cx="1667162" cy="1008112"/>
           </a:xfrm>
           <a:prstGeom prst="rect">
             <a:avLst/>
@@ -4231,20 +6057,13 @@
     </p:spTree>
     <p:extLst>
       <p:ext uri="{BB962C8B-B14F-4D97-AF65-F5344CB8AC3E}">
-        <p14:creationId xmlns:p14="http://schemas.microsoft.com/office/powerpoint/2010/main" val="1187382023"/>
+        <p14:creationId xmlns:p14="http://schemas.microsoft.com/office/powerpoint/2010/main" val="311477584"/>
       </p:ext>
     </p:extLst>
   </p:cSld>
   <p:clrMapOvr>
     <a:masterClrMapping/>
   </p:clrMapOvr>
-  <p:timing>
-    <p:tnLst>
-      <p:par>
-        <p:cTn id="1" dur="indefinite" restart="never" nodeType="tmRoot"/>
-      </p:par>
-    </p:tnLst>
-  </p:timing>
 </p:sld>
 </file>
 
@@ -4280,319 +6099,1745 @@
           <a:bodyPr/>
           <a:lstStyle/>
           <a:p>
-            <a:r>
-              <a:rPr lang="de-DE" dirty="0" err="1" smtClean="0"/>
-              <a:t>Improvements</a:t>
-            </a:r>
-            <a:r>
-              <a:rPr lang="de-DE" dirty="0" smtClean="0"/>
+            <a:pPr eaLnBrk="1" hangingPunct="1"/>
+            <a:r>
+              <a:rPr lang="de-DE" dirty="0">
+                <a:latin typeface="Calibri"/>
+              </a:rPr>
+              <a:t>Working </a:t>
+            </a:r>
+            <a:r>
+              <a:rPr lang="de-DE" dirty="0" err="1">
+                <a:latin typeface="Calibri"/>
+              </a:rPr>
+              <a:t>principle</a:t>
+            </a:r>
+            <a:r>
+              <a:rPr lang="de-DE" dirty="0">
+                <a:latin typeface="Calibri"/>
+              </a:rPr>
               <a:t> </a:t>
             </a:r>
             <a:r>
-              <a:rPr lang="de-DE" dirty="0" err="1" smtClean="0"/>
-              <a:t>to</a:t>
-            </a:r>
-            <a:r>
-              <a:rPr lang="de-DE" dirty="0" smtClean="0"/>
-              <a:t> </a:t>
-            </a:r>
-            <a:r>
-              <a:rPr lang="de-DE" dirty="0" err="1" smtClean="0"/>
-              <a:t>onion</a:t>
-            </a:r>
-            <a:r>
-              <a:rPr lang="de-DE" dirty="0" smtClean="0"/>
-              <a:t> </a:t>
-            </a:r>
-            <a:r>
-              <a:rPr lang="de-DE" dirty="0" err="1" smtClean="0"/>
-              <a:t>routing</a:t>
-            </a:r>
-            <a:endParaRPr lang="de-DE" dirty="0"/>
+              <a:rPr lang="de-DE" dirty="0" err="1">
+                <a:latin typeface="Calibri"/>
+              </a:rPr>
+              <a:t>of</a:t>
+            </a:r>
+            <a:r>
+              <a:rPr lang="de-DE" dirty="0">
+                <a:latin typeface="Calibri"/>
+              </a:rPr>
+              <a:t> Tor</a:t>
+            </a:r>
+          </a:p>
+        </p:txBody>
+      </p:sp>
+      <p:grpSp>
+        <p:nvGrpSpPr>
+          <p:cNvPr id="45" name="Gruppieren 44"/>
+          <p:cNvGrpSpPr/>
+          <p:nvPr/>
+        </p:nvGrpSpPr>
+        <p:grpSpPr>
+          <a:xfrm>
+            <a:off x="179512" y="3717030"/>
+            <a:ext cx="2001125" cy="1152128"/>
+            <a:chOff x="452962" y="1777462"/>
+            <a:chExt cx="7643192" cy="4392488"/>
+          </a:xfrm>
+        </p:grpSpPr>
+        <p:sp>
+          <p:nvSpPr>
+            <p:cNvPr id="43" name="Rechteck 42"/>
+            <p:cNvSpPr/>
+            <p:nvPr/>
+          </p:nvSpPr>
+          <p:spPr bwMode="auto">
+            <a:xfrm>
+              <a:off x="452962" y="1777462"/>
+              <a:ext cx="7643192" cy="4392488"/>
+            </a:xfrm>
+            <a:prstGeom prst="rect">
+              <a:avLst/>
+            </a:prstGeom>
+            <a:solidFill>
+              <a:schemeClr val="accent1"/>
+            </a:solidFill>
+            <a:ln w="9525" cap="flat" cmpd="sng" algn="ctr">
+              <a:solidFill>
+                <a:schemeClr val="tx1"/>
+              </a:solidFill>
+              <a:prstDash val="solid"/>
+              <a:round/>
+              <a:headEnd type="none" w="med" len="med"/>
+              <a:tailEnd type="none" w="med" len="med"/>
+            </a:ln>
+            <a:effectLst/>
+          </p:spPr>
+          <p:txBody>
+            <a:bodyPr vert="horz" wrap="square" lIns="91440" tIns="45720" rIns="91440" bIns="45720" numCol="1" rtlCol="0" anchor="ctr" anchorCtr="0" compatLnSpc="1">
+              <a:prstTxWarp prst="textNoShape">
+                <a:avLst/>
+              </a:prstTxWarp>
+            </a:bodyPr>
+            <a:lstStyle/>
+            <a:p>
+              <a:pPr marL="0" marR="0" indent="0" algn="l" defTabSz="914400" rtl="0" eaLnBrk="0" fontAlgn="base" latinLnBrk="0" hangingPunct="0">
+                <a:lnSpc>
+                  <a:spcPct val="100000"/>
+                </a:lnSpc>
+                <a:spcBef>
+                  <a:spcPct val="0"/>
+                </a:spcBef>
+                <a:spcAft>
+                  <a:spcPct val="0"/>
+                </a:spcAft>
+                <a:buClrTx/>
+                <a:buSzTx/>
+                <a:buFontTx/>
+                <a:buNone/>
+                <a:tabLst/>
+              </a:pPr>
+              <a:r>
+                <a:rPr kumimoji="0" lang="en-US" sz="2400" b="0" i="0" u="none" strike="noStrike" cap="none" normalizeH="0" baseline="0" dirty="0">
+                  <a:ln>
+                    <a:noFill/>
+                  </a:ln>
+                  <a:solidFill>
+                    <a:schemeClr val="tx1"/>
+                  </a:solidFill>
+                  <a:effectLst/>
+                  <a:latin typeface="Arial" pitchFamily="-107" charset="0"/>
+                  <a:ea typeface="ＭＳ Ｐゴシック" pitchFamily="-107" charset="-128"/>
+                  <a:cs typeface="ＭＳ Ｐゴシック" pitchFamily="-107" charset="-128"/>
+                </a:rPr>
+                <a:t>Client</a:t>
+              </a:r>
+            </a:p>
+          </p:txBody>
+        </p:sp>
+        <p:sp>
+          <p:nvSpPr>
+            <p:cNvPr id="48" name="Rechteck 47"/>
+            <p:cNvSpPr/>
+            <p:nvPr/>
+          </p:nvSpPr>
+          <p:spPr bwMode="auto">
+            <a:xfrm>
+              <a:off x="3929620" y="2326523"/>
+              <a:ext cx="4166534" cy="3294362"/>
+            </a:xfrm>
+            <a:prstGeom prst="rect">
+              <a:avLst/>
+            </a:prstGeom>
+            <a:solidFill>
+              <a:schemeClr val="accent1"/>
+            </a:solidFill>
+            <a:ln w="9525" cap="flat" cmpd="sng" algn="ctr">
+              <a:solidFill>
+                <a:schemeClr val="tx1"/>
+              </a:solidFill>
+              <a:prstDash val="solid"/>
+              <a:round/>
+              <a:headEnd type="none" w="med" len="med"/>
+              <a:tailEnd type="none" w="med" len="med"/>
+            </a:ln>
+            <a:effectLst/>
+          </p:spPr>
+          <p:txBody>
+            <a:bodyPr vert="horz" wrap="square" lIns="91440" tIns="45720" rIns="91440" bIns="45720" numCol="1" rtlCol="0" anchor="t" anchorCtr="0" compatLnSpc="1">
+              <a:prstTxWarp prst="textNoShape">
+                <a:avLst/>
+              </a:prstTxWarp>
+            </a:bodyPr>
+            <a:lstStyle/>
+            <a:p>
+              <a:pPr marL="0" marR="0" indent="0" algn="l" defTabSz="914400" rtl="0" eaLnBrk="0" fontAlgn="base" latinLnBrk="0" hangingPunct="0">
+                <a:lnSpc>
+                  <a:spcPct val="100000"/>
+                </a:lnSpc>
+                <a:spcBef>
+                  <a:spcPct val="0"/>
+                </a:spcBef>
+                <a:spcAft>
+                  <a:spcPct val="0"/>
+                </a:spcAft>
+                <a:buClrTx/>
+                <a:buSzTx/>
+                <a:buFontTx/>
+                <a:buNone/>
+                <a:tabLst/>
+              </a:pPr>
+              <a:r>
+                <a:rPr kumimoji="0" lang="en-US" sz="2400" b="0" i="0" u="none" strike="noStrike" cap="none" normalizeH="0" baseline="0" dirty="0">
+                  <a:ln>
+                    <a:noFill/>
+                  </a:ln>
+                  <a:solidFill>
+                    <a:schemeClr val="tx1"/>
+                  </a:solidFill>
+                  <a:effectLst/>
+                  <a:latin typeface="Arial" pitchFamily="-107" charset="0"/>
+                  <a:ea typeface="ＭＳ Ｐゴシック" pitchFamily="-107" charset="-128"/>
+                  <a:cs typeface="ＭＳ Ｐゴシック" pitchFamily="-107" charset="-128"/>
+                </a:rPr>
+                <a:t>Onion Proxy</a:t>
+              </a:r>
+            </a:p>
+          </p:txBody>
+        </p:sp>
+      </p:grpSp>
+      <p:sp>
+        <p:nvSpPr>
+          <p:cNvPr id="46" name="Ellipse 45"/>
+          <p:cNvSpPr/>
+          <p:nvPr/>
+        </p:nvSpPr>
+        <p:spPr bwMode="auto">
+          <a:xfrm>
+            <a:off x="2771800" y="4011535"/>
+            <a:ext cx="936104" cy="576064"/>
+          </a:xfrm>
+          <a:prstGeom prst="ellipse">
+            <a:avLst/>
+          </a:prstGeom>
+          <a:solidFill>
+            <a:schemeClr val="accent1"/>
+          </a:solidFill>
+          <a:ln w="9525" cap="flat" cmpd="sng" algn="ctr">
+            <a:solidFill>
+              <a:schemeClr val="tx1"/>
+            </a:solidFill>
+            <a:prstDash val="solid"/>
+            <a:round/>
+            <a:headEnd type="none" w="med" len="med"/>
+            <a:tailEnd type="none" w="med" len="med"/>
+          </a:ln>
+          <a:effectLst/>
+        </p:spPr>
+        <p:txBody>
+          <a:bodyPr vert="horz" wrap="square" lIns="91440" tIns="45720" rIns="91440" bIns="45720" numCol="1" rtlCol="0" anchor="t" anchorCtr="0" compatLnSpc="1">
+            <a:prstTxWarp prst="textNoShape">
+              <a:avLst/>
+            </a:prstTxWarp>
+          </a:bodyPr>
+          <a:lstStyle/>
+          <a:p>
+            <a:pPr marL="0" marR="0" indent="0" algn="l" defTabSz="914400" rtl="0" eaLnBrk="0" fontAlgn="base" latinLnBrk="0" hangingPunct="0">
+              <a:lnSpc>
+                <a:spcPct val="100000"/>
+              </a:lnSpc>
+              <a:spcBef>
+                <a:spcPct val="0"/>
+              </a:spcBef>
+              <a:spcAft>
+                <a:spcPct val="0"/>
+              </a:spcAft>
+              <a:buClrTx/>
+              <a:buSzTx/>
+              <a:buFontTx/>
+              <a:buNone/>
+              <a:tabLst/>
+            </a:pPr>
+            <a:r>
+              <a:rPr kumimoji="0" lang="en-US" sz="2400" b="0" i="0" u="none" strike="noStrike" cap="none" normalizeH="0" baseline="0" dirty="0">
+                <a:ln>
+                  <a:noFill/>
+                </a:ln>
+                <a:solidFill>
+                  <a:schemeClr val="tx1"/>
+                </a:solidFill>
+                <a:effectLst/>
+                <a:latin typeface="Arial" pitchFamily="-107" charset="0"/>
+                <a:ea typeface="ＭＳ Ｐゴシック" pitchFamily="-107" charset="-128"/>
+                <a:cs typeface="ＭＳ Ｐゴシック" pitchFamily="-107" charset="-128"/>
+              </a:rPr>
+              <a:t>OR</a:t>
+            </a:r>
           </a:p>
         </p:txBody>
       </p:sp>
       <p:sp>
         <p:nvSpPr>
-          <p:cNvPr id="12315" name="Rectangle 28"/>
-          <p:cNvSpPr>
-            <a:spLocks noGrp="1" noChangeArrowheads="1"/>
-          </p:cNvSpPr>
-          <p:nvPr>
-            <p:ph type="body" idx="1"/>
-          </p:nvPr>
+          <p:cNvPr id="53" name="Ellipse 52"/>
+          <p:cNvSpPr/>
+          <p:nvPr/>
+        </p:nvSpPr>
+        <p:spPr bwMode="auto">
+          <a:xfrm>
+            <a:off x="4299067" y="4011535"/>
+            <a:ext cx="936104" cy="576064"/>
+          </a:xfrm>
+          <a:prstGeom prst="ellipse">
+            <a:avLst/>
+          </a:prstGeom>
+          <a:solidFill>
+            <a:schemeClr val="accent1"/>
+          </a:solidFill>
+          <a:ln w="9525" cap="flat" cmpd="sng" algn="ctr">
+            <a:solidFill>
+              <a:schemeClr val="tx1"/>
+            </a:solidFill>
+            <a:prstDash val="solid"/>
+            <a:round/>
+            <a:headEnd type="none" w="med" len="med"/>
+            <a:tailEnd type="none" w="med" len="med"/>
+          </a:ln>
+          <a:effectLst/>
+        </p:spPr>
+        <p:txBody>
+          <a:bodyPr vert="horz" wrap="square" lIns="91440" tIns="45720" rIns="91440" bIns="45720" numCol="1" rtlCol="0" anchor="t" anchorCtr="0" compatLnSpc="1">
+            <a:prstTxWarp prst="textNoShape">
+              <a:avLst/>
+            </a:prstTxWarp>
+          </a:bodyPr>
+          <a:lstStyle/>
+          <a:p>
+            <a:pPr marL="0" marR="0" indent="0" algn="l" defTabSz="914400" rtl="0" eaLnBrk="0" fontAlgn="base" latinLnBrk="0" hangingPunct="0">
+              <a:lnSpc>
+                <a:spcPct val="100000"/>
+              </a:lnSpc>
+              <a:spcBef>
+                <a:spcPct val="0"/>
+              </a:spcBef>
+              <a:spcAft>
+                <a:spcPct val="0"/>
+              </a:spcAft>
+              <a:buClrTx/>
+              <a:buSzTx/>
+              <a:buFontTx/>
+              <a:buNone/>
+              <a:tabLst/>
+            </a:pPr>
+            <a:r>
+              <a:rPr kumimoji="0" lang="en-US" sz="2400" b="0" i="0" u="none" strike="noStrike" cap="none" normalizeH="0" baseline="0" dirty="0">
+                <a:ln>
+                  <a:noFill/>
+                </a:ln>
+                <a:solidFill>
+                  <a:schemeClr val="tx1"/>
+                </a:solidFill>
+                <a:effectLst/>
+                <a:latin typeface="Arial" pitchFamily="-107" charset="0"/>
+                <a:ea typeface="ＭＳ Ｐゴシック" pitchFamily="-107" charset="-128"/>
+                <a:cs typeface="ＭＳ Ｐゴシック" pitchFamily="-107" charset="-128"/>
+              </a:rPr>
+              <a:t>OR</a:t>
+            </a:r>
+          </a:p>
+        </p:txBody>
+      </p:sp>
+      <p:cxnSp>
+        <p:nvCxnSpPr>
+          <p:cNvPr id="50" name="Gerade Verbindung mit Pfeil 49"/>
+          <p:cNvCxnSpPr>
+            <a:cxnSpLocks/>
+            <a:stCxn id="48" idx="3"/>
+            <a:endCxn id="46" idx="1"/>
+          </p:cNvCxnSpPr>
+          <p:nvPr/>
+        </p:nvCxnSpPr>
+        <p:spPr bwMode="auto">
+          <a:xfrm flipV="1">
+            <a:off x="2180637" y="4095898"/>
+            <a:ext cx="728252" cy="197196"/>
+          </a:xfrm>
+          <a:prstGeom prst="straightConnector1">
+            <a:avLst/>
+          </a:prstGeom>
+          <a:solidFill>
+            <a:schemeClr val="accent1"/>
+          </a:solidFill>
+          <a:ln w="9525" cap="flat" cmpd="sng" algn="ctr">
+            <a:solidFill>
+              <a:schemeClr val="tx1"/>
+            </a:solidFill>
+            <a:prstDash val="solid"/>
+            <a:round/>
+            <a:headEnd type="none" w="med" len="med"/>
+            <a:tailEnd type="triangle"/>
+          </a:ln>
+          <a:effectLst/>
+        </p:spPr>
+      </p:cxnSp>
+      <p:cxnSp>
+        <p:nvCxnSpPr>
+          <p:cNvPr id="55" name="Gerade Verbindung mit Pfeil 54"/>
+          <p:cNvCxnSpPr>
+            <a:cxnSpLocks/>
+            <a:stCxn id="46" idx="3"/>
+            <a:endCxn id="48" idx="3"/>
+          </p:cNvCxnSpPr>
+          <p:nvPr/>
+        </p:nvCxnSpPr>
+        <p:spPr bwMode="auto">
+          <a:xfrm flipH="1" flipV="1">
+            <a:off x="2180637" y="4293094"/>
+            <a:ext cx="728252" cy="210142"/>
+          </a:xfrm>
+          <a:prstGeom prst="straightConnector1">
+            <a:avLst/>
+          </a:prstGeom>
+          <a:solidFill>
+            <a:schemeClr val="accent1"/>
+          </a:solidFill>
+          <a:ln w="9525" cap="flat" cmpd="sng" algn="ctr">
+            <a:solidFill>
+              <a:schemeClr val="tx1"/>
+            </a:solidFill>
+            <a:prstDash val="solid"/>
+            <a:round/>
+            <a:headEnd type="none" w="med" len="med"/>
+            <a:tailEnd type="triangle"/>
+          </a:ln>
+          <a:effectLst/>
+        </p:spPr>
+      </p:cxnSp>
+      <p:cxnSp>
+        <p:nvCxnSpPr>
+          <p:cNvPr id="12291" name="Gerade Verbindung mit Pfeil 12290"/>
+          <p:cNvCxnSpPr>
+            <a:stCxn id="46" idx="7"/>
+            <a:endCxn id="53" idx="1"/>
+          </p:cNvCxnSpPr>
+          <p:nvPr/>
+        </p:nvCxnSpPr>
+        <p:spPr bwMode="auto">
+          <a:xfrm>
+            <a:off x="3570815" y="4095898"/>
+            <a:ext cx="865341" cy="0"/>
+          </a:xfrm>
+          <a:prstGeom prst="straightConnector1">
+            <a:avLst/>
+          </a:prstGeom>
+          <a:solidFill>
+            <a:schemeClr val="accent1"/>
+          </a:solidFill>
+          <a:ln w="9525" cap="flat" cmpd="sng" algn="ctr">
+            <a:solidFill>
+              <a:schemeClr val="tx1"/>
+            </a:solidFill>
+            <a:prstDash val="solid"/>
+            <a:round/>
+            <a:headEnd type="none" w="med" len="med"/>
+            <a:tailEnd type="triangle"/>
+          </a:ln>
+          <a:effectLst/>
+        </p:spPr>
+      </p:cxnSp>
+      <p:cxnSp>
+        <p:nvCxnSpPr>
+          <p:cNvPr id="69" name="Gerade Verbindung mit Pfeil 68"/>
+          <p:cNvCxnSpPr>
+            <a:cxnSpLocks/>
+            <a:stCxn id="53" idx="3"/>
+            <a:endCxn id="46" idx="5"/>
+          </p:cNvCxnSpPr>
+          <p:nvPr/>
+        </p:nvCxnSpPr>
+        <p:spPr bwMode="auto">
+          <a:xfrm flipH="1">
+            <a:off x="3570815" y="4503236"/>
+            <a:ext cx="865341" cy="0"/>
+          </a:xfrm>
+          <a:prstGeom prst="straightConnector1">
+            <a:avLst/>
+          </a:prstGeom>
+          <a:solidFill>
+            <a:schemeClr val="accent1"/>
+          </a:solidFill>
+          <a:ln w="9525" cap="flat" cmpd="sng" algn="ctr">
+            <a:solidFill>
+              <a:schemeClr val="tx1"/>
+            </a:solidFill>
+            <a:prstDash val="solid"/>
+            <a:round/>
+            <a:headEnd type="none" w="med" len="med"/>
+            <a:tailEnd type="triangle"/>
+          </a:ln>
+          <a:effectLst/>
+        </p:spPr>
+      </p:cxnSp>
+      <p:grpSp>
+        <p:nvGrpSpPr>
+          <p:cNvPr id="12296" name="Gruppieren 12295"/>
+          <p:cNvGrpSpPr/>
+          <p:nvPr/>
+        </p:nvGrpSpPr>
+        <p:grpSpPr>
+          <a:xfrm>
+            <a:off x="7566757" y="3399467"/>
+            <a:ext cx="936104" cy="1800200"/>
+            <a:chOff x="6516216" y="3284984"/>
+            <a:chExt cx="1224136" cy="2160240"/>
+          </a:xfrm>
+        </p:grpSpPr>
+        <p:sp>
+          <p:nvSpPr>
+            <p:cNvPr id="12294" name="Rechteck 12293"/>
+            <p:cNvSpPr/>
+            <p:nvPr/>
+          </p:nvSpPr>
+          <p:spPr bwMode="auto">
+            <a:xfrm>
+              <a:off x="6516216" y="3284984"/>
+              <a:ext cx="1224136" cy="2160240"/>
+            </a:xfrm>
+            <a:prstGeom prst="rect">
+              <a:avLst/>
+            </a:prstGeom>
+            <a:solidFill>
+              <a:schemeClr val="accent1"/>
+            </a:solidFill>
+            <a:ln w="9525" cap="flat" cmpd="sng" algn="ctr">
+              <a:solidFill>
+                <a:schemeClr val="tx1"/>
+              </a:solidFill>
+              <a:prstDash val="solid"/>
+              <a:round/>
+              <a:headEnd type="none" w="med" len="med"/>
+              <a:tailEnd type="none" w="med" len="med"/>
+            </a:ln>
+            <a:effectLst/>
+          </p:spPr>
+          <p:txBody>
+            <a:bodyPr vert="horz" wrap="square" lIns="91440" tIns="45720" rIns="91440" bIns="45720" numCol="1" rtlCol="0" anchor="t" anchorCtr="0" compatLnSpc="1">
+              <a:prstTxWarp prst="textNoShape">
+                <a:avLst/>
+              </a:prstTxWarp>
+            </a:bodyPr>
+            <a:lstStyle/>
+            <a:p>
+              <a:pPr marL="0" marR="0" indent="0" algn="l" defTabSz="914400" rtl="0" eaLnBrk="0" fontAlgn="base" latinLnBrk="0" hangingPunct="0">
+                <a:lnSpc>
+                  <a:spcPct val="100000"/>
+                </a:lnSpc>
+                <a:spcBef>
+                  <a:spcPct val="0"/>
+                </a:spcBef>
+                <a:spcAft>
+                  <a:spcPct val="0"/>
+                </a:spcAft>
+                <a:buClrTx/>
+                <a:buSzTx/>
+                <a:buFontTx/>
+                <a:buNone/>
+                <a:tabLst/>
+              </a:pPr>
+              <a:endParaRPr kumimoji="0" lang="en-US" sz="2400" b="0" i="0" u="none" strike="noStrike" cap="none" normalizeH="0" baseline="0">
+                <a:ln>
+                  <a:noFill/>
+                </a:ln>
+                <a:solidFill>
+                  <a:schemeClr val="tx1"/>
+                </a:solidFill>
+                <a:effectLst/>
+                <a:latin typeface="Arial" pitchFamily="-107" charset="0"/>
+                <a:ea typeface="ＭＳ Ｐゴシック" pitchFamily="-107" charset="-128"/>
+                <a:cs typeface="ＭＳ Ｐゴシック" pitchFamily="-107" charset="-128"/>
+              </a:endParaRPr>
+            </a:p>
+          </p:txBody>
+        </p:sp>
+        <p:sp>
+          <p:nvSpPr>
+            <p:cNvPr id="73" name="Rechteck 72"/>
+            <p:cNvSpPr/>
+            <p:nvPr/>
+          </p:nvSpPr>
+          <p:spPr bwMode="auto">
+            <a:xfrm>
+              <a:off x="6668616" y="3435473"/>
+              <a:ext cx="927720" cy="281559"/>
+            </a:xfrm>
+            <a:prstGeom prst="rect">
+              <a:avLst/>
+            </a:prstGeom>
+            <a:solidFill>
+              <a:schemeClr val="accent1"/>
+            </a:solidFill>
+            <a:ln w="9525" cap="flat" cmpd="sng" algn="ctr">
+              <a:solidFill>
+                <a:schemeClr val="tx1"/>
+              </a:solidFill>
+              <a:prstDash val="solid"/>
+              <a:round/>
+              <a:headEnd type="none" w="med" len="med"/>
+              <a:tailEnd type="none" w="med" len="med"/>
+            </a:ln>
+            <a:effectLst/>
+          </p:spPr>
+          <p:txBody>
+            <a:bodyPr vert="horz" wrap="square" lIns="91440" tIns="45720" rIns="91440" bIns="45720" numCol="1" rtlCol="0" anchor="t" anchorCtr="0" compatLnSpc="1">
+              <a:prstTxWarp prst="textNoShape">
+                <a:avLst/>
+              </a:prstTxWarp>
+            </a:bodyPr>
+            <a:lstStyle/>
+            <a:p>
+              <a:pPr marL="0" marR="0" indent="0" algn="l" defTabSz="914400" rtl="0" eaLnBrk="0" fontAlgn="base" latinLnBrk="0" hangingPunct="0">
+                <a:lnSpc>
+                  <a:spcPct val="100000"/>
+                </a:lnSpc>
+                <a:spcBef>
+                  <a:spcPct val="0"/>
+                </a:spcBef>
+                <a:spcAft>
+                  <a:spcPct val="0"/>
+                </a:spcAft>
+                <a:buClrTx/>
+                <a:buSzTx/>
+                <a:buFontTx/>
+                <a:buNone/>
+                <a:tabLst/>
+              </a:pPr>
+              <a:endParaRPr kumimoji="0" lang="en-US" sz="2400" b="0" i="0" u="none" strike="noStrike" cap="none" normalizeH="0" baseline="0">
+                <a:ln>
+                  <a:noFill/>
+                </a:ln>
+                <a:solidFill>
+                  <a:schemeClr val="tx1"/>
+                </a:solidFill>
+                <a:effectLst/>
+                <a:latin typeface="Arial" pitchFamily="-107" charset="0"/>
+                <a:ea typeface="ＭＳ Ｐゴシック" pitchFamily="-107" charset="-128"/>
+                <a:cs typeface="ＭＳ Ｐゴシック" pitchFamily="-107" charset="-128"/>
+              </a:endParaRPr>
+            </a:p>
+          </p:txBody>
+        </p:sp>
+        <p:sp>
+          <p:nvSpPr>
+            <p:cNvPr id="74" name="Rechteck 73"/>
+            <p:cNvSpPr/>
+            <p:nvPr/>
+          </p:nvSpPr>
+          <p:spPr bwMode="auto">
+            <a:xfrm>
+              <a:off x="6664424" y="3886941"/>
+              <a:ext cx="927720" cy="281559"/>
+            </a:xfrm>
+            <a:prstGeom prst="rect">
+              <a:avLst/>
+            </a:prstGeom>
+            <a:solidFill>
+              <a:schemeClr val="accent1"/>
+            </a:solidFill>
+            <a:ln w="9525" cap="flat" cmpd="sng" algn="ctr">
+              <a:solidFill>
+                <a:schemeClr val="tx1"/>
+              </a:solidFill>
+              <a:prstDash val="solid"/>
+              <a:round/>
+              <a:headEnd type="none" w="med" len="med"/>
+              <a:tailEnd type="none" w="med" len="med"/>
+            </a:ln>
+            <a:effectLst/>
+          </p:spPr>
+          <p:txBody>
+            <a:bodyPr vert="horz" wrap="square" lIns="91440" tIns="45720" rIns="91440" bIns="45720" numCol="1" rtlCol="0" anchor="t" anchorCtr="0" compatLnSpc="1">
+              <a:prstTxWarp prst="textNoShape">
+                <a:avLst/>
+              </a:prstTxWarp>
+            </a:bodyPr>
+            <a:lstStyle/>
+            <a:p>
+              <a:pPr marL="0" marR="0" indent="0" algn="l" defTabSz="914400" rtl="0" eaLnBrk="0" fontAlgn="base" latinLnBrk="0" hangingPunct="0">
+                <a:lnSpc>
+                  <a:spcPct val="100000"/>
+                </a:lnSpc>
+                <a:spcBef>
+                  <a:spcPct val="0"/>
+                </a:spcBef>
+                <a:spcAft>
+                  <a:spcPct val="0"/>
+                </a:spcAft>
+                <a:buClrTx/>
+                <a:buSzTx/>
+                <a:buFontTx/>
+                <a:buNone/>
+                <a:tabLst/>
+              </a:pPr>
+              <a:endParaRPr kumimoji="0" lang="en-US" sz="2400" b="0" i="0" u="none" strike="noStrike" cap="none" normalizeH="0" baseline="0">
+                <a:ln>
+                  <a:noFill/>
+                </a:ln>
+                <a:solidFill>
+                  <a:schemeClr val="tx1"/>
+                </a:solidFill>
+                <a:effectLst/>
+                <a:latin typeface="Arial" pitchFamily="-107" charset="0"/>
+                <a:ea typeface="ＭＳ Ｐゴシック" pitchFamily="-107" charset="-128"/>
+                <a:cs typeface="ＭＳ Ｐゴシック" pitchFamily="-107" charset="-128"/>
+              </a:endParaRPr>
+            </a:p>
+          </p:txBody>
+        </p:sp>
+        <p:sp>
+          <p:nvSpPr>
+            <p:cNvPr id="75" name="Rechteck 74"/>
+            <p:cNvSpPr/>
+            <p:nvPr/>
+          </p:nvSpPr>
+          <p:spPr bwMode="auto">
+            <a:xfrm>
+              <a:off x="6664424" y="4338409"/>
+              <a:ext cx="927720" cy="281559"/>
+            </a:xfrm>
+            <a:prstGeom prst="rect">
+              <a:avLst/>
+            </a:prstGeom>
+            <a:solidFill>
+              <a:schemeClr val="accent1"/>
+            </a:solidFill>
+            <a:ln w="9525" cap="flat" cmpd="sng" algn="ctr">
+              <a:solidFill>
+                <a:schemeClr val="tx1"/>
+              </a:solidFill>
+              <a:prstDash val="solid"/>
+              <a:round/>
+              <a:headEnd type="none" w="med" len="med"/>
+              <a:tailEnd type="none" w="med" len="med"/>
+            </a:ln>
+            <a:effectLst/>
+          </p:spPr>
+          <p:txBody>
+            <a:bodyPr vert="horz" wrap="square" lIns="91440" tIns="45720" rIns="91440" bIns="45720" numCol="1" rtlCol="0" anchor="t" anchorCtr="0" compatLnSpc="1">
+              <a:prstTxWarp prst="textNoShape">
+                <a:avLst/>
+              </a:prstTxWarp>
+            </a:bodyPr>
+            <a:lstStyle/>
+            <a:p>
+              <a:pPr marL="0" marR="0" indent="0" algn="l" defTabSz="914400" rtl="0" eaLnBrk="0" fontAlgn="base" latinLnBrk="0" hangingPunct="0">
+                <a:lnSpc>
+                  <a:spcPct val="100000"/>
+                </a:lnSpc>
+                <a:spcBef>
+                  <a:spcPct val="0"/>
+                </a:spcBef>
+                <a:spcAft>
+                  <a:spcPct val="0"/>
+                </a:spcAft>
+                <a:buClrTx/>
+                <a:buSzTx/>
+                <a:buFontTx/>
+                <a:buNone/>
+                <a:tabLst/>
+              </a:pPr>
+              <a:endParaRPr kumimoji="0" lang="en-US" sz="2400" b="0" i="0" u="none" strike="noStrike" cap="none" normalizeH="0" baseline="0">
+                <a:ln>
+                  <a:noFill/>
+                </a:ln>
+                <a:solidFill>
+                  <a:schemeClr val="tx1"/>
+                </a:solidFill>
+                <a:effectLst/>
+                <a:latin typeface="Arial" pitchFamily="-107" charset="0"/>
+                <a:ea typeface="ＭＳ Ｐゴシック" pitchFamily="-107" charset="-128"/>
+                <a:cs typeface="ＭＳ Ｐゴシック" pitchFamily="-107" charset="-128"/>
+              </a:endParaRPr>
+            </a:p>
+          </p:txBody>
+        </p:sp>
+        <p:sp>
+          <p:nvSpPr>
+            <p:cNvPr id="12295" name="Ellipse 12294"/>
+            <p:cNvSpPr/>
+            <p:nvPr/>
+          </p:nvSpPr>
+          <p:spPr bwMode="auto">
+            <a:xfrm>
+              <a:off x="7038274" y="4924584"/>
+              <a:ext cx="180020" cy="180000"/>
+            </a:xfrm>
+            <a:prstGeom prst="ellipse">
+              <a:avLst/>
+            </a:prstGeom>
+            <a:solidFill>
+              <a:schemeClr val="accent1"/>
+            </a:solidFill>
+            <a:ln w="9525" cap="flat" cmpd="sng" algn="ctr">
+              <a:solidFill>
+                <a:schemeClr val="tx1"/>
+              </a:solidFill>
+              <a:prstDash val="solid"/>
+              <a:round/>
+              <a:headEnd type="none" w="med" len="med"/>
+              <a:tailEnd type="none" w="med" len="med"/>
+            </a:ln>
+            <a:effectLst/>
+          </p:spPr>
+          <p:txBody>
+            <a:bodyPr vert="horz" wrap="square" lIns="91440" tIns="45720" rIns="91440" bIns="45720" numCol="1" rtlCol="0" anchor="t" anchorCtr="0" compatLnSpc="1">
+              <a:prstTxWarp prst="textNoShape">
+                <a:avLst/>
+              </a:prstTxWarp>
+            </a:bodyPr>
+            <a:lstStyle/>
+            <a:p>
+              <a:pPr marL="0" marR="0" indent="0" algn="l" defTabSz="914400" rtl="0" eaLnBrk="0" fontAlgn="base" latinLnBrk="0" hangingPunct="0">
+                <a:lnSpc>
+                  <a:spcPct val="100000"/>
+                </a:lnSpc>
+                <a:spcBef>
+                  <a:spcPct val="0"/>
+                </a:spcBef>
+                <a:spcAft>
+                  <a:spcPct val="0"/>
+                </a:spcAft>
+                <a:buClrTx/>
+                <a:buSzTx/>
+                <a:buFontTx/>
+                <a:buNone/>
+                <a:tabLst/>
+              </a:pPr>
+              <a:endParaRPr kumimoji="0" lang="en-US" sz="2400" b="0" i="0" u="none" strike="noStrike" cap="none" normalizeH="0" baseline="0">
+                <a:ln>
+                  <a:noFill/>
+                </a:ln>
+                <a:solidFill>
+                  <a:schemeClr val="tx1"/>
+                </a:solidFill>
+                <a:effectLst/>
+                <a:latin typeface="Arial" pitchFamily="-107" charset="0"/>
+                <a:ea typeface="ＭＳ Ｐゴシック" pitchFamily="-107" charset="-128"/>
+                <a:cs typeface="ＭＳ Ｐゴシック" pitchFamily="-107" charset="-128"/>
+              </a:endParaRPr>
+            </a:p>
+          </p:txBody>
+        </p:sp>
+      </p:grpSp>
+      <p:sp>
+        <p:nvSpPr>
+          <p:cNvPr id="78" name="Ellipse 77"/>
+          <p:cNvSpPr/>
+          <p:nvPr/>
+        </p:nvSpPr>
+        <p:spPr bwMode="auto">
+          <a:xfrm>
+            <a:off x="5826334" y="4011535"/>
+            <a:ext cx="936104" cy="576064"/>
+          </a:xfrm>
+          <a:prstGeom prst="ellipse">
+            <a:avLst/>
+          </a:prstGeom>
+          <a:solidFill>
+            <a:schemeClr val="accent1"/>
+          </a:solidFill>
+          <a:ln w="9525" cap="flat" cmpd="sng" algn="ctr">
+            <a:solidFill>
+              <a:schemeClr val="tx1"/>
+            </a:solidFill>
+            <a:prstDash val="solid"/>
+            <a:round/>
+            <a:headEnd type="none" w="med" len="med"/>
+            <a:tailEnd type="none" w="med" len="med"/>
+          </a:ln>
+          <a:effectLst/>
+        </p:spPr>
+        <p:txBody>
+          <a:bodyPr vert="horz" wrap="square" lIns="91440" tIns="45720" rIns="91440" bIns="45720" numCol="1" rtlCol="0" anchor="t" anchorCtr="0" compatLnSpc="1">
+            <a:prstTxWarp prst="textNoShape">
+              <a:avLst/>
+            </a:prstTxWarp>
+          </a:bodyPr>
+          <a:lstStyle/>
+          <a:p>
+            <a:pPr marL="0" marR="0" indent="0" algn="l" defTabSz="914400" rtl="0" eaLnBrk="0" fontAlgn="base" latinLnBrk="0" hangingPunct="0">
+              <a:lnSpc>
+                <a:spcPct val="100000"/>
+              </a:lnSpc>
+              <a:spcBef>
+                <a:spcPct val="0"/>
+              </a:spcBef>
+              <a:spcAft>
+                <a:spcPct val="0"/>
+              </a:spcAft>
+              <a:buClrTx/>
+              <a:buSzTx/>
+              <a:buFontTx/>
+              <a:buNone/>
+              <a:tabLst/>
+            </a:pPr>
+            <a:r>
+              <a:rPr kumimoji="0" lang="en-US" sz="2400" b="0" i="0" u="none" strike="noStrike" cap="none" normalizeH="0" baseline="0" dirty="0">
+                <a:ln>
+                  <a:noFill/>
+                </a:ln>
+                <a:solidFill>
+                  <a:schemeClr val="tx1"/>
+                </a:solidFill>
+                <a:effectLst/>
+                <a:latin typeface="Arial" pitchFamily="-107" charset="0"/>
+                <a:ea typeface="ＭＳ Ｐゴシック" pitchFamily="-107" charset="-128"/>
+                <a:cs typeface="ＭＳ Ｐゴシック" pitchFamily="-107" charset="-128"/>
+              </a:rPr>
+              <a:t>OR</a:t>
+            </a:r>
+          </a:p>
+        </p:txBody>
+      </p:sp>
+      <p:cxnSp>
+        <p:nvCxnSpPr>
+          <p:cNvPr id="83" name="Gerade Verbindung mit Pfeil 82"/>
+          <p:cNvCxnSpPr>
+            <a:cxnSpLocks/>
+            <a:stCxn id="53" idx="7"/>
+            <a:endCxn id="78" idx="1"/>
+          </p:cNvCxnSpPr>
+          <p:nvPr/>
+        </p:nvCxnSpPr>
+        <p:spPr bwMode="auto">
+          <a:xfrm>
+            <a:off x="5098082" y="4095898"/>
+            <a:ext cx="865341" cy="0"/>
+          </a:xfrm>
+          <a:prstGeom prst="straightConnector1">
+            <a:avLst/>
+          </a:prstGeom>
+          <a:solidFill>
+            <a:schemeClr val="accent1"/>
+          </a:solidFill>
+          <a:ln w="9525" cap="flat" cmpd="sng" algn="ctr">
+            <a:solidFill>
+              <a:schemeClr val="tx1"/>
+            </a:solidFill>
+            <a:prstDash val="solid"/>
+            <a:round/>
+            <a:headEnd type="none" w="med" len="med"/>
+            <a:tailEnd type="triangle"/>
+          </a:ln>
+          <a:effectLst/>
+        </p:spPr>
+      </p:cxnSp>
+      <p:cxnSp>
+        <p:nvCxnSpPr>
+          <p:cNvPr id="86" name="Gerade Verbindung mit Pfeil 85"/>
+          <p:cNvCxnSpPr>
+            <a:cxnSpLocks/>
+            <a:stCxn id="78" idx="3"/>
+            <a:endCxn id="53" idx="5"/>
+          </p:cNvCxnSpPr>
+          <p:nvPr/>
+        </p:nvCxnSpPr>
+        <p:spPr bwMode="auto">
+          <a:xfrm flipH="1">
+            <a:off x="5098082" y="4503236"/>
+            <a:ext cx="865341" cy="0"/>
+          </a:xfrm>
+          <a:prstGeom prst="straightConnector1">
+            <a:avLst/>
+          </a:prstGeom>
+          <a:solidFill>
+            <a:schemeClr val="accent1"/>
+          </a:solidFill>
+          <a:ln w="9525" cap="flat" cmpd="sng" algn="ctr">
+            <a:solidFill>
+              <a:schemeClr val="tx1"/>
+            </a:solidFill>
+            <a:prstDash val="solid"/>
+            <a:round/>
+            <a:headEnd type="none" w="med" len="med"/>
+            <a:tailEnd type="triangle"/>
+          </a:ln>
+          <a:effectLst/>
+        </p:spPr>
+      </p:cxnSp>
+      <p:cxnSp>
+        <p:nvCxnSpPr>
+          <p:cNvPr id="89" name="Gerade Verbindung mit Pfeil 88"/>
+          <p:cNvCxnSpPr>
+            <a:cxnSpLocks/>
+            <a:stCxn id="78" idx="7"/>
+          </p:cNvCxnSpPr>
+          <p:nvPr/>
+        </p:nvCxnSpPr>
+        <p:spPr bwMode="auto">
+          <a:xfrm>
+            <a:off x="6625349" y="4095898"/>
+            <a:ext cx="941408" cy="0"/>
+          </a:xfrm>
+          <a:prstGeom prst="straightConnector1">
+            <a:avLst/>
+          </a:prstGeom>
+          <a:solidFill>
+            <a:schemeClr val="accent1"/>
+          </a:solidFill>
+          <a:ln w="9525" cap="flat" cmpd="sng" algn="ctr">
+            <a:solidFill>
+              <a:schemeClr val="tx1"/>
+            </a:solidFill>
+            <a:prstDash val="solid"/>
+            <a:round/>
+            <a:headEnd type="none" w="med" len="med"/>
+            <a:tailEnd type="triangle"/>
+          </a:ln>
+          <a:effectLst/>
+        </p:spPr>
+      </p:cxnSp>
+      <p:cxnSp>
+        <p:nvCxnSpPr>
+          <p:cNvPr id="90" name="Gerade Verbindung mit Pfeil 89"/>
+          <p:cNvCxnSpPr>
+            <a:cxnSpLocks/>
+            <a:endCxn id="78" idx="5"/>
+          </p:cNvCxnSpPr>
+          <p:nvPr/>
+        </p:nvCxnSpPr>
+        <p:spPr bwMode="auto">
+          <a:xfrm flipH="1">
+            <a:off x="6625349" y="4503236"/>
+            <a:ext cx="941408" cy="0"/>
+          </a:xfrm>
+          <a:prstGeom prst="straightConnector1">
+            <a:avLst/>
+          </a:prstGeom>
+          <a:solidFill>
+            <a:schemeClr val="accent1"/>
+          </a:solidFill>
+          <a:ln w="9525" cap="flat" cmpd="sng" algn="ctr">
+            <a:solidFill>
+              <a:schemeClr val="tx1"/>
+            </a:solidFill>
+            <a:prstDash val="solid"/>
+            <a:round/>
+            <a:headEnd type="none" w="med" len="med"/>
+            <a:tailEnd type="triangle"/>
+          </a:ln>
+          <a:effectLst/>
+        </p:spPr>
+      </p:cxnSp>
+      <p:sp>
+        <p:nvSpPr>
+          <p:cNvPr id="12306" name="Textfeld 12305"/>
+          <p:cNvSpPr txBox="1"/>
+          <p:nvPr/>
         </p:nvSpPr>
         <p:spPr>
           <a:xfrm>
-            <a:off x="457200" y="1219200"/>
-            <a:ext cx="8458200" cy="1066800"/>
+            <a:off x="3680821" y="4560435"/>
+            <a:ext cx="755335" cy="461665"/>
           </a:xfrm>
+          <a:prstGeom prst="rect">
+            <a:avLst/>
+          </a:prstGeom>
+          <a:noFill/>
         </p:spPr>
         <p:txBody>
-          <a:bodyPr/>
+          <a:bodyPr wrap="none" rtlCol="0">
+            <a:spAutoFit/>
+          </a:bodyPr>
           <a:lstStyle/>
           <a:p>
-            <a:pPr eaLnBrk="1" hangingPunct="1"/>
-            <a:endParaRPr lang="de-DE" dirty="0" smtClean="0">
-              <a:latin typeface="Calibri"/>
+            <a:r>
+              <a:rPr lang="en-US" dirty="0"/>
+              <a:t>TLS</a:t>
+            </a:r>
+          </a:p>
+        </p:txBody>
+      </p:sp>
+      <p:sp>
+        <p:nvSpPr>
+          <p:cNvPr id="95" name="Textfeld 94"/>
+          <p:cNvSpPr txBox="1"/>
+          <p:nvPr/>
+        </p:nvSpPr>
+        <p:spPr>
+          <a:xfrm>
+            <a:off x="6652582" y="3630213"/>
+            <a:ext cx="969240" cy="461665"/>
+          </a:xfrm>
+          <a:prstGeom prst="rect">
+            <a:avLst/>
+          </a:prstGeom>
+          <a:noFill/>
+        </p:spPr>
+        <p:txBody>
+          <a:bodyPr wrap="none" rtlCol="0">
+            <a:spAutoFit/>
+          </a:bodyPr>
+          <a:lstStyle/>
+          <a:p>
+            <a:r>
+              <a:rPr lang="en-US" dirty="0"/>
+              <a:t>HTTP</a:t>
+            </a:r>
+          </a:p>
+        </p:txBody>
+      </p:sp>
+      <p:sp>
+        <p:nvSpPr>
+          <p:cNvPr id="99" name="Ellipse 98"/>
+          <p:cNvSpPr/>
+          <p:nvPr/>
+        </p:nvSpPr>
+        <p:spPr bwMode="auto">
+          <a:xfrm>
+            <a:off x="2022273" y="5851640"/>
+            <a:ext cx="936104" cy="576064"/>
+          </a:xfrm>
+          <a:prstGeom prst="ellipse">
+            <a:avLst/>
+          </a:prstGeom>
+          <a:solidFill>
+            <a:schemeClr val="accent1"/>
+          </a:solidFill>
+          <a:ln w="9525" cap="flat" cmpd="sng" algn="ctr">
+            <a:solidFill>
+              <a:schemeClr val="tx1"/>
+            </a:solidFill>
+            <a:prstDash val="solid"/>
+            <a:round/>
+            <a:headEnd type="none" w="med" len="med"/>
+            <a:tailEnd type="none" w="med" len="med"/>
+          </a:ln>
+          <a:effectLst/>
+        </p:spPr>
+        <p:txBody>
+          <a:bodyPr vert="horz" wrap="square" lIns="91440" tIns="45720" rIns="91440" bIns="45720" numCol="1" rtlCol="0" anchor="t" anchorCtr="0" compatLnSpc="1">
+            <a:prstTxWarp prst="textNoShape">
+              <a:avLst/>
+            </a:prstTxWarp>
+          </a:bodyPr>
+          <a:lstStyle/>
+          <a:p>
+            <a:pPr marL="0" marR="0" indent="0" algn="l" defTabSz="914400" rtl="0" eaLnBrk="0" fontAlgn="base" latinLnBrk="0" hangingPunct="0">
+              <a:lnSpc>
+                <a:spcPct val="100000"/>
+              </a:lnSpc>
+              <a:spcBef>
+                <a:spcPct val="0"/>
+              </a:spcBef>
+              <a:spcAft>
+                <a:spcPct val="0"/>
+              </a:spcAft>
+              <a:buClrTx/>
+              <a:buSzTx/>
+              <a:buFontTx/>
+              <a:buNone/>
+              <a:tabLst/>
+            </a:pPr>
+            <a:r>
+              <a:rPr kumimoji="0" lang="en-US" sz="2400" b="0" i="0" u="none" strike="noStrike" cap="none" normalizeH="0" baseline="0" dirty="0">
+                <a:ln>
+                  <a:noFill/>
+                </a:ln>
+                <a:solidFill>
+                  <a:schemeClr val="tx1"/>
+                </a:solidFill>
+                <a:effectLst/>
+                <a:latin typeface="Arial" pitchFamily="-107" charset="0"/>
+                <a:ea typeface="ＭＳ Ｐゴシック" pitchFamily="-107" charset="-128"/>
+                <a:cs typeface="ＭＳ Ｐゴシック" pitchFamily="-107" charset="-128"/>
+              </a:rPr>
+              <a:t>OR</a:t>
+            </a:r>
+          </a:p>
+        </p:txBody>
+      </p:sp>
+      <p:sp>
+        <p:nvSpPr>
+          <p:cNvPr id="104" name="Ellipse 103"/>
+          <p:cNvSpPr/>
+          <p:nvPr/>
+        </p:nvSpPr>
+        <p:spPr bwMode="auto">
+          <a:xfrm>
+            <a:off x="5098082" y="5851640"/>
+            <a:ext cx="936104" cy="576064"/>
+          </a:xfrm>
+          <a:prstGeom prst="ellipse">
+            <a:avLst/>
+          </a:prstGeom>
+          <a:solidFill>
+            <a:schemeClr val="accent1"/>
+          </a:solidFill>
+          <a:ln w="9525" cap="flat" cmpd="sng" algn="ctr">
+            <a:solidFill>
+              <a:schemeClr val="tx1"/>
+            </a:solidFill>
+            <a:prstDash val="solid"/>
+            <a:round/>
+            <a:headEnd type="none" w="med" len="med"/>
+            <a:tailEnd type="none" w="med" len="med"/>
+          </a:ln>
+          <a:effectLst/>
+        </p:spPr>
+        <p:txBody>
+          <a:bodyPr vert="horz" wrap="square" lIns="91440" tIns="45720" rIns="91440" bIns="45720" numCol="1" rtlCol="0" anchor="t" anchorCtr="0" compatLnSpc="1">
+            <a:prstTxWarp prst="textNoShape">
+              <a:avLst/>
+            </a:prstTxWarp>
+          </a:bodyPr>
+          <a:lstStyle/>
+          <a:p>
+            <a:pPr marL="0" marR="0" indent="0" algn="l" defTabSz="914400" rtl="0" eaLnBrk="0" fontAlgn="base" latinLnBrk="0" hangingPunct="0">
+              <a:lnSpc>
+                <a:spcPct val="100000"/>
+              </a:lnSpc>
+              <a:spcBef>
+                <a:spcPct val="0"/>
+              </a:spcBef>
+              <a:spcAft>
+                <a:spcPct val="0"/>
+              </a:spcAft>
+              <a:buClrTx/>
+              <a:buSzTx/>
+              <a:buFontTx/>
+              <a:buNone/>
+              <a:tabLst/>
+            </a:pPr>
+            <a:r>
+              <a:rPr kumimoji="0" lang="en-US" sz="2400" b="0" i="0" u="none" strike="noStrike" cap="none" normalizeH="0" baseline="0" dirty="0">
+                <a:ln>
+                  <a:noFill/>
+                </a:ln>
+                <a:solidFill>
+                  <a:schemeClr val="tx1"/>
+                </a:solidFill>
+                <a:effectLst/>
+                <a:latin typeface="Arial" pitchFamily="-107" charset="0"/>
+                <a:ea typeface="ＭＳ Ｐゴシック" pitchFamily="-107" charset="-128"/>
+                <a:cs typeface="ＭＳ Ｐゴシック" pitchFamily="-107" charset="-128"/>
+              </a:rPr>
+              <a:t>OR</a:t>
+            </a:r>
+          </a:p>
+        </p:txBody>
+      </p:sp>
+      <p:sp>
+        <p:nvSpPr>
+          <p:cNvPr id="115" name="Ellipse 114"/>
+          <p:cNvSpPr/>
+          <p:nvPr/>
+        </p:nvSpPr>
+        <p:spPr bwMode="auto">
+          <a:xfrm>
+            <a:off x="3545944" y="1999120"/>
+            <a:ext cx="1196982" cy="943436"/>
+          </a:xfrm>
+          <a:prstGeom prst="ellipse">
+            <a:avLst/>
+          </a:prstGeom>
+          <a:noFill/>
+          <a:ln w="9525" cap="flat" cmpd="sng" algn="ctr">
+            <a:solidFill>
+              <a:schemeClr val="tx1"/>
+            </a:solidFill>
+            <a:prstDash val="solid"/>
+            <a:round/>
+            <a:headEnd type="none" w="med" len="med"/>
+            <a:tailEnd type="none" w="med" len="med"/>
+          </a:ln>
+          <a:effectLst/>
+        </p:spPr>
+        <p:txBody>
+          <a:bodyPr vert="horz" wrap="square" lIns="91440" tIns="45720" rIns="91440" bIns="45720" numCol="1" rtlCol="0" anchor="ctr" anchorCtr="0" compatLnSpc="1">
+            <a:prstTxWarp prst="textNoShape">
+              <a:avLst/>
+            </a:prstTxWarp>
+          </a:bodyPr>
+          <a:lstStyle/>
+          <a:p>
+            <a:pPr marL="0" marR="0" indent="0" algn="ctr" defTabSz="914400" rtl="0" eaLnBrk="0" fontAlgn="base" latinLnBrk="0" hangingPunct="0">
+              <a:lnSpc>
+                <a:spcPct val="100000"/>
+              </a:lnSpc>
+              <a:spcBef>
+                <a:spcPct val="0"/>
+              </a:spcBef>
+              <a:spcAft>
+                <a:spcPct val="0"/>
+              </a:spcAft>
+              <a:buClrTx/>
+              <a:buSzTx/>
+              <a:buFontTx/>
+              <a:buNone/>
+              <a:tabLst/>
+            </a:pPr>
+            <a:endParaRPr kumimoji="0" lang="en-US" sz="1800" b="0" i="0" u="none" strike="noStrike" cap="none" normalizeH="0" baseline="0" dirty="0">
+              <a:ln>
+                <a:solidFill>
+                  <a:schemeClr val="tx1"/>
+                </a:solidFill>
+              </a:ln>
+              <a:effectLst/>
+              <a:latin typeface="Arial" pitchFamily="-107" charset="0"/>
+              <a:ea typeface="ＭＳ Ｐゴシック" pitchFamily="-107" charset="-128"/>
+              <a:cs typeface="ＭＳ Ｐゴシック" pitchFamily="-107" charset="-128"/>
             </a:endParaRPr>
           </a:p>
-          <a:p>
-            <a:pPr eaLnBrk="1" hangingPunct="1"/>
-            <a:r>
-              <a:rPr lang="de-DE" dirty="0" smtClean="0">
-                <a:latin typeface="Calibri"/>
-              </a:rPr>
-              <a:t>Directory </a:t>
-            </a:r>
-            <a:r>
-              <a:rPr lang="de-DE" dirty="0" err="1" smtClean="0">
-                <a:latin typeface="Calibri"/>
-              </a:rPr>
-              <a:t>servers</a:t>
-            </a:r>
-            <a:r>
-              <a:rPr lang="de-DE" dirty="0" smtClean="0">
-                <a:latin typeface="Calibri"/>
-              </a:rPr>
-              <a:t> </a:t>
-            </a:r>
-            <a:r>
-              <a:rPr lang="de-DE" dirty="0" err="1" smtClean="0">
-                <a:latin typeface="Calibri"/>
-              </a:rPr>
-              <a:t>instead</a:t>
-            </a:r>
-            <a:r>
-              <a:rPr lang="de-DE" dirty="0" smtClean="0">
-                <a:latin typeface="Calibri"/>
-              </a:rPr>
-              <a:t> </a:t>
-            </a:r>
-            <a:r>
-              <a:rPr lang="de-DE" dirty="0" err="1" smtClean="0">
-                <a:latin typeface="Calibri"/>
-              </a:rPr>
-              <a:t>of</a:t>
-            </a:r>
-            <a:r>
-              <a:rPr lang="de-DE" dirty="0" smtClean="0">
-                <a:latin typeface="Calibri"/>
-              </a:rPr>
-              <a:t> </a:t>
-            </a:r>
-            <a:r>
-              <a:rPr lang="de-DE" dirty="0" err="1" smtClean="0">
-                <a:latin typeface="Calibri"/>
-              </a:rPr>
-              <a:t>routing</a:t>
-            </a:r>
-            <a:r>
-              <a:rPr lang="de-DE" dirty="0" smtClean="0">
-                <a:latin typeface="Calibri"/>
-              </a:rPr>
-              <a:t> </a:t>
-            </a:r>
-            <a:r>
-              <a:rPr lang="de-DE" dirty="0" err="1" smtClean="0">
-                <a:latin typeface="Calibri"/>
-              </a:rPr>
-              <a:t>information</a:t>
-            </a:r>
-            <a:r>
-              <a:rPr lang="de-DE" dirty="0" smtClean="0">
-                <a:latin typeface="Calibri"/>
-              </a:rPr>
-              <a:t> </a:t>
-            </a:r>
-            <a:r>
-              <a:rPr lang="de-DE" dirty="0" err="1" smtClean="0">
-                <a:latin typeface="Calibri"/>
-              </a:rPr>
-              <a:t>flooding</a:t>
-            </a:r>
-            <a:endParaRPr lang="de-DE" dirty="0" smtClean="0">
-              <a:latin typeface="Calibri"/>
+        </p:txBody>
+      </p:sp>
+      <p:sp>
+        <p:nvSpPr>
+          <p:cNvPr id="116" name="Ellipse 115"/>
+          <p:cNvSpPr/>
+          <p:nvPr/>
+        </p:nvSpPr>
+        <p:spPr bwMode="auto">
+          <a:xfrm>
+            <a:off x="3661036" y="2023523"/>
+            <a:ext cx="966798" cy="894631"/>
+          </a:xfrm>
+          <a:prstGeom prst="ellipse">
+            <a:avLst/>
+          </a:prstGeom>
+          <a:noFill/>
+          <a:ln w="9525" cap="flat" cmpd="sng" algn="ctr">
+            <a:solidFill>
+              <a:schemeClr val="tx1"/>
+            </a:solidFill>
+            <a:prstDash val="solid"/>
+            <a:round/>
+            <a:headEnd type="none" w="med" len="med"/>
+            <a:tailEnd type="none" w="med" len="med"/>
+          </a:ln>
+          <a:effectLst/>
+        </p:spPr>
+        <p:txBody>
+          <a:bodyPr vert="horz" wrap="square" lIns="91440" tIns="45720" rIns="91440" bIns="45720" numCol="1" rtlCol="0" anchor="ctr" anchorCtr="0" compatLnSpc="1">
+            <a:prstTxWarp prst="textNoShape">
+              <a:avLst/>
+            </a:prstTxWarp>
+          </a:bodyPr>
+          <a:lstStyle/>
+          <a:p>
+            <a:pPr marL="0" marR="0" indent="0" algn="ctr" defTabSz="914400" rtl="0" eaLnBrk="0" fontAlgn="base" latinLnBrk="0" hangingPunct="0">
+              <a:lnSpc>
+                <a:spcPct val="100000"/>
+              </a:lnSpc>
+              <a:spcBef>
+                <a:spcPct val="0"/>
+              </a:spcBef>
+              <a:spcAft>
+                <a:spcPct val="0"/>
+              </a:spcAft>
+              <a:buClrTx/>
+              <a:buSzTx/>
+              <a:buFontTx/>
+              <a:buNone/>
+              <a:tabLst/>
+            </a:pPr>
+            <a:r>
+              <a:rPr kumimoji="0" lang="en-US" sz="1400" b="0" i="0" u="none" strike="noStrike" cap="none" normalizeH="0" baseline="0" dirty="0">
+                <a:ln>
+                  <a:solidFill>
+                    <a:schemeClr val="tx1"/>
+                  </a:solidFill>
+                </a:ln>
+                <a:effectLst/>
+                <a:latin typeface="Arial" pitchFamily="-107" charset="0"/>
+                <a:ea typeface="ＭＳ Ｐゴシック" pitchFamily="-107" charset="-128"/>
+                <a:cs typeface="ＭＳ Ｐゴシック" pitchFamily="-107" charset="-128"/>
+              </a:rPr>
+              <a:t>HTTP</a:t>
+            </a:r>
+          </a:p>
+        </p:txBody>
+      </p:sp>
+      <p:sp>
+        <p:nvSpPr>
+          <p:cNvPr id="117" name="Ellipse 116"/>
+          <p:cNvSpPr/>
+          <p:nvPr/>
+        </p:nvSpPr>
+        <p:spPr bwMode="auto">
+          <a:xfrm>
+            <a:off x="1886960" y="1919574"/>
+            <a:ext cx="1441029" cy="1026777"/>
+          </a:xfrm>
+          <a:prstGeom prst="ellipse">
+            <a:avLst/>
+          </a:prstGeom>
+          <a:noFill/>
+          <a:ln w="9525" cap="flat" cmpd="sng" algn="ctr">
+            <a:solidFill>
+              <a:schemeClr val="tx1"/>
+            </a:solidFill>
+            <a:prstDash val="solid"/>
+            <a:round/>
+            <a:headEnd type="none" w="med" len="med"/>
+            <a:tailEnd type="none" w="med" len="med"/>
+          </a:ln>
+          <a:effectLst/>
+        </p:spPr>
+        <p:txBody>
+          <a:bodyPr vert="horz" wrap="square" lIns="91440" tIns="45720" rIns="91440" bIns="45720" numCol="1" rtlCol="0" anchor="ctr" anchorCtr="0" compatLnSpc="1">
+            <a:prstTxWarp prst="textNoShape">
+              <a:avLst/>
+            </a:prstTxWarp>
+          </a:bodyPr>
+          <a:lstStyle/>
+          <a:p>
+            <a:pPr marL="0" marR="0" indent="0" algn="ctr" defTabSz="914400" rtl="0" eaLnBrk="0" fontAlgn="base" latinLnBrk="0" hangingPunct="0">
+              <a:lnSpc>
+                <a:spcPct val="100000"/>
+              </a:lnSpc>
+              <a:spcBef>
+                <a:spcPct val="0"/>
+              </a:spcBef>
+              <a:spcAft>
+                <a:spcPct val="0"/>
+              </a:spcAft>
+              <a:buClrTx/>
+              <a:buSzTx/>
+              <a:buFontTx/>
+              <a:buNone/>
+              <a:tabLst/>
+            </a:pPr>
+            <a:endParaRPr kumimoji="0" lang="en-US" sz="1800" b="0" i="0" u="none" strike="noStrike" cap="none" normalizeH="0" baseline="0" dirty="0">
+              <a:ln>
+                <a:solidFill>
+                  <a:schemeClr val="tx1"/>
+                </a:solidFill>
+              </a:ln>
+              <a:effectLst/>
+              <a:latin typeface="Arial" pitchFamily="-107" charset="0"/>
+              <a:ea typeface="ＭＳ Ｐゴシック" pitchFamily="-107" charset="-128"/>
+              <a:cs typeface="ＭＳ Ｐゴシック" pitchFamily="-107" charset="-128"/>
             </a:endParaRPr>
           </a:p>
-          <a:p>
-            <a:pPr eaLnBrk="1" hangingPunct="1"/>
-            <a:r>
-              <a:rPr lang="de-DE" dirty="0" smtClean="0">
-                <a:latin typeface="Calibri"/>
-              </a:rPr>
-              <a:t>Hidden </a:t>
-            </a:r>
-            <a:r>
-              <a:rPr lang="de-DE" dirty="0" err="1" smtClean="0">
-                <a:latin typeface="Calibri"/>
-              </a:rPr>
-              <a:t>services</a:t>
-            </a:r>
-            <a:endParaRPr lang="de-DE" dirty="0" smtClean="0">
-              <a:latin typeface="Calibri"/>
+        </p:txBody>
+      </p:sp>
+      <p:sp>
+        <p:nvSpPr>
+          <p:cNvPr id="118" name="Ellipse 117"/>
+          <p:cNvSpPr/>
+          <p:nvPr/>
+        </p:nvSpPr>
+        <p:spPr bwMode="auto">
+          <a:xfrm>
+            <a:off x="2005836" y="1961244"/>
+            <a:ext cx="1196982" cy="943436"/>
+          </a:xfrm>
+          <a:prstGeom prst="ellipse">
+            <a:avLst/>
+          </a:prstGeom>
+          <a:noFill/>
+          <a:ln w="9525" cap="flat" cmpd="sng" algn="ctr">
+            <a:solidFill>
+              <a:schemeClr val="tx1"/>
+            </a:solidFill>
+            <a:prstDash val="solid"/>
+            <a:round/>
+            <a:headEnd type="none" w="med" len="med"/>
+            <a:tailEnd type="none" w="med" len="med"/>
+          </a:ln>
+          <a:effectLst/>
+        </p:spPr>
+        <p:txBody>
+          <a:bodyPr vert="horz" wrap="square" lIns="91440" tIns="45720" rIns="91440" bIns="45720" numCol="1" rtlCol="0" anchor="ctr" anchorCtr="0" compatLnSpc="1">
+            <a:prstTxWarp prst="textNoShape">
+              <a:avLst/>
+            </a:prstTxWarp>
+          </a:bodyPr>
+          <a:lstStyle/>
+          <a:p>
+            <a:pPr marL="0" marR="0" indent="0" algn="ctr" defTabSz="914400" rtl="0" eaLnBrk="0" fontAlgn="base" latinLnBrk="0" hangingPunct="0">
+              <a:lnSpc>
+                <a:spcPct val="100000"/>
+              </a:lnSpc>
+              <a:spcBef>
+                <a:spcPct val="0"/>
+              </a:spcBef>
+              <a:spcAft>
+                <a:spcPct val="0"/>
+              </a:spcAft>
+              <a:buClrTx/>
+              <a:buSzTx/>
+              <a:buFontTx/>
+              <a:buNone/>
+              <a:tabLst/>
+            </a:pPr>
+            <a:endParaRPr kumimoji="0" lang="en-US" sz="1800" b="0" i="0" u="none" strike="noStrike" cap="none" normalizeH="0" baseline="0" dirty="0">
+              <a:ln>
+                <a:solidFill>
+                  <a:schemeClr val="tx1"/>
+                </a:solidFill>
+              </a:ln>
+              <a:effectLst/>
+              <a:latin typeface="Arial" pitchFamily="-107" charset="0"/>
+              <a:ea typeface="ＭＳ Ｐゴシック" pitchFamily="-107" charset="-128"/>
+              <a:cs typeface="ＭＳ Ｐゴシック" pitchFamily="-107" charset="-128"/>
             </a:endParaRPr>
           </a:p>
-          <a:p>
-            <a:pPr eaLnBrk="1" hangingPunct="1"/>
-            <a:r>
-              <a:rPr lang="de-DE" dirty="0" err="1" smtClean="0">
-                <a:latin typeface="Calibri"/>
-              </a:rPr>
-              <a:t>Perfect</a:t>
-            </a:r>
-            <a:r>
-              <a:rPr lang="de-DE" dirty="0" smtClean="0">
-                <a:latin typeface="Calibri"/>
-              </a:rPr>
-              <a:t> </a:t>
-            </a:r>
-            <a:r>
-              <a:rPr lang="de-DE" dirty="0" err="1" smtClean="0">
-                <a:latin typeface="Calibri"/>
-              </a:rPr>
-              <a:t>forward</a:t>
-            </a:r>
-            <a:r>
-              <a:rPr lang="de-DE" dirty="0" smtClean="0">
-                <a:latin typeface="Calibri"/>
-              </a:rPr>
-              <a:t> </a:t>
-            </a:r>
-            <a:r>
-              <a:rPr lang="de-DE" dirty="0" err="1" smtClean="0">
-                <a:latin typeface="Calibri"/>
-              </a:rPr>
-              <a:t>secrecy</a:t>
-            </a:r>
-            <a:endParaRPr lang="de-DE" dirty="0" smtClean="0">
-              <a:latin typeface="Calibri"/>
-            </a:endParaRPr>
-          </a:p>
-          <a:p>
-            <a:pPr eaLnBrk="1" hangingPunct="1"/>
-            <a:r>
-              <a:rPr lang="de-DE" dirty="0" err="1" smtClean="0">
-                <a:latin typeface="Calibri"/>
-              </a:rPr>
-              <a:t>Congestion</a:t>
-            </a:r>
-            <a:r>
-              <a:rPr lang="de-DE" dirty="0" smtClean="0">
-                <a:latin typeface="Calibri"/>
-              </a:rPr>
-              <a:t> </a:t>
-            </a:r>
-            <a:r>
-              <a:rPr lang="de-DE" dirty="0" err="1" smtClean="0">
-                <a:latin typeface="Calibri"/>
-              </a:rPr>
-              <a:t>control</a:t>
-            </a:r>
-            <a:endParaRPr lang="de-DE" dirty="0" smtClean="0">
-              <a:latin typeface="Calibri"/>
-            </a:endParaRPr>
-          </a:p>
-          <a:p>
-            <a:pPr eaLnBrk="1" hangingPunct="1"/>
-            <a:r>
-              <a:rPr lang="de-DE" dirty="0" err="1" smtClean="0">
-                <a:latin typeface="Calibri"/>
-              </a:rPr>
-              <a:t>Integrity</a:t>
-            </a:r>
-            <a:r>
-              <a:rPr lang="de-DE" dirty="0" smtClean="0">
-                <a:latin typeface="Calibri"/>
-              </a:rPr>
-              <a:t> </a:t>
-            </a:r>
-            <a:r>
-              <a:rPr lang="de-DE" dirty="0" err="1" smtClean="0">
-                <a:latin typeface="Calibri"/>
-              </a:rPr>
-              <a:t>checking</a:t>
-            </a:r>
-            <a:endParaRPr lang="de-DE" dirty="0" smtClean="0">
-              <a:latin typeface="Calibri"/>
-            </a:endParaRPr>
-          </a:p>
-          <a:p>
-            <a:pPr eaLnBrk="1" hangingPunct="1"/>
-            <a:r>
-              <a:rPr lang="de-DE" dirty="0" smtClean="0">
-                <a:latin typeface="Calibri"/>
-              </a:rPr>
-              <a:t>Exit </a:t>
-            </a:r>
-            <a:r>
-              <a:rPr lang="de-DE" dirty="0" err="1" smtClean="0">
-                <a:latin typeface="Calibri"/>
-              </a:rPr>
-              <a:t>policies</a:t>
-            </a:r>
-            <a:endParaRPr lang="de-DE" dirty="0" smtClean="0">
-              <a:latin typeface="Calibri"/>
-            </a:endParaRPr>
-          </a:p>
-          <a:p>
-            <a:pPr eaLnBrk="1" hangingPunct="1"/>
-            <a:r>
-              <a:rPr lang="de-DE" dirty="0" err="1" smtClean="0">
-                <a:latin typeface="Calibri"/>
-              </a:rPr>
-              <a:t>Leaky</a:t>
-            </a:r>
-            <a:r>
-              <a:rPr lang="de-DE" dirty="0" smtClean="0">
-                <a:latin typeface="Calibri"/>
-              </a:rPr>
-              <a:t>-pipe </a:t>
-            </a:r>
-            <a:r>
-              <a:rPr lang="de-DE" dirty="0" err="1" smtClean="0">
-                <a:latin typeface="Calibri"/>
-              </a:rPr>
-              <a:t>topology</a:t>
-            </a:r>
-            <a:r>
-              <a:rPr lang="de-DE" dirty="0" smtClean="0">
-                <a:latin typeface="Calibri"/>
-              </a:rPr>
-              <a:t> (?)</a:t>
-            </a:r>
-          </a:p>
-          <a:p>
-            <a:pPr eaLnBrk="1" hangingPunct="1"/>
-            <a:r>
-              <a:rPr lang="de-DE" dirty="0" smtClean="0">
-                <a:latin typeface="Calibri"/>
-              </a:rPr>
-              <a:t>…</a:t>
-            </a:r>
-            <a:endParaRPr lang="de-DE" dirty="0">
-              <a:latin typeface="Calibri"/>
-            </a:endParaRPr>
+        </p:txBody>
+      </p:sp>
+      <p:sp>
+        <p:nvSpPr>
+          <p:cNvPr id="119" name="Ellipse 118"/>
+          <p:cNvSpPr/>
+          <p:nvPr/>
+        </p:nvSpPr>
+        <p:spPr bwMode="auto">
+          <a:xfrm>
+            <a:off x="2120928" y="1985647"/>
+            <a:ext cx="966798" cy="894631"/>
+          </a:xfrm>
+          <a:prstGeom prst="ellipse">
+            <a:avLst/>
+          </a:prstGeom>
+          <a:noFill/>
+          <a:ln w="9525" cap="flat" cmpd="sng" algn="ctr">
+            <a:solidFill>
+              <a:schemeClr val="tx1"/>
+            </a:solidFill>
+            <a:prstDash val="solid"/>
+            <a:round/>
+            <a:headEnd type="none" w="med" len="med"/>
+            <a:tailEnd type="none" w="med" len="med"/>
+          </a:ln>
+          <a:effectLst/>
+        </p:spPr>
+        <p:txBody>
+          <a:bodyPr vert="horz" wrap="square" lIns="91440" tIns="45720" rIns="91440" bIns="45720" numCol="1" rtlCol="0" anchor="ctr" anchorCtr="0" compatLnSpc="1">
+            <a:prstTxWarp prst="textNoShape">
+              <a:avLst/>
+            </a:prstTxWarp>
+          </a:bodyPr>
+          <a:lstStyle/>
+          <a:p>
+            <a:pPr marL="0" marR="0" indent="0" algn="ctr" defTabSz="914400" rtl="0" eaLnBrk="0" fontAlgn="base" latinLnBrk="0" hangingPunct="0">
+              <a:lnSpc>
+                <a:spcPct val="100000"/>
+              </a:lnSpc>
+              <a:spcBef>
+                <a:spcPct val="0"/>
+              </a:spcBef>
+              <a:spcAft>
+                <a:spcPct val="0"/>
+              </a:spcAft>
+              <a:buClrTx/>
+              <a:buSzTx/>
+              <a:buFontTx/>
+              <a:buNone/>
+              <a:tabLst/>
+            </a:pPr>
+            <a:r>
+              <a:rPr kumimoji="0" lang="en-US" sz="1400" b="0" i="0" u="none" strike="noStrike" cap="none" normalizeH="0" baseline="0" dirty="0">
+                <a:ln>
+                  <a:solidFill>
+                    <a:schemeClr val="tx1"/>
+                  </a:solidFill>
+                </a:ln>
+                <a:effectLst/>
+                <a:latin typeface="Arial" pitchFamily="-107" charset="0"/>
+                <a:ea typeface="ＭＳ Ｐゴシック" pitchFamily="-107" charset="-128"/>
+                <a:cs typeface="ＭＳ Ｐゴシック" pitchFamily="-107" charset="-128"/>
+              </a:rPr>
+              <a:t>HTTP</a:t>
+            </a:r>
+          </a:p>
+        </p:txBody>
+      </p:sp>
+      <p:sp>
+        <p:nvSpPr>
+          <p:cNvPr id="121" name="Ellipse 120"/>
+          <p:cNvSpPr/>
+          <p:nvPr/>
+        </p:nvSpPr>
+        <p:spPr bwMode="auto">
+          <a:xfrm>
+            <a:off x="5185155" y="1985647"/>
+            <a:ext cx="966798" cy="894631"/>
+          </a:xfrm>
+          <a:prstGeom prst="ellipse">
+            <a:avLst/>
+          </a:prstGeom>
+          <a:noFill/>
+          <a:ln w="9525" cap="flat" cmpd="sng" algn="ctr">
+            <a:solidFill>
+              <a:schemeClr val="tx1"/>
+            </a:solidFill>
+            <a:prstDash val="solid"/>
+            <a:round/>
+            <a:headEnd type="none" w="med" len="med"/>
+            <a:tailEnd type="none" w="med" len="med"/>
+          </a:ln>
+          <a:effectLst/>
+        </p:spPr>
+        <p:txBody>
+          <a:bodyPr vert="horz" wrap="square" lIns="91440" tIns="45720" rIns="91440" bIns="45720" numCol="1" rtlCol="0" anchor="ctr" anchorCtr="0" compatLnSpc="1">
+            <a:prstTxWarp prst="textNoShape">
+              <a:avLst/>
+            </a:prstTxWarp>
+          </a:bodyPr>
+          <a:lstStyle/>
+          <a:p>
+            <a:pPr marL="0" marR="0" indent="0" algn="ctr" defTabSz="914400" rtl="0" eaLnBrk="0" fontAlgn="base" latinLnBrk="0" hangingPunct="0">
+              <a:lnSpc>
+                <a:spcPct val="100000"/>
+              </a:lnSpc>
+              <a:spcBef>
+                <a:spcPct val="0"/>
+              </a:spcBef>
+              <a:spcAft>
+                <a:spcPct val="0"/>
+              </a:spcAft>
+              <a:buClrTx/>
+              <a:buSzTx/>
+              <a:buFontTx/>
+              <a:buNone/>
+              <a:tabLst/>
+            </a:pPr>
+            <a:r>
+              <a:rPr kumimoji="0" lang="en-US" sz="1400" b="0" i="0" u="none" strike="noStrike" cap="none" normalizeH="0" baseline="0" dirty="0">
+                <a:ln>
+                  <a:solidFill>
+                    <a:schemeClr val="tx1"/>
+                  </a:solidFill>
+                </a:ln>
+                <a:effectLst/>
+                <a:latin typeface="Arial" pitchFamily="-107" charset="0"/>
+                <a:ea typeface="ＭＳ Ｐゴシック" pitchFamily="-107" charset="-128"/>
+                <a:cs typeface="ＭＳ Ｐゴシック" pitchFamily="-107" charset="-128"/>
+              </a:rPr>
+              <a:t>HTTP</a:t>
+            </a:r>
+          </a:p>
+        </p:txBody>
+      </p:sp>
+      <p:cxnSp>
+        <p:nvCxnSpPr>
+          <p:cNvPr id="12311" name="Gerade Verbindung mit Pfeil 12310"/>
+          <p:cNvCxnSpPr>
+            <a:cxnSpLocks/>
+          </p:cNvCxnSpPr>
+          <p:nvPr/>
+        </p:nvCxnSpPr>
+        <p:spPr bwMode="auto">
+          <a:xfrm flipV="1">
+            <a:off x="2627784" y="3184875"/>
+            <a:ext cx="0" cy="826660"/>
+          </a:xfrm>
+          <a:prstGeom prst="straightConnector1">
+            <a:avLst/>
+          </a:prstGeom>
+          <a:solidFill>
+            <a:schemeClr val="accent1"/>
+          </a:solidFill>
+          <a:ln w="19050" cap="flat" cmpd="sng" algn="ctr">
+            <a:solidFill>
+              <a:schemeClr val="bg1">
+                <a:lumMod val="65000"/>
+              </a:schemeClr>
+            </a:solidFill>
+            <a:prstDash val="dash"/>
+            <a:round/>
+            <a:headEnd type="none" w="med" len="med"/>
+            <a:tailEnd type="none" w="med" len="med"/>
+          </a:ln>
+          <a:effectLst/>
+        </p:spPr>
+      </p:cxnSp>
+      <p:cxnSp>
+        <p:nvCxnSpPr>
+          <p:cNvPr id="127" name="Gerade Verbindung mit Pfeil 126"/>
+          <p:cNvCxnSpPr>
+            <a:cxnSpLocks/>
+          </p:cNvCxnSpPr>
+          <p:nvPr/>
+        </p:nvCxnSpPr>
+        <p:spPr bwMode="auto">
+          <a:xfrm flipV="1">
+            <a:off x="4058488" y="3034387"/>
+            <a:ext cx="9456" cy="866711"/>
+          </a:xfrm>
+          <a:prstGeom prst="straightConnector1">
+            <a:avLst/>
+          </a:prstGeom>
+          <a:solidFill>
+            <a:schemeClr val="accent1"/>
+          </a:solidFill>
+          <a:ln w="19050" cap="flat" cmpd="sng" algn="ctr">
+            <a:solidFill>
+              <a:schemeClr val="bg1">
+                <a:lumMod val="65000"/>
+              </a:schemeClr>
+            </a:solidFill>
+            <a:prstDash val="dash"/>
+            <a:round/>
+            <a:headEnd type="none" w="med" len="med"/>
+            <a:tailEnd type="none" w="med" len="med"/>
+          </a:ln>
+          <a:effectLst/>
+        </p:spPr>
+      </p:cxnSp>
+      <p:cxnSp>
+        <p:nvCxnSpPr>
+          <p:cNvPr id="130" name="Gerade Verbindung mit Pfeil 129"/>
+          <p:cNvCxnSpPr>
+            <a:cxnSpLocks/>
+          </p:cNvCxnSpPr>
+          <p:nvPr/>
+        </p:nvCxnSpPr>
+        <p:spPr bwMode="auto">
+          <a:xfrm flipV="1">
+            <a:off x="5659098" y="3054732"/>
+            <a:ext cx="9456" cy="866711"/>
+          </a:xfrm>
+          <a:prstGeom prst="straightConnector1">
+            <a:avLst/>
+          </a:prstGeom>
+          <a:solidFill>
+            <a:schemeClr val="accent1"/>
+          </a:solidFill>
+          <a:ln w="19050" cap="flat" cmpd="sng" algn="ctr">
+            <a:solidFill>
+              <a:schemeClr val="bg1">
+                <a:lumMod val="65000"/>
+              </a:schemeClr>
+            </a:solidFill>
+            <a:prstDash val="dash"/>
+            <a:round/>
+            <a:headEnd type="none" w="med" len="med"/>
+            <a:tailEnd type="none" w="med" len="med"/>
+          </a:ln>
+          <a:effectLst/>
+        </p:spPr>
+      </p:cxnSp>
+      <p:sp>
+        <p:nvSpPr>
+          <p:cNvPr id="131" name="Textfeld 130"/>
+          <p:cNvSpPr txBox="1"/>
+          <p:nvPr/>
+        </p:nvSpPr>
+        <p:spPr>
+          <a:xfrm>
+            <a:off x="5936340" y="4606601"/>
+            <a:ext cx="1351718" cy="830997"/>
+          </a:xfrm>
+          <a:prstGeom prst="rect">
+            <a:avLst/>
+          </a:prstGeom>
+          <a:noFill/>
+        </p:spPr>
+        <p:txBody>
+          <a:bodyPr wrap="square" rtlCol="0">
+            <a:spAutoFit/>
+          </a:bodyPr>
+          <a:lstStyle/>
+          <a:p>
+            <a:r>
+              <a:rPr lang="en-US" dirty="0"/>
+              <a:t>Exit Node</a:t>
+            </a:r>
           </a:p>
         </p:txBody>
       </p:sp>
     </p:spTree>
     <p:extLst>
       <p:ext uri="{BB962C8B-B14F-4D97-AF65-F5344CB8AC3E}">
-        <p14:creationId xmlns:p14="http://schemas.microsoft.com/office/powerpoint/2010/main" val="3255082760"/>
+        <p14:creationId xmlns:p14="http://schemas.microsoft.com/office/powerpoint/2010/main" val="1187382023"/>
       </p:ext>
     </p:extLst>
   </p:cSld>
   <p:clrMapOvr>
     <a:masterClrMapping/>
   </p:clrMapOvr>
-  <p:timing>
-    <p:tnLst>
-      <p:par>
-        <p:cTn id="1" dur="indefinite" restart="never" nodeType="tmRoot"/>
-      </p:par>
-    </p:tnLst>
-  </p:timing>
 </p:sld>
 </file>
 
@@ -4628,17 +7873,1465 @@
           <a:bodyPr/>
           <a:lstStyle/>
           <a:p>
+            <a:pPr eaLnBrk="1" hangingPunct="1"/>
+            <a:r>
+              <a:rPr lang="de-DE" dirty="0">
+                <a:latin typeface="Calibri"/>
+              </a:rPr>
+              <a:t>Working </a:t>
+            </a:r>
+            <a:r>
+              <a:rPr lang="de-DE" dirty="0" err="1">
+                <a:latin typeface="Calibri"/>
+              </a:rPr>
+              <a:t>principle</a:t>
+            </a:r>
+            <a:r>
+              <a:rPr lang="de-DE" dirty="0">
+                <a:latin typeface="Calibri"/>
+              </a:rPr>
+              <a:t> </a:t>
+            </a:r>
+            <a:r>
+              <a:rPr lang="de-DE" dirty="0" err="1">
+                <a:latin typeface="Calibri"/>
+              </a:rPr>
+              <a:t>of</a:t>
+            </a:r>
+            <a:r>
+              <a:rPr lang="de-DE" dirty="0">
+                <a:latin typeface="Calibri"/>
+              </a:rPr>
+              <a:t> Tor</a:t>
+            </a:r>
+          </a:p>
+        </p:txBody>
+      </p:sp>
+      <p:grpSp>
+        <p:nvGrpSpPr>
+          <p:cNvPr id="29" name="Gruppieren 28"/>
+          <p:cNvGrpSpPr/>
+          <p:nvPr/>
+        </p:nvGrpSpPr>
+        <p:grpSpPr>
+          <a:xfrm>
+            <a:off x="1234904" y="1940317"/>
+            <a:ext cx="6540154" cy="3564397"/>
+            <a:chOff x="827117" y="2240868"/>
+            <a:chExt cx="7286625" cy="3816425"/>
+          </a:xfrm>
+        </p:grpSpPr>
+        <p:sp>
+          <p:nvSpPr>
+            <p:cNvPr id="2" name="Rechteck 1"/>
+            <p:cNvSpPr/>
+            <p:nvPr/>
+          </p:nvSpPr>
+          <p:spPr bwMode="auto">
+            <a:xfrm>
+              <a:off x="827117" y="2240868"/>
+              <a:ext cx="1047479" cy="3816424"/>
+            </a:xfrm>
+            <a:prstGeom prst="rect">
+              <a:avLst/>
+            </a:prstGeom>
+            <a:solidFill>
+              <a:schemeClr val="accent1"/>
+            </a:solidFill>
+            <a:ln w="9525" cap="flat" cmpd="sng" algn="ctr">
+              <a:solidFill>
+                <a:schemeClr val="tx1"/>
+              </a:solidFill>
+              <a:prstDash val="solid"/>
+              <a:round/>
+              <a:headEnd type="none" w="med" len="med"/>
+              <a:tailEnd type="none" w="med" len="med"/>
+            </a:ln>
+            <a:effectLst/>
+          </p:spPr>
+          <p:txBody>
+            <a:bodyPr vert="horz" wrap="square" lIns="91440" tIns="45720" rIns="91440" bIns="45720" numCol="1" rtlCol="0" anchor="ctr" anchorCtr="0" compatLnSpc="1">
+              <a:prstTxWarp prst="textNoShape">
+                <a:avLst/>
+              </a:prstTxWarp>
+            </a:bodyPr>
+            <a:lstStyle/>
+            <a:p>
+              <a:pPr marL="0" marR="0" indent="0" algn="ctr" defTabSz="914400" rtl="0" eaLnBrk="0" fontAlgn="base" latinLnBrk="0" hangingPunct="0">
+                <a:lnSpc>
+                  <a:spcPct val="100000"/>
+                </a:lnSpc>
+                <a:spcBef>
+                  <a:spcPct val="0"/>
+                </a:spcBef>
+                <a:spcAft>
+                  <a:spcPct val="0"/>
+                </a:spcAft>
+                <a:buClrTx/>
+                <a:buSzTx/>
+                <a:buFontTx/>
+                <a:buNone/>
+                <a:tabLst/>
+              </a:pPr>
+              <a:r>
+                <a:rPr kumimoji="0" lang="en-US" sz="4000" b="0" i="0" u="none" strike="noStrike" cap="none" normalizeH="0" baseline="0" dirty="0">
+                  <a:ln>
+                    <a:noFill/>
+                  </a:ln>
+                  <a:solidFill>
+                    <a:schemeClr val="tx1"/>
+                  </a:solidFill>
+                  <a:effectLst/>
+                  <a:latin typeface="Arial" pitchFamily="-107" charset="0"/>
+                  <a:ea typeface="ＭＳ Ｐゴシック" pitchFamily="-107" charset="-128"/>
+                  <a:cs typeface="ＭＳ Ｐゴシック" pitchFamily="-107" charset="-128"/>
+                </a:rPr>
+                <a:t>A</a:t>
+              </a:r>
+            </a:p>
+          </p:txBody>
+        </p:sp>
+        <p:sp>
+          <p:nvSpPr>
+            <p:cNvPr id="6" name="Rechteck 5"/>
+            <p:cNvSpPr/>
+            <p:nvPr/>
+          </p:nvSpPr>
+          <p:spPr bwMode="auto">
+            <a:xfrm>
+              <a:off x="7099372" y="2240869"/>
+              <a:ext cx="1014370" cy="3816424"/>
+            </a:xfrm>
+            <a:prstGeom prst="rect">
+              <a:avLst/>
+            </a:prstGeom>
+            <a:solidFill>
+              <a:schemeClr val="accent1"/>
+            </a:solidFill>
+            <a:ln w="9525" cap="flat" cmpd="sng" algn="ctr">
+              <a:solidFill>
+                <a:schemeClr val="tx1"/>
+              </a:solidFill>
+              <a:prstDash val="solid"/>
+              <a:round/>
+              <a:headEnd type="none" w="med" len="med"/>
+              <a:tailEnd type="none" w="med" len="med"/>
+            </a:ln>
+            <a:effectLst/>
+          </p:spPr>
+          <p:txBody>
+            <a:bodyPr vert="horz" wrap="square" lIns="91440" tIns="45720" rIns="91440" bIns="45720" numCol="1" rtlCol="0" anchor="ctr" anchorCtr="0" compatLnSpc="1">
+              <a:prstTxWarp prst="textNoShape">
+                <a:avLst/>
+              </a:prstTxWarp>
+            </a:bodyPr>
+            <a:lstStyle/>
+            <a:p>
+              <a:pPr marL="0" marR="0" indent="0" algn="ctr" defTabSz="914400" rtl="0" eaLnBrk="0" fontAlgn="base" latinLnBrk="0" hangingPunct="0">
+                <a:lnSpc>
+                  <a:spcPct val="100000"/>
+                </a:lnSpc>
+                <a:spcBef>
+                  <a:spcPct val="0"/>
+                </a:spcBef>
+                <a:spcAft>
+                  <a:spcPct val="0"/>
+                </a:spcAft>
+                <a:buClrTx/>
+                <a:buSzTx/>
+                <a:buFontTx/>
+                <a:buNone/>
+                <a:tabLst/>
+              </a:pPr>
+              <a:r>
+                <a:rPr kumimoji="0" lang="en-US" sz="4000" b="0" i="0" u="none" strike="noStrike" cap="none" normalizeH="0" baseline="0" dirty="0">
+                  <a:ln>
+                    <a:noFill/>
+                  </a:ln>
+                  <a:solidFill>
+                    <a:schemeClr val="tx1"/>
+                  </a:solidFill>
+                  <a:effectLst/>
+                  <a:latin typeface="Arial" pitchFamily="-107" charset="0"/>
+                  <a:ea typeface="ＭＳ Ｐゴシック" pitchFamily="-107" charset="-128"/>
+                  <a:cs typeface="ＭＳ Ｐゴシック" pitchFamily="-107" charset="-128"/>
+                </a:rPr>
+                <a:t>B</a:t>
+              </a:r>
+            </a:p>
+          </p:txBody>
+        </p:sp>
+        <p:cxnSp>
+          <p:nvCxnSpPr>
+            <p:cNvPr id="8" name="Gerade Verbindung mit Pfeil 7"/>
+            <p:cNvCxnSpPr>
+              <a:cxnSpLocks/>
+            </p:cNvCxnSpPr>
+            <p:nvPr/>
+          </p:nvCxnSpPr>
+          <p:spPr bwMode="auto">
+            <a:xfrm>
+              <a:off x="1874596" y="2963536"/>
+              <a:ext cx="5224776" cy="1"/>
+            </a:xfrm>
+            <a:prstGeom prst="straightConnector1">
+              <a:avLst/>
+            </a:prstGeom>
+            <a:solidFill>
+              <a:schemeClr val="accent1"/>
+            </a:solidFill>
+            <a:ln w="9525" cap="flat" cmpd="sng" algn="ctr">
+              <a:solidFill>
+                <a:schemeClr val="tx1"/>
+              </a:solidFill>
+              <a:prstDash val="solid"/>
+              <a:round/>
+              <a:headEnd type="none" w="med" len="med"/>
+              <a:tailEnd type="triangle"/>
+            </a:ln>
+            <a:effectLst/>
+          </p:spPr>
+        </p:cxnSp>
+        <mc:AlternateContent xmlns:mc="http://schemas.openxmlformats.org/markup-compatibility/2006">
+          <mc:Choice xmlns:a14="http://schemas.microsoft.com/office/drawing/2010/main" Requires="a14">
+            <p:sp>
+              <p:nvSpPr>
+                <p:cNvPr id="9" name="Textfeld 8"/>
+                <p:cNvSpPr txBox="1"/>
+                <p:nvPr/>
+              </p:nvSpPr>
+              <p:spPr>
+                <a:xfrm>
+                  <a:off x="1907704" y="2420888"/>
+                  <a:ext cx="5191668" cy="581018"/>
+                </a:xfrm>
+                <a:prstGeom prst="rect">
+                  <a:avLst/>
+                </a:prstGeom>
+                <a:noFill/>
+              </p:spPr>
+              <p:txBody>
+                <a:bodyPr wrap="square" rtlCol="0">
+                  <a:spAutoFit/>
+                </a:bodyPr>
+                <a:lstStyle/>
+                <a:p>
+                  <a:pPr algn="ctr"/>
+                  <a:r>
+                    <a:rPr lang="de-DE" dirty="0" err="1"/>
+                    <a:t>c</a:t>
+                  </a:r>
+                  <a:r>
+                    <a:rPr lang="de-DE" b="0" dirty="0" err="1"/>
+                    <a:t>reate</a:t>
+                  </a:r>
+                  <a:r>
+                    <a:rPr lang="de-DE" b="0" dirty="0"/>
+                    <a:t> </a:t>
+                  </a:r>
+                  <a14:m>
+                    <m:oMath xmlns:m="http://schemas.openxmlformats.org/officeDocument/2006/math">
+                      <m:d>
+                        <m:dPr>
+                          <m:begChr m:val="["/>
+                          <m:endChr m:val="]"/>
+                          <m:ctrlPr>
+                            <a:rPr lang="de-DE" b="0" i="1" smtClean="0">
+                              <a:latin typeface="Cambria Math" panose="02040503050406030204" pitchFamily="18" charset="0"/>
+                            </a:rPr>
+                          </m:ctrlPr>
+                        </m:dPr>
+                        <m:e>
+                          <m:r>
+                            <a:rPr lang="de-DE" b="0" i="1" smtClean="0">
+                              <a:latin typeface="Cambria Math" panose="02040503050406030204" pitchFamily="18" charset="0"/>
+                            </a:rPr>
+                            <m:t>𝑐𝐼𝐷</m:t>
+                          </m:r>
+                          <m:r>
+                            <a:rPr lang="de-DE" b="0" i="1" smtClean="0">
+                              <a:latin typeface="Cambria Math" panose="02040503050406030204" pitchFamily="18" charset="0"/>
+                            </a:rPr>
+                            <m:t>, </m:t>
+                          </m:r>
+                          <m:sSubSup>
+                            <m:sSubSupPr>
+                              <m:ctrlPr>
+                                <a:rPr lang="de-DE" b="0" i="1" smtClean="0">
+                                  <a:latin typeface="Cambria Math" panose="02040503050406030204" pitchFamily="18" charset="0"/>
+                                </a:rPr>
+                              </m:ctrlPr>
+                            </m:sSubSupPr>
+                            <m:e>
+                              <m:r>
+                                <a:rPr lang="de-DE" b="0" i="1" smtClean="0">
+                                  <a:latin typeface="Cambria Math" panose="02040503050406030204" pitchFamily="18" charset="0"/>
+                                </a:rPr>
+                                <m:t>𝐾</m:t>
+                              </m:r>
+                            </m:e>
+                            <m:sub>
+                              <m:r>
+                                <a:rPr lang="de-DE" b="0" i="1" smtClean="0">
+                                  <a:latin typeface="Cambria Math" panose="02040503050406030204" pitchFamily="18" charset="0"/>
+                                </a:rPr>
+                                <m:t>𝐵</m:t>
+                              </m:r>
+                            </m:sub>
+                            <m:sup>
+                              <m:r>
+                                <a:rPr lang="de-DE" b="0" i="1" smtClean="0">
+                                  <a:latin typeface="Cambria Math" panose="02040503050406030204" pitchFamily="18" charset="0"/>
+                                </a:rPr>
+                                <m:t>𝑝𝑢𝑏</m:t>
+                              </m:r>
+                            </m:sup>
+                          </m:sSubSup>
+                          <m:d>
+                            <m:dPr>
+                              <m:ctrlPr>
+                                <a:rPr lang="de-DE" b="0" i="1" smtClean="0">
+                                  <a:latin typeface="Cambria Math" panose="02040503050406030204" pitchFamily="18" charset="0"/>
+                                </a:rPr>
+                              </m:ctrlPr>
+                            </m:dPr>
+                            <m:e>
+                              <m:sSup>
+                                <m:sSupPr>
+                                  <m:ctrlPr>
+                                    <a:rPr lang="de-DE" b="0" i="1" smtClean="0">
+                                      <a:latin typeface="Cambria Math" panose="02040503050406030204" pitchFamily="18" charset="0"/>
+                                    </a:rPr>
+                                  </m:ctrlPr>
+                                </m:sSupPr>
+                                <m:e>
+                                  <m:r>
+                                    <a:rPr lang="de-DE" b="0" i="1" smtClean="0">
+                                      <a:latin typeface="Cambria Math" panose="02040503050406030204" pitchFamily="18" charset="0"/>
+                                    </a:rPr>
+                                    <m:t>𝑔</m:t>
+                                  </m:r>
+                                </m:e>
+                                <m:sup>
+                                  <m:r>
+                                    <a:rPr lang="de-DE" b="0" i="1" smtClean="0">
+                                      <a:latin typeface="Cambria Math" panose="02040503050406030204" pitchFamily="18" charset="0"/>
+                                    </a:rPr>
+                                    <m:t>𝑥</m:t>
+                                  </m:r>
+                                </m:sup>
+                              </m:sSup>
+                            </m:e>
+                          </m:d>
+                          <m:r>
+                            <a:rPr lang="de-DE" b="0" i="1" smtClean="0">
+                              <a:latin typeface="Cambria Math" panose="02040503050406030204" pitchFamily="18" charset="0"/>
+                            </a:rPr>
+                            <m:t> </m:t>
+                          </m:r>
+                        </m:e>
+                      </m:d>
+                    </m:oMath>
+                  </a14:m>
+                  <a:endParaRPr lang="en-US" dirty="0"/>
+                </a:p>
+              </p:txBody>
+            </p:sp>
+          </mc:Choice>
+          <mc:Fallback>
+            <p:sp>
+              <p:nvSpPr>
+                <p:cNvPr id="9" name="Textfeld 8"/>
+                <p:cNvSpPr txBox="1">
+                  <a:spLocks noRot="1" noChangeAspect="1" noMove="1" noResize="1" noEditPoints="1" noAdjustHandles="1" noChangeArrowheads="1" noChangeShapeType="1" noTextEdit="1"/>
+                </p:cNvSpPr>
+                <p:nvPr/>
+              </p:nvSpPr>
+              <p:spPr>
+                <a:xfrm>
+                  <a:off x="1907704" y="2420888"/>
+                  <a:ext cx="5191668" cy="581018"/>
+                </a:xfrm>
+                <a:prstGeom prst="rect">
+                  <a:avLst/>
+                </a:prstGeom>
+                <a:blipFill>
+                  <a:blip r:embed="rId3"/>
+                  <a:stretch>
+                    <a:fillRect t="-1124" b="-17978"/>
+                  </a:stretch>
+                </a:blipFill>
+              </p:spPr>
+              <p:txBody>
+                <a:bodyPr/>
+                <a:lstStyle/>
+                <a:p>
+                  <a:r>
+                    <a:rPr lang="en-US">
+                      <a:noFill/>
+                    </a:rPr>
+                    <a:t> </a:t>
+                  </a:r>
+                </a:p>
+              </p:txBody>
+            </p:sp>
+          </mc:Fallback>
+        </mc:AlternateContent>
+        <p:cxnSp>
+          <p:nvCxnSpPr>
+            <p:cNvPr id="12" name="Gerade Verbindung mit Pfeil 11"/>
+            <p:cNvCxnSpPr>
+              <a:cxnSpLocks/>
+            </p:cNvCxnSpPr>
+            <p:nvPr/>
+          </p:nvCxnSpPr>
+          <p:spPr bwMode="auto">
+            <a:xfrm>
+              <a:off x="1880501" y="3882950"/>
+              <a:ext cx="5218871" cy="7714"/>
+            </a:xfrm>
+            <a:prstGeom prst="straightConnector1">
+              <a:avLst/>
+            </a:prstGeom>
+            <a:solidFill>
+              <a:schemeClr val="accent1"/>
+            </a:solidFill>
+            <a:ln w="9525" cap="flat" cmpd="sng" algn="ctr">
+              <a:solidFill>
+                <a:schemeClr val="tx1"/>
+              </a:solidFill>
+              <a:prstDash val="solid"/>
+              <a:round/>
+              <a:headEnd type="triangle" w="med" len="med"/>
+              <a:tailEnd type="none" w="med" len="med"/>
+            </a:ln>
+            <a:effectLst/>
+          </p:spPr>
+        </p:cxnSp>
+        <mc:AlternateContent xmlns:mc="http://schemas.openxmlformats.org/markup-compatibility/2006">
+          <mc:Choice xmlns:a14="http://schemas.microsoft.com/office/drawing/2010/main" Requires="a14">
+            <p:sp>
+              <p:nvSpPr>
+                <p:cNvPr id="13" name="Textfeld 12"/>
+                <p:cNvSpPr txBox="1"/>
+                <p:nvPr/>
+              </p:nvSpPr>
+              <p:spPr>
+                <a:xfrm>
+                  <a:off x="1907704" y="3428999"/>
+                  <a:ext cx="5191668" cy="494308"/>
+                </a:xfrm>
+                <a:prstGeom prst="rect">
+                  <a:avLst/>
+                </a:prstGeom>
+                <a:noFill/>
+              </p:spPr>
+              <p:txBody>
+                <a:bodyPr wrap="square" rtlCol="0">
+                  <a:spAutoFit/>
+                </a:bodyPr>
+                <a:lstStyle/>
+                <a:p>
+                  <a:pPr algn="ctr"/>
+                  <a:r>
+                    <a:rPr lang="de-DE" dirty="0" err="1"/>
+                    <a:t>c</a:t>
+                  </a:r>
+                  <a:r>
+                    <a:rPr lang="de-DE" b="0" dirty="0" err="1"/>
+                    <a:t>reated</a:t>
+                  </a:r>
+                  <a:r>
+                    <a:rPr lang="de-DE" b="0" dirty="0"/>
+                    <a:t> </a:t>
+                  </a:r>
+                  <a14:m>
+                    <m:oMath xmlns:m="http://schemas.openxmlformats.org/officeDocument/2006/math">
+                      <m:d>
+                        <m:dPr>
+                          <m:begChr m:val="["/>
+                          <m:endChr m:val="]"/>
+                          <m:ctrlPr>
+                            <a:rPr lang="de-DE" b="0" i="1" smtClean="0">
+                              <a:latin typeface="Cambria Math" panose="02040503050406030204" pitchFamily="18" charset="0"/>
+                            </a:rPr>
+                          </m:ctrlPr>
+                        </m:dPr>
+                        <m:e>
+                          <m:r>
+                            <a:rPr lang="de-DE" b="0" i="1" smtClean="0">
+                              <a:latin typeface="Cambria Math" panose="02040503050406030204" pitchFamily="18" charset="0"/>
+                            </a:rPr>
+                            <m:t>𝑐𝐼𝐷</m:t>
+                          </m:r>
+                          <m:r>
+                            <a:rPr lang="de-DE" b="0" i="1" smtClean="0">
+                              <a:latin typeface="Cambria Math" panose="02040503050406030204" pitchFamily="18" charset="0"/>
+                            </a:rPr>
+                            <m:t>, </m:t>
+                          </m:r>
+                          <m:sSup>
+                            <m:sSupPr>
+                              <m:ctrlPr>
+                                <a:rPr lang="de-DE" b="0" i="1" smtClean="0">
+                                  <a:latin typeface="Cambria Math" panose="02040503050406030204" pitchFamily="18" charset="0"/>
+                                </a:rPr>
+                              </m:ctrlPr>
+                            </m:sSupPr>
+                            <m:e>
+                              <m:r>
+                                <a:rPr lang="de-DE" b="0" i="1" smtClean="0">
+                                  <a:latin typeface="Cambria Math" panose="02040503050406030204" pitchFamily="18" charset="0"/>
+                                </a:rPr>
+                                <m:t>𝑔</m:t>
+                              </m:r>
+                            </m:e>
+                            <m:sup>
+                              <m:r>
+                                <a:rPr lang="de-DE" b="0" i="1" smtClean="0">
+                                  <a:latin typeface="Cambria Math" panose="02040503050406030204" pitchFamily="18" charset="0"/>
+                                </a:rPr>
+                                <m:t>𝑦</m:t>
+                              </m:r>
+                            </m:sup>
+                          </m:sSup>
+                        </m:e>
+                      </m:d>
+                    </m:oMath>
+                  </a14:m>
+                  <a:endParaRPr lang="en-US" dirty="0"/>
+                </a:p>
+              </p:txBody>
+            </p:sp>
+          </mc:Choice>
+          <mc:Fallback>
+            <p:sp>
+              <p:nvSpPr>
+                <p:cNvPr id="13" name="Textfeld 12"/>
+                <p:cNvSpPr txBox="1">
+                  <a:spLocks noRot="1" noChangeAspect="1" noMove="1" noResize="1" noEditPoints="1" noAdjustHandles="1" noChangeArrowheads="1" noChangeShapeType="1" noTextEdit="1"/>
+                </p:cNvSpPr>
+                <p:nvPr/>
+              </p:nvSpPr>
+              <p:spPr>
+                <a:xfrm>
+                  <a:off x="1907704" y="3428999"/>
+                  <a:ext cx="5191668" cy="494308"/>
+                </a:xfrm>
+                <a:prstGeom prst="rect">
+                  <a:avLst/>
+                </a:prstGeom>
+                <a:blipFill>
+                  <a:blip r:embed="rId4"/>
+                  <a:stretch>
+                    <a:fillRect t="-11842" b="-27632"/>
+                  </a:stretch>
+                </a:blipFill>
+              </p:spPr>
+              <p:txBody>
+                <a:bodyPr/>
+                <a:lstStyle/>
+                <a:p>
+                  <a:r>
+                    <a:rPr lang="en-US">
+                      <a:noFill/>
+                    </a:rPr>
+                    <a:t> </a:t>
+                  </a:r>
+                </a:p>
+              </p:txBody>
+            </p:sp>
+          </mc:Fallback>
+        </mc:AlternateContent>
+        <p:cxnSp>
+          <p:nvCxnSpPr>
+            <p:cNvPr id="14" name="Gerade Verbindung mit Pfeil 13"/>
+            <p:cNvCxnSpPr>
+              <a:cxnSpLocks/>
+            </p:cNvCxnSpPr>
+            <p:nvPr/>
+          </p:nvCxnSpPr>
+          <p:spPr bwMode="auto">
+            <a:xfrm flipV="1">
+              <a:off x="1874596" y="4701103"/>
+              <a:ext cx="5224776" cy="11267"/>
+            </a:xfrm>
+            <a:prstGeom prst="straightConnector1">
+              <a:avLst/>
+            </a:prstGeom>
+            <a:solidFill>
+              <a:schemeClr val="accent1"/>
+            </a:solidFill>
+            <a:ln w="9525" cap="flat" cmpd="sng" algn="ctr">
+              <a:solidFill>
+                <a:schemeClr val="tx1"/>
+              </a:solidFill>
+              <a:prstDash val="solid"/>
+              <a:round/>
+              <a:headEnd type="none" w="med" len="med"/>
+              <a:tailEnd type="triangle"/>
+            </a:ln>
+            <a:effectLst/>
+          </p:spPr>
+        </p:cxnSp>
+        <mc:AlternateContent xmlns:mc="http://schemas.openxmlformats.org/markup-compatibility/2006">
+          <mc:Choice xmlns:a14="http://schemas.microsoft.com/office/drawing/2010/main" Requires="a14">
+            <p:sp>
+              <p:nvSpPr>
+                <p:cNvPr id="15" name="Textfeld 14"/>
+                <p:cNvSpPr txBox="1"/>
+                <p:nvPr/>
+              </p:nvSpPr>
+              <p:spPr>
+                <a:xfrm>
+                  <a:off x="1907704" y="4250705"/>
+                  <a:ext cx="5191668" cy="494308"/>
+                </a:xfrm>
+                <a:prstGeom prst="rect">
+                  <a:avLst/>
+                </a:prstGeom>
+                <a:noFill/>
+              </p:spPr>
+              <p:txBody>
+                <a:bodyPr wrap="square" rtlCol="0">
+                  <a:spAutoFit/>
+                </a:bodyPr>
+                <a:lstStyle/>
+                <a:p>
+                  <a:pPr algn="ctr"/>
+                  <a:r>
+                    <a:rPr lang="de-DE" dirty="0"/>
+                    <a:t>relay</a:t>
+                  </a:r>
+                  <a14:m>
+                    <m:oMath xmlns:m="http://schemas.openxmlformats.org/officeDocument/2006/math">
+                      <m:r>
+                        <a:rPr lang="de-DE" b="0" i="0" smtClean="0">
+                          <a:latin typeface="Cambria Math" panose="02040503050406030204" pitchFamily="18" charset="0"/>
+                        </a:rPr>
+                        <m:t> </m:t>
+                      </m:r>
+                      <m:d>
+                        <m:dPr>
+                          <m:begChr m:val="["/>
+                          <m:endChr m:val="]"/>
+                          <m:ctrlPr>
+                            <a:rPr lang="de-DE" b="0" i="1" smtClean="0">
+                              <a:latin typeface="Cambria Math" panose="02040503050406030204" pitchFamily="18" charset="0"/>
+                            </a:rPr>
+                          </m:ctrlPr>
+                        </m:dPr>
+                        <m:e>
+                          <m:r>
+                            <a:rPr lang="de-DE" b="0" i="1" smtClean="0">
+                              <a:latin typeface="Cambria Math" panose="02040503050406030204" pitchFamily="18" charset="0"/>
+                            </a:rPr>
+                            <m:t>𝑐𝐼𝐷</m:t>
+                          </m:r>
+                          <m:r>
+                            <a:rPr lang="de-DE" b="0" i="1" smtClean="0">
+                              <a:latin typeface="Cambria Math" panose="02040503050406030204" pitchFamily="18" charset="0"/>
+                            </a:rPr>
+                            <m:t>, </m:t>
+                          </m:r>
+                          <m:r>
+                            <a:rPr lang="de-DE" b="0" i="1" smtClean="0">
+                              <a:latin typeface="Cambria Math" panose="02040503050406030204" pitchFamily="18" charset="0"/>
+                            </a:rPr>
+                            <m:t>𝐷𝑎𝑡𝑎</m:t>
+                          </m:r>
+                          <m:r>
+                            <a:rPr lang="de-DE" b="0" i="1" smtClean="0">
+                              <a:latin typeface="Cambria Math" panose="02040503050406030204" pitchFamily="18" charset="0"/>
+                            </a:rPr>
+                            <m:t>, </m:t>
+                          </m:r>
+                          <m:r>
+                            <a:rPr lang="de-DE" b="0" i="1" smtClean="0">
+                              <a:latin typeface="Cambria Math" panose="02040503050406030204" pitchFamily="18" charset="0"/>
+                            </a:rPr>
+                            <m:t>𝐾</m:t>
+                          </m:r>
+                          <m:r>
+                            <a:rPr lang="de-DE" b="0" i="1" smtClean="0">
+                              <a:latin typeface="Cambria Math" panose="02040503050406030204" pitchFamily="18" charset="0"/>
+                            </a:rPr>
+                            <m:t>(</m:t>
+                          </m:r>
+                          <m:r>
+                            <a:rPr lang="de-DE" b="0" i="1" smtClean="0">
+                              <a:latin typeface="Cambria Math" panose="02040503050406030204" pitchFamily="18" charset="0"/>
+                            </a:rPr>
+                            <m:t>𝐻𝑇𝑇𝑃</m:t>
+                          </m:r>
+                          <m:r>
+                            <a:rPr lang="de-DE" b="0" i="1" smtClean="0">
+                              <a:latin typeface="Cambria Math" panose="02040503050406030204" pitchFamily="18" charset="0"/>
+                            </a:rPr>
+                            <m:t>_</m:t>
+                          </m:r>
+                          <m:r>
+                            <a:rPr lang="de-DE" b="0" i="1" smtClean="0">
+                              <a:latin typeface="Cambria Math" panose="02040503050406030204" pitchFamily="18" charset="0"/>
+                            </a:rPr>
+                            <m:t>𝐺𝐸𝑇</m:t>
+                          </m:r>
+                          <m:r>
+                            <a:rPr lang="de-DE" b="0" i="1" smtClean="0">
+                              <a:latin typeface="Cambria Math" panose="02040503050406030204" pitchFamily="18" charset="0"/>
+                            </a:rPr>
+                            <m:t>)</m:t>
+                          </m:r>
+                        </m:e>
+                      </m:d>
+                    </m:oMath>
+                  </a14:m>
+                  <a:endParaRPr lang="en-US" dirty="0"/>
+                </a:p>
+              </p:txBody>
+            </p:sp>
+          </mc:Choice>
+          <mc:Fallback>
+            <p:sp>
+              <p:nvSpPr>
+                <p:cNvPr id="15" name="Textfeld 14"/>
+                <p:cNvSpPr txBox="1">
+                  <a:spLocks noRot="1" noChangeAspect="1" noMove="1" noResize="1" noEditPoints="1" noAdjustHandles="1" noChangeArrowheads="1" noChangeShapeType="1" noTextEdit="1"/>
+                </p:cNvSpPr>
+                <p:nvPr/>
+              </p:nvSpPr>
+              <p:spPr>
+                <a:xfrm>
+                  <a:off x="1907704" y="4250705"/>
+                  <a:ext cx="5191668" cy="494308"/>
+                </a:xfrm>
+                <a:prstGeom prst="rect">
+                  <a:avLst/>
+                </a:prstGeom>
+                <a:blipFill>
+                  <a:blip r:embed="rId5"/>
+                  <a:stretch>
+                    <a:fillRect l="-916" t="-11842" b="-27632"/>
+                  </a:stretch>
+                </a:blipFill>
+              </p:spPr>
+              <p:txBody>
+                <a:bodyPr/>
+                <a:lstStyle/>
+                <a:p>
+                  <a:r>
+                    <a:rPr lang="en-US">
+                      <a:noFill/>
+                    </a:rPr>
+                    <a:t> </a:t>
+                  </a:r>
+                </a:p>
+              </p:txBody>
+            </p:sp>
+          </mc:Fallback>
+        </mc:AlternateContent>
+        <p:cxnSp>
+          <p:nvCxnSpPr>
+            <p:cNvPr id="22" name="Gerade Verbindung mit Pfeil 21"/>
+            <p:cNvCxnSpPr>
+              <a:cxnSpLocks/>
+            </p:cNvCxnSpPr>
+            <p:nvPr/>
+          </p:nvCxnSpPr>
+          <p:spPr bwMode="auto">
+            <a:xfrm>
+              <a:off x="1874596" y="5546850"/>
+              <a:ext cx="5224776" cy="0"/>
+            </a:xfrm>
+            <a:prstGeom prst="straightConnector1">
+              <a:avLst/>
+            </a:prstGeom>
+            <a:solidFill>
+              <a:schemeClr val="accent1"/>
+            </a:solidFill>
+            <a:ln w="9525" cap="flat" cmpd="sng" algn="ctr">
+              <a:solidFill>
+                <a:schemeClr val="tx1"/>
+              </a:solidFill>
+              <a:prstDash val="solid"/>
+              <a:round/>
+              <a:headEnd type="triangle" w="med" len="med"/>
+              <a:tailEnd type="none" w="med" len="med"/>
+            </a:ln>
+            <a:effectLst/>
+          </p:spPr>
+        </p:cxnSp>
+        <mc:AlternateContent xmlns:mc="http://schemas.openxmlformats.org/markup-compatibility/2006">
+          <mc:Choice xmlns:a14="http://schemas.microsoft.com/office/drawing/2010/main" Requires="a14">
+            <p:sp>
+              <p:nvSpPr>
+                <p:cNvPr id="23" name="Textfeld 22"/>
+                <p:cNvSpPr txBox="1"/>
+                <p:nvPr/>
+              </p:nvSpPr>
+              <p:spPr>
+                <a:xfrm>
+                  <a:off x="1907704" y="5085184"/>
+                  <a:ext cx="5191668" cy="494308"/>
+                </a:xfrm>
+                <a:prstGeom prst="rect">
+                  <a:avLst/>
+                </a:prstGeom>
+                <a:noFill/>
+              </p:spPr>
+              <p:txBody>
+                <a:bodyPr wrap="square" rtlCol="0">
+                  <a:spAutoFit/>
+                </a:bodyPr>
+                <a:lstStyle/>
+                <a:p>
+                  <a:pPr algn="ctr"/>
+                  <a:r>
+                    <a:rPr lang="de-DE" dirty="0" err="1"/>
+                    <a:t>relay</a:t>
+                  </a:r>
+                  <a:r>
+                    <a:rPr lang="de-DE" dirty="0"/>
+                    <a:t> </a:t>
+                  </a:r>
+                  <a14:m>
+                    <m:oMath xmlns:m="http://schemas.openxmlformats.org/officeDocument/2006/math">
+                      <m:d>
+                        <m:dPr>
+                          <m:begChr m:val="["/>
+                          <m:endChr m:val="]"/>
+                          <m:ctrlPr>
+                            <a:rPr lang="de-DE" b="0" i="1" smtClean="0">
+                              <a:latin typeface="Cambria Math" panose="02040503050406030204" pitchFamily="18" charset="0"/>
+                            </a:rPr>
+                          </m:ctrlPr>
+                        </m:dPr>
+                        <m:e>
+                          <m:r>
+                            <a:rPr lang="de-DE" b="0" i="1" smtClean="0">
+                              <a:latin typeface="Cambria Math" panose="02040503050406030204" pitchFamily="18" charset="0"/>
+                            </a:rPr>
+                            <m:t>𝑐𝐼𝐷</m:t>
+                          </m:r>
+                          <m:r>
+                            <a:rPr lang="de-DE" b="0" i="1" smtClean="0">
+                              <a:latin typeface="Cambria Math" panose="02040503050406030204" pitchFamily="18" charset="0"/>
+                            </a:rPr>
+                            <m:t>, </m:t>
+                          </m:r>
+                          <m:r>
+                            <a:rPr lang="de-DE" b="0" i="1" smtClean="0">
+                              <a:latin typeface="Cambria Math" panose="02040503050406030204" pitchFamily="18" charset="0"/>
+                            </a:rPr>
+                            <m:t>𝐷𝑎𝑡𝑎</m:t>
+                          </m:r>
+                          <m:r>
+                            <a:rPr lang="de-DE" b="0" i="1" smtClean="0">
+                              <a:latin typeface="Cambria Math" panose="02040503050406030204" pitchFamily="18" charset="0"/>
+                            </a:rPr>
+                            <m:t>, </m:t>
+                          </m:r>
+                          <m:r>
+                            <a:rPr lang="de-DE" b="0" i="1" smtClean="0">
+                              <a:latin typeface="Cambria Math" panose="02040503050406030204" pitchFamily="18" charset="0"/>
+                            </a:rPr>
+                            <m:t>𝐾</m:t>
+                          </m:r>
+                          <m:r>
+                            <a:rPr lang="de-DE" b="0" i="1" smtClean="0">
+                              <a:latin typeface="Cambria Math" panose="02040503050406030204" pitchFamily="18" charset="0"/>
+                            </a:rPr>
+                            <m:t>(</m:t>
+                          </m:r>
+                          <m:r>
+                            <a:rPr lang="de-DE" b="0" i="1" smtClean="0">
+                              <a:latin typeface="Cambria Math" panose="02040503050406030204" pitchFamily="18" charset="0"/>
+                            </a:rPr>
+                            <m:t>𝑅𝐸𝑆𝑃</m:t>
+                          </m:r>
+                          <m:r>
+                            <a:rPr lang="de-DE" b="0" i="1" smtClean="0">
+                              <a:latin typeface="Cambria Math" panose="02040503050406030204" pitchFamily="18" charset="0"/>
+                            </a:rPr>
+                            <m:t>)</m:t>
+                          </m:r>
+                        </m:e>
+                      </m:d>
+                    </m:oMath>
+                  </a14:m>
+                  <a:endParaRPr lang="en-US" dirty="0"/>
+                </a:p>
+              </p:txBody>
+            </p:sp>
+          </mc:Choice>
+          <mc:Fallback>
+            <p:sp>
+              <p:nvSpPr>
+                <p:cNvPr id="23" name="Textfeld 22"/>
+                <p:cNvSpPr txBox="1">
+                  <a:spLocks noRot="1" noChangeAspect="1" noMove="1" noResize="1" noEditPoints="1" noAdjustHandles="1" noChangeArrowheads="1" noChangeShapeType="1" noTextEdit="1"/>
+                </p:cNvSpPr>
+                <p:nvPr/>
+              </p:nvSpPr>
+              <p:spPr>
+                <a:xfrm>
+                  <a:off x="1907704" y="5085184"/>
+                  <a:ext cx="5191668" cy="494308"/>
+                </a:xfrm>
+                <a:prstGeom prst="rect">
+                  <a:avLst/>
+                </a:prstGeom>
+                <a:blipFill>
+                  <a:blip r:embed="rId6"/>
+                  <a:stretch>
+                    <a:fillRect t="-11842" b="-27632"/>
+                  </a:stretch>
+                </a:blipFill>
+              </p:spPr>
+              <p:txBody>
+                <a:bodyPr/>
+                <a:lstStyle/>
+                <a:p>
+                  <a:r>
+                    <a:rPr lang="en-US">
+                      <a:noFill/>
+                    </a:rPr>
+                    <a:t> </a:t>
+                  </a:r>
+                </a:p>
+              </p:txBody>
+            </p:sp>
+          </mc:Fallback>
+        </mc:AlternateContent>
+      </p:grpSp>
+      <mc:AlternateContent xmlns:mc="http://schemas.openxmlformats.org/markup-compatibility/2006">
+        <mc:Choice xmlns:a14="http://schemas.microsoft.com/office/drawing/2010/main" Requires="a14">
+          <p:sp>
+            <p:nvSpPr>
+              <p:cNvPr id="30" name="Textfeld 29"/>
+              <p:cNvSpPr txBox="1"/>
+              <p:nvPr/>
+            </p:nvSpPr>
+            <p:spPr>
+              <a:xfrm>
+                <a:off x="-125043" y="3260850"/>
+                <a:ext cx="1411797" cy="461665"/>
+              </a:xfrm>
+              <a:prstGeom prst="rect">
+                <a:avLst/>
+              </a:prstGeom>
+              <a:noFill/>
+            </p:spPr>
+            <p:txBody>
+              <a:bodyPr wrap="none" rtlCol="0">
+                <a:spAutoFit/>
+              </a:bodyPr>
+              <a:lstStyle/>
+              <a:p>
+                <a14:m>
+                  <m:oMathPara xmlns:m="http://schemas.openxmlformats.org/officeDocument/2006/math">
+                    <m:oMathParaPr>
+                      <m:jc m:val="centerGroup"/>
+                    </m:oMathParaPr>
+                    <m:oMath xmlns:m="http://schemas.openxmlformats.org/officeDocument/2006/math">
+                      <m:r>
+                        <a:rPr lang="de-DE" b="0" i="1" smtClean="0">
+                          <a:latin typeface="Cambria Math" panose="02040503050406030204" pitchFamily="18" charset="0"/>
+                        </a:rPr>
+                        <m:t>𝐾</m:t>
+                      </m:r>
+                      <m:r>
+                        <a:rPr lang="de-DE" b="0" i="1" smtClean="0">
+                          <a:latin typeface="Cambria Math" panose="02040503050406030204" pitchFamily="18" charset="0"/>
+                        </a:rPr>
+                        <m:t>=</m:t>
+                      </m:r>
+                      <m:sSup>
+                        <m:sSupPr>
+                          <m:ctrlPr>
+                            <a:rPr lang="de-DE" b="0" i="1" smtClean="0">
+                              <a:latin typeface="Cambria Math" panose="02040503050406030204" pitchFamily="18" charset="0"/>
+                            </a:rPr>
+                          </m:ctrlPr>
+                        </m:sSupPr>
+                        <m:e>
+                          <m:r>
+                            <a:rPr lang="de-DE" b="0" i="1" smtClean="0">
+                              <a:latin typeface="Cambria Math" panose="02040503050406030204" pitchFamily="18" charset="0"/>
+                            </a:rPr>
+                            <m:t>𝑔</m:t>
+                          </m:r>
+                        </m:e>
+                        <m:sup>
+                          <m:r>
+                            <a:rPr lang="de-DE" b="0" i="1" smtClean="0">
+                              <a:latin typeface="Cambria Math" panose="02040503050406030204" pitchFamily="18" charset="0"/>
+                            </a:rPr>
+                            <m:t>𝑥𝑦</m:t>
+                          </m:r>
+                        </m:sup>
+                      </m:sSup>
+                    </m:oMath>
+                  </m:oMathPara>
+                </a14:m>
+                <a:endParaRPr lang="en-US" dirty="0"/>
+              </a:p>
+            </p:txBody>
+          </p:sp>
+        </mc:Choice>
+        <mc:Fallback>
+          <p:sp>
+            <p:nvSpPr>
+              <p:cNvPr id="30" name="Textfeld 29"/>
+              <p:cNvSpPr txBox="1">
+                <a:spLocks noRot="1" noChangeAspect="1" noMove="1" noResize="1" noEditPoints="1" noAdjustHandles="1" noChangeArrowheads="1" noChangeShapeType="1" noTextEdit="1"/>
+              </p:cNvSpPr>
+              <p:nvPr/>
+            </p:nvSpPr>
+            <p:spPr>
+              <a:xfrm>
+                <a:off x="-125043" y="3260850"/>
+                <a:ext cx="1411797" cy="461665"/>
+              </a:xfrm>
+              <a:prstGeom prst="rect">
+                <a:avLst/>
+              </a:prstGeom>
+              <a:blipFill>
+                <a:blip r:embed="rId7"/>
+                <a:stretch>
+                  <a:fillRect b="-11842"/>
+                </a:stretch>
+              </a:blipFill>
+            </p:spPr>
+            <p:txBody>
+              <a:bodyPr/>
+              <a:lstStyle/>
+              <a:p>
+                <a:r>
+                  <a:rPr lang="en-US">
+                    <a:noFill/>
+                  </a:rPr>
+                  <a:t> </a:t>
+                </a:r>
+              </a:p>
+            </p:txBody>
+          </p:sp>
+        </mc:Fallback>
+      </mc:AlternateContent>
+      <mc:AlternateContent xmlns:mc="http://schemas.openxmlformats.org/markup-compatibility/2006">
+        <mc:Choice xmlns:a14="http://schemas.microsoft.com/office/drawing/2010/main" Requires="a14">
+          <p:sp>
+            <p:nvSpPr>
+              <p:cNvPr id="33" name="Textfeld 32"/>
+              <p:cNvSpPr txBox="1"/>
+              <p:nvPr/>
+            </p:nvSpPr>
+            <p:spPr>
+              <a:xfrm>
+                <a:off x="7725183" y="2384430"/>
+                <a:ext cx="1411797" cy="461665"/>
+              </a:xfrm>
+              <a:prstGeom prst="rect">
+                <a:avLst/>
+              </a:prstGeom>
+              <a:noFill/>
+            </p:spPr>
+            <p:txBody>
+              <a:bodyPr wrap="none" rtlCol="0">
+                <a:spAutoFit/>
+              </a:bodyPr>
+              <a:lstStyle/>
+              <a:p>
+                <a14:m>
+                  <m:oMathPara xmlns:m="http://schemas.openxmlformats.org/officeDocument/2006/math">
+                    <m:oMathParaPr>
+                      <m:jc m:val="centerGroup"/>
+                    </m:oMathParaPr>
+                    <m:oMath xmlns:m="http://schemas.openxmlformats.org/officeDocument/2006/math">
+                      <m:r>
+                        <a:rPr lang="de-DE" b="0" i="1" smtClean="0">
+                          <a:latin typeface="Cambria Math" panose="02040503050406030204" pitchFamily="18" charset="0"/>
+                        </a:rPr>
+                        <m:t>𝐾</m:t>
+                      </m:r>
+                      <m:r>
+                        <a:rPr lang="de-DE" b="0" i="1" smtClean="0">
+                          <a:latin typeface="Cambria Math" panose="02040503050406030204" pitchFamily="18" charset="0"/>
+                        </a:rPr>
+                        <m:t>=</m:t>
+                      </m:r>
+                      <m:sSup>
+                        <m:sSupPr>
+                          <m:ctrlPr>
+                            <a:rPr lang="de-DE" b="0" i="1" smtClean="0">
+                              <a:latin typeface="Cambria Math" panose="02040503050406030204" pitchFamily="18" charset="0"/>
+                            </a:rPr>
+                          </m:ctrlPr>
+                        </m:sSupPr>
+                        <m:e>
+                          <m:r>
+                            <a:rPr lang="de-DE" b="0" i="1" smtClean="0">
+                              <a:latin typeface="Cambria Math" panose="02040503050406030204" pitchFamily="18" charset="0"/>
+                            </a:rPr>
+                            <m:t>𝑔</m:t>
+                          </m:r>
+                        </m:e>
+                        <m:sup>
+                          <m:r>
+                            <a:rPr lang="de-DE" b="0" i="1" smtClean="0">
+                              <a:latin typeface="Cambria Math" panose="02040503050406030204" pitchFamily="18" charset="0"/>
+                            </a:rPr>
+                            <m:t>𝑥𝑦</m:t>
+                          </m:r>
+                        </m:sup>
+                      </m:sSup>
+                    </m:oMath>
+                  </m:oMathPara>
+                </a14:m>
+                <a:endParaRPr lang="en-US" dirty="0"/>
+              </a:p>
+            </p:txBody>
+          </p:sp>
+        </mc:Choice>
+        <mc:Fallback>
+          <p:sp>
+            <p:nvSpPr>
+              <p:cNvPr id="33" name="Textfeld 32"/>
+              <p:cNvSpPr txBox="1">
+                <a:spLocks noRot="1" noChangeAspect="1" noMove="1" noResize="1" noEditPoints="1" noAdjustHandles="1" noChangeArrowheads="1" noChangeShapeType="1" noTextEdit="1"/>
+              </p:cNvSpPr>
+              <p:nvPr/>
+            </p:nvSpPr>
+            <p:spPr>
+              <a:xfrm>
+                <a:off x="7725183" y="2384430"/>
+                <a:ext cx="1411797" cy="461665"/>
+              </a:xfrm>
+              <a:prstGeom prst="rect">
+                <a:avLst/>
+              </a:prstGeom>
+              <a:blipFill>
+                <a:blip r:embed="rId8"/>
+                <a:stretch>
+                  <a:fillRect b="-13158"/>
+                </a:stretch>
+              </a:blipFill>
+            </p:spPr>
+            <p:txBody>
+              <a:bodyPr/>
+              <a:lstStyle/>
+              <a:p>
+                <a:r>
+                  <a:rPr lang="en-US">
+                    <a:noFill/>
+                  </a:rPr>
+                  <a:t> </a:t>
+                </a:r>
+              </a:p>
+            </p:txBody>
+          </p:sp>
+        </mc:Fallback>
+      </mc:AlternateContent>
+      <p:cxnSp>
+        <p:nvCxnSpPr>
+          <p:cNvPr id="34" name="Gerade Verbindung mit Pfeil 33"/>
+          <p:cNvCxnSpPr/>
+          <p:nvPr/>
+        </p:nvCxnSpPr>
+        <p:spPr bwMode="auto">
+          <a:xfrm>
+            <a:off x="7775058" y="4402021"/>
+            <a:ext cx="1361922" cy="0"/>
+          </a:xfrm>
+          <a:prstGeom prst="straightConnector1">
+            <a:avLst/>
+          </a:prstGeom>
+          <a:solidFill>
+            <a:schemeClr val="accent1"/>
+          </a:solidFill>
+          <a:ln w="9525" cap="flat" cmpd="sng" algn="ctr">
+            <a:solidFill>
+              <a:schemeClr val="tx1"/>
+            </a:solidFill>
+            <a:prstDash val="solid"/>
+            <a:round/>
+            <a:headEnd type="none" w="med" len="med"/>
+            <a:tailEnd type="triangle"/>
+          </a:ln>
+          <a:effectLst/>
+        </p:spPr>
+      </p:cxnSp>
+      <p:cxnSp>
+        <p:nvCxnSpPr>
+          <p:cNvPr id="37" name="Gerade Verbindung mit Pfeil 36"/>
+          <p:cNvCxnSpPr/>
+          <p:nvPr/>
+        </p:nvCxnSpPr>
+        <p:spPr bwMode="auto">
+          <a:xfrm>
+            <a:off x="7777160" y="4916702"/>
+            <a:ext cx="1361922" cy="0"/>
+          </a:xfrm>
+          <a:prstGeom prst="straightConnector1">
+            <a:avLst/>
+          </a:prstGeom>
+          <a:solidFill>
+            <a:schemeClr val="accent1"/>
+          </a:solidFill>
+          <a:ln w="9525" cap="flat" cmpd="sng" algn="ctr">
+            <a:solidFill>
+              <a:schemeClr val="tx1"/>
+            </a:solidFill>
+            <a:prstDash val="solid"/>
+            <a:round/>
+            <a:headEnd type="triangle" w="med" len="med"/>
+            <a:tailEnd type="none" w="med" len="med"/>
+          </a:ln>
+          <a:effectLst/>
+        </p:spPr>
+      </p:cxnSp>
+      <p:sp>
+        <p:nvSpPr>
+          <p:cNvPr id="41" name="Textfeld 40"/>
+          <p:cNvSpPr txBox="1"/>
+          <p:nvPr/>
+        </p:nvSpPr>
+        <p:spPr>
+          <a:xfrm>
+            <a:off x="7878881" y="4017774"/>
+            <a:ext cx="806631" cy="461665"/>
+          </a:xfrm>
+          <a:prstGeom prst="rect">
+            <a:avLst/>
+          </a:prstGeom>
+          <a:noFill/>
+        </p:spPr>
+        <p:txBody>
+          <a:bodyPr wrap="none" rtlCol="0">
+            <a:spAutoFit/>
+          </a:bodyPr>
+          <a:lstStyle/>
+          <a:p>
+            <a:r>
+              <a:rPr lang="en-US" dirty="0"/>
+              <a:t>GET</a:t>
+            </a:r>
+          </a:p>
+        </p:txBody>
+      </p:sp>
+      <p:sp>
+        <p:nvSpPr>
+          <p:cNvPr id="44" name="Textfeld 43"/>
+          <p:cNvSpPr txBox="1"/>
+          <p:nvPr/>
+        </p:nvSpPr>
+        <p:spPr>
+          <a:xfrm>
+            <a:off x="7878881" y="4516420"/>
+            <a:ext cx="989373" cy="461665"/>
+          </a:xfrm>
+          <a:prstGeom prst="rect">
+            <a:avLst/>
+          </a:prstGeom>
+          <a:noFill/>
+        </p:spPr>
+        <p:txBody>
+          <a:bodyPr wrap="none" rtlCol="0">
+            <a:spAutoFit/>
+          </a:bodyPr>
+          <a:lstStyle/>
+          <a:p>
+            <a:r>
+              <a:rPr lang="en-US" dirty="0"/>
+              <a:t>RESP</a:t>
+            </a:r>
+          </a:p>
+        </p:txBody>
+      </p:sp>
+      <mc:AlternateContent xmlns:mc="http://schemas.openxmlformats.org/markup-compatibility/2006">
+        <mc:Choice xmlns:a14="http://schemas.microsoft.com/office/drawing/2010/main" Requires="a14">
+          <p:sp>
+            <p:nvSpPr>
+              <p:cNvPr id="42" name="Textfeld 41"/>
+              <p:cNvSpPr txBox="1"/>
+              <p:nvPr/>
+            </p:nvSpPr>
+            <p:spPr>
+              <a:xfrm>
+                <a:off x="6864604" y="1412776"/>
+                <a:ext cx="823174" cy="447751"/>
+              </a:xfrm>
+              <a:prstGeom prst="rect">
+                <a:avLst/>
+              </a:prstGeom>
+              <a:noFill/>
+            </p:spPr>
+            <p:txBody>
+              <a:bodyPr wrap="none" lIns="0" tIns="0" rIns="0" bIns="0" rtlCol="0">
+                <a:spAutoFit/>
+              </a:bodyPr>
+              <a:lstStyle/>
+              <a:p>
+                <a14:m>
+                  <m:oMathPara xmlns:m="http://schemas.openxmlformats.org/officeDocument/2006/math">
+                    <m:oMathParaPr>
+                      <m:jc m:val="centerGroup"/>
+                    </m:oMathParaPr>
+                    <m:oMath xmlns:m="http://schemas.openxmlformats.org/officeDocument/2006/math">
+                      <m:sSubSup>
+                        <m:sSubSupPr>
+                          <m:ctrlPr>
+                            <a:rPr lang="de-DE" b="0" i="1" smtClean="0">
+                              <a:latin typeface="Cambria Math" panose="02040503050406030204" pitchFamily="18" charset="0"/>
+                            </a:rPr>
+                          </m:ctrlPr>
+                        </m:sSubSupPr>
+                        <m:e>
+                          <m:r>
+                            <a:rPr lang="de-DE" b="0" i="1" smtClean="0">
+                              <a:latin typeface="Cambria Math" panose="02040503050406030204" pitchFamily="18" charset="0"/>
+                            </a:rPr>
+                            <m:t>𝐾</m:t>
+                          </m:r>
+                        </m:e>
+                        <m:sub>
+                          <m:r>
+                            <a:rPr lang="de-DE" b="0" i="1" smtClean="0">
+                              <a:latin typeface="Cambria Math" panose="02040503050406030204" pitchFamily="18" charset="0"/>
+                            </a:rPr>
+                            <m:t>𝐵</m:t>
+                          </m:r>
+                        </m:sub>
+                        <m:sup>
+                          <m:r>
+                            <a:rPr lang="de-DE" b="0" i="1" smtClean="0">
+                              <a:latin typeface="Cambria Math" panose="02040503050406030204" pitchFamily="18" charset="0"/>
+                            </a:rPr>
+                            <m:t>𝑝𝑟𝑖𝑣</m:t>
+                          </m:r>
+                        </m:sup>
+                      </m:sSubSup>
+                    </m:oMath>
+                  </m:oMathPara>
+                </a14:m>
+                <a:endParaRPr lang="en-US" dirty="0"/>
+              </a:p>
+            </p:txBody>
+          </p:sp>
+        </mc:Choice>
+        <mc:Fallback>
+          <p:sp>
+            <p:nvSpPr>
+              <p:cNvPr id="42" name="Textfeld 41"/>
+              <p:cNvSpPr txBox="1">
+                <a:spLocks noRot="1" noChangeAspect="1" noMove="1" noResize="1" noEditPoints="1" noAdjustHandles="1" noChangeArrowheads="1" noChangeShapeType="1" noTextEdit="1"/>
+              </p:cNvSpPr>
+              <p:nvPr/>
+            </p:nvSpPr>
+            <p:spPr>
+              <a:xfrm>
+                <a:off x="6864604" y="1412776"/>
+                <a:ext cx="823174" cy="447751"/>
+              </a:xfrm>
+              <a:prstGeom prst="rect">
+                <a:avLst/>
+              </a:prstGeom>
+              <a:blipFill>
+                <a:blip r:embed="rId9"/>
+                <a:stretch>
+                  <a:fillRect/>
+                </a:stretch>
+              </a:blipFill>
+            </p:spPr>
+            <p:txBody>
+              <a:bodyPr/>
+              <a:lstStyle/>
+              <a:p>
+                <a:r>
+                  <a:rPr lang="en-US">
+                    <a:noFill/>
+                  </a:rPr>
+                  <a:t> </a:t>
+                </a:r>
+              </a:p>
+            </p:txBody>
+          </p:sp>
+        </mc:Fallback>
+      </mc:AlternateContent>
+    </p:spTree>
+    <p:extLst>
+      <p:ext uri="{BB962C8B-B14F-4D97-AF65-F5344CB8AC3E}">
+        <p14:creationId xmlns:p14="http://schemas.microsoft.com/office/powerpoint/2010/main" val="4070069944"/>
+      </p:ext>
+    </p:extLst>
+  </p:cSld>
+  <p:clrMapOvr>
+    <a:masterClrMapping/>
+  </p:clrMapOvr>
+</p:sld>
+</file>
+
+<file path=ppt/slides/slide7.xml><?xml version="1.0" encoding="utf-8"?>
+<p:sld xmlns:a="http://schemas.openxmlformats.org/drawingml/2006/main" xmlns:r="http://schemas.openxmlformats.org/officeDocument/2006/relationships" xmlns:p="http://schemas.openxmlformats.org/presentationml/2006/main">
+  <p:cSld>
+    <p:spTree>
+      <p:nvGrpSpPr>
+        <p:cNvPr id="1" name=""/>
+        <p:cNvGrpSpPr/>
+        <p:nvPr/>
+      </p:nvGrpSpPr>
+      <p:grpSpPr>
+        <a:xfrm>
+          <a:off x="0" y="0"/>
+          <a:ext cx="0" cy="0"/>
+          <a:chOff x="0" y="0"/>
+          <a:chExt cx="0" cy="0"/>
+        </a:xfrm>
+      </p:grpSpPr>
+      <p:sp>
+        <p:nvSpPr>
+          <p:cNvPr id="12290" name="Rectangle 3"/>
+          <p:cNvSpPr>
+            <a:spLocks noGrp="1" noChangeArrowheads="1"/>
+          </p:cNvSpPr>
+          <p:nvPr>
+            <p:ph type="title"/>
+          </p:nvPr>
+        </p:nvSpPr>
+        <p:spPr/>
+        <p:txBody>
+          <a:bodyPr/>
+          <a:lstStyle/>
+          <a:p>
+            <a:r>
+              <a:rPr lang="de-DE" dirty="0" err="1"/>
+              <a:t>Improvements</a:t>
+            </a:r>
             <a:r>
               <a:rPr lang="de-DE" dirty="0"/>
-              <a:t>Status </a:t>
-            </a:r>
-            <a:r>
-              <a:rPr lang="de-DE" dirty="0" smtClean="0"/>
-              <a:t>quo</a:t>
-            </a:r>
-            <a:endParaRPr lang="de-DE" dirty="0">
-              <a:latin typeface="Calibri"/>
-            </a:endParaRPr>
+              <a:t> </a:t>
+            </a:r>
+            <a:r>
+              <a:rPr lang="de-DE" dirty="0" err="1"/>
+              <a:t>to</a:t>
+            </a:r>
+            <a:r>
+              <a:rPr lang="de-DE" dirty="0"/>
+              <a:t> </a:t>
+            </a:r>
+            <a:r>
+              <a:rPr lang="de-DE" dirty="0" err="1"/>
+              <a:t>onion</a:t>
+            </a:r>
+            <a:r>
+              <a:rPr lang="de-DE" dirty="0"/>
+              <a:t> </a:t>
+            </a:r>
+            <a:r>
+              <a:rPr lang="de-DE" dirty="0" err="1"/>
+              <a:t>routing</a:t>
+            </a:r>
+            <a:endParaRPr lang="de-DE" dirty="0"/>
           </a:p>
         </p:txBody>
       </p:sp>
@@ -4663,349 +9356,627 @@
           <a:lstStyle/>
           <a:p>
             <a:pPr eaLnBrk="1" hangingPunct="1"/>
-            <a:r>
-              <a:rPr lang="de-DE" dirty="0" smtClean="0">
-                <a:latin typeface="Calibri"/>
-              </a:rPr>
-              <a:t>Image </a:t>
-            </a:r>
-            <a:r>
-              <a:rPr lang="de-DE" dirty="0" err="1" smtClean="0">
-                <a:latin typeface="Calibri"/>
-              </a:rPr>
-              <a:t>of</a:t>
-            </a:r>
-            <a:r>
-              <a:rPr lang="de-DE" dirty="0" smtClean="0">
-                <a:latin typeface="Calibri"/>
-              </a:rPr>
-              <a:t> </a:t>
-            </a:r>
-            <a:r>
-              <a:rPr lang="de-DE" dirty="0" err="1" smtClean="0">
-                <a:latin typeface="Calibri"/>
-              </a:rPr>
-              <a:t>user</a:t>
-            </a:r>
-            <a:r>
-              <a:rPr lang="de-DE" dirty="0" smtClean="0">
-                <a:latin typeface="Calibri"/>
-              </a:rPr>
-              <a:t> </a:t>
-            </a:r>
-            <a:r>
-              <a:rPr lang="de-DE" dirty="0" err="1" smtClean="0">
-                <a:latin typeface="Calibri"/>
-              </a:rPr>
-              <a:t>numbers</a:t>
-            </a:r>
-            <a:r>
-              <a:rPr lang="de-DE" dirty="0" smtClean="0">
-                <a:latin typeface="Calibri"/>
-              </a:rPr>
-              <a:t>/</a:t>
-            </a:r>
-            <a:r>
-              <a:rPr lang="de-DE" dirty="0" err="1" smtClean="0">
-                <a:latin typeface="Calibri"/>
-              </a:rPr>
-              <a:t>bandwidth</a:t>
-            </a:r>
-            <a:endParaRPr lang="de-DE" dirty="0" smtClean="0">
-              <a:latin typeface="Calibri"/>
-            </a:endParaRPr>
-          </a:p>
-          <a:p>
-            <a:pPr eaLnBrk="1" hangingPunct="1"/>
-            <a:r>
-              <a:rPr lang="de-DE" dirty="0" err="1" smtClean="0">
-                <a:latin typeface="Calibri"/>
-              </a:rPr>
-              <a:t>Upsides</a:t>
-            </a:r>
-            <a:r>
-              <a:rPr lang="de-DE" dirty="0" smtClean="0">
-                <a:latin typeface="Calibri"/>
-              </a:rPr>
-              <a:t>: </a:t>
-            </a:r>
-          </a:p>
-          <a:p>
-            <a:pPr lvl="1"/>
-            <a:r>
-              <a:rPr lang="de-DE" dirty="0" err="1"/>
-              <a:t>Protect</a:t>
-            </a:r>
-            <a:r>
-              <a:rPr lang="de-DE" dirty="0"/>
-              <a:t> </a:t>
-            </a:r>
-            <a:r>
-              <a:rPr lang="de-DE" dirty="0" err="1"/>
-              <a:t>your</a:t>
-            </a:r>
-            <a:r>
-              <a:rPr lang="de-DE" dirty="0"/>
-              <a:t> </a:t>
-            </a:r>
-            <a:r>
-              <a:rPr lang="de-DE" dirty="0" err="1"/>
-              <a:t>privacy</a:t>
-            </a:r>
-            <a:r>
-              <a:rPr lang="de-DE" dirty="0"/>
-              <a:t>, </a:t>
-            </a:r>
-            <a:r>
-              <a:rPr lang="de-DE" dirty="0" err="1"/>
-              <a:t>fight</a:t>
-            </a:r>
-            <a:r>
-              <a:rPr lang="de-DE" dirty="0"/>
-              <a:t> </a:t>
-            </a:r>
-            <a:r>
-              <a:rPr lang="de-DE" dirty="0" err="1"/>
-              <a:t>mass</a:t>
-            </a:r>
-            <a:r>
-              <a:rPr lang="de-DE" dirty="0"/>
-              <a:t> </a:t>
-            </a:r>
-            <a:r>
-              <a:rPr lang="de-DE" dirty="0" err="1"/>
-              <a:t>surveillance</a:t>
-            </a:r>
-            <a:r>
-              <a:rPr lang="de-DE" dirty="0"/>
-              <a:t>, </a:t>
-            </a:r>
-            <a:r>
-              <a:rPr lang="de-DE" dirty="0" err="1"/>
-              <a:t>circumvent</a:t>
-            </a:r>
-            <a:r>
-              <a:rPr lang="de-DE" dirty="0"/>
-              <a:t> </a:t>
-            </a:r>
-            <a:r>
-              <a:rPr lang="de-DE" dirty="0" err="1" smtClean="0"/>
-              <a:t>censorship</a:t>
-            </a:r>
-            <a:endParaRPr lang="de-DE" dirty="0" smtClean="0">
-              <a:latin typeface="Calibri"/>
-            </a:endParaRPr>
-          </a:p>
-          <a:p>
-            <a:pPr lvl="1"/>
-            <a:r>
-              <a:rPr lang="de-DE" dirty="0" err="1" smtClean="0">
-                <a:latin typeface="Calibri"/>
-              </a:rPr>
-              <a:t>Used</a:t>
-            </a:r>
-            <a:r>
-              <a:rPr lang="de-DE" dirty="0" smtClean="0">
-                <a:latin typeface="Calibri"/>
-              </a:rPr>
-              <a:t> </a:t>
-            </a:r>
-            <a:r>
-              <a:rPr lang="de-DE" dirty="0" err="1" smtClean="0">
-                <a:latin typeface="Calibri"/>
-              </a:rPr>
-              <a:t>by</a:t>
-            </a:r>
-            <a:r>
-              <a:rPr lang="de-DE" dirty="0" smtClean="0">
-                <a:latin typeface="Calibri"/>
-              </a:rPr>
-              <a:t> </a:t>
-            </a:r>
-            <a:r>
-              <a:rPr lang="de-DE" dirty="0" err="1" smtClean="0">
-                <a:latin typeface="Calibri"/>
-              </a:rPr>
-              <a:t>businesses</a:t>
-            </a:r>
-            <a:r>
-              <a:rPr lang="de-DE" dirty="0" smtClean="0">
-                <a:latin typeface="Calibri"/>
-              </a:rPr>
-              <a:t>, </a:t>
-            </a:r>
-            <a:r>
-              <a:rPr lang="de-DE" dirty="0" err="1" smtClean="0">
-                <a:latin typeface="Calibri"/>
-              </a:rPr>
-              <a:t>activists</a:t>
-            </a:r>
-            <a:r>
-              <a:rPr lang="de-DE" dirty="0" smtClean="0">
-                <a:latin typeface="Calibri"/>
-              </a:rPr>
-              <a:t> like </a:t>
-            </a:r>
-            <a:r>
-              <a:rPr lang="de-DE" dirty="0" err="1" smtClean="0">
-                <a:latin typeface="Calibri"/>
-              </a:rPr>
-              <a:t>HumanRights</a:t>
-            </a:r>
-            <a:r>
-              <a:rPr lang="de-DE" dirty="0" smtClean="0">
-                <a:latin typeface="Calibri"/>
-              </a:rPr>
-              <a:t> </a:t>
-            </a:r>
-            <a:r>
-              <a:rPr lang="de-DE" dirty="0" err="1" smtClean="0">
-                <a:latin typeface="Calibri"/>
-              </a:rPr>
-              <a:t>or</a:t>
-            </a:r>
-            <a:r>
-              <a:rPr lang="de-DE" dirty="0" smtClean="0">
-                <a:latin typeface="Calibri"/>
-              </a:rPr>
-              <a:t> </a:t>
-            </a:r>
-            <a:r>
-              <a:rPr lang="de-DE" dirty="0" err="1" smtClean="0">
-                <a:latin typeface="Calibri"/>
-              </a:rPr>
-              <a:t>whistleblowers</a:t>
-            </a:r>
-            <a:r>
-              <a:rPr lang="de-DE" dirty="0" smtClean="0">
-                <a:latin typeface="Calibri"/>
-              </a:rPr>
-              <a:t>, </a:t>
-            </a:r>
-            <a:r>
-              <a:rPr lang="de-DE" dirty="0" err="1" smtClean="0">
-                <a:latin typeface="Calibri"/>
-              </a:rPr>
-              <a:t>journalists</a:t>
-            </a:r>
-            <a:r>
-              <a:rPr lang="de-DE" dirty="0" smtClean="0">
-                <a:latin typeface="Calibri"/>
-              </a:rPr>
-              <a:t>, …</a:t>
-            </a:r>
-          </a:p>
-          <a:p>
-            <a:r>
-              <a:rPr lang="de-DE" dirty="0" err="1" smtClean="0">
-                <a:latin typeface="Calibri"/>
-              </a:rPr>
-              <a:t>Downsides</a:t>
-            </a:r>
-            <a:r>
-              <a:rPr lang="de-DE" dirty="0" smtClean="0">
-                <a:latin typeface="Calibri"/>
-              </a:rPr>
-              <a:t>:</a:t>
-            </a:r>
             <a:endParaRPr lang="de-DE" dirty="0">
               <a:latin typeface="Calibri"/>
             </a:endParaRPr>
           </a:p>
           <a:p>
-            <a:pPr lvl="1"/>
-            <a:r>
-              <a:rPr lang="de-DE" dirty="0" smtClean="0">
-                <a:latin typeface="Calibri"/>
-              </a:rPr>
-              <a:t>Non-legal </a:t>
-            </a:r>
-            <a:r>
-              <a:rPr lang="de-DE" dirty="0" err="1" smtClean="0">
-                <a:latin typeface="Calibri"/>
-              </a:rPr>
-              <a:t>marketplaces</a:t>
-            </a:r>
-            <a:r>
-              <a:rPr lang="de-DE" dirty="0" smtClean="0">
-                <a:latin typeface="Calibri"/>
-              </a:rPr>
-              <a:t> like </a:t>
-            </a:r>
-            <a:r>
-              <a:rPr lang="de-DE" dirty="0" err="1" smtClean="0">
-                <a:latin typeface="Calibri"/>
-              </a:rPr>
-              <a:t>SilkRoad</a:t>
-            </a:r>
-            <a:r>
-              <a:rPr lang="de-DE" dirty="0" smtClean="0">
+            <a:pPr eaLnBrk="1" hangingPunct="1"/>
+            <a:r>
+              <a:rPr lang="de-DE" dirty="0">
+                <a:latin typeface="Calibri"/>
+              </a:rPr>
+              <a:t>Directory </a:t>
+            </a:r>
+            <a:r>
+              <a:rPr lang="de-DE" dirty="0" err="1">
+                <a:latin typeface="Calibri"/>
+              </a:rPr>
+              <a:t>servers</a:t>
+            </a:r>
+            <a:r>
+              <a:rPr lang="de-DE" dirty="0">
                 <a:latin typeface="Calibri"/>
               </a:rPr>
               <a:t> </a:t>
             </a:r>
-          </a:p>
-          <a:p>
-            <a:pPr lvl="1"/>
-            <a:r>
-              <a:rPr lang="de-DE" dirty="0" smtClean="0">
-                <a:latin typeface="Calibri"/>
-              </a:rPr>
-              <a:t>Command &amp; </a:t>
-            </a:r>
-            <a:r>
-              <a:rPr lang="de-DE" dirty="0" err="1" smtClean="0">
-                <a:latin typeface="Calibri"/>
-              </a:rPr>
-              <a:t>control</a:t>
-            </a:r>
-            <a:r>
-              <a:rPr lang="de-DE" dirty="0" smtClean="0">
+            <a:r>
+              <a:rPr lang="de-DE" dirty="0" err="1">
+                <a:latin typeface="Calibri"/>
+              </a:rPr>
+              <a:t>instead</a:t>
+            </a:r>
+            <a:r>
+              <a:rPr lang="de-DE" dirty="0">
                 <a:latin typeface="Calibri"/>
               </a:rPr>
               <a:t> </a:t>
             </a:r>
             <a:r>
-              <a:rPr lang="de-DE" dirty="0" err="1" smtClean="0">
-                <a:latin typeface="Calibri"/>
-              </a:rPr>
-              <a:t>server</a:t>
-            </a:r>
-            <a:r>
-              <a:rPr lang="de-DE" dirty="0" smtClean="0">
+              <a:rPr lang="de-DE" dirty="0" err="1">
+                <a:latin typeface="Calibri"/>
+              </a:rPr>
+              <a:t>of</a:t>
+            </a:r>
+            <a:r>
+              <a:rPr lang="de-DE" dirty="0">
                 <a:latin typeface="Calibri"/>
               </a:rPr>
               <a:t> </a:t>
             </a:r>
             <a:r>
-              <a:rPr lang="de-DE" dirty="0" err="1" smtClean="0">
-                <a:latin typeface="Calibri"/>
-              </a:rPr>
-              <a:t>for</a:t>
-            </a:r>
-            <a:r>
-              <a:rPr lang="de-DE" dirty="0" smtClean="0">
-                <a:latin typeface="Calibri"/>
-              </a:rPr>
-              <a:t> bot </a:t>
-            </a:r>
-            <a:r>
-              <a:rPr lang="de-DE" dirty="0" err="1" smtClean="0">
-                <a:latin typeface="Calibri"/>
-              </a:rPr>
-              <a:t>nets</a:t>
-            </a:r>
-            <a:endParaRPr lang="de-DE" dirty="0" smtClean="0">
+              <a:rPr lang="de-DE" dirty="0" err="1">
+                <a:latin typeface="Calibri"/>
+              </a:rPr>
+              <a:t>routing</a:t>
+            </a:r>
+            <a:r>
+              <a:rPr lang="de-DE" dirty="0">
+                <a:latin typeface="Calibri"/>
+              </a:rPr>
+              <a:t> </a:t>
+            </a:r>
+            <a:r>
+              <a:rPr lang="de-DE" dirty="0" err="1">
+                <a:latin typeface="Calibri"/>
+              </a:rPr>
+              <a:t>information</a:t>
+            </a:r>
+            <a:r>
+              <a:rPr lang="de-DE" dirty="0">
+                <a:latin typeface="Calibri"/>
+              </a:rPr>
+              <a:t> </a:t>
+            </a:r>
+            <a:r>
+              <a:rPr lang="de-DE" dirty="0" err="1">
+                <a:latin typeface="Calibri"/>
+              </a:rPr>
+              <a:t>flooding</a:t>
+            </a:r>
+            <a:endParaRPr lang="de-DE" dirty="0">
               <a:latin typeface="Calibri"/>
             </a:endParaRPr>
           </a:p>
           <a:p>
-            <a:endParaRPr lang="de-DE" dirty="0" smtClean="0">
+            <a:pPr eaLnBrk="1" hangingPunct="1"/>
+            <a:r>
+              <a:rPr lang="de-DE" dirty="0">
+                <a:latin typeface="Calibri"/>
+              </a:rPr>
+              <a:t>Hidden </a:t>
+            </a:r>
+            <a:r>
+              <a:rPr lang="de-DE" dirty="0" err="1">
+                <a:latin typeface="Calibri"/>
+              </a:rPr>
+              <a:t>services</a:t>
+            </a:r>
+            <a:endParaRPr lang="de-DE" dirty="0">
               <a:latin typeface="Calibri"/>
             </a:endParaRPr>
           </a:p>
           <a:p>
-            <a:endParaRPr lang="de-DE" dirty="0" smtClean="0">
+            <a:pPr eaLnBrk="1" hangingPunct="1"/>
+            <a:r>
+              <a:rPr lang="de-DE" dirty="0" err="1">
+                <a:latin typeface="Calibri"/>
+              </a:rPr>
+              <a:t>Perfect</a:t>
+            </a:r>
+            <a:r>
+              <a:rPr lang="de-DE" dirty="0">
+                <a:latin typeface="Calibri"/>
+              </a:rPr>
+              <a:t> </a:t>
+            </a:r>
+            <a:r>
+              <a:rPr lang="de-DE" dirty="0" err="1">
+                <a:latin typeface="Calibri"/>
+              </a:rPr>
+              <a:t>forward</a:t>
+            </a:r>
+            <a:r>
+              <a:rPr lang="de-DE" dirty="0">
+                <a:latin typeface="Calibri"/>
+              </a:rPr>
+              <a:t> </a:t>
+            </a:r>
+            <a:r>
+              <a:rPr lang="de-DE" dirty="0" err="1">
+                <a:latin typeface="Calibri"/>
+              </a:rPr>
+              <a:t>secrecy</a:t>
+            </a:r>
+            <a:endParaRPr lang="de-DE" dirty="0">
+              <a:latin typeface="Calibri"/>
+            </a:endParaRPr>
+          </a:p>
+          <a:p>
+            <a:r>
+              <a:rPr lang="en-US" dirty="0"/>
+              <a:t>Usage of a standard proxy interface</a:t>
+            </a:r>
+            <a:endParaRPr lang="de-DE" dirty="0">
+              <a:latin typeface="Calibri"/>
+            </a:endParaRPr>
+          </a:p>
+          <a:p>
+            <a:pPr eaLnBrk="1" hangingPunct="1"/>
+            <a:r>
+              <a:rPr lang="de-DE" dirty="0">
+                <a:latin typeface="Calibri"/>
+              </a:rPr>
+              <a:t>Exit </a:t>
+            </a:r>
+            <a:r>
+              <a:rPr lang="de-DE" dirty="0" err="1">
+                <a:latin typeface="Calibri"/>
+              </a:rPr>
+              <a:t>policies</a:t>
+            </a:r>
+            <a:endParaRPr lang="de-DE" dirty="0">
+              <a:latin typeface="Calibri"/>
+            </a:endParaRPr>
+          </a:p>
+          <a:p>
+            <a:pPr eaLnBrk="1" hangingPunct="1"/>
+            <a:r>
+              <a:rPr lang="de-DE" dirty="0">
+                <a:latin typeface="Calibri"/>
+              </a:rPr>
+              <a:t>…</a:t>
+            </a:r>
+          </a:p>
+        </p:txBody>
+      </p:sp>
+    </p:spTree>
+    <p:extLst>
+      <p:ext uri="{BB962C8B-B14F-4D97-AF65-F5344CB8AC3E}">
+        <p14:creationId xmlns:p14="http://schemas.microsoft.com/office/powerpoint/2010/main" val="3255082760"/>
+      </p:ext>
+    </p:extLst>
+  </p:cSld>
+  <p:clrMapOvr>
+    <a:masterClrMapping/>
+  </p:clrMapOvr>
+</p:sld>
+</file>
+
+<file path=ppt/slides/slide8.xml><?xml version="1.0" encoding="utf-8"?>
+<p:sld xmlns:a="http://schemas.openxmlformats.org/drawingml/2006/main" xmlns:r="http://schemas.openxmlformats.org/officeDocument/2006/relationships" xmlns:p="http://schemas.openxmlformats.org/presentationml/2006/main">
+  <p:cSld>
+    <p:spTree>
+      <p:nvGrpSpPr>
+        <p:cNvPr id="1" name=""/>
+        <p:cNvGrpSpPr/>
+        <p:nvPr/>
+      </p:nvGrpSpPr>
+      <p:grpSpPr>
+        <a:xfrm>
+          <a:off x="0" y="0"/>
+          <a:ext cx="0" cy="0"/>
+          <a:chOff x="0" y="0"/>
+          <a:chExt cx="0" cy="0"/>
+        </a:xfrm>
+      </p:grpSpPr>
+      <p:sp>
+        <p:nvSpPr>
+          <p:cNvPr id="12290" name="Rectangle 3"/>
+          <p:cNvSpPr>
+            <a:spLocks noGrp="1" noChangeArrowheads="1"/>
+          </p:cNvSpPr>
+          <p:nvPr>
+            <p:ph type="title"/>
+          </p:nvPr>
+        </p:nvSpPr>
+        <p:spPr/>
+        <p:txBody>
+          <a:bodyPr/>
+          <a:lstStyle/>
+          <a:p>
+            <a:r>
+              <a:rPr lang="de-DE" dirty="0"/>
+              <a:t>Status quo</a:t>
+            </a:r>
+            <a:endParaRPr lang="de-DE" dirty="0">
+              <a:latin typeface="Calibri"/>
+            </a:endParaRPr>
+          </a:p>
+        </p:txBody>
+      </p:sp>
+      <p:pic>
+        <p:nvPicPr>
+          <p:cNvPr id="2" name="Grafik 1"/>
+          <p:cNvPicPr>
+            <a:picLocks noChangeAspect="1"/>
+          </p:cNvPicPr>
+          <p:nvPr/>
+        </p:nvPicPr>
+        <p:blipFill>
+          <a:blip r:embed="rId3">
+            <a:extLst>
+              <a:ext uri="{96DAC541-7B7A-43D3-8B79-37D633B846F1}">
+                <asvg:svgBlip xmlns:asvg="http://schemas.microsoft.com/office/drawing/2016/SVG/main" r:embed="rId4"/>
+              </a:ext>
+            </a:extLst>
+          </a:blip>
+          <a:stretch>
+            <a:fillRect/>
+          </a:stretch>
+        </p:blipFill>
+        <p:spPr>
+          <a:xfrm>
+            <a:off x="179512" y="1340768"/>
+            <a:ext cx="8204448" cy="5127780"/>
+          </a:xfrm>
+          <a:prstGeom prst="rect">
+            <a:avLst/>
+          </a:prstGeom>
+        </p:spPr>
+      </p:pic>
+    </p:spTree>
+    <p:extLst>
+      <p:ext uri="{BB962C8B-B14F-4D97-AF65-F5344CB8AC3E}">
+        <p14:creationId xmlns:p14="http://schemas.microsoft.com/office/powerpoint/2010/main" val="713447161"/>
+      </p:ext>
+    </p:extLst>
+  </p:cSld>
+  <p:clrMapOvr>
+    <a:masterClrMapping/>
+  </p:clrMapOvr>
+</p:sld>
+</file>
+
+<file path=ppt/slides/slide9.xml><?xml version="1.0" encoding="utf-8"?>
+<p:sld xmlns:a="http://schemas.openxmlformats.org/drawingml/2006/main" xmlns:r="http://schemas.openxmlformats.org/officeDocument/2006/relationships" xmlns:p="http://schemas.openxmlformats.org/presentationml/2006/main">
+  <p:cSld>
+    <p:spTree>
+      <p:nvGrpSpPr>
+        <p:cNvPr id="1" name=""/>
+        <p:cNvGrpSpPr/>
+        <p:nvPr/>
+      </p:nvGrpSpPr>
+      <p:grpSpPr>
+        <a:xfrm>
+          <a:off x="0" y="0"/>
+          <a:ext cx="0" cy="0"/>
+          <a:chOff x="0" y="0"/>
+          <a:chExt cx="0" cy="0"/>
+        </a:xfrm>
+      </p:grpSpPr>
+      <p:sp>
+        <p:nvSpPr>
+          <p:cNvPr id="12290" name="Rectangle 3"/>
+          <p:cNvSpPr>
+            <a:spLocks noGrp="1" noChangeArrowheads="1"/>
+          </p:cNvSpPr>
+          <p:nvPr>
+            <p:ph type="title"/>
+          </p:nvPr>
+        </p:nvSpPr>
+        <p:spPr/>
+        <p:txBody>
+          <a:bodyPr/>
+          <a:lstStyle/>
+          <a:p>
+            <a:r>
+              <a:rPr lang="de-DE" dirty="0"/>
+              <a:t>Status quo</a:t>
+            </a:r>
+            <a:endParaRPr lang="de-DE" dirty="0">
+              <a:latin typeface="Calibri"/>
+            </a:endParaRPr>
+          </a:p>
+        </p:txBody>
+      </p:sp>
+      <p:sp>
+        <p:nvSpPr>
+          <p:cNvPr id="12315" name="Rectangle 28"/>
+          <p:cNvSpPr>
+            <a:spLocks noGrp="1" noChangeArrowheads="1"/>
+          </p:cNvSpPr>
+          <p:nvPr>
+            <p:ph type="body" idx="1"/>
+          </p:nvPr>
+        </p:nvSpPr>
+        <p:spPr>
+          <a:xfrm>
+            <a:off x="457200" y="1219200"/>
+            <a:ext cx="8458200" cy="1066800"/>
+          </a:xfrm>
+        </p:spPr>
+        <p:txBody>
+          <a:bodyPr/>
+          <a:lstStyle/>
+          <a:p>
+            <a:pPr eaLnBrk="1" hangingPunct="1"/>
+            <a:r>
+              <a:rPr lang="de-DE" dirty="0" err="1">
+                <a:latin typeface="Calibri"/>
+              </a:rPr>
+              <a:t>Upsides</a:t>
+            </a:r>
+            <a:r>
+              <a:rPr lang="de-DE" dirty="0">
+                <a:latin typeface="Calibri"/>
+              </a:rPr>
+              <a:t>: </a:t>
+            </a:r>
+          </a:p>
+          <a:p>
+            <a:pPr lvl="1"/>
+            <a:r>
+              <a:rPr lang="de-DE" dirty="0" err="1"/>
+              <a:t>Protect</a:t>
+            </a:r>
+            <a:r>
+              <a:rPr lang="de-DE" dirty="0"/>
+              <a:t> </a:t>
+            </a:r>
+            <a:r>
+              <a:rPr lang="de-DE" dirty="0" err="1"/>
+              <a:t>your</a:t>
+            </a:r>
+            <a:r>
+              <a:rPr lang="de-DE" dirty="0"/>
+              <a:t> </a:t>
+            </a:r>
+            <a:r>
+              <a:rPr lang="de-DE" dirty="0" err="1"/>
+              <a:t>privacy</a:t>
+            </a:r>
+            <a:r>
+              <a:rPr lang="de-DE" dirty="0"/>
+              <a:t>, </a:t>
+            </a:r>
+            <a:r>
+              <a:rPr lang="de-DE" dirty="0" err="1"/>
+              <a:t>fight</a:t>
+            </a:r>
+            <a:r>
+              <a:rPr lang="de-DE" dirty="0"/>
+              <a:t> </a:t>
+            </a:r>
+            <a:r>
+              <a:rPr lang="de-DE" dirty="0" err="1"/>
+              <a:t>mass</a:t>
+            </a:r>
+            <a:r>
+              <a:rPr lang="de-DE" dirty="0"/>
+              <a:t> </a:t>
+            </a:r>
+            <a:r>
+              <a:rPr lang="de-DE" dirty="0" err="1"/>
+              <a:t>surveillance</a:t>
+            </a:r>
+            <a:r>
+              <a:rPr lang="de-DE" dirty="0"/>
+              <a:t>, </a:t>
+            </a:r>
+            <a:r>
+              <a:rPr lang="de-DE" dirty="0" err="1"/>
+              <a:t>circumvent</a:t>
+            </a:r>
+            <a:r>
+              <a:rPr lang="de-DE" dirty="0"/>
+              <a:t> </a:t>
+            </a:r>
+            <a:r>
+              <a:rPr lang="de-DE" dirty="0" err="1"/>
+              <a:t>censorship</a:t>
+            </a:r>
+            <a:endParaRPr lang="de-DE" dirty="0">
+              <a:latin typeface="Calibri"/>
+            </a:endParaRPr>
+          </a:p>
+          <a:p>
+            <a:pPr lvl="1"/>
+            <a:r>
+              <a:rPr lang="de-DE" dirty="0" err="1">
+                <a:latin typeface="Calibri"/>
+              </a:rPr>
+              <a:t>Used</a:t>
+            </a:r>
+            <a:r>
+              <a:rPr lang="de-DE" dirty="0">
+                <a:latin typeface="Calibri"/>
+              </a:rPr>
+              <a:t> </a:t>
+            </a:r>
+            <a:r>
+              <a:rPr lang="de-DE" dirty="0" err="1">
+                <a:latin typeface="Calibri"/>
+              </a:rPr>
+              <a:t>by</a:t>
+            </a:r>
+            <a:r>
+              <a:rPr lang="de-DE" dirty="0">
+                <a:latin typeface="Calibri"/>
+              </a:rPr>
+              <a:t> </a:t>
+            </a:r>
+            <a:r>
+              <a:rPr lang="de-DE" dirty="0" err="1">
+                <a:latin typeface="Calibri"/>
+              </a:rPr>
+              <a:t>businesses</a:t>
+            </a:r>
+            <a:r>
+              <a:rPr lang="de-DE" dirty="0">
+                <a:latin typeface="Calibri"/>
+              </a:rPr>
+              <a:t>, human </a:t>
+            </a:r>
+            <a:r>
+              <a:rPr lang="de-DE" dirty="0" err="1">
+                <a:latin typeface="Calibri"/>
+              </a:rPr>
+              <a:t>rights</a:t>
+            </a:r>
+            <a:r>
+              <a:rPr lang="de-DE" dirty="0">
+                <a:latin typeface="Calibri"/>
+              </a:rPr>
+              <a:t> </a:t>
+            </a:r>
+            <a:r>
+              <a:rPr lang="de-DE" dirty="0" err="1">
+                <a:latin typeface="Calibri"/>
+              </a:rPr>
+              <a:t>activists</a:t>
+            </a:r>
+            <a:r>
+              <a:rPr lang="de-DE" dirty="0">
+                <a:latin typeface="Calibri"/>
+              </a:rPr>
+              <a:t> </a:t>
+            </a:r>
+            <a:r>
+              <a:rPr lang="de-DE" dirty="0" err="1">
+                <a:latin typeface="Calibri"/>
+              </a:rPr>
+              <a:t>or</a:t>
+            </a:r>
+            <a:r>
+              <a:rPr lang="de-DE" dirty="0">
+                <a:latin typeface="Calibri"/>
+              </a:rPr>
+              <a:t> </a:t>
+            </a:r>
+            <a:r>
+              <a:rPr lang="de-DE" dirty="0" err="1">
+                <a:latin typeface="Calibri"/>
+              </a:rPr>
+              <a:t>whistleblowers</a:t>
+            </a:r>
+            <a:r>
+              <a:rPr lang="de-DE" dirty="0">
+                <a:latin typeface="Calibri"/>
+              </a:rPr>
+              <a:t>, </a:t>
+            </a:r>
+            <a:r>
+              <a:rPr lang="de-DE" dirty="0" err="1">
+                <a:latin typeface="Calibri"/>
+              </a:rPr>
+              <a:t>journalists</a:t>
+            </a:r>
+            <a:r>
+              <a:rPr lang="de-DE" dirty="0">
+                <a:latin typeface="Calibri"/>
+              </a:rPr>
+              <a:t>, …</a:t>
+            </a:r>
+          </a:p>
+          <a:p>
+            <a:r>
+              <a:rPr lang="de-DE" dirty="0" err="1">
+                <a:latin typeface="Calibri"/>
+              </a:rPr>
+              <a:t>Downsides</a:t>
+            </a:r>
+            <a:r>
+              <a:rPr lang="de-DE" dirty="0">
+                <a:latin typeface="Calibri"/>
+              </a:rPr>
+              <a:t>:</a:t>
+            </a:r>
+          </a:p>
+          <a:p>
+            <a:pPr lvl="1"/>
+            <a:r>
+              <a:rPr lang="de-DE" dirty="0">
+                <a:latin typeface="Calibri"/>
+              </a:rPr>
+              <a:t>Non-legal </a:t>
+            </a:r>
+            <a:r>
+              <a:rPr lang="de-DE" dirty="0" err="1">
+                <a:latin typeface="Calibri"/>
+              </a:rPr>
+              <a:t>marketplaces</a:t>
+            </a:r>
+            <a:r>
+              <a:rPr lang="de-DE" dirty="0">
+                <a:latin typeface="Calibri"/>
+              </a:rPr>
+              <a:t> like </a:t>
+            </a:r>
+            <a:r>
+              <a:rPr lang="de-DE" dirty="0" err="1">
+                <a:latin typeface="Calibri"/>
+              </a:rPr>
+              <a:t>SilkRoad</a:t>
+            </a:r>
+            <a:r>
+              <a:rPr lang="de-DE" dirty="0">
+                <a:latin typeface="Calibri"/>
+              </a:rPr>
+              <a:t> </a:t>
+            </a:r>
+          </a:p>
+          <a:p>
+            <a:pPr lvl="1"/>
+            <a:r>
+              <a:rPr lang="de-DE" dirty="0">
+                <a:latin typeface="Calibri"/>
+              </a:rPr>
+              <a:t>Command &amp; </a:t>
+            </a:r>
+            <a:r>
+              <a:rPr lang="de-DE" dirty="0" err="1">
+                <a:latin typeface="Calibri"/>
+              </a:rPr>
+              <a:t>control</a:t>
+            </a:r>
+            <a:r>
+              <a:rPr lang="de-DE" dirty="0">
+                <a:latin typeface="Calibri"/>
+              </a:rPr>
+              <a:t> </a:t>
+            </a:r>
+            <a:r>
+              <a:rPr lang="de-DE" dirty="0" err="1">
+                <a:latin typeface="Calibri"/>
+              </a:rPr>
+              <a:t>server</a:t>
+            </a:r>
+            <a:r>
+              <a:rPr lang="de-DE" dirty="0">
+                <a:latin typeface="Calibri"/>
+              </a:rPr>
+              <a:t> </a:t>
+            </a:r>
+            <a:r>
+              <a:rPr lang="de-DE" dirty="0" err="1">
+                <a:latin typeface="Calibri"/>
+              </a:rPr>
+              <a:t>for</a:t>
+            </a:r>
+            <a:r>
+              <a:rPr lang="de-DE" dirty="0">
+                <a:latin typeface="Calibri"/>
+              </a:rPr>
+              <a:t> </a:t>
+            </a:r>
+            <a:r>
+              <a:rPr lang="de-DE" dirty="0" err="1">
+                <a:latin typeface="Calibri"/>
+              </a:rPr>
+              <a:t>botnets</a:t>
+            </a:r>
+            <a:endParaRPr lang="de-DE" dirty="0">
+              <a:latin typeface="Calibri"/>
+            </a:endParaRPr>
+          </a:p>
+          <a:p>
+            <a:endParaRPr lang="de-DE" dirty="0">
+              <a:latin typeface="Calibri"/>
+            </a:endParaRPr>
+          </a:p>
+          <a:p>
+            <a:endParaRPr lang="de-DE" dirty="0">
               <a:latin typeface="Calibri"/>
             </a:endParaRPr>
           </a:p>
@@ -5021,13 +9992,6 @@
   <p:clrMapOvr>
     <a:masterClrMapping/>
   </p:clrMapOvr>
-  <p:timing>
-    <p:tnLst>
-      <p:par>
-        <p:cTn id="1" dur="indefinite" restart="never" nodeType="tmRoot"/>
-      </p:par>
-    </p:tnLst>
-  </p:timing>
 </p:sld>
 </file>
 

--- a/presentation/TemplateSlides2016.pptx
+++ b/presentation/TemplateSlides2016.pptx
@@ -518,7 +518,7 @@
               </a14:hiddenFill>
             </a:ext>
             <a:ext uri="{FAA26D3D-D897-4be2-8F04-BA451C77F1D7}">
-              <ma14:placeholderFlag xmlns="" xmlns:ma14="http://schemas.microsoft.com/office/mac/drawingml/2011/main" val="1"/>
+              <ma14:placeholderFlag xmlns:ma14="http://schemas.microsoft.com/office/mac/drawingml/2011/main" xmlns="" val="1"/>
             </a:ext>
           </a:extLst>
         </p:spPr>
@@ -1100,7 +1100,7 @@
 </p:notes>
 </file>
 
-<file path=ppt/notesSlides/notesSlide2.xml><?xml version="1.0" encoding="utf-8"?>
+<file path=ppt/notesSlides/notesSlide10.xml><?xml version="1.0" encoding="utf-8"?>
 <p:notes xmlns:a="http://schemas.openxmlformats.org/drawingml/2006/main" xmlns:r="http://schemas.openxmlformats.org/officeDocument/2006/relationships" xmlns:p="http://schemas.openxmlformats.org/presentationml/2006/main">
   <p:cSld>
     <p:spTree>
@@ -1266,7 +1266,7 @@
                 <a:latin typeface="Andale Mono" charset="0"/>
               </a:rPr>
               <a:pPr/>
-              <a:t>3</a:t>
+              <a:t>10</a:t>
             </a:fld>
             <a:endParaRPr lang="de-DE" sz="1200">
               <a:latin typeface="Andale Mono" charset="0"/>
@@ -1312,7 +1312,7 @@
           </a:ln>
           <a:extLst>
             <a:ext uri="{FAA26D3D-D897-4be2-8F04-BA451C77F1D7}">
-              <ma14:placeholderFlag xmlns="" xmlns:ma14="http://schemas.microsoft.com/office/mac/drawingml/2011/main" val="1"/>
+              <ma14:placeholderFlag xmlns:ma14="http://schemas.microsoft.com/office/mac/drawingml/2011/main" xmlns="" val="1"/>
             </a:ext>
           </a:extLst>
         </p:spPr>
@@ -1321,11 +1321,114 @@
           <a:lstStyle/>
           <a:p>
             <a:pPr eaLnBrk="1" hangingPunct="1"/>
+            <a:r>
+              <a:rPr lang="en-GB" dirty="0" err="1"/>
+              <a:t>ich</a:t>
+            </a:r>
             <a:endParaRPr lang="en-GB" dirty="0"/>
           </a:p>
         </p:txBody>
       </p:sp>
     </p:spTree>
+    <p:extLst>
+      <p:ext uri="{BB962C8B-B14F-4D97-AF65-F5344CB8AC3E}">
+        <p14:creationId xmlns:p14="http://schemas.microsoft.com/office/powerpoint/2010/main" val="885676067"/>
+      </p:ext>
+    </p:extLst>
+  </p:cSld>
+  <p:clrMapOvr>
+    <a:masterClrMapping/>
+  </p:clrMapOvr>
+</p:notes>
+</file>
+
+<file path=ppt/notesSlides/notesSlide2.xml><?xml version="1.0" encoding="utf-8"?>
+<p:notes xmlns:a="http://schemas.openxmlformats.org/drawingml/2006/main" xmlns:r="http://schemas.openxmlformats.org/officeDocument/2006/relationships" xmlns:p="http://schemas.openxmlformats.org/presentationml/2006/main">
+  <p:cSld>
+    <p:spTree>
+      <p:nvGrpSpPr>
+        <p:cNvPr id="1" name=""/>
+        <p:cNvGrpSpPr/>
+        <p:nvPr/>
+      </p:nvGrpSpPr>
+      <p:grpSpPr>
+        <a:xfrm>
+          <a:off x="0" y="0"/>
+          <a:ext cx="0" cy="0"/>
+          <a:chOff x="0" y="0"/>
+          <a:chExt cx="0" cy="0"/>
+        </a:xfrm>
+      </p:grpSpPr>
+      <p:sp>
+        <p:nvSpPr>
+          <p:cNvPr id="2" name="Folienbildplatzhalter 1"/>
+          <p:cNvSpPr>
+            <a:spLocks noGrp="1" noRot="1" noChangeAspect="1"/>
+          </p:cNvSpPr>
+          <p:nvPr>
+            <p:ph type="sldImg"/>
+          </p:nvPr>
+        </p:nvSpPr>
+        <p:spPr/>
+      </p:sp>
+      <p:sp>
+        <p:nvSpPr>
+          <p:cNvPr id="3" name="Notizenplatzhalter 2"/>
+          <p:cNvSpPr>
+            <a:spLocks noGrp="1"/>
+          </p:cNvSpPr>
+          <p:nvPr>
+            <p:ph type="body" idx="1"/>
+          </p:nvPr>
+        </p:nvSpPr>
+        <p:spPr/>
+        <p:txBody>
+          <a:bodyPr/>
+          <a:lstStyle/>
+          <a:p>
+            <a:r>
+              <a:rPr lang="en-US" dirty="0" err="1"/>
+              <a:t>ich</a:t>
+            </a:r>
+            <a:endParaRPr lang="en-US" dirty="0"/>
+          </a:p>
+        </p:txBody>
+      </p:sp>
+      <p:sp>
+        <p:nvSpPr>
+          <p:cNvPr id="4" name="Foliennummernplatzhalter 3"/>
+          <p:cNvSpPr>
+            <a:spLocks noGrp="1"/>
+          </p:cNvSpPr>
+          <p:nvPr>
+            <p:ph type="sldNum" sz="quarter" idx="10"/>
+          </p:nvPr>
+        </p:nvSpPr>
+        <p:spPr/>
+        <p:txBody>
+          <a:bodyPr/>
+          <a:lstStyle/>
+          <a:p>
+            <a:pPr>
+              <a:defRPr/>
+            </a:pPr>
+            <a:fld id="{9DDC5E44-63C0-EF42-9B94-8202B4B6C3D9}" type="slidenum">
+              <a:rPr lang="de-DE" smtClean="0"/>
+              <a:pPr>
+                <a:defRPr/>
+              </a:pPr>
+              <a:t>2</a:t>
+            </a:fld>
+            <a:endParaRPr lang="de-DE"/>
+          </a:p>
+        </p:txBody>
+      </p:sp>
+    </p:spTree>
+    <p:extLst>
+      <p:ext uri="{BB962C8B-B14F-4D97-AF65-F5344CB8AC3E}">
+        <p14:creationId xmlns:p14="http://schemas.microsoft.com/office/powerpoint/2010/main" val="4098114236"/>
+      </p:ext>
+    </p:extLst>
   </p:cSld>
   <p:clrMapOvr>
     <a:masterClrMapping/>
@@ -1499,7 +1602,7 @@
                 <a:latin typeface="Andale Mono" charset="0"/>
               </a:rPr>
               <a:pPr/>
-              <a:t>4</a:t>
+              <a:t>3</a:t>
             </a:fld>
             <a:endParaRPr lang="de-DE" sz="1200">
               <a:latin typeface="Andale Mono" charset="0"/>
@@ -1545,7 +1648,7 @@
           </a:ln>
           <a:extLst>
             <a:ext uri="{FAA26D3D-D897-4be2-8F04-BA451C77F1D7}">
-              <ma14:placeholderFlag xmlns="" xmlns:ma14="http://schemas.microsoft.com/office/mac/drawingml/2011/main" val="1"/>
+              <ma14:placeholderFlag xmlns:ma14="http://schemas.microsoft.com/office/mac/drawingml/2011/main" xmlns="" val="1"/>
             </a:ext>
           </a:extLst>
         </p:spPr>
@@ -1554,16 +1657,15 @@
           <a:lstStyle/>
           <a:p>
             <a:pPr eaLnBrk="1" hangingPunct="1"/>
+            <a:r>
+              <a:rPr lang="en-GB" dirty="0" err="1"/>
+              <a:t>ich</a:t>
+            </a:r>
             <a:endParaRPr lang="en-GB" dirty="0"/>
           </a:p>
         </p:txBody>
       </p:sp>
     </p:spTree>
-    <p:extLst>
-      <p:ext uri="{BB962C8B-B14F-4D97-AF65-F5344CB8AC3E}">
-        <p14:creationId xmlns:p14="http://schemas.microsoft.com/office/powerpoint/2010/main" val="3990224284"/>
-      </p:ext>
-    </p:extLst>
   </p:cSld>
   <p:clrMapOvr>
     <a:masterClrMapping/>
@@ -1737,7 +1839,7 @@
                 <a:latin typeface="Andale Mono" charset="0"/>
               </a:rPr>
               <a:pPr/>
-              <a:t>5</a:t>
+              <a:t>4</a:t>
             </a:fld>
             <a:endParaRPr lang="de-DE" sz="1200">
               <a:latin typeface="Andale Mono" charset="0"/>
@@ -1783,7 +1885,7 @@
           </a:ln>
           <a:extLst>
             <a:ext uri="{FAA26D3D-D897-4be2-8F04-BA451C77F1D7}">
-              <ma14:placeholderFlag xmlns="" xmlns:ma14="http://schemas.microsoft.com/office/mac/drawingml/2011/main" val="1"/>
+              <ma14:placeholderFlag xmlns:ma14="http://schemas.microsoft.com/office/mac/drawingml/2011/main" xmlns="" val="1"/>
             </a:ext>
           </a:extLst>
         </p:spPr>
@@ -1792,11 +1894,20 @@
           <a:lstStyle/>
           <a:p>
             <a:pPr eaLnBrk="1" hangingPunct="1"/>
+            <a:r>
+              <a:rPr lang="en-GB" dirty="0" err="1"/>
+              <a:t>ich</a:t>
+            </a:r>
             <a:endParaRPr lang="en-GB" dirty="0"/>
           </a:p>
         </p:txBody>
       </p:sp>
     </p:spTree>
+    <p:extLst>
+      <p:ext uri="{BB962C8B-B14F-4D97-AF65-F5344CB8AC3E}">
+        <p14:creationId xmlns:p14="http://schemas.microsoft.com/office/powerpoint/2010/main" val="3990224284"/>
+      </p:ext>
+    </p:extLst>
   </p:cSld>
   <p:clrMapOvr>
     <a:masterClrMapping/>
@@ -1970,7 +2081,7 @@
                 <a:latin typeface="Andale Mono" charset="0"/>
               </a:rPr>
               <a:pPr/>
-              <a:t>6</a:t>
+              <a:t>5</a:t>
             </a:fld>
             <a:endParaRPr lang="de-DE" sz="1200">
               <a:latin typeface="Andale Mono" charset="0"/>
@@ -2016,7 +2127,7 @@
           </a:ln>
           <a:extLst>
             <a:ext uri="{FAA26D3D-D897-4be2-8F04-BA451C77F1D7}">
-              <ma14:placeholderFlag xmlns="" xmlns:ma14="http://schemas.microsoft.com/office/mac/drawingml/2011/main" val="1"/>
+              <ma14:placeholderFlag xmlns:ma14="http://schemas.microsoft.com/office/mac/drawingml/2011/main" xmlns="" val="1"/>
             </a:ext>
           </a:extLst>
         </p:spPr>
@@ -2025,16 +2136,14 @@
           <a:lstStyle/>
           <a:p>
             <a:pPr eaLnBrk="1" hangingPunct="1"/>
-            <a:endParaRPr lang="en-GB" dirty="0"/>
+            <a:r>
+              <a:rPr lang="en-GB" dirty="0"/>
+              <a:t>Tom</a:t>
+            </a:r>
           </a:p>
         </p:txBody>
       </p:sp>
     </p:spTree>
-    <p:extLst>
-      <p:ext uri="{BB962C8B-B14F-4D97-AF65-F5344CB8AC3E}">
-        <p14:creationId xmlns:p14="http://schemas.microsoft.com/office/powerpoint/2010/main" val="2003725275"/>
-      </p:ext>
-    </p:extLst>
   </p:cSld>
   <p:clrMapOvr>
     <a:masterClrMapping/>
@@ -2208,7 +2317,7 @@
                 <a:latin typeface="Andale Mono" charset="0"/>
               </a:rPr>
               <a:pPr/>
-              <a:t>7</a:t>
+              <a:t>6</a:t>
             </a:fld>
             <a:endParaRPr lang="de-DE" sz="1200">
               <a:latin typeface="Andale Mono" charset="0"/>
@@ -2254,7 +2363,7 @@
           </a:ln>
           <a:extLst>
             <a:ext uri="{FAA26D3D-D897-4be2-8F04-BA451C77F1D7}">
-              <ma14:placeholderFlag xmlns="" xmlns:ma14="http://schemas.microsoft.com/office/mac/drawingml/2011/main" val="1"/>
+              <ma14:placeholderFlag xmlns:ma14="http://schemas.microsoft.com/office/mac/drawingml/2011/main" xmlns="" val="1"/>
             </a:ext>
           </a:extLst>
         </p:spPr>
@@ -2263,11 +2372,19 @@
           <a:lstStyle/>
           <a:p>
             <a:pPr eaLnBrk="1" hangingPunct="1"/>
-            <a:endParaRPr lang="en-GB" dirty="0"/>
+            <a:r>
+              <a:rPr lang="en-GB" dirty="0"/>
+              <a:t>Tom</a:t>
+            </a:r>
           </a:p>
         </p:txBody>
       </p:sp>
     </p:spTree>
+    <p:extLst>
+      <p:ext uri="{BB962C8B-B14F-4D97-AF65-F5344CB8AC3E}">
+        <p14:creationId xmlns:p14="http://schemas.microsoft.com/office/powerpoint/2010/main" val="2003725275"/>
+      </p:ext>
+    </p:extLst>
   </p:cSld>
   <p:clrMapOvr>
     <a:masterClrMapping/>
@@ -2441,7 +2558,7 @@
                 <a:latin typeface="Andale Mono" charset="0"/>
               </a:rPr>
               <a:pPr/>
-              <a:t>8</a:t>
+              <a:t>7</a:t>
             </a:fld>
             <a:endParaRPr lang="de-DE" sz="1200">
               <a:latin typeface="Andale Mono" charset="0"/>
@@ -2487,7 +2604,7 @@
           </a:ln>
           <a:extLst>
             <a:ext uri="{FAA26D3D-D897-4be2-8F04-BA451C77F1D7}">
-              <ma14:placeholderFlag xmlns="" xmlns:ma14="http://schemas.microsoft.com/office/mac/drawingml/2011/main" val="1"/>
+              <ma14:placeholderFlag xmlns:ma14="http://schemas.microsoft.com/office/mac/drawingml/2011/main" xmlns="" val="1"/>
             </a:ext>
           </a:extLst>
         </p:spPr>
@@ -2495,73 +2612,35 @@
           <a:bodyPr/>
           <a:lstStyle/>
           <a:p>
+            <a:pPr marL="0" marR="0" lvl="0" indent="0" algn="l" defTabSz="914400" rtl="0" eaLnBrk="1" fontAlgn="base" latinLnBrk="0" hangingPunct="1">
+              <a:lnSpc>
+                <a:spcPct val="100000"/>
+              </a:lnSpc>
+              <a:spcBef>
+                <a:spcPct val="30000"/>
+              </a:spcBef>
+              <a:spcAft>
+                <a:spcPct val="0"/>
+              </a:spcAft>
+              <a:buClrTx/>
+              <a:buSzTx/>
+              <a:buFontTx/>
+              <a:buNone/>
+              <a:tabLst/>
+              <a:defRPr/>
+            </a:pPr>
+            <a:r>
+              <a:rPr lang="en-GB" dirty="0"/>
+              <a:t>Tom</a:t>
+            </a:r>
+          </a:p>
+          <a:p>
             <a:pPr eaLnBrk="1" hangingPunct="1"/>
-            <a:r>
-              <a:rPr lang="en-GB" dirty="0" err="1"/>
-              <a:t>Vermutung</a:t>
-            </a:r>
-            <a:r>
-              <a:rPr lang="en-GB" dirty="0"/>
-              <a:t>: command and control </a:t>
-            </a:r>
-            <a:r>
-              <a:rPr lang="en-GB" dirty="0" err="1"/>
-              <a:t>eines</a:t>
-            </a:r>
-            <a:r>
-              <a:rPr lang="en-GB" dirty="0"/>
-              <a:t> Botnets </a:t>
-            </a:r>
-            <a:r>
-              <a:rPr lang="en-GB" dirty="0" err="1"/>
-              <a:t>wurde</a:t>
-            </a:r>
-            <a:r>
-              <a:rPr lang="en-GB" dirty="0"/>
-              <a:t> </a:t>
-            </a:r>
-            <a:r>
-              <a:rPr lang="en-GB" dirty="0" err="1"/>
-              <a:t>über</a:t>
-            </a:r>
-            <a:r>
-              <a:rPr lang="en-GB" dirty="0"/>
-              <a:t> TOR</a:t>
-            </a:r>
-            <a:r>
-              <a:rPr lang="en-GB" dirty="0"/>
-              <a:t> </a:t>
-            </a:r>
-            <a:r>
-              <a:rPr lang="en-GB" dirty="0" err="1"/>
-              <a:t>netzwerk</a:t>
-            </a:r>
-            <a:r>
-              <a:rPr lang="en-GB" dirty="0"/>
-              <a:t> </a:t>
-            </a:r>
-            <a:r>
-              <a:rPr lang="en-GB" dirty="0" err="1"/>
-              <a:t>laufen</a:t>
-            </a:r>
-            <a:r>
-              <a:rPr lang="en-GB" dirty="0"/>
-              <a:t> </a:t>
-            </a:r>
-            <a:r>
-              <a:rPr lang="en-GB" dirty="0" err="1"/>
-              <a:t>gelassen</a:t>
-            </a:r>
             <a:endParaRPr lang="en-GB" dirty="0"/>
           </a:p>
         </p:txBody>
       </p:sp>
     </p:spTree>
-    <p:extLst>
-      <p:ext uri="{BB962C8B-B14F-4D97-AF65-F5344CB8AC3E}">
-        <p14:creationId xmlns:p14="http://schemas.microsoft.com/office/powerpoint/2010/main" val="1295026059"/>
-      </p:ext>
-    </p:extLst>
   </p:cSld>
   <p:clrMapOvr>
     <a:masterClrMapping/>
@@ -2735,7 +2814,7 @@
                 <a:latin typeface="Andale Mono" charset="0"/>
               </a:rPr>
               <a:pPr/>
-              <a:t>9</a:t>
+              <a:t>8</a:t>
             </a:fld>
             <a:endParaRPr lang="de-DE" sz="1200">
               <a:latin typeface="Andale Mono" charset="0"/>
@@ -2781,7 +2860,7 @@
           </a:ln>
           <a:extLst>
             <a:ext uri="{FAA26D3D-D897-4be2-8F04-BA451C77F1D7}">
-              <ma14:placeholderFlag xmlns="" xmlns:ma14="http://schemas.microsoft.com/office/mac/drawingml/2011/main" val="1"/>
+              <ma14:placeholderFlag xmlns:ma14="http://schemas.microsoft.com/office/mac/drawingml/2011/main" xmlns="" val="1"/>
             </a:ext>
           </a:extLst>
         </p:spPr>
@@ -2790,11 +2869,76 @@
           <a:lstStyle/>
           <a:p>
             <a:pPr eaLnBrk="1" hangingPunct="1"/>
+            <a:r>
+              <a:rPr lang="en-GB" dirty="0" err="1"/>
+              <a:t>ich</a:t>
+            </a:r>
+            <a:endParaRPr lang="en-GB" dirty="0"/>
+          </a:p>
+          <a:p>
+            <a:pPr eaLnBrk="1" hangingPunct="1"/>
+            <a:r>
+              <a:rPr lang="en-GB" dirty="0" err="1"/>
+              <a:t>Vermutung</a:t>
+            </a:r>
+            <a:r>
+              <a:rPr lang="en-GB" dirty="0"/>
+              <a:t>: command and control </a:t>
+            </a:r>
+            <a:r>
+              <a:rPr lang="en-GB" dirty="0" err="1"/>
+              <a:t>eines</a:t>
+            </a:r>
+            <a:r>
+              <a:rPr lang="en-GB" dirty="0"/>
+              <a:t> Botnets </a:t>
+            </a:r>
+            <a:r>
+              <a:rPr lang="en-GB" dirty="0" err="1"/>
+              <a:t>wurde</a:t>
+            </a:r>
+            <a:r>
+              <a:rPr lang="en-GB" dirty="0"/>
+              <a:t> </a:t>
+            </a:r>
+            <a:r>
+              <a:rPr lang="en-GB" dirty="0" err="1"/>
+              <a:t>über</a:t>
+            </a:r>
+            <a:r>
+              <a:rPr lang="en-GB" dirty="0"/>
+              <a:t> TOR </a:t>
+            </a:r>
+            <a:r>
+              <a:rPr lang="en-GB" dirty="0" err="1"/>
+              <a:t>netzwerk</a:t>
+            </a:r>
+            <a:r>
+              <a:rPr lang="en-GB" dirty="0"/>
+              <a:t> </a:t>
+            </a:r>
+            <a:r>
+              <a:rPr lang="en-GB" dirty="0" err="1"/>
+              <a:t>laufen</a:t>
+            </a:r>
+            <a:r>
+              <a:rPr lang="en-GB" dirty="0"/>
+              <a:t> </a:t>
+            </a:r>
+            <a:r>
+              <a:rPr lang="en-GB" dirty="0" err="1"/>
+              <a:t>gelassen</a:t>
+            </a:r>
             <a:endParaRPr lang="en-GB" dirty="0"/>
           </a:p>
         </p:txBody>
       </p:sp>
     </p:spTree>
+    <p:extLst>
+      <p:ext uri="{BB962C8B-B14F-4D97-AF65-F5344CB8AC3E}">
+        <p14:creationId xmlns:p14="http://schemas.microsoft.com/office/powerpoint/2010/main" val="1295026059"/>
+      </p:ext>
+    </p:extLst>
   </p:cSld>
   <p:clrMapOvr>
     <a:masterClrMapping/>
@@ -2968,7 +3112,7 @@
                 <a:latin typeface="Andale Mono" charset="0"/>
               </a:rPr>
               <a:pPr/>
-              <a:t>10</a:t>
+              <a:t>9</a:t>
             </a:fld>
             <a:endParaRPr lang="de-DE" sz="1200">
               <a:latin typeface="Andale Mono" charset="0"/>
@@ -3014,7 +3158,7 @@
           </a:ln>
           <a:extLst>
             <a:ext uri="{FAA26D3D-D897-4be2-8F04-BA451C77F1D7}">
-              <ma14:placeholderFlag xmlns="" xmlns:ma14="http://schemas.microsoft.com/office/mac/drawingml/2011/main" val="1"/>
+              <ma14:placeholderFlag xmlns:ma14="http://schemas.microsoft.com/office/mac/drawingml/2011/main" xmlns="" val="1"/>
             </a:ext>
           </a:extLst>
         </p:spPr>
@@ -3023,16 +3167,15 @@
           <a:lstStyle/>
           <a:p>
             <a:pPr eaLnBrk="1" hangingPunct="1"/>
+            <a:r>
+              <a:rPr lang="en-GB" dirty="0" err="1"/>
+              <a:t>ich</a:t>
+            </a:r>
             <a:endParaRPr lang="en-GB" dirty="0"/>
           </a:p>
         </p:txBody>
       </p:sp>
     </p:spTree>
-    <p:extLst>
-      <p:ext uri="{BB962C8B-B14F-4D97-AF65-F5344CB8AC3E}">
-        <p14:creationId xmlns:p14="http://schemas.microsoft.com/office/powerpoint/2010/main" val="885676067"/>
-      </p:ext>
-    </p:extLst>
   </p:cSld>
   <p:clrMapOvr>
     <a:masterClrMapping/>
@@ -3656,7 +3799,7 @@
               </a14:hiddenLine>
             </a:ext>
             <a:ext uri="{FAA26D3D-D897-4be2-8F04-BA451C77F1D7}">
-              <ma14:placeholderFlag xmlns="" xmlns:ma14="http://schemas.microsoft.com/office/mac/drawingml/2011/main" val="1"/>
+              <ma14:placeholderFlag xmlns:ma14="http://schemas.microsoft.com/office/mac/drawingml/2011/main" xmlns="" val="1"/>
             </a:ext>
           </a:extLst>
         </p:spPr>
@@ -3717,7 +3860,7 @@
               </a14:hiddenLine>
             </a:ext>
             <a:ext uri="{FAA26D3D-D897-4be2-8F04-BA451C77F1D7}">
-              <ma14:placeholderFlag xmlns="" xmlns:ma14="http://schemas.microsoft.com/office/mac/drawingml/2011/main" val="1"/>
+              <ma14:placeholderFlag xmlns:ma14="http://schemas.microsoft.com/office/mac/drawingml/2011/main" xmlns="" val="1"/>
             </a:ext>
           </a:extLst>
         </p:spPr>
@@ -5306,11 +5449,7 @@
             </a:r>
             <a:r>
               <a:rPr lang="de-DE" dirty="0"/>
-              <a:t>  vs. </a:t>
-            </a:r>
-            <a:r>
-              <a:rPr lang="de-DE" dirty="0"/>
-              <a:t>Potentia</a:t>
+              <a:t>  vs. Potentia</a:t>
             </a:r>
             <a:r>
               <a:rPr lang="de-DE" dirty="0">
@@ -5955,15 +6094,7 @@
             <a:pPr lvl="1"/>
             <a:r>
               <a:rPr lang="en-US" dirty="0"/>
-              <a:t>JAP: </a:t>
-            </a:r>
-            <a:r>
-              <a:rPr lang="en-US" dirty="0"/>
-              <a:t>Used f</a:t>
-            </a:r>
-            <a:r>
-              <a:rPr lang="en-US" dirty="0"/>
-              <a:t>ixed mix cascades instead of variable circuits</a:t>
+              <a:t>JAP: Used fixed mix cascades instead of variable circuits</a:t>
             </a:r>
           </a:p>
           <a:p>
@@ -8092,8 +8223,8 @@
             <a:effectLst/>
           </p:spPr>
         </p:cxnSp>
-        <mc:AlternateContent xmlns:mc="http://schemas.openxmlformats.org/markup-compatibility/2006">
-          <mc:Choice xmlns:a14="http://schemas.microsoft.com/office/drawing/2010/main" Requires="a14">
+        <mc:AlternateContent xmlns:mc="http://schemas.openxmlformats.org/markup-compatibility/2006" xmlns:a14="http://schemas.microsoft.com/office/drawing/2010/main">
+          <mc:Choice Requires="a14">
             <p:sp>
               <p:nvSpPr>
                 <p:cNvPr id="9" name="Textfeld 8"/>
@@ -8238,7 +8369,7 @@
               </p:txBody>
             </p:sp>
           </mc:Choice>
-          <mc:Fallback>
+          <mc:Fallback xmlns="">
             <p:sp>
               <p:nvSpPr>
                 <p:cNvPr id="9" name="Textfeld 8"/>
@@ -8308,8 +8439,8 @@
             <a:effectLst/>
           </p:spPr>
         </p:cxnSp>
-        <mc:AlternateContent xmlns:mc="http://schemas.openxmlformats.org/markup-compatibility/2006">
-          <mc:Choice xmlns:a14="http://schemas.microsoft.com/office/drawing/2010/main" Requires="a14">
+        <mc:AlternateContent xmlns:mc="http://schemas.openxmlformats.org/markup-compatibility/2006" xmlns:a14="http://schemas.microsoft.com/office/drawing/2010/main">
+          <mc:Choice Requires="a14">
             <p:sp>
               <p:nvSpPr>
                 <p:cNvPr id="13" name="Textfeld 12"/>
@@ -8404,7 +8535,7 @@
               </p:txBody>
             </p:sp>
           </mc:Choice>
-          <mc:Fallback>
+          <mc:Fallback xmlns="">
             <p:sp>
               <p:nvSpPr>
                 <p:cNvPr id="13" name="Textfeld 12"/>
@@ -8474,8 +8605,8 @@
             <a:effectLst/>
           </p:spPr>
         </p:cxnSp>
-        <mc:AlternateContent xmlns:mc="http://schemas.openxmlformats.org/markup-compatibility/2006">
-          <mc:Choice xmlns:a14="http://schemas.microsoft.com/office/drawing/2010/main" Requires="a14">
+        <mc:AlternateContent xmlns:mc="http://schemas.openxmlformats.org/markup-compatibility/2006" xmlns:a14="http://schemas.microsoft.com/office/drawing/2010/main">
+          <mc:Choice Requires="a14">
             <p:sp>
               <p:nvSpPr>
                 <p:cNvPr id="15" name="Textfeld 14"/>
@@ -8591,7 +8722,7 @@
               </p:txBody>
             </p:sp>
           </mc:Choice>
-          <mc:Fallback>
+          <mc:Fallback xmlns="">
             <p:sp>
               <p:nvSpPr>
                 <p:cNvPr id="15" name="Textfeld 14"/>
@@ -8661,8 +8792,8 @@
             <a:effectLst/>
           </p:spPr>
         </p:cxnSp>
-        <mc:AlternateContent xmlns:mc="http://schemas.openxmlformats.org/markup-compatibility/2006">
-          <mc:Choice xmlns:a14="http://schemas.microsoft.com/office/drawing/2010/main" Requires="a14">
+        <mc:AlternateContent xmlns:mc="http://schemas.openxmlformats.org/markup-compatibility/2006" xmlns:a14="http://schemas.microsoft.com/office/drawing/2010/main">
+          <mc:Choice Requires="a14">
             <p:sp>
               <p:nvSpPr>
                 <p:cNvPr id="23" name="Textfeld 22"/>
@@ -8764,7 +8895,7 @@
               </p:txBody>
             </p:sp>
           </mc:Choice>
-          <mc:Fallback>
+          <mc:Fallback xmlns="">
             <p:sp>
               <p:nvSpPr>
                 <p:cNvPr id="23" name="Textfeld 22"/>
@@ -8804,8 +8935,8 @@
           </mc:Fallback>
         </mc:AlternateContent>
       </p:grpSp>
-      <mc:AlternateContent xmlns:mc="http://schemas.openxmlformats.org/markup-compatibility/2006">
-        <mc:Choice xmlns:a14="http://schemas.microsoft.com/office/drawing/2010/main" Requires="a14">
+      <mc:AlternateContent xmlns:mc="http://schemas.openxmlformats.org/markup-compatibility/2006" xmlns:a14="http://schemas.microsoft.com/office/drawing/2010/main">
+        <mc:Choice Requires="a14">
           <p:sp>
             <p:nvSpPr>
               <p:cNvPr id="30" name="Textfeld 29"/>
@@ -8828,6 +8959,7 @@
               </a:bodyPr>
               <a:lstStyle/>
               <a:p>
+                <a:pPr/>
                 <a14:m>
                   <m:oMathPara xmlns:m="http://schemas.openxmlformats.org/officeDocument/2006/math">
                     <m:oMathParaPr>
@@ -8879,7 +9011,7 @@
             </p:txBody>
           </p:sp>
         </mc:Choice>
-        <mc:Fallback>
+        <mc:Fallback xmlns="">
           <p:sp>
             <p:nvSpPr>
               <p:cNvPr id="30" name="Textfeld 29"/>
@@ -8918,8 +9050,8 @@
           </p:sp>
         </mc:Fallback>
       </mc:AlternateContent>
-      <mc:AlternateContent xmlns:mc="http://schemas.openxmlformats.org/markup-compatibility/2006">
-        <mc:Choice xmlns:a14="http://schemas.microsoft.com/office/drawing/2010/main" Requires="a14">
+      <mc:AlternateContent xmlns:mc="http://schemas.openxmlformats.org/markup-compatibility/2006" xmlns:a14="http://schemas.microsoft.com/office/drawing/2010/main">
+        <mc:Choice Requires="a14">
           <p:sp>
             <p:nvSpPr>
               <p:cNvPr id="33" name="Textfeld 32"/>
@@ -8942,6 +9074,7 @@
               </a:bodyPr>
               <a:lstStyle/>
               <a:p>
+                <a:pPr/>
                 <a14:m>
                   <m:oMathPara xmlns:m="http://schemas.openxmlformats.org/officeDocument/2006/math">
                     <m:oMathParaPr>
@@ -8993,7 +9126,7 @@
             </p:txBody>
           </p:sp>
         </mc:Choice>
-        <mc:Fallback>
+        <mc:Fallback xmlns="">
           <p:sp>
             <p:nvSpPr>
               <p:cNvPr id="33" name="Textfeld 32"/>
@@ -9148,8 +9281,8 @@
           </a:p>
         </p:txBody>
       </p:sp>
-      <mc:AlternateContent xmlns:mc="http://schemas.openxmlformats.org/markup-compatibility/2006">
-        <mc:Choice xmlns:a14="http://schemas.microsoft.com/office/drawing/2010/main" Requires="a14">
+      <mc:AlternateContent xmlns:mc="http://schemas.openxmlformats.org/markup-compatibility/2006" xmlns:a14="http://schemas.microsoft.com/office/drawing/2010/main">
+        <mc:Choice Requires="a14">
           <p:sp>
             <p:nvSpPr>
               <p:cNvPr id="42" name="Textfeld 41"/>
@@ -9172,6 +9305,7 @@
               </a:bodyPr>
               <a:lstStyle/>
               <a:p>
+                <a:pPr/>
                 <a14:m>
                   <m:oMathPara xmlns:m="http://schemas.openxmlformats.org/officeDocument/2006/math">
                     <m:oMathParaPr>
@@ -9219,7 +9353,7 @@
             </p:txBody>
           </p:sp>
         </mc:Choice>
-        <mc:Fallback>
+        <mc:Fallback xmlns="">
           <p:sp>
             <p:nvSpPr>
               <p:cNvPr id="42" name="Textfeld 41"/>

--- a/presentation/TemplateSlides2016.pptx
+++ b/presentation/TemplateSlides2016.pptx
@@ -18,8 +18,8 @@
     <p:sldId id="667" r:id="rId6"/>
     <p:sldId id="673" r:id="rId7"/>
     <p:sldId id="668" r:id="rId8"/>
-    <p:sldId id="670" r:id="rId9"/>
-    <p:sldId id="669" r:id="rId10"/>
+    <p:sldId id="669" r:id="rId9"/>
+    <p:sldId id="670" r:id="rId10"/>
     <p:sldId id="672" r:id="rId11"/>
   </p:sldIdLst>
   <p:sldSz cx="9144000" cy="6858000" type="screen4x3"/>
@@ -518,7 +518,7 @@
               </a14:hiddenFill>
             </a:ext>
             <a:ext uri="{FAA26D3D-D897-4be2-8F04-BA451C77F1D7}">
-              <ma14:placeholderFlag xmlns:ma14="http://schemas.microsoft.com/office/mac/drawingml/2011/main" xmlns="" val="1"/>
+              <ma14:placeholderFlag xmlns="" xmlns:ma14="http://schemas.microsoft.com/office/mac/drawingml/2011/main" val="1"/>
             </a:ext>
           </a:extLst>
         </p:spPr>
@@ -1312,7 +1312,7 @@
           </a:ln>
           <a:extLst>
             <a:ext uri="{FAA26D3D-D897-4be2-8F04-BA451C77F1D7}">
-              <ma14:placeholderFlag xmlns:ma14="http://schemas.microsoft.com/office/mac/drawingml/2011/main" xmlns="" val="1"/>
+              <ma14:placeholderFlag xmlns="" xmlns:ma14="http://schemas.microsoft.com/office/mac/drawingml/2011/main" val="1"/>
             </a:ext>
           </a:extLst>
         </p:spPr>
@@ -1648,7 +1648,7 @@
           </a:ln>
           <a:extLst>
             <a:ext uri="{FAA26D3D-D897-4be2-8F04-BA451C77F1D7}">
-              <ma14:placeholderFlag xmlns:ma14="http://schemas.microsoft.com/office/mac/drawingml/2011/main" xmlns="" val="1"/>
+              <ma14:placeholderFlag xmlns="" xmlns:ma14="http://schemas.microsoft.com/office/mac/drawingml/2011/main" val="1"/>
             </a:ext>
           </a:extLst>
         </p:spPr>
@@ -1885,7 +1885,7 @@
           </a:ln>
           <a:extLst>
             <a:ext uri="{FAA26D3D-D897-4be2-8F04-BA451C77F1D7}">
-              <ma14:placeholderFlag xmlns:ma14="http://schemas.microsoft.com/office/mac/drawingml/2011/main" xmlns="" val="1"/>
+              <ma14:placeholderFlag xmlns="" xmlns:ma14="http://schemas.microsoft.com/office/mac/drawingml/2011/main" val="1"/>
             </a:ext>
           </a:extLst>
         </p:spPr>
@@ -2127,7 +2127,7 @@
           </a:ln>
           <a:extLst>
             <a:ext uri="{FAA26D3D-D897-4be2-8F04-BA451C77F1D7}">
-              <ma14:placeholderFlag xmlns:ma14="http://schemas.microsoft.com/office/mac/drawingml/2011/main" xmlns="" val="1"/>
+              <ma14:placeholderFlag xmlns="" xmlns:ma14="http://schemas.microsoft.com/office/mac/drawingml/2011/main" val="1"/>
             </a:ext>
           </a:extLst>
         </p:spPr>
@@ -2363,7 +2363,7 @@
           </a:ln>
           <a:extLst>
             <a:ext uri="{FAA26D3D-D897-4be2-8F04-BA451C77F1D7}">
-              <ma14:placeholderFlag xmlns:ma14="http://schemas.microsoft.com/office/mac/drawingml/2011/main" xmlns="" val="1"/>
+              <ma14:placeholderFlag xmlns="" xmlns:ma14="http://schemas.microsoft.com/office/mac/drawingml/2011/main" val="1"/>
             </a:ext>
           </a:extLst>
         </p:spPr>
@@ -2604,7 +2604,7 @@
           </a:ln>
           <a:extLst>
             <a:ext uri="{FAA26D3D-D897-4be2-8F04-BA451C77F1D7}">
-              <ma14:placeholderFlag xmlns:ma14="http://schemas.microsoft.com/office/mac/drawingml/2011/main" xmlns="" val="1"/>
+              <ma14:placeholderFlag xmlns="" xmlns:ma14="http://schemas.microsoft.com/office/mac/drawingml/2011/main" val="1"/>
             </a:ext>
           </a:extLst>
         </p:spPr>
@@ -2860,7 +2860,7 @@
           </a:ln>
           <a:extLst>
             <a:ext uri="{FAA26D3D-D897-4be2-8F04-BA451C77F1D7}">
-              <ma14:placeholderFlag xmlns:ma14="http://schemas.microsoft.com/office/mac/drawingml/2011/main" xmlns="" val="1"/>
+              <ma14:placeholderFlag xmlns="" xmlns:ma14="http://schemas.microsoft.com/office/mac/drawingml/2011/main" val="1"/>
             </a:ext>
           </a:extLst>
         </p:spPr>
@@ -2875,70 +2875,9 @@
             </a:r>
             <a:endParaRPr lang="en-GB" dirty="0"/>
           </a:p>
-          <a:p>
-            <a:pPr eaLnBrk="1" hangingPunct="1"/>
-            <a:r>
-              <a:rPr lang="en-GB" dirty="0" err="1"/>
-              <a:t>Vermutung</a:t>
-            </a:r>
-            <a:r>
-              <a:rPr lang="en-GB" dirty="0"/>
-              <a:t>: command and control </a:t>
-            </a:r>
-            <a:r>
-              <a:rPr lang="en-GB" dirty="0" err="1"/>
-              <a:t>eines</a:t>
-            </a:r>
-            <a:r>
-              <a:rPr lang="en-GB" dirty="0"/>
-              <a:t> Botnets </a:t>
-            </a:r>
-            <a:r>
-              <a:rPr lang="en-GB" dirty="0" err="1"/>
-              <a:t>wurde</a:t>
-            </a:r>
-            <a:r>
-              <a:rPr lang="en-GB" dirty="0"/>
-              <a:t> </a:t>
-            </a:r>
-            <a:r>
-              <a:rPr lang="en-GB" dirty="0" err="1"/>
-              <a:t>über</a:t>
-            </a:r>
-            <a:r>
-              <a:rPr lang="en-GB" dirty="0"/>
-              <a:t> TOR </a:t>
-            </a:r>
-            <a:r>
-              <a:rPr lang="en-GB" dirty="0" err="1"/>
-              <a:t>netzwerk</a:t>
-            </a:r>
-            <a:r>
-              <a:rPr lang="en-GB" dirty="0"/>
-              <a:t> </a:t>
-            </a:r>
-            <a:r>
-              <a:rPr lang="en-GB" dirty="0" err="1"/>
-              <a:t>laufen</a:t>
-            </a:r>
-            <a:r>
-              <a:rPr lang="en-GB" dirty="0"/>
-              <a:t> </a:t>
-            </a:r>
-            <a:r>
-              <a:rPr lang="en-GB" dirty="0" err="1"/>
-              <a:t>gelassen</a:t>
-            </a:r>
-            <a:endParaRPr lang="en-GB" dirty="0"/>
-          </a:p>
         </p:txBody>
       </p:sp>
     </p:spTree>
-    <p:extLst>
-      <p:ext uri="{BB962C8B-B14F-4D97-AF65-F5344CB8AC3E}">
-        <p14:creationId xmlns:p14="http://schemas.microsoft.com/office/powerpoint/2010/main" val="1295026059"/>
-      </p:ext>
-    </p:extLst>
   </p:cSld>
   <p:clrMapOvr>
     <a:masterClrMapping/>
@@ -3158,7 +3097,7 @@
           </a:ln>
           <a:extLst>
             <a:ext uri="{FAA26D3D-D897-4be2-8F04-BA451C77F1D7}">
-              <ma14:placeholderFlag xmlns:ma14="http://schemas.microsoft.com/office/mac/drawingml/2011/main" xmlns="" val="1"/>
+              <ma14:placeholderFlag xmlns="" xmlns:ma14="http://schemas.microsoft.com/office/mac/drawingml/2011/main" val="1"/>
             </a:ext>
           </a:extLst>
         </p:spPr>
@@ -3173,9 +3112,70 @@
             </a:r>
             <a:endParaRPr lang="en-GB" dirty="0"/>
           </a:p>
+          <a:p>
+            <a:pPr eaLnBrk="1" hangingPunct="1"/>
+            <a:r>
+              <a:rPr lang="en-GB" dirty="0" err="1"/>
+              <a:t>Vermutung</a:t>
+            </a:r>
+            <a:r>
+              <a:rPr lang="en-GB" dirty="0"/>
+              <a:t>: command and control </a:t>
+            </a:r>
+            <a:r>
+              <a:rPr lang="en-GB" dirty="0" err="1"/>
+              <a:t>eines</a:t>
+            </a:r>
+            <a:r>
+              <a:rPr lang="en-GB" dirty="0"/>
+              <a:t> Botnets </a:t>
+            </a:r>
+            <a:r>
+              <a:rPr lang="en-GB" dirty="0" err="1"/>
+              <a:t>wurde</a:t>
+            </a:r>
+            <a:r>
+              <a:rPr lang="en-GB" dirty="0"/>
+              <a:t> </a:t>
+            </a:r>
+            <a:r>
+              <a:rPr lang="en-GB" dirty="0" err="1"/>
+              <a:t>über</a:t>
+            </a:r>
+            <a:r>
+              <a:rPr lang="en-GB" dirty="0"/>
+              <a:t> TOR </a:t>
+            </a:r>
+            <a:r>
+              <a:rPr lang="en-GB" dirty="0" err="1"/>
+              <a:t>netzwerk</a:t>
+            </a:r>
+            <a:r>
+              <a:rPr lang="en-GB" dirty="0"/>
+              <a:t> </a:t>
+            </a:r>
+            <a:r>
+              <a:rPr lang="en-GB" dirty="0" err="1"/>
+              <a:t>laufen</a:t>
+            </a:r>
+            <a:r>
+              <a:rPr lang="en-GB" dirty="0"/>
+              <a:t> </a:t>
+            </a:r>
+            <a:r>
+              <a:rPr lang="en-GB" dirty="0" err="1"/>
+              <a:t>gelassen</a:t>
+            </a:r>
+            <a:endParaRPr lang="en-GB" dirty="0"/>
+          </a:p>
         </p:txBody>
       </p:sp>
     </p:spTree>
+    <p:extLst>
+      <p:ext uri="{BB962C8B-B14F-4D97-AF65-F5344CB8AC3E}">
+        <p14:creationId xmlns:p14="http://schemas.microsoft.com/office/powerpoint/2010/main" val="1295026059"/>
+      </p:ext>
+    </p:extLst>
   </p:cSld>
   <p:clrMapOvr>
     <a:masterClrMapping/>
@@ -3799,7 +3799,7 @@
               </a14:hiddenLine>
             </a:ext>
             <a:ext uri="{FAA26D3D-D897-4be2-8F04-BA451C77F1D7}">
-              <ma14:placeholderFlag xmlns:ma14="http://schemas.microsoft.com/office/mac/drawingml/2011/main" xmlns="" val="1"/>
+              <ma14:placeholderFlag xmlns="" xmlns:ma14="http://schemas.microsoft.com/office/mac/drawingml/2011/main" val="1"/>
             </a:ext>
           </a:extLst>
         </p:spPr>
@@ -3860,7 +3860,7 @@
               </a14:hiddenLine>
             </a:ext>
             <a:ext uri="{FAA26D3D-D897-4be2-8F04-BA451C77F1D7}">
-              <ma14:placeholderFlag xmlns:ma14="http://schemas.microsoft.com/office/mac/drawingml/2011/main" xmlns="" val="1"/>
+              <ma14:placeholderFlag xmlns="" xmlns:ma14="http://schemas.microsoft.com/office/mac/drawingml/2011/main" val="1"/>
             </a:ext>
           </a:extLst>
         </p:spPr>
@@ -9719,40 +9719,519 @@
           </a:p>
         </p:txBody>
       </p:sp>
-      <p:pic>
-        <p:nvPicPr>
-          <p:cNvPr id="2" name="Grafik 1"/>
-          <p:cNvPicPr>
-            <a:picLocks noChangeAspect="1"/>
-          </p:cNvPicPr>
-          <p:nvPr/>
-        </p:nvPicPr>
-        <p:blipFill>
-          <a:blip r:embed="rId3">
-            <a:extLst>
-              <a:ext uri="{96DAC541-7B7A-43D3-8B79-37D633B846F1}">
-                <asvg:svgBlip xmlns:asvg="http://schemas.microsoft.com/office/drawing/2016/SVG/main" r:embed="rId4"/>
-              </a:ext>
-            </a:extLst>
-          </a:blip>
-          <a:stretch>
-            <a:fillRect/>
-          </a:stretch>
-        </p:blipFill>
+      <p:sp>
+        <p:nvSpPr>
+          <p:cNvPr id="12315" name="Rectangle 28"/>
+          <p:cNvSpPr>
+            <a:spLocks noGrp="1" noChangeArrowheads="1"/>
+          </p:cNvSpPr>
+          <p:nvPr>
+            <p:ph type="body" idx="1"/>
+          </p:nvPr>
+        </p:nvSpPr>
         <p:spPr>
           <a:xfrm>
-            <a:off x="179512" y="1340768"/>
-            <a:ext cx="8204448" cy="5127780"/>
+            <a:off x="457200" y="1219200"/>
+            <a:ext cx="8458200" cy="1066800"/>
           </a:xfrm>
-          <a:prstGeom prst="rect">
-            <a:avLst/>
-          </a:prstGeom>
         </p:spPr>
-      </p:pic>
+        <p:txBody>
+          <a:bodyPr/>
+          <a:lstStyle/>
+          <a:p>
+            <a:pPr eaLnBrk="1" hangingPunct="1"/>
+            <a:r>
+              <a:rPr lang="de-DE" dirty="0" err="1">
+                <a:latin typeface="Calibri"/>
+              </a:rPr>
+              <a:t>Upsides</a:t>
+            </a:r>
+            <a:r>
+              <a:rPr lang="de-DE" dirty="0">
+                <a:latin typeface="Calibri"/>
+              </a:rPr>
+              <a:t>: </a:t>
+            </a:r>
+          </a:p>
+          <a:p>
+            <a:pPr lvl="1"/>
+            <a:r>
+              <a:rPr lang="de-DE" dirty="0" err="1"/>
+              <a:t>Protect</a:t>
+            </a:r>
+            <a:r>
+              <a:rPr lang="de-DE" dirty="0"/>
+              <a:t> </a:t>
+            </a:r>
+            <a:r>
+              <a:rPr lang="de-DE" dirty="0" err="1"/>
+              <a:t>your</a:t>
+            </a:r>
+            <a:r>
+              <a:rPr lang="de-DE" dirty="0"/>
+              <a:t> </a:t>
+            </a:r>
+            <a:r>
+              <a:rPr lang="de-DE" dirty="0" err="1"/>
+              <a:t>privacy</a:t>
+            </a:r>
+            <a:r>
+              <a:rPr lang="de-DE" dirty="0"/>
+              <a:t>, </a:t>
+            </a:r>
+            <a:r>
+              <a:rPr lang="de-DE" dirty="0" err="1"/>
+              <a:t>fight</a:t>
+            </a:r>
+            <a:r>
+              <a:rPr lang="de-DE" dirty="0"/>
+              <a:t> </a:t>
+            </a:r>
+            <a:r>
+              <a:rPr lang="de-DE" dirty="0" err="1"/>
+              <a:t>mass</a:t>
+            </a:r>
+            <a:r>
+              <a:rPr lang="de-DE" dirty="0"/>
+              <a:t> </a:t>
+            </a:r>
+            <a:r>
+              <a:rPr lang="de-DE" dirty="0" err="1"/>
+              <a:t>surveillance</a:t>
+            </a:r>
+            <a:r>
+              <a:rPr lang="de-DE" dirty="0"/>
+              <a:t>, </a:t>
+            </a:r>
+            <a:r>
+              <a:rPr lang="de-DE" dirty="0" err="1"/>
+              <a:t>circumvent</a:t>
+            </a:r>
+            <a:r>
+              <a:rPr lang="de-DE" dirty="0"/>
+              <a:t> </a:t>
+            </a:r>
+            <a:r>
+              <a:rPr lang="de-DE" dirty="0" err="1"/>
+              <a:t>censorship</a:t>
+            </a:r>
+            <a:endParaRPr lang="de-DE" dirty="0">
+              <a:latin typeface="Calibri"/>
+            </a:endParaRPr>
+          </a:p>
+          <a:p>
+            <a:pPr lvl="1"/>
+            <a:r>
+              <a:rPr lang="de-DE" dirty="0" err="1">
+                <a:latin typeface="Calibri"/>
+              </a:rPr>
+              <a:t>Used</a:t>
+            </a:r>
+            <a:r>
+              <a:rPr lang="de-DE" dirty="0">
+                <a:latin typeface="Calibri"/>
+              </a:rPr>
+              <a:t> </a:t>
+            </a:r>
+            <a:r>
+              <a:rPr lang="de-DE" dirty="0" err="1">
+                <a:latin typeface="Calibri"/>
+              </a:rPr>
+              <a:t>by</a:t>
+            </a:r>
+            <a:r>
+              <a:rPr lang="de-DE" dirty="0">
+                <a:latin typeface="Calibri"/>
+              </a:rPr>
+              <a:t> </a:t>
+            </a:r>
+            <a:r>
+              <a:rPr lang="de-DE" dirty="0" err="1">
+                <a:latin typeface="Calibri"/>
+              </a:rPr>
+              <a:t>businesses</a:t>
+            </a:r>
+            <a:r>
+              <a:rPr lang="de-DE" dirty="0">
+                <a:latin typeface="Calibri"/>
+              </a:rPr>
+              <a:t>, human </a:t>
+            </a:r>
+            <a:r>
+              <a:rPr lang="de-DE" dirty="0" err="1">
+                <a:latin typeface="Calibri"/>
+              </a:rPr>
+              <a:t>rights</a:t>
+            </a:r>
+            <a:r>
+              <a:rPr lang="de-DE" dirty="0">
+                <a:latin typeface="Calibri"/>
+              </a:rPr>
+              <a:t> </a:t>
+            </a:r>
+            <a:r>
+              <a:rPr lang="de-DE" dirty="0" err="1">
+                <a:latin typeface="Calibri"/>
+              </a:rPr>
+              <a:t>activists</a:t>
+            </a:r>
+            <a:r>
+              <a:rPr lang="de-DE" dirty="0">
+                <a:latin typeface="Calibri"/>
+              </a:rPr>
+              <a:t> </a:t>
+            </a:r>
+            <a:r>
+              <a:rPr lang="de-DE" dirty="0" err="1">
+                <a:latin typeface="Calibri"/>
+              </a:rPr>
+              <a:t>or</a:t>
+            </a:r>
+            <a:r>
+              <a:rPr lang="de-DE" dirty="0">
+                <a:latin typeface="Calibri"/>
+              </a:rPr>
+              <a:t> </a:t>
+            </a:r>
+            <a:r>
+              <a:rPr lang="de-DE" dirty="0" err="1">
+                <a:latin typeface="Calibri"/>
+              </a:rPr>
+              <a:t>whistleblowers</a:t>
+            </a:r>
+            <a:r>
+              <a:rPr lang="de-DE" dirty="0">
+                <a:latin typeface="Calibri"/>
+              </a:rPr>
+              <a:t>, </a:t>
+            </a:r>
+            <a:r>
+              <a:rPr lang="de-DE" dirty="0" err="1">
+                <a:latin typeface="Calibri"/>
+              </a:rPr>
+              <a:t>journalists</a:t>
+            </a:r>
+            <a:r>
+              <a:rPr lang="de-DE" dirty="0">
+                <a:latin typeface="Calibri"/>
+              </a:rPr>
+              <a:t>, …</a:t>
+            </a:r>
+          </a:p>
+          <a:p>
+            <a:endParaRPr lang="de-DE" dirty="0">
+              <a:latin typeface="Calibri"/>
+            </a:endParaRPr>
+          </a:p>
+          <a:p>
+            <a:r>
+              <a:rPr lang="de-DE" dirty="0" err="1">
+                <a:latin typeface="Calibri"/>
+              </a:rPr>
+              <a:t>Downsides</a:t>
+            </a:r>
+            <a:r>
+              <a:rPr lang="de-DE" dirty="0">
+                <a:latin typeface="Calibri"/>
+              </a:rPr>
+              <a:t>:</a:t>
+            </a:r>
+          </a:p>
+          <a:p>
+            <a:pPr lvl="1"/>
+            <a:r>
+              <a:rPr lang="de-DE" dirty="0">
+                <a:latin typeface="Calibri"/>
+              </a:rPr>
+              <a:t>Non-legal </a:t>
+            </a:r>
+            <a:r>
+              <a:rPr lang="de-DE" dirty="0" err="1">
+                <a:latin typeface="Calibri"/>
+              </a:rPr>
+              <a:t>marketplaces</a:t>
+            </a:r>
+            <a:r>
+              <a:rPr lang="de-DE" dirty="0">
+                <a:latin typeface="Calibri"/>
+              </a:rPr>
+              <a:t> like </a:t>
+            </a:r>
+            <a:r>
+              <a:rPr lang="de-DE" dirty="0" err="1">
+                <a:latin typeface="Calibri"/>
+              </a:rPr>
+              <a:t>SilkRoad</a:t>
+            </a:r>
+            <a:r>
+              <a:rPr lang="de-DE" dirty="0">
+                <a:latin typeface="Calibri"/>
+              </a:rPr>
+              <a:t> </a:t>
+            </a:r>
+          </a:p>
+          <a:p>
+            <a:pPr lvl="1"/>
+            <a:r>
+              <a:rPr lang="de-DE" dirty="0">
+                <a:latin typeface="Calibri"/>
+              </a:rPr>
+              <a:t>Command &amp; </a:t>
+            </a:r>
+            <a:r>
+              <a:rPr lang="de-DE" dirty="0" err="1">
+                <a:latin typeface="Calibri"/>
+              </a:rPr>
+              <a:t>control</a:t>
+            </a:r>
+            <a:r>
+              <a:rPr lang="de-DE" dirty="0">
+                <a:latin typeface="Calibri"/>
+              </a:rPr>
+              <a:t> </a:t>
+            </a:r>
+            <a:r>
+              <a:rPr lang="de-DE" dirty="0" err="1">
+                <a:latin typeface="Calibri"/>
+              </a:rPr>
+              <a:t>server</a:t>
+            </a:r>
+            <a:r>
+              <a:rPr lang="de-DE" dirty="0">
+                <a:latin typeface="Calibri"/>
+              </a:rPr>
+              <a:t> </a:t>
+            </a:r>
+            <a:r>
+              <a:rPr lang="de-DE" dirty="0" err="1">
+                <a:latin typeface="Calibri"/>
+              </a:rPr>
+              <a:t>for</a:t>
+            </a:r>
+            <a:r>
+              <a:rPr lang="de-DE" dirty="0">
+                <a:latin typeface="Calibri"/>
+              </a:rPr>
+              <a:t> </a:t>
+            </a:r>
+            <a:r>
+              <a:rPr lang="de-DE" dirty="0" err="1">
+                <a:latin typeface="Calibri"/>
+              </a:rPr>
+              <a:t>botnets</a:t>
+            </a:r>
+            <a:endParaRPr lang="de-DE" dirty="0">
+              <a:latin typeface="Calibri"/>
+            </a:endParaRPr>
+          </a:p>
+          <a:p>
+            <a:endParaRPr lang="de-DE" dirty="0">
+              <a:latin typeface="Calibri"/>
+            </a:endParaRPr>
+          </a:p>
+          <a:p>
+            <a:r>
+              <a:rPr lang="de-DE" dirty="0" err="1">
+                <a:latin typeface="Calibri"/>
+              </a:rPr>
+              <a:t>Influence</a:t>
+            </a:r>
+            <a:r>
+              <a:rPr lang="de-DE" dirty="0">
+                <a:latin typeface="Calibri"/>
+              </a:rPr>
+              <a:t> </a:t>
+            </a:r>
+            <a:r>
+              <a:rPr lang="de-DE" dirty="0" err="1">
+                <a:latin typeface="Calibri"/>
+              </a:rPr>
+              <a:t>of</a:t>
+            </a:r>
+            <a:r>
+              <a:rPr lang="de-DE" dirty="0">
+                <a:latin typeface="Calibri"/>
+              </a:rPr>
+              <a:t> </a:t>
+            </a:r>
+            <a:r>
+              <a:rPr lang="de-DE" dirty="0" err="1">
+                <a:latin typeface="Calibri"/>
+              </a:rPr>
+              <a:t>the</a:t>
+            </a:r>
+            <a:r>
+              <a:rPr lang="de-DE" dirty="0">
+                <a:latin typeface="Calibri"/>
+              </a:rPr>
+              <a:t> </a:t>
+            </a:r>
+            <a:r>
+              <a:rPr lang="de-DE" dirty="0" err="1">
+                <a:latin typeface="Calibri"/>
+              </a:rPr>
+              <a:t>paper</a:t>
+            </a:r>
+            <a:endParaRPr lang="de-DE" dirty="0">
+              <a:latin typeface="Calibri"/>
+            </a:endParaRPr>
+          </a:p>
+          <a:p>
+            <a:pPr lvl="1"/>
+            <a:r>
+              <a:rPr lang="de-DE" dirty="0" err="1">
+                <a:latin typeface="Calibri"/>
+              </a:rPr>
+              <a:t>Cited</a:t>
+            </a:r>
+            <a:r>
+              <a:rPr lang="de-DE" dirty="0">
+                <a:latin typeface="Calibri"/>
+              </a:rPr>
+              <a:t> </a:t>
+            </a:r>
+            <a:r>
+              <a:rPr lang="de-DE" dirty="0" err="1">
+                <a:latin typeface="Calibri"/>
+              </a:rPr>
+              <a:t>more</a:t>
+            </a:r>
+            <a:r>
+              <a:rPr lang="de-DE" dirty="0">
+                <a:latin typeface="Calibri"/>
+              </a:rPr>
+              <a:t> </a:t>
+            </a:r>
+            <a:r>
+              <a:rPr lang="de-DE" dirty="0" err="1">
+                <a:latin typeface="Calibri"/>
+              </a:rPr>
+              <a:t>than</a:t>
+            </a:r>
+            <a:r>
+              <a:rPr lang="de-DE" dirty="0">
+                <a:latin typeface="Calibri"/>
+              </a:rPr>
+              <a:t> 3000 </a:t>
+            </a:r>
+            <a:r>
+              <a:rPr lang="de-DE" dirty="0" err="1">
+                <a:latin typeface="Calibri"/>
+              </a:rPr>
+              <a:t>times</a:t>
+            </a:r>
+            <a:endParaRPr lang="de-DE" dirty="0">
+              <a:latin typeface="Calibri"/>
+            </a:endParaRPr>
+          </a:p>
+          <a:p>
+            <a:pPr lvl="1"/>
+            <a:r>
+              <a:rPr lang="de-DE" dirty="0">
+                <a:latin typeface="Calibri"/>
+              </a:rPr>
+              <a:t>Tor </a:t>
+            </a:r>
+            <a:r>
+              <a:rPr lang="de-DE" dirty="0" err="1">
+                <a:latin typeface="Calibri"/>
+              </a:rPr>
+              <a:t>is</a:t>
+            </a:r>
+            <a:r>
+              <a:rPr lang="de-DE" dirty="0">
+                <a:latin typeface="Calibri"/>
+              </a:rPr>
+              <a:t> </a:t>
+            </a:r>
+            <a:r>
+              <a:rPr lang="de-DE" dirty="0" err="1">
+                <a:latin typeface="Calibri"/>
+              </a:rPr>
+              <a:t>currently</a:t>
+            </a:r>
+            <a:r>
+              <a:rPr lang="de-DE" dirty="0">
+                <a:latin typeface="Calibri"/>
+              </a:rPr>
+              <a:t> </a:t>
+            </a:r>
+            <a:r>
+              <a:rPr lang="de-DE" dirty="0" err="1">
+                <a:latin typeface="Calibri"/>
+              </a:rPr>
+              <a:t>used</a:t>
+            </a:r>
+            <a:r>
+              <a:rPr lang="de-DE" dirty="0">
+                <a:latin typeface="Calibri"/>
+              </a:rPr>
+              <a:t> </a:t>
+            </a:r>
+            <a:r>
+              <a:rPr lang="de-DE" dirty="0" err="1">
+                <a:latin typeface="Calibri"/>
+              </a:rPr>
+              <a:t>by</a:t>
+            </a:r>
+            <a:r>
+              <a:rPr lang="de-DE" dirty="0">
+                <a:latin typeface="Calibri"/>
+              </a:rPr>
+              <a:t> </a:t>
+            </a:r>
+            <a:r>
+              <a:rPr lang="de-DE" dirty="0" err="1">
+                <a:latin typeface="Calibri"/>
+              </a:rPr>
+              <a:t>round</a:t>
+            </a:r>
+            <a:r>
+              <a:rPr lang="de-DE" dirty="0">
+                <a:latin typeface="Calibri"/>
+              </a:rPr>
+              <a:t> </a:t>
+            </a:r>
+            <a:r>
+              <a:rPr lang="de-DE" dirty="0" err="1">
+                <a:latin typeface="Calibri"/>
+              </a:rPr>
+              <a:t>about</a:t>
+            </a:r>
+            <a:r>
+              <a:rPr lang="de-DE" dirty="0">
+                <a:latin typeface="Calibri"/>
+              </a:rPr>
+              <a:t> 2 </a:t>
+            </a:r>
+            <a:r>
+              <a:rPr lang="de-DE" dirty="0" err="1">
+                <a:latin typeface="Calibri"/>
+              </a:rPr>
+              <a:t>million</a:t>
+            </a:r>
+            <a:r>
+              <a:rPr lang="de-DE" dirty="0">
+                <a:latin typeface="Calibri"/>
+              </a:rPr>
+              <a:t> </a:t>
+            </a:r>
+            <a:r>
+              <a:rPr lang="de-DE" dirty="0" err="1">
+                <a:latin typeface="Calibri"/>
+              </a:rPr>
+              <a:t>users</a:t>
+            </a:r>
+            <a:endParaRPr lang="de-DE" dirty="0">
+              <a:latin typeface="Calibri"/>
+            </a:endParaRPr>
+          </a:p>
+        </p:txBody>
+      </p:sp>
     </p:spTree>
     <p:extLst>
       <p:ext uri="{BB962C8B-B14F-4D97-AF65-F5344CB8AC3E}">
-        <p14:creationId xmlns:p14="http://schemas.microsoft.com/office/powerpoint/2010/main" val="713447161"/>
+        <p14:creationId xmlns:p14="http://schemas.microsoft.com/office/powerpoint/2010/main" val="2923737226"/>
       </p:ext>
     </p:extLst>
   </p:cSld>
@@ -9804,322 +10283,40 @@
           </a:p>
         </p:txBody>
       </p:sp>
-      <p:sp>
-        <p:nvSpPr>
-          <p:cNvPr id="12315" name="Rectangle 28"/>
-          <p:cNvSpPr>
-            <a:spLocks noGrp="1" noChangeArrowheads="1"/>
-          </p:cNvSpPr>
-          <p:nvPr>
-            <p:ph type="body" idx="1"/>
-          </p:nvPr>
-        </p:nvSpPr>
+      <p:pic>
+        <p:nvPicPr>
+          <p:cNvPr id="2" name="Grafik 1"/>
+          <p:cNvPicPr>
+            <a:picLocks noChangeAspect="1"/>
+          </p:cNvPicPr>
+          <p:nvPr/>
+        </p:nvPicPr>
+        <p:blipFill>
+          <a:blip r:embed="rId3">
+            <a:extLst>
+              <a:ext uri="{96DAC541-7B7A-43D3-8B79-37D633B846F1}">
+                <asvg:svgBlip xmlns:asvg="http://schemas.microsoft.com/office/drawing/2016/SVG/main" r:embed="rId4"/>
+              </a:ext>
+            </a:extLst>
+          </a:blip>
+          <a:stretch>
+            <a:fillRect/>
+          </a:stretch>
+        </p:blipFill>
         <p:spPr>
           <a:xfrm>
-            <a:off x="457200" y="1219200"/>
-            <a:ext cx="8458200" cy="1066800"/>
+            <a:off x="179512" y="1340768"/>
+            <a:ext cx="8204448" cy="5127780"/>
           </a:xfrm>
+          <a:prstGeom prst="rect">
+            <a:avLst/>
+          </a:prstGeom>
         </p:spPr>
-        <p:txBody>
-          <a:bodyPr/>
-          <a:lstStyle/>
-          <a:p>
-            <a:pPr eaLnBrk="1" hangingPunct="1"/>
-            <a:r>
-              <a:rPr lang="de-DE" dirty="0" err="1">
-                <a:latin typeface="Calibri"/>
-              </a:rPr>
-              <a:t>Upsides</a:t>
-            </a:r>
-            <a:r>
-              <a:rPr lang="de-DE" dirty="0">
-                <a:latin typeface="Calibri"/>
-              </a:rPr>
-              <a:t>: </a:t>
-            </a:r>
-          </a:p>
-          <a:p>
-            <a:pPr lvl="1"/>
-            <a:r>
-              <a:rPr lang="de-DE" dirty="0" err="1"/>
-              <a:t>Protect</a:t>
-            </a:r>
-            <a:r>
-              <a:rPr lang="de-DE" dirty="0"/>
-              <a:t> </a:t>
-            </a:r>
-            <a:r>
-              <a:rPr lang="de-DE" dirty="0" err="1"/>
-              <a:t>your</a:t>
-            </a:r>
-            <a:r>
-              <a:rPr lang="de-DE" dirty="0"/>
-              <a:t> </a:t>
-            </a:r>
-            <a:r>
-              <a:rPr lang="de-DE" dirty="0" err="1"/>
-              <a:t>privacy</a:t>
-            </a:r>
-            <a:r>
-              <a:rPr lang="de-DE" dirty="0"/>
-              <a:t>, </a:t>
-            </a:r>
-            <a:r>
-              <a:rPr lang="de-DE" dirty="0" err="1"/>
-              <a:t>fight</a:t>
-            </a:r>
-            <a:r>
-              <a:rPr lang="de-DE" dirty="0"/>
-              <a:t> </a:t>
-            </a:r>
-            <a:r>
-              <a:rPr lang="de-DE" dirty="0" err="1"/>
-              <a:t>mass</a:t>
-            </a:r>
-            <a:r>
-              <a:rPr lang="de-DE" dirty="0"/>
-              <a:t> </a:t>
-            </a:r>
-            <a:r>
-              <a:rPr lang="de-DE" dirty="0" err="1"/>
-              <a:t>surveillance</a:t>
-            </a:r>
-            <a:r>
-              <a:rPr lang="de-DE" dirty="0"/>
-              <a:t>, </a:t>
-            </a:r>
-            <a:r>
-              <a:rPr lang="de-DE" dirty="0" err="1"/>
-              <a:t>circumvent</a:t>
-            </a:r>
-            <a:r>
-              <a:rPr lang="de-DE" dirty="0"/>
-              <a:t> </a:t>
-            </a:r>
-            <a:r>
-              <a:rPr lang="de-DE" dirty="0" err="1"/>
-              <a:t>censorship</a:t>
-            </a:r>
-            <a:endParaRPr lang="de-DE" dirty="0">
-              <a:latin typeface="Calibri"/>
-            </a:endParaRPr>
-          </a:p>
-          <a:p>
-            <a:pPr lvl="1"/>
-            <a:r>
-              <a:rPr lang="de-DE" dirty="0" err="1">
-                <a:latin typeface="Calibri"/>
-              </a:rPr>
-              <a:t>Used</a:t>
-            </a:r>
-            <a:r>
-              <a:rPr lang="de-DE" dirty="0">
-                <a:latin typeface="Calibri"/>
-              </a:rPr>
-              <a:t> </a:t>
-            </a:r>
-            <a:r>
-              <a:rPr lang="de-DE" dirty="0" err="1">
-                <a:latin typeface="Calibri"/>
-              </a:rPr>
-              <a:t>by</a:t>
-            </a:r>
-            <a:r>
-              <a:rPr lang="de-DE" dirty="0">
-                <a:latin typeface="Calibri"/>
-              </a:rPr>
-              <a:t> </a:t>
-            </a:r>
-            <a:r>
-              <a:rPr lang="de-DE" dirty="0" err="1">
-                <a:latin typeface="Calibri"/>
-              </a:rPr>
-              <a:t>businesses</a:t>
-            </a:r>
-            <a:r>
-              <a:rPr lang="de-DE" dirty="0">
-                <a:latin typeface="Calibri"/>
-              </a:rPr>
-              <a:t>, human </a:t>
-            </a:r>
-            <a:r>
-              <a:rPr lang="de-DE" dirty="0" err="1">
-                <a:latin typeface="Calibri"/>
-              </a:rPr>
-              <a:t>rights</a:t>
-            </a:r>
-            <a:r>
-              <a:rPr lang="de-DE" dirty="0">
-                <a:latin typeface="Calibri"/>
-              </a:rPr>
-              <a:t> </a:t>
-            </a:r>
-            <a:r>
-              <a:rPr lang="de-DE" dirty="0" err="1">
-                <a:latin typeface="Calibri"/>
-              </a:rPr>
-              <a:t>activists</a:t>
-            </a:r>
-            <a:r>
-              <a:rPr lang="de-DE" dirty="0">
-                <a:latin typeface="Calibri"/>
-              </a:rPr>
-              <a:t> </a:t>
-            </a:r>
-            <a:r>
-              <a:rPr lang="de-DE" dirty="0" err="1">
-                <a:latin typeface="Calibri"/>
-              </a:rPr>
-              <a:t>or</a:t>
-            </a:r>
-            <a:r>
-              <a:rPr lang="de-DE" dirty="0">
-                <a:latin typeface="Calibri"/>
-              </a:rPr>
-              <a:t> </a:t>
-            </a:r>
-            <a:r>
-              <a:rPr lang="de-DE" dirty="0" err="1">
-                <a:latin typeface="Calibri"/>
-              </a:rPr>
-              <a:t>whistleblowers</a:t>
-            </a:r>
-            <a:r>
-              <a:rPr lang="de-DE" dirty="0">
-                <a:latin typeface="Calibri"/>
-              </a:rPr>
-              <a:t>, </a:t>
-            </a:r>
-            <a:r>
-              <a:rPr lang="de-DE" dirty="0" err="1">
-                <a:latin typeface="Calibri"/>
-              </a:rPr>
-              <a:t>journalists</a:t>
-            </a:r>
-            <a:r>
-              <a:rPr lang="de-DE" dirty="0">
-                <a:latin typeface="Calibri"/>
-              </a:rPr>
-              <a:t>, …</a:t>
-            </a:r>
-          </a:p>
-          <a:p>
-            <a:r>
-              <a:rPr lang="de-DE" dirty="0" err="1">
-                <a:latin typeface="Calibri"/>
-              </a:rPr>
-              <a:t>Downsides</a:t>
-            </a:r>
-            <a:r>
-              <a:rPr lang="de-DE" dirty="0">
-                <a:latin typeface="Calibri"/>
-              </a:rPr>
-              <a:t>:</a:t>
-            </a:r>
-          </a:p>
-          <a:p>
-            <a:pPr lvl="1"/>
-            <a:r>
-              <a:rPr lang="de-DE" dirty="0">
-                <a:latin typeface="Calibri"/>
-              </a:rPr>
-              <a:t>Non-legal </a:t>
-            </a:r>
-            <a:r>
-              <a:rPr lang="de-DE" dirty="0" err="1">
-                <a:latin typeface="Calibri"/>
-              </a:rPr>
-              <a:t>marketplaces</a:t>
-            </a:r>
-            <a:r>
-              <a:rPr lang="de-DE" dirty="0">
-                <a:latin typeface="Calibri"/>
-              </a:rPr>
-              <a:t> like </a:t>
-            </a:r>
-            <a:r>
-              <a:rPr lang="de-DE" dirty="0" err="1">
-                <a:latin typeface="Calibri"/>
-              </a:rPr>
-              <a:t>SilkRoad</a:t>
-            </a:r>
-            <a:r>
-              <a:rPr lang="de-DE" dirty="0">
-                <a:latin typeface="Calibri"/>
-              </a:rPr>
-              <a:t> </a:t>
-            </a:r>
-          </a:p>
-          <a:p>
-            <a:pPr lvl="1"/>
-            <a:r>
-              <a:rPr lang="de-DE" dirty="0">
-                <a:latin typeface="Calibri"/>
-              </a:rPr>
-              <a:t>Command &amp; </a:t>
-            </a:r>
-            <a:r>
-              <a:rPr lang="de-DE" dirty="0" err="1">
-                <a:latin typeface="Calibri"/>
-              </a:rPr>
-              <a:t>control</a:t>
-            </a:r>
-            <a:r>
-              <a:rPr lang="de-DE" dirty="0">
-                <a:latin typeface="Calibri"/>
-              </a:rPr>
-              <a:t> </a:t>
-            </a:r>
-            <a:r>
-              <a:rPr lang="de-DE" dirty="0" err="1">
-                <a:latin typeface="Calibri"/>
-              </a:rPr>
-              <a:t>server</a:t>
-            </a:r>
-            <a:r>
-              <a:rPr lang="de-DE" dirty="0">
-                <a:latin typeface="Calibri"/>
-              </a:rPr>
-              <a:t> </a:t>
-            </a:r>
-            <a:r>
-              <a:rPr lang="de-DE" dirty="0" err="1">
-                <a:latin typeface="Calibri"/>
-              </a:rPr>
-              <a:t>for</a:t>
-            </a:r>
-            <a:r>
-              <a:rPr lang="de-DE" dirty="0">
-                <a:latin typeface="Calibri"/>
-              </a:rPr>
-              <a:t> </a:t>
-            </a:r>
-            <a:r>
-              <a:rPr lang="de-DE" dirty="0" err="1">
-                <a:latin typeface="Calibri"/>
-              </a:rPr>
-              <a:t>botnets</a:t>
-            </a:r>
-            <a:endParaRPr lang="de-DE" dirty="0">
-              <a:latin typeface="Calibri"/>
-            </a:endParaRPr>
-          </a:p>
-          <a:p>
-            <a:endParaRPr lang="de-DE" dirty="0">
-              <a:latin typeface="Calibri"/>
-            </a:endParaRPr>
-          </a:p>
-          <a:p>
-            <a:endParaRPr lang="de-DE" dirty="0">
-              <a:latin typeface="Calibri"/>
-            </a:endParaRPr>
-          </a:p>
-        </p:txBody>
-      </p:sp>
+      </p:pic>
     </p:spTree>
     <p:extLst>
       <p:ext uri="{BB962C8B-B14F-4D97-AF65-F5344CB8AC3E}">
-        <p14:creationId xmlns:p14="http://schemas.microsoft.com/office/powerpoint/2010/main" val="2923737226"/>
+        <p14:creationId xmlns:p14="http://schemas.microsoft.com/office/powerpoint/2010/main" val="713447161"/>
       </p:ext>
     </p:extLst>
   </p:cSld>

--- a/presentation/TemplateSlides2016.pptx
+++ b/presentation/TemplateSlides2016.pptx
@@ -151,7 +151,7 @@
   </p:defaultTextStyle>
   <p:extLst>
     <p:ext uri="{EFAFB233-063F-42B5-8137-9DF3F51BA10A}">
-      <p15:sldGuideLst xmlns:p15="http://schemas.microsoft.com/office/powerpoint/2012/main">
+      <p15:sldGuideLst xmlns:p15="http://schemas.microsoft.com/office/powerpoint/2012/main" xmlns="">
         <p15:guide id="1" orient="horz" pos="4273">
           <p15:clr>
             <a:srgbClr val="A4A3A4"/>
@@ -518,7 +518,7 @@
               </a14:hiddenFill>
             </a:ext>
             <a:ext uri="{FAA26D3D-D897-4be2-8F04-BA451C77F1D7}">
-              <ma14:placeholderFlag xmlns="" xmlns:ma14="http://schemas.microsoft.com/office/mac/drawingml/2011/main" val="1"/>
+              <ma14:placeholderFlag xmlns:ma14="http://schemas.microsoft.com/office/mac/drawingml/2011/main" xmlns="" val="1"/>
             </a:ext>
           </a:extLst>
         </p:spPr>
@@ -1312,7 +1312,7 @@
           </a:ln>
           <a:extLst>
             <a:ext uri="{FAA26D3D-D897-4be2-8F04-BA451C77F1D7}">
-              <ma14:placeholderFlag xmlns="" xmlns:ma14="http://schemas.microsoft.com/office/mac/drawingml/2011/main" val="1"/>
+              <ma14:placeholderFlag xmlns:ma14="http://schemas.microsoft.com/office/mac/drawingml/2011/main" xmlns="" val="1"/>
             </a:ext>
           </a:extLst>
         </p:spPr>
@@ -1648,7 +1648,7 @@
           </a:ln>
           <a:extLst>
             <a:ext uri="{FAA26D3D-D897-4be2-8F04-BA451C77F1D7}">
-              <ma14:placeholderFlag xmlns="" xmlns:ma14="http://schemas.microsoft.com/office/mac/drawingml/2011/main" val="1"/>
+              <ma14:placeholderFlag xmlns:ma14="http://schemas.microsoft.com/office/mac/drawingml/2011/main" xmlns="" val="1"/>
             </a:ext>
           </a:extLst>
         </p:spPr>
@@ -1885,7 +1885,7 @@
           </a:ln>
           <a:extLst>
             <a:ext uri="{FAA26D3D-D897-4be2-8F04-BA451C77F1D7}">
-              <ma14:placeholderFlag xmlns="" xmlns:ma14="http://schemas.microsoft.com/office/mac/drawingml/2011/main" val="1"/>
+              <ma14:placeholderFlag xmlns:ma14="http://schemas.microsoft.com/office/mac/drawingml/2011/main" xmlns="" val="1"/>
             </a:ext>
           </a:extLst>
         </p:spPr>
@@ -2127,7 +2127,7 @@
           </a:ln>
           <a:extLst>
             <a:ext uri="{FAA26D3D-D897-4be2-8F04-BA451C77F1D7}">
-              <ma14:placeholderFlag xmlns="" xmlns:ma14="http://schemas.microsoft.com/office/mac/drawingml/2011/main" val="1"/>
+              <ma14:placeholderFlag xmlns:ma14="http://schemas.microsoft.com/office/mac/drawingml/2011/main" xmlns="" val="1"/>
             </a:ext>
           </a:extLst>
         </p:spPr>
@@ -2363,7 +2363,7 @@
           </a:ln>
           <a:extLst>
             <a:ext uri="{FAA26D3D-D897-4be2-8F04-BA451C77F1D7}">
-              <ma14:placeholderFlag xmlns="" xmlns:ma14="http://schemas.microsoft.com/office/mac/drawingml/2011/main" val="1"/>
+              <ma14:placeholderFlag xmlns:ma14="http://schemas.microsoft.com/office/mac/drawingml/2011/main" xmlns="" val="1"/>
             </a:ext>
           </a:extLst>
         </p:spPr>
@@ -2604,7 +2604,7 @@
           </a:ln>
           <a:extLst>
             <a:ext uri="{FAA26D3D-D897-4be2-8F04-BA451C77F1D7}">
-              <ma14:placeholderFlag xmlns="" xmlns:ma14="http://schemas.microsoft.com/office/mac/drawingml/2011/main" val="1"/>
+              <ma14:placeholderFlag xmlns:ma14="http://schemas.microsoft.com/office/mac/drawingml/2011/main" xmlns="" val="1"/>
             </a:ext>
           </a:extLst>
         </p:spPr>
@@ -2860,7 +2860,7 @@
           </a:ln>
           <a:extLst>
             <a:ext uri="{FAA26D3D-D897-4be2-8F04-BA451C77F1D7}">
-              <ma14:placeholderFlag xmlns="" xmlns:ma14="http://schemas.microsoft.com/office/mac/drawingml/2011/main" val="1"/>
+              <ma14:placeholderFlag xmlns:ma14="http://schemas.microsoft.com/office/mac/drawingml/2011/main" xmlns="" val="1"/>
             </a:ext>
           </a:extLst>
         </p:spPr>
@@ -3097,7 +3097,7 @@
           </a:ln>
           <a:extLst>
             <a:ext uri="{FAA26D3D-D897-4be2-8F04-BA451C77F1D7}">
-              <ma14:placeholderFlag xmlns="" xmlns:ma14="http://schemas.microsoft.com/office/mac/drawingml/2011/main" val="1"/>
+              <ma14:placeholderFlag xmlns:ma14="http://schemas.microsoft.com/office/mac/drawingml/2011/main" xmlns="" val="1"/>
             </a:ext>
           </a:extLst>
         </p:spPr>
@@ -3799,7 +3799,7 @@
               </a14:hiddenLine>
             </a:ext>
             <a:ext uri="{FAA26D3D-D897-4be2-8F04-BA451C77F1D7}">
-              <ma14:placeholderFlag xmlns="" xmlns:ma14="http://schemas.microsoft.com/office/mac/drawingml/2011/main" val="1"/>
+              <ma14:placeholderFlag xmlns:ma14="http://schemas.microsoft.com/office/mac/drawingml/2011/main" xmlns="" val="1"/>
             </a:ext>
           </a:extLst>
         </p:spPr>
@@ -3860,7 +3860,7 @@
               </a14:hiddenLine>
             </a:ext>
             <a:ext uri="{FAA26D3D-D897-4be2-8F04-BA451C77F1D7}">
-              <ma14:placeholderFlag xmlns="" xmlns:ma14="http://schemas.microsoft.com/office/mac/drawingml/2011/main" val="1"/>
+              <ma14:placeholderFlag xmlns:ma14="http://schemas.microsoft.com/office/mac/drawingml/2011/main" xmlns="" val="1"/>
             </a:ext>
           </a:extLst>
         </p:spPr>
@@ -5725,17 +5725,32 @@
           <a:p>
             <a:pPr eaLnBrk="1" hangingPunct="1"/>
             <a:r>
-              <a:rPr lang="de-DE" dirty="0" err="1">
+              <a:rPr lang="de-DE" dirty="0" smtClean="0">
+                <a:latin typeface="Calibri"/>
+              </a:rPr>
+              <a:t>Mix-Nets </a:t>
+            </a:r>
+            <a:r>
+              <a:rPr lang="de-DE" dirty="0" err="1" smtClean="0">
+                <a:latin typeface="Calibri"/>
+              </a:rPr>
+              <a:t>by</a:t>
+            </a:r>
+            <a:r>
+              <a:rPr lang="de-DE" dirty="0" smtClean="0">
+                <a:latin typeface="Calibri"/>
+              </a:rPr>
+              <a:t> David </a:t>
+            </a:r>
+            <a:r>
+              <a:rPr lang="de-DE" dirty="0" err="1" smtClean="0">
                 <a:latin typeface="Calibri"/>
               </a:rPr>
               <a:t>Chaum</a:t>
             </a:r>
-            <a:r>
-              <a:rPr lang="de-DE" dirty="0">
-                <a:latin typeface="Calibri"/>
-              </a:rPr>
-              <a:t> Mix-Nets</a:t>
-            </a:r>
+            <a:endParaRPr lang="de-DE" dirty="0">
+              <a:latin typeface="Calibri"/>
+            </a:endParaRPr>
           </a:p>
         </p:txBody>
       </p:sp>
@@ -6272,7 +6287,7 @@
         </p:nvGrpSpPr>
         <p:grpSpPr>
           <a:xfrm>
-            <a:off x="179512" y="3717030"/>
+            <a:off x="179512" y="3354248"/>
             <a:ext cx="2001125" cy="1152128"/>
             <a:chOff x="452962" y="1777462"/>
             <a:chExt cx="7643192" cy="4392488"/>
@@ -6297,7 +6312,9 @@
             </a:solidFill>
             <a:ln w="9525" cap="flat" cmpd="sng" algn="ctr">
               <a:solidFill>
-                <a:schemeClr val="tx1"/>
+                <a:schemeClr val="bg2">
+                  <a:lumMod val="50000"/>
+                </a:schemeClr>
               </a:solidFill>
               <a:prstDash val="solid"/>
               <a:round/>
@@ -6336,10 +6353,13 @@
                     <a:noFill/>
                   </a:ln>
                   <a:solidFill>
-                    <a:schemeClr val="tx1"/>
+                    <a:schemeClr val="tx1">
+                      <a:lumMod val="75000"/>
+                      <a:lumOff val="25000"/>
+                    </a:schemeClr>
                   </a:solidFill>
                   <a:effectLst/>
-                  <a:latin typeface="Arial" pitchFamily="-107" charset="0"/>
+                  <a:latin typeface="+mn-lt"/>
                   <a:ea typeface="ＭＳ Ｐゴシック" pitchFamily="-107" charset="-128"/>
                   <a:cs typeface="ＭＳ Ｐゴシック" pitchFamily="-107" charset="-128"/>
                 </a:rPr>
@@ -6367,7 +6387,9 @@
             </a:solidFill>
             <a:ln w="9525" cap="flat" cmpd="sng" algn="ctr">
               <a:solidFill>
-                <a:schemeClr val="tx1"/>
+                <a:schemeClr val="bg2">
+                  <a:lumMod val="50000"/>
+                </a:schemeClr>
               </a:solidFill>
               <a:prstDash val="solid"/>
               <a:round/>
@@ -6406,10 +6428,13 @@
                     <a:noFill/>
                   </a:ln>
                   <a:solidFill>
-                    <a:schemeClr val="tx1"/>
+                    <a:schemeClr val="tx1">
+                      <a:lumMod val="75000"/>
+                      <a:lumOff val="25000"/>
+                    </a:schemeClr>
                   </a:solidFill>
                   <a:effectLst/>
-                  <a:latin typeface="Arial" pitchFamily="-107" charset="0"/>
+                  <a:latin typeface="+mn-lt"/>
                   <a:ea typeface="ＭＳ Ｐゴシック" pitchFamily="-107" charset="-128"/>
                   <a:cs typeface="ＭＳ Ｐゴシック" pitchFamily="-107" charset="-128"/>
                 </a:rPr>
@@ -6427,7 +6452,7 @@
         </p:nvSpPr>
         <p:spPr bwMode="auto">
           <a:xfrm>
-            <a:off x="2771800" y="4011535"/>
+            <a:off x="2771800" y="3648753"/>
             <a:ext cx="936104" cy="576064"/>
           </a:xfrm>
           <a:prstGeom prst="ellipse">
@@ -6438,7 +6463,9 @@
           </a:solidFill>
           <a:ln w="9525" cap="flat" cmpd="sng" algn="ctr">
             <a:solidFill>
-              <a:schemeClr val="tx1"/>
+              <a:schemeClr val="bg2">
+                <a:lumMod val="50000"/>
+              </a:schemeClr>
             </a:solidFill>
             <a:prstDash val="solid"/>
             <a:round/>
@@ -6455,7 +6482,7 @@
           </a:bodyPr>
           <a:lstStyle/>
           <a:p>
-            <a:pPr marL="0" marR="0" indent="0" algn="l" defTabSz="914400" rtl="0" eaLnBrk="0" fontAlgn="base" latinLnBrk="0" hangingPunct="0">
+            <a:pPr marL="0" marR="0" indent="0" algn="ctr" defTabSz="914400" rtl="0" eaLnBrk="0" fontAlgn="base" latinLnBrk="0" hangingPunct="0">
               <a:lnSpc>
                 <a:spcPct val="100000"/>
               </a:lnSpc>
@@ -6477,10 +6504,13 @@
                   <a:noFill/>
                 </a:ln>
                 <a:solidFill>
-                  <a:schemeClr val="tx1"/>
+                  <a:schemeClr val="tx1">
+                    <a:lumMod val="75000"/>
+                    <a:lumOff val="25000"/>
+                  </a:schemeClr>
                 </a:solidFill>
                 <a:effectLst/>
-                <a:latin typeface="Arial" pitchFamily="-107" charset="0"/>
+                <a:latin typeface="+mn-lt"/>
                 <a:ea typeface="ＭＳ Ｐゴシック" pitchFamily="-107" charset="-128"/>
                 <a:cs typeface="ＭＳ Ｐゴシック" pitchFamily="-107" charset="-128"/>
               </a:rPr>
@@ -6497,7 +6527,7 @@
         </p:nvSpPr>
         <p:spPr bwMode="auto">
           <a:xfrm>
-            <a:off x="4299067" y="4011535"/>
+            <a:off x="4299067" y="3648753"/>
             <a:ext cx="936104" cy="576064"/>
           </a:xfrm>
           <a:prstGeom prst="ellipse">
@@ -6508,7 +6538,9 @@
           </a:solidFill>
           <a:ln w="9525" cap="flat" cmpd="sng" algn="ctr">
             <a:solidFill>
-              <a:schemeClr val="tx1"/>
+              <a:schemeClr val="bg2">
+                <a:lumMod val="50000"/>
+              </a:schemeClr>
             </a:solidFill>
             <a:prstDash val="solid"/>
             <a:round/>
@@ -6525,7 +6557,7 @@
           </a:bodyPr>
           <a:lstStyle/>
           <a:p>
-            <a:pPr marL="0" marR="0" indent="0" algn="l" defTabSz="914400" rtl="0" eaLnBrk="0" fontAlgn="base" latinLnBrk="0" hangingPunct="0">
+            <a:pPr marL="0" marR="0" indent="0" algn="ctr" defTabSz="914400" rtl="0" eaLnBrk="0" fontAlgn="base" latinLnBrk="0" hangingPunct="0">
               <a:lnSpc>
                 <a:spcPct val="100000"/>
               </a:lnSpc>
@@ -6547,10 +6579,13 @@
                   <a:noFill/>
                 </a:ln>
                 <a:solidFill>
-                  <a:schemeClr val="tx1"/>
+                  <a:schemeClr val="tx1">
+                    <a:lumMod val="75000"/>
+                    <a:lumOff val="25000"/>
+                  </a:schemeClr>
                 </a:solidFill>
                 <a:effectLst/>
-                <a:latin typeface="Arial" pitchFamily="-107" charset="0"/>
+                <a:latin typeface="+mn-lt"/>
                 <a:ea typeface="ＭＳ Ｐゴシック" pitchFamily="-107" charset="-128"/>
                 <a:cs typeface="ＭＳ Ｐゴシック" pitchFamily="-107" charset="-128"/>
               </a:rPr>
@@ -6564,15 +6599,14 @@
           <p:cNvPr id="50" name="Gerade Verbindung mit Pfeil 49"/>
           <p:cNvCxnSpPr>
             <a:cxnSpLocks/>
-            <a:stCxn id="48" idx="3"/>
             <a:endCxn id="46" idx="1"/>
           </p:cNvCxnSpPr>
           <p:nvPr/>
         </p:nvCxnSpPr>
         <p:spPr bwMode="auto">
-          <a:xfrm flipV="1">
-            <a:off x="2180637" y="4095898"/>
-            <a:ext cx="728252" cy="197196"/>
+          <a:xfrm>
+            <a:off x="2180637" y="3733116"/>
+            <a:ext cx="728252" cy="0"/>
           </a:xfrm>
           <a:prstGeom prst="straightConnector1">
             <a:avLst/>
@@ -6582,7 +6616,10 @@
           </a:solidFill>
           <a:ln w="9525" cap="flat" cmpd="sng" algn="ctr">
             <a:solidFill>
-              <a:schemeClr val="tx1"/>
+              <a:schemeClr val="tx1">
+                <a:lumMod val="50000"/>
+                <a:lumOff val="50000"/>
+              </a:schemeClr>
             </a:solidFill>
             <a:prstDash val="solid"/>
             <a:round/>
@@ -6598,14 +6635,13 @@
           <p:cNvCxnSpPr>
             <a:cxnSpLocks/>
             <a:stCxn id="46" idx="3"/>
-            <a:endCxn id="48" idx="3"/>
           </p:cNvCxnSpPr>
           <p:nvPr/>
         </p:nvCxnSpPr>
         <p:spPr bwMode="auto">
-          <a:xfrm flipH="1" flipV="1">
-            <a:off x="2180637" y="4293094"/>
-            <a:ext cx="728252" cy="210142"/>
+          <a:xfrm flipH="1">
+            <a:off x="2180637" y="4140454"/>
+            <a:ext cx="728252" cy="0"/>
           </a:xfrm>
           <a:prstGeom prst="straightConnector1">
             <a:avLst/>
@@ -6615,7 +6651,10 @@
           </a:solidFill>
           <a:ln w="9525" cap="flat" cmpd="sng" algn="ctr">
             <a:solidFill>
-              <a:schemeClr val="tx1"/>
+              <a:schemeClr val="tx1">
+                <a:lumMod val="50000"/>
+                <a:lumOff val="50000"/>
+              </a:schemeClr>
             </a:solidFill>
             <a:prstDash val="solid"/>
             <a:round/>
@@ -6636,7 +6675,7 @@
         </p:nvCxnSpPr>
         <p:spPr bwMode="auto">
           <a:xfrm>
-            <a:off x="3570815" y="4095898"/>
+            <a:off x="3570815" y="3733116"/>
             <a:ext cx="865341" cy="0"/>
           </a:xfrm>
           <a:prstGeom prst="straightConnector1">
@@ -6647,7 +6686,10 @@
           </a:solidFill>
           <a:ln w="9525" cap="flat" cmpd="sng" algn="ctr">
             <a:solidFill>
-              <a:schemeClr val="tx1"/>
+              <a:schemeClr val="tx1">
+                <a:lumMod val="50000"/>
+                <a:lumOff val="50000"/>
+              </a:schemeClr>
             </a:solidFill>
             <a:prstDash val="solid"/>
             <a:round/>
@@ -6669,7 +6711,7 @@
         </p:nvCxnSpPr>
         <p:spPr bwMode="auto">
           <a:xfrm flipH="1">
-            <a:off x="3570815" y="4503236"/>
+            <a:off x="3570815" y="4140454"/>
             <a:ext cx="865341" cy="0"/>
           </a:xfrm>
           <a:prstGeom prst="straightConnector1">
@@ -6680,7 +6722,10 @@
           </a:solidFill>
           <a:ln w="9525" cap="flat" cmpd="sng" algn="ctr">
             <a:solidFill>
-              <a:schemeClr val="tx1"/>
+              <a:schemeClr val="tx1">
+                <a:lumMod val="50000"/>
+                <a:lumOff val="50000"/>
+              </a:schemeClr>
             </a:solidFill>
             <a:prstDash val="solid"/>
             <a:round/>
@@ -6698,7 +6743,7 @@
         </p:nvGrpSpPr>
         <p:grpSpPr>
           <a:xfrm>
-            <a:off x="7566757" y="3399467"/>
+            <a:off x="7566757" y="3036685"/>
             <a:ext cx="936104" cy="1800200"/>
             <a:chOff x="6516216" y="3284984"/>
             <a:chExt cx="1224136" cy="2160240"/>
@@ -6723,7 +6768,9 @@
             </a:solidFill>
             <a:ln w="9525" cap="flat" cmpd="sng" algn="ctr">
               <a:solidFill>
-                <a:schemeClr val="tx1"/>
+                <a:schemeClr val="bg2">
+                  <a:lumMod val="50000"/>
+                </a:schemeClr>
               </a:solidFill>
               <a:prstDash val="solid"/>
               <a:round/>
@@ -6764,7 +6811,7 @@
                   <a:schemeClr val="tx1"/>
                 </a:solidFill>
                 <a:effectLst/>
-                <a:latin typeface="Arial" pitchFamily="-107" charset="0"/>
+                <a:latin typeface="+mn-lt"/>
                 <a:ea typeface="ＭＳ Ｐゴシック" pitchFamily="-107" charset="-128"/>
                 <a:cs typeface="ＭＳ Ｐゴシック" pitchFamily="-107" charset="-128"/>
               </a:endParaRPr>
@@ -6790,7 +6837,9 @@
             </a:solidFill>
             <a:ln w="9525" cap="flat" cmpd="sng" algn="ctr">
               <a:solidFill>
-                <a:schemeClr val="tx1"/>
+                <a:schemeClr val="bg2">
+                  <a:lumMod val="50000"/>
+                </a:schemeClr>
               </a:solidFill>
               <a:prstDash val="solid"/>
               <a:round/>
@@ -6831,7 +6880,7 @@
                   <a:schemeClr val="tx1"/>
                 </a:solidFill>
                 <a:effectLst/>
-                <a:latin typeface="Arial" pitchFamily="-107" charset="0"/>
+                <a:latin typeface="+mn-lt"/>
                 <a:ea typeface="ＭＳ Ｐゴシック" pitchFamily="-107" charset="-128"/>
                 <a:cs typeface="ＭＳ Ｐゴシック" pitchFamily="-107" charset="-128"/>
               </a:endParaRPr>
@@ -6857,7 +6906,9 @@
             </a:solidFill>
             <a:ln w="9525" cap="flat" cmpd="sng" algn="ctr">
               <a:solidFill>
-                <a:schemeClr val="tx1"/>
+                <a:schemeClr val="bg2">
+                  <a:lumMod val="50000"/>
+                </a:schemeClr>
               </a:solidFill>
               <a:prstDash val="solid"/>
               <a:round/>
@@ -6898,7 +6949,7 @@
                   <a:schemeClr val="tx1"/>
                 </a:solidFill>
                 <a:effectLst/>
-                <a:latin typeface="Arial" pitchFamily="-107" charset="0"/>
+                <a:latin typeface="+mn-lt"/>
                 <a:ea typeface="ＭＳ Ｐゴシック" pitchFamily="-107" charset="-128"/>
                 <a:cs typeface="ＭＳ Ｐゴシック" pitchFamily="-107" charset="-128"/>
               </a:endParaRPr>
@@ -6924,7 +6975,9 @@
             </a:solidFill>
             <a:ln w="9525" cap="flat" cmpd="sng" algn="ctr">
               <a:solidFill>
-                <a:schemeClr val="tx1"/>
+                <a:schemeClr val="bg2">
+                  <a:lumMod val="50000"/>
+                </a:schemeClr>
               </a:solidFill>
               <a:prstDash val="solid"/>
               <a:round/>
@@ -6965,7 +7018,7 @@
                   <a:schemeClr val="tx1"/>
                 </a:solidFill>
                 <a:effectLst/>
-                <a:latin typeface="Arial" pitchFamily="-107" charset="0"/>
+                <a:latin typeface="+mn-lt"/>
                 <a:ea typeface="ＭＳ Ｐゴシック" pitchFamily="-107" charset="-128"/>
                 <a:cs typeface="ＭＳ Ｐゴシック" pitchFamily="-107" charset="-128"/>
               </a:endParaRPr>
@@ -6991,7 +7044,9 @@
             </a:solidFill>
             <a:ln w="9525" cap="flat" cmpd="sng" algn="ctr">
               <a:solidFill>
-                <a:schemeClr val="tx1"/>
+                <a:schemeClr val="bg2">
+                  <a:lumMod val="50000"/>
+                </a:schemeClr>
               </a:solidFill>
               <a:prstDash val="solid"/>
               <a:round/>
@@ -7032,7 +7087,7 @@
                   <a:schemeClr val="tx1"/>
                 </a:solidFill>
                 <a:effectLst/>
-                <a:latin typeface="Arial" pitchFamily="-107" charset="0"/>
+                <a:latin typeface="+mn-lt"/>
                 <a:ea typeface="ＭＳ Ｐゴシック" pitchFamily="-107" charset="-128"/>
                 <a:cs typeface="ＭＳ Ｐゴシック" pitchFamily="-107" charset="-128"/>
               </a:endParaRPr>
@@ -7048,7 +7103,7 @@
         </p:nvSpPr>
         <p:spPr bwMode="auto">
           <a:xfrm>
-            <a:off x="5826334" y="4011535"/>
+            <a:off x="5826334" y="3648753"/>
             <a:ext cx="936104" cy="576064"/>
           </a:xfrm>
           <a:prstGeom prst="ellipse">
@@ -7059,7 +7114,9 @@
           </a:solidFill>
           <a:ln w="9525" cap="flat" cmpd="sng" algn="ctr">
             <a:solidFill>
-              <a:schemeClr val="tx1"/>
+              <a:schemeClr val="bg2">
+                <a:lumMod val="50000"/>
+              </a:schemeClr>
             </a:solidFill>
             <a:prstDash val="solid"/>
             <a:round/>
@@ -7076,7 +7133,7 @@
           </a:bodyPr>
           <a:lstStyle/>
           <a:p>
-            <a:pPr marL="0" marR="0" indent="0" algn="l" defTabSz="914400" rtl="0" eaLnBrk="0" fontAlgn="base" latinLnBrk="0" hangingPunct="0">
+            <a:pPr marL="0" marR="0" indent="0" algn="ctr" defTabSz="914400" rtl="0" eaLnBrk="0" fontAlgn="base" latinLnBrk="0" hangingPunct="0">
               <a:lnSpc>
                 <a:spcPct val="100000"/>
               </a:lnSpc>
@@ -7098,10 +7155,13 @@
                   <a:noFill/>
                 </a:ln>
                 <a:solidFill>
-                  <a:schemeClr val="tx1"/>
+                  <a:schemeClr val="tx1">
+                    <a:lumMod val="75000"/>
+                    <a:lumOff val="25000"/>
+                  </a:schemeClr>
                 </a:solidFill>
                 <a:effectLst/>
-                <a:latin typeface="Arial" pitchFamily="-107" charset="0"/>
+                <a:latin typeface="+mn-lt"/>
                 <a:ea typeface="ＭＳ Ｐゴシック" pitchFamily="-107" charset="-128"/>
                 <a:cs typeface="ＭＳ Ｐゴシック" pitchFamily="-107" charset="-128"/>
               </a:rPr>
@@ -7122,7 +7182,7 @@
         </p:nvCxnSpPr>
         <p:spPr bwMode="auto">
           <a:xfrm>
-            <a:off x="5098082" y="4095898"/>
+            <a:off x="5098082" y="3733116"/>
             <a:ext cx="865341" cy="0"/>
           </a:xfrm>
           <a:prstGeom prst="straightConnector1">
@@ -7133,7 +7193,10 @@
           </a:solidFill>
           <a:ln w="9525" cap="flat" cmpd="sng" algn="ctr">
             <a:solidFill>
-              <a:schemeClr val="tx1"/>
+              <a:schemeClr val="tx1">
+                <a:lumMod val="50000"/>
+                <a:lumOff val="50000"/>
+              </a:schemeClr>
             </a:solidFill>
             <a:prstDash val="solid"/>
             <a:round/>
@@ -7155,7 +7218,7 @@
         </p:nvCxnSpPr>
         <p:spPr bwMode="auto">
           <a:xfrm flipH="1">
-            <a:off x="5098082" y="4503236"/>
+            <a:off x="5098082" y="4140454"/>
             <a:ext cx="865341" cy="0"/>
           </a:xfrm>
           <a:prstGeom prst="straightConnector1">
@@ -7166,7 +7229,10 @@
           </a:solidFill>
           <a:ln w="9525" cap="flat" cmpd="sng" algn="ctr">
             <a:solidFill>
-              <a:schemeClr val="tx1"/>
+              <a:schemeClr val="tx1">
+                <a:lumMod val="50000"/>
+                <a:lumOff val="50000"/>
+              </a:schemeClr>
             </a:solidFill>
             <a:prstDash val="solid"/>
             <a:round/>
@@ -7187,7 +7253,7 @@
         </p:nvCxnSpPr>
         <p:spPr bwMode="auto">
           <a:xfrm>
-            <a:off x="6625349" y="4095898"/>
+            <a:off x="6625349" y="3733116"/>
             <a:ext cx="941408" cy="0"/>
           </a:xfrm>
           <a:prstGeom prst="straightConnector1">
@@ -7198,7 +7264,10 @@
           </a:solidFill>
           <a:ln w="9525" cap="flat" cmpd="sng" algn="ctr">
             <a:solidFill>
-              <a:schemeClr val="tx1"/>
+              <a:schemeClr val="tx1">
+                <a:lumMod val="50000"/>
+                <a:lumOff val="50000"/>
+              </a:schemeClr>
             </a:solidFill>
             <a:prstDash val="solid"/>
             <a:round/>
@@ -7219,7 +7288,7 @@
         </p:nvCxnSpPr>
         <p:spPr bwMode="auto">
           <a:xfrm flipH="1">
-            <a:off x="6625349" y="4503236"/>
+            <a:off x="6625349" y="4140454"/>
             <a:ext cx="941408" cy="0"/>
           </a:xfrm>
           <a:prstGeom prst="straightConnector1">
@@ -7230,7 +7299,10 @@
           </a:solidFill>
           <a:ln w="9525" cap="flat" cmpd="sng" algn="ctr">
             <a:solidFill>
-              <a:schemeClr val="tx1"/>
+              <a:schemeClr val="tx1">
+                <a:lumMod val="50000"/>
+                <a:lumOff val="50000"/>
+              </a:schemeClr>
             </a:solidFill>
             <a:prstDash val="solid"/>
             <a:round/>
@@ -7248,8 +7320,8 @@
         </p:nvSpPr>
         <p:spPr>
           <a:xfrm>
-            <a:off x="3680821" y="4560435"/>
-            <a:ext cx="755335" cy="461665"/>
+            <a:off x="3708117" y="3706333"/>
+            <a:ext cx="606256" cy="461665"/>
           </a:xfrm>
           <a:prstGeom prst="rect">
             <a:avLst/>
@@ -7263,7 +7335,15 @@
           <a:lstStyle/>
           <a:p>
             <a:r>
-              <a:rPr lang="en-US" dirty="0"/>
+              <a:rPr lang="en-US" dirty="0">
+                <a:solidFill>
+                  <a:schemeClr val="tx1">
+                    <a:lumMod val="75000"/>
+                    <a:lumOff val="25000"/>
+                  </a:schemeClr>
+                </a:solidFill>
+                <a:latin typeface="+mn-lt"/>
+              </a:rPr>
               <a:t>TLS</a:t>
             </a:r>
           </a:p>
@@ -7277,8 +7357,8 @@
         </p:nvSpPr>
         <p:spPr>
           <a:xfrm>
-            <a:off x="6652582" y="3630213"/>
-            <a:ext cx="969240" cy="461665"/>
+            <a:off x="6675392" y="1839347"/>
+            <a:ext cx="841321" cy="461665"/>
           </a:xfrm>
           <a:prstGeom prst="rect">
             <a:avLst/>
@@ -7292,9 +7372,26 @@
           <a:lstStyle/>
           <a:p>
             <a:r>
-              <a:rPr lang="en-US" dirty="0"/>
+              <a:rPr lang="en-US" dirty="0">
+                <a:solidFill>
+                  <a:schemeClr val="tx1">
+                    <a:lumMod val="75000"/>
+                    <a:lumOff val="25000"/>
+                  </a:schemeClr>
+                </a:solidFill>
+                <a:latin typeface="+mn-lt"/>
+              </a:rPr>
               <a:t>HTTP</a:t>
             </a:r>
+            <a:endParaRPr lang="en-US" sz="1800" dirty="0">
+              <a:solidFill>
+                <a:schemeClr val="tx1">
+                  <a:lumMod val="75000"/>
+                  <a:lumOff val="25000"/>
+                </a:schemeClr>
+              </a:solidFill>
+              <a:latin typeface="+mn-lt"/>
+            </a:endParaRPr>
           </a:p>
         </p:txBody>
       </p:sp>
@@ -7306,18 +7403,20 @@
         </p:nvSpPr>
         <p:spPr bwMode="auto">
           <a:xfrm>
-            <a:off x="2022273" y="5851640"/>
+            <a:off x="4299067" y="5489320"/>
             <a:ext cx="936104" cy="576064"/>
           </a:xfrm>
           <a:prstGeom prst="ellipse">
             <a:avLst/>
           </a:prstGeom>
           <a:solidFill>
-            <a:schemeClr val="accent1"/>
+            <a:srgbClr val="D5EAFF"/>
           </a:solidFill>
           <a:ln w="9525" cap="flat" cmpd="sng" algn="ctr">
             <a:solidFill>
-              <a:schemeClr val="tx1"/>
+              <a:schemeClr val="bg1">
+                <a:lumMod val="50000"/>
+              </a:schemeClr>
             </a:solidFill>
             <a:prstDash val="solid"/>
             <a:round/>
@@ -7334,7 +7433,7 @@
           </a:bodyPr>
           <a:lstStyle/>
           <a:p>
-            <a:pPr marL="0" marR="0" indent="0" algn="l" defTabSz="914400" rtl="0" eaLnBrk="0" fontAlgn="base" latinLnBrk="0" hangingPunct="0">
+            <a:pPr marL="0" marR="0" indent="0" algn="ctr" defTabSz="914400" rtl="0" eaLnBrk="0" fontAlgn="base" latinLnBrk="0" hangingPunct="0">
               <a:lnSpc>
                 <a:spcPct val="100000"/>
               </a:lnSpc>
@@ -7356,10 +7455,13 @@
                   <a:noFill/>
                 </a:ln>
                 <a:solidFill>
-                  <a:schemeClr val="tx1"/>
+                  <a:schemeClr val="tx1">
+                    <a:lumMod val="75000"/>
+                    <a:lumOff val="25000"/>
+                  </a:schemeClr>
                 </a:solidFill>
                 <a:effectLst/>
-                <a:latin typeface="Arial" pitchFamily="-107" charset="0"/>
+                <a:latin typeface="+mn-lt"/>
                 <a:ea typeface="ＭＳ Ｐゴシック" pitchFamily="-107" charset="-128"/>
                 <a:cs typeface="ＭＳ Ｐゴシック" pitchFamily="-107" charset="-128"/>
               </a:rPr>
@@ -7376,18 +7478,20 @@
         </p:nvSpPr>
         <p:spPr bwMode="auto">
           <a:xfrm>
-            <a:off x="5098082" y="5851640"/>
+            <a:off x="5826334" y="5489320"/>
             <a:ext cx="936104" cy="576064"/>
           </a:xfrm>
           <a:prstGeom prst="ellipse">
             <a:avLst/>
           </a:prstGeom>
           <a:solidFill>
-            <a:schemeClr val="accent1"/>
+            <a:srgbClr val="D5EAFF"/>
           </a:solidFill>
           <a:ln w="9525" cap="flat" cmpd="sng" algn="ctr">
             <a:solidFill>
-              <a:schemeClr val="tx1"/>
+              <a:schemeClr val="bg1">
+                <a:lumMod val="50000"/>
+              </a:schemeClr>
             </a:solidFill>
             <a:prstDash val="solid"/>
             <a:round/>
@@ -7404,7 +7508,7 @@
           </a:bodyPr>
           <a:lstStyle/>
           <a:p>
-            <a:pPr marL="0" marR="0" indent="0" algn="l" defTabSz="914400" rtl="0" eaLnBrk="0" fontAlgn="base" latinLnBrk="0" hangingPunct="0">
+            <a:pPr marL="0" marR="0" indent="0" algn="ctr" defTabSz="914400" rtl="0" eaLnBrk="0" fontAlgn="base" latinLnBrk="0" hangingPunct="0">
               <a:lnSpc>
                 <a:spcPct val="100000"/>
               </a:lnSpc>
@@ -7426,10 +7530,13 @@
                   <a:noFill/>
                 </a:ln>
                 <a:solidFill>
-                  <a:schemeClr val="tx1"/>
+                  <a:schemeClr val="tx1">
+                    <a:lumMod val="75000"/>
+                    <a:lumOff val="25000"/>
+                  </a:schemeClr>
                 </a:solidFill>
                 <a:effectLst/>
-                <a:latin typeface="Arial" pitchFamily="-107" charset="0"/>
+                <a:latin typeface="+mn-lt"/>
                 <a:ea typeface="ＭＳ Ｐゴシック" pitchFamily="-107" charset="-128"/>
                 <a:cs typeface="ＭＳ Ｐゴシック" pitchFamily="-107" charset="-128"/>
               </a:rPr>
@@ -7446,7 +7553,7 @@
         </p:nvSpPr>
         <p:spPr bwMode="auto">
           <a:xfrm>
-            <a:off x="3545944" y="1999120"/>
+            <a:off x="3545944" y="1636338"/>
             <a:ext cx="1196982" cy="943436"/>
           </a:xfrm>
           <a:prstGeom prst="ellipse">
@@ -7455,7 +7562,10 @@
           <a:noFill/>
           <a:ln w="9525" cap="flat" cmpd="sng" algn="ctr">
             <a:solidFill>
-              <a:schemeClr val="tx1"/>
+              <a:schemeClr val="tx1">
+                <a:lumMod val="50000"/>
+                <a:lumOff val="50000"/>
+              </a:schemeClr>
             </a:solidFill>
             <a:prstDash val="solid"/>
             <a:round/>
@@ -7494,8 +7604,14 @@
                   <a:schemeClr val="tx1"/>
                 </a:solidFill>
               </a:ln>
+              <a:solidFill>
+                <a:schemeClr val="tx1">
+                  <a:lumMod val="50000"/>
+                  <a:lumOff val="50000"/>
+                </a:schemeClr>
+              </a:solidFill>
               <a:effectLst/>
-              <a:latin typeface="Arial" pitchFamily="-107" charset="0"/>
+              <a:latin typeface="+mn-lt"/>
               <a:ea typeface="ＭＳ Ｐゴシック" pitchFamily="-107" charset="-128"/>
               <a:cs typeface="ＭＳ Ｐゴシック" pitchFamily="-107" charset="-128"/>
             </a:endParaRPr>
@@ -7510,7 +7626,7 @@
         </p:nvSpPr>
         <p:spPr bwMode="auto">
           <a:xfrm>
-            <a:off x="3661036" y="2023523"/>
+            <a:off x="3661036" y="1660741"/>
             <a:ext cx="966798" cy="894631"/>
           </a:xfrm>
           <a:prstGeom prst="ellipse">
@@ -7519,74 +7635,10 @@
           <a:noFill/>
           <a:ln w="9525" cap="flat" cmpd="sng" algn="ctr">
             <a:solidFill>
-              <a:schemeClr val="tx1"/>
-            </a:solidFill>
-            <a:prstDash val="solid"/>
-            <a:round/>
-            <a:headEnd type="none" w="med" len="med"/>
-            <a:tailEnd type="none" w="med" len="med"/>
-          </a:ln>
-          <a:effectLst/>
-        </p:spPr>
-        <p:txBody>
-          <a:bodyPr vert="horz" wrap="square" lIns="91440" tIns="45720" rIns="91440" bIns="45720" numCol="1" rtlCol="0" anchor="ctr" anchorCtr="0" compatLnSpc="1">
-            <a:prstTxWarp prst="textNoShape">
-              <a:avLst/>
-            </a:prstTxWarp>
-          </a:bodyPr>
-          <a:lstStyle/>
-          <a:p>
-            <a:pPr marL="0" marR="0" indent="0" algn="ctr" defTabSz="914400" rtl="0" eaLnBrk="0" fontAlgn="base" latinLnBrk="0" hangingPunct="0">
-              <a:lnSpc>
-                <a:spcPct val="100000"/>
-              </a:lnSpc>
-              <a:spcBef>
-                <a:spcPct val="0"/>
-              </a:spcBef>
-              <a:spcAft>
-                <a:spcPct val="0"/>
-              </a:spcAft>
-              <a:buClrTx/>
-              <a:buSzTx/>
-              <a:buFontTx/>
-              <a:buNone/>
-              <a:tabLst/>
-            </a:pPr>
-            <a:r>
-              <a:rPr kumimoji="0" lang="en-US" sz="1400" b="0" i="0" u="none" strike="noStrike" cap="none" normalizeH="0" baseline="0" dirty="0">
-                <a:ln>
-                  <a:solidFill>
-                    <a:schemeClr val="tx1"/>
-                  </a:solidFill>
-                </a:ln>
-                <a:effectLst/>
-                <a:latin typeface="Arial" pitchFamily="-107" charset="0"/>
-                <a:ea typeface="ＭＳ Ｐゴシック" pitchFamily="-107" charset="-128"/>
-                <a:cs typeface="ＭＳ Ｐゴシック" pitchFamily="-107" charset="-128"/>
-              </a:rPr>
-              <a:t>HTTP</a:t>
-            </a:r>
-          </a:p>
-        </p:txBody>
-      </p:sp>
-      <p:sp>
-        <p:nvSpPr>
-          <p:cNvPr id="117" name="Ellipse 116"/>
-          <p:cNvSpPr/>
-          <p:nvPr/>
-        </p:nvSpPr>
-        <p:spPr bwMode="auto">
-          <a:xfrm>
-            <a:off x="1886960" y="1919574"/>
-            <a:ext cx="1441029" cy="1026777"/>
-          </a:xfrm>
-          <a:prstGeom prst="ellipse">
-            <a:avLst/>
-          </a:prstGeom>
-          <a:noFill/>
-          <a:ln w="9525" cap="flat" cmpd="sng" algn="ctr">
-            <a:solidFill>
-              <a:schemeClr val="tx1"/>
+              <a:schemeClr val="tx1">
+                <a:lumMod val="50000"/>
+                <a:lumOff val="50000"/>
+              </a:schemeClr>
             </a:solidFill>
             <a:prstDash val="solid"/>
             <a:round/>
@@ -7625,8 +7677,14 @@
                   <a:schemeClr val="tx1"/>
                 </a:solidFill>
               </a:ln>
+              <a:solidFill>
+                <a:schemeClr val="tx1">
+                  <a:lumMod val="50000"/>
+                  <a:lumOff val="50000"/>
+                </a:schemeClr>
+              </a:solidFill>
               <a:effectLst/>
-              <a:latin typeface="Arial" pitchFamily="-107" charset="0"/>
+              <a:latin typeface="+mn-lt"/>
               <a:ea typeface="ＭＳ Ｐゴシック" pitchFamily="-107" charset="-128"/>
               <a:cs typeface="ＭＳ Ｐゴシック" pitchFamily="-107" charset="-128"/>
             </a:endParaRPr>
@@ -7635,14 +7693,14 @@
       </p:sp>
       <p:sp>
         <p:nvSpPr>
-          <p:cNvPr id="118" name="Ellipse 117"/>
+          <p:cNvPr id="117" name="Ellipse 116"/>
           <p:cNvSpPr/>
           <p:nvPr/>
         </p:nvSpPr>
         <p:spPr bwMode="auto">
           <a:xfrm>
-            <a:off x="2005836" y="1961244"/>
-            <a:ext cx="1196982" cy="943436"/>
+            <a:off x="1886960" y="1556792"/>
+            <a:ext cx="1441029" cy="1026777"/>
           </a:xfrm>
           <a:prstGeom prst="ellipse">
             <a:avLst/>
@@ -7650,7 +7708,10 @@
           <a:noFill/>
           <a:ln w="9525" cap="flat" cmpd="sng" algn="ctr">
             <a:solidFill>
-              <a:schemeClr val="tx1"/>
+              <a:schemeClr val="tx1">
+                <a:lumMod val="50000"/>
+                <a:lumOff val="50000"/>
+              </a:schemeClr>
             </a:solidFill>
             <a:prstDash val="solid"/>
             <a:round/>
@@ -7689,8 +7750,14 @@
                   <a:schemeClr val="tx1"/>
                 </a:solidFill>
               </a:ln>
+              <a:solidFill>
+                <a:schemeClr val="tx1">
+                  <a:lumMod val="50000"/>
+                  <a:lumOff val="50000"/>
+                </a:schemeClr>
+              </a:solidFill>
               <a:effectLst/>
-              <a:latin typeface="Arial" pitchFamily="-107" charset="0"/>
+              <a:latin typeface="+mn-lt"/>
               <a:ea typeface="ＭＳ Ｐゴシック" pitchFamily="-107" charset="-128"/>
               <a:cs typeface="ＭＳ Ｐゴシック" pitchFamily="-107" charset="-128"/>
             </a:endParaRPr>
@@ -7699,14 +7766,14 @@
       </p:sp>
       <p:sp>
         <p:nvSpPr>
-          <p:cNvPr id="119" name="Ellipse 118"/>
+          <p:cNvPr id="118" name="Ellipse 117"/>
           <p:cNvSpPr/>
           <p:nvPr/>
         </p:nvSpPr>
         <p:spPr bwMode="auto">
           <a:xfrm>
-            <a:off x="2120928" y="1985647"/>
-            <a:ext cx="966798" cy="894631"/>
+            <a:off x="2005836" y="1598462"/>
+            <a:ext cx="1196982" cy="943436"/>
           </a:xfrm>
           <a:prstGeom prst="ellipse">
             <a:avLst/>
@@ -7714,7 +7781,10 @@
           <a:noFill/>
           <a:ln w="9525" cap="flat" cmpd="sng" algn="ctr">
             <a:solidFill>
-              <a:schemeClr val="tx1"/>
+              <a:schemeClr val="tx1">
+                <a:lumMod val="50000"/>
+                <a:lumOff val="50000"/>
+              </a:schemeClr>
             </a:solidFill>
             <a:prstDash val="solid"/>
             <a:round/>
@@ -7747,32 +7817,35 @@
               <a:buNone/>
               <a:tabLst/>
             </a:pPr>
-            <a:r>
-              <a:rPr kumimoji="0" lang="en-US" sz="1400" b="0" i="0" u="none" strike="noStrike" cap="none" normalizeH="0" baseline="0" dirty="0">
-                <a:ln>
-                  <a:solidFill>
-                    <a:schemeClr val="tx1"/>
-                  </a:solidFill>
-                </a:ln>
-                <a:effectLst/>
-                <a:latin typeface="Arial" pitchFamily="-107" charset="0"/>
-                <a:ea typeface="ＭＳ Ｐゴシック" pitchFamily="-107" charset="-128"/>
-                <a:cs typeface="ＭＳ Ｐゴシック" pitchFamily="-107" charset="-128"/>
-              </a:rPr>
-              <a:t>HTTP</a:t>
-            </a:r>
+            <a:endParaRPr kumimoji="0" lang="en-US" sz="1800" b="0" i="0" u="none" strike="noStrike" cap="none" normalizeH="0" baseline="0" dirty="0">
+              <a:ln>
+                <a:solidFill>
+                  <a:schemeClr val="tx1"/>
+                </a:solidFill>
+              </a:ln>
+              <a:solidFill>
+                <a:schemeClr val="tx1">
+                  <a:lumMod val="50000"/>
+                  <a:lumOff val="50000"/>
+                </a:schemeClr>
+              </a:solidFill>
+              <a:effectLst/>
+              <a:latin typeface="+mn-lt"/>
+              <a:ea typeface="ＭＳ Ｐゴシック" pitchFamily="-107" charset="-128"/>
+              <a:cs typeface="ＭＳ Ｐゴシック" pitchFamily="-107" charset="-128"/>
+            </a:endParaRPr>
           </a:p>
         </p:txBody>
       </p:sp>
       <p:sp>
         <p:nvSpPr>
-          <p:cNvPr id="121" name="Ellipse 120"/>
+          <p:cNvPr id="119" name="Ellipse 118"/>
           <p:cNvSpPr/>
           <p:nvPr/>
         </p:nvSpPr>
         <p:spPr bwMode="auto">
           <a:xfrm>
-            <a:off x="5185155" y="1985647"/>
+            <a:off x="2120928" y="1622865"/>
             <a:ext cx="966798" cy="894631"/>
           </a:xfrm>
           <a:prstGeom prst="ellipse">
@@ -7781,7 +7854,10 @@
           <a:noFill/>
           <a:ln w="9525" cap="flat" cmpd="sng" algn="ctr">
             <a:solidFill>
-              <a:schemeClr val="tx1"/>
+              <a:schemeClr val="tx1">
+                <a:lumMod val="50000"/>
+                <a:lumOff val="50000"/>
+              </a:schemeClr>
             </a:solidFill>
             <a:prstDash val="solid"/>
             <a:round/>
@@ -7814,20 +7890,96 @@
               <a:buNone/>
               <a:tabLst/>
             </a:pPr>
-            <a:r>
-              <a:rPr kumimoji="0" lang="en-US" sz="1400" b="0" i="0" u="none" strike="noStrike" cap="none" normalizeH="0" baseline="0" dirty="0">
-                <a:ln>
-                  <a:solidFill>
-                    <a:schemeClr val="tx1"/>
-                  </a:solidFill>
-                </a:ln>
-                <a:effectLst/>
-                <a:latin typeface="Arial" pitchFamily="-107" charset="0"/>
-                <a:ea typeface="ＭＳ Ｐゴシック" pitchFamily="-107" charset="-128"/>
-                <a:cs typeface="ＭＳ Ｐゴシック" pitchFamily="-107" charset="-128"/>
-              </a:rPr>
-              <a:t>HTTP</a:t>
-            </a:r>
+            <a:endParaRPr kumimoji="0" lang="en-US" sz="1800" i="0" u="none" strike="noStrike" cap="none" normalizeH="0" baseline="0" dirty="0">
+              <a:ln>
+                <a:solidFill>
+                  <a:schemeClr val="tx1"/>
+                </a:solidFill>
+              </a:ln>
+              <a:solidFill>
+                <a:schemeClr val="tx1">
+                  <a:lumMod val="50000"/>
+                  <a:lumOff val="50000"/>
+                </a:schemeClr>
+              </a:solidFill>
+              <a:effectLst/>
+              <a:latin typeface="+mn-lt"/>
+              <a:ea typeface="ＭＳ Ｐゴシック" pitchFamily="-107" charset="-128"/>
+              <a:cs typeface="ＭＳ Ｐゴシック" pitchFamily="-107" charset="-128"/>
+            </a:endParaRPr>
+          </a:p>
+        </p:txBody>
+      </p:sp>
+      <p:sp>
+        <p:nvSpPr>
+          <p:cNvPr id="121" name="Ellipse 120"/>
+          <p:cNvSpPr/>
+          <p:nvPr/>
+        </p:nvSpPr>
+        <p:spPr bwMode="auto">
+          <a:xfrm>
+            <a:off x="5185155" y="1622865"/>
+            <a:ext cx="966798" cy="894631"/>
+          </a:xfrm>
+          <a:prstGeom prst="ellipse">
+            <a:avLst/>
+          </a:prstGeom>
+          <a:noFill/>
+          <a:ln w="9525" cap="flat" cmpd="sng" algn="ctr">
+            <a:solidFill>
+              <a:schemeClr val="tx1">
+                <a:lumMod val="50000"/>
+                <a:lumOff val="50000"/>
+              </a:schemeClr>
+            </a:solidFill>
+            <a:prstDash val="solid"/>
+            <a:round/>
+            <a:headEnd type="none" w="med" len="med"/>
+            <a:tailEnd type="none" w="med" len="med"/>
+          </a:ln>
+          <a:effectLst/>
+        </p:spPr>
+        <p:txBody>
+          <a:bodyPr vert="horz" wrap="square" lIns="91440" tIns="45720" rIns="91440" bIns="45720" numCol="1" rtlCol="0" anchor="ctr" anchorCtr="0" compatLnSpc="1">
+            <a:prstTxWarp prst="textNoShape">
+              <a:avLst/>
+            </a:prstTxWarp>
+          </a:bodyPr>
+          <a:lstStyle/>
+          <a:p>
+            <a:pPr marL="0" marR="0" indent="0" algn="ctr" defTabSz="914400" rtl="0" eaLnBrk="0" fontAlgn="base" latinLnBrk="0" hangingPunct="0">
+              <a:lnSpc>
+                <a:spcPct val="100000"/>
+              </a:lnSpc>
+              <a:spcBef>
+                <a:spcPct val="0"/>
+              </a:spcBef>
+              <a:spcAft>
+                <a:spcPct val="0"/>
+              </a:spcAft>
+              <a:buClrTx/>
+              <a:buSzTx/>
+              <a:buFontTx/>
+              <a:buNone/>
+              <a:tabLst/>
+            </a:pPr>
+            <a:endParaRPr kumimoji="0" lang="en-US" sz="1800" b="0" i="0" u="none" strike="noStrike" cap="none" normalizeH="0" baseline="0" dirty="0">
+              <a:ln>
+                <a:solidFill>
+                  <a:schemeClr val="tx1"/>
+                </a:solidFill>
+              </a:ln>
+              <a:solidFill>
+                <a:schemeClr val="tx1">
+                  <a:lumMod val="50000"/>
+                  <a:lumOff val="50000"/>
+                </a:schemeClr>
+              </a:solidFill>
+              <a:effectLst/>
+              <a:latin typeface="+mn-lt"/>
+              <a:ea typeface="ＭＳ Ｐゴシック" pitchFamily="-107" charset="-128"/>
+              <a:cs typeface="ＭＳ Ｐゴシック" pitchFamily="-107" charset="-128"/>
+            </a:endParaRPr>
           </a:p>
         </p:txBody>
       </p:sp>
@@ -7841,7 +7993,7 @@
         </p:nvCxnSpPr>
         <p:spPr bwMode="auto">
           <a:xfrm flipV="1">
-            <a:off x="2627784" y="3184875"/>
+            <a:off x="2627784" y="2822093"/>
             <a:ext cx="0" cy="826660"/>
           </a:xfrm>
           <a:prstGeom prst="straightConnector1">
@@ -7874,7 +8026,7 @@
         </p:nvCxnSpPr>
         <p:spPr bwMode="auto">
           <a:xfrm flipV="1">
-            <a:off x="4058488" y="3034387"/>
+            <a:off x="4058488" y="2671605"/>
             <a:ext cx="9456" cy="866711"/>
           </a:xfrm>
           <a:prstGeom prst="straightConnector1">
@@ -7907,7 +8059,7 @@
         </p:nvCxnSpPr>
         <p:spPr bwMode="auto">
           <a:xfrm flipV="1">
-            <a:off x="5659098" y="3054732"/>
+            <a:off x="5659098" y="2634170"/>
             <a:ext cx="9456" cy="866711"/>
           </a:xfrm>
           <a:prstGeom prst="straightConnector1">
@@ -7938,8 +8090,8 @@
         </p:nvSpPr>
         <p:spPr>
           <a:xfrm>
-            <a:off x="5936340" y="4606601"/>
-            <a:ext cx="1351718" cy="830997"/>
+            <a:off x="5826334" y="2811285"/>
+            <a:ext cx="939916" cy="830997"/>
           </a:xfrm>
           <a:prstGeom prst="rect">
             <a:avLst/>
@@ -7952,13 +8104,728 @@
           </a:bodyPr>
           <a:lstStyle/>
           <a:p>
-            <a:r>
-              <a:rPr lang="en-US" dirty="0"/>
-              <a:t>Exit Node</a:t>
-            </a:r>
+            <a:pPr algn="ctr"/>
+            <a:r>
+              <a:rPr lang="en-US" dirty="0">
+                <a:solidFill>
+                  <a:schemeClr val="tx1">
+                    <a:lumMod val="75000"/>
+                    <a:lumOff val="25000"/>
+                  </a:schemeClr>
+                </a:solidFill>
+                <a:latin typeface="+mn-lt"/>
+              </a:rPr>
+              <a:t>e</a:t>
+            </a:r>
+            <a:r>
+              <a:rPr lang="en-US" dirty="0" smtClean="0">
+                <a:solidFill>
+                  <a:schemeClr val="tx1">
+                    <a:lumMod val="75000"/>
+                    <a:lumOff val="25000"/>
+                  </a:schemeClr>
+                </a:solidFill>
+                <a:latin typeface="+mn-lt"/>
+              </a:rPr>
+              <a:t>xit node</a:t>
+            </a:r>
+            <a:endParaRPr lang="en-US" dirty="0">
+              <a:solidFill>
+                <a:schemeClr val="tx1">
+                  <a:lumMod val="75000"/>
+                  <a:lumOff val="25000"/>
+                </a:schemeClr>
+              </a:solidFill>
+              <a:latin typeface="+mn-lt"/>
+            </a:endParaRPr>
           </a:p>
         </p:txBody>
       </p:sp>
+      <p:cxnSp>
+        <p:nvCxnSpPr>
+          <p:cNvPr id="37" name="Gerade Verbindung mit Pfeil 36"/>
+          <p:cNvCxnSpPr>
+            <a:cxnSpLocks/>
+          </p:cNvCxnSpPr>
+          <p:nvPr/>
+        </p:nvCxnSpPr>
+        <p:spPr bwMode="auto">
+          <a:xfrm flipV="1">
+            <a:off x="7067301" y="2634170"/>
+            <a:ext cx="9456" cy="866711"/>
+          </a:xfrm>
+          <a:prstGeom prst="straightConnector1">
+            <a:avLst/>
+          </a:prstGeom>
+          <a:solidFill>
+            <a:schemeClr val="accent1"/>
+          </a:solidFill>
+          <a:ln w="19050" cap="flat" cmpd="sng" algn="ctr">
+            <a:solidFill>
+              <a:schemeClr val="bg1">
+                <a:lumMod val="65000"/>
+              </a:schemeClr>
+            </a:solidFill>
+            <a:prstDash val="dash"/>
+            <a:round/>
+            <a:headEnd type="none" w="med" len="med"/>
+            <a:tailEnd type="none" w="med" len="med"/>
+          </a:ln>
+          <a:effectLst/>
+        </p:spPr>
+      </p:cxnSp>
+      <p:sp>
+        <p:nvSpPr>
+          <p:cNvPr id="38" name="Textfeld 37"/>
+          <p:cNvSpPr txBox="1"/>
+          <p:nvPr/>
+        </p:nvSpPr>
+        <p:spPr>
+          <a:xfrm>
+            <a:off x="5247894" y="1839348"/>
+            <a:ext cx="841321" cy="461665"/>
+          </a:xfrm>
+          <a:prstGeom prst="rect">
+            <a:avLst/>
+          </a:prstGeom>
+          <a:noFill/>
+          <a:ln>
+            <a:noFill/>
+          </a:ln>
+        </p:spPr>
+        <p:txBody>
+          <a:bodyPr wrap="none" rtlCol="0">
+            <a:spAutoFit/>
+          </a:bodyPr>
+          <a:lstStyle/>
+          <a:p>
+            <a:r>
+              <a:rPr lang="en-US" dirty="0">
+                <a:solidFill>
+                  <a:schemeClr val="tx1">
+                    <a:lumMod val="75000"/>
+                    <a:lumOff val="25000"/>
+                  </a:schemeClr>
+                </a:solidFill>
+                <a:latin typeface="+mn-lt"/>
+              </a:rPr>
+              <a:t>HTTP</a:t>
+            </a:r>
+            <a:endParaRPr lang="en-US" sz="1800" dirty="0">
+              <a:solidFill>
+                <a:schemeClr val="tx1">
+                  <a:lumMod val="75000"/>
+                  <a:lumOff val="25000"/>
+                </a:schemeClr>
+              </a:solidFill>
+              <a:latin typeface="+mn-lt"/>
+            </a:endParaRPr>
+          </a:p>
+        </p:txBody>
+      </p:sp>
+      <p:sp>
+        <p:nvSpPr>
+          <p:cNvPr id="39" name="Textfeld 38"/>
+          <p:cNvSpPr txBox="1"/>
+          <p:nvPr/>
+        </p:nvSpPr>
+        <p:spPr>
+          <a:xfrm>
+            <a:off x="3723775" y="1877224"/>
+            <a:ext cx="841321" cy="461665"/>
+          </a:xfrm>
+          <a:prstGeom prst="rect">
+            <a:avLst/>
+          </a:prstGeom>
+          <a:noFill/>
+          <a:ln>
+            <a:noFill/>
+          </a:ln>
+        </p:spPr>
+        <p:txBody>
+          <a:bodyPr wrap="none" rtlCol="0">
+            <a:spAutoFit/>
+          </a:bodyPr>
+          <a:lstStyle/>
+          <a:p>
+            <a:r>
+              <a:rPr lang="en-US" dirty="0">
+                <a:solidFill>
+                  <a:schemeClr val="tx1">
+                    <a:lumMod val="75000"/>
+                    <a:lumOff val="25000"/>
+                  </a:schemeClr>
+                </a:solidFill>
+                <a:latin typeface="+mn-lt"/>
+              </a:rPr>
+              <a:t>HTTP</a:t>
+            </a:r>
+            <a:endParaRPr lang="en-US" sz="1800" dirty="0">
+              <a:solidFill>
+                <a:schemeClr val="tx1">
+                  <a:lumMod val="75000"/>
+                  <a:lumOff val="25000"/>
+                </a:schemeClr>
+              </a:solidFill>
+              <a:latin typeface="+mn-lt"/>
+            </a:endParaRPr>
+          </a:p>
+        </p:txBody>
+      </p:sp>
+      <p:sp>
+        <p:nvSpPr>
+          <p:cNvPr id="40" name="Textfeld 39"/>
+          <p:cNvSpPr txBox="1"/>
+          <p:nvPr/>
+        </p:nvSpPr>
+        <p:spPr>
+          <a:xfrm>
+            <a:off x="2186814" y="1839348"/>
+            <a:ext cx="841321" cy="461665"/>
+          </a:xfrm>
+          <a:prstGeom prst="rect">
+            <a:avLst/>
+          </a:prstGeom>
+          <a:noFill/>
+          <a:ln>
+            <a:noFill/>
+          </a:ln>
+        </p:spPr>
+        <p:txBody>
+          <a:bodyPr wrap="none" rtlCol="0">
+            <a:spAutoFit/>
+          </a:bodyPr>
+          <a:lstStyle/>
+          <a:p>
+            <a:r>
+              <a:rPr lang="en-US" dirty="0">
+                <a:solidFill>
+                  <a:schemeClr val="tx1">
+                    <a:lumMod val="75000"/>
+                    <a:lumOff val="25000"/>
+                  </a:schemeClr>
+                </a:solidFill>
+                <a:latin typeface="+mn-lt"/>
+              </a:rPr>
+              <a:t>HTTP</a:t>
+            </a:r>
+            <a:endParaRPr lang="en-US" sz="1800" dirty="0">
+              <a:solidFill>
+                <a:schemeClr val="tx1">
+                  <a:lumMod val="75000"/>
+                  <a:lumOff val="25000"/>
+                </a:schemeClr>
+              </a:solidFill>
+              <a:latin typeface="+mn-lt"/>
+            </a:endParaRPr>
+          </a:p>
+        </p:txBody>
+      </p:sp>
+      <p:grpSp>
+        <p:nvGrpSpPr>
+          <p:cNvPr id="41" name="Gruppieren 40"/>
+          <p:cNvGrpSpPr/>
+          <p:nvPr/>
+        </p:nvGrpSpPr>
+        <p:grpSpPr>
+          <a:xfrm>
+            <a:off x="2915922" y="5245384"/>
+            <a:ext cx="647859" cy="1063936"/>
+            <a:chOff x="6516216" y="3284984"/>
+            <a:chExt cx="1224136" cy="2160240"/>
+          </a:xfrm>
+        </p:grpSpPr>
+        <p:sp>
+          <p:nvSpPr>
+            <p:cNvPr id="42" name="Rechteck 41"/>
+            <p:cNvSpPr/>
+            <p:nvPr/>
+          </p:nvSpPr>
+          <p:spPr bwMode="auto">
+            <a:xfrm>
+              <a:off x="6516216" y="3284984"/>
+              <a:ext cx="1224136" cy="2160240"/>
+            </a:xfrm>
+            <a:prstGeom prst="rect">
+              <a:avLst/>
+            </a:prstGeom>
+            <a:solidFill>
+              <a:schemeClr val="accent1"/>
+            </a:solidFill>
+            <a:ln w="9525" cap="flat" cmpd="sng" algn="ctr">
+              <a:solidFill>
+                <a:schemeClr val="bg2">
+                  <a:lumMod val="50000"/>
+                </a:schemeClr>
+              </a:solidFill>
+              <a:prstDash val="solid"/>
+              <a:round/>
+              <a:headEnd type="none" w="med" len="med"/>
+              <a:tailEnd type="none" w="med" len="med"/>
+            </a:ln>
+            <a:effectLst/>
+          </p:spPr>
+          <p:txBody>
+            <a:bodyPr vert="horz" wrap="square" lIns="91440" tIns="45720" rIns="91440" bIns="45720" numCol="1" rtlCol="0" anchor="t" anchorCtr="0" compatLnSpc="1">
+              <a:prstTxWarp prst="textNoShape">
+                <a:avLst/>
+              </a:prstTxWarp>
+            </a:bodyPr>
+            <a:lstStyle/>
+            <a:p>
+              <a:pPr marL="0" marR="0" indent="0" algn="l" defTabSz="914400" rtl="0" eaLnBrk="0" fontAlgn="base" latinLnBrk="0" hangingPunct="0">
+                <a:lnSpc>
+                  <a:spcPct val="100000"/>
+                </a:lnSpc>
+                <a:spcBef>
+                  <a:spcPct val="0"/>
+                </a:spcBef>
+                <a:spcAft>
+                  <a:spcPct val="0"/>
+                </a:spcAft>
+                <a:buClrTx/>
+                <a:buSzTx/>
+                <a:buFontTx/>
+                <a:buNone/>
+                <a:tabLst/>
+              </a:pPr>
+              <a:endParaRPr kumimoji="0" lang="en-US" sz="2400" b="0" i="0" u="none" strike="noStrike" cap="none" normalizeH="0" baseline="0">
+                <a:ln>
+                  <a:noFill/>
+                </a:ln>
+                <a:solidFill>
+                  <a:schemeClr val="tx1"/>
+                </a:solidFill>
+                <a:effectLst/>
+                <a:latin typeface="+mn-lt"/>
+                <a:ea typeface="ＭＳ Ｐゴシック" pitchFamily="-107" charset="-128"/>
+                <a:cs typeface="ＭＳ Ｐゴシック" pitchFamily="-107" charset="-128"/>
+              </a:endParaRPr>
+            </a:p>
+          </p:txBody>
+        </p:sp>
+        <p:sp>
+          <p:nvSpPr>
+            <p:cNvPr id="44" name="Rechteck 43"/>
+            <p:cNvSpPr/>
+            <p:nvPr/>
+          </p:nvSpPr>
+          <p:spPr bwMode="auto">
+            <a:xfrm>
+              <a:off x="6668616" y="3435473"/>
+              <a:ext cx="927720" cy="281559"/>
+            </a:xfrm>
+            <a:prstGeom prst="rect">
+              <a:avLst/>
+            </a:prstGeom>
+            <a:solidFill>
+              <a:schemeClr val="accent1"/>
+            </a:solidFill>
+            <a:ln w="9525" cap="flat" cmpd="sng" algn="ctr">
+              <a:solidFill>
+                <a:schemeClr val="bg2">
+                  <a:lumMod val="50000"/>
+                </a:schemeClr>
+              </a:solidFill>
+              <a:prstDash val="solid"/>
+              <a:round/>
+              <a:headEnd type="none" w="med" len="med"/>
+              <a:tailEnd type="none" w="med" len="med"/>
+            </a:ln>
+            <a:effectLst/>
+          </p:spPr>
+          <p:txBody>
+            <a:bodyPr vert="horz" wrap="square" lIns="91440" tIns="45720" rIns="91440" bIns="45720" numCol="1" rtlCol="0" anchor="t" anchorCtr="0" compatLnSpc="1">
+              <a:prstTxWarp prst="textNoShape">
+                <a:avLst/>
+              </a:prstTxWarp>
+            </a:bodyPr>
+            <a:lstStyle/>
+            <a:p>
+              <a:pPr marL="0" marR="0" indent="0" algn="l" defTabSz="914400" rtl="0" eaLnBrk="0" fontAlgn="base" latinLnBrk="0" hangingPunct="0">
+                <a:lnSpc>
+                  <a:spcPct val="100000"/>
+                </a:lnSpc>
+                <a:spcBef>
+                  <a:spcPct val="0"/>
+                </a:spcBef>
+                <a:spcAft>
+                  <a:spcPct val="0"/>
+                </a:spcAft>
+                <a:buClrTx/>
+                <a:buSzTx/>
+                <a:buFontTx/>
+                <a:buNone/>
+                <a:tabLst/>
+              </a:pPr>
+              <a:endParaRPr kumimoji="0" lang="en-US" sz="2400" b="0" i="0" u="none" strike="noStrike" cap="none" normalizeH="0" baseline="0">
+                <a:ln>
+                  <a:noFill/>
+                </a:ln>
+                <a:solidFill>
+                  <a:schemeClr val="tx1"/>
+                </a:solidFill>
+                <a:effectLst/>
+                <a:latin typeface="+mn-lt"/>
+                <a:ea typeface="ＭＳ Ｐゴシック" pitchFamily="-107" charset="-128"/>
+                <a:cs typeface="ＭＳ Ｐゴシック" pitchFamily="-107" charset="-128"/>
+              </a:endParaRPr>
+            </a:p>
+          </p:txBody>
+        </p:sp>
+        <p:sp>
+          <p:nvSpPr>
+            <p:cNvPr id="47" name="Rechteck 46"/>
+            <p:cNvSpPr/>
+            <p:nvPr/>
+          </p:nvSpPr>
+          <p:spPr bwMode="auto">
+            <a:xfrm>
+              <a:off x="6664424" y="3886941"/>
+              <a:ext cx="927720" cy="281559"/>
+            </a:xfrm>
+            <a:prstGeom prst="rect">
+              <a:avLst/>
+            </a:prstGeom>
+            <a:solidFill>
+              <a:schemeClr val="accent1"/>
+            </a:solidFill>
+            <a:ln w="9525" cap="flat" cmpd="sng" algn="ctr">
+              <a:solidFill>
+                <a:schemeClr val="bg2">
+                  <a:lumMod val="50000"/>
+                </a:schemeClr>
+              </a:solidFill>
+              <a:prstDash val="solid"/>
+              <a:round/>
+              <a:headEnd type="none" w="med" len="med"/>
+              <a:tailEnd type="none" w="med" len="med"/>
+            </a:ln>
+            <a:effectLst/>
+          </p:spPr>
+          <p:txBody>
+            <a:bodyPr vert="horz" wrap="square" lIns="91440" tIns="45720" rIns="91440" bIns="45720" numCol="1" rtlCol="0" anchor="t" anchorCtr="0" compatLnSpc="1">
+              <a:prstTxWarp prst="textNoShape">
+                <a:avLst/>
+              </a:prstTxWarp>
+            </a:bodyPr>
+            <a:lstStyle/>
+            <a:p>
+              <a:pPr marL="0" marR="0" indent="0" algn="l" defTabSz="914400" rtl="0" eaLnBrk="0" fontAlgn="base" latinLnBrk="0" hangingPunct="0">
+                <a:lnSpc>
+                  <a:spcPct val="100000"/>
+                </a:lnSpc>
+                <a:spcBef>
+                  <a:spcPct val="0"/>
+                </a:spcBef>
+                <a:spcAft>
+                  <a:spcPct val="0"/>
+                </a:spcAft>
+                <a:buClrTx/>
+                <a:buSzTx/>
+                <a:buFontTx/>
+                <a:buNone/>
+                <a:tabLst/>
+              </a:pPr>
+              <a:endParaRPr kumimoji="0" lang="en-US" sz="2400" b="0" i="0" u="none" strike="noStrike" cap="none" normalizeH="0" baseline="0">
+                <a:ln>
+                  <a:noFill/>
+                </a:ln>
+                <a:solidFill>
+                  <a:schemeClr val="tx1"/>
+                </a:solidFill>
+                <a:effectLst/>
+                <a:latin typeface="+mn-lt"/>
+                <a:ea typeface="ＭＳ Ｐゴシック" pitchFamily="-107" charset="-128"/>
+                <a:cs typeface="ＭＳ Ｐゴシック" pitchFamily="-107" charset="-128"/>
+              </a:endParaRPr>
+            </a:p>
+          </p:txBody>
+        </p:sp>
+        <p:sp>
+          <p:nvSpPr>
+            <p:cNvPr id="49" name="Rechteck 48"/>
+            <p:cNvSpPr/>
+            <p:nvPr/>
+          </p:nvSpPr>
+          <p:spPr bwMode="auto">
+            <a:xfrm>
+              <a:off x="6664424" y="4338409"/>
+              <a:ext cx="927720" cy="281559"/>
+            </a:xfrm>
+            <a:prstGeom prst="rect">
+              <a:avLst/>
+            </a:prstGeom>
+            <a:solidFill>
+              <a:schemeClr val="accent1"/>
+            </a:solidFill>
+            <a:ln w="9525" cap="flat" cmpd="sng" algn="ctr">
+              <a:solidFill>
+                <a:schemeClr val="bg2">
+                  <a:lumMod val="50000"/>
+                </a:schemeClr>
+              </a:solidFill>
+              <a:prstDash val="solid"/>
+              <a:round/>
+              <a:headEnd type="none" w="med" len="med"/>
+              <a:tailEnd type="none" w="med" len="med"/>
+            </a:ln>
+            <a:effectLst/>
+          </p:spPr>
+          <p:txBody>
+            <a:bodyPr vert="horz" wrap="square" lIns="91440" tIns="45720" rIns="91440" bIns="45720" numCol="1" rtlCol="0" anchor="t" anchorCtr="0" compatLnSpc="1">
+              <a:prstTxWarp prst="textNoShape">
+                <a:avLst/>
+              </a:prstTxWarp>
+            </a:bodyPr>
+            <a:lstStyle/>
+            <a:p>
+              <a:pPr marL="0" marR="0" indent="0" algn="l" defTabSz="914400" rtl="0" eaLnBrk="0" fontAlgn="base" latinLnBrk="0" hangingPunct="0">
+                <a:lnSpc>
+                  <a:spcPct val="100000"/>
+                </a:lnSpc>
+                <a:spcBef>
+                  <a:spcPct val="0"/>
+                </a:spcBef>
+                <a:spcAft>
+                  <a:spcPct val="0"/>
+                </a:spcAft>
+                <a:buClrTx/>
+                <a:buSzTx/>
+                <a:buFontTx/>
+                <a:buNone/>
+                <a:tabLst/>
+              </a:pPr>
+              <a:endParaRPr kumimoji="0" lang="en-US" sz="2400" b="0" i="0" u="none" strike="noStrike" cap="none" normalizeH="0" baseline="0">
+                <a:ln>
+                  <a:noFill/>
+                </a:ln>
+                <a:solidFill>
+                  <a:schemeClr val="tx1"/>
+                </a:solidFill>
+                <a:effectLst/>
+                <a:latin typeface="+mn-lt"/>
+                <a:ea typeface="ＭＳ Ｐゴシック" pitchFamily="-107" charset="-128"/>
+                <a:cs typeface="ＭＳ Ｐゴシック" pitchFamily="-107" charset="-128"/>
+              </a:endParaRPr>
+            </a:p>
+          </p:txBody>
+        </p:sp>
+        <p:sp>
+          <p:nvSpPr>
+            <p:cNvPr id="51" name="Ellipse 50"/>
+            <p:cNvSpPr/>
+            <p:nvPr/>
+          </p:nvSpPr>
+          <p:spPr bwMode="auto">
+            <a:xfrm>
+              <a:off x="7038274" y="4924584"/>
+              <a:ext cx="180020" cy="180000"/>
+            </a:xfrm>
+            <a:prstGeom prst="ellipse">
+              <a:avLst/>
+            </a:prstGeom>
+            <a:solidFill>
+              <a:schemeClr val="accent1"/>
+            </a:solidFill>
+            <a:ln w="9525" cap="flat" cmpd="sng" algn="ctr">
+              <a:solidFill>
+                <a:schemeClr val="bg2">
+                  <a:lumMod val="50000"/>
+                </a:schemeClr>
+              </a:solidFill>
+              <a:prstDash val="solid"/>
+              <a:round/>
+              <a:headEnd type="none" w="med" len="med"/>
+              <a:tailEnd type="none" w="med" len="med"/>
+            </a:ln>
+            <a:effectLst/>
+          </p:spPr>
+          <p:txBody>
+            <a:bodyPr vert="horz" wrap="square" lIns="91440" tIns="45720" rIns="91440" bIns="45720" numCol="1" rtlCol="0" anchor="t" anchorCtr="0" compatLnSpc="1">
+              <a:prstTxWarp prst="textNoShape">
+                <a:avLst/>
+              </a:prstTxWarp>
+            </a:bodyPr>
+            <a:lstStyle/>
+            <a:p>
+              <a:pPr marL="0" marR="0" indent="0" algn="l" defTabSz="914400" rtl="0" eaLnBrk="0" fontAlgn="base" latinLnBrk="0" hangingPunct="0">
+                <a:lnSpc>
+                  <a:spcPct val="100000"/>
+                </a:lnSpc>
+                <a:spcBef>
+                  <a:spcPct val="0"/>
+                </a:spcBef>
+                <a:spcAft>
+                  <a:spcPct val="0"/>
+                </a:spcAft>
+                <a:buClrTx/>
+                <a:buSzTx/>
+                <a:buFontTx/>
+                <a:buNone/>
+                <a:tabLst/>
+              </a:pPr>
+              <a:endParaRPr kumimoji="0" lang="en-US" sz="2400" b="0" i="0" u="none" strike="noStrike" cap="none" normalizeH="0" baseline="0">
+                <a:ln>
+                  <a:noFill/>
+                </a:ln>
+                <a:solidFill>
+                  <a:schemeClr val="tx1"/>
+                </a:solidFill>
+                <a:effectLst/>
+                <a:latin typeface="+mn-lt"/>
+                <a:ea typeface="ＭＳ Ｐゴシック" pitchFamily="-107" charset="-128"/>
+                <a:cs typeface="ＭＳ Ｐゴシック" pitchFamily="-107" charset="-128"/>
+              </a:endParaRPr>
+            </a:p>
+          </p:txBody>
+        </p:sp>
+      </p:grpSp>
+      <p:sp>
+        <p:nvSpPr>
+          <p:cNvPr id="52" name="Textfeld 51"/>
+          <p:cNvSpPr txBox="1"/>
+          <p:nvPr/>
+        </p:nvSpPr>
+        <p:spPr>
+          <a:xfrm>
+            <a:off x="1332945" y="5361853"/>
+            <a:ext cx="1575944" cy="830997"/>
+          </a:xfrm>
+          <a:prstGeom prst="rect">
+            <a:avLst/>
+          </a:prstGeom>
+          <a:noFill/>
+        </p:spPr>
+        <p:txBody>
+          <a:bodyPr wrap="square" rtlCol="0">
+            <a:spAutoFit/>
+          </a:bodyPr>
+          <a:lstStyle/>
+          <a:p>
+            <a:pPr algn="r"/>
+            <a:r>
+              <a:rPr lang="en-US" dirty="0" smtClean="0">
+                <a:solidFill>
+                  <a:schemeClr val="tx1">
+                    <a:lumMod val="75000"/>
+                    <a:lumOff val="25000"/>
+                  </a:schemeClr>
+                </a:solidFill>
+                <a:latin typeface="+mn-lt"/>
+              </a:rPr>
+              <a:t>directory</a:t>
+            </a:r>
+          </a:p>
+          <a:p>
+            <a:pPr algn="r"/>
+            <a:r>
+              <a:rPr lang="en-US" dirty="0" smtClean="0">
+                <a:solidFill>
+                  <a:schemeClr val="tx1">
+                    <a:lumMod val="75000"/>
+                    <a:lumOff val="25000"/>
+                  </a:schemeClr>
+                </a:solidFill>
+                <a:latin typeface="+mn-lt"/>
+              </a:rPr>
+              <a:t>server</a:t>
+            </a:r>
+            <a:endParaRPr lang="en-US" dirty="0">
+              <a:solidFill>
+                <a:schemeClr val="tx1">
+                  <a:lumMod val="75000"/>
+                  <a:lumOff val="25000"/>
+                </a:schemeClr>
+              </a:solidFill>
+              <a:latin typeface="+mn-lt"/>
+            </a:endParaRPr>
+          </a:p>
+        </p:txBody>
+      </p:sp>
+      <p:sp>
+        <p:nvSpPr>
+          <p:cNvPr id="54" name="Textfeld 53"/>
+          <p:cNvSpPr txBox="1"/>
+          <p:nvPr/>
+        </p:nvSpPr>
+        <p:spPr>
+          <a:xfrm>
+            <a:off x="7246837" y="2564904"/>
+            <a:ext cx="1575944" cy="461665"/>
+          </a:xfrm>
+          <a:prstGeom prst="rect">
+            <a:avLst/>
+          </a:prstGeom>
+          <a:noFill/>
+        </p:spPr>
+        <p:txBody>
+          <a:bodyPr wrap="square" rtlCol="0">
+            <a:spAutoFit/>
+          </a:bodyPr>
+          <a:lstStyle/>
+          <a:p>
+            <a:pPr algn="ctr"/>
+            <a:r>
+              <a:rPr lang="en-US" dirty="0" smtClean="0">
+                <a:solidFill>
+                  <a:schemeClr val="tx1">
+                    <a:lumMod val="75000"/>
+                    <a:lumOff val="25000"/>
+                  </a:schemeClr>
+                </a:solidFill>
+                <a:latin typeface="+mn-lt"/>
+              </a:rPr>
+              <a:t>webserver</a:t>
+            </a:r>
+            <a:endParaRPr lang="en-US" dirty="0">
+              <a:solidFill>
+                <a:schemeClr val="tx1">
+                  <a:lumMod val="75000"/>
+                  <a:lumOff val="25000"/>
+                </a:schemeClr>
+              </a:solidFill>
+              <a:latin typeface="+mn-lt"/>
+            </a:endParaRPr>
+          </a:p>
+        </p:txBody>
+      </p:sp>
+      <p:cxnSp>
+        <p:nvCxnSpPr>
+          <p:cNvPr id="56" name="Gerade Verbindung mit Pfeil 55"/>
+          <p:cNvCxnSpPr>
+            <a:cxnSpLocks/>
+            <a:stCxn id="48" idx="2"/>
+            <a:endCxn id="42" idx="0"/>
+          </p:cNvCxnSpPr>
+          <p:nvPr/>
+        </p:nvCxnSpPr>
+        <p:spPr bwMode="auto">
+          <a:xfrm>
+            <a:off x="1635201" y="4362359"/>
+            <a:ext cx="1604651" cy="883025"/>
+          </a:xfrm>
+          <a:prstGeom prst="straightConnector1">
+            <a:avLst/>
+          </a:prstGeom>
+          <a:solidFill>
+            <a:schemeClr val="accent1"/>
+          </a:solidFill>
+          <a:ln w="9525" cap="flat" cmpd="sng" algn="ctr">
+            <a:solidFill>
+              <a:schemeClr val="tx1">
+                <a:lumMod val="50000"/>
+                <a:lumOff val="50000"/>
+              </a:schemeClr>
+            </a:solidFill>
+            <a:prstDash val="lgDash"/>
+            <a:round/>
+            <a:headEnd type="triangle" w="med" len="med"/>
+            <a:tailEnd type="triangle" w="med" len="med"/>
+          </a:ln>
+          <a:effectLst/>
+        </p:spPr>
+      </p:cxnSp>
     </p:spTree>
     <p:extLst>
       <p:ext uri="{BB962C8B-B14F-4D97-AF65-F5344CB8AC3E}">
@@ -8038,160 +8905,170 @@
           </a:p>
         </p:txBody>
       </p:sp>
+      <p:sp>
+        <p:nvSpPr>
+          <p:cNvPr id="2" name="Rechteck 1"/>
+          <p:cNvSpPr/>
+          <p:nvPr/>
+        </p:nvSpPr>
+        <p:spPr bwMode="auto">
+          <a:xfrm>
+            <a:off x="1234904" y="1940317"/>
+            <a:ext cx="940171" cy="3564396"/>
+          </a:xfrm>
+          <a:prstGeom prst="rect">
+            <a:avLst/>
+          </a:prstGeom>
+          <a:solidFill>
+            <a:schemeClr val="accent1"/>
+          </a:solidFill>
+          <a:ln w="9525" cap="flat" cmpd="sng" algn="ctr">
+            <a:solidFill>
+              <a:schemeClr val="bg2">
+                <a:lumMod val="50000"/>
+              </a:schemeClr>
+            </a:solidFill>
+            <a:prstDash val="solid"/>
+            <a:round/>
+            <a:headEnd type="none" w="med" len="med"/>
+            <a:tailEnd type="none" w="med" len="med"/>
+          </a:ln>
+          <a:effectLst/>
+        </p:spPr>
+        <p:txBody>
+          <a:bodyPr vert="horz" wrap="square" lIns="91440" tIns="45720" rIns="91440" bIns="45720" numCol="1" rtlCol="0" anchor="ctr" anchorCtr="0" compatLnSpc="1">
+            <a:prstTxWarp prst="textNoShape">
+              <a:avLst/>
+            </a:prstTxWarp>
+          </a:bodyPr>
+          <a:lstStyle/>
+          <a:p>
+            <a:pPr marL="0" marR="0" indent="0" algn="ctr" defTabSz="914400" rtl="0" eaLnBrk="0" fontAlgn="base" latinLnBrk="0" hangingPunct="0">
+              <a:lnSpc>
+                <a:spcPct val="100000"/>
+              </a:lnSpc>
+              <a:spcBef>
+                <a:spcPct val="0"/>
+              </a:spcBef>
+              <a:spcAft>
+                <a:spcPct val="0"/>
+              </a:spcAft>
+              <a:buClrTx/>
+              <a:buSzTx/>
+              <a:buFontTx/>
+              <a:buNone/>
+              <a:tabLst/>
+            </a:pPr>
+            <a:r>
+              <a:rPr kumimoji="0" lang="en-US" sz="4000" b="0" i="0" u="none" strike="noStrike" cap="none" normalizeH="0" baseline="0" dirty="0">
+                <a:ln>
+                  <a:noFill/>
+                </a:ln>
+                <a:solidFill>
+                  <a:schemeClr val="tx1">
+                    <a:lumMod val="75000"/>
+                    <a:lumOff val="25000"/>
+                  </a:schemeClr>
+                </a:solidFill>
+                <a:effectLst/>
+                <a:latin typeface="Arial" pitchFamily="-107" charset="0"/>
+                <a:ea typeface="ＭＳ Ｐゴシック" pitchFamily="-107" charset="-128"/>
+                <a:cs typeface="ＭＳ Ｐゴシック" pitchFamily="-107" charset="-128"/>
+              </a:rPr>
+              <a:t>A</a:t>
+            </a:r>
+          </a:p>
+        </p:txBody>
+      </p:sp>
+      <p:sp>
+        <p:nvSpPr>
+          <p:cNvPr id="6" name="Rechteck 5"/>
+          <p:cNvSpPr/>
+          <p:nvPr/>
+        </p:nvSpPr>
+        <p:spPr bwMode="auto">
+          <a:xfrm>
+            <a:off x="6864604" y="1940318"/>
+            <a:ext cx="910454" cy="3564396"/>
+          </a:xfrm>
+          <a:prstGeom prst="rect">
+            <a:avLst/>
+          </a:prstGeom>
+          <a:solidFill>
+            <a:schemeClr val="accent1"/>
+          </a:solidFill>
+          <a:ln w="9525" cap="flat" cmpd="sng" algn="ctr">
+            <a:solidFill>
+              <a:schemeClr val="bg2">
+                <a:lumMod val="50000"/>
+              </a:schemeClr>
+            </a:solidFill>
+            <a:prstDash val="solid"/>
+            <a:round/>
+            <a:headEnd type="none" w="med" len="med"/>
+            <a:tailEnd type="none" w="med" len="med"/>
+          </a:ln>
+          <a:effectLst/>
+        </p:spPr>
+        <p:txBody>
+          <a:bodyPr vert="horz" wrap="square" lIns="91440" tIns="45720" rIns="91440" bIns="45720" numCol="1" rtlCol="0" anchor="ctr" anchorCtr="0" compatLnSpc="1">
+            <a:prstTxWarp prst="textNoShape">
+              <a:avLst/>
+            </a:prstTxWarp>
+          </a:bodyPr>
+          <a:lstStyle/>
+          <a:p>
+            <a:pPr marL="0" marR="0" indent="0" algn="ctr" defTabSz="914400" rtl="0" eaLnBrk="0" fontAlgn="base" latinLnBrk="0" hangingPunct="0">
+              <a:lnSpc>
+                <a:spcPct val="100000"/>
+              </a:lnSpc>
+              <a:spcBef>
+                <a:spcPct val="0"/>
+              </a:spcBef>
+              <a:spcAft>
+                <a:spcPct val="0"/>
+              </a:spcAft>
+              <a:buClrTx/>
+              <a:buSzTx/>
+              <a:buFontTx/>
+              <a:buNone/>
+              <a:tabLst/>
+            </a:pPr>
+            <a:r>
+              <a:rPr kumimoji="0" lang="en-US" sz="4000" b="0" i="0" u="none" strike="noStrike" cap="none" normalizeH="0" baseline="0" dirty="0">
+                <a:ln>
+                  <a:noFill/>
+                </a:ln>
+                <a:solidFill>
+                  <a:schemeClr val="tx1">
+                    <a:lumMod val="75000"/>
+                    <a:lumOff val="25000"/>
+                  </a:schemeClr>
+                </a:solidFill>
+                <a:effectLst/>
+                <a:latin typeface="Arial" pitchFamily="-107" charset="0"/>
+                <a:ea typeface="ＭＳ Ｐゴシック" pitchFamily="-107" charset="-128"/>
+                <a:cs typeface="ＭＳ Ｐゴシック" pitchFamily="-107" charset="-128"/>
+              </a:rPr>
+              <a:t>B</a:t>
+            </a:r>
+          </a:p>
+        </p:txBody>
+      </p:sp>
       <p:grpSp>
         <p:nvGrpSpPr>
-          <p:cNvPr id="29" name="Gruppieren 28"/>
+          <p:cNvPr id="5" name="Gruppieren 4"/>
           <p:cNvGrpSpPr/>
           <p:nvPr/>
         </p:nvGrpSpPr>
         <p:grpSpPr>
           <a:xfrm>
-            <a:off x="1234904" y="1940317"/>
-            <a:ext cx="6540154" cy="3564397"/>
-            <a:chOff x="827117" y="2240868"/>
-            <a:chExt cx="7286625" cy="3816425"/>
+            <a:off x="2175075" y="1988840"/>
+            <a:ext cx="4689529" cy="542649"/>
+            <a:chOff x="2175075" y="1988840"/>
+            <a:chExt cx="4689529" cy="542649"/>
           </a:xfrm>
         </p:grpSpPr>
-        <p:sp>
-          <p:nvSpPr>
-            <p:cNvPr id="2" name="Rechteck 1"/>
-            <p:cNvSpPr/>
-            <p:nvPr/>
-          </p:nvSpPr>
-          <p:spPr bwMode="auto">
-            <a:xfrm>
-              <a:off x="827117" y="2240868"/>
-              <a:ext cx="1047479" cy="3816424"/>
-            </a:xfrm>
-            <a:prstGeom prst="rect">
-              <a:avLst/>
-            </a:prstGeom>
-            <a:solidFill>
-              <a:schemeClr val="accent1"/>
-            </a:solidFill>
-            <a:ln w="9525" cap="flat" cmpd="sng" algn="ctr">
-              <a:solidFill>
-                <a:schemeClr val="tx1"/>
-              </a:solidFill>
-              <a:prstDash val="solid"/>
-              <a:round/>
-              <a:headEnd type="none" w="med" len="med"/>
-              <a:tailEnd type="none" w="med" len="med"/>
-            </a:ln>
-            <a:effectLst/>
-          </p:spPr>
-          <p:txBody>
-            <a:bodyPr vert="horz" wrap="square" lIns="91440" tIns="45720" rIns="91440" bIns="45720" numCol="1" rtlCol="0" anchor="ctr" anchorCtr="0" compatLnSpc="1">
-              <a:prstTxWarp prst="textNoShape">
-                <a:avLst/>
-              </a:prstTxWarp>
-            </a:bodyPr>
-            <a:lstStyle/>
-            <a:p>
-              <a:pPr marL="0" marR="0" indent="0" algn="ctr" defTabSz="914400" rtl="0" eaLnBrk="0" fontAlgn="base" latinLnBrk="0" hangingPunct="0">
-                <a:lnSpc>
-                  <a:spcPct val="100000"/>
-                </a:lnSpc>
-                <a:spcBef>
-                  <a:spcPct val="0"/>
-                </a:spcBef>
-                <a:spcAft>
-                  <a:spcPct val="0"/>
-                </a:spcAft>
-                <a:buClrTx/>
-                <a:buSzTx/>
-                <a:buFontTx/>
-                <a:buNone/>
-                <a:tabLst/>
-              </a:pPr>
-              <a:r>
-                <a:rPr kumimoji="0" lang="en-US" sz="4000" b="0" i="0" u="none" strike="noStrike" cap="none" normalizeH="0" baseline="0" dirty="0">
-                  <a:ln>
-                    <a:noFill/>
-                  </a:ln>
-                  <a:solidFill>
-                    <a:schemeClr val="tx1"/>
-                  </a:solidFill>
-                  <a:effectLst/>
-                  <a:latin typeface="Arial" pitchFamily="-107" charset="0"/>
-                  <a:ea typeface="ＭＳ Ｐゴシック" pitchFamily="-107" charset="-128"/>
-                  <a:cs typeface="ＭＳ Ｐゴシック" pitchFamily="-107" charset="-128"/>
-                </a:rPr>
-                <a:t>A</a:t>
-              </a:r>
-            </a:p>
-          </p:txBody>
-        </p:sp>
-        <p:sp>
-          <p:nvSpPr>
-            <p:cNvPr id="6" name="Rechteck 5"/>
-            <p:cNvSpPr/>
-            <p:nvPr/>
-          </p:nvSpPr>
-          <p:spPr bwMode="auto">
-            <a:xfrm>
-              <a:off x="7099372" y="2240869"/>
-              <a:ext cx="1014370" cy="3816424"/>
-            </a:xfrm>
-            <a:prstGeom prst="rect">
-              <a:avLst/>
-            </a:prstGeom>
-            <a:solidFill>
-              <a:schemeClr val="accent1"/>
-            </a:solidFill>
-            <a:ln w="9525" cap="flat" cmpd="sng" algn="ctr">
-              <a:solidFill>
-                <a:schemeClr val="tx1"/>
-              </a:solidFill>
-              <a:prstDash val="solid"/>
-              <a:round/>
-              <a:headEnd type="none" w="med" len="med"/>
-              <a:tailEnd type="none" w="med" len="med"/>
-            </a:ln>
-            <a:effectLst/>
-          </p:spPr>
-          <p:txBody>
-            <a:bodyPr vert="horz" wrap="square" lIns="91440" tIns="45720" rIns="91440" bIns="45720" numCol="1" rtlCol="0" anchor="ctr" anchorCtr="0" compatLnSpc="1">
-              <a:prstTxWarp prst="textNoShape">
-                <a:avLst/>
-              </a:prstTxWarp>
-            </a:bodyPr>
-            <a:lstStyle/>
-            <a:p>
-              <a:pPr marL="0" marR="0" indent="0" algn="ctr" defTabSz="914400" rtl="0" eaLnBrk="0" fontAlgn="base" latinLnBrk="0" hangingPunct="0">
-                <a:lnSpc>
-                  <a:spcPct val="100000"/>
-                </a:lnSpc>
-                <a:spcBef>
-                  <a:spcPct val="0"/>
-                </a:spcBef>
-                <a:spcAft>
-                  <a:spcPct val="0"/>
-                </a:spcAft>
-                <a:buClrTx/>
-                <a:buSzTx/>
-                <a:buFontTx/>
-                <a:buNone/>
-                <a:tabLst/>
-              </a:pPr>
-              <a:r>
-                <a:rPr kumimoji="0" lang="en-US" sz="4000" b="0" i="0" u="none" strike="noStrike" cap="none" normalizeH="0" baseline="0" dirty="0">
-                  <a:ln>
-                    <a:noFill/>
-                  </a:ln>
-                  <a:solidFill>
-                    <a:schemeClr val="tx1"/>
-                  </a:solidFill>
-                  <a:effectLst/>
-                  <a:latin typeface="Arial" pitchFamily="-107" charset="0"/>
-                  <a:ea typeface="ＭＳ Ｐゴシック" pitchFamily="-107" charset="-128"/>
-                  <a:cs typeface="ＭＳ Ｐゴシック" pitchFamily="-107" charset="-128"/>
-                </a:rPr>
-                <a:t>B</a:t>
-              </a:r>
-            </a:p>
-          </p:txBody>
-        </p:sp>
         <p:cxnSp>
           <p:nvCxnSpPr>
             <p:cNvPr id="8" name="Gerade Verbindung mit Pfeil 7"/>
@@ -8202,8 +9079,8 @@
           </p:nvCxnSpPr>
           <p:spPr bwMode="auto">
             <a:xfrm>
-              <a:off x="1874596" y="2963536"/>
-              <a:ext cx="5224776" cy="1"/>
+              <a:off x="2175075" y="2495653"/>
+              <a:ext cx="4689529" cy="1"/>
             </a:xfrm>
             <a:prstGeom prst="straightConnector1">
               <a:avLst/>
@@ -8223,8 +9100,8 @@
             <a:effectLst/>
           </p:spPr>
         </p:cxnSp>
-        <mc:AlternateContent xmlns:mc="http://schemas.openxmlformats.org/markup-compatibility/2006" xmlns:a14="http://schemas.microsoft.com/office/drawing/2010/main">
-          <mc:Choice Requires="a14">
+        <mc:AlternateContent xmlns:mc="http://schemas.openxmlformats.org/markup-compatibility/2006">
+          <mc:Choice xmlns:a14="http://schemas.microsoft.com/office/drawing/2010/main" Requires="a14">
             <p:sp>
               <p:nvSpPr>
                 <p:cNvPr id="9" name="Textfeld 8"/>
@@ -8233,8 +9110,8 @@
               </p:nvSpPr>
               <p:spPr>
                 <a:xfrm>
-                  <a:off x="1907704" y="2420888"/>
-                  <a:ext cx="5191668" cy="581018"/>
+                  <a:off x="2204791" y="1988840"/>
+                  <a:ext cx="4659813" cy="542649"/>
                 </a:xfrm>
                 <a:prstGeom prst="rect">
                   <a:avLst/>
@@ -8249,15 +9126,38 @@
                 <a:p>
                   <a:pPr algn="ctr"/>
                   <a:r>
-                    <a:rPr lang="de-DE" dirty="0" err="1"/>
+                    <a:rPr lang="de-DE" dirty="0" smtClean="0">
+                      <a:solidFill>
+                        <a:schemeClr val="tx1">
+                          <a:lumMod val="75000"/>
+                          <a:lumOff val="25000"/>
+                        </a:schemeClr>
+                      </a:solidFill>
+                      <a:latin typeface="+mn-lt"/>
+                    </a:rPr>
                     <a:t>c</a:t>
                   </a:r>
                   <a:r>
-                    <a:rPr lang="de-DE" b="0" dirty="0" err="1"/>
+                    <a:rPr lang="de-DE" b="0" dirty="0" err="1">
+                      <a:solidFill>
+                        <a:schemeClr val="tx1">
+                          <a:lumMod val="75000"/>
+                          <a:lumOff val="25000"/>
+                        </a:schemeClr>
+                      </a:solidFill>
+                      <a:latin typeface="+mn-lt"/>
+                    </a:rPr>
                     <a:t>reate</a:t>
                   </a:r>
                   <a:r>
-                    <a:rPr lang="de-DE" b="0" dirty="0"/>
+                    <a:rPr lang="de-DE" sz="2000" b="0" dirty="0">
+                      <a:solidFill>
+                        <a:schemeClr val="tx1">
+                          <a:lumMod val="75000"/>
+                          <a:lumOff val="25000"/>
+                        </a:schemeClr>
+                      </a:solidFill>
+                    </a:rPr>
                     <a:t> </a:t>
                   </a:r>
                   <a14:m>
@@ -8268,19 +9168,37 @@
                           <m:endChr m:val="]"/>
                           <m:ctrlPr>
                             <a:rPr lang="de-DE" b="0" i="1" smtClean="0">
-                              <a:latin typeface="Cambria Math" panose="02040503050406030204" pitchFamily="18" charset="0"/>
+                              <a:solidFill>
+                                <a:schemeClr val="tx1">
+                                  <a:lumMod val="75000"/>
+                                  <a:lumOff val="25000"/>
+                                </a:schemeClr>
+                              </a:solidFill>
+                              <a:latin typeface="Cambria Math"/>
                             </a:rPr>
                           </m:ctrlPr>
                         </m:dPr>
                         <m:e>
                           <m:r>
                             <a:rPr lang="de-DE" b="0" i="1" smtClean="0">
+                              <a:solidFill>
+                                <a:schemeClr val="tx1">
+                                  <a:lumMod val="75000"/>
+                                  <a:lumOff val="25000"/>
+                                </a:schemeClr>
+                              </a:solidFill>
                               <a:latin typeface="Cambria Math" panose="02040503050406030204" pitchFamily="18" charset="0"/>
                             </a:rPr>
                             <m:t>𝑐𝐼𝐷</m:t>
                           </m:r>
                           <m:r>
                             <a:rPr lang="de-DE" b="0" i="1" smtClean="0">
+                              <a:solidFill>
+                                <a:schemeClr val="tx1">
+                                  <a:lumMod val="75000"/>
+                                  <a:lumOff val="25000"/>
+                                </a:schemeClr>
+                              </a:solidFill>
                               <a:latin typeface="Cambria Math" panose="02040503050406030204" pitchFamily="18" charset="0"/>
                             </a:rPr>
                             <m:t>, </m:t>
@@ -8289,13 +9207,25 @@
                             <m:sSubSupPr>
                               <m:ctrlPr>
                                 <a:rPr lang="de-DE" b="0" i="1" smtClean="0">
-                                  <a:latin typeface="Cambria Math" panose="02040503050406030204" pitchFamily="18" charset="0"/>
+                                  <a:solidFill>
+                                    <a:schemeClr val="tx1">
+                                      <a:lumMod val="75000"/>
+                                      <a:lumOff val="25000"/>
+                                    </a:schemeClr>
+                                  </a:solidFill>
+                                  <a:latin typeface="Cambria Math"/>
                                 </a:rPr>
                               </m:ctrlPr>
                             </m:sSubSupPr>
                             <m:e>
                               <m:r>
                                 <a:rPr lang="de-DE" b="0" i="1" smtClean="0">
+                                  <a:solidFill>
+                                    <a:schemeClr val="tx1">
+                                      <a:lumMod val="75000"/>
+                                      <a:lumOff val="25000"/>
+                                    </a:schemeClr>
+                                  </a:solidFill>
                                   <a:latin typeface="Cambria Math" panose="02040503050406030204" pitchFamily="18" charset="0"/>
                                 </a:rPr>
                                 <m:t>𝐾</m:t>
@@ -8304,6 +9234,12 @@
                             <m:sub>
                               <m:r>
                                 <a:rPr lang="de-DE" b="0" i="1" smtClean="0">
+                                  <a:solidFill>
+                                    <a:schemeClr val="tx1">
+                                      <a:lumMod val="75000"/>
+                                      <a:lumOff val="25000"/>
+                                    </a:schemeClr>
+                                  </a:solidFill>
                                   <a:latin typeface="Cambria Math" panose="02040503050406030204" pitchFamily="18" charset="0"/>
                                 </a:rPr>
                                 <m:t>𝐵</m:t>
@@ -8312,6 +9248,12 @@
                             <m:sup>
                               <m:r>
                                 <a:rPr lang="de-DE" b="0" i="1" smtClean="0">
+                                  <a:solidFill>
+                                    <a:schemeClr val="tx1">
+                                      <a:lumMod val="75000"/>
+                                      <a:lumOff val="25000"/>
+                                    </a:schemeClr>
+                                  </a:solidFill>
                                   <a:latin typeface="Cambria Math" panose="02040503050406030204" pitchFamily="18" charset="0"/>
                                 </a:rPr>
                                 <m:t>𝑝𝑢𝑏</m:t>
@@ -8322,7 +9264,13 @@
                             <m:dPr>
                               <m:ctrlPr>
                                 <a:rPr lang="de-DE" b="0" i="1" smtClean="0">
-                                  <a:latin typeface="Cambria Math" panose="02040503050406030204" pitchFamily="18" charset="0"/>
+                                  <a:solidFill>
+                                    <a:schemeClr val="tx1">
+                                      <a:lumMod val="75000"/>
+                                      <a:lumOff val="25000"/>
+                                    </a:schemeClr>
+                                  </a:solidFill>
+                                  <a:latin typeface="Cambria Math"/>
                                 </a:rPr>
                               </m:ctrlPr>
                             </m:dPr>
@@ -8331,13 +9279,25 @@
                                 <m:sSupPr>
                                   <m:ctrlPr>
                                     <a:rPr lang="de-DE" b="0" i="1" smtClean="0">
-                                      <a:latin typeface="Cambria Math" panose="02040503050406030204" pitchFamily="18" charset="0"/>
+                                      <a:solidFill>
+                                        <a:schemeClr val="tx1">
+                                          <a:lumMod val="75000"/>
+                                          <a:lumOff val="25000"/>
+                                        </a:schemeClr>
+                                      </a:solidFill>
+                                      <a:latin typeface="Cambria Math"/>
                                     </a:rPr>
                                   </m:ctrlPr>
                                 </m:sSupPr>
                                 <m:e>
                                   <m:r>
                                     <a:rPr lang="de-DE" b="0" i="1" smtClean="0">
+                                      <a:solidFill>
+                                        <a:schemeClr val="tx1">
+                                          <a:lumMod val="75000"/>
+                                          <a:lumOff val="25000"/>
+                                        </a:schemeClr>
+                                      </a:solidFill>
                                       <a:latin typeface="Cambria Math" panose="02040503050406030204" pitchFamily="18" charset="0"/>
                                     </a:rPr>
                                     <m:t>𝑔</m:t>
@@ -8346,6 +9306,12 @@
                                 <m:sup>
                                   <m:r>
                                     <a:rPr lang="de-DE" b="0" i="1" smtClean="0">
+                                      <a:solidFill>
+                                        <a:schemeClr val="tx1">
+                                          <a:lumMod val="75000"/>
+                                          <a:lumOff val="25000"/>
+                                        </a:schemeClr>
+                                      </a:solidFill>
                                       <a:latin typeface="Cambria Math" panose="02040503050406030204" pitchFamily="18" charset="0"/>
                                     </a:rPr>
                                     <m:t>𝑥</m:t>
@@ -8356,6 +9322,12 @@
                           </m:d>
                           <m:r>
                             <a:rPr lang="de-DE" b="0" i="1" smtClean="0">
+                              <a:solidFill>
+                                <a:schemeClr val="tx1">
+                                  <a:lumMod val="75000"/>
+                                  <a:lumOff val="25000"/>
+                                </a:schemeClr>
+                              </a:solidFill>
                               <a:latin typeface="Cambria Math" panose="02040503050406030204" pitchFamily="18" charset="0"/>
                             </a:rPr>
                             <m:t> </m:t>
@@ -8364,12 +9336,19 @@
                       </m:d>
                     </m:oMath>
                   </a14:m>
-                  <a:endParaRPr lang="en-US" dirty="0"/>
+                  <a:endParaRPr lang="en-US" dirty="0">
+                    <a:solidFill>
+                      <a:schemeClr val="tx1">
+                        <a:lumMod val="75000"/>
+                        <a:lumOff val="25000"/>
+                      </a:schemeClr>
+                    </a:solidFill>
+                  </a:endParaRPr>
                 </a:p>
               </p:txBody>
             </p:sp>
           </mc:Choice>
-          <mc:Fallback xmlns="">
+          <mc:Fallback>
             <p:sp>
               <p:nvSpPr>
                 <p:cNvPr id="9" name="Textfeld 8"/>
@@ -8380,16 +9359,16 @@
               </p:nvSpPr>
               <p:spPr>
                 <a:xfrm>
-                  <a:off x="1907704" y="2420888"/>
-                  <a:ext cx="5191668" cy="581018"/>
+                  <a:off x="2204791" y="1988840"/>
+                  <a:ext cx="4659813" cy="542649"/>
                 </a:xfrm>
                 <a:prstGeom prst="rect">
                   <a:avLst/>
                 </a:prstGeom>
-                <a:blipFill>
+                <a:blipFill rotWithShape="1">
                   <a:blip r:embed="rId3"/>
                   <a:stretch>
-                    <a:fillRect t="-1124" b="-17978"/>
+                    <a:fillRect b="-21348"/>
                   </a:stretch>
                 </a:blipFill>
               </p:spPr>
@@ -8398,7 +9377,7 @@
                 <a:lstStyle/>
                 <a:p>
                   <a:r>
-                    <a:rPr lang="en-US">
+                    <a:rPr lang="de-DE">
                       <a:noFill/>
                     </a:rPr>
                     <a:t> </a:t>
@@ -8408,6 +9387,21 @@
             </p:sp>
           </mc:Fallback>
         </mc:AlternateContent>
+      </p:grpSp>
+      <p:grpSp>
+        <p:nvGrpSpPr>
+          <p:cNvPr id="4" name="Gruppieren 3"/>
+          <p:cNvGrpSpPr/>
+          <p:nvPr/>
+        </p:nvGrpSpPr>
+        <p:grpSpPr>
+          <a:xfrm>
+            <a:off x="2180375" y="2893428"/>
+            <a:ext cx="4684229" cy="461665"/>
+            <a:chOff x="2180375" y="2924944"/>
+            <a:chExt cx="4684229" cy="461665"/>
+          </a:xfrm>
+        </p:grpSpPr>
         <p:cxnSp>
           <p:nvCxnSpPr>
             <p:cNvPr id="12" name="Gerade Verbindung mit Pfeil 11"/>
@@ -8418,8 +9412,8 @@
           </p:nvCxnSpPr>
           <p:spPr bwMode="auto">
             <a:xfrm>
-              <a:off x="1880501" y="3882950"/>
-              <a:ext cx="5218871" cy="7714"/>
+              <a:off x="2180375" y="3348917"/>
+              <a:ext cx="4684229" cy="7205"/>
             </a:xfrm>
             <a:prstGeom prst="straightConnector1">
               <a:avLst/>
@@ -8439,8 +9433,8 @@
             <a:effectLst/>
           </p:spPr>
         </p:cxnSp>
-        <mc:AlternateContent xmlns:mc="http://schemas.openxmlformats.org/markup-compatibility/2006" xmlns:a14="http://schemas.microsoft.com/office/drawing/2010/main">
-          <mc:Choice Requires="a14">
+        <mc:AlternateContent xmlns:mc="http://schemas.openxmlformats.org/markup-compatibility/2006">
+          <mc:Choice xmlns:a14="http://schemas.microsoft.com/office/drawing/2010/main" Requires="a14">
             <p:sp>
               <p:nvSpPr>
                 <p:cNvPr id="13" name="Textfeld 12"/>
@@ -8449,8 +9443,8 @@
               </p:nvSpPr>
               <p:spPr>
                 <a:xfrm>
-                  <a:off x="1907704" y="3428999"/>
-                  <a:ext cx="5191668" cy="494308"/>
+                  <a:off x="2204791" y="2924944"/>
+                  <a:ext cx="4659813" cy="461665"/>
                 </a:xfrm>
                 <a:prstGeom prst="rect">
                   <a:avLst/>
@@ -8465,15 +9459,38 @@
                 <a:p>
                   <a:pPr algn="ctr"/>
                   <a:r>
-                    <a:rPr lang="de-DE" dirty="0" err="1"/>
+                    <a:rPr lang="de-DE" dirty="0" smtClean="0">
+                      <a:solidFill>
+                        <a:schemeClr val="tx1">
+                          <a:lumMod val="75000"/>
+                          <a:lumOff val="25000"/>
+                        </a:schemeClr>
+                      </a:solidFill>
+                      <a:latin typeface="+mn-lt"/>
+                    </a:rPr>
                     <a:t>c</a:t>
                   </a:r>
                   <a:r>
-                    <a:rPr lang="de-DE" b="0" dirty="0" err="1"/>
+                    <a:rPr lang="de-DE" b="0" dirty="0" err="1">
+                      <a:solidFill>
+                        <a:schemeClr val="tx1">
+                          <a:lumMod val="75000"/>
+                          <a:lumOff val="25000"/>
+                        </a:schemeClr>
+                      </a:solidFill>
+                      <a:latin typeface="+mn-lt"/>
+                    </a:rPr>
                     <a:t>reated</a:t>
                   </a:r>
                   <a:r>
-                    <a:rPr lang="de-DE" b="0" dirty="0"/>
+                    <a:rPr lang="de-DE" sz="2000" b="0" dirty="0">
+                      <a:solidFill>
+                        <a:schemeClr val="tx1">
+                          <a:lumMod val="75000"/>
+                          <a:lumOff val="25000"/>
+                        </a:schemeClr>
+                      </a:solidFill>
+                    </a:rPr>
                     <a:t> </a:t>
                   </a:r>
                   <a14:m>
@@ -8484,19 +9501,37 @@
                           <m:endChr m:val="]"/>
                           <m:ctrlPr>
                             <a:rPr lang="de-DE" b="0" i="1" smtClean="0">
-                              <a:latin typeface="Cambria Math" panose="02040503050406030204" pitchFamily="18" charset="0"/>
+                              <a:solidFill>
+                                <a:schemeClr val="tx1">
+                                  <a:lumMod val="75000"/>
+                                  <a:lumOff val="25000"/>
+                                </a:schemeClr>
+                              </a:solidFill>
+                              <a:latin typeface="Cambria Math"/>
                             </a:rPr>
                           </m:ctrlPr>
                         </m:dPr>
                         <m:e>
                           <m:r>
                             <a:rPr lang="de-DE" b="0" i="1" smtClean="0">
+                              <a:solidFill>
+                                <a:schemeClr val="tx1">
+                                  <a:lumMod val="75000"/>
+                                  <a:lumOff val="25000"/>
+                                </a:schemeClr>
+                              </a:solidFill>
                               <a:latin typeface="Cambria Math" panose="02040503050406030204" pitchFamily="18" charset="0"/>
                             </a:rPr>
                             <m:t>𝑐𝐼𝐷</m:t>
                           </m:r>
                           <m:r>
                             <a:rPr lang="de-DE" b="0" i="1" smtClean="0">
+                              <a:solidFill>
+                                <a:schemeClr val="tx1">
+                                  <a:lumMod val="75000"/>
+                                  <a:lumOff val="25000"/>
+                                </a:schemeClr>
+                              </a:solidFill>
                               <a:latin typeface="Cambria Math" panose="02040503050406030204" pitchFamily="18" charset="0"/>
                             </a:rPr>
                             <m:t>, </m:t>
@@ -8505,13 +9540,25 @@
                             <m:sSupPr>
                               <m:ctrlPr>
                                 <a:rPr lang="de-DE" b="0" i="1" smtClean="0">
-                                  <a:latin typeface="Cambria Math" panose="02040503050406030204" pitchFamily="18" charset="0"/>
+                                  <a:solidFill>
+                                    <a:schemeClr val="tx1">
+                                      <a:lumMod val="75000"/>
+                                      <a:lumOff val="25000"/>
+                                    </a:schemeClr>
+                                  </a:solidFill>
+                                  <a:latin typeface="Cambria Math"/>
                                 </a:rPr>
                               </m:ctrlPr>
                             </m:sSupPr>
                             <m:e>
                               <m:r>
                                 <a:rPr lang="de-DE" b="0" i="1" smtClean="0">
+                                  <a:solidFill>
+                                    <a:schemeClr val="tx1">
+                                      <a:lumMod val="75000"/>
+                                      <a:lumOff val="25000"/>
+                                    </a:schemeClr>
+                                  </a:solidFill>
                                   <a:latin typeface="Cambria Math" panose="02040503050406030204" pitchFamily="18" charset="0"/>
                                 </a:rPr>
                                 <m:t>𝑔</m:t>
@@ -8520,22 +9567,95 @@
                             <m:sup>
                               <m:r>
                                 <a:rPr lang="de-DE" b="0" i="1" smtClean="0">
+                                  <a:solidFill>
+                                    <a:schemeClr val="tx1">
+                                      <a:lumMod val="75000"/>
+                                      <a:lumOff val="25000"/>
+                                    </a:schemeClr>
+                                  </a:solidFill>
                                   <a:latin typeface="Cambria Math" panose="02040503050406030204" pitchFamily="18" charset="0"/>
                                 </a:rPr>
                                 <m:t>𝑦</m:t>
                               </m:r>
                             </m:sup>
                           </m:sSup>
+                          <m:r>
+                            <a:rPr lang="de-DE" b="0" i="1" smtClean="0">
+                              <a:solidFill>
+                                <a:schemeClr val="tx1">
+                                  <a:lumMod val="75000"/>
+                                  <a:lumOff val="25000"/>
+                                </a:schemeClr>
+                              </a:solidFill>
+                              <a:latin typeface="Cambria Math"/>
+                            </a:rPr>
+                            <m:t>,</m:t>
+                          </m:r>
+                          <m:r>
+                            <a:rPr lang="de-DE" b="0" i="1" smtClean="0">
+                              <a:solidFill>
+                                <a:schemeClr val="tx1">
+                                  <a:lumMod val="75000"/>
+                                  <a:lumOff val="25000"/>
+                                </a:schemeClr>
+                              </a:solidFill>
+                              <a:latin typeface="Cambria Math"/>
+                            </a:rPr>
+                            <m:t>𝐻</m:t>
+                          </m:r>
+                          <m:r>
+                            <a:rPr lang="de-DE" b="0" i="1" smtClean="0">
+                              <a:solidFill>
+                                <a:schemeClr val="tx1">
+                                  <a:lumMod val="75000"/>
+                                  <a:lumOff val="25000"/>
+                                </a:schemeClr>
+                              </a:solidFill>
+                              <a:latin typeface="Cambria Math"/>
+                            </a:rPr>
+                            <m:t>(</m:t>
+                          </m:r>
+                          <m:r>
+                            <a:rPr lang="de-DE" b="0" i="1" smtClean="0">
+                              <a:solidFill>
+                                <a:schemeClr val="tx1">
+                                  <a:lumMod val="75000"/>
+                                  <a:lumOff val="25000"/>
+                                </a:schemeClr>
+                              </a:solidFill>
+                              <a:latin typeface="Cambria Math"/>
+                            </a:rPr>
+                            <m:t>𝐾</m:t>
+                          </m:r>
+                          <m:r>
+                            <a:rPr lang="de-DE" b="0" i="1" smtClean="0">
+                              <a:solidFill>
+                                <a:schemeClr val="tx1">
+                                  <a:lumMod val="75000"/>
+                                  <a:lumOff val="25000"/>
+                                </a:schemeClr>
+                              </a:solidFill>
+                              <a:latin typeface="Cambria Math"/>
+                            </a:rPr>
+                            <m:t>)</m:t>
+                          </m:r>
                         </m:e>
                       </m:d>
                     </m:oMath>
                   </a14:m>
-                  <a:endParaRPr lang="en-US" dirty="0"/>
+                  <a:endParaRPr lang="en-US" dirty="0">
+                    <a:solidFill>
+                      <a:schemeClr val="tx1">
+                        <a:lumMod val="75000"/>
+                        <a:lumOff val="25000"/>
+                      </a:schemeClr>
+                    </a:solidFill>
+                  </a:endParaRPr>
                 </a:p>
               </p:txBody>
             </p:sp>
           </mc:Choice>
-          <mc:Fallback xmlns="">
+          <mc:Fallback>
             <p:sp>
               <p:nvSpPr>
                 <p:cNvPr id="13" name="Textfeld 12"/>
@@ -8546,16 +9666,16 @@
               </p:nvSpPr>
               <p:spPr>
                 <a:xfrm>
-                  <a:off x="1907704" y="3428999"/>
-                  <a:ext cx="5191668" cy="494308"/>
+                  <a:off x="2204791" y="2924944"/>
+                  <a:ext cx="4659813" cy="461665"/>
                 </a:xfrm>
                 <a:prstGeom prst="rect">
                   <a:avLst/>
                 </a:prstGeom>
-                <a:blipFill>
+                <a:blipFill rotWithShape="1">
                   <a:blip r:embed="rId4"/>
                   <a:stretch>
-                    <a:fillRect t="-11842" b="-27632"/>
+                    <a:fillRect t="-10667" b="-30667"/>
                   </a:stretch>
                 </a:blipFill>
               </p:spPr>
@@ -8564,7 +9684,7 @@
                 <a:lstStyle/>
                 <a:p>
                   <a:r>
-                    <a:rPr lang="en-US">
+                    <a:rPr lang="de-DE">
                       <a:noFill/>
                     </a:rPr>
                     <a:t> </a:t>
@@ -8574,6 +9694,21 @@
             </p:sp>
           </mc:Fallback>
         </mc:AlternateContent>
+      </p:grpSp>
+      <p:grpSp>
+        <p:nvGrpSpPr>
+          <p:cNvPr id="3" name="Gruppieren 2"/>
+          <p:cNvGrpSpPr/>
+          <p:nvPr/>
+        </p:nvGrpSpPr>
+        <p:grpSpPr>
+          <a:xfrm>
+            <a:off x="2175075" y="3717032"/>
+            <a:ext cx="4689529" cy="461665"/>
+            <a:chOff x="2175075" y="3717032"/>
+            <a:chExt cx="4689529" cy="461665"/>
+          </a:xfrm>
+        </p:grpSpPr>
         <p:cxnSp>
           <p:nvCxnSpPr>
             <p:cNvPr id="14" name="Gerade Verbindung mit Pfeil 13"/>
@@ -8584,8 +9719,8 @@
           </p:nvCxnSpPr>
           <p:spPr bwMode="auto">
             <a:xfrm flipV="1">
-              <a:off x="1874596" y="4701103"/>
-              <a:ext cx="5224776" cy="11267"/>
+              <a:off x="2175075" y="4137687"/>
+              <a:ext cx="4689529" cy="10523"/>
             </a:xfrm>
             <a:prstGeom prst="straightConnector1">
               <a:avLst/>
@@ -8605,8 +9740,8 @@
             <a:effectLst/>
           </p:spPr>
         </p:cxnSp>
-        <mc:AlternateContent xmlns:mc="http://schemas.openxmlformats.org/markup-compatibility/2006" xmlns:a14="http://schemas.microsoft.com/office/drawing/2010/main">
-          <mc:Choice Requires="a14">
+        <mc:AlternateContent xmlns:mc="http://schemas.openxmlformats.org/markup-compatibility/2006">
+          <mc:Choice xmlns:a14="http://schemas.microsoft.com/office/drawing/2010/main" Requires="a14">
             <p:sp>
               <p:nvSpPr>
                 <p:cNvPr id="15" name="Textfeld 14"/>
@@ -8615,8 +9750,8 @@
               </p:nvSpPr>
               <p:spPr>
                 <a:xfrm>
-                  <a:off x="1907704" y="4250705"/>
-                  <a:ext cx="5191668" cy="494308"/>
+                  <a:off x="2204791" y="3717032"/>
+                  <a:ext cx="4659813" cy="461665"/>
                 </a:xfrm>
                 <a:prstGeom prst="rect">
                   <a:avLst/>
@@ -8631,14 +9766,28 @@
                 <a:p>
                   <a:pPr algn="ctr"/>
                   <a:r>
-                    <a:rPr lang="de-DE" dirty="0"/>
+                    <a:rPr lang="de-DE" dirty="0" smtClean="0">
+                      <a:solidFill>
+                        <a:schemeClr val="tx1">
+                          <a:lumMod val="75000"/>
+                          <a:lumOff val="25000"/>
+                        </a:schemeClr>
+                      </a:solidFill>
+                      <a:latin typeface="+mn-lt"/>
+                    </a:rPr>
                     <a:t>relay</a:t>
                   </a:r>
                   <a14:m>
                     <m:oMath xmlns:m="http://schemas.openxmlformats.org/officeDocument/2006/math">
                       <m:r>
                         <a:rPr lang="de-DE" b="0" i="0" smtClean="0">
-                          <a:latin typeface="Cambria Math" panose="02040503050406030204" pitchFamily="18" charset="0"/>
+                          <a:solidFill>
+                            <a:schemeClr val="tx1">
+                              <a:lumMod val="75000"/>
+                              <a:lumOff val="25000"/>
+                            </a:schemeClr>
+                          </a:solidFill>
+                          <a:latin typeface="+mn-lt"/>
                         </a:rPr>
                         <m:t> </m:t>
                       </m:r>
@@ -8648,67 +9797,133 @@
                           <m:endChr m:val="]"/>
                           <m:ctrlPr>
                             <a:rPr lang="de-DE" b="0" i="1" smtClean="0">
-                              <a:latin typeface="Cambria Math" panose="02040503050406030204" pitchFamily="18" charset="0"/>
+                              <a:solidFill>
+                                <a:schemeClr val="tx1">
+                                  <a:lumMod val="75000"/>
+                                  <a:lumOff val="25000"/>
+                                </a:schemeClr>
+                              </a:solidFill>
+                              <a:latin typeface="Cambria Math"/>
                             </a:rPr>
                           </m:ctrlPr>
                         </m:dPr>
                         <m:e>
                           <m:r>
                             <a:rPr lang="de-DE" b="0" i="1" smtClean="0">
+                              <a:solidFill>
+                                <a:schemeClr val="tx1">
+                                  <a:lumMod val="75000"/>
+                                  <a:lumOff val="25000"/>
+                                </a:schemeClr>
+                              </a:solidFill>
                               <a:latin typeface="Cambria Math" panose="02040503050406030204" pitchFamily="18" charset="0"/>
                             </a:rPr>
                             <m:t>𝑐𝐼𝐷</m:t>
                           </m:r>
                           <m:r>
                             <a:rPr lang="de-DE" b="0" i="1" smtClean="0">
+                              <a:solidFill>
+                                <a:schemeClr val="tx1">
+                                  <a:lumMod val="75000"/>
+                                  <a:lumOff val="25000"/>
+                                </a:schemeClr>
+                              </a:solidFill>
                               <a:latin typeface="Cambria Math" panose="02040503050406030204" pitchFamily="18" charset="0"/>
                             </a:rPr>
                             <m:t>, </m:t>
                           </m:r>
                           <m:r>
                             <a:rPr lang="de-DE" b="0" i="1" smtClean="0">
+                              <a:solidFill>
+                                <a:schemeClr val="tx1">
+                                  <a:lumMod val="75000"/>
+                                  <a:lumOff val="25000"/>
+                                </a:schemeClr>
+                              </a:solidFill>
                               <a:latin typeface="Cambria Math" panose="02040503050406030204" pitchFamily="18" charset="0"/>
                             </a:rPr>
                             <m:t>𝐷𝑎𝑡𝑎</m:t>
                           </m:r>
                           <m:r>
                             <a:rPr lang="de-DE" b="0" i="1" smtClean="0">
+                              <a:solidFill>
+                                <a:schemeClr val="tx1">
+                                  <a:lumMod val="75000"/>
+                                  <a:lumOff val="25000"/>
+                                </a:schemeClr>
+                              </a:solidFill>
                               <a:latin typeface="Cambria Math" panose="02040503050406030204" pitchFamily="18" charset="0"/>
                             </a:rPr>
                             <m:t>, </m:t>
                           </m:r>
                           <m:r>
                             <a:rPr lang="de-DE" b="0" i="1" smtClean="0">
+                              <a:solidFill>
+                                <a:schemeClr val="tx1">
+                                  <a:lumMod val="75000"/>
+                                  <a:lumOff val="25000"/>
+                                </a:schemeClr>
+                              </a:solidFill>
                               <a:latin typeface="Cambria Math" panose="02040503050406030204" pitchFamily="18" charset="0"/>
                             </a:rPr>
                             <m:t>𝐾</m:t>
                           </m:r>
                           <m:r>
                             <a:rPr lang="de-DE" b="0" i="1" smtClean="0">
+                              <a:solidFill>
+                                <a:schemeClr val="tx1">
+                                  <a:lumMod val="75000"/>
+                                  <a:lumOff val="25000"/>
+                                </a:schemeClr>
+                              </a:solidFill>
                               <a:latin typeface="Cambria Math" panose="02040503050406030204" pitchFamily="18" charset="0"/>
                             </a:rPr>
                             <m:t>(</m:t>
                           </m:r>
                           <m:r>
                             <a:rPr lang="de-DE" b="0" i="1" smtClean="0">
+                              <a:solidFill>
+                                <a:schemeClr val="tx1">
+                                  <a:lumMod val="75000"/>
+                                  <a:lumOff val="25000"/>
+                                </a:schemeClr>
+                              </a:solidFill>
                               <a:latin typeface="Cambria Math" panose="02040503050406030204" pitchFamily="18" charset="0"/>
                             </a:rPr>
                             <m:t>𝐻𝑇𝑇𝑃</m:t>
                           </m:r>
                           <m:r>
                             <a:rPr lang="de-DE" b="0" i="1" smtClean="0">
+                              <a:solidFill>
+                                <a:schemeClr val="tx1">
+                                  <a:lumMod val="75000"/>
+                                  <a:lumOff val="25000"/>
+                                </a:schemeClr>
+                              </a:solidFill>
                               <a:latin typeface="Cambria Math" panose="02040503050406030204" pitchFamily="18" charset="0"/>
                             </a:rPr>
                             <m:t>_</m:t>
                           </m:r>
                           <m:r>
                             <a:rPr lang="de-DE" b="0" i="1" smtClean="0">
+                              <a:solidFill>
+                                <a:schemeClr val="tx1">
+                                  <a:lumMod val="75000"/>
+                                  <a:lumOff val="25000"/>
+                                </a:schemeClr>
+                              </a:solidFill>
                               <a:latin typeface="Cambria Math" panose="02040503050406030204" pitchFamily="18" charset="0"/>
                             </a:rPr>
                             <m:t>𝐺𝐸𝑇</m:t>
                           </m:r>
                           <m:r>
                             <a:rPr lang="de-DE" b="0" i="1" smtClean="0">
+                              <a:solidFill>
+                                <a:schemeClr val="tx1">
+                                  <a:lumMod val="75000"/>
+                                  <a:lumOff val="25000"/>
+                                </a:schemeClr>
+                              </a:solidFill>
                               <a:latin typeface="Cambria Math" panose="02040503050406030204" pitchFamily="18" charset="0"/>
                             </a:rPr>
                             <m:t>)</m:t>
@@ -8717,12 +9932,19 @@
                       </m:d>
                     </m:oMath>
                   </a14:m>
-                  <a:endParaRPr lang="en-US" dirty="0"/>
+                  <a:endParaRPr lang="en-US" sz="2600" dirty="0">
+                    <a:solidFill>
+                      <a:schemeClr val="tx1">
+                        <a:lumMod val="75000"/>
+                        <a:lumOff val="25000"/>
+                      </a:schemeClr>
+                    </a:solidFill>
+                  </a:endParaRPr>
                 </a:p>
               </p:txBody>
             </p:sp>
           </mc:Choice>
-          <mc:Fallback xmlns="">
+          <mc:Fallback>
             <p:sp>
               <p:nvSpPr>
                 <p:cNvPr id="15" name="Textfeld 14"/>
@@ -8733,16 +9955,16 @@
               </p:nvSpPr>
               <p:spPr>
                 <a:xfrm>
-                  <a:off x="1907704" y="4250705"/>
-                  <a:ext cx="5191668" cy="494308"/>
+                  <a:off x="2204791" y="3717032"/>
+                  <a:ext cx="4659813" cy="461665"/>
                 </a:xfrm>
                 <a:prstGeom prst="rect">
                   <a:avLst/>
                 </a:prstGeom>
-                <a:blipFill>
+                <a:blipFill rotWithShape="1">
                   <a:blip r:embed="rId5"/>
                   <a:stretch>
-                    <a:fillRect l="-916" t="-11842" b="-27632"/>
+                    <a:fillRect t="-10667" b="-30667"/>
                   </a:stretch>
                 </a:blipFill>
               </p:spPr>
@@ -8751,7 +9973,7 @@
                 <a:lstStyle/>
                 <a:p>
                   <a:r>
-                    <a:rPr lang="en-US">
+                    <a:rPr lang="de-DE">
                       <a:noFill/>
                     </a:rPr>
                     <a:t> </a:t>
@@ -8761,6 +9983,21 @@
             </p:sp>
           </mc:Fallback>
         </mc:AlternateContent>
+      </p:grpSp>
+      <p:grpSp>
+        <p:nvGrpSpPr>
+          <p:cNvPr id="7" name="Gruppieren 6"/>
+          <p:cNvGrpSpPr/>
+          <p:nvPr/>
+        </p:nvGrpSpPr>
+        <p:grpSpPr>
+          <a:xfrm>
+            <a:off x="2175075" y="4941168"/>
+            <a:ext cx="4689529" cy="461665"/>
+            <a:chOff x="2175075" y="4941168"/>
+            <a:chExt cx="4689529" cy="461665"/>
+          </a:xfrm>
+        </p:grpSpPr>
         <p:cxnSp>
           <p:nvCxnSpPr>
             <p:cNvPr id="22" name="Gerade Verbindung mit Pfeil 21"/>
@@ -8771,8 +10008,8 @@
           </p:nvCxnSpPr>
           <p:spPr bwMode="auto">
             <a:xfrm>
-              <a:off x="1874596" y="5546850"/>
-              <a:ext cx="5224776" cy="0"/>
+              <a:off x="2175075" y="5372346"/>
+              <a:ext cx="4689529" cy="0"/>
             </a:xfrm>
             <a:prstGeom prst="straightConnector1">
               <a:avLst/>
@@ -8792,8 +10029,8 @@
             <a:effectLst/>
           </p:spPr>
         </p:cxnSp>
-        <mc:AlternateContent xmlns:mc="http://schemas.openxmlformats.org/markup-compatibility/2006" xmlns:a14="http://schemas.microsoft.com/office/drawing/2010/main">
-          <mc:Choice Requires="a14">
+        <mc:AlternateContent xmlns:mc="http://schemas.openxmlformats.org/markup-compatibility/2006">
+          <mc:Choice xmlns:a14="http://schemas.microsoft.com/office/drawing/2010/main" Requires="a14">
             <p:sp>
               <p:nvSpPr>
                 <p:cNvPr id="23" name="Textfeld 22"/>
@@ -8802,8 +10039,8 @@
               </p:nvSpPr>
               <p:spPr>
                 <a:xfrm>
-                  <a:off x="1907704" y="5085184"/>
-                  <a:ext cx="5191668" cy="494308"/>
+                  <a:off x="2204791" y="4941168"/>
+                  <a:ext cx="4659813" cy="461665"/>
                 </a:xfrm>
                 <a:prstGeom prst="rect">
                   <a:avLst/>
@@ -8818,11 +10055,26 @@
                 <a:p>
                   <a:pPr algn="ctr"/>
                   <a:r>
-                    <a:rPr lang="de-DE" dirty="0" err="1"/>
+                    <a:rPr lang="de-DE" dirty="0" smtClean="0">
+                      <a:solidFill>
+                        <a:schemeClr val="tx1">
+                          <a:lumMod val="75000"/>
+                          <a:lumOff val="25000"/>
+                        </a:schemeClr>
+                      </a:solidFill>
+                      <a:latin typeface="+mn-lt"/>
+                    </a:rPr>
                     <a:t>relay</a:t>
                   </a:r>
                   <a:r>
-                    <a:rPr lang="de-DE" dirty="0"/>
+                    <a:rPr lang="de-DE" dirty="0">
+                      <a:solidFill>
+                        <a:schemeClr val="tx1">
+                          <a:lumMod val="75000"/>
+                          <a:lumOff val="25000"/>
+                        </a:schemeClr>
+                      </a:solidFill>
+                    </a:rPr>
                     <a:t> </a:t>
                   </a:r>
                   <a14:m>
@@ -8833,55 +10085,109 @@
                           <m:endChr m:val="]"/>
                           <m:ctrlPr>
                             <a:rPr lang="de-DE" b="0" i="1" smtClean="0">
-                              <a:latin typeface="Cambria Math" panose="02040503050406030204" pitchFamily="18" charset="0"/>
+                              <a:solidFill>
+                                <a:schemeClr val="tx1">
+                                  <a:lumMod val="75000"/>
+                                  <a:lumOff val="25000"/>
+                                </a:schemeClr>
+                              </a:solidFill>
+                              <a:latin typeface="Cambria Math"/>
                             </a:rPr>
                           </m:ctrlPr>
                         </m:dPr>
                         <m:e>
                           <m:r>
                             <a:rPr lang="de-DE" b="0" i="1" smtClean="0">
+                              <a:solidFill>
+                                <a:schemeClr val="tx1">
+                                  <a:lumMod val="75000"/>
+                                  <a:lumOff val="25000"/>
+                                </a:schemeClr>
+                              </a:solidFill>
                               <a:latin typeface="Cambria Math" panose="02040503050406030204" pitchFamily="18" charset="0"/>
                             </a:rPr>
                             <m:t>𝑐𝐼𝐷</m:t>
                           </m:r>
                           <m:r>
                             <a:rPr lang="de-DE" b="0" i="1" smtClean="0">
+                              <a:solidFill>
+                                <a:schemeClr val="tx1">
+                                  <a:lumMod val="75000"/>
+                                  <a:lumOff val="25000"/>
+                                </a:schemeClr>
+                              </a:solidFill>
                               <a:latin typeface="Cambria Math" panose="02040503050406030204" pitchFamily="18" charset="0"/>
                             </a:rPr>
                             <m:t>, </m:t>
                           </m:r>
                           <m:r>
                             <a:rPr lang="de-DE" b="0" i="1" smtClean="0">
+                              <a:solidFill>
+                                <a:schemeClr val="tx1">
+                                  <a:lumMod val="75000"/>
+                                  <a:lumOff val="25000"/>
+                                </a:schemeClr>
+                              </a:solidFill>
                               <a:latin typeface="Cambria Math" panose="02040503050406030204" pitchFamily="18" charset="0"/>
                             </a:rPr>
                             <m:t>𝐷𝑎𝑡𝑎</m:t>
                           </m:r>
                           <m:r>
                             <a:rPr lang="de-DE" b="0" i="1" smtClean="0">
+                              <a:solidFill>
+                                <a:schemeClr val="tx1">
+                                  <a:lumMod val="75000"/>
+                                  <a:lumOff val="25000"/>
+                                </a:schemeClr>
+                              </a:solidFill>
                               <a:latin typeface="Cambria Math" panose="02040503050406030204" pitchFamily="18" charset="0"/>
                             </a:rPr>
                             <m:t>, </m:t>
                           </m:r>
                           <m:r>
                             <a:rPr lang="de-DE" b="0" i="1" smtClean="0">
+                              <a:solidFill>
+                                <a:schemeClr val="tx1">
+                                  <a:lumMod val="75000"/>
+                                  <a:lumOff val="25000"/>
+                                </a:schemeClr>
+                              </a:solidFill>
                               <a:latin typeface="Cambria Math" panose="02040503050406030204" pitchFamily="18" charset="0"/>
                             </a:rPr>
                             <m:t>𝐾</m:t>
                           </m:r>
                           <m:r>
                             <a:rPr lang="de-DE" b="0" i="1" smtClean="0">
+                              <a:solidFill>
+                                <a:schemeClr val="tx1">
+                                  <a:lumMod val="75000"/>
+                                  <a:lumOff val="25000"/>
+                                </a:schemeClr>
+                              </a:solidFill>
                               <a:latin typeface="Cambria Math" panose="02040503050406030204" pitchFamily="18" charset="0"/>
                             </a:rPr>
                             <m:t>(</m:t>
                           </m:r>
                           <m:r>
                             <a:rPr lang="de-DE" b="0" i="1" smtClean="0">
+                              <a:solidFill>
+                                <a:schemeClr val="tx1">
+                                  <a:lumMod val="75000"/>
+                                  <a:lumOff val="25000"/>
+                                </a:schemeClr>
+                              </a:solidFill>
                               <a:latin typeface="Cambria Math" panose="02040503050406030204" pitchFamily="18" charset="0"/>
                             </a:rPr>
                             <m:t>𝑅𝐸𝑆𝑃</m:t>
                           </m:r>
                           <m:r>
                             <a:rPr lang="de-DE" b="0" i="1" smtClean="0">
+                              <a:solidFill>
+                                <a:schemeClr val="tx1">
+                                  <a:lumMod val="75000"/>
+                                  <a:lumOff val="25000"/>
+                                </a:schemeClr>
+                              </a:solidFill>
                               <a:latin typeface="Cambria Math" panose="02040503050406030204" pitchFamily="18" charset="0"/>
                             </a:rPr>
                             <m:t>)</m:t>
@@ -8890,12 +10196,19 @@
                       </m:d>
                     </m:oMath>
                   </a14:m>
-                  <a:endParaRPr lang="en-US" dirty="0"/>
+                  <a:endParaRPr lang="en-US" dirty="0">
+                    <a:solidFill>
+                      <a:schemeClr val="tx1">
+                        <a:lumMod val="75000"/>
+                        <a:lumOff val="25000"/>
+                      </a:schemeClr>
+                    </a:solidFill>
+                  </a:endParaRPr>
                 </a:p>
               </p:txBody>
             </p:sp>
           </mc:Choice>
-          <mc:Fallback xmlns="">
+          <mc:Fallback>
             <p:sp>
               <p:nvSpPr>
                 <p:cNvPr id="23" name="Textfeld 22"/>
@@ -8906,16 +10219,16 @@
               </p:nvSpPr>
               <p:spPr>
                 <a:xfrm>
-                  <a:off x="1907704" y="5085184"/>
-                  <a:ext cx="5191668" cy="494308"/>
+                  <a:off x="2204791" y="4941168"/>
+                  <a:ext cx="4659813" cy="461665"/>
                 </a:xfrm>
                 <a:prstGeom prst="rect">
                   <a:avLst/>
                 </a:prstGeom>
-                <a:blipFill>
+                <a:blipFill rotWithShape="1">
                   <a:blip r:embed="rId6"/>
                   <a:stretch>
-                    <a:fillRect t="-11842" b="-27632"/>
+                    <a:fillRect t="-10667" b="-30667"/>
                   </a:stretch>
                 </a:blipFill>
               </p:spPr>
@@ -8924,7 +10237,7 @@
                 <a:lstStyle/>
                 <a:p>
                   <a:r>
-                    <a:rPr lang="en-US">
+                    <a:rPr lang="de-DE">
                       <a:noFill/>
                     </a:rPr>
                     <a:t> </a:t>
@@ -8935,8 +10248,8 @@
           </mc:Fallback>
         </mc:AlternateContent>
       </p:grpSp>
-      <mc:AlternateContent xmlns:mc="http://schemas.openxmlformats.org/markup-compatibility/2006" xmlns:a14="http://schemas.microsoft.com/office/drawing/2010/main">
-        <mc:Choice Requires="a14">
+      <mc:AlternateContent xmlns:mc="http://schemas.openxmlformats.org/markup-compatibility/2006">
+        <mc:Choice xmlns:a14="http://schemas.microsoft.com/office/drawing/2010/main" Requires="a14">
           <p:sp>
             <p:nvSpPr>
               <p:cNvPr id="30" name="Textfeld 29"/>
@@ -8945,7 +10258,7 @@
             </p:nvSpPr>
             <p:spPr>
               <a:xfrm>
-                <a:off x="-125043" y="3260850"/>
+                <a:off x="-125043" y="3068960"/>
                 <a:ext cx="1411797" cy="461665"/>
               </a:xfrm>
               <a:prstGeom prst="rect">
@@ -8968,12 +10281,24 @@
                     <m:oMath xmlns:m="http://schemas.openxmlformats.org/officeDocument/2006/math">
                       <m:r>
                         <a:rPr lang="de-DE" b="0" i="1" smtClean="0">
+                          <a:solidFill>
+                            <a:schemeClr val="tx1">
+                              <a:lumMod val="75000"/>
+                              <a:lumOff val="25000"/>
+                            </a:schemeClr>
+                          </a:solidFill>
                           <a:latin typeface="Cambria Math" panose="02040503050406030204" pitchFamily="18" charset="0"/>
                         </a:rPr>
                         <m:t>𝐾</m:t>
                       </m:r>
                       <m:r>
                         <a:rPr lang="de-DE" b="0" i="1" smtClean="0">
+                          <a:solidFill>
+                            <a:schemeClr val="tx1">
+                              <a:lumMod val="75000"/>
+                              <a:lumOff val="25000"/>
+                            </a:schemeClr>
+                          </a:solidFill>
                           <a:latin typeface="Cambria Math" panose="02040503050406030204" pitchFamily="18" charset="0"/>
                         </a:rPr>
                         <m:t>=</m:t>
@@ -8982,13 +10307,25 @@
                         <m:sSupPr>
                           <m:ctrlPr>
                             <a:rPr lang="de-DE" b="0" i="1" smtClean="0">
-                              <a:latin typeface="Cambria Math" panose="02040503050406030204" pitchFamily="18" charset="0"/>
+                              <a:solidFill>
+                                <a:schemeClr val="tx1">
+                                  <a:lumMod val="75000"/>
+                                  <a:lumOff val="25000"/>
+                                </a:schemeClr>
+                              </a:solidFill>
+                              <a:latin typeface="Cambria Math"/>
                             </a:rPr>
                           </m:ctrlPr>
                         </m:sSupPr>
                         <m:e>
                           <m:r>
                             <a:rPr lang="de-DE" b="0" i="1" smtClean="0">
+                              <a:solidFill>
+                                <a:schemeClr val="tx1">
+                                  <a:lumMod val="75000"/>
+                                  <a:lumOff val="25000"/>
+                                </a:schemeClr>
+                              </a:solidFill>
                               <a:latin typeface="Cambria Math" panose="02040503050406030204" pitchFamily="18" charset="0"/>
                             </a:rPr>
                             <m:t>𝑔</m:t>
@@ -8997,6 +10334,12 @@
                         <m:sup>
                           <m:r>
                             <a:rPr lang="de-DE" b="0" i="1" smtClean="0">
+                              <a:solidFill>
+                                <a:schemeClr val="tx1">
+                                  <a:lumMod val="75000"/>
+                                  <a:lumOff val="25000"/>
+                                </a:schemeClr>
+                              </a:solidFill>
                               <a:latin typeface="Cambria Math" panose="02040503050406030204" pitchFamily="18" charset="0"/>
                             </a:rPr>
                             <m:t>𝑥𝑦</m:t>
@@ -9006,12 +10349,19 @@
                     </m:oMath>
                   </m:oMathPara>
                 </a14:m>
-                <a:endParaRPr lang="en-US" dirty="0"/>
+                <a:endParaRPr lang="en-US" dirty="0">
+                  <a:solidFill>
+                    <a:schemeClr val="tx1">
+                      <a:lumMod val="75000"/>
+                      <a:lumOff val="25000"/>
+                    </a:schemeClr>
+                  </a:solidFill>
+                </a:endParaRPr>
               </a:p>
             </p:txBody>
           </p:sp>
         </mc:Choice>
-        <mc:Fallback xmlns="">
+        <mc:Fallback>
           <p:sp>
             <p:nvSpPr>
               <p:cNvPr id="30" name="Textfeld 29"/>
@@ -9022,13 +10372,13 @@
             </p:nvSpPr>
             <p:spPr>
               <a:xfrm>
-                <a:off x="-125043" y="3260850"/>
+                <a:off x="-125043" y="3068960"/>
                 <a:ext cx="1411797" cy="461665"/>
               </a:xfrm>
               <a:prstGeom prst="rect">
                 <a:avLst/>
               </a:prstGeom>
-              <a:blipFill>
+              <a:blipFill rotWithShape="1">
                 <a:blip r:embed="rId7"/>
                 <a:stretch>
                   <a:fillRect b="-11842"/>
@@ -9040,7 +10390,7 @@
               <a:lstStyle/>
               <a:p>
                 <a:r>
-                  <a:rPr lang="en-US">
+                  <a:rPr lang="de-DE">
                     <a:noFill/>
                   </a:rPr>
                   <a:t> </a:t>
@@ -9050,8 +10400,8 @@
           </p:sp>
         </mc:Fallback>
       </mc:AlternateContent>
-      <mc:AlternateContent xmlns:mc="http://schemas.openxmlformats.org/markup-compatibility/2006" xmlns:a14="http://schemas.microsoft.com/office/drawing/2010/main">
-        <mc:Choice Requires="a14">
+      <mc:AlternateContent xmlns:mc="http://schemas.openxmlformats.org/markup-compatibility/2006">
+        <mc:Choice xmlns:a14="http://schemas.microsoft.com/office/drawing/2010/main" Requires="a14">
           <p:sp>
             <p:nvSpPr>
               <p:cNvPr id="33" name="Textfeld 32"/>
@@ -9060,7 +10410,7 @@
             </p:nvSpPr>
             <p:spPr>
               <a:xfrm>
-                <a:off x="7725183" y="2384430"/>
+                <a:off x="7725183" y="2247255"/>
                 <a:ext cx="1411797" cy="461665"/>
               </a:xfrm>
               <a:prstGeom prst="rect">
@@ -9083,12 +10433,24 @@
                     <m:oMath xmlns:m="http://schemas.openxmlformats.org/officeDocument/2006/math">
                       <m:r>
                         <a:rPr lang="de-DE" b="0" i="1" smtClean="0">
+                          <a:solidFill>
+                            <a:schemeClr val="tx1">
+                              <a:lumMod val="75000"/>
+                              <a:lumOff val="25000"/>
+                            </a:schemeClr>
+                          </a:solidFill>
                           <a:latin typeface="Cambria Math" panose="02040503050406030204" pitchFamily="18" charset="0"/>
                         </a:rPr>
                         <m:t>𝐾</m:t>
                       </m:r>
                       <m:r>
                         <a:rPr lang="de-DE" b="0" i="1" smtClean="0">
+                          <a:solidFill>
+                            <a:schemeClr val="tx1">
+                              <a:lumMod val="75000"/>
+                              <a:lumOff val="25000"/>
+                            </a:schemeClr>
+                          </a:solidFill>
                           <a:latin typeface="Cambria Math" panose="02040503050406030204" pitchFamily="18" charset="0"/>
                         </a:rPr>
                         <m:t>=</m:t>
@@ -9097,13 +10459,25 @@
                         <m:sSupPr>
                           <m:ctrlPr>
                             <a:rPr lang="de-DE" b="0" i="1" smtClean="0">
-                              <a:latin typeface="Cambria Math" panose="02040503050406030204" pitchFamily="18" charset="0"/>
+                              <a:solidFill>
+                                <a:schemeClr val="tx1">
+                                  <a:lumMod val="75000"/>
+                                  <a:lumOff val="25000"/>
+                                </a:schemeClr>
+                              </a:solidFill>
+                              <a:latin typeface="Cambria Math"/>
                             </a:rPr>
                           </m:ctrlPr>
                         </m:sSupPr>
                         <m:e>
                           <m:r>
                             <a:rPr lang="de-DE" b="0" i="1" smtClean="0">
+                              <a:solidFill>
+                                <a:schemeClr val="tx1">
+                                  <a:lumMod val="75000"/>
+                                  <a:lumOff val="25000"/>
+                                </a:schemeClr>
+                              </a:solidFill>
                               <a:latin typeface="Cambria Math" panose="02040503050406030204" pitchFamily="18" charset="0"/>
                             </a:rPr>
                             <m:t>𝑔</m:t>
@@ -9112,6 +10486,12 @@
                         <m:sup>
                           <m:r>
                             <a:rPr lang="de-DE" b="0" i="1" smtClean="0">
+                              <a:solidFill>
+                                <a:schemeClr val="tx1">
+                                  <a:lumMod val="75000"/>
+                                  <a:lumOff val="25000"/>
+                                </a:schemeClr>
+                              </a:solidFill>
                               <a:latin typeface="Cambria Math" panose="02040503050406030204" pitchFamily="18" charset="0"/>
                             </a:rPr>
                             <m:t>𝑥𝑦</m:t>
@@ -9121,12 +10501,19 @@
                     </m:oMath>
                   </m:oMathPara>
                 </a14:m>
-                <a:endParaRPr lang="en-US" dirty="0"/>
+                <a:endParaRPr lang="en-US" dirty="0">
+                  <a:solidFill>
+                    <a:schemeClr val="tx1">
+                      <a:lumMod val="75000"/>
+                      <a:lumOff val="25000"/>
+                    </a:schemeClr>
+                  </a:solidFill>
+                </a:endParaRPr>
               </a:p>
             </p:txBody>
           </p:sp>
         </mc:Choice>
-        <mc:Fallback xmlns="">
+        <mc:Fallback>
           <p:sp>
             <p:nvSpPr>
               <p:cNvPr id="33" name="Textfeld 32"/>
@@ -9137,16 +10524,16 @@
             </p:nvSpPr>
             <p:spPr>
               <a:xfrm>
-                <a:off x="7725183" y="2384430"/>
+                <a:off x="7725183" y="2247255"/>
                 <a:ext cx="1411797" cy="461665"/>
               </a:xfrm>
               <a:prstGeom prst="rect">
                 <a:avLst/>
               </a:prstGeom>
-              <a:blipFill>
+              <a:blipFill rotWithShape="1">
                 <a:blip r:embed="rId8"/>
                 <a:stretch>
-                  <a:fillRect b="-13158"/>
+                  <a:fillRect b="-13333"/>
                 </a:stretch>
               </a:blipFill>
             </p:spPr>
@@ -9155,7 +10542,7 @@
               <a:lstStyle/>
               <a:p>
                 <a:r>
-                  <a:rPr lang="en-US">
+                  <a:rPr lang="de-DE">
                     <a:noFill/>
                   </a:rPr>
                   <a:t> </a:t>
@@ -9165,124 +10552,176 @@
           </p:sp>
         </mc:Fallback>
       </mc:AlternateContent>
-      <p:cxnSp>
-        <p:nvCxnSpPr>
-          <p:cNvPr id="34" name="Gerade Verbindung mit Pfeil 33"/>
-          <p:cNvCxnSpPr/>
+      <p:grpSp>
+        <p:nvGrpSpPr>
+          <p:cNvPr id="11" name="Gruppieren 10"/>
+          <p:cNvGrpSpPr/>
           <p:nvPr/>
-        </p:nvCxnSpPr>
-        <p:spPr bwMode="auto">
+        </p:nvGrpSpPr>
+        <p:grpSpPr>
           <a:xfrm>
-            <a:off x="7775058" y="4402021"/>
-            <a:ext cx="1361922" cy="0"/>
+            <a:off x="7775058" y="4125077"/>
+            <a:ext cx="1361922" cy="461665"/>
+            <a:chOff x="7775058" y="4017774"/>
+            <a:chExt cx="1361922" cy="461665"/>
           </a:xfrm>
-          <a:prstGeom prst="straightConnector1">
-            <a:avLst/>
-          </a:prstGeom>
-          <a:solidFill>
-            <a:schemeClr val="accent1"/>
-          </a:solidFill>
-          <a:ln w="9525" cap="flat" cmpd="sng" algn="ctr">
+        </p:grpSpPr>
+        <p:cxnSp>
+          <p:nvCxnSpPr>
+            <p:cNvPr id="34" name="Gerade Verbindung mit Pfeil 33"/>
+            <p:cNvCxnSpPr/>
+            <p:nvPr/>
+          </p:nvCxnSpPr>
+          <p:spPr bwMode="auto">
+            <a:xfrm>
+              <a:off x="7775058" y="4402021"/>
+              <a:ext cx="1361922" cy="0"/>
+            </a:xfrm>
+            <a:prstGeom prst="straightConnector1">
+              <a:avLst/>
+            </a:prstGeom>
             <a:solidFill>
-              <a:schemeClr val="tx1"/>
+              <a:schemeClr val="accent1"/>
             </a:solidFill>
-            <a:prstDash val="solid"/>
-            <a:round/>
-            <a:headEnd type="none" w="med" len="med"/>
-            <a:tailEnd type="triangle"/>
-          </a:ln>
-          <a:effectLst/>
-        </p:spPr>
-      </p:cxnSp>
-      <p:cxnSp>
-        <p:nvCxnSpPr>
-          <p:cNvPr id="37" name="Gerade Verbindung mit Pfeil 36"/>
-          <p:cNvCxnSpPr/>
+            <a:ln w="9525" cap="flat" cmpd="sng" algn="ctr">
+              <a:solidFill>
+                <a:schemeClr val="tx1"/>
+              </a:solidFill>
+              <a:prstDash val="solid"/>
+              <a:round/>
+              <a:headEnd type="none" w="med" len="med"/>
+              <a:tailEnd type="triangle"/>
+            </a:ln>
+            <a:effectLst/>
+          </p:spPr>
+        </p:cxnSp>
+        <p:sp>
+          <p:nvSpPr>
+            <p:cNvPr id="41" name="Textfeld 40"/>
+            <p:cNvSpPr txBox="1"/>
+            <p:nvPr/>
+          </p:nvSpPr>
+          <p:spPr>
+            <a:xfrm>
+              <a:off x="7878881" y="4017774"/>
+              <a:ext cx="806631" cy="461665"/>
+            </a:xfrm>
+            <a:prstGeom prst="rect">
+              <a:avLst/>
+            </a:prstGeom>
+            <a:noFill/>
+          </p:spPr>
+          <p:txBody>
+            <a:bodyPr wrap="none" rtlCol="0">
+              <a:spAutoFit/>
+            </a:bodyPr>
+            <a:lstStyle/>
+            <a:p>
+              <a:r>
+                <a:rPr lang="en-US" dirty="0">
+                  <a:solidFill>
+                    <a:schemeClr val="tx1">
+                      <a:lumMod val="75000"/>
+                      <a:lumOff val="25000"/>
+                    </a:schemeClr>
+                  </a:solidFill>
+                </a:rPr>
+                <a:t>GET</a:t>
+              </a:r>
+            </a:p>
+          </p:txBody>
+        </p:sp>
+      </p:grpSp>
+      <p:grpSp>
+        <p:nvGrpSpPr>
+          <p:cNvPr id="10" name="Gruppieren 9"/>
+          <p:cNvGrpSpPr/>
           <p:nvPr/>
-        </p:nvCxnSpPr>
-        <p:spPr bwMode="auto">
+        </p:nvGrpSpPr>
+        <p:grpSpPr>
           <a:xfrm>
-            <a:off x="7777160" y="4916702"/>
-            <a:ext cx="1361922" cy="0"/>
+            <a:off x="7777160" y="4533122"/>
+            <a:ext cx="1361922" cy="461665"/>
+            <a:chOff x="7777160" y="4516420"/>
+            <a:chExt cx="1361922" cy="461665"/>
           </a:xfrm>
-          <a:prstGeom prst="straightConnector1">
-            <a:avLst/>
-          </a:prstGeom>
-          <a:solidFill>
-            <a:schemeClr val="accent1"/>
-          </a:solidFill>
-          <a:ln w="9525" cap="flat" cmpd="sng" algn="ctr">
+        </p:grpSpPr>
+        <p:cxnSp>
+          <p:nvCxnSpPr>
+            <p:cNvPr id="37" name="Gerade Verbindung mit Pfeil 36"/>
+            <p:cNvCxnSpPr/>
+            <p:nvPr/>
+          </p:nvCxnSpPr>
+          <p:spPr bwMode="auto">
+            <a:xfrm>
+              <a:off x="7777160" y="4916702"/>
+              <a:ext cx="1361922" cy="0"/>
+            </a:xfrm>
+            <a:prstGeom prst="straightConnector1">
+              <a:avLst/>
+            </a:prstGeom>
             <a:solidFill>
-              <a:schemeClr val="tx1"/>
+              <a:schemeClr val="accent1"/>
             </a:solidFill>
-            <a:prstDash val="solid"/>
-            <a:round/>
-            <a:headEnd type="triangle" w="med" len="med"/>
-            <a:tailEnd type="none" w="med" len="med"/>
-          </a:ln>
-          <a:effectLst/>
-        </p:spPr>
-      </p:cxnSp>
-      <p:sp>
-        <p:nvSpPr>
-          <p:cNvPr id="41" name="Textfeld 40"/>
-          <p:cNvSpPr txBox="1"/>
-          <p:nvPr/>
-        </p:nvSpPr>
-        <p:spPr>
-          <a:xfrm>
-            <a:off x="7878881" y="4017774"/>
-            <a:ext cx="806631" cy="461665"/>
-          </a:xfrm>
-          <a:prstGeom prst="rect">
-            <a:avLst/>
-          </a:prstGeom>
-          <a:noFill/>
-        </p:spPr>
-        <p:txBody>
-          <a:bodyPr wrap="none" rtlCol="0">
-            <a:spAutoFit/>
-          </a:bodyPr>
-          <a:lstStyle/>
-          <a:p>
-            <a:r>
-              <a:rPr lang="en-US" dirty="0"/>
-              <a:t>GET</a:t>
-            </a:r>
-          </a:p>
-        </p:txBody>
-      </p:sp>
-      <p:sp>
-        <p:nvSpPr>
-          <p:cNvPr id="44" name="Textfeld 43"/>
-          <p:cNvSpPr txBox="1"/>
-          <p:nvPr/>
-        </p:nvSpPr>
-        <p:spPr>
-          <a:xfrm>
-            <a:off x="7878881" y="4516420"/>
-            <a:ext cx="989373" cy="461665"/>
-          </a:xfrm>
-          <a:prstGeom prst="rect">
-            <a:avLst/>
-          </a:prstGeom>
-          <a:noFill/>
-        </p:spPr>
-        <p:txBody>
-          <a:bodyPr wrap="none" rtlCol="0">
-            <a:spAutoFit/>
-          </a:bodyPr>
-          <a:lstStyle/>
-          <a:p>
-            <a:r>
-              <a:rPr lang="en-US" dirty="0"/>
-              <a:t>RESP</a:t>
-            </a:r>
-          </a:p>
-        </p:txBody>
-      </p:sp>
-      <mc:AlternateContent xmlns:mc="http://schemas.openxmlformats.org/markup-compatibility/2006" xmlns:a14="http://schemas.microsoft.com/office/drawing/2010/main">
-        <mc:Choice Requires="a14">
+            <a:ln w="9525" cap="flat" cmpd="sng" algn="ctr">
+              <a:solidFill>
+                <a:schemeClr val="tx1"/>
+              </a:solidFill>
+              <a:prstDash val="solid"/>
+              <a:round/>
+              <a:headEnd type="triangle" w="med" len="med"/>
+              <a:tailEnd type="none" w="med" len="med"/>
+            </a:ln>
+            <a:effectLst/>
+          </p:spPr>
+        </p:cxnSp>
+        <p:sp>
+          <p:nvSpPr>
+            <p:cNvPr id="44" name="Textfeld 43"/>
+            <p:cNvSpPr txBox="1"/>
+            <p:nvPr/>
+          </p:nvSpPr>
+          <p:spPr>
+            <a:xfrm>
+              <a:off x="7878881" y="4516420"/>
+              <a:ext cx="989373" cy="461665"/>
+            </a:xfrm>
+            <a:prstGeom prst="rect">
+              <a:avLst/>
+            </a:prstGeom>
+            <a:noFill/>
+          </p:spPr>
+          <p:txBody>
+            <a:bodyPr wrap="none" rtlCol="0">
+              <a:spAutoFit/>
+            </a:bodyPr>
+            <a:lstStyle/>
+            <a:p>
+              <a:r>
+                <a:rPr lang="en-US" dirty="0" smtClean="0">
+                  <a:solidFill>
+                    <a:schemeClr val="tx1">
+                      <a:lumMod val="75000"/>
+                      <a:lumOff val="25000"/>
+                    </a:schemeClr>
+                  </a:solidFill>
+                </a:rPr>
+                <a:t>RESP</a:t>
+              </a:r>
+              <a:endParaRPr lang="en-US" dirty="0">
+                <a:solidFill>
+                  <a:schemeClr val="tx1">
+                    <a:lumMod val="75000"/>
+                    <a:lumOff val="25000"/>
+                  </a:schemeClr>
+                </a:solidFill>
+              </a:endParaRPr>
+            </a:p>
+          </p:txBody>
+        </p:sp>
+      </p:grpSp>
+      <mc:AlternateContent xmlns:mc="http://schemas.openxmlformats.org/markup-compatibility/2006">
+        <mc:Choice xmlns:a14="http://schemas.microsoft.com/office/drawing/2010/main" Requires="a14">
           <p:sp>
             <p:nvSpPr>
               <p:cNvPr id="42" name="Textfeld 41"/>
@@ -9316,13 +10755,25 @@
                         <m:sSubSupPr>
                           <m:ctrlPr>
                             <a:rPr lang="de-DE" b="0" i="1" smtClean="0">
-                              <a:latin typeface="Cambria Math" panose="02040503050406030204" pitchFamily="18" charset="0"/>
+                              <a:solidFill>
+                                <a:schemeClr val="tx1">
+                                  <a:lumMod val="75000"/>
+                                  <a:lumOff val="25000"/>
+                                </a:schemeClr>
+                              </a:solidFill>
+                              <a:latin typeface="Cambria Math"/>
                             </a:rPr>
                           </m:ctrlPr>
                         </m:sSubSupPr>
                         <m:e>
                           <m:r>
                             <a:rPr lang="de-DE" b="0" i="1" smtClean="0">
+                              <a:solidFill>
+                                <a:schemeClr val="tx1">
+                                  <a:lumMod val="75000"/>
+                                  <a:lumOff val="25000"/>
+                                </a:schemeClr>
+                              </a:solidFill>
                               <a:latin typeface="Cambria Math" panose="02040503050406030204" pitchFamily="18" charset="0"/>
                             </a:rPr>
                             <m:t>𝐾</m:t>
@@ -9331,6 +10782,12 @@
                         <m:sub>
                           <m:r>
                             <a:rPr lang="de-DE" b="0" i="1" smtClean="0">
+                              <a:solidFill>
+                                <a:schemeClr val="tx1">
+                                  <a:lumMod val="75000"/>
+                                  <a:lumOff val="25000"/>
+                                </a:schemeClr>
+                              </a:solidFill>
                               <a:latin typeface="Cambria Math" panose="02040503050406030204" pitchFamily="18" charset="0"/>
                             </a:rPr>
                             <m:t>𝐵</m:t>
@@ -9339,6 +10796,12 @@
                         <m:sup>
                           <m:r>
                             <a:rPr lang="de-DE" b="0" i="1" smtClean="0">
+                              <a:solidFill>
+                                <a:schemeClr val="tx1">
+                                  <a:lumMod val="75000"/>
+                                  <a:lumOff val="25000"/>
+                                </a:schemeClr>
+                              </a:solidFill>
                               <a:latin typeface="Cambria Math" panose="02040503050406030204" pitchFamily="18" charset="0"/>
                             </a:rPr>
                             <m:t>𝑝𝑟𝑖𝑣</m:t>
@@ -9348,12 +10811,19 @@
                     </m:oMath>
                   </m:oMathPara>
                 </a14:m>
-                <a:endParaRPr lang="en-US" dirty="0"/>
+                <a:endParaRPr lang="en-US" dirty="0">
+                  <a:solidFill>
+                    <a:schemeClr val="tx1">
+                      <a:lumMod val="75000"/>
+                      <a:lumOff val="25000"/>
+                    </a:schemeClr>
+                  </a:solidFill>
+                </a:endParaRPr>
               </a:p>
             </p:txBody>
           </p:sp>
         </mc:Choice>
-        <mc:Fallback xmlns="">
+        <mc:Fallback>
           <p:sp>
             <p:nvSpPr>
               <p:cNvPr id="42" name="Textfeld 41"/>
@@ -9370,7 +10840,7 @@
               <a:prstGeom prst="rect">
                 <a:avLst/>
               </a:prstGeom>
-              <a:blipFill>
+              <a:blipFill rotWithShape="1">
                 <a:blip r:embed="rId9"/>
                 <a:stretch>
                   <a:fillRect/>
@@ -9382,7 +10852,7 @@
               <a:lstStyle/>
               <a:p>
                 <a:r>
-                  <a:rPr lang="en-US">
+                  <a:rPr lang="de-DE">
                     <a:noFill/>
                   </a:rPr>
                   <a:t> </a:t>
@@ -10295,7 +11765,7 @@
           <a:blip r:embed="rId3">
             <a:extLst>
               <a:ext uri="{96DAC541-7B7A-43D3-8B79-37D633B846F1}">
-                <asvg:svgBlip xmlns:asvg="http://schemas.microsoft.com/office/drawing/2016/SVG/main" r:embed="rId4"/>
+                <asvg:svgBlip xmlns:asvg="http://schemas.microsoft.com/office/drawing/2016/SVG/main" xmlns="" r:embed="rId4"/>
               </a:ext>
             </a:extLst>
           </a:blip>

--- a/presentation/TemplateSlides2016.pptx
+++ b/presentation/TemplateSlides2016.pptx
@@ -5,10 +5,10 @@
     <p:sldMasterId id="2147483667" r:id="rId1"/>
   </p:sldMasterIdLst>
   <p:notesMasterIdLst>
-    <p:notesMasterId r:id="rId12"/>
+    <p:notesMasterId r:id="rId13"/>
   </p:notesMasterIdLst>
   <p:handoutMasterIdLst>
-    <p:handoutMasterId r:id="rId13"/>
+    <p:handoutMasterId r:id="rId14"/>
   </p:handoutMasterIdLst>
   <p:sldIdLst>
     <p:sldId id="479" r:id="rId2"/>
@@ -21,6 +21,7 @@
     <p:sldId id="669" r:id="rId9"/>
     <p:sldId id="670" r:id="rId10"/>
     <p:sldId id="672" r:id="rId11"/>
+    <p:sldId id="674" r:id="rId12"/>
   </p:sldIdLst>
   <p:sldSz cx="9144000" cy="6858000" type="screen4x3"/>
   <p:notesSz cx="6858000" cy="9144000"/>
@@ -151,7 +152,7 @@
   </p:defaultTextStyle>
   <p:extLst>
     <p:ext uri="{EFAFB233-063F-42B5-8137-9DF3F51BA10A}">
-      <p15:sldGuideLst xmlns:p15="http://schemas.microsoft.com/office/powerpoint/2012/main" xmlns="">
+      <p15:sldGuideLst xmlns="" xmlns:p15="http://schemas.microsoft.com/office/powerpoint/2012/main">
         <p15:guide id="1" orient="horz" pos="4273">
           <p15:clr>
             <a:srgbClr val="A4A3A4"/>
@@ -518,7 +519,7 @@
               </a14:hiddenFill>
             </a:ext>
             <a:ext uri="{FAA26D3D-D897-4be2-8F04-BA451C77F1D7}">
-              <ma14:placeholderFlag xmlns:ma14="http://schemas.microsoft.com/office/mac/drawingml/2011/main" xmlns="" val="1"/>
+              <ma14:placeholderFlag xmlns="" xmlns:ma14="http://schemas.microsoft.com/office/mac/drawingml/2011/main" val="1"/>
             </a:ext>
           </a:extLst>
         </p:spPr>
@@ -1312,7 +1313,249 @@
           </a:ln>
           <a:extLst>
             <a:ext uri="{FAA26D3D-D897-4be2-8F04-BA451C77F1D7}">
-              <ma14:placeholderFlag xmlns:ma14="http://schemas.microsoft.com/office/mac/drawingml/2011/main" xmlns="" val="1"/>
+              <ma14:placeholderFlag xmlns="" xmlns:ma14="http://schemas.microsoft.com/office/mac/drawingml/2011/main" val="1"/>
+            </a:ext>
+          </a:extLst>
+        </p:spPr>
+        <p:txBody>
+          <a:bodyPr/>
+          <a:lstStyle/>
+          <a:p>
+            <a:pPr eaLnBrk="1" hangingPunct="1"/>
+            <a:r>
+              <a:rPr lang="en-GB" dirty="0" err="1"/>
+              <a:t>ich</a:t>
+            </a:r>
+            <a:endParaRPr lang="en-GB" dirty="0"/>
+          </a:p>
+        </p:txBody>
+      </p:sp>
+    </p:spTree>
+    <p:extLst>
+      <p:ext uri="{BB962C8B-B14F-4D97-AF65-F5344CB8AC3E}">
+        <p14:creationId xmlns:p14="http://schemas.microsoft.com/office/powerpoint/2010/main" val="885676067"/>
+      </p:ext>
+    </p:extLst>
+  </p:cSld>
+  <p:clrMapOvr>
+    <a:masterClrMapping/>
+  </p:clrMapOvr>
+</p:notes>
+</file>
+
+<file path=ppt/notesSlides/notesSlide11.xml><?xml version="1.0" encoding="utf-8"?>
+<p:notes xmlns:a="http://schemas.openxmlformats.org/drawingml/2006/main" xmlns:r="http://schemas.openxmlformats.org/officeDocument/2006/relationships" xmlns:p="http://schemas.openxmlformats.org/presentationml/2006/main">
+  <p:cSld>
+    <p:spTree>
+      <p:nvGrpSpPr>
+        <p:cNvPr id="1" name=""/>
+        <p:cNvGrpSpPr/>
+        <p:nvPr/>
+      </p:nvGrpSpPr>
+      <p:grpSpPr>
+        <a:xfrm>
+          <a:off x="0" y="0"/>
+          <a:ext cx="0" cy="0"/>
+          <a:chOff x="0" y="0"/>
+          <a:chExt cx="0" cy="0"/>
+        </a:xfrm>
+      </p:grpSpPr>
+      <p:sp>
+        <p:nvSpPr>
+          <p:cNvPr id="13313" name="Rectangle 7"/>
+          <p:cNvSpPr>
+            <a:spLocks noGrp="1" noChangeArrowheads="1"/>
+          </p:cNvSpPr>
+          <p:nvPr>
+            <p:ph type="sldNum" sz="quarter" idx="5"/>
+          </p:nvPr>
+        </p:nvSpPr>
+        <p:spPr>
+          <a:noFill/>
+          <a:ln/>
+          <a:extLst>
+            <a:ext uri="{909E8E84-426E-40DD-AFC4-6F175D3DCCD1}">
+              <a14:hiddenFill xmlns:a14="http://schemas.microsoft.com/office/drawing/2010/main">
+                <a:solidFill>
+                  <a:srgbClr val="FFFFFF"/>
+                </a:solidFill>
+              </a14:hiddenFill>
+            </a:ext>
+            <a:ext uri="{91240B29-F687-4F45-9708-019B960494DF}">
+              <a14:hiddenLine xmlns:a14="http://schemas.microsoft.com/office/drawing/2010/main" w="9525">
+                <a:solidFill>
+                  <a:srgbClr val="000000"/>
+                </a:solidFill>
+                <a:miter lim="800000"/>
+                <a:headEnd/>
+                <a:tailEnd/>
+              </a14:hiddenLine>
+            </a:ext>
+          </a:extLst>
+        </p:spPr>
+        <p:txBody>
+          <a:bodyPr/>
+          <a:lstStyle>
+            <a:lvl1pPr eaLnBrk="0" hangingPunct="0">
+              <a:defRPr sz="2400">
+                <a:solidFill>
+                  <a:schemeClr val="tx1"/>
+                </a:solidFill>
+                <a:latin typeface="Verdana" charset="0"/>
+                <a:ea typeface="ＭＳ Ｐゴシック" charset="0"/>
+                <a:cs typeface="ＭＳ Ｐゴシック" charset="0"/>
+              </a:defRPr>
+            </a:lvl1pPr>
+            <a:lvl2pPr marL="742950" indent="-285750" eaLnBrk="0" hangingPunct="0">
+              <a:defRPr sz="2400">
+                <a:solidFill>
+                  <a:schemeClr val="tx1"/>
+                </a:solidFill>
+                <a:latin typeface="Verdana" charset="0"/>
+                <a:ea typeface="ＭＳ Ｐゴシック" charset="0"/>
+              </a:defRPr>
+            </a:lvl2pPr>
+            <a:lvl3pPr marL="1143000" indent="-228600" eaLnBrk="0" hangingPunct="0">
+              <a:defRPr sz="2400">
+                <a:solidFill>
+                  <a:schemeClr val="tx1"/>
+                </a:solidFill>
+                <a:latin typeface="Verdana" charset="0"/>
+                <a:ea typeface="ＭＳ Ｐゴシック" charset="0"/>
+              </a:defRPr>
+            </a:lvl3pPr>
+            <a:lvl4pPr marL="1600200" indent="-228600" eaLnBrk="0" hangingPunct="0">
+              <a:defRPr sz="2400">
+                <a:solidFill>
+                  <a:schemeClr val="tx1"/>
+                </a:solidFill>
+                <a:latin typeface="Verdana" charset="0"/>
+                <a:ea typeface="ＭＳ Ｐゴシック" charset="0"/>
+              </a:defRPr>
+            </a:lvl4pPr>
+            <a:lvl5pPr marL="2057400" indent="-228600" eaLnBrk="0" hangingPunct="0">
+              <a:defRPr sz="2400">
+                <a:solidFill>
+                  <a:schemeClr val="tx1"/>
+                </a:solidFill>
+                <a:latin typeface="Verdana" charset="0"/>
+                <a:ea typeface="ＭＳ Ｐゴシック" charset="0"/>
+              </a:defRPr>
+            </a:lvl5pPr>
+            <a:lvl6pPr marL="2514600" indent="-228600" eaLnBrk="0" fontAlgn="base" hangingPunct="0">
+              <a:spcBef>
+                <a:spcPct val="0"/>
+              </a:spcBef>
+              <a:spcAft>
+                <a:spcPct val="0"/>
+              </a:spcAft>
+              <a:defRPr sz="2400">
+                <a:solidFill>
+                  <a:schemeClr val="tx1"/>
+                </a:solidFill>
+                <a:latin typeface="Verdana" charset="0"/>
+                <a:ea typeface="ＭＳ Ｐゴシック" charset="0"/>
+              </a:defRPr>
+            </a:lvl6pPr>
+            <a:lvl7pPr marL="2971800" indent="-228600" eaLnBrk="0" fontAlgn="base" hangingPunct="0">
+              <a:spcBef>
+                <a:spcPct val="0"/>
+              </a:spcBef>
+              <a:spcAft>
+                <a:spcPct val="0"/>
+              </a:spcAft>
+              <a:defRPr sz="2400">
+                <a:solidFill>
+                  <a:schemeClr val="tx1"/>
+                </a:solidFill>
+                <a:latin typeface="Verdana" charset="0"/>
+                <a:ea typeface="ＭＳ Ｐゴシック" charset="0"/>
+              </a:defRPr>
+            </a:lvl7pPr>
+            <a:lvl8pPr marL="3429000" indent="-228600" eaLnBrk="0" fontAlgn="base" hangingPunct="0">
+              <a:spcBef>
+                <a:spcPct val="0"/>
+              </a:spcBef>
+              <a:spcAft>
+                <a:spcPct val="0"/>
+              </a:spcAft>
+              <a:defRPr sz="2400">
+                <a:solidFill>
+                  <a:schemeClr val="tx1"/>
+                </a:solidFill>
+                <a:latin typeface="Verdana" charset="0"/>
+                <a:ea typeface="ＭＳ Ｐゴシック" charset="0"/>
+              </a:defRPr>
+            </a:lvl8pPr>
+            <a:lvl9pPr marL="3886200" indent="-228600" eaLnBrk="0" fontAlgn="base" hangingPunct="0">
+              <a:spcBef>
+                <a:spcPct val="0"/>
+              </a:spcBef>
+              <a:spcAft>
+                <a:spcPct val="0"/>
+              </a:spcAft>
+              <a:defRPr sz="2400">
+                <a:solidFill>
+                  <a:schemeClr val="tx1"/>
+                </a:solidFill>
+                <a:latin typeface="Verdana" charset="0"/>
+                <a:ea typeface="ＭＳ Ｐゴシック" charset="0"/>
+              </a:defRPr>
+            </a:lvl9pPr>
+          </a:lstStyle>
+          <a:p>
+            <a:fld id="{D96C611C-4D80-864B-B939-EBFCF83FC60E}" type="slidenum">
+              <a:rPr lang="de-DE" sz="1200">
+                <a:latin typeface="Andale Mono" charset="0"/>
+              </a:rPr>
+              <a:pPr/>
+              <a:t>11</a:t>
+            </a:fld>
+            <a:endParaRPr lang="de-DE" sz="1200">
+              <a:latin typeface="Andale Mono" charset="0"/>
+            </a:endParaRPr>
+          </a:p>
+        </p:txBody>
+      </p:sp>
+      <p:sp>
+        <p:nvSpPr>
+          <p:cNvPr id="13314" name="Rectangle 2"/>
+          <p:cNvSpPr>
+            <a:spLocks noGrp="1" noRot="1" noChangeAspect="1" noChangeArrowheads="1"/>
+          </p:cNvSpPr>
+          <p:nvPr>
+            <p:ph type="sldImg"/>
+          </p:nvPr>
+        </p:nvSpPr>
+        <p:spPr>
+          <a:solidFill>
+            <a:srgbClr val="FFFFFF"/>
+          </a:solidFill>
+          <a:ln/>
+        </p:spPr>
+      </p:sp>
+      <p:sp>
+        <p:nvSpPr>
+          <p:cNvPr id="13315" name="Rectangle 3"/>
+          <p:cNvSpPr>
+            <a:spLocks noGrp="1" noChangeArrowheads="1"/>
+          </p:cNvSpPr>
+          <p:nvPr>
+            <p:ph type="body" idx="1"/>
+          </p:nvPr>
+        </p:nvSpPr>
+        <p:spPr>
+          <a:solidFill>
+            <a:srgbClr val="FFFFFF"/>
+          </a:solidFill>
+          <a:ln>
+            <a:solidFill>
+              <a:srgbClr val="000000"/>
+            </a:solidFill>
+          </a:ln>
+          <a:extLst>
+            <a:ext uri="{FAA26D3D-D897-4be2-8F04-BA451C77F1D7}">
+              <ma14:placeholderFlag xmlns="" xmlns:ma14="http://schemas.microsoft.com/office/mac/drawingml/2011/main" val="1"/>
             </a:ext>
           </a:extLst>
         </p:spPr>
@@ -1648,7 +1891,7 @@
           </a:ln>
           <a:extLst>
             <a:ext uri="{FAA26D3D-D897-4be2-8F04-BA451C77F1D7}">
-              <ma14:placeholderFlag xmlns:ma14="http://schemas.microsoft.com/office/mac/drawingml/2011/main" xmlns="" val="1"/>
+              <ma14:placeholderFlag xmlns="" xmlns:ma14="http://schemas.microsoft.com/office/mac/drawingml/2011/main" val="1"/>
             </a:ext>
           </a:extLst>
         </p:spPr>
@@ -1885,7 +2128,7 @@
           </a:ln>
           <a:extLst>
             <a:ext uri="{FAA26D3D-D897-4be2-8F04-BA451C77F1D7}">
-              <ma14:placeholderFlag xmlns:ma14="http://schemas.microsoft.com/office/mac/drawingml/2011/main" xmlns="" val="1"/>
+              <ma14:placeholderFlag xmlns="" xmlns:ma14="http://schemas.microsoft.com/office/mac/drawingml/2011/main" val="1"/>
             </a:ext>
           </a:extLst>
         </p:spPr>
@@ -2127,7 +2370,7 @@
           </a:ln>
           <a:extLst>
             <a:ext uri="{FAA26D3D-D897-4be2-8F04-BA451C77F1D7}">
-              <ma14:placeholderFlag xmlns:ma14="http://schemas.microsoft.com/office/mac/drawingml/2011/main" xmlns="" val="1"/>
+              <ma14:placeholderFlag xmlns="" xmlns:ma14="http://schemas.microsoft.com/office/mac/drawingml/2011/main" val="1"/>
             </a:ext>
           </a:extLst>
         </p:spPr>
@@ -2363,7 +2606,7 @@
           </a:ln>
           <a:extLst>
             <a:ext uri="{FAA26D3D-D897-4be2-8F04-BA451C77F1D7}">
-              <ma14:placeholderFlag xmlns:ma14="http://schemas.microsoft.com/office/mac/drawingml/2011/main" xmlns="" val="1"/>
+              <ma14:placeholderFlag xmlns="" xmlns:ma14="http://schemas.microsoft.com/office/mac/drawingml/2011/main" val="1"/>
             </a:ext>
           </a:extLst>
         </p:spPr>
@@ -2604,7 +2847,7 @@
           </a:ln>
           <a:extLst>
             <a:ext uri="{FAA26D3D-D897-4be2-8F04-BA451C77F1D7}">
-              <ma14:placeholderFlag xmlns:ma14="http://schemas.microsoft.com/office/mac/drawingml/2011/main" xmlns="" val="1"/>
+              <ma14:placeholderFlag xmlns="" xmlns:ma14="http://schemas.microsoft.com/office/mac/drawingml/2011/main" val="1"/>
             </a:ext>
           </a:extLst>
         </p:spPr>
@@ -2860,7 +3103,7 @@
           </a:ln>
           <a:extLst>
             <a:ext uri="{FAA26D3D-D897-4be2-8F04-BA451C77F1D7}">
-              <ma14:placeholderFlag xmlns:ma14="http://schemas.microsoft.com/office/mac/drawingml/2011/main" xmlns="" val="1"/>
+              <ma14:placeholderFlag xmlns="" xmlns:ma14="http://schemas.microsoft.com/office/mac/drawingml/2011/main" val="1"/>
             </a:ext>
           </a:extLst>
         </p:spPr>
@@ -3097,7 +3340,7 @@
           </a:ln>
           <a:extLst>
             <a:ext uri="{FAA26D3D-D897-4be2-8F04-BA451C77F1D7}">
-              <ma14:placeholderFlag xmlns:ma14="http://schemas.microsoft.com/office/mac/drawingml/2011/main" xmlns="" val="1"/>
+              <ma14:placeholderFlag xmlns="" xmlns:ma14="http://schemas.microsoft.com/office/mac/drawingml/2011/main" val="1"/>
             </a:ext>
           </a:extLst>
         </p:spPr>
@@ -3799,7 +4042,7 @@
               </a14:hiddenLine>
             </a:ext>
             <a:ext uri="{FAA26D3D-D897-4be2-8F04-BA451C77F1D7}">
-              <ma14:placeholderFlag xmlns:ma14="http://schemas.microsoft.com/office/mac/drawingml/2011/main" xmlns="" val="1"/>
+              <ma14:placeholderFlag xmlns="" xmlns:ma14="http://schemas.microsoft.com/office/mac/drawingml/2011/main" val="1"/>
             </a:ext>
           </a:extLst>
         </p:spPr>
@@ -3860,7 +4103,7 @@
               </a14:hiddenLine>
             </a:ext>
             <a:ext uri="{FAA26D3D-D897-4be2-8F04-BA451C77F1D7}">
-              <ma14:placeholderFlag xmlns:ma14="http://schemas.microsoft.com/office/mac/drawingml/2011/main" xmlns="" val="1"/>
+              <ma14:placeholderFlag xmlns="" xmlns:ma14="http://schemas.microsoft.com/office/mac/drawingml/2011/main" val="1"/>
             </a:ext>
           </a:extLst>
         </p:spPr>
@@ -4957,17 +5200,29 @@
           <a:lstStyle/>
           <a:p>
             <a:pPr eaLnBrk="1" hangingPunct="1"/>
-            <a:r>
-              <a:rPr lang="de-DE" dirty="0" err="1">
+            <a:endParaRPr lang="de-DE" dirty="0" smtClean="0">
+              <a:latin typeface="Calibri"/>
+            </a:endParaRPr>
+          </a:p>
+          <a:p>
+            <a:pPr eaLnBrk="1" hangingPunct="1"/>
+            <a:r>
+              <a:rPr lang="de-DE" dirty="0" err="1" smtClean="0">
                 <a:latin typeface="Calibri"/>
               </a:rPr>
               <a:t>Based</a:t>
             </a:r>
             <a:r>
+              <a:rPr lang="de-DE" dirty="0" smtClean="0">
+                <a:latin typeface="Calibri"/>
+              </a:rPr>
+              <a:t> </a:t>
+            </a:r>
+            <a:r>
               <a:rPr lang="de-DE" dirty="0">
                 <a:latin typeface="Calibri"/>
               </a:rPr>
-              <a:t> on Mixed-Nets </a:t>
+              <a:t>on Mixed-Nets </a:t>
             </a:r>
             <a:r>
               <a:rPr lang="de-DE" dirty="0" err="1">
@@ -5493,6 +5748,126 @@
     <p:extLst>
       <p:ext uri="{BB962C8B-B14F-4D97-AF65-F5344CB8AC3E}">
         <p14:creationId xmlns:p14="http://schemas.microsoft.com/office/powerpoint/2010/main" val="3017450633"/>
+      </p:ext>
+    </p:extLst>
+  </p:cSld>
+  <p:clrMapOvr>
+    <a:masterClrMapping/>
+  </p:clrMapOvr>
+</p:sld>
+</file>
+
+<file path=ppt/slides/slide11.xml><?xml version="1.0" encoding="utf-8"?>
+<p:sld xmlns:a="http://schemas.openxmlformats.org/drawingml/2006/main" xmlns:r="http://schemas.openxmlformats.org/officeDocument/2006/relationships" xmlns:p="http://schemas.openxmlformats.org/presentationml/2006/main">
+  <p:cSld>
+    <p:spTree>
+      <p:nvGrpSpPr>
+        <p:cNvPr id="1" name=""/>
+        <p:cNvGrpSpPr/>
+        <p:nvPr/>
+      </p:nvGrpSpPr>
+      <p:grpSpPr>
+        <a:xfrm>
+          <a:off x="0" y="0"/>
+          <a:ext cx="0" cy="0"/>
+          <a:chOff x="0" y="0"/>
+          <a:chExt cx="0" cy="0"/>
+        </a:xfrm>
+      </p:grpSpPr>
+      <p:sp>
+        <p:nvSpPr>
+          <p:cNvPr id="12290" name="Rectangle 3"/>
+          <p:cNvSpPr>
+            <a:spLocks noGrp="1" noChangeArrowheads="1"/>
+          </p:cNvSpPr>
+          <p:nvPr>
+            <p:ph type="title"/>
+          </p:nvPr>
+        </p:nvSpPr>
+        <p:spPr/>
+        <p:txBody>
+          <a:bodyPr/>
+          <a:lstStyle/>
+          <a:p>
+            <a:r>
+              <a:rPr lang="de-DE" dirty="0"/>
+              <a:t>Tor: The Second-Generation </a:t>
+            </a:r>
+            <a:r>
+              <a:rPr lang="de-DE" dirty="0" err="1"/>
+              <a:t>Onion</a:t>
+            </a:r>
+            <a:r>
+              <a:rPr lang="de-DE" dirty="0"/>
+              <a:t> </a:t>
+            </a:r>
+            <a:r>
+              <a:rPr lang="de-DE" dirty="0" smtClean="0"/>
+              <a:t>Router</a:t>
+            </a:r>
+            <a:endParaRPr lang="de-DE" dirty="0">
+              <a:latin typeface="Calibri"/>
+            </a:endParaRPr>
+          </a:p>
+        </p:txBody>
+      </p:sp>
+      <p:sp>
+        <p:nvSpPr>
+          <p:cNvPr id="12315" name="Rectangle 28"/>
+          <p:cNvSpPr>
+            <a:spLocks noGrp="1" noChangeArrowheads="1"/>
+          </p:cNvSpPr>
+          <p:nvPr>
+            <p:ph type="body" idx="1"/>
+          </p:nvPr>
+        </p:nvSpPr>
+        <p:spPr>
+          <a:xfrm>
+            <a:off x="323528" y="1219200"/>
+            <a:ext cx="8458200" cy="5162128"/>
+          </a:xfrm>
+        </p:spPr>
+        <p:txBody>
+          <a:bodyPr anchor="ctr"/>
+          <a:lstStyle/>
+          <a:p>
+            <a:pPr marL="0" indent="0" algn="ctr" eaLnBrk="1" hangingPunct="1">
+              <a:buNone/>
+            </a:pPr>
+            <a:r>
+              <a:rPr lang="de-DE" sz="4000" dirty="0" err="1" smtClean="0">
+                <a:latin typeface="Calibri"/>
+              </a:rPr>
+              <a:t>Thank</a:t>
+            </a:r>
+            <a:r>
+              <a:rPr lang="de-DE" sz="4000" dirty="0" smtClean="0">
+                <a:latin typeface="Calibri"/>
+              </a:rPr>
+              <a:t> </a:t>
+            </a:r>
+            <a:r>
+              <a:rPr lang="de-DE" sz="4000" dirty="0" err="1" smtClean="0">
+                <a:latin typeface="Calibri"/>
+              </a:rPr>
+              <a:t>you</a:t>
+            </a:r>
+            <a:r>
+              <a:rPr lang="de-DE" sz="4000" dirty="0" smtClean="0">
+                <a:latin typeface="Calibri"/>
+              </a:rPr>
+              <a:t>!</a:t>
+            </a:r>
+            <a:endParaRPr lang="de-DE" sz="4000" dirty="0">
+              <a:latin typeface="Calibri"/>
+            </a:endParaRPr>
+          </a:p>
+        </p:txBody>
+      </p:sp>
+    </p:spTree>
+    <p:extLst>
+      <p:ext uri="{BB962C8B-B14F-4D97-AF65-F5344CB8AC3E}">
+        <p14:creationId xmlns:p14="http://schemas.microsoft.com/office/powerpoint/2010/main" val="2681990797"/>
       </p:ext>
     </p:extLst>
   </p:cSld>
@@ -5770,7 +6145,7 @@
         </p:blipFill>
         <p:spPr>
           <a:xfrm>
-            <a:off x="323528" y="1916832"/>
+            <a:off x="539552" y="1628800"/>
             <a:ext cx="8075240" cy="4672686"/>
           </a:xfrm>
           <a:prstGeom prst="rect">
@@ -5778,6 +6153,100 @@
           </a:prstGeom>
         </p:spPr>
       </p:pic>
+      <p:sp>
+        <p:nvSpPr>
+          <p:cNvPr id="3" name="Textfeld 2"/>
+          <p:cNvSpPr txBox="1"/>
+          <p:nvPr/>
+        </p:nvSpPr>
+        <p:spPr>
+          <a:xfrm>
+            <a:off x="2477022" y="6458037"/>
+            <a:ext cx="6137770" cy="276999"/>
+          </a:xfrm>
+          <a:prstGeom prst="rect">
+            <a:avLst/>
+          </a:prstGeom>
+          <a:noFill/>
+        </p:spPr>
+        <p:txBody>
+          <a:bodyPr wrap="none" rtlCol="0">
+            <a:spAutoFit/>
+          </a:bodyPr>
+          <a:lstStyle/>
+          <a:p>
+            <a:r>
+              <a:rPr lang="de-DE" sz="1200" dirty="0" smtClean="0">
+                <a:solidFill>
+                  <a:schemeClr val="tx2"/>
+                </a:solidFill>
+              </a:rPr>
+              <a:t>[</a:t>
+            </a:r>
+            <a:r>
+              <a:rPr lang="de-DE" sz="1200" dirty="0" err="1" smtClean="0">
+                <a:solidFill>
+                  <a:schemeClr val="tx2"/>
+                </a:solidFill>
+              </a:rPr>
+              <a:t>Federrath</a:t>
+            </a:r>
+            <a:r>
+              <a:rPr lang="de-DE" sz="1200" dirty="0" smtClean="0">
+                <a:solidFill>
+                  <a:schemeClr val="tx2"/>
+                </a:solidFill>
+              </a:rPr>
+              <a:t>, Hannes: </a:t>
+            </a:r>
+            <a:r>
+              <a:rPr lang="de-DE" sz="1200" dirty="0" err="1" smtClean="0">
+                <a:solidFill>
+                  <a:schemeClr val="tx2"/>
+                </a:solidFill>
+              </a:rPr>
+              <a:t>Lecture</a:t>
+            </a:r>
+            <a:r>
+              <a:rPr lang="de-DE" sz="1200" dirty="0" smtClean="0">
+                <a:solidFill>
+                  <a:schemeClr val="tx2"/>
+                </a:solidFill>
+              </a:rPr>
+              <a:t> </a:t>
+            </a:r>
+            <a:r>
+              <a:rPr lang="de-DE" sz="1200" dirty="0" err="1">
+                <a:solidFill>
+                  <a:schemeClr val="tx2"/>
+                </a:solidFill>
+              </a:rPr>
+              <a:t>s</a:t>
+            </a:r>
+            <a:r>
+              <a:rPr lang="de-DE" sz="1200" dirty="0" err="1" smtClean="0">
+                <a:solidFill>
+                  <a:schemeClr val="tx2"/>
+                </a:solidFill>
+              </a:rPr>
+              <a:t>lides</a:t>
+            </a:r>
+            <a:r>
+              <a:rPr lang="de-DE" sz="1200" dirty="0" smtClean="0">
+                <a:solidFill>
+                  <a:schemeClr val="tx2"/>
+                </a:solidFill>
+              </a:rPr>
+              <a:t> SKI – Datenschutzfreundliche Techniken]</a:t>
+            </a:r>
+            <a:endParaRPr lang="de-DE" sz="1200" dirty="0">
+              <a:solidFill>
+                <a:schemeClr val="tx2"/>
+              </a:solidFill>
+            </a:endParaRPr>
+          </a:p>
+        </p:txBody>
+      </p:sp>
     </p:spTree>
   </p:cSld>
   <p:clrMapOvr>
@@ -5864,17 +6333,29 @@
           <a:lstStyle/>
           <a:p>
             <a:pPr eaLnBrk="1" hangingPunct="1"/>
-            <a:r>
-              <a:rPr lang="de-DE" dirty="0" err="1">
+            <a:endParaRPr lang="de-DE" dirty="0" smtClean="0">
+              <a:latin typeface="Calibri"/>
+            </a:endParaRPr>
+          </a:p>
+          <a:p>
+            <a:pPr eaLnBrk="1" hangingPunct="1"/>
+            <a:r>
+              <a:rPr lang="de-DE" dirty="0" err="1" smtClean="0">
                 <a:latin typeface="Calibri"/>
               </a:rPr>
               <a:t>Onion</a:t>
             </a:r>
             <a:r>
+              <a:rPr lang="de-DE" dirty="0" smtClean="0">
+                <a:latin typeface="Calibri"/>
+              </a:rPr>
+              <a:t> </a:t>
+            </a:r>
+            <a:r>
               <a:rPr lang="de-DE" dirty="0">
                 <a:latin typeface="Calibri"/>
               </a:rPr>
-              <a:t> Routing</a:t>
+              <a:t>Routing</a:t>
             </a:r>
           </a:p>
           <a:p>
@@ -6192,7 +6673,7 @@
         </p:blipFill>
         <p:spPr>
           <a:xfrm>
-            <a:off x="4860032" y="4869160"/>
+            <a:off x="4849054" y="5445224"/>
             <a:ext cx="1667162" cy="1008112"/>
           </a:xfrm>
           <a:prstGeom prst="rect">
@@ -9100,8 +9581,8 @@
             <a:effectLst/>
           </p:spPr>
         </p:cxnSp>
-        <mc:AlternateContent xmlns:mc="http://schemas.openxmlformats.org/markup-compatibility/2006">
-          <mc:Choice xmlns:a14="http://schemas.microsoft.com/office/drawing/2010/main" Requires="a14">
+        <mc:AlternateContent xmlns:mc="http://schemas.openxmlformats.org/markup-compatibility/2006" xmlns:a14="http://schemas.microsoft.com/office/drawing/2010/main">
+          <mc:Choice Requires="a14">
             <p:sp>
               <p:nvSpPr>
                 <p:cNvPr id="9" name="Textfeld 8"/>
@@ -9348,7 +9829,7 @@
               </p:txBody>
             </p:sp>
           </mc:Choice>
-          <mc:Fallback>
+          <mc:Fallback xmlns="">
             <p:sp>
               <p:nvSpPr>
                 <p:cNvPr id="9" name="Textfeld 8"/>
@@ -9433,8 +9914,8 @@
             <a:effectLst/>
           </p:spPr>
         </p:cxnSp>
-        <mc:AlternateContent xmlns:mc="http://schemas.openxmlformats.org/markup-compatibility/2006">
-          <mc:Choice xmlns:a14="http://schemas.microsoft.com/office/drawing/2010/main" Requires="a14">
+        <mc:AlternateContent xmlns:mc="http://schemas.openxmlformats.org/markup-compatibility/2006" xmlns:a14="http://schemas.microsoft.com/office/drawing/2010/main">
+          <mc:Choice Requires="a14">
             <p:sp>
               <p:nvSpPr>
                 <p:cNvPr id="13" name="Textfeld 12"/>
@@ -9655,7 +10136,7 @@
               </p:txBody>
             </p:sp>
           </mc:Choice>
-          <mc:Fallback>
+          <mc:Fallback xmlns="">
             <p:sp>
               <p:nvSpPr>
                 <p:cNvPr id="13" name="Textfeld 12"/>
@@ -9740,8 +10221,8 @@
             <a:effectLst/>
           </p:spPr>
         </p:cxnSp>
-        <mc:AlternateContent xmlns:mc="http://schemas.openxmlformats.org/markup-compatibility/2006">
-          <mc:Choice xmlns:a14="http://schemas.microsoft.com/office/drawing/2010/main" Requires="a14">
+        <mc:AlternateContent xmlns:mc="http://schemas.openxmlformats.org/markup-compatibility/2006" xmlns:a14="http://schemas.microsoft.com/office/drawing/2010/main">
+          <mc:Choice Requires="a14">
             <p:sp>
               <p:nvSpPr>
                 <p:cNvPr id="15" name="Textfeld 14"/>
@@ -9787,7 +10268,7 @@
                               <a:lumOff val="25000"/>
                             </a:schemeClr>
                           </a:solidFill>
-                          <a:latin typeface="+mn-lt"/>
+                          <a:latin typeface="Cambria Math"/>
                         </a:rPr>
                         <m:t> </m:t>
                       </m:r>
@@ -9944,7 +10425,7 @@
               </p:txBody>
             </p:sp>
           </mc:Choice>
-          <mc:Fallback>
+          <mc:Fallback xmlns="">
             <p:sp>
               <p:nvSpPr>
                 <p:cNvPr id="15" name="Textfeld 14"/>
@@ -10029,8 +10510,8 @@
             <a:effectLst/>
           </p:spPr>
         </p:cxnSp>
-        <mc:AlternateContent xmlns:mc="http://schemas.openxmlformats.org/markup-compatibility/2006">
-          <mc:Choice xmlns:a14="http://schemas.microsoft.com/office/drawing/2010/main" Requires="a14">
+        <mc:AlternateContent xmlns:mc="http://schemas.openxmlformats.org/markup-compatibility/2006" xmlns:a14="http://schemas.microsoft.com/office/drawing/2010/main">
+          <mc:Choice Requires="a14">
             <p:sp>
               <p:nvSpPr>
                 <p:cNvPr id="23" name="Textfeld 22"/>
@@ -10208,7 +10689,7 @@
               </p:txBody>
             </p:sp>
           </mc:Choice>
-          <mc:Fallback>
+          <mc:Fallback xmlns="">
             <p:sp>
               <p:nvSpPr>
                 <p:cNvPr id="23" name="Textfeld 22"/>
@@ -10248,8 +10729,8 @@
           </mc:Fallback>
         </mc:AlternateContent>
       </p:grpSp>
-      <mc:AlternateContent xmlns:mc="http://schemas.openxmlformats.org/markup-compatibility/2006">
-        <mc:Choice xmlns:a14="http://schemas.microsoft.com/office/drawing/2010/main" Requires="a14">
+      <mc:AlternateContent xmlns:mc="http://schemas.openxmlformats.org/markup-compatibility/2006" xmlns:a14="http://schemas.microsoft.com/office/drawing/2010/main">
+        <mc:Choice Requires="a14">
           <p:sp>
             <p:nvSpPr>
               <p:cNvPr id="30" name="Textfeld 29"/>
@@ -10361,7 +10842,7 @@
             </p:txBody>
           </p:sp>
         </mc:Choice>
-        <mc:Fallback>
+        <mc:Fallback xmlns="">
           <p:sp>
             <p:nvSpPr>
               <p:cNvPr id="30" name="Textfeld 29"/>
@@ -10400,8 +10881,8 @@
           </p:sp>
         </mc:Fallback>
       </mc:AlternateContent>
-      <mc:AlternateContent xmlns:mc="http://schemas.openxmlformats.org/markup-compatibility/2006">
-        <mc:Choice xmlns:a14="http://schemas.microsoft.com/office/drawing/2010/main" Requires="a14">
+      <mc:AlternateContent xmlns:mc="http://schemas.openxmlformats.org/markup-compatibility/2006" xmlns:a14="http://schemas.microsoft.com/office/drawing/2010/main">
+        <mc:Choice Requires="a14">
           <p:sp>
             <p:nvSpPr>
               <p:cNvPr id="33" name="Textfeld 32"/>
@@ -10513,7 +10994,7 @@
             </p:txBody>
           </p:sp>
         </mc:Choice>
-        <mc:Fallback>
+        <mc:Fallback xmlns="">
           <p:sp>
             <p:nvSpPr>
               <p:cNvPr id="33" name="Textfeld 32"/>
@@ -10720,8 +11201,8 @@
           </p:txBody>
         </p:sp>
       </p:grpSp>
-      <mc:AlternateContent xmlns:mc="http://schemas.openxmlformats.org/markup-compatibility/2006">
-        <mc:Choice xmlns:a14="http://schemas.microsoft.com/office/drawing/2010/main" Requires="a14">
+      <mc:AlternateContent xmlns:mc="http://schemas.openxmlformats.org/markup-compatibility/2006" xmlns:a14="http://schemas.microsoft.com/office/drawing/2010/main">
+        <mc:Choice Requires="a14">
           <p:sp>
             <p:nvSpPr>
               <p:cNvPr id="42" name="Textfeld 41"/>
@@ -10823,7 +11304,7 @@
             </p:txBody>
           </p:sp>
         </mc:Choice>
-        <mc:Fallback>
+        <mc:Fallback xmlns="">
           <p:sp>
             <p:nvSpPr>
               <p:cNvPr id="42" name="Textfeld 41"/>
@@ -11210,8 +11691,14 @@
           <a:lstStyle/>
           <a:p>
             <a:pPr eaLnBrk="1" hangingPunct="1"/>
-            <a:r>
-              <a:rPr lang="de-DE" dirty="0" err="1">
+            <a:endParaRPr lang="de-DE" dirty="0" smtClean="0">
+              <a:latin typeface="Calibri"/>
+            </a:endParaRPr>
+          </a:p>
+          <a:p>
+            <a:pPr eaLnBrk="1" hangingPunct="1"/>
+            <a:r>
+              <a:rPr lang="de-DE" dirty="0" err="1" smtClean="0">
                 <a:latin typeface="Calibri"/>
               </a:rPr>
               <a:t>Upsides</a:t>
@@ -11765,7 +12252,7 @@
           <a:blip r:embed="rId3">
             <a:extLst>
               <a:ext uri="{96DAC541-7B7A-43D3-8B79-37D633B846F1}">
-                <asvg:svgBlip xmlns:asvg="http://schemas.microsoft.com/office/drawing/2016/SVG/main" xmlns="" r:embed="rId4"/>
+                <asvg:svgBlip xmlns="" xmlns:asvg="http://schemas.microsoft.com/office/drawing/2016/SVG/main" r:embed="rId4"/>
               </a:ext>
             </a:extLst>
           </a:blip>

--- a/presentation/TemplateSlides2016.pptx
+++ b/presentation/TemplateSlides2016.pptx
@@ -152,7 +152,7 @@
   </p:defaultTextStyle>
   <p:extLst>
     <p:ext uri="{EFAFB233-063F-42B5-8137-9DF3F51BA10A}">
-      <p15:sldGuideLst xmlns="" xmlns:p15="http://schemas.microsoft.com/office/powerpoint/2012/main">
+      <p15:sldGuideLst xmlns:p15="http://schemas.microsoft.com/office/powerpoint/2012/main">
         <p15:guide id="1" orient="horz" pos="4273">
           <p15:clr>
             <a:srgbClr val="A4A3A4"/>
@@ -255,7 +255,7 @@
               <a:rPr lang="de-DE" smtClean="0">
                 <a:latin typeface="Calibri"/>
               </a:rPr>
-              <a:t>16.01.2017</a:t>
+              <a:t>17.01.2017</a:t>
             </a:fld>
             <a:endParaRPr lang="de-DE" dirty="0">
               <a:latin typeface="Calibri"/>
@@ -519,7 +519,7 @@
               </a14:hiddenFill>
             </a:ext>
             <a:ext uri="{FAA26D3D-D897-4be2-8F04-BA451C77F1D7}">
-              <ma14:placeholderFlag xmlns="" xmlns:ma14="http://schemas.microsoft.com/office/mac/drawingml/2011/main" val="1"/>
+              <ma14:placeholderFlag xmlns:ma14="http://schemas.microsoft.com/office/mac/drawingml/2011/main" xmlns="" val="1"/>
             </a:ext>
           </a:extLst>
         </p:spPr>
@@ -1313,7 +1313,7 @@
           </a:ln>
           <a:extLst>
             <a:ext uri="{FAA26D3D-D897-4be2-8F04-BA451C77F1D7}">
-              <ma14:placeholderFlag xmlns="" xmlns:ma14="http://schemas.microsoft.com/office/mac/drawingml/2011/main" val="1"/>
+              <ma14:placeholderFlag xmlns:ma14="http://schemas.microsoft.com/office/mac/drawingml/2011/main" xmlns="" val="1"/>
             </a:ext>
           </a:extLst>
         </p:spPr>
@@ -1323,9 +1323,71 @@
           <a:p>
             <a:pPr eaLnBrk="1" hangingPunct="1"/>
             <a:r>
+              <a:rPr lang="en-GB" dirty="0"/>
+              <a:t>Mix-net and onion routing</a:t>
+            </a:r>
+          </a:p>
+          <a:p>
+            <a:pPr eaLnBrk="1" hangingPunct="1"/>
+            <a:r>
+              <a:rPr lang="en-GB" dirty="0"/>
+              <a:t>Layered encryption to hide message </a:t>
+            </a:r>
+            <a:r>
               <a:rPr lang="en-GB" dirty="0" err="1"/>
-              <a:t>ich</a:t>
-            </a:r>
+              <a:t>dest</a:t>
+            </a:r>
+            <a:r>
+              <a:rPr lang="en-GB" dirty="0"/>
+              <a:t> and origin</a:t>
+            </a:r>
+          </a:p>
+          <a:p>
+            <a:pPr eaLnBrk="1" hangingPunct="1"/>
+            <a:r>
+              <a:rPr lang="en-GB" dirty="0"/>
+              <a:t>Traffic analysis and network surveillance</a:t>
+            </a:r>
+          </a:p>
+          <a:p>
+            <a:pPr eaLnBrk="1" hangingPunct="1"/>
+            <a:endParaRPr lang="en-GB" dirty="0"/>
+          </a:p>
+          <a:p>
+            <a:pPr eaLnBrk="1" hangingPunct="1"/>
+            <a:r>
+              <a:rPr lang="en-GB" dirty="0"/>
+              <a:t>Major </a:t>
+            </a:r>
+            <a:r>
+              <a:rPr lang="en-GB" dirty="0" err="1"/>
+              <a:t>imrpovements</a:t>
+            </a:r>
+            <a:r>
+              <a:rPr lang="en-GB" dirty="0"/>
+              <a:t> to</a:t>
+            </a:r>
+          </a:p>
+          <a:p>
+            <a:pPr eaLnBrk="1" hangingPunct="1"/>
+            <a:r>
+              <a:rPr lang="en-GB" dirty="0"/>
+              <a:t>-uses standard proxy protocol</a:t>
+            </a:r>
+          </a:p>
+          <a:p>
+            <a:pPr eaLnBrk="1" hangingPunct="1"/>
+            <a:r>
+              <a:rPr lang="en-GB" dirty="0"/>
+              <a:t>-users are able to host hidden services</a:t>
+            </a:r>
+          </a:p>
+          <a:p>
+            <a:pPr eaLnBrk="1" hangingPunct="1"/>
+            <a:endParaRPr lang="en-GB" dirty="0"/>
+          </a:p>
+          <a:p>
+            <a:pPr eaLnBrk="1" hangingPunct="1"/>
             <a:endParaRPr lang="en-GB" dirty="0"/>
           </a:p>
         </p:txBody>
@@ -1555,7 +1617,7 @@
           </a:ln>
           <a:extLst>
             <a:ext uri="{FAA26D3D-D897-4be2-8F04-BA451C77F1D7}">
-              <ma14:placeholderFlag xmlns="" xmlns:ma14="http://schemas.microsoft.com/office/mac/drawingml/2011/main" val="1"/>
+              <ma14:placeholderFlag xmlns:ma14="http://schemas.microsoft.com/office/mac/drawingml/2011/main" xmlns="" val="1"/>
             </a:ext>
           </a:extLst>
         </p:spPr>
@@ -1891,7 +1953,7 @@
           </a:ln>
           <a:extLst>
             <a:ext uri="{FAA26D3D-D897-4be2-8F04-BA451C77F1D7}">
-              <ma14:placeholderFlag xmlns="" xmlns:ma14="http://schemas.microsoft.com/office/mac/drawingml/2011/main" val="1"/>
+              <ma14:placeholderFlag xmlns:ma14="http://schemas.microsoft.com/office/mac/drawingml/2011/main" xmlns="" val="1"/>
             </a:ext>
           </a:extLst>
         </p:spPr>
@@ -1901,10 +1963,58 @@
           <a:p>
             <a:pPr eaLnBrk="1" hangingPunct="1"/>
             <a:r>
-              <a:rPr lang="en-GB" dirty="0" err="1"/>
-              <a:t>ich</a:t>
-            </a:r>
-            <a:endParaRPr lang="en-GB" dirty="0"/>
+              <a:rPr lang="en-GB" dirty="0"/>
+              <a:t>Using chain of proxy server which are called mixes</a:t>
+            </a:r>
+          </a:p>
+          <a:p>
+            <a:pPr eaLnBrk="1" hangingPunct="1"/>
+            <a:r>
+              <a:rPr lang="en-GB" dirty="0"/>
+              <a:t>Mixes get messages from multiple senders</a:t>
+            </a:r>
+          </a:p>
+          <a:p>
+            <a:pPr eaLnBrk="1" hangingPunct="1"/>
+            <a:r>
+              <a:rPr lang="en-GB" dirty="0"/>
+              <a:t>Send them to the next user</a:t>
+            </a:r>
+          </a:p>
+          <a:p>
+            <a:pPr eaLnBrk="1" hangingPunct="1"/>
+            <a:r>
+              <a:rPr lang="en-GB" dirty="0"/>
+              <a:t>Mix just know the predecessor and successor of a chain</a:t>
+            </a:r>
+          </a:p>
+          <a:p>
+            <a:pPr eaLnBrk="1" hangingPunct="1"/>
+            <a:r>
+              <a:rPr lang="en-GB" dirty="0"/>
+              <a:t>Each message is encrypted to each proxy using public key cryptography</a:t>
+            </a:r>
+          </a:p>
+          <a:p>
+            <a:pPr eaLnBrk="1" hangingPunct="1"/>
+            <a:r>
+              <a:rPr lang="en-GB" dirty="0"/>
+              <a:t>Resulting encryption is layered like an onion</a:t>
+            </a:r>
+          </a:p>
+          <a:p>
+            <a:pPr eaLnBrk="1" hangingPunct="1"/>
+            <a:r>
+              <a:rPr lang="en-GB" dirty="0"/>
+              <a:t>All messages has same length</a:t>
+            </a:r>
+          </a:p>
+          <a:p>
+            <a:pPr eaLnBrk="1" hangingPunct="1"/>
+            <a:r>
+              <a:rPr lang="en-GB" dirty="0"/>
+              <a:t>Have to use more than one mix</a:t>
+            </a:r>
           </a:p>
         </p:txBody>
       </p:sp>
@@ -2128,7 +2238,7 @@
           </a:ln>
           <a:extLst>
             <a:ext uri="{FAA26D3D-D897-4be2-8F04-BA451C77F1D7}">
-              <ma14:placeholderFlag xmlns="" xmlns:ma14="http://schemas.microsoft.com/office/mac/drawingml/2011/main" val="1"/>
+              <ma14:placeholderFlag xmlns:ma14="http://schemas.microsoft.com/office/mac/drawingml/2011/main" xmlns="" val="1"/>
             </a:ext>
           </a:extLst>
         </p:spPr>
@@ -2370,7 +2480,7 @@
           </a:ln>
           <a:extLst>
             <a:ext uri="{FAA26D3D-D897-4be2-8F04-BA451C77F1D7}">
-              <ma14:placeholderFlag xmlns="" xmlns:ma14="http://schemas.microsoft.com/office/mac/drawingml/2011/main" val="1"/>
+              <ma14:placeholderFlag xmlns:ma14="http://schemas.microsoft.com/office/mac/drawingml/2011/main" xmlns="" val="1"/>
             </a:ext>
           </a:extLst>
         </p:spPr>
@@ -2606,7 +2716,7 @@
           </a:ln>
           <a:extLst>
             <a:ext uri="{FAA26D3D-D897-4be2-8F04-BA451C77F1D7}">
-              <ma14:placeholderFlag xmlns="" xmlns:ma14="http://schemas.microsoft.com/office/mac/drawingml/2011/main" val="1"/>
+              <ma14:placeholderFlag xmlns:ma14="http://schemas.microsoft.com/office/mac/drawingml/2011/main" xmlns="" val="1"/>
             </a:ext>
           </a:extLst>
         </p:spPr>
@@ -2847,7 +2957,7 @@
           </a:ln>
           <a:extLst>
             <a:ext uri="{FAA26D3D-D897-4be2-8F04-BA451C77F1D7}">
-              <ma14:placeholderFlag xmlns="" xmlns:ma14="http://schemas.microsoft.com/office/mac/drawingml/2011/main" val="1"/>
+              <ma14:placeholderFlag xmlns:ma14="http://schemas.microsoft.com/office/mac/drawingml/2011/main" xmlns="" val="1"/>
             </a:ext>
           </a:extLst>
         </p:spPr>
@@ -3103,7 +3213,7 @@
           </a:ln>
           <a:extLst>
             <a:ext uri="{FAA26D3D-D897-4be2-8F04-BA451C77F1D7}">
-              <ma14:placeholderFlag xmlns="" xmlns:ma14="http://schemas.microsoft.com/office/mac/drawingml/2011/main" val="1"/>
+              <ma14:placeholderFlag xmlns:ma14="http://schemas.microsoft.com/office/mac/drawingml/2011/main" xmlns="" val="1"/>
             </a:ext>
           </a:extLst>
         </p:spPr>
@@ -3113,10 +3223,79 @@
           <a:p>
             <a:pPr eaLnBrk="1" hangingPunct="1"/>
             <a:r>
+              <a:rPr lang="en-GB" dirty="0"/>
+              <a:t>Positive aspects</a:t>
+            </a:r>
+          </a:p>
+          <a:p>
+            <a:pPr eaLnBrk="1" hangingPunct="1"/>
+            <a:r>
+              <a:rPr lang="en-GB" dirty="0"/>
+              <a:t>Protects your privacy</a:t>
+            </a:r>
+          </a:p>
+          <a:p>
+            <a:pPr eaLnBrk="1" hangingPunct="1"/>
+            <a:r>
               <a:rPr lang="en-GB" dirty="0" err="1"/>
-              <a:t>ich</a:t>
-            </a:r>
+              <a:t>Circumnvent</a:t>
+            </a:r>
+            <a:r>
+              <a:rPr lang="en-GB" dirty="0"/>
+              <a:t> censorship in China (able to read the new York times)</a:t>
+            </a:r>
+          </a:p>
+          <a:p>
+            <a:pPr eaLnBrk="1" hangingPunct="1"/>
+            <a:r>
+              <a:rPr lang="en-GB" dirty="0"/>
+              <a:t>Human rights activists or </a:t>
+            </a:r>
+            <a:r>
+              <a:rPr lang="en-GB" dirty="0" err="1"/>
+              <a:t>wistleblowers</a:t>
+            </a:r>
+            <a:r>
+              <a:rPr lang="en-GB" dirty="0"/>
+              <a:t> to exposes illegal activities </a:t>
+            </a:r>
+          </a:p>
+          <a:p>
+            <a:pPr eaLnBrk="1" hangingPunct="1"/>
+            <a:r>
+              <a:rPr lang="en-GB" dirty="0"/>
+              <a:t>Journalists to report from war zones</a:t>
+            </a:r>
+          </a:p>
+          <a:p>
+            <a:pPr eaLnBrk="1" hangingPunct="1"/>
             <a:endParaRPr lang="en-GB" dirty="0"/>
+          </a:p>
+          <a:p>
+            <a:pPr eaLnBrk="1" hangingPunct="1"/>
+            <a:r>
+              <a:rPr lang="en-GB" dirty="0"/>
+              <a:t>Negative aspects:</a:t>
+            </a:r>
+          </a:p>
+          <a:p>
+            <a:pPr eaLnBrk="1" hangingPunct="1"/>
+            <a:r>
+              <a:rPr lang="en-GB" dirty="0"/>
+              <a:t>Host illegal marketplaces like </a:t>
+            </a:r>
+            <a:r>
+              <a:rPr lang="en-GB" dirty="0" err="1"/>
+              <a:t>SilkRoad</a:t>
+            </a:r>
+            <a:endParaRPr lang="en-GB" dirty="0"/>
+          </a:p>
+          <a:p>
+            <a:pPr eaLnBrk="1" hangingPunct="1"/>
+            <a:r>
+              <a:rPr lang="en-GB" dirty="0"/>
+              <a:t>Or you are able to command and control server for botnets.</a:t>
+            </a:r>
           </a:p>
         </p:txBody>
       </p:sp>
@@ -3340,7 +3519,7 @@
           </a:ln>
           <a:extLst>
             <a:ext uri="{FAA26D3D-D897-4be2-8F04-BA451C77F1D7}">
-              <ma14:placeholderFlag xmlns="" xmlns:ma14="http://schemas.microsoft.com/office/mac/drawingml/2011/main" val="1"/>
+              <ma14:placeholderFlag xmlns:ma14="http://schemas.microsoft.com/office/mac/drawingml/2011/main" xmlns="" val="1"/>
             </a:ext>
           </a:extLst>
         </p:spPr>
@@ -3358,58 +3537,9 @@
           <a:p>
             <a:pPr eaLnBrk="1" hangingPunct="1"/>
             <a:r>
-              <a:rPr lang="en-GB" dirty="0" err="1"/>
-              <a:t>Vermutung</a:t>
-            </a:r>
-            <a:r>
               <a:rPr lang="en-GB" dirty="0"/>
-              <a:t>: command and control </a:t>
-            </a:r>
-            <a:r>
-              <a:rPr lang="en-GB" dirty="0" err="1"/>
-              <a:t>eines</a:t>
-            </a:r>
-            <a:r>
-              <a:rPr lang="en-GB" dirty="0"/>
-              <a:t> Botnets </a:t>
-            </a:r>
-            <a:r>
-              <a:rPr lang="en-GB" dirty="0" err="1"/>
-              <a:t>wurde</a:t>
-            </a:r>
-            <a:r>
-              <a:rPr lang="en-GB" dirty="0"/>
-              <a:t> </a:t>
-            </a:r>
-            <a:r>
-              <a:rPr lang="en-GB" dirty="0" err="1"/>
-              <a:t>über</a:t>
-            </a:r>
-            <a:r>
-              <a:rPr lang="en-GB" dirty="0"/>
-              <a:t> TOR </a:t>
-            </a:r>
-            <a:r>
-              <a:rPr lang="en-GB" dirty="0" err="1"/>
-              <a:t>netzwerk</a:t>
-            </a:r>
-            <a:r>
-              <a:rPr lang="en-GB" dirty="0"/>
-              <a:t> </a:t>
-            </a:r>
-            <a:r>
-              <a:rPr lang="en-GB" dirty="0" err="1"/>
-              <a:t>laufen</a:t>
-            </a:r>
-            <a:r>
-              <a:rPr lang="en-GB" dirty="0"/>
-              <a:t> </a:t>
-            </a:r>
-            <a:r>
-              <a:rPr lang="en-GB" dirty="0" err="1"/>
-              <a:t>gelassen</a:t>
-            </a:r>
-            <a:endParaRPr lang="en-GB" dirty="0"/>
+              <a:t> NICHT SAGEN !!!On this peak they suppose a command and control of botnet servers</a:t>
+            </a:r>
           </a:p>
         </p:txBody>
       </p:sp>
@@ -4042,7 +4172,7 @@
               </a14:hiddenLine>
             </a:ext>
             <a:ext uri="{FAA26D3D-D897-4be2-8F04-BA451C77F1D7}">
-              <ma14:placeholderFlag xmlns="" xmlns:ma14="http://schemas.microsoft.com/office/mac/drawingml/2011/main" val="1"/>
+              <ma14:placeholderFlag xmlns:ma14="http://schemas.microsoft.com/office/mac/drawingml/2011/main" xmlns="" val="1"/>
             </a:ext>
           </a:extLst>
         </p:spPr>
@@ -4103,7 +4233,7 @@
               </a14:hiddenLine>
             </a:ext>
             <a:ext uri="{FAA26D3D-D897-4be2-8F04-BA451C77F1D7}">
-              <ma14:placeholderFlag xmlns="" xmlns:ma14="http://schemas.microsoft.com/office/mac/drawingml/2011/main" val="1"/>
+              <ma14:placeholderFlag xmlns:ma14="http://schemas.microsoft.com/office/mac/drawingml/2011/main" xmlns="" val="1"/>
             </a:ext>
           </a:extLst>
         </p:spPr>
@@ -5200,29 +5330,23 @@
           <a:lstStyle/>
           <a:p>
             <a:pPr eaLnBrk="1" hangingPunct="1"/>
-            <a:endParaRPr lang="de-DE" dirty="0" smtClean="0">
+            <a:endParaRPr lang="de-DE" dirty="0">
               <a:latin typeface="Calibri"/>
             </a:endParaRPr>
           </a:p>
           <a:p>
             <a:pPr eaLnBrk="1" hangingPunct="1"/>
             <a:r>
-              <a:rPr lang="de-DE" dirty="0" err="1" smtClean="0">
+              <a:rPr lang="de-DE" dirty="0" err="1">
                 <a:latin typeface="Calibri"/>
               </a:rPr>
               <a:t>Based</a:t>
             </a:r>
             <a:r>
-              <a:rPr lang="de-DE" dirty="0" smtClean="0">
-                <a:latin typeface="Calibri"/>
-              </a:rPr>
-              <a:t> </a:t>
-            </a:r>
-            <a:r>
               <a:rPr lang="de-DE" dirty="0">
                 <a:latin typeface="Calibri"/>
               </a:rPr>
-              <a:t>on Mixed-Nets </a:t>
+              <a:t> on Mixed-Nets </a:t>
             </a:r>
             <a:r>
               <a:rPr lang="de-DE" dirty="0" err="1">
@@ -5799,11 +5923,7 @@
             </a:r>
             <a:r>
               <a:rPr lang="de-DE" dirty="0"/>
-              <a:t> </a:t>
-            </a:r>
-            <a:r>
-              <a:rPr lang="de-DE" dirty="0" smtClean="0"/>
-              <a:t>Router</a:t>
+              <a:t> Router</a:t>
             </a:r>
             <a:endParaRPr lang="de-DE" dirty="0">
               <a:latin typeface="Calibri"/>
@@ -5835,32 +5955,29 @@
               <a:buNone/>
             </a:pPr>
             <a:r>
-              <a:rPr lang="de-DE" sz="4000" dirty="0" err="1" smtClean="0">
+              <a:rPr lang="de-DE" sz="4000" dirty="0" err="1">
                 <a:latin typeface="Calibri"/>
               </a:rPr>
               <a:t>Thank</a:t>
             </a:r>
             <a:r>
-              <a:rPr lang="de-DE" sz="4000" dirty="0" smtClean="0">
+              <a:rPr lang="de-DE" sz="4000" dirty="0">
                 <a:latin typeface="Calibri"/>
               </a:rPr>
               <a:t> </a:t>
             </a:r>
             <a:r>
-              <a:rPr lang="de-DE" sz="4000" dirty="0" err="1" smtClean="0">
+              <a:rPr lang="de-DE" sz="4000" dirty="0" err="1">
                 <a:latin typeface="Calibri"/>
               </a:rPr>
               <a:t>you</a:t>
             </a:r>
             <a:r>
-              <a:rPr lang="de-DE" sz="4000" dirty="0" smtClean="0">
+              <a:rPr lang="de-DE" sz="4000" dirty="0">
                 <a:latin typeface="Calibri"/>
               </a:rPr>
               <a:t>!</a:t>
             </a:r>
-            <a:endParaRPr lang="de-DE" sz="4000" dirty="0">
-              <a:latin typeface="Calibri"/>
-            </a:endParaRPr>
           </a:p>
         </p:txBody>
       </p:sp>
@@ -6100,25 +6217,25 @@
           <a:p>
             <a:pPr eaLnBrk="1" hangingPunct="1"/>
             <a:r>
-              <a:rPr lang="de-DE" dirty="0" smtClean="0">
+              <a:rPr lang="de-DE" dirty="0">
                 <a:latin typeface="Calibri"/>
               </a:rPr>
               <a:t>Mix-Nets </a:t>
             </a:r>
             <a:r>
-              <a:rPr lang="de-DE" dirty="0" err="1" smtClean="0">
+              <a:rPr lang="de-DE" dirty="0" err="1">
                 <a:latin typeface="Calibri"/>
               </a:rPr>
               <a:t>by</a:t>
             </a:r>
             <a:r>
-              <a:rPr lang="de-DE" dirty="0" smtClean="0">
+              <a:rPr lang="de-DE" dirty="0">
                 <a:latin typeface="Calibri"/>
               </a:rPr>
               <a:t> David </a:t>
             </a:r>
             <a:r>
-              <a:rPr lang="de-DE" dirty="0" err="1" smtClean="0">
+              <a:rPr lang="de-DE" dirty="0" err="1">
                 <a:latin typeface="Calibri"/>
               </a:rPr>
               <a:t>Chaum</a:t>
@@ -6176,7 +6293,7 @@
           <a:lstStyle/>
           <a:p>
             <a:r>
-              <a:rPr lang="de-DE" sz="1200" dirty="0" smtClean="0">
+              <a:rPr lang="de-DE" sz="1200" dirty="0">
                 <a:solidFill>
                   <a:schemeClr val="tx2"/>
                 </a:solidFill>
@@ -6184,7 +6301,7 @@
               <a:t>[</a:t>
             </a:r>
             <a:r>
-              <a:rPr lang="de-DE" sz="1200" dirty="0" err="1" smtClean="0">
+              <a:rPr lang="de-DE" sz="1200" dirty="0" err="1">
                 <a:solidFill>
                   <a:schemeClr val="tx2"/>
                 </a:solidFill>
@@ -6192,7 +6309,7 @@
               <a:t>Federrath</a:t>
             </a:r>
             <a:r>
-              <a:rPr lang="de-DE" sz="1200" dirty="0" smtClean="0">
+              <a:rPr lang="de-DE" sz="1200" dirty="0">
                 <a:solidFill>
                   <a:schemeClr val="tx2"/>
                 </a:solidFill>
@@ -6200,7 +6317,7 @@
               <a:t>, Hannes: </a:t>
             </a:r>
             <a:r>
-              <a:rPr lang="de-DE" sz="1200" dirty="0" err="1" smtClean="0">
+              <a:rPr lang="de-DE" sz="1200" dirty="0" err="1">
                 <a:solidFill>
                   <a:schemeClr val="tx2"/>
                 </a:solidFill>
@@ -6208,7 +6325,7 @@
               <a:t>Lecture</a:t>
             </a:r>
             <a:r>
-              <a:rPr lang="de-DE" sz="1200" dirty="0" smtClean="0">
+              <a:rPr lang="de-DE" sz="1200" dirty="0">
                 <a:solidFill>
                   <a:schemeClr val="tx2"/>
                 </a:solidFill>
@@ -6221,29 +6338,16 @@
                   <a:schemeClr val="tx2"/>
                 </a:solidFill>
               </a:rPr>
-              <a:t>s</a:t>
-            </a:r>
-            <a:r>
-              <a:rPr lang="de-DE" sz="1200" dirty="0" err="1" smtClean="0">
+              <a:t>slides</a:t>
+            </a:r>
+            <a:r>
+              <a:rPr lang="de-DE" sz="1200" dirty="0">
                 <a:solidFill>
                   <a:schemeClr val="tx2"/>
                 </a:solidFill>
               </a:rPr>
-              <a:t>lides</a:t>
-            </a:r>
-            <a:r>
-              <a:rPr lang="de-DE" sz="1200" dirty="0" smtClean="0">
-                <a:solidFill>
-                  <a:schemeClr val="tx2"/>
-                </a:solidFill>
-              </a:rPr>
               <a:t> SKI – Datenschutzfreundliche Techniken]</a:t>
             </a:r>
-            <a:endParaRPr lang="de-DE" sz="1200" dirty="0">
-              <a:solidFill>
-                <a:schemeClr val="tx2"/>
-              </a:solidFill>
-            </a:endParaRPr>
           </a:p>
         </p:txBody>
       </p:sp>
@@ -6333,29 +6437,23 @@
           <a:lstStyle/>
           <a:p>
             <a:pPr eaLnBrk="1" hangingPunct="1"/>
-            <a:endParaRPr lang="de-DE" dirty="0" smtClean="0">
+            <a:endParaRPr lang="de-DE" dirty="0">
               <a:latin typeface="Calibri"/>
             </a:endParaRPr>
           </a:p>
           <a:p>
             <a:pPr eaLnBrk="1" hangingPunct="1"/>
             <a:r>
-              <a:rPr lang="de-DE" dirty="0" err="1" smtClean="0">
+              <a:rPr lang="de-DE" dirty="0" err="1">
                 <a:latin typeface="Calibri"/>
               </a:rPr>
               <a:t>Onion</a:t>
             </a:r>
             <a:r>
-              <a:rPr lang="de-DE" dirty="0" smtClean="0">
-                <a:latin typeface="Calibri"/>
-              </a:rPr>
-              <a:t> </a:t>
-            </a:r>
-            <a:r>
               <a:rPr lang="de-DE" dirty="0">
                 <a:latin typeface="Calibri"/>
               </a:rPr>
-              <a:t>Routing</a:t>
+              <a:t> Routing</a:t>
             </a:r>
           </a:p>
           <a:p>
@@ -8596,29 +8694,8 @@
                 </a:solidFill>
                 <a:latin typeface="+mn-lt"/>
               </a:rPr>
-              <a:t>e</a:t>
-            </a:r>
-            <a:r>
-              <a:rPr lang="en-US" dirty="0" smtClean="0">
-                <a:solidFill>
-                  <a:schemeClr val="tx1">
-                    <a:lumMod val="75000"/>
-                    <a:lumOff val="25000"/>
-                  </a:schemeClr>
-                </a:solidFill>
-                <a:latin typeface="+mn-lt"/>
-              </a:rPr>
-              <a:t>xit node</a:t>
-            </a:r>
-            <a:endParaRPr lang="en-US" dirty="0">
-              <a:solidFill>
-                <a:schemeClr val="tx1">
-                  <a:lumMod val="75000"/>
-                  <a:lumOff val="25000"/>
-                </a:schemeClr>
-              </a:solidFill>
-              <a:latin typeface="+mn-lt"/>
-            </a:endParaRPr>
+              <a:t>exit node</a:t>
+            </a:r>
           </a:p>
         </p:txBody>
       </p:sp>
@@ -9186,7 +9263,7 @@
           <a:p>
             <a:pPr algn="r"/>
             <a:r>
-              <a:rPr lang="en-US" dirty="0" smtClean="0">
+              <a:rPr lang="en-US" dirty="0">
                 <a:solidFill>
                   <a:schemeClr val="tx1">
                     <a:lumMod val="75000"/>
@@ -9201,7 +9278,7 @@
           <a:p>
             <a:pPr algn="r"/>
             <a:r>
-              <a:rPr lang="en-US" dirty="0" smtClean="0">
+              <a:rPr lang="en-US" dirty="0">
                 <a:solidFill>
                   <a:schemeClr val="tx1">
                     <a:lumMod val="75000"/>
@@ -9212,15 +9289,6 @@
               </a:rPr>
               <a:t>server</a:t>
             </a:r>
-            <a:endParaRPr lang="en-US" dirty="0">
-              <a:solidFill>
-                <a:schemeClr val="tx1">
-                  <a:lumMod val="75000"/>
-                  <a:lumOff val="25000"/>
-                </a:schemeClr>
-              </a:solidFill>
-              <a:latin typeface="+mn-lt"/>
-            </a:endParaRPr>
           </a:p>
         </p:txBody>
       </p:sp>
@@ -9248,7 +9316,7 @@
           <a:p>
             <a:pPr algn="ctr"/>
             <a:r>
-              <a:rPr lang="en-US" dirty="0" smtClean="0">
+              <a:rPr lang="en-US" dirty="0">
                 <a:solidFill>
                   <a:schemeClr val="tx1">
                     <a:lumMod val="75000"/>
@@ -9259,15 +9327,6 @@
               </a:rPr>
               <a:t>webserver</a:t>
             </a:r>
-            <a:endParaRPr lang="en-US" dirty="0">
-              <a:solidFill>
-                <a:schemeClr val="tx1">
-                  <a:lumMod val="75000"/>
-                  <a:lumOff val="25000"/>
-                </a:schemeClr>
-              </a:solidFill>
-              <a:latin typeface="+mn-lt"/>
-            </a:endParaRPr>
           </a:p>
         </p:txBody>
       </p:sp>
@@ -9607,7 +9666,7 @@
                 <a:p>
                   <a:pPr algn="ctr"/>
                   <a:r>
-                    <a:rPr lang="de-DE" dirty="0" smtClean="0">
+                    <a:rPr lang="de-DE" dirty="0">
                       <a:solidFill>
                         <a:schemeClr val="tx1">
                           <a:lumMod val="75000"/>
@@ -9655,7 +9714,7 @@
                                   <a:lumOff val="25000"/>
                                 </a:schemeClr>
                               </a:solidFill>
-                              <a:latin typeface="Cambria Math"/>
+                              <a:latin typeface="Cambria Math" panose="02040503050406030204" pitchFamily="18" charset="0"/>
                             </a:rPr>
                           </m:ctrlPr>
                         </m:dPr>
@@ -9694,7 +9753,7 @@
                                       <a:lumOff val="25000"/>
                                     </a:schemeClr>
                                   </a:solidFill>
-                                  <a:latin typeface="Cambria Math"/>
+                                  <a:latin typeface="Cambria Math" panose="02040503050406030204" pitchFamily="18" charset="0"/>
                                 </a:rPr>
                               </m:ctrlPr>
                             </m:sSubSupPr>
@@ -9751,7 +9810,7 @@
                                       <a:lumOff val="25000"/>
                                     </a:schemeClr>
                                   </a:solidFill>
-                                  <a:latin typeface="Cambria Math"/>
+                                  <a:latin typeface="Cambria Math" panose="02040503050406030204" pitchFamily="18" charset="0"/>
                                 </a:rPr>
                               </m:ctrlPr>
                             </m:dPr>
@@ -9766,7 +9825,7 @@
                                           <a:lumOff val="25000"/>
                                         </a:schemeClr>
                                       </a:solidFill>
-                                      <a:latin typeface="Cambria Math"/>
+                                      <a:latin typeface="Cambria Math" panose="02040503050406030204" pitchFamily="18" charset="0"/>
                                     </a:rPr>
                                   </m:ctrlPr>
                                 </m:sSupPr>
@@ -9940,7 +9999,7 @@
                 <a:p>
                   <a:pPr algn="ctr"/>
                   <a:r>
-                    <a:rPr lang="de-DE" dirty="0" smtClean="0">
+                    <a:rPr lang="de-DE" dirty="0">
                       <a:solidFill>
                         <a:schemeClr val="tx1">
                           <a:lumMod val="75000"/>
@@ -9988,7 +10047,7 @@
                                   <a:lumOff val="25000"/>
                                 </a:schemeClr>
                               </a:solidFill>
-                              <a:latin typeface="Cambria Math"/>
+                              <a:latin typeface="Cambria Math" panose="02040503050406030204" pitchFamily="18" charset="0"/>
                             </a:rPr>
                           </m:ctrlPr>
                         </m:dPr>
@@ -10027,7 +10086,7 @@
                                       <a:lumOff val="25000"/>
                                     </a:schemeClr>
                                   </a:solidFill>
-                                  <a:latin typeface="Cambria Math"/>
+                                  <a:latin typeface="Cambria Math" panose="02040503050406030204" pitchFamily="18" charset="0"/>
                                 </a:rPr>
                               </m:ctrlPr>
                             </m:sSupPr>
@@ -10247,7 +10306,7 @@
                 <a:p>
                   <a:pPr algn="ctr"/>
                   <a:r>
-                    <a:rPr lang="de-DE" dirty="0" smtClean="0">
+                    <a:rPr lang="de-DE" dirty="0">
                       <a:solidFill>
                         <a:schemeClr val="tx1">
                           <a:lumMod val="75000"/>
@@ -10284,7 +10343,7 @@
                                   <a:lumOff val="25000"/>
                                 </a:schemeClr>
                               </a:solidFill>
-                              <a:latin typeface="Cambria Math"/>
+                              <a:latin typeface="Cambria Math" panose="02040503050406030204" pitchFamily="18" charset="0"/>
                             </a:rPr>
                           </m:ctrlPr>
                         </m:dPr>
@@ -10536,7 +10595,7 @@
                 <a:p>
                   <a:pPr algn="ctr"/>
                   <a:r>
-                    <a:rPr lang="de-DE" dirty="0" smtClean="0">
+                    <a:rPr lang="de-DE" dirty="0">
                       <a:solidFill>
                         <a:schemeClr val="tx1">
                           <a:lumMod val="75000"/>
@@ -10572,7 +10631,7 @@
                                   <a:lumOff val="25000"/>
                                 </a:schemeClr>
                               </a:solidFill>
-                              <a:latin typeface="Cambria Math"/>
+                              <a:latin typeface="Cambria Math" panose="02040503050406030204" pitchFamily="18" charset="0"/>
                             </a:rPr>
                           </m:ctrlPr>
                         </m:dPr>
@@ -10794,7 +10853,7 @@
                                   <a:lumOff val="25000"/>
                                 </a:schemeClr>
                               </a:solidFill>
-                              <a:latin typeface="Cambria Math"/>
+                              <a:latin typeface="Cambria Math" panose="02040503050406030204" pitchFamily="18" charset="0"/>
                             </a:rPr>
                           </m:ctrlPr>
                         </m:sSupPr>
@@ -10946,7 +11005,7 @@
                                   <a:lumOff val="25000"/>
                                 </a:schemeClr>
                               </a:solidFill>
-                              <a:latin typeface="Cambria Math"/>
+                              <a:latin typeface="Cambria Math" panose="02040503050406030204" pitchFamily="18" charset="0"/>
                             </a:rPr>
                           </m:ctrlPr>
                         </m:sSupPr>
@@ -11179,7 +11238,7 @@
             <a:lstStyle/>
             <a:p>
               <a:r>
-                <a:rPr lang="en-US" dirty="0" smtClean="0">
+                <a:rPr lang="en-US" dirty="0">
                   <a:solidFill>
                     <a:schemeClr val="tx1">
                       <a:lumMod val="75000"/>
@@ -11189,14 +11248,6 @@
                 </a:rPr>
                 <a:t>RESP</a:t>
               </a:r>
-              <a:endParaRPr lang="en-US" dirty="0">
-                <a:solidFill>
-                  <a:schemeClr val="tx1">
-                    <a:lumMod val="75000"/>
-                    <a:lumOff val="25000"/>
-                  </a:schemeClr>
-                </a:solidFill>
-              </a:endParaRPr>
             </a:p>
           </p:txBody>
         </p:sp>
@@ -11242,7 +11293,7 @@
                                   <a:lumOff val="25000"/>
                                 </a:schemeClr>
                               </a:solidFill>
-                              <a:latin typeface="Cambria Math"/>
+                              <a:latin typeface="Cambria Math" panose="02040503050406030204" pitchFamily="18" charset="0"/>
                             </a:rPr>
                           </m:ctrlPr>
                         </m:sSubSupPr>
@@ -11691,14 +11742,14 @@
           <a:lstStyle/>
           <a:p>
             <a:pPr eaLnBrk="1" hangingPunct="1"/>
-            <a:endParaRPr lang="de-DE" dirty="0" smtClean="0">
+            <a:endParaRPr lang="de-DE" dirty="0">
               <a:latin typeface="Calibri"/>
             </a:endParaRPr>
           </a:p>
           <a:p>
             <a:pPr eaLnBrk="1" hangingPunct="1"/>
             <a:r>
-              <a:rPr lang="de-DE" dirty="0" err="1" smtClean="0">
+              <a:rPr lang="de-DE" dirty="0" err="1">
                 <a:latin typeface="Calibri"/>
               </a:rPr>
               <a:t>Upsides</a:t>
@@ -12252,7 +12303,7 @@
           <a:blip r:embed="rId3">
             <a:extLst>
               <a:ext uri="{96DAC541-7B7A-43D3-8B79-37D633B846F1}">
-                <asvg:svgBlip xmlns="" xmlns:asvg="http://schemas.microsoft.com/office/drawing/2016/SVG/main" r:embed="rId4"/>
+                <asvg:svgBlip xmlns:asvg="http://schemas.microsoft.com/office/drawing/2016/SVG/main" r:embed="rId4"/>
               </a:ext>
             </a:extLst>
           </a:blip>

--- a/presentation/TemplateSlides2016.pptx
+++ b/presentation/TemplateSlides2016.pptx
@@ -5,10 +5,10 @@
     <p:sldMasterId id="2147483667" r:id="rId1"/>
   </p:sldMasterIdLst>
   <p:notesMasterIdLst>
-    <p:notesMasterId r:id="rId13"/>
+    <p:notesMasterId r:id="rId16"/>
   </p:notesMasterIdLst>
   <p:handoutMasterIdLst>
-    <p:handoutMasterId r:id="rId14"/>
+    <p:handoutMasterId r:id="rId17"/>
   </p:handoutMasterIdLst>
   <p:sldIdLst>
     <p:sldId id="479" r:id="rId2"/>
@@ -16,12 +16,15 @@
     <p:sldId id="657" r:id="rId4"/>
     <p:sldId id="671" r:id="rId5"/>
     <p:sldId id="667" r:id="rId6"/>
-    <p:sldId id="673" r:id="rId7"/>
-    <p:sldId id="668" r:id="rId8"/>
-    <p:sldId id="669" r:id="rId9"/>
-    <p:sldId id="670" r:id="rId10"/>
-    <p:sldId id="672" r:id="rId11"/>
-    <p:sldId id="674" r:id="rId12"/>
+    <p:sldId id="675" r:id="rId7"/>
+    <p:sldId id="676" r:id="rId8"/>
+    <p:sldId id="677" r:id="rId9"/>
+    <p:sldId id="673" r:id="rId10"/>
+    <p:sldId id="668" r:id="rId11"/>
+    <p:sldId id="669" r:id="rId12"/>
+    <p:sldId id="670" r:id="rId13"/>
+    <p:sldId id="672" r:id="rId14"/>
+    <p:sldId id="674" r:id="rId15"/>
   </p:sldIdLst>
   <p:sldSz cx="9144000" cy="6858000" type="screen4x3"/>
   <p:notesSz cx="6858000" cy="9144000"/>
@@ -152,7 +155,7 @@
   </p:defaultTextStyle>
   <p:extLst>
     <p:ext uri="{EFAFB233-063F-42B5-8137-9DF3F51BA10A}">
-      <p15:sldGuideLst xmlns:p15="http://schemas.microsoft.com/office/powerpoint/2012/main">
+      <p15:sldGuideLst xmlns:p15="http://schemas.microsoft.com/office/powerpoint/2012/main" xmlns="">
         <p15:guide id="1" orient="horz" pos="4273">
           <p15:clr>
             <a:srgbClr val="A4A3A4"/>
@@ -519,7 +522,7 @@
               </a14:hiddenFill>
             </a:ext>
             <a:ext uri="{FAA26D3D-D897-4be2-8F04-BA451C77F1D7}">
-              <ma14:placeholderFlag xmlns:ma14="http://schemas.microsoft.com/office/mac/drawingml/2011/main" xmlns="" val="1"/>
+              <ma14:placeholderFlag xmlns="" xmlns:ma14="http://schemas.microsoft.com/office/mac/drawingml/2011/main" val="1"/>
             </a:ext>
           </a:extLst>
         </p:spPr>
@@ -1313,7 +1316,7 @@
           </a:ln>
           <a:extLst>
             <a:ext uri="{FAA26D3D-D897-4be2-8F04-BA451C77F1D7}">
-              <ma14:placeholderFlag xmlns:ma14="http://schemas.microsoft.com/office/mac/drawingml/2011/main" xmlns="" val="1"/>
+              <ma14:placeholderFlag xmlns="" xmlns:ma14="http://schemas.microsoft.com/office/mac/drawingml/2011/main" val="1"/>
             </a:ext>
           </a:extLst>
         </p:spPr>
@@ -1321,70 +1324,27 @@
           <a:bodyPr/>
           <a:lstStyle/>
           <a:p>
-            <a:pPr eaLnBrk="1" hangingPunct="1"/>
+            <a:pPr marL="0" marR="0" lvl="0" indent="0" algn="l" defTabSz="914400" rtl="0" eaLnBrk="1" fontAlgn="base" latinLnBrk="0" hangingPunct="1">
+              <a:lnSpc>
+                <a:spcPct val="100000"/>
+              </a:lnSpc>
+              <a:spcBef>
+                <a:spcPct val="30000"/>
+              </a:spcBef>
+              <a:spcAft>
+                <a:spcPct val="0"/>
+              </a:spcAft>
+              <a:buClrTx/>
+              <a:buSzTx/>
+              <a:buFontTx/>
+              <a:buNone/>
+              <a:tabLst/>
+              <a:defRPr/>
+            </a:pPr>
             <a:r>
               <a:rPr lang="en-GB" dirty="0"/>
-              <a:t>Mix-net and onion routing</a:t>
-            </a:r>
-          </a:p>
-          <a:p>
-            <a:pPr eaLnBrk="1" hangingPunct="1"/>
-            <a:r>
-              <a:rPr lang="en-GB" dirty="0"/>
-              <a:t>Layered encryption to hide message </a:t>
-            </a:r>
-            <a:r>
-              <a:rPr lang="en-GB" dirty="0" err="1"/>
-              <a:t>dest</a:t>
-            </a:r>
-            <a:r>
-              <a:rPr lang="en-GB" dirty="0"/>
-              <a:t> and origin</a:t>
-            </a:r>
-          </a:p>
-          <a:p>
-            <a:pPr eaLnBrk="1" hangingPunct="1"/>
-            <a:r>
-              <a:rPr lang="en-GB" dirty="0"/>
-              <a:t>Traffic analysis and network surveillance</a:t>
-            </a:r>
-          </a:p>
-          <a:p>
-            <a:pPr eaLnBrk="1" hangingPunct="1"/>
-            <a:endParaRPr lang="en-GB" dirty="0"/>
-          </a:p>
-          <a:p>
-            <a:pPr eaLnBrk="1" hangingPunct="1"/>
-            <a:r>
-              <a:rPr lang="en-GB" dirty="0"/>
-              <a:t>Major </a:t>
-            </a:r>
-            <a:r>
-              <a:rPr lang="en-GB" dirty="0" err="1"/>
-              <a:t>imrpovements</a:t>
-            </a:r>
-            <a:r>
-              <a:rPr lang="en-GB" dirty="0"/>
-              <a:t> to</a:t>
-            </a:r>
-          </a:p>
-          <a:p>
-            <a:pPr eaLnBrk="1" hangingPunct="1"/>
-            <a:r>
-              <a:rPr lang="en-GB" dirty="0"/>
-              <a:t>-uses standard proxy protocol</a:t>
-            </a:r>
-          </a:p>
-          <a:p>
-            <a:pPr eaLnBrk="1" hangingPunct="1"/>
-            <a:r>
-              <a:rPr lang="en-GB" dirty="0"/>
-              <a:t>-users are able to host hidden services</a:t>
-            </a:r>
-          </a:p>
-          <a:p>
-            <a:pPr eaLnBrk="1" hangingPunct="1"/>
-            <a:endParaRPr lang="en-GB" dirty="0"/>
+              <a:t>Tom</a:t>
+            </a:r>
           </a:p>
           <a:p>
             <a:pPr eaLnBrk="1" hangingPunct="1"/>
@@ -1393,11 +1353,6 @@
         </p:txBody>
       </p:sp>
     </p:spTree>
-    <p:extLst>
-      <p:ext uri="{BB962C8B-B14F-4D97-AF65-F5344CB8AC3E}">
-        <p14:creationId xmlns:p14="http://schemas.microsoft.com/office/powerpoint/2010/main" val="885676067"/>
-      </p:ext>
-    </p:extLst>
   </p:cSld>
   <p:clrMapOvr>
     <a:masterClrMapping/>
@@ -1617,7 +1572,866 @@
           </a:ln>
           <a:extLst>
             <a:ext uri="{FAA26D3D-D897-4be2-8F04-BA451C77F1D7}">
-              <ma14:placeholderFlag xmlns:ma14="http://schemas.microsoft.com/office/mac/drawingml/2011/main" xmlns="" val="1"/>
+              <ma14:placeholderFlag xmlns="" xmlns:ma14="http://schemas.microsoft.com/office/mac/drawingml/2011/main" val="1"/>
+            </a:ext>
+          </a:extLst>
+        </p:spPr>
+        <p:txBody>
+          <a:bodyPr/>
+          <a:lstStyle/>
+          <a:p>
+            <a:pPr eaLnBrk="1" hangingPunct="1"/>
+            <a:r>
+              <a:rPr lang="en-GB" dirty="0"/>
+              <a:t>Positive aspects</a:t>
+            </a:r>
+          </a:p>
+          <a:p>
+            <a:pPr eaLnBrk="1" hangingPunct="1"/>
+            <a:r>
+              <a:rPr lang="en-GB" dirty="0"/>
+              <a:t>Protects your privacy</a:t>
+            </a:r>
+          </a:p>
+          <a:p>
+            <a:pPr eaLnBrk="1" hangingPunct="1"/>
+            <a:r>
+              <a:rPr lang="en-GB" dirty="0" err="1"/>
+              <a:t>Circumnvent</a:t>
+            </a:r>
+            <a:r>
+              <a:rPr lang="en-GB" dirty="0"/>
+              <a:t> censorship in China (able to read the new York times)</a:t>
+            </a:r>
+          </a:p>
+          <a:p>
+            <a:pPr eaLnBrk="1" hangingPunct="1"/>
+            <a:r>
+              <a:rPr lang="en-GB" dirty="0"/>
+              <a:t>Human rights activists or </a:t>
+            </a:r>
+            <a:r>
+              <a:rPr lang="en-GB" dirty="0" err="1"/>
+              <a:t>wistleblowers</a:t>
+            </a:r>
+            <a:r>
+              <a:rPr lang="en-GB" dirty="0"/>
+              <a:t> to exposes illegal activities </a:t>
+            </a:r>
+          </a:p>
+          <a:p>
+            <a:pPr eaLnBrk="1" hangingPunct="1"/>
+            <a:r>
+              <a:rPr lang="en-GB" dirty="0"/>
+              <a:t>Journalists to report from war zones</a:t>
+            </a:r>
+          </a:p>
+          <a:p>
+            <a:pPr eaLnBrk="1" hangingPunct="1"/>
+            <a:endParaRPr lang="en-GB" dirty="0"/>
+          </a:p>
+          <a:p>
+            <a:pPr eaLnBrk="1" hangingPunct="1"/>
+            <a:r>
+              <a:rPr lang="en-GB" dirty="0"/>
+              <a:t>Negative aspects:</a:t>
+            </a:r>
+          </a:p>
+          <a:p>
+            <a:pPr eaLnBrk="1" hangingPunct="1"/>
+            <a:r>
+              <a:rPr lang="en-GB" dirty="0"/>
+              <a:t>Host illegal marketplaces like </a:t>
+            </a:r>
+            <a:r>
+              <a:rPr lang="en-GB" dirty="0" err="1"/>
+              <a:t>SilkRoad</a:t>
+            </a:r>
+            <a:endParaRPr lang="en-GB" dirty="0"/>
+          </a:p>
+          <a:p>
+            <a:pPr eaLnBrk="1" hangingPunct="1"/>
+            <a:r>
+              <a:rPr lang="en-GB" dirty="0"/>
+              <a:t>Or you are able to command and control server for botnets.</a:t>
+            </a:r>
+          </a:p>
+        </p:txBody>
+      </p:sp>
+    </p:spTree>
+  </p:cSld>
+  <p:clrMapOvr>
+    <a:masterClrMapping/>
+  </p:clrMapOvr>
+</p:notes>
+</file>
+
+<file path=ppt/notesSlides/notesSlide12.xml><?xml version="1.0" encoding="utf-8"?>
+<p:notes xmlns:a="http://schemas.openxmlformats.org/drawingml/2006/main" xmlns:r="http://schemas.openxmlformats.org/officeDocument/2006/relationships" xmlns:p="http://schemas.openxmlformats.org/presentationml/2006/main">
+  <p:cSld>
+    <p:spTree>
+      <p:nvGrpSpPr>
+        <p:cNvPr id="1" name=""/>
+        <p:cNvGrpSpPr/>
+        <p:nvPr/>
+      </p:nvGrpSpPr>
+      <p:grpSpPr>
+        <a:xfrm>
+          <a:off x="0" y="0"/>
+          <a:ext cx="0" cy="0"/>
+          <a:chOff x="0" y="0"/>
+          <a:chExt cx="0" cy="0"/>
+        </a:xfrm>
+      </p:grpSpPr>
+      <p:sp>
+        <p:nvSpPr>
+          <p:cNvPr id="13313" name="Rectangle 7"/>
+          <p:cNvSpPr>
+            <a:spLocks noGrp="1" noChangeArrowheads="1"/>
+          </p:cNvSpPr>
+          <p:nvPr>
+            <p:ph type="sldNum" sz="quarter" idx="5"/>
+          </p:nvPr>
+        </p:nvSpPr>
+        <p:spPr>
+          <a:noFill/>
+          <a:ln/>
+          <a:extLst>
+            <a:ext uri="{909E8E84-426E-40DD-AFC4-6F175D3DCCD1}">
+              <a14:hiddenFill xmlns:a14="http://schemas.microsoft.com/office/drawing/2010/main">
+                <a:solidFill>
+                  <a:srgbClr val="FFFFFF"/>
+                </a:solidFill>
+              </a14:hiddenFill>
+            </a:ext>
+            <a:ext uri="{91240B29-F687-4F45-9708-019B960494DF}">
+              <a14:hiddenLine xmlns:a14="http://schemas.microsoft.com/office/drawing/2010/main" w="9525">
+                <a:solidFill>
+                  <a:srgbClr val="000000"/>
+                </a:solidFill>
+                <a:miter lim="800000"/>
+                <a:headEnd/>
+                <a:tailEnd/>
+              </a14:hiddenLine>
+            </a:ext>
+          </a:extLst>
+        </p:spPr>
+        <p:txBody>
+          <a:bodyPr/>
+          <a:lstStyle>
+            <a:lvl1pPr eaLnBrk="0" hangingPunct="0">
+              <a:defRPr sz="2400">
+                <a:solidFill>
+                  <a:schemeClr val="tx1"/>
+                </a:solidFill>
+                <a:latin typeface="Verdana" charset="0"/>
+                <a:ea typeface="ＭＳ Ｐゴシック" charset="0"/>
+                <a:cs typeface="ＭＳ Ｐゴシック" charset="0"/>
+              </a:defRPr>
+            </a:lvl1pPr>
+            <a:lvl2pPr marL="742950" indent="-285750" eaLnBrk="0" hangingPunct="0">
+              <a:defRPr sz="2400">
+                <a:solidFill>
+                  <a:schemeClr val="tx1"/>
+                </a:solidFill>
+                <a:latin typeface="Verdana" charset="0"/>
+                <a:ea typeface="ＭＳ Ｐゴシック" charset="0"/>
+              </a:defRPr>
+            </a:lvl2pPr>
+            <a:lvl3pPr marL="1143000" indent="-228600" eaLnBrk="0" hangingPunct="0">
+              <a:defRPr sz="2400">
+                <a:solidFill>
+                  <a:schemeClr val="tx1"/>
+                </a:solidFill>
+                <a:latin typeface="Verdana" charset="0"/>
+                <a:ea typeface="ＭＳ Ｐゴシック" charset="0"/>
+              </a:defRPr>
+            </a:lvl3pPr>
+            <a:lvl4pPr marL="1600200" indent="-228600" eaLnBrk="0" hangingPunct="0">
+              <a:defRPr sz="2400">
+                <a:solidFill>
+                  <a:schemeClr val="tx1"/>
+                </a:solidFill>
+                <a:latin typeface="Verdana" charset="0"/>
+                <a:ea typeface="ＭＳ Ｐゴシック" charset="0"/>
+              </a:defRPr>
+            </a:lvl4pPr>
+            <a:lvl5pPr marL="2057400" indent="-228600" eaLnBrk="0" hangingPunct="0">
+              <a:defRPr sz="2400">
+                <a:solidFill>
+                  <a:schemeClr val="tx1"/>
+                </a:solidFill>
+                <a:latin typeface="Verdana" charset="0"/>
+                <a:ea typeface="ＭＳ Ｐゴシック" charset="0"/>
+              </a:defRPr>
+            </a:lvl5pPr>
+            <a:lvl6pPr marL="2514600" indent="-228600" eaLnBrk="0" fontAlgn="base" hangingPunct="0">
+              <a:spcBef>
+                <a:spcPct val="0"/>
+              </a:spcBef>
+              <a:spcAft>
+                <a:spcPct val="0"/>
+              </a:spcAft>
+              <a:defRPr sz="2400">
+                <a:solidFill>
+                  <a:schemeClr val="tx1"/>
+                </a:solidFill>
+                <a:latin typeface="Verdana" charset="0"/>
+                <a:ea typeface="ＭＳ Ｐゴシック" charset="0"/>
+              </a:defRPr>
+            </a:lvl6pPr>
+            <a:lvl7pPr marL="2971800" indent="-228600" eaLnBrk="0" fontAlgn="base" hangingPunct="0">
+              <a:spcBef>
+                <a:spcPct val="0"/>
+              </a:spcBef>
+              <a:spcAft>
+                <a:spcPct val="0"/>
+              </a:spcAft>
+              <a:defRPr sz="2400">
+                <a:solidFill>
+                  <a:schemeClr val="tx1"/>
+                </a:solidFill>
+                <a:latin typeface="Verdana" charset="0"/>
+                <a:ea typeface="ＭＳ Ｐゴシック" charset="0"/>
+              </a:defRPr>
+            </a:lvl7pPr>
+            <a:lvl8pPr marL="3429000" indent="-228600" eaLnBrk="0" fontAlgn="base" hangingPunct="0">
+              <a:spcBef>
+                <a:spcPct val="0"/>
+              </a:spcBef>
+              <a:spcAft>
+                <a:spcPct val="0"/>
+              </a:spcAft>
+              <a:defRPr sz="2400">
+                <a:solidFill>
+                  <a:schemeClr val="tx1"/>
+                </a:solidFill>
+                <a:latin typeface="Verdana" charset="0"/>
+                <a:ea typeface="ＭＳ Ｐゴシック" charset="0"/>
+              </a:defRPr>
+            </a:lvl8pPr>
+            <a:lvl9pPr marL="3886200" indent="-228600" eaLnBrk="0" fontAlgn="base" hangingPunct="0">
+              <a:spcBef>
+                <a:spcPct val="0"/>
+              </a:spcBef>
+              <a:spcAft>
+                <a:spcPct val="0"/>
+              </a:spcAft>
+              <a:defRPr sz="2400">
+                <a:solidFill>
+                  <a:schemeClr val="tx1"/>
+                </a:solidFill>
+                <a:latin typeface="Verdana" charset="0"/>
+                <a:ea typeface="ＭＳ Ｐゴシック" charset="0"/>
+              </a:defRPr>
+            </a:lvl9pPr>
+          </a:lstStyle>
+          <a:p>
+            <a:fld id="{D96C611C-4D80-864B-B939-EBFCF83FC60E}" type="slidenum">
+              <a:rPr lang="de-DE" sz="1200">
+                <a:latin typeface="Andale Mono" charset="0"/>
+              </a:rPr>
+              <a:pPr/>
+              <a:t>12</a:t>
+            </a:fld>
+            <a:endParaRPr lang="de-DE" sz="1200">
+              <a:latin typeface="Andale Mono" charset="0"/>
+            </a:endParaRPr>
+          </a:p>
+        </p:txBody>
+      </p:sp>
+      <p:sp>
+        <p:nvSpPr>
+          <p:cNvPr id="13314" name="Rectangle 2"/>
+          <p:cNvSpPr>
+            <a:spLocks noGrp="1" noRot="1" noChangeAspect="1" noChangeArrowheads="1"/>
+          </p:cNvSpPr>
+          <p:nvPr>
+            <p:ph type="sldImg"/>
+          </p:nvPr>
+        </p:nvSpPr>
+        <p:spPr>
+          <a:solidFill>
+            <a:srgbClr val="FFFFFF"/>
+          </a:solidFill>
+          <a:ln/>
+        </p:spPr>
+      </p:sp>
+      <p:sp>
+        <p:nvSpPr>
+          <p:cNvPr id="13315" name="Rectangle 3"/>
+          <p:cNvSpPr>
+            <a:spLocks noGrp="1" noChangeArrowheads="1"/>
+          </p:cNvSpPr>
+          <p:nvPr>
+            <p:ph type="body" idx="1"/>
+          </p:nvPr>
+        </p:nvSpPr>
+        <p:spPr>
+          <a:solidFill>
+            <a:srgbClr val="FFFFFF"/>
+          </a:solidFill>
+          <a:ln>
+            <a:solidFill>
+              <a:srgbClr val="000000"/>
+            </a:solidFill>
+          </a:ln>
+          <a:extLst>
+            <a:ext uri="{FAA26D3D-D897-4be2-8F04-BA451C77F1D7}">
+              <ma14:placeholderFlag xmlns="" xmlns:ma14="http://schemas.microsoft.com/office/mac/drawingml/2011/main" val="1"/>
+            </a:ext>
+          </a:extLst>
+        </p:spPr>
+        <p:txBody>
+          <a:bodyPr/>
+          <a:lstStyle/>
+          <a:p>
+            <a:pPr eaLnBrk="1" hangingPunct="1"/>
+            <a:r>
+              <a:rPr lang="en-GB" dirty="0" err="1"/>
+              <a:t>ich</a:t>
+            </a:r>
+            <a:endParaRPr lang="en-GB" dirty="0"/>
+          </a:p>
+          <a:p>
+            <a:pPr eaLnBrk="1" hangingPunct="1"/>
+            <a:r>
+              <a:rPr lang="en-GB" dirty="0"/>
+              <a:t> NICHT SAGEN !!!On this peak they suppose a command and control of botnet servers</a:t>
+            </a:r>
+          </a:p>
+        </p:txBody>
+      </p:sp>
+    </p:spTree>
+    <p:extLst>
+      <p:ext uri="{BB962C8B-B14F-4D97-AF65-F5344CB8AC3E}">
+        <p14:creationId xmlns:p14="http://schemas.microsoft.com/office/powerpoint/2010/main" val="1295026059"/>
+      </p:ext>
+    </p:extLst>
+  </p:cSld>
+  <p:clrMapOvr>
+    <a:masterClrMapping/>
+  </p:clrMapOvr>
+</p:notes>
+</file>
+
+<file path=ppt/notesSlides/notesSlide13.xml><?xml version="1.0" encoding="utf-8"?>
+<p:notes xmlns:a="http://schemas.openxmlformats.org/drawingml/2006/main" xmlns:r="http://schemas.openxmlformats.org/officeDocument/2006/relationships" xmlns:p="http://schemas.openxmlformats.org/presentationml/2006/main">
+  <p:cSld>
+    <p:spTree>
+      <p:nvGrpSpPr>
+        <p:cNvPr id="1" name=""/>
+        <p:cNvGrpSpPr/>
+        <p:nvPr/>
+      </p:nvGrpSpPr>
+      <p:grpSpPr>
+        <a:xfrm>
+          <a:off x="0" y="0"/>
+          <a:ext cx="0" cy="0"/>
+          <a:chOff x="0" y="0"/>
+          <a:chExt cx="0" cy="0"/>
+        </a:xfrm>
+      </p:grpSpPr>
+      <p:sp>
+        <p:nvSpPr>
+          <p:cNvPr id="13313" name="Rectangle 7"/>
+          <p:cNvSpPr>
+            <a:spLocks noGrp="1" noChangeArrowheads="1"/>
+          </p:cNvSpPr>
+          <p:nvPr>
+            <p:ph type="sldNum" sz="quarter" idx="5"/>
+          </p:nvPr>
+        </p:nvSpPr>
+        <p:spPr>
+          <a:noFill/>
+          <a:ln/>
+          <a:extLst>
+            <a:ext uri="{909E8E84-426E-40DD-AFC4-6F175D3DCCD1}">
+              <a14:hiddenFill xmlns:a14="http://schemas.microsoft.com/office/drawing/2010/main">
+                <a:solidFill>
+                  <a:srgbClr val="FFFFFF"/>
+                </a:solidFill>
+              </a14:hiddenFill>
+            </a:ext>
+            <a:ext uri="{91240B29-F687-4F45-9708-019B960494DF}">
+              <a14:hiddenLine xmlns:a14="http://schemas.microsoft.com/office/drawing/2010/main" w="9525">
+                <a:solidFill>
+                  <a:srgbClr val="000000"/>
+                </a:solidFill>
+                <a:miter lim="800000"/>
+                <a:headEnd/>
+                <a:tailEnd/>
+              </a14:hiddenLine>
+            </a:ext>
+          </a:extLst>
+        </p:spPr>
+        <p:txBody>
+          <a:bodyPr/>
+          <a:lstStyle>
+            <a:lvl1pPr eaLnBrk="0" hangingPunct="0">
+              <a:defRPr sz="2400">
+                <a:solidFill>
+                  <a:schemeClr val="tx1"/>
+                </a:solidFill>
+                <a:latin typeface="Verdana" charset="0"/>
+                <a:ea typeface="ＭＳ Ｐゴシック" charset="0"/>
+                <a:cs typeface="ＭＳ Ｐゴシック" charset="0"/>
+              </a:defRPr>
+            </a:lvl1pPr>
+            <a:lvl2pPr marL="742950" indent="-285750" eaLnBrk="0" hangingPunct="0">
+              <a:defRPr sz="2400">
+                <a:solidFill>
+                  <a:schemeClr val="tx1"/>
+                </a:solidFill>
+                <a:latin typeface="Verdana" charset="0"/>
+                <a:ea typeface="ＭＳ Ｐゴシック" charset="0"/>
+              </a:defRPr>
+            </a:lvl2pPr>
+            <a:lvl3pPr marL="1143000" indent="-228600" eaLnBrk="0" hangingPunct="0">
+              <a:defRPr sz="2400">
+                <a:solidFill>
+                  <a:schemeClr val="tx1"/>
+                </a:solidFill>
+                <a:latin typeface="Verdana" charset="0"/>
+                <a:ea typeface="ＭＳ Ｐゴシック" charset="0"/>
+              </a:defRPr>
+            </a:lvl3pPr>
+            <a:lvl4pPr marL="1600200" indent="-228600" eaLnBrk="0" hangingPunct="0">
+              <a:defRPr sz="2400">
+                <a:solidFill>
+                  <a:schemeClr val="tx1"/>
+                </a:solidFill>
+                <a:latin typeface="Verdana" charset="0"/>
+                <a:ea typeface="ＭＳ Ｐゴシック" charset="0"/>
+              </a:defRPr>
+            </a:lvl4pPr>
+            <a:lvl5pPr marL="2057400" indent="-228600" eaLnBrk="0" hangingPunct="0">
+              <a:defRPr sz="2400">
+                <a:solidFill>
+                  <a:schemeClr val="tx1"/>
+                </a:solidFill>
+                <a:latin typeface="Verdana" charset="0"/>
+                <a:ea typeface="ＭＳ Ｐゴシック" charset="0"/>
+              </a:defRPr>
+            </a:lvl5pPr>
+            <a:lvl6pPr marL="2514600" indent="-228600" eaLnBrk="0" fontAlgn="base" hangingPunct="0">
+              <a:spcBef>
+                <a:spcPct val="0"/>
+              </a:spcBef>
+              <a:spcAft>
+                <a:spcPct val="0"/>
+              </a:spcAft>
+              <a:defRPr sz="2400">
+                <a:solidFill>
+                  <a:schemeClr val="tx1"/>
+                </a:solidFill>
+                <a:latin typeface="Verdana" charset="0"/>
+                <a:ea typeface="ＭＳ Ｐゴシック" charset="0"/>
+              </a:defRPr>
+            </a:lvl6pPr>
+            <a:lvl7pPr marL="2971800" indent="-228600" eaLnBrk="0" fontAlgn="base" hangingPunct="0">
+              <a:spcBef>
+                <a:spcPct val="0"/>
+              </a:spcBef>
+              <a:spcAft>
+                <a:spcPct val="0"/>
+              </a:spcAft>
+              <a:defRPr sz="2400">
+                <a:solidFill>
+                  <a:schemeClr val="tx1"/>
+                </a:solidFill>
+                <a:latin typeface="Verdana" charset="0"/>
+                <a:ea typeface="ＭＳ Ｐゴシック" charset="0"/>
+              </a:defRPr>
+            </a:lvl7pPr>
+            <a:lvl8pPr marL="3429000" indent="-228600" eaLnBrk="0" fontAlgn="base" hangingPunct="0">
+              <a:spcBef>
+                <a:spcPct val="0"/>
+              </a:spcBef>
+              <a:spcAft>
+                <a:spcPct val="0"/>
+              </a:spcAft>
+              <a:defRPr sz="2400">
+                <a:solidFill>
+                  <a:schemeClr val="tx1"/>
+                </a:solidFill>
+                <a:latin typeface="Verdana" charset="0"/>
+                <a:ea typeface="ＭＳ Ｐゴシック" charset="0"/>
+              </a:defRPr>
+            </a:lvl8pPr>
+            <a:lvl9pPr marL="3886200" indent="-228600" eaLnBrk="0" fontAlgn="base" hangingPunct="0">
+              <a:spcBef>
+                <a:spcPct val="0"/>
+              </a:spcBef>
+              <a:spcAft>
+                <a:spcPct val="0"/>
+              </a:spcAft>
+              <a:defRPr sz="2400">
+                <a:solidFill>
+                  <a:schemeClr val="tx1"/>
+                </a:solidFill>
+                <a:latin typeface="Verdana" charset="0"/>
+                <a:ea typeface="ＭＳ Ｐゴシック" charset="0"/>
+              </a:defRPr>
+            </a:lvl9pPr>
+          </a:lstStyle>
+          <a:p>
+            <a:fld id="{D96C611C-4D80-864B-B939-EBFCF83FC60E}" type="slidenum">
+              <a:rPr lang="de-DE" sz="1200">
+                <a:latin typeface="Andale Mono" charset="0"/>
+              </a:rPr>
+              <a:pPr/>
+              <a:t>13</a:t>
+            </a:fld>
+            <a:endParaRPr lang="de-DE" sz="1200">
+              <a:latin typeface="Andale Mono" charset="0"/>
+            </a:endParaRPr>
+          </a:p>
+        </p:txBody>
+      </p:sp>
+      <p:sp>
+        <p:nvSpPr>
+          <p:cNvPr id="13314" name="Rectangle 2"/>
+          <p:cNvSpPr>
+            <a:spLocks noGrp="1" noRot="1" noChangeAspect="1" noChangeArrowheads="1"/>
+          </p:cNvSpPr>
+          <p:nvPr>
+            <p:ph type="sldImg"/>
+          </p:nvPr>
+        </p:nvSpPr>
+        <p:spPr>
+          <a:solidFill>
+            <a:srgbClr val="FFFFFF"/>
+          </a:solidFill>
+          <a:ln/>
+        </p:spPr>
+      </p:sp>
+      <p:sp>
+        <p:nvSpPr>
+          <p:cNvPr id="13315" name="Rectangle 3"/>
+          <p:cNvSpPr>
+            <a:spLocks noGrp="1" noChangeArrowheads="1"/>
+          </p:cNvSpPr>
+          <p:nvPr>
+            <p:ph type="body" idx="1"/>
+          </p:nvPr>
+        </p:nvSpPr>
+        <p:spPr>
+          <a:solidFill>
+            <a:srgbClr val="FFFFFF"/>
+          </a:solidFill>
+          <a:ln>
+            <a:solidFill>
+              <a:srgbClr val="000000"/>
+            </a:solidFill>
+          </a:ln>
+          <a:extLst>
+            <a:ext uri="{FAA26D3D-D897-4be2-8F04-BA451C77F1D7}">
+              <ma14:placeholderFlag xmlns="" xmlns:ma14="http://schemas.microsoft.com/office/mac/drawingml/2011/main" val="1"/>
+            </a:ext>
+          </a:extLst>
+        </p:spPr>
+        <p:txBody>
+          <a:bodyPr/>
+          <a:lstStyle/>
+          <a:p>
+            <a:pPr eaLnBrk="1" hangingPunct="1"/>
+            <a:r>
+              <a:rPr lang="en-GB" dirty="0"/>
+              <a:t>Mix-net and onion routing</a:t>
+            </a:r>
+          </a:p>
+          <a:p>
+            <a:pPr eaLnBrk="1" hangingPunct="1"/>
+            <a:r>
+              <a:rPr lang="en-GB" dirty="0"/>
+              <a:t>Layered encryption to hide message </a:t>
+            </a:r>
+            <a:r>
+              <a:rPr lang="en-GB" dirty="0" err="1"/>
+              <a:t>dest</a:t>
+            </a:r>
+            <a:r>
+              <a:rPr lang="en-GB" dirty="0"/>
+              <a:t> and origin</a:t>
+            </a:r>
+          </a:p>
+          <a:p>
+            <a:pPr eaLnBrk="1" hangingPunct="1"/>
+            <a:r>
+              <a:rPr lang="en-GB" dirty="0"/>
+              <a:t>Traffic analysis and network surveillance</a:t>
+            </a:r>
+          </a:p>
+          <a:p>
+            <a:pPr eaLnBrk="1" hangingPunct="1"/>
+            <a:endParaRPr lang="en-GB" dirty="0"/>
+          </a:p>
+          <a:p>
+            <a:pPr eaLnBrk="1" hangingPunct="1"/>
+            <a:r>
+              <a:rPr lang="en-GB" dirty="0"/>
+              <a:t>Major </a:t>
+            </a:r>
+            <a:r>
+              <a:rPr lang="en-GB" dirty="0" err="1"/>
+              <a:t>imrpovements</a:t>
+            </a:r>
+            <a:r>
+              <a:rPr lang="en-GB" dirty="0"/>
+              <a:t> to</a:t>
+            </a:r>
+          </a:p>
+          <a:p>
+            <a:pPr eaLnBrk="1" hangingPunct="1"/>
+            <a:r>
+              <a:rPr lang="en-GB" dirty="0"/>
+              <a:t>-uses standard proxy protocol</a:t>
+            </a:r>
+          </a:p>
+          <a:p>
+            <a:pPr eaLnBrk="1" hangingPunct="1"/>
+            <a:r>
+              <a:rPr lang="en-GB" dirty="0"/>
+              <a:t>-users are able to host hidden services</a:t>
+            </a:r>
+          </a:p>
+          <a:p>
+            <a:pPr eaLnBrk="1" hangingPunct="1"/>
+            <a:endParaRPr lang="en-GB" dirty="0"/>
+          </a:p>
+          <a:p>
+            <a:pPr eaLnBrk="1" hangingPunct="1"/>
+            <a:endParaRPr lang="en-GB" dirty="0"/>
+          </a:p>
+        </p:txBody>
+      </p:sp>
+    </p:spTree>
+    <p:extLst>
+      <p:ext uri="{BB962C8B-B14F-4D97-AF65-F5344CB8AC3E}">
+        <p14:creationId xmlns:p14="http://schemas.microsoft.com/office/powerpoint/2010/main" val="885676067"/>
+      </p:ext>
+    </p:extLst>
+  </p:cSld>
+  <p:clrMapOvr>
+    <a:masterClrMapping/>
+  </p:clrMapOvr>
+</p:notes>
+</file>
+
+<file path=ppt/notesSlides/notesSlide14.xml><?xml version="1.0" encoding="utf-8"?>
+<p:notes xmlns:a="http://schemas.openxmlformats.org/drawingml/2006/main" xmlns:r="http://schemas.openxmlformats.org/officeDocument/2006/relationships" xmlns:p="http://schemas.openxmlformats.org/presentationml/2006/main">
+  <p:cSld>
+    <p:spTree>
+      <p:nvGrpSpPr>
+        <p:cNvPr id="1" name=""/>
+        <p:cNvGrpSpPr/>
+        <p:nvPr/>
+      </p:nvGrpSpPr>
+      <p:grpSpPr>
+        <a:xfrm>
+          <a:off x="0" y="0"/>
+          <a:ext cx="0" cy="0"/>
+          <a:chOff x="0" y="0"/>
+          <a:chExt cx="0" cy="0"/>
+        </a:xfrm>
+      </p:grpSpPr>
+      <p:sp>
+        <p:nvSpPr>
+          <p:cNvPr id="13313" name="Rectangle 7"/>
+          <p:cNvSpPr>
+            <a:spLocks noGrp="1" noChangeArrowheads="1"/>
+          </p:cNvSpPr>
+          <p:nvPr>
+            <p:ph type="sldNum" sz="quarter" idx="5"/>
+          </p:nvPr>
+        </p:nvSpPr>
+        <p:spPr>
+          <a:noFill/>
+          <a:ln/>
+          <a:extLst>
+            <a:ext uri="{909E8E84-426E-40DD-AFC4-6F175D3DCCD1}">
+              <a14:hiddenFill xmlns:a14="http://schemas.microsoft.com/office/drawing/2010/main">
+                <a:solidFill>
+                  <a:srgbClr val="FFFFFF"/>
+                </a:solidFill>
+              </a14:hiddenFill>
+            </a:ext>
+            <a:ext uri="{91240B29-F687-4F45-9708-019B960494DF}">
+              <a14:hiddenLine xmlns:a14="http://schemas.microsoft.com/office/drawing/2010/main" w="9525">
+                <a:solidFill>
+                  <a:srgbClr val="000000"/>
+                </a:solidFill>
+                <a:miter lim="800000"/>
+                <a:headEnd/>
+                <a:tailEnd/>
+              </a14:hiddenLine>
+            </a:ext>
+          </a:extLst>
+        </p:spPr>
+        <p:txBody>
+          <a:bodyPr/>
+          <a:lstStyle>
+            <a:lvl1pPr eaLnBrk="0" hangingPunct="0">
+              <a:defRPr sz="2400">
+                <a:solidFill>
+                  <a:schemeClr val="tx1"/>
+                </a:solidFill>
+                <a:latin typeface="Verdana" charset="0"/>
+                <a:ea typeface="ＭＳ Ｐゴシック" charset="0"/>
+                <a:cs typeface="ＭＳ Ｐゴシック" charset="0"/>
+              </a:defRPr>
+            </a:lvl1pPr>
+            <a:lvl2pPr marL="742950" indent="-285750" eaLnBrk="0" hangingPunct="0">
+              <a:defRPr sz="2400">
+                <a:solidFill>
+                  <a:schemeClr val="tx1"/>
+                </a:solidFill>
+                <a:latin typeface="Verdana" charset="0"/>
+                <a:ea typeface="ＭＳ Ｐゴシック" charset="0"/>
+              </a:defRPr>
+            </a:lvl2pPr>
+            <a:lvl3pPr marL="1143000" indent="-228600" eaLnBrk="0" hangingPunct="0">
+              <a:defRPr sz="2400">
+                <a:solidFill>
+                  <a:schemeClr val="tx1"/>
+                </a:solidFill>
+                <a:latin typeface="Verdana" charset="0"/>
+                <a:ea typeface="ＭＳ Ｐゴシック" charset="0"/>
+              </a:defRPr>
+            </a:lvl3pPr>
+            <a:lvl4pPr marL="1600200" indent="-228600" eaLnBrk="0" hangingPunct="0">
+              <a:defRPr sz="2400">
+                <a:solidFill>
+                  <a:schemeClr val="tx1"/>
+                </a:solidFill>
+                <a:latin typeface="Verdana" charset="0"/>
+                <a:ea typeface="ＭＳ Ｐゴシック" charset="0"/>
+              </a:defRPr>
+            </a:lvl4pPr>
+            <a:lvl5pPr marL="2057400" indent="-228600" eaLnBrk="0" hangingPunct="0">
+              <a:defRPr sz="2400">
+                <a:solidFill>
+                  <a:schemeClr val="tx1"/>
+                </a:solidFill>
+                <a:latin typeface="Verdana" charset="0"/>
+                <a:ea typeface="ＭＳ Ｐゴシック" charset="0"/>
+              </a:defRPr>
+            </a:lvl5pPr>
+            <a:lvl6pPr marL="2514600" indent="-228600" eaLnBrk="0" fontAlgn="base" hangingPunct="0">
+              <a:spcBef>
+                <a:spcPct val="0"/>
+              </a:spcBef>
+              <a:spcAft>
+                <a:spcPct val="0"/>
+              </a:spcAft>
+              <a:defRPr sz="2400">
+                <a:solidFill>
+                  <a:schemeClr val="tx1"/>
+                </a:solidFill>
+                <a:latin typeface="Verdana" charset="0"/>
+                <a:ea typeface="ＭＳ Ｐゴシック" charset="0"/>
+              </a:defRPr>
+            </a:lvl6pPr>
+            <a:lvl7pPr marL="2971800" indent="-228600" eaLnBrk="0" fontAlgn="base" hangingPunct="0">
+              <a:spcBef>
+                <a:spcPct val="0"/>
+              </a:spcBef>
+              <a:spcAft>
+                <a:spcPct val="0"/>
+              </a:spcAft>
+              <a:defRPr sz="2400">
+                <a:solidFill>
+                  <a:schemeClr val="tx1"/>
+                </a:solidFill>
+                <a:latin typeface="Verdana" charset="0"/>
+                <a:ea typeface="ＭＳ Ｐゴシック" charset="0"/>
+              </a:defRPr>
+            </a:lvl7pPr>
+            <a:lvl8pPr marL="3429000" indent="-228600" eaLnBrk="0" fontAlgn="base" hangingPunct="0">
+              <a:spcBef>
+                <a:spcPct val="0"/>
+              </a:spcBef>
+              <a:spcAft>
+                <a:spcPct val="0"/>
+              </a:spcAft>
+              <a:defRPr sz="2400">
+                <a:solidFill>
+                  <a:schemeClr val="tx1"/>
+                </a:solidFill>
+                <a:latin typeface="Verdana" charset="0"/>
+                <a:ea typeface="ＭＳ Ｐゴシック" charset="0"/>
+              </a:defRPr>
+            </a:lvl8pPr>
+            <a:lvl9pPr marL="3886200" indent="-228600" eaLnBrk="0" fontAlgn="base" hangingPunct="0">
+              <a:spcBef>
+                <a:spcPct val="0"/>
+              </a:spcBef>
+              <a:spcAft>
+                <a:spcPct val="0"/>
+              </a:spcAft>
+              <a:defRPr sz="2400">
+                <a:solidFill>
+                  <a:schemeClr val="tx1"/>
+                </a:solidFill>
+                <a:latin typeface="Verdana" charset="0"/>
+                <a:ea typeface="ＭＳ Ｐゴシック" charset="0"/>
+              </a:defRPr>
+            </a:lvl9pPr>
+          </a:lstStyle>
+          <a:p>
+            <a:fld id="{D96C611C-4D80-864B-B939-EBFCF83FC60E}" type="slidenum">
+              <a:rPr lang="de-DE" sz="1200">
+                <a:latin typeface="Andale Mono" charset="0"/>
+              </a:rPr>
+              <a:pPr/>
+              <a:t>14</a:t>
+            </a:fld>
+            <a:endParaRPr lang="de-DE" sz="1200">
+              <a:latin typeface="Andale Mono" charset="0"/>
+            </a:endParaRPr>
+          </a:p>
+        </p:txBody>
+      </p:sp>
+      <p:sp>
+        <p:nvSpPr>
+          <p:cNvPr id="13314" name="Rectangle 2"/>
+          <p:cNvSpPr>
+            <a:spLocks noGrp="1" noRot="1" noChangeAspect="1" noChangeArrowheads="1"/>
+          </p:cNvSpPr>
+          <p:nvPr>
+            <p:ph type="sldImg"/>
+          </p:nvPr>
+        </p:nvSpPr>
+        <p:spPr>
+          <a:solidFill>
+            <a:srgbClr val="FFFFFF"/>
+          </a:solidFill>
+          <a:ln/>
+        </p:spPr>
+      </p:sp>
+      <p:sp>
+        <p:nvSpPr>
+          <p:cNvPr id="13315" name="Rectangle 3"/>
+          <p:cNvSpPr>
+            <a:spLocks noGrp="1" noChangeArrowheads="1"/>
+          </p:cNvSpPr>
+          <p:nvPr>
+            <p:ph type="body" idx="1"/>
+          </p:nvPr>
+        </p:nvSpPr>
+        <p:spPr>
+          <a:solidFill>
+            <a:srgbClr val="FFFFFF"/>
+          </a:solidFill>
+          <a:ln>
+            <a:solidFill>
+              <a:srgbClr val="000000"/>
+            </a:solidFill>
+          </a:ln>
+          <a:extLst>
+            <a:ext uri="{FAA26D3D-D897-4be2-8F04-BA451C77F1D7}">
+              <ma14:placeholderFlag xmlns="" xmlns:ma14="http://schemas.microsoft.com/office/mac/drawingml/2011/main" val="1"/>
             </a:ext>
           </a:extLst>
         </p:spPr>
@@ -1953,7 +2767,7 @@
           </a:ln>
           <a:extLst>
             <a:ext uri="{FAA26D3D-D897-4be2-8F04-BA451C77F1D7}">
-              <ma14:placeholderFlag xmlns:ma14="http://schemas.microsoft.com/office/mac/drawingml/2011/main" xmlns="" val="1"/>
+              <ma14:placeholderFlag xmlns="" xmlns:ma14="http://schemas.microsoft.com/office/mac/drawingml/2011/main" val="1"/>
             </a:ext>
           </a:extLst>
         </p:spPr>
@@ -2238,7 +3052,7 @@
           </a:ln>
           <a:extLst>
             <a:ext uri="{FAA26D3D-D897-4be2-8F04-BA451C77F1D7}">
-              <ma14:placeholderFlag xmlns:ma14="http://schemas.microsoft.com/office/mac/drawingml/2011/main" xmlns="" val="1"/>
+              <ma14:placeholderFlag xmlns="" xmlns:ma14="http://schemas.microsoft.com/office/mac/drawingml/2011/main" val="1"/>
             </a:ext>
           </a:extLst>
         </p:spPr>
@@ -2480,7 +3294,7 @@
           </a:ln>
           <a:extLst>
             <a:ext uri="{FAA26D3D-D897-4be2-8F04-BA451C77F1D7}">
-              <ma14:placeholderFlag xmlns:ma14="http://schemas.microsoft.com/office/mac/drawingml/2011/main" xmlns="" val="1"/>
+              <ma14:placeholderFlag xmlns="" xmlns:ma14="http://schemas.microsoft.com/office/mac/drawingml/2011/main" val="1"/>
             </a:ext>
           </a:extLst>
         </p:spPr>
@@ -2716,7 +3530,7 @@
           </a:ln>
           <a:extLst>
             <a:ext uri="{FAA26D3D-D897-4be2-8F04-BA451C77F1D7}">
-              <ma14:placeholderFlag xmlns:ma14="http://schemas.microsoft.com/office/mac/drawingml/2011/main" xmlns="" val="1"/>
+              <ma14:placeholderFlag xmlns="" xmlns:ma14="http://schemas.microsoft.com/office/mac/drawingml/2011/main" val="1"/>
             </a:ext>
           </a:extLst>
         </p:spPr>
@@ -2957,7 +3771,7 @@
           </a:ln>
           <a:extLst>
             <a:ext uri="{FAA26D3D-D897-4be2-8F04-BA451C77F1D7}">
-              <ma14:placeholderFlag xmlns:ma14="http://schemas.microsoft.com/office/mac/drawingml/2011/main" xmlns="" val="1"/>
+              <ma14:placeholderFlag xmlns="" xmlns:ma14="http://schemas.microsoft.com/office/mac/drawingml/2011/main" val="1"/>
             </a:ext>
           </a:extLst>
         </p:spPr>
@@ -2965,35 +3779,20 @@
           <a:bodyPr/>
           <a:lstStyle/>
           <a:p>
-            <a:pPr marL="0" marR="0" lvl="0" indent="0" algn="l" defTabSz="914400" rtl="0" eaLnBrk="1" fontAlgn="base" latinLnBrk="0" hangingPunct="1">
-              <a:lnSpc>
-                <a:spcPct val="100000"/>
-              </a:lnSpc>
-              <a:spcBef>
-                <a:spcPct val="30000"/>
-              </a:spcBef>
-              <a:spcAft>
-                <a:spcPct val="0"/>
-              </a:spcAft>
-              <a:buClrTx/>
-              <a:buSzTx/>
-              <a:buFontTx/>
-              <a:buNone/>
-              <a:tabLst/>
-              <a:defRPr/>
-            </a:pPr>
+            <a:pPr eaLnBrk="1" hangingPunct="1"/>
             <a:r>
               <a:rPr lang="en-GB" dirty="0"/>
               <a:t>Tom</a:t>
             </a:r>
-          </a:p>
-          <a:p>
-            <a:pPr eaLnBrk="1" hangingPunct="1"/>
-            <a:endParaRPr lang="en-GB" dirty="0"/>
           </a:p>
         </p:txBody>
       </p:sp>
     </p:spTree>
+    <p:extLst>
+      <p:ext uri="{BB962C8B-B14F-4D97-AF65-F5344CB8AC3E}">
+        <p14:creationId xmlns:p14="http://schemas.microsoft.com/office/powerpoint/2010/main" val="2003725275"/>
+      </p:ext>
+    </p:extLst>
   </p:cSld>
   <p:clrMapOvr>
     <a:masterClrMapping/>
@@ -3213,7 +4012,7 @@
           </a:ln>
           <a:extLst>
             <a:ext uri="{FAA26D3D-D897-4be2-8F04-BA451C77F1D7}">
-              <ma14:placeholderFlag xmlns:ma14="http://schemas.microsoft.com/office/mac/drawingml/2011/main" xmlns="" val="1"/>
+              <ma14:placeholderFlag xmlns="" xmlns:ma14="http://schemas.microsoft.com/office/mac/drawingml/2011/main" val="1"/>
             </a:ext>
           </a:extLst>
         </p:spPr>
@@ -3224,82 +4023,17 @@
             <a:pPr eaLnBrk="1" hangingPunct="1"/>
             <a:r>
               <a:rPr lang="en-GB" dirty="0"/>
-              <a:t>Positive aspects</a:t>
-            </a:r>
-          </a:p>
-          <a:p>
-            <a:pPr eaLnBrk="1" hangingPunct="1"/>
-            <a:r>
-              <a:rPr lang="en-GB" dirty="0"/>
-              <a:t>Protects your privacy</a:t>
-            </a:r>
-          </a:p>
-          <a:p>
-            <a:pPr eaLnBrk="1" hangingPunct="1"/>
-            <a:r>
-              <a:rPr lang="en-GB" dirty="0" err="1"/>
-              <a:t>Circumnvent</a:t>
-            </a:r>
-            <a:r>
-              <a:rPr lang="en-GB" dirty="0"/>
-              <a:t> censorship in China (able to read the new York times)</a:t>
-            </a:r>
-          </a:p>
-          <a:p>
-            <a:pPr eaLnBrk="1" hangingPunct="1"/>
-            <a:r>
-              <a:rPr lang="en-GB" dirty="0"/>
-              <a:t>Human rights activists or </a:t>
-            </a:r>
-            <a:r>
-              <a:rPr lang="en-GB" dirty="0" err="1"/>
-              <a:t>wistleblowers</a:t>
-            </a:r>
-            <a:r>
-              <a:rPr lang="en-GB" dirty="0"/>
-              <a:t> to exposes illegal activities </a:t>
-            </a:r>
-          </a:p>
-          <a:p>
-            <a:pPr eaLnBrk="1" hangingPunct="1"/>
-            <a:r>
-              <a:rPr lang="en-GB" dirty="0"/>
-              <a:t>Journalists to report from war zones</a:t>
-            </a:r>
-          </a:p>
-          <a:p>
-            <a:pPr eaLnBrk="1" hangingPunct="1"/>
-            <a:endParaRPr lang="en-GB" dirty="0"/>
-          </a:p>
-          <a:p>
-            <a:pPr eaLnBrk="1" hangingPunct="1"/>
-            <a:r>
-              <a:rPr lang="en-GB" dirty="0"/>
-              <a:t>Negative aspects:</a:t>
-            </a:r>
-          </a:p>
-          <a:p>
-            <a:pPr eaLnBrk="1" hangingPunct="1"/>
-            <a:r>
-              <a:rPr lang="en-GB" dirty="0"/>
-              <a:t>Host illegal marketplaces like </a:t>
-            </a:r>
-            <a:r>
-              <a:rPr lang="en-GB" dirty="0" err="1"/>
-              <a:t>SilkRoad</a:t>
-            </a:r>
-            <a:endParaRPr lang="en-GB" dirty="0"/>
-          </a:p>
-          <a:p>
-            <a:pPr eaLnBrk="1" hangingPunct="1"/>
-            <a:r>
-              <a:rPr lang="en-GB" dirty="0"/>
-              <a:t>Or you are able to command and control server for botnets.</a:t>
+              <a:t>Tom</a:t>
             </a:r>
           </a:p>
         </p:txBody>
       </p:sp>
     </p:spTree>
+    <p:extLst>
+      <p:ext uri="{BB962C8B-B14F-4D97-AF65-F5344CB8AC3E}">
+        <p14:creationId xmlns:p14="http://schemas.microsoft.com/office/powerpoint/2010/main" val="2003725275"/>
+      </p:ext>
+    </p:extLst>
   </p:cSld>
   <p:clrMapOvr>
     <a:masterClrMapping/>
@@ -3519,7 +4253,7 @@
           </a:ln>
           <a:extLst>
             <a:ext uri="{FAA26D3D-D897-4be2-8F04-BA451C77F1D7}">
-              <ma14:placeholderFlag xmlns:ma14="http://schemas.microsoft.com/office/mac/drawingml/2011/main" xmlns="" val="1"/>
+              <ma14:placeholderFlag xmlns="" xmlns:ma14="http://schemas.microsoft.com/office/mac/drawingml/2011/main" val="1"/>
             </a:ext>
           </a:extLst>
         </p:spPr>
@@ -3529,16 +4263,8 @@
           <a:p>
             <a:pPr eaLnBrk="1" hangingPunct="1"/>
             <a:r>
-              <a:rPr lang="en-GB" dirty="0" err="1"/>
-              <a:t>ich</a:t>
-            </a:r>
-            <a:endParaRPr lang="en-GB" dirty="0"/>
-          </a:p>
-          <a:p>
-            <a:pPr eaLnBrk="1" hangingPunct="1"/>
-            <a:r>
               <a:rPr lang="en-GB" dirty="0"/>
-              <a:t> NICHT SAGEN !!!On this peak they suppose a command and control of botnet servers</a:t>
+              <a:t>Tom</a:t>
             </a:r>
           </a:p>
         </p:txBody>
@@ -3546,7 +4272,7 @@
     </p:spTree>
     <p:extLst>
       <p:ext uri="{BB962C8B-B14F-4D97-AF65-F5344CB8AC3E}">
-        <p14:creationId xmlns:p14="http://schemas.microsoft.com/office/powerpoint/2010/main" val="1295026059"/>
+        <p14:creationId xmlns:p14="http://schemas.microsoft.com/office/powerpoint/2010/main" val="2003725275"/>
       </p:ext>
     </p:extLst>
   </p:cSld>
@@ -4172,7 +4898,7 @@
               </a14:hiddenLine>
             </a:ext>
             <a:ext uri="{FAA26D3D-D897-4be2-8F04-BA451C77F1D7}">
-              <ma14:placeholderFlag xmlns:ma14="http://schemas.microsoft.com/office/mac/drawingml/2011/main" xmlns="" val="1"/>
+              <ma14:placeholderFlag xmlns="" xmlns:ma14="http://schemas.microsoft.com/office/mac/drawingml/2011/main" val="1"/>
             </a:ext>
           </a:extLst>
         </p:spPr>
@@ -4233,7 +4959,7 @@
               </a14:hiddenLine>
             </a:ext>
             <a:ext uri="{FAA26D3D-D897-4be2-8F04-BA451C77F1D7}">
-              <ma14:placeholderFlag xmlns:ma14="http://schemas.microsoft.com/office/mac/drawingml/2011/main" xmlns="" val="1"/>
+              <ma14:placeholderFlag xmlns="" xmlns:ma14="http://schemas.microsoft.com/office/mac/drawingml/2011/main" val="1"/>
             </a:ext>
           </a:extLst>
         </p:spPr>
@@ -5264,6 +5990,13 @@
   <p:clrMapOvr>
     <a:masterClrMapping/>
   </p:clrMapOvr>
+  <p:timing>
+    <p:tnLst>
+      <p:par>
+        <p:cTn id="1" dur="indefinite" restart="never" nodeType="tmRoot"/>
+      </p:par>
+    </p:tnLst>
+  </p:timing>
 </p:sld>
 </file>
 
@@ -5301,11 +6034,33 @@
           <a:p>
             <a:r>
               <a:rPr lang="de-DE" dirty="0" err="1"/>
-              <a:t>Conclusion</a:t>
-            </a:r>
-            <a:endParaRPr lang="de-DE" dirty="0">
-              <a:latin typeface="Calibri"/>
-            </a:endParaRPr>
+              <a:t>Improvements</a:t>
+            </a:r>
+            <a:r>
+              <a:rPr lang="de-DE" dirty="0"/>
+              <a:t> </a:t>
+            </a:r>
+            <a:r>
+              <a:rPr lang="de-DE" dirty="0" err="1"/>
+              <a:t>to</a:t>
+            </a:r>
+            <a:r>
+              <a:rPr lang="de-DE" dirty="0"/>
+              <a:t> </a:t>
+            </a:r>
+            <a:r>
+              <a:rPr lang="de-DE" dirty="0" err="1"/>
+              <a:t>onion</a:t>
+            </a:r>
+            <a:r>
+              <a:rPr lang="de-DE" dirty="0"/>
+              <a:t> </a:t>
+            </a:r>
+            <a:r>
+              <a:rPr lang="de-DE" dirty="0" err="1"/>
+              <a:t>routing</a:t>
+            </a:r>
+            <a:endParaRPr lang="de-DE" dirty="0"/>
           </a:p>
         </p:txBody>
       </p:sp>
@@ -5322,7 +6077,7 @@
         <p:spPr>
           <a:xfrm>
             <a:off x="457200" y="1219200"/>
-            <a:ext cx="8458200" cy="5162128"/>
+            <a:ext cx="8458200" cy="1066800"/>
           </a:xfrm>
         </p:spPr>
         <p:txBody>
@@ -5337,22 +6092,28 @@
           <a:p>
             <a:pPr eaLnBrk="1" hangingPunct="1"/>
             <a:r>
+              <a:rPr lang="de-DE" dirty="0">
+                <a:latin typeface="Calibri"/>
+              </a:rPr>
+              <a:t>Directory </a:t>
+            </a:r>
+            <a:r>
               <a:rPr lang="de-DE" dirty="0" err="1">
                 <a:latin typeface="Calibri"/>
               </a:rPr>
-              <a:t>Based</a:t>
+              <a:t>servers</a:t>
             </a:r>
             <a:r>
               <a:rPr lang="de-DE" dirty="0">
                 <a:latin typeface="Calibri"/>
               </a:rPr>
-              <a:t> on Mixed-Nets </a:t>
+              <a:t> </a:t>
             </a:r>
             <a:r>
               <a:rPr lang="de-DE" dirty="0" err="1">
                 <a:latin typeface="Calibri"/>
               </a:rPr>
-              <a:t>and</a:t>
+              <a:t>instead</a:t>
             </a:r>
             <a:r>
               <a:rPr lang="de-DE" dirty="0">
@@ -5364,7 +6125,7 @@
               <a:rPr lang="de-DE" dirty="0" err="1">
                 <a:latin typeface="Calibri"/>
               </a:rPr>
-              <a:t>onion</a:t>
+              <a:t>of</a:t>
             </a:r>
             <a:r>
               <a:rPr lang="de-DE" dirty="0">
@@ -5377,138 +6138,60 @@
                 <a:latin typeface="Calibri"/>
               </a:rPr>
               <a:t>routing</a:t>
+            </a:r>
+            <a:r>
+              <a:rPr lang="de-DE" dirty="0">
+                <a:latin typeface="Calibri"/>
+              </a:rPr>
+              <a:t> </a:t>
+            </a:r>
+            <a:r>
+              <a:rPr lang="de-DE" dirty="0" err="1">
+                <a:latin typeface="Calibri"/>
+              </a:rPr>
+              <a:t>information</a:t>
+            </a:r>
+            <a:r>
+              <a:rPr lang="de-DE" dirty="0">
+                <a:latin typeface="Calibri"/>
+              </a:rPr>
+              <a:t> </a:t>
+            </a:r>
+            <a:r>
+              <a:rPr lang="de-DE" dirty="0" err="1">
+                <a:latin typeface="Calibri"/>
+              </a:rPr>
+              <a:t>flooding</a:t>
             </a:r>
             <a:endParaRPr lang="de-DE" dirty="0">
               <a:latin typeface="Calibri"/>
             </a:endParaRPr>
           </a:p>
           <a:p>
-            <a:pPr lvl="1"/>
+            <a:pPr eaLnBrk="1" hangingPunct="1"/>
+            <a:r>
+              <a:rPr lang="de-DE" dirty="0">
+                <a:latin typeface="Calibri"/>
+              </a:rPr>
+              <a:t>Hidden </a:t>
+            </a:r>
             <a:r>
               <a:rPr lang="de-DE" dirty="0" err="1">
                 <a:latin typeface="Calibri"/>
               </a:rPr>
-              <a:t>Uses</a:t>
-            </a:r>
-            <a:r>
-              <a:rPr lang="de-DE" dirty="0">
-                <a:latin typeface="Calibri"/>
-              </a:rPr>
-              <a:t> </a:t>
-            </a:r>
-            <a:r>
-              <a:rPr lang="de-DE" dirty="0" err="1">
-                <a:latin typeface="Calibri"/>
-              </a:rPr>
-              <a:t>layered</a:t>
-            </a:r>
-            <a:r>
-              <a:rPr lang="de-DE" dirty="0">
-                <a:latin typeface="Calibri"/>
-              </a:rPr>
-              <a:t> </a:t>
-            </a:r>
-            <a:r>
-              <a:rPr lang="de-DE" dirty="0" err="1">
-                <a:latin typeface="Calibri"/>
-              </a:rPr>
-              <a:t>encryption</a:t>
-            </a:r>
-            <a:r>
-              <a:rPr lang="de-DE" dirty="0">
-                <a:latin typeface="Calibri"/>
-              </a:rPr>
-              <a:t> </a:t>
-            </a:r>
-            <a:r>
-              <a:rPr lang="de-DE" dirty="0" err="1">
-                <a:latin typeface="Calibri"/>
-              </a:rPr>
-              <a:t>to</a:t>
-            </a:r>
-            <a:r>
-              <a:rPr lang="de-DE" dirty="0">
-                <a:latin typeface="Calibri"/>
-              </a:rPr>
-              <a:t> </a:t>
-            </a:r>
-            <a:r>
-              <a:rPr lang="de-DE" dirty="0" err="1">
-                <a:latin typeface="Calibri"/>
-              </a:rPr>
-              <a:t>hide</a:t>
-            </a:r>
-            <a:r>
-              <a:rPr lang="de-DE" dirty="0">
-                <a:latin typeface="Calibri"/>
-              </a:rPr>
-              <a:t> </a:t>
-            </a:r>
-            <a:r>
-              <a:rPr lang="de-DE" dirty="0" err="1">
-                <a:latin typeface="Calibri"/>
-              </a:rPr>
-              <a:t>the</a:t>
-            </a:r>
-            <a:r>
-              <a:rPr lang="de-DE" dirty="0">
-                <a:latin typeface="Calibri"/>
-              </a:rPr>
-              <a:t> </a:t>
-            </a:r>
-            <a:r>
-              <a:rPr lang="de-DE" dirty="0" err="1">
-                <a:latin typeface="Calibri"/>
-              </a:rPr>
-              <a:t>message</a:t>
-            </a:r>
-            <a:r>
-              <a:rPr lang="de-DE" dirty="0">
-                <a:latin typeface="Calibri"/>
-              </a:rPr>
-              <a:t> </a:t>
-            </a:r>
-            <a:r>
-              <a:rPr lang="de-DE" dirty="0" err="1">
-                <a:latin typeface="Calibri"/>
-              </a:rPr>
-              <a:t>destination</a:t>
-            </a:r>
-            <a:r>
-              <a:rPr lang="de-DE" dirty="0">
-                <a:latin typeface="Calibri"/>
-              </a:rPr>
-              <a:t> </a:t>
-            </a:r>
-            <a:r>
-              <a:rPr lang="de-DE" dirty="0" err="1">
-                <a:latin typeface="Calibri"/>
-              </a:rPr>
-              <a:t>and</a:t>
-            </a:r>
-            <a:r>
-              <a:rPr lang="de-DE" dirty="0">
-                <a:latin typeface="Calibri"/>
-              </a:rPr>
-              <a:t> </a:t>
-            </a:r>
-            <a:r>
-              <a:rPr lang="de-DE" dirty="0" err="1">
-                <a:latin typeface="Calibri"/>
-              </a:rPr>
-              <a:t>origin</a:t>
+              <a:t>services</a:t>
             </a:r>
             <a:endParaRPr lang="de-DE" dirty="0">
               <a:latin typeface="Calibri"/>
             </a:endParaRPr>
           </a:p>
           <a:p>
-            <a:pPr lvl="1"/>
+            <a:pPr eaLnBrk="1" hangingPunct="1"/>
             <a:r>
               <a:rPr lang="de-DE" dirty="0" err="1">
                 <a:latin typeface="Calibri"/>
               </a:rPr>
-              <a:t>Protects</a:t>
+              <a:t>Perfect</a:t>
             </a:r>
             <a:r>
               <a:rPr lang="de-DE" dirty="0">
@@ -5520,7 +6203,7 @@
               <a:rPr lang="de-DE" dirty="0" err="1">
                 <a:latin typeface="Calibri"/>
               </a:rPr>
-              <a:t>against</a:t>
+              <a:t>forward</a:t>
             </a:r>
             <a:r>
               <a:rPr lang="de-DE" dirty="0">
@@ -5532,62 +6215,17 @@
               <a:rPr lang="de-DE" dirty="0" err="1">
                 <a:latin typeface="Calibri"/>
               </a:rPr>
-              <a:t>traffic</a:t>
-            </a:r>
-            <a:r>
-              <a:rPr lang="de-DE" dirty="0">
-                <a:latin typeface="Calibri"/>
-              </a:rPr>
-              <a:t> </a:t>
-            </a:r>
-            <a:r>
-              <a:rPr lang="de-DE" dirty="0" err="1">
-                <a:latin typeface="Calibri"/>
-              </a:rPr>
-              <a:t>analysis</a:t>
-            </a:r>
-            <a:r>
-              <a:rPr lang="de-DE" dirty="0">
-                <a:latin typeface="Calibri"/>
-              </a:rPr>
-              <a:t> </a:t>
-            </a:r>
-            <a:r>
-              <a:rPr lang="de-DE" dirty="0" err="1">
-                <a:latin typeface="Calibri"/>
-              </a:rPr>
-              <a:t>and</a:t>
-            </a:r>
-            <a:r>
-              <a:rPr lang="de-DE" dirty="0">
-                <a:latin typeface="Calibri"/>
-              </a:rPr>
-              <a:t> </a:t>
-            </a:r>
-            <a:r>
-              <a:rPr lang="de-DE" dirty="0" err="1">
-                <a:latin typeface="Calibri"/>
-              </a:rPr>
-              <a:t>network</a:t>
-            </a:r>
-            <a:r>
-              <a:rPr lang="de-DE" dirty="0">
-                <a:latin typeface="Calibri"/>
-              </a:rPr>
-              <a:t> </a:t>
-            </a:r>
-            <a:r>
-              <a:rPr lang="de-DE" dirty="0" err="1">
-                <a:latin typeface="Calibri"/>
-              </a:rPr>
-              <a:t>surveillance</a:t>
+              <a:t>secrecy</a:t>
             </a:r>
             <a:endParaRPr lang="de-DE" dirty="0">
               <a:latin typeface="Calibri"/>
             </a:endParaRPr>
           </a:p>
           <a:p>
-            <a:pPr eaLnBrk="1" hangingPunct="1"/>
+            <a:r>
+              <a:rPr lang="en-US" dirty="0"/>
+              <a:t>Usage of a standard proxy interface</a:t>
+            </a:r>
             <a:endParaRPr lang="de-DE" dirty="0">
               <a:latin typeface="Calibri"/>
             </a:endParaRPr>
@@ -5598,61 +6236,13 @@
               <a:rPr lang="de-DE" dirty="0">
                 <a:latin typeface="Calibri"/>
               </a:rPr>
-              <a:t>Major </a:t>
+              <a:t>Exit </a:t>
             </a:r>
             <a:r>
               <a:rPr lang="de-DE" dirty="0" err="1">
                 <a:latin typeface="Calibri"/>
               </a:rPr>
-              <a:t>improvements</a:t>
-            </a:r>
-            <a:r>
-              <a:rPr lang="de-DE" dirty="0">
-                <a:latin typeface="Calibri"/>
-              </a:rPr>
-              <a:t> </a:t>
-            </a:r>
-            <a:r>
-              <a:rPr lang="de-DE" dirty="0" err="1">
-                <a:latin typeface="Calibri"/>
-              </a:rPr>
-              <a:t>to</a:t>
-            </a:r>
-            <a:r>
-              <a:rPr lang="de-DE" dirty="0">
-                <a:latin typeface="Calibri"/>
-              </a:rPr>
-              <a:t> </a:t>
-            </a:r>
-            <a:r>
-              <a:rPr lang="de-DE" dirty="0" err="1">
-                <a:latin typeface="Calibri"/>
-              </a:rPr>
-              <a:t>the</a:t>
-            </a:r>
-            <a:r>
-              <a:rPr lang="de-DE" dirty="0">
-                <a:latin typeface="Calibri"/>
-              </a:rPr>
-              <a:t> original </a:t>
-            </a:r>
-            <a:r>
-              <a:rPr lang="de-DE" dirty="0" err="1">
-                <a:latin typeface="Calibri"/>
-              </a:rPr>
-              <a:t>onion</a:t>
-            </a:r>
-            <a:r>
-              <a:rPr lang="de-DE" dirty="0">
-                <a:latin typeface="Calibri"/>
-              </a:rPr>
-              <a:t> </a:t>
-            </a:r>
-            <a:r>
-              <a:rPr lang="de-DE" dirty="0" err="1">
-                <a:latin typeface="Calibri"/>
-              </a:rPr>
-              <a:t>routing</a:t>
+              <a:t>policies</a:t>
             </a:r>
             <a:endParaRPr lang="de-DE" dirty="0">
               <a:latin typeface="Calibri"/>
@@ -5660,224 +6250,32 @@
           </a:p>
           <a:p>
             <a:pPr eaLnBrk="1" hangingPunct="1"/>
-            <a:endParaRPr lang="de-DE" dirty="0">
-              <a:latin typeface="Calibri"/>
-            </a:endParaRPr>
-          </a:p>
-          <a:p>
-            <a:pPr eaLnBrk="1" hangingPunct="1"/>
-            <a:r>
-              <a:rPr lang="de-DE" dirty="0" err="1">
-                <a:latin typeface="Calibri"/>
-              </a:rPr>
-              <a:t>Highly</a:t>
-            </a:r>
             <a:r>
               <a:rPr lang="de-DE" dirty="0">
                 <a:latin typeface="Calibri"/>
               </a:rPr>
-              <a:t> </a:t>
-            </a:r>
-            <a:r>
-              <a:rPr lang="de-DE" dirty="0" err="1">
-                <a:latin typeface="Calibri"/>
-              </a:rPr>
-              <a:t>adapted</a:t>
-            </a:r>
-            <a:r>
-              <a:rPr lang="de-DE" dirty="0">
-                <a:latin typeface="Calibri"/>
-              </a:rPr>
-              <a:t> in </a:t>
-            </a:r>
-            <a:r>
-              <a:rPr lang="de-DE" dirty="0" err="1">
-                <a:latin typeface="Calibri"/>
-              </a:rPr>
-              <a:t>the</a:t>
-            </a:r>
-            <a:r>
-              <a:rPr lang="de-DE" dirty="0">
-                <a:latin typeface="Calibri"/>
-              </a:rPr>
-              <a:t> </a:t>
-            </a:r>
-            <a:r>
-              <a:rPr lang="de-DE" dirty="0" err="1">
-                <a:latin typeface="Calibri"/>
-              </a:rPr>
-              <a:t>world</a:t>
-            </a:r>
-            <a:r>
-              <a:rPr lang="de-DE" dirty="0">
-                <a:latin typeface="Calibri"/>
-              </a:rPr>
-              <a:t> </a:t>
-            </a:r>
-            <a:r>
-              <a:rPr lang="de-DE" dirty="0" err="1">
-                <a:latin typeface="Calibri"/>
-              </a:rPr>
-              <a:t>wide</a:t>
-            </a:r>
-            <a:r>
-              <a:rPr lang="de-DE" dirty="0">
-                <a:latin typeface="Calibri"/>
-              </a:rPr>
-              <a:t> web</a:t>
-            </a:r>
-          </a:p>
-          <a:p>
-            <a:pPr lvl="1"/>
-            <a:r>
-              <a:rPr lang="de-DE" dirty="0" err="1">
-                <a:latin typeface="Calibri"/>
-              </a:rPr>
-              <a:t>Currently</a:t>
-            </a:r>
-            <a:r>
-              <a:rPr lang="de-DE" dirty="0">
-                <a:latin typeface="Calibri"/>
-              </a:rPr>
-              <a:t> </a:t>
-            </a:r>
-            <a:r>
-              <a:rPr lang="de-DE" dirty="0" err="1">
-                <a:latin typeface="Calibri"/>
-              </a:rPr>
-              <a:t>round</a:t>
-            </a:r>
-            <a:r>
-              <a:rPr lang="de-DE" dirty="0">
-                <a:latin typeface="Calibri"/>
-              </a:rPr>
-              <a:t> </a:t>
-            </a:r>
-            <a:r>
-              <a:rPr lang="de-DE" dirty="0" err="1">
-                <a:latin typeface="Calibri"/>
-              </a:rPr>
-              <a:t>about</a:t>
-            </a:r>
-            <a:r>
-              <a:rPr lang="de-DE" dirty="0">
-                <a:latin typeface="Calibri"/>
-              </a:rPr>
-              <a:t> 2 </a:t>
-            </a:r>
-            <a:r>
-              <a:rPr lang="de-DE" dirty="0" err="1">
-                <a:latin typeface="Calibri"/>
-              </a:rPr>
-              <a:t>million</a:t>
-            </a:r>
-            <a:r>
-              <a:rPr lang="de-DE" dirty="0">
-                <a:latin typeface="Calibri"/>
-              </a:rPr>
-              <a:t> </a:t>
-            </a:r>
-            <a:r>
-              <a:rPr lang="de-DE" dirty="0" err="1">
-                <a:latin typeface="Calibri"/>
-              </a:rPr>
-              <a:t>users</a:t>
-            </a:r>
-            <a:endParaRPr lang="de-DE" dirty="0">
-              <a:latin typeface="Calibri"/>
-            </a:endParaRPr>
-          </a:p>
-          <a:p>
-            <a:pPr eaLnBrk="1" hangingPunct="1"/>
-            <a:endParaRPr lang="de-DE" dirty="0">
-              <a:latin typeface="Calibri"/>
-            </a:endParaRPr>
-          </a:p>
-          <a:p>
-            <a:r>
-              <a:rPr lang="de-DE" dirty="0"/>
-              <a:t>Support </a:t>
-            </a:r>
-            <a:r>
-              <a:rPr lang="de-DE" dirty="0" err="1"/>
-              <a:t>of</a:t>
-            </a:r>
-            <a:r>
-              <a:rPr lang="de-DE" dirty="0"/>
-              <a:t> </a:t>
-            </a:r>
-            <a:r>
-              <a:rPr lang="de-DE" dirty="0" err="1"/>
-              <a:t>privacy</a:t>
-            </a:r>
-            <a:r>
-              <a:rPr lang="de-DE" dirty="0"/>
-              <a:t> </a:t>
-            </a:r>
-            <a:r>
-              <a:rPr lang="de-DE" dirty="0" err="1"/>
-              <a:t>for</a:t>
-            </a:r>
-            <a:r>
-              <a:rPr lang="de-DE" dirty="0"/>
-              <a:t> </a:t>
-            </a:r>
-            <a:r>
-              <a:rPr lang="de-DE" dirty="0" err="1"/>
-              <a:t>everyone</a:t>
-            </a:r>
-            <a:r>
-              <a:rPr lang="de-DE" dirty="0"/>
-              <a:t>  vs. Potentia</a:t>
-            </a:r>
-            <a:r>
-              <a:rPr lang="de-DE" dirty="0">
-                <a:latin typeface="Calibri"/>
-              </a:rPr>
-              <a:t>l </a:t>
-            </a:r>
-            <a:r>
-              <a:rPr lang="de-DE" dirty="0" err="1">
-                <a:latin typeface="Calibri"/>
-              </a:rPr>
-              <a:t>criminal</a:t>
-            </a:r>
-            <a:r>
-              <a:rPr lang="de-DE" dirty="0">
-                <a:latin typeface="Calibri"/>
-              </a:rPr>
-              <a:t> </a:t>
-            </a:r>
-            <a:r>
-              <a:rPr lang="de-DE" dirty="0" err="1">
-                <a:latin typeface="Calibri"/>
-              </a:rPr>
-              <a:t>usage</a:t>
-            </a:r>
-            <a:endParaRPr lang="de-DE" dirty="0">
-              <a:latin typeface="Calibri"/>
-            </a:endParaRPr>
-          </a:p>
-          <a:p>
-            <a:pPr marL="0" indent="0">
-              <a:buNone/>
-            </a:pPr>
-            <a:endParaRPr lang="de-DE" dirty="0">
-              <a:latin typeface="Calibri"/>
-            </a:endParaRPr>
+              <a:t>…</a:t>
+            </a:r>
           </a:p>
         </p:txBody>
       </p:sp>
     </p:spTree>
     <p:extLst>
       <p:ext uri="{BB962C8B-B14F-4D97-AF65-F5344CB8AC3E}">
-        <p14:creationId xmlns:p14="http://schemas.microsoft.com/office/powerpoint/2010/main" val="3017450633"/>
+        <p14:creationId xmlns:p14="http://schemas.microsoft.com/office/powerpoint/2010/main" val="3255082760"/>
       </p:ext>
     </p:extLst>
   </p:cSld>
   <p:clrMapOvr>
     <a:masterClrMapping/>
   </p:clrMapOvr>
+  <p:timing>
+    <p:tnLst>
+      <p:par>
+        <p:cTn id="1" dur="indefinite" restart="never" nodeType="tmRoot"/>
+      </p:par>
+    </p:tnLst>
+  </p:timing>
 </p:sld>
 </file>
 
@@ -5915,6 +6313,1296 @@
           <a:p>
             <a:r>
               <a:rPr lang="de-DE" dirty="0"/>
+              <a:t>Status quo</a:t>
+            </a:r>
+            <a:endParaRPr lang="de-DE" dirty="0">
+              <a:latin typeface="Calibri"/>
+            </a:endParaRPr>
+          </a:p>
+        </p:txBody>
+      </p:sp>
+      <p:sp>
+        <p:nvSpPr>
+          <p:cNvPr id="12315" name="Rectangle 28"/>
+          <p:cNvSpPr>
+            <a:spLocks noGrp="1" noChangeArrowheads="1"/>
+          </p:cNvSpPr>
+          <p:nvPr>
+            <p:ph type="body" idx="1"/>
+          </p:nvPr>
+        </p:nvSpPr>
+        <p:spPr>
+          <a:xfrm>
+            <a:off x="457200" y="1219200"/>
+            <a:ext cx="8458200" cy="1066800"/>
+          </a:xfrm>
+        </p:spPr>
+        <p:txBody>
+          <a:bodyPr/>
+          <a:lstStyle/>
+          <a:p>
+            <a:pPr eaLnBrk="1" hangingPunct="1"/>
+            <a:endParaRPr lang="de-DE" dirty="0">
+              <a:latin typeface="Calibri"/>
+            </a:endParaRPr>
+          </a:p>
+          <a:p>
+            <a:pPr eaLnBrk="1" hangingPunct="1"/>
+            <a:r>
+              <a:rPr lang="de-DE" dirty="0" err="1">
+                <a:latin typeface="Calibri"/>
+              </a:rPr>
+              <a:t>Upsides</a:t>
+            </a:r>
+            <a:r>
+              <a:rPr lang="de-DE" dirty="0">
+                <a:latin typeface="Calibri"/>
+              </a:rPr>
+              <a:t>: </a:t>
+            </a:r>
+          </a:p>
+          <a:p>
+            <a:pPr lvl="1"/>
+            <a:r>
+              <a:rPr lang="de-DE" dirty="0" err="1"/>
+              <a:t>Protect</a:t>
+            </a:r>
+            <a:r>
+              <a:rPr lang="de-DE" dirty="0"/>
+              <a:t> </a:t>
+            </a:r>
+            <a:r>
+              <a:rPr lang="de-DE" dirty="0" err="1"/>
+              <a:t>your</a:t>
+            </a:r>
+            <a:r>
+              <a:rPr lang="de-DE" dirty="0"/>
+              <a:t> </a:t>
+            </a:r>
+            <a:r>
+              <a:rPr lang="de-DE" dirty="0" err="1"/>
+              <a:t>privacy</a:t>
+            </a:r>
+            <a:r>
+              <a:rPr lang="de-DE" dirty="0"/>
+              <a:t>, </a:t>
+            </a:r>
+            <a:r>
+              <a:rPr lang="de-DE" dirty="0" err="1"/>
+              <a:t>fight</a:t>
+            </a:r>
+            <a:r>
+              <a:rPr lang="de-DE" dirty="0"/>
+              <a:t> </a:t>
+            </a:r>
+            <a:r>
+              <a:rPr lang="de-DE" dirty="0" err="1"/>
+              <a:t>mass</a:t>
+            </a:r>
+            <a:r>
+              <a:rPr lang="de-DE" dirty="0"/>
+              <a:t> </a:t>
+            </a:r>
+            <a:r>
+              <a:rPr lang="de-DE" dirty="0" err="1"/>
+              <a:t>surveillance</a:t>
+            </a:r>
+            <a:r>
+              <a:rPr lang="de-DE" dirty="0"/>
+              <a:t>, </a:t>
+            </a:r>
+            <a:r>
+              <a:rPr lang="de-DE" dirty="0" err="1"/>
+              <a:t>circumvent</a:t>
+            </a:r>
+            <a:r>
+              <a:rPr lang="de-DE" dirty="0"/>
+              <a:t> </a:t>
+            </a:r>
+            <a:r>
+              <a:rPr lang="de-DE" dirty="0" err="1"/>
+              <a:t>censorship</a:t>
+            </a:r>
+            <a:endParaRPr lang="de-DE" dirty="0">
+              <a:latin typeface="Calibri"/>
+            </a:endParaRPr>
+          </a:p>
+          <a:p>
+            <a:pPr lvl="1"/>
+            <a:r>
+              <a:rPr lang="de-DE" dirty="0" err="1">
+                <a:latin typeface="Calibri"/>
+              </a:rPr>
+              <a:t>Used</a:t>
+            </a:r>
+            <a:r>
+              <a:rPr lang="de-DE" dirty="0">
+                <a:latin typeface="Calibri"/>
+              </a:rPr>
+              <a:t> </a:t>
+            </a:r>
+            <a:r>
+              <a:rPr lang="de-DE" dirty="0" err="1">
+                <a:latin typeface="Calibri"/>
+              </a:rPr>
+              <a:t>by</a:t>
+            </a:r>
+            <a:r>
+              <a:rPr lang="de-DE" dirty="0">
+                <a:latin typeface="Calibri"/>
+              </a:rPr>
+              <a:t> </a:t>
+            </a:r>
+            <a:r>
+              <a:rPr lang="de-DE" dirty="0" err="1">
+                <a:latin typeface="Calibri"/>
+              </a:rPr>
+              <a:t>businesses</a:t>
+            </a:r>
+            <a:r>
+              <a:rPr lang="de-DE" dirty="0">
+                <a:latin typeface="Calibri"/>
+              </a:rPr>
+              <a:t>, human </a:t>
+            </a:r>
+            <a:r>
+              <a:rPr lang="de-DE" dirty="0" err="1">
+                <a:latin typeface="Calibri"/>
+              </a:rPr>
+              <a:t>rights</a:t>
+            </a:r>
+            <a:r>
+              <a:rPr lang="de-DE" dirty="0">
+                <a:latin typeface="Calibri"/>
+              </a:rPr>
+              <a:t> </a:t>
+            </a:r>
+            <a:r>
+              <a:rPr lang="de-DE" dirty="0" err="1">
+                <a:latin typeface="Calibri"/>
+              </a:rPr>
+              <a:t>activists</a:t>
+            </a:r>
+            <a:r>
+              <a:rPr lang="de-DE" dirty="0">
+                <a:latin typeface="Calibri"/>
+              </a:rPr>
+              <a:t> </a:t>
+            </a:r>
+            <a:r>
+              <a:rPr lang="de-DE" dirty="0" err="1">
+                <a:latin typeface="Calibri"/>
+              </a:rPr>
+              <a:t>or</a:t>
+            </a:r>
+            <a:r>
+              <a:rPr lang="de-DE" dirty="0">
+                <a:latin typeface="Calibri"/>
+              </a:rPr>
+              <a:t> </a:t>
+            </a:r>
+            <a:r>
+              <a:rPr lang="de-DE" dirty="0" err="1">
+                <a:latin typeface="Calibri"/>
+              </a:rPr>
+              <a:t>whistleblowers</a:t>
+            </a:r>
+            <a:r>
+              <a:rPr lang="de-DE" dirty="0">
+                <a:latin typeface="Calibri"/>
+              </a:rPr>
+              <a:t>, </a:t>
+            </a:r>
+            <a:r>
+              <a:rPr lang="de-DE" dirty="0" err="1">
+                <a:latin typeface="Calibri"/>
+              </a:rPr>
+              <a:t>journalists</a:t>
+            </a:r>
+            <a:r>
+              <a:rPr lang="de-DE" dirty="0">
+                <a:latin typeface="Calibri"/>
+              </a:rPr>
+              <a:t>, …</a:t>
+            </a:r>
+          </a:p>
+          <a:p>
+            <a:endParaRPr lang="de-DE" dirty="0">
+              <a:latin typeface="Calibri"/>
+            </a:endParaRPr>
+          </a:p>
+          <a:p>
+            <a:r>
+              <a:rPr lang="de-DE" dirty="0" err="1">
+                <a:latin typeface="Calibri"/>
+              </a:rPr>
+              <a:t>Downsides</a:t>
+            </a:r>
+            <a:r>
+              <a:rPr lang="de-DE" dirty="0">
+                <a:latin typeface="Calibri"/>
+              </a:rPr>
+              <a:t>:</a:t>
+            </a:r>
+          </a:p>
+          <a:p>
+            <a:pPr lvl="1"/>
+            <a:r>
+              <a:rPr lang="de-DE" dirty="0">
+                <a:latin typeface="Calibri"/>
+              </a:rPr>
+              <a:t>Non-legal </a:t>
+            </a:r>
+            <a:r>
+              <a:rPr lang="de-DE" dirty="0" err="1">
+                <a:latin typeface="Calibri"/>
+              </a:rPr>
+              <a:t>marketplaces</a:t>
+            </a:r>
+            <a:r>
+              <a:rPr lang="de-DE" dirty="0">
+                <a:latin typeface="Calibri"/>
+              </a:rPr>
+              <a:t> like </a:t>
+            </a:r>
+            <a:r>
+              <a:rPr lang="de-DE" dirty="0" err="1">
+                <a:latin typeface="Calibri"/>
+              </a:rPr>
+              <a:t>SilkRoad</a:t>
+            </a:r>
+            <a:r>
+              <a:rPr lang="de-DE" dirty="0">
+                <a:latin typeface="Calibri"/>
+              </a:rPr>
+              <a:t> </a:t>
+            </a:r>
+          </a:p>
+          <a:p>
+            <a:pPr lvl="1"/>
+            <a:r>
+              <a:rPr lang="de-DE" dirty="0">
+                <a:latin typeface="Calibri"/>
+              </a:rPr>
+              <a:t>Command &amp; </a:t>
+            </a:r>
+            <a:r>
+              <a:rPr lang="de-DE" dirty="0" err="1">
+                <a:latin typeface="Calibri"/>
+              </a:rPr>
+              <a:t>control</a:t>
+            </a:r>
+            <a:r>
+              <a:rPr lang="de-DE" dirty="0">
+                <a:latin typeface="Calibri"/>
+              </a:rPr>
+              <a:t> </a:t>
+            </a:r>
+            <a:r>
+              <a:rPr lang="de-DE" dirty="0" err="1">
+                <a:latin typeface="Calibri"/>
+              </a:rPr>
+              <a:t>server</a:t>
+            </a:r>
+            <a:r>
+              <a:rPr lang="de-DE" dirty="0">
+                <a:latin typeface="Calibri"/>
+              </a:rPr>
+              <a:t> </a:t>
+            </a:r>
+            <a:r>
+              <a:rPr lang="de-DE" dirty="0" err="1">
+                <a:latin typeface="Calibri"/>
+              </a:rPr>
+              <a:t>for</a:t>
+            </a:r>
+            <a:r>
+              <a:rPr lang="de-DE" dirty="0">
+                <a:latin typeface="Calibri"/>
+              </a:rPr>
+              <a:t> </a:t>
+            </a:r>
+            <a:r>
+              <a:rPr lang="de-DE" dirty="0" err="1">
+                <a:latin typeface="Calibri"/>
+              </a:rPr>
+              <a:t>botnets</a:t>
+            </a:r>
+            <a:endParaRPr lang="de-DE" dirty="0">
+              <a:latin typeface="Calibri"/>
+            </a:endParaRPr>
+          </a:p>
+          <a:p>
+            <a:endParaRPr lang="de-DE" dirty="0">
+              <a:latin typeface="Calibri"/>
+            </a:endParaRPr>
+          </a:p>
+          <a:p>
+            <a:r>
+              <a:rPr lang="de-DE" dirty="0" err="1">
+                <a:latin typeface="Calibri"/>
+              </a:rPr>
+              <a:t>Influence</a:t>
+            </a:r>
+            <a:r>
+              <a:rPr lang="de-DE" dirty="0">
+                <a:latin typeface="Calibri"/>
+              </a:rPr>
+              <a:t> </a:t>
+            </a:r>
+            <a:r>
+              <a:rPr lang="de-DE" dirty="0" err="1">
+                <a:latin typeface="Calibri"/>
+              </a:rPr>
+              <a:t>of</a:t>
+            </a:r>
+            <a:r>
+              <a:rPr lang="de-DE" dirty="0">
+                <a:latin typeface="Calibri"/>
+              </a:rPr>
+              <a:t> </a:t>
+            </a:r>
+            <a:r>
+              <a:rPr lang="de-DE" dirty="0" err="1">
+                <a:latin typeface="Calibri"/>
+              </a:rPr>
+              <a:t>the</a:t>
+            </a:r>
+            <a:r>
+              <a:rPr lang="de-DE" dirty="0">
+                <a:latin typeface="Calibri"/>
+              </a:rPr>
+              <a:t> </a:t>
+            </a:r>
+            <a:r>
+              <a:rPr lang="de-DE" dirty="0" err="1">
+                <a:latin typeface="Calibri"/>
+              </a:rPr>
+              <a:t>paper</a:t>
+            </a:r>
+            <a:endParaRPr lang="de-DE" dirty="0">
+              <a:latin typeface="Calibri"/>
+            </a:endParaRPr>
+          </a:p>
+          <a:p>
+            <a:pPr lvl="1"/>
+            <a:r>
+              <a:rPr lang="de-DE" dirty="0" err="1">
+                <a:latin typeface="Calibri"/>
+              </a:rPr>
+              <a:t>Cited</a:t>
+            </a:r>
+            <a:r>
+              <a:rPr lang="de-DE" dirty="0">
+                <a:latin typeface="Calibri"/>
+              </a:rPr>
+              <a:t> </a:t>
+            </a:r>
+            <a:r>
+              <a:rPr lang="de-DE" dirty="0" err="1">
+                <a:latin typeface="Calibri"/>
+              </a:rPr>
+              <a:t>more</a:t>
+            </a:r>
+            <a:r>
+              <a:rPr lang="de-DE" dirty="0">
+                <a:latin typeface="Calibri"/>
+              </a:rPr>
+              <a:t> </a:t>
+            </a:r>
+            <a:r>
+              <a:rPr lang="de-DE" dirty="0" err="1">
+                <a:latin typeface="Calibri"/>
+              </a:rPr>
+              <a:t>than</a:t>
+            </a:r>
+            <a:r>
+              <a:rPr lang="de-DE" dirty="0">
+                <a:latin typeface="Calibri"/>
+              </a:rPr>
+              <a:t> 3000 </a:t>
+            </a:r>
+            <a:r>
+              <a:rPr lang="de-DE" dirty="0" err="1">
+                <a:latin typeface="Calibri"/>
+              </a:rPr>
+              <a:t>times</a:t>
+            </a:r>
+            <a:endParaRPr lang="de-DE" dirty="0">
+              <a:latin typeface="Calibri"/>
+            </a:endParaRPr>
+          </a:p>
+          <a:p>
+            <a:pPr lvl="1"/>
+            <a:r>
+              <a:rPr lang="de-DE" dirty="0">
+                <a:latin typeface="Calibri"/>
+              </a:rPr>
+              <a:t>Tor </a:t>
+            </a:r>
+            <a:r>
+              <a:rPr lang="de-DE" dirty="0" err="1">
+                <a:latin typeface="Calibri"/>
+              </a:rPr>
+              <a:t>is</a:t>
+            </a:r>
+            <a:r>
+              <a:rPr lang="de-DE" dirty="0">
+                <a:latin typeface="Calibri"/>
+              </a:rPr>
+              <a:t> </a:t>
+            </a:r>
+            <a:r>
+              <a:rPr lang="de-DE" dirty="0" err="1">
+                <a:latin typeface="Calibri"/>
+              </a:rPr>
+              <a:t>currently</a:t>
+            </a:r>
+            <a:r>
+              <a:rPr lang="de-DE" dirty="0">
+                <a:latin typeface="Calibri"/>
+              </a:rPr>
+              <a:t> </a:t>
+            </a:r>
+            <a:r>
+              <a:rPr lang="de-DE" dirty="0" err="1">
+                <a:latin typeface="Calibri"/>
+              </a:rPr>
+              <a:t>used</a:t>
+            </a:r>
+            <a:r>
+              <a:rPr lang="de-DE" dirty="0">
+                <a:latin typeface="Calibri"/>
+              </a:rPr>
+              <a:t> </a:t>
+            </a:r>
+            <a:r>
+              <a:rPr lang="de-DE" dirty="0" err="1">
+                <a:latin typeface="Calibri"/>
+              </a:rPr>
+              <a:t>by</a:t>
+            </a:r>
+            <a:r>
+              <a:rPr lang="de-DE" dirty="0">
+                <a:latin typeface="Calibri"/>
+              </a:rPr>
+              <a:t> </a:t>
+            </a:r>
+            <a:r>
+              <a:rPr lang="de-DE" dirty="0" err="1">
+                <a:latin typeface="Calibri"/>
+              </a:rPr>
+              <a:t>round</a:t>
+            </a:r>
+            <a:r>
+              <a:rPr lang="de-DE" dirty="0">
+                <a:latin typeface="Calibri"/>
+              </a:rPr>
+              <a:t> </a:t>
+            </a:r>
+            <a:r>
+              <a:rPr lang="de-DE" dirty="0" err="1">
+                <a:latin typeface="Calibri"/>
+              </a:rPr>
+              <a:t>about</a:t>
+            </a:r>
+            <a:r>
+              <a:rPr lang="de-DE" dirty="0">
+                <a:latin typeface="Calibri"/>
+              </a:rPr>
+              <a:t> 2 </a:t>
+            </a:r>
+            <a:r>
+              <a:rPr lang="de-DE" dirty="0" err="1">
+                <a:latin typeface="Calibri"/>
+              </a:rPr>
+              <a:t>million</a:t>
+            </a:r>
+            <a:r>
+              <a:rPr lang="de-DE" dirty="0">
+                <a:latin typeface="Calibri"/>
+              </a:rPr>
+              <a:t> </a:t>
+            </a:r>
+            <a:r>
+              <a:rPr lang="de-DE" dirty="0" err="1">
+                <a:latin typeface="Calibri"/>
+              </a:rPr>
+              <a:t>users</a:t>
+            </a:r>
+            <a:endParaRPr lang="de-DE" dirty="0">
+              <a:latin typeface="Calibri"/>
+            </a:endParaRPr>
+          </a:p>
+        </p:txBody>
+      </p:sp>
+    </p:spTree>
+    <p:extLst>
+      <p:ext uri="{BB962C8B-B14F-4D97-AF65-F5344CB8AC3E}">
+        <p14:creationId xmlns:p14="http://schemas.microsoft.com/office/powerpoint/2010/main" val="2923737226"/>
+      </p:ext>
+    </p:extLst>
+  </p:cSld>
+  <p:clrMapOvr>
+    <a:masterClrMapping/>
+  </p:clrMapOvr>
+  <p:timing>
+    <p:tnLst>
+      <p:par>
+        <p:cTn id="1" dur="indefinite" restart="never" nodeType="tmRoot"/>
+      </p:par>
+    </p:tnLst>
+  </p:timing>
+</p:sld>
+</file>
+
+<file path=ppt/slides/slide12.xml><?xml version="1.0" encoding="utf-8"?>
+<p:sld xmlns:a="http://schemas.openxmlformats.org/drawingml/2006/main" xmlns:r="http://schemas.openxmlformats.org/officeDocument/2006/relationships" xmlns:p="http://schemas.openxmlformats.org/presentationml/2006/main">
+  <p:cSld>
+    <p:spTree>
+      <p:nvGrpSpPr>
+        <p:cNvPr id="1" name=""/>
+        <p:cNvGrpSpPr/>
+        <p:nvPr/>
+      </p:nvGrpSpPr>
+      <p:grpSpPr>
+        <a:xfrm>
+          <a:off x="0" y="0"/>
+          <a:ext cx="0" cy="0"/>
+          <a:chOff x="0" y="0"/>
+          <a:chExt cx="0" cy="0"/>
+        </a:xfrm>
+      </p:grpSpPr>
+      <p:sp>
+        <p:nvSpPr>
+          <p:cNvPr id="12290" name="Rectangle 3"/>
+          <p:cNvSpPr>
+            <a:spLocks noGrp="1" noChangeArrowheads="1"/>
+          </p:cNvSpPr>
+          <p:nvPr>
+            <p:ph type="title"/>
+          </p:nvPr>
+        </p:nvSpPr>
+        <p:spPr/>
+        <p:txBody>
+          <a:bodyPr/>
+          <a:lstStyle/>
+          <a:p>
+            <a:r>
+              <a:rPr lang="de-DE" dirty="0"/>
+              <a:t>Status quo</a:t>
+            </a:r>
+            <a:endParaRPr lang="de-DE" dirty="0">
+              <a:latin typeface="Calibri"/>
+            </a:endParaRPr>
+          </a:p>
+        </p:txBody>
+      </p:sp>
+      <p:pic>
+        <p:nvPicPr>
+          <p:cNvPr id="2" name="Grafik 1"/>
+          <p:cNvPicPr>
+            <a:picLocks noChangeAspect="1"/>
+          </p:cNvPicPr>
+          <p:nvPr/>
+        </p:nvPicPr>
+        <p:blipFill>
+          <a:blip r:embed="rId3">
+            <a:extLst>
+              <a:ext uri="{96DAC541-7B7A-43D3-8B79-37D633B846F1}">
+                <asvg:svgBlip xmlns:asvg="http://schemas.microsoft.com/office/drawing/2016/SVG/main" xmlns="" r:embed="rId4"/>
+              </a:ext>
+            </a:extLst>
+          </a:blip>
+          <a:stretch>
+            <a:fillRect/>
+          </a:stretch>
+        </p:blipFill>
+        <p:spPr>
+          <a:xfrm>
+            <a:off x="179512" y="1340768"/>
+            <a:ext cx="8204448" cy="5127780"/>
+          </a:xfrm>
+          <a:prstGeom prst="rect">
+            <a:avLst/>
+          </a:prstGeom>
+        </p:spPr>
+      </p:pic>
+    </p:spTree>
+    <p:extLst>
+      <p:ext uri="{BB962C8B-B14F-4D97-AF65-F5344CB8AC3E}">
+        <p14:creationId xmlns:p14="http://schemas.microsoft.com/office/powerpoint/2010/main" val="713447161"/>
+      </p:ext>
+    </p:extLst>
+  </p:cSld>
+  <p:clrMapOvr>
+    <a:masterClrMapping/>
+  </p:clrMapOvr>
+  <p:timing>
+    <p:tnLst>
+      <p:par>
+        <p:cTn id="1" dur="indefinite" restart="never" nodeType="tmRoot"/>
+      </p:par>
+    </p:tnLst>
+  </p:timing>
+</p:sld>
+</file>
+
+<file path=ppt/slides/slide13.xml><?xml version="1.0" encoding="utf-8"?>
+<p:sld xmlns:a="http://schemas.openxmlformats.org/drawingml/2006/main" xmlns:r="http://schemas.openxmlformats.org/officeDocument/2006/relationships" xmlns:p="http://schemas.openxmlformats.org/presentationml/2006/main">
+  <p:cSld>
+    <p:spTree>
+      <p:nvGrpSpPr>
+        <p:cNvPr id="1" name=""/>
+        <p:cNvGrpSpPr/>
+        <p:nvPr/>
+      </p:nvGrpSpPr>
+      <p:grpSpPr>
+        <a:xfrm>
+          <a:off x="0" y="0"/>
+          <a:ext cx="0" cy="0"/>
+          <a:chOff x="0" y="0"/>
+          <a:chExt cx="0" cy="0"/>
+        </a:xfrm>
+      </p:grpSpPr>
+      <p:sp>
+        <p:nvSpPr>
+          <p:cNvPr id="12290" name="Rectangle 3"/>
+          <p:cNvSpPr>
+            <a:spLocks noGrp="1" noChangeArrowheads="1"/>
+          </p:cNvSpPr>
+          <p:nvPr>
+            <p:ph type="title"/>
+          </p:nvPr>
+        </p:nvSpPr>
+        <p:spPr/>
+        <p:txBody>
+          <a:bodyPr/>
+          <a:lstStyle/>
+          <a:p>
+            <a:r>
+              <a:rPr lang="de-DE" dirty="0" err="1"/>
+              <a:t>Conclusion</a:t>
+            </a:r>
+            <a:endParaRPr lang="de-DE" dirty="0">
+              <a:latin typeface="Calibri"/>
+            </a:endParaRPr>
+          </a:p>
+        </p:txBody>
+      </p:sp>
+      <p:sp>
+        <p:nvSpPr>
+          <p:cNvPr id="12315" name="Rectangle 28"/>
+          <p:cNvSpPr>
+            <a:spLocks noGrp="1" noChangeArrowheads="1"/>
+          </p:cNvSpPr>
+          <p:nvPr>
+            <p:ph type="body" idx="1"/>
+          </p:nvPr>
+        </p:nvSpPr>
+        <p:spPr>
+          <a:xfrm>
+            <a:off x="457200" y="1219200"/>
+            <a:ext cx="8458200" cy="5162128"/>
+          </a:xfrm>
+        </p:spPr>
+        <p:txBody>
+          <a:bodyPr/>
+          <a:lstStyle/>
+          <a:p>
+            <a:pPr eaLnBrk="1" hangingPunct="1"/>
+            <a:endParaRPr lang="de-DE" dirty="0">
+              <a:latin typeface="Calibri"/>
+            </a:endParaRPr>
+          </a:p>
+          <a:p>
+            <a:pPr eaLnBrk="1" hangingPunct="1"/>
+            <a:r>
+              <a:rPr lang="de-DE" dirty="0" err="1">
+                <a:latin typeface="Calibri"/>
+              </a:rPr>
+              <a:t>Based</a:t>
+            </a:r>
+            <a:r>
+              <a:rPr lang="de-DE" dirty="0">
+                <a:latin typeface="Calibri"/>
+              </a:rPr>
+              <a:t> on Mixed-Nets </a:t>
+            </a:r>
+            <a:r>
+              <a:rPr lang="de-DE" dirty="0" err="1">
+                <a:latin typeface="Calibri"/>
+              </a:rPr>
+              <a:t>and</a:t>
+            </a:r>
+            <a:r>
+              <a:rPr lang="de-DE" dirty="0">
+                <a:latin typeface="Calibri"/>
+              </a:rPr>
+              <a:t> </a:t>
+            </a:r>
+            <a:r>
+              <a:rPr lang="de-DE" dirty="0" err="1">
+                <a:latin typeface="Calibri"/>
+              </a:rPr>
+              <a:t>onion</a:t>
+            </a:r>
+            <a:r>
+              <a:rPr lang="de-DE" dirty="0">
+                <a:latin typeface="Calibri"/>
+              </a:rPr>
+              <a:t> </a:t>
+            </a:r>
+            <a:r>
+              <a:rPr lang="de-DE" dirty="0" err="1">
+                <a:latin typeface="Calibri"/>
+              </a:rPr>
+              <a:t>routing</a:t>
+            </a:r>
+            <a:endParaRPr lang="de-DE" dirty="0">
+              <a:latin typeface="Calibri"/>
+            </a:endParaRPr>
+          </a:p>
+          <a:p>
+            <a:pPr lvl="1"/>
+            <a:r>
+              <a:rPr lang="de-DE" dirty="0" err="1">
+                <a:latin typeface="Calibri"/>
+              </a:rPr>
+              <a:t>Uses</a:t>
+            </a:r>
+            <a:r>
+              <a:rPr lang="de-DE" dirty="0">
+                <a:latin typeface="Calibri"/>
+              </a:rPr>
+              <a:t> </a:t>
+            </a:r>
+            <a:r>
+              <a:rPr lang="de-DE" dirty="0" err="1">
+                <a:latin typeface="Calibri"/>
+              </a:rPr>
+              <a:t>layered</a:t>
+            </a:r>
+            <a:r>
+              <a:rPr lang="de-DE" dirty="0">
+                <a:latin typeface="Calibri"/>
+              </a:rPr>
+              <a:t> </a:t>
+            </a:r>
+            <a:r>
+              <a:rPr lang="de-DE" dirty="0" err="1">
+                <a:latin typeface="Calibri"/>
+              </a:rPr>
+              <a:t>encryption</a:t>
+            </a:r>
+            <a:r>
+              <a:rPr lang="de-DE" dirty="0">
+                <a:latin typeface="Calibri"/>
+              </a:rPr>
+              <a:t> </a:t>
+            </a:r>
+            <a:r>
+              <a:rPr lang="de-DE" dirty="0" err="1">
+                <a:latin typeface="Calibri"/>
+              </a:rPr>
+              <a:t>to</a:t>
+            </a:r>
+            <a:r>
+              <a:rPr lang="de-DE" dirty="0">
+                <a:latin typeface="Calibri"/>
+              </a:rPr>
+              <a:t> </a:t>
+            </a:r>
+            <a:r>
+              <a:rPr lang="de-DE" dirty="0" err="1">
+                <a:latin typeface="Calibri"/>
+              </a:rPr>
+              <a:t>hide</a:t>
+            </a:r>
+            <a:r>
+              <a:rPr lang="de-DE" dirty="0">
+                <a:latin typeface="Calibri"/>
+              </a:rPr>
+              <a:t> </a:t>
+            </a:r>
+            <a:r>
+              <a:rPr lang="de-DE" dirty="0" err="1">
+                <a:latin typeface="Calibri"/>
+              </a:rPr>
+              <a:t>the</a:t>
+            </a:r>
+            <a:r>
+              <a:rPr lang="de-DE" dirty="0">
+                <a:latin typeface="Calibri"/>
+              </a:rPr>
+              <a:t> </a:t>
+            </a:r>
+            <a:r>
+              <a:rPr lang="de-DE" dirty="0" err="1">
+                <a:latin typeface="Calibri"/>
+              </a:rPr>
+              <a:t>message</a:t>
+            </a:r>
+            <a:r>
+              <a:rPr lang="de-DE" dirty="0">
+                <a:latin typeface="Calibri"/>
+              </a:rPr>
+              <a:t> </a:t>
+            </a:r>
+            <a:r>
+              <a:rPr lang="de-DE" dirty="0" err="1">
+                <a:latin typeface="Calibri"/>
+              </a:rPr>
+              <a:t>destination</a:t>
+            </a:r>
+            <a:r>
+              <a:rPr lang="de-DE" dirty="0">
+                <a:latin typeface="Calibri"/>
+              </a:rPr>
+              <a:t> </a:t>
+            </a:r>
+            <a:r>
+              <a:rPr lang="de-DE" dirty="0" err="1">
+                <a:latin typeface="Calibri"/>
+              </a:rPr>
+              <a:t>and</a:t>
+            </a:r>
+            <a:r>
+              <a:rPr lang="de-DE" dirty="0">
+                <a:latin typeface="Calibri"/>
+              </a:rPr>
+              <a:t> </a:t>
+            </a:r>
+            <a:r>
+              <a:rPr lang="de-DE" dirty="0" err="1">
+                <a:latin typeface="Calibri"/>
+              </a:rPr>
+              <a:t>origin</a:t>
+            </a:r>
+            <a:endParaRPr lang="de-DE" dirty="0">
+              <a:latin typeface="Calibri"/>
+            </a:endParaRPr>
+          </a:p>
+          <a:p>
+            <a:pPr lvl="1"/>
+            <a:r>
+              <a:rPr lang="de-DE" dirty="0" err="1">
+                <a:latin typeface="Calibri"/>
+              </a:rPr>
+              <a:t>Protects</a:t>
+            </a:r>
+            <a:r>
+              <a:rPr lang="de-DE" dirty="0">
+                <a:latin typeface="Calibri"/>
+              </a:rPr>
+              <a:t> </a:t>
+            </a:r>
+            <a:r>
+              <a:rPr lang="de-DE" dirty="0" err="1">
+                <a:latin typeface="Calibri"/>
+              </a:rPr>
+              <a:t>against</a:t>
+            </a:r>
+            <a:r>
+              <a:rPr lang="de-DE" dirty="0">
+                <a:latin typeface="Calibri"/>
+              </a:rPr>
+              <a:t> </a:t>
+            </a:r>
+            <a:r>
+              <a:rPr lang="de-DE" dirty="0" err="1">
+                <a:latin typeface="Calibri"/>
+              </a:rPr>
+              <a:t>traffic</a:t>
+            </a:r>
+            <a:r>
+              <a:rPr lang="de-DE" dirty="0">
+                <a:latin typeface="Calibri"/>
+              </a:rPr>
+              <a:t> </a:t>
+            </a:r>
+            <a:r>
+              <a:rPr lang="de-DE" dirty="0" err="1">
+                <a:latin typeface="Calibri"/>
+              </a:rPr>
+              <a:t>analysis</a:t>
+            </a:r>
+            <a:r>
+              <a:rPr lang="de-DE" dirty="0">
+                <a:latin typeface="Calibri"/>
+              </a:rPr>
+              <a:t> </a:t>
+            </a:r>
+            <a:r>
+              <a:rPr lang="de-DE" dirty="0" err="1">
+                <a:latin typeface="Calibri"/>
+              </a:rPr>
+              <a:t>and</a:t>
+            </a:r>
+            <a:r>
+              <a:rPr lang="de-DE" dirty="0">
+                <a:latin typeface="Calibri"/>
+              </a:rPr>
+              <a:t> </a:t>
+            </a:r>
+            <a:r>
+              <a:rPr lang="de-DE" dirty="0" err="1">
+                <a:latin typeface="Calibri"/>
+              </a:rPr>
+              <a:t>network</a:t>
+            </a:r>
+            <a:r>
+              <a:rPr lang="de-DE" dirty="0">
+                <a:latin typeface="Calibri"/>
+              </a:rPr>
+              <a:t> </a:t>
+            </a:r>
+            <a:r>
+              <a:rPr lang="de-DE" dirty="0" err="1">
+                <a:latin typeface="Calibri"/>
+              </a:rPr>
+              <a:t>surveillance</a:t>
+            </a:r>
+            <a:endParaRPr lang="de-DE" dirty="0">
+              <a:latin typeface="Calibri"/>
+            </a:endParaRPr>
+          </a:p>
+          <a:p>
+            <a:pPr eaLnBrk="1" hangingPunct="1"/>
+            <a:endParaRPr lang="de-DE" dirty="0">
+              <a:latin typeface="Calibri"/>
+            </a:endParaRPr>
+          </a:p>
+          <a:p>
+            <a:pPr eaLnBrk="1" hangingPunct="1"/>
+            <a:r>
+              <a:rPr lang="de-DE" dirty="0">
+                <a:latin typeface="Calibri"/>
+              </a:rPr>
+              <a:t>Major </a:t>
+            </a:r>
+            <a:r>
+              <a:rPr lang="de-DE" dirty="0" err="1">
+                <a:latin typeface="Calibri"/>
+              </a:rPr>
+              <a:t>improvements</a:t>
+            </a:r>
+            <a:r>
+              <a:rPr lang="de-DE" dirty="0">
+                <a:latin typeface="Calibri"/>
+              </a:rPr>
+              <a:t> </a:t>
+            </a:r>
+            <a:r>
+              <a:rPr lang="de-DE" dirty="0" err="1">
+                <a:latin typeface="Calibri"/>
+              </a:rPr>
+              <a:t>to</a:t>
+            </a:r>
+            <a:r>
+              <a:rPr lang="de-DE" dirty="0">
+                <a:latin typeface="Calibri"/>
+              </a:rPr>
+              <a:t> </a:t>
+            </a:r>
+            <a:r>
+              <a:rPr lang="de-DE" dirty="0" err="1">
+                <a:latin typeface="Calibri"/>
+              </a:rPr>
+              <a:t>the</a:t>
+            </a:r>
+            <a:r>
+              <a:rPr lang="de-DE" dirty="0">
+                <a:latin typeface="Calibri"/>
+              </a:rPr>
+              <a:t> original </a:t>
+            </a:r>
+            <a:r>
+              <a:rPr lang="de-DE" dirty="0" err="1">
+                <a:latin typeface="Calibri"/>
+              </a:rPr>
+              <a:t>onion</a:t>
+            </a:r>
+            <a:r>
+              <a:rPr lang="de-DE" dirty="0">
+                <a:latin typeface="Calibri"/>
+              </a:rPr>
+              <a:t> </a:t>
+            </a:r>
+            <a:r>
+              <a:rPr lang="de-DE" dirty="0" err="1">
+                <a:latin typeface="Calibri"/>
+              </a:rPr>
+              <a:t>routing</a:t>
+            </a:r>
+            <a:endParaRPr lang="de-DE" dirty="0">
+              <a:latin typeface="Calibri"/>
+            </a:endParaRPr>
+          </a:p>
+          <a:p>
+            <a:pPr eaLnBrk="1" hangingPunct="1"/>
+            <a:endParaRPr lang="de-DE" dirty="0">
+              <a:latin typeface="Calibri"/>
+            </a:endParaRPr>
+          </a:p>
+          <a:p>
+            <a:pPr eaLnBrk="1" hangingPunct="1"/>
+            <a:r>
+              <a:rPr lang="de-DE" dirty="0" err="1">
+                <a:latin typeface="Calibri"/>
+              </a:rPr>
+              <a:t>Highly</a:t>
+            </a:r>
+            <a:r>
+              <a:rPr lang="de-DE" dirty="0">
+                <a:latin typeface="Calibri"/>
+              </a:rPr>
+              <a:t> </a:t>
+            </a:r>
+            <a:r>
+              <a:rPr lang="de-DE" dirty="0" err="1">
+                <a:latin typeface="Calibri"/>
+              </a:rPr>
+              <a:t>adapted</a:t>
+            </a:r>
+            <a:r>
+              <a:rPr lang="de-DE" dirty="0">
+                <a:latin typeface="Calibri"/>
+              </a:rPr>
+              <a:t> in </a:t>
+            </a:r>
+            <a:r>
+              <a:rPr lang="de-DE" dirty="0" err="1">
+                <a:latin typeface="Calibri"/>
+              </a:rPr>
+              <a:t>the</a:t>
+            </a:r>
+            <a:r>
+              <a:rPr lang="de-DE" dirty="0">
+                <a:latin typeface="Calibri"/>
+              </a:rPr>
+              <a:t> </a:t>
+            </a:r>
+            <a:r>
+              <a:rPr lang="de-DE" dirty="0" err="1">
+                <a:latin typeface="Calibri"/>
+              </a:rPr>
+              <a:t>world</a:t>
+            </a:r>
+            <a:r>
+              <a:rPr lang="de-DE" dirty="0">
+                <a:latin typeface="Calibri"/>
+              </a:rPr>
+              <a:t> </a:t>
+            </a:r>
+            <a:r>
+              <a:rPr lang="de-DE" dirty="0" err="1">
+                <a:latin typeface="Calibri"/>
+              </a:rPr>
+              <a:t>wide</a:t>
+            </a:r>
+            <a:r>
+              <a:rPr lang="de-DE" dirty="0">
+                <a:latin typeface="Calibri"/>
+              </a:rPr>
+              <a:t> web</a:t>
+            </a:r>
+          </a:p>
+          <a:p>
+            <a:pPr lvl="1"/>
+            <a:r>
+              <a:rPr lang="de-DE" dirty="0" err="1">
+                <a:latin typeface="Calibri"/>
+              </a:rPr>
+              <a:t>Currently</a:t>
+            </a:r>
+            <a:r>
+              <a:rPr lang="de-DE" dirty="0">
+                <a:latin typeface="Calibri"/>
+              </a:rPr>
+              <a:t> </a:t>
+            </a:r>
+            <a:r>
+              <a:rPr lang="de-DE" dirty="0" err="1">
+                <a:latin typeface="Calibri"/>
+              </a:rPr>
+              <a:t>round</a:t>
+            </a:r>
+            <a:r>
+              <a:rPr lang="de-DE" dirty="0">
+                <a:latin typeface="Calibri"/>
+              </a:rPr>
+              <a:t> </a:t>
+            </a:r>
+            <a:r>
+              <a:rPr lang="de-DE" dirty="0" err="1">
+                <a:latin typeface="Calibri"/>
+              </a:rPr>
+              <a:t>about</a:t>
+            </a:r>
+            <a:r>
+              <a:rPr lang="de-DE" dirty="0">
+                <a:latin typeface="Calibri"/>
+              </a:rPr>
+              <a:t> 2 </a:t>
+            </a:r>
+            <a:r>
+              <a:rPr lang="de-DE" dirty="0" err="1">
+                <a:latin typeface="Calibri"/>
+              </a:rPr>
+              <a:t>million</a:t>
+            </a:r>
+            <a:r>
+              <a:rPr lang="de-DE" dirty="0">
+                <a:latin typeface="Calibri"/>
+              </a:rPr>
+              <a:t> </a:t>
+            </a:r>
+            <a:r>
+              <a:rPr lang="de-DE" dirty="0" err="1">
+                <a:latin typeface="Calibri"/>
+              </a:rPr>
+              <a:t>users</a:t>
+            </a:r>
+            <a:endParaRPr lang="de-DE" dirty="0">
+              <a:latin typeface="Calibri"/>
+            </a:endParaRPr>
+          </a:p>
+          <a:p>
+            <a:pPr eaLnBrk="1" hangingPunct="1"/>
+            <a:endParaRPr lang="de-DE" dirty="0">
+              <a:latin typeface="Calibri"/>
+            </a:endParaRPr>
+          </a:p>
+          <a:p>
+            <a:r>
+              <a:rPr lang="de-DE" dirty="0"/>
+              <a:t>Support </a:t>
+            </a:r>
+            <a:r>
+              <a:rPr lang="de-DE" dirty="0" err="1"/>
+              <a:t>of</a:t>
+            </a:r>
+            <a:r>
+              <a:rPr lang="de-DE" dirty="0"/>
+              <a:t> </a:t>
+            </a:r>
+            <a:r>
+              <a:rPr lang="de-DE" dirty="0" err="1"/>
+              <a:t>privacy</a:t>
+            </a:r>
+            <a:r>
+              <a:rPr lang="de-DE" dirty="0"/>
+              <a:t> </a:t>
+            </a:r>
+            <a:r>
+              <a:rPr lang="de-DE" dirty="0" err="1"/>
+              <a:t>for</a:t>
+            </a:r>
+            <a:r>
+              <a:rPr lang="de-DE" dirty="0"/>
+              <a:t> </a:t>
+            </a:r>
+            <a:r>
+              <a:rPr lang="de-DE" dirty="0" err="1"/>
+              <a:t>everyone</a:t>
+            </a:r>
+            <a:r>
+              <a:rPr lang="de-DE" dirty="0"/>
+              <a:t>  vs. Potentia</a:t>
+            </a:r>
+            <a:r>
+              <a:rPr lang="de-DE" dirty="0">
+                <a:latin typeface="Calibri"/>
+              </a:rPr>
+              <a:t>l </a:t>
+            </a:r>
+            <a:r>
+              <a:rPr lang="de-DE" dirty="0" err="1">
+                <a:latin typeface="Calibri"/>
+              </a:rPr>
+              <a:t>criminal</a:t>
+            </a:r>
+            <a:r>
+              <a:rPr lang="de-DE" dirty="0">
+                <a:latin typeface="Calibri"/>
+              </a:rPr>
+              <a:t> </a:t>
+            </a:r>
+            <a:r>
+              <a:rPr lang="de-DE" dirty="0" err="1">
+                <a:latin typeface="Calibri"/>
+              </a:rPr>
+              <a:t>usage</a:t>
+            </a:r>
+            <a:endParaRPr lang="de-DE" dirty="0">
+              <a:latin typeface="Calibri"/>
+            </a:endParaRPr>
+          </a:p>
+          <a:p>
+            <a:pPr marL="0" indent="0">
+              <a:buNone/>
+            </a:pPr>
+            <a:endParaRPr lang="de-DE" dirty="0">
+              <a:latin typeface="Calibri"/>
+            </a:endParaRPr>
+          </a:p>
+        </p:txBody>
+      </p:sp>
+    </p:spTree>
+    <p:extLst>
+      <p:ext uri="{BB962C8B-B14F-4D97-AF65-F5344CB8AC3E}">
+        <p14:creationId xmlns:p14="http://schemas.microsoft.com/office/powerpoint/2010/main" val="3017450633"/>
+      </p:ext>
+    </p:extLst>
+  </p:cSld>
+  <p:clrMapOvr>
+    <a:masterClrMapping/>
+  </p:clrMapOvr>
+  <p:timing>
+    <p:tnLst>
+      <p:par>
+        <p:cTn id="1" dur="indefinite" restart="never" nodeType="tmRoot"/>
+      </p:par>
+    </p:tnLst>
+  </p:timing>
+</p:sld>
+</file>
+
+<file path=ppt/slides/slide14.xml><?xml version="1.0" encoding="utf-8"?>
+<p:sld xmlns:a="http://schemas.openxmlformats.org/drawingml/2006/main" xmlns:r="http://schemas.openxmlformats.org/officeDocument/2006/relationships" xmlns:p="http://schemas.openxmlformats.org/presentationml/2006/main">
+  <p:cSld>
+    <p:spTree>
+      <p:nvGrpSpPr>
+        <p:cNvPr id="1" name=""/>
+        <p:cNvGrpSpPr/>
+        <p:nvPr/>
+      </p:nvGrpSpPr>
+      <p:grpSpPr>
+        <a:xfrm>
+          <a:off x="0" y="0"/>
+          <a:ext cx="0" cy="0"/>
+          <a:chOff x="0" y="0"/>
+          <a:chExt cx="0" cy="0"/>
+        </a:xfrm>
+      </p:grpSpPr>
+      <p:sp>
+        <p:nvSpPr>
+          <p:cNvPr id="12290" name="Rectangle 3"/>
+          <p:cNvSpPr>
+            <a:spLocks noGrp="1" noChangeArrowheads="1"/>
+          </p:cNvSpPr>
+          <p:nvPr>
+            <p:ph type="title"/>
+          </p:nvPr>
+        </p:nvSpPr>
+        <p:spPr/>
+        <p:txBody>
+          <a:bodyPr/>
+          <a:lstStyle/>
+          <a:p>
+            <a:r>
+              <a:rPr lang="de-DE" dirty="0"/>
               <a:t>Tor: The Second-Generation </a:t>
             </a:r>
             <a:r>
@@ -5991,6 +7679,13 @@
   <p:clrMapOvr>
     <a:masterClrMapping/>
   </p:clrMapOvr>
+  <p:timing>
+    <p:tnLst>
+      <p:par>
+        <p:cTn id="1" dur="indefinite" restart="never" nodeType="tmRoot"/>
+      </p:par>
+    </p:tnLst>
+  </p:timing>
 </p:sld>
 </file>
 
@@ -6135,6 +7830,13 @@
   <p:clrMapOvr>
     <a:masterClrMapping/>
   </p:clrMapOvr>
+  <p:timing>
+    <p:tnLst>
+      <p:par>
+        <p:cTn id="1" dur="indefinite" restart="never" nodeType="tmRoot"/>
+      </p:par>
+    </p:tnLst>
+  </p:timing>
 </p:sld>
 </file>
 
@@ -6356,6 +8058,13 @@
   <p:clrMapOvr>
     <a:masterClrMapping/>
   </p:clrMapOvr>
+  <p:timing>
+    <p:tnLst>
+      <p:par>
+        <p:cTn id="1" dur="indefinite" restart="never" nodeType="tmRoot"/>
+      </p:par>
+    </p:tnLst>
+  </p:timing>
 </p:sld>
 </file>
 
@@ -6789,6 +8498,13 @@
   <p:clrMapOvr>
     <a:masterClrMapping/>
   </p:clrMapOvr>
+  <p:timing>
+    <p:tnLst>
+      <p:par>
+        <p:cTn id="1" dur="indefinite" restart="never" nodeType="tmRoot"/>
+      </p:par>
+    </p:tnLst>
+  </p:timing>
 </p:sld>
 </file>
 
@@ -9376,10 +11092,2505 @@
   <p:clrMapOvr>
     <a:masterClrMapping/>
   </p:clrMapOvr>
+  <p:timing>
+    <p:tnLst>
+      <p:par>
+        <p:cTn id="1" dur="indefinite" restart="never" nodeType="tmRoot"/>
+      </p:par>
+    </p:tnLst>
+  </p:timing>
 </p:sld>
 </file>
 
 <file path=ppt/slides/slide6.xml><?xml version="1.0" encoding="utf-8"?>
+<p:sld xmlns:a="http://schemas.openxmlformats.org/drawingml/2006/main" xmlns:r="http://schemas.openxmlformats.org/officeDocument/2006/relationships" xmlns:p="http://schemas.openxmlformats.org/presentationml/2006/main">
+  <p:cSld>
+    <p:spTree>
+      <p:nvGrpSpPr>
+        <p:cNvPr id="1" name=""/>
+        <p:cNvGrpSpPr/>
+        <p:nvPr/>
+      </p:nvGrpSpPr>
+      <p:grpSpPr>
+        <a:xfrm>
+          <a:off x="0" y="0"/>
+          <a:ext cx="0" cy="0"/>
+          <a:chOff x="0" y="0"/>
+          <a:chExt cx="0" cy="0"/>
+        </a:xfrm>
+      </p:grpSpPr>
+      <p:sp>
+        <p:nvSpPr>
+          <p:cNvPr id="26" name="Rectangle 28"/>
+          <p:cNvSpPr txBox="1">
+            <a:spLocks noChangeArrowheads="1"/>
+          </p:cNvSpPr>
+          <p:nvPr/>
+        </p:nvSpPr>
+        <p:spPr bwMode="auto">
+          <a:xfrm>
+            <a:off x="457200" y="1219200"/>
+            <a:ext cx="8458200" cy="1066800"/>
+          </a:xfrm>
+          <a:prstGeom prst="rect">
+            <a:avLst/>
+          </a:prstGeom>
+          <a:noFill/>
+          <a:ln>
+            <a:noFill/>
+          </a:ln>
+          <a:extLst>
+            <a:ext uri="{909E8E84-426E-40DD-AFC4-6F175D3DCCD1}">
+              <a14:hiddenFill xmlns:a14="http://schemas.microsoft.com/office/drawing/2010/main">
+                <a:solidFill>
+                  <a:srgbClr val="FFFFFF"/>
+                </a:solidFill>
+              </a14:hiddenFill>
+            </a:ext>
+            <a:ext uri="{91240B29-F687-4F45-9708-019B960494DF}">
+              <a14:hiddenLine xmlns:a14="http://schemas.microsoft.com/office/drawing/2010/main" w="9525">
+                <a:solidFill>
+                  <a:srgbClr val="000000"/>
+                </a:solidFill>
+                <a:miter lim="800000"/>
+                <a:headEnd/>
+                <a:tailEnd/>
+              </a14:hiddenLine>
+            </a:ext>
+            <a:ext uri="{FAA26D3D-D897-4be2-8F04-BA451C77F1D7}">
+              <ma14:placeholderFlag xmlns="" xmlns:ma14="http://schemas.microsoft.com/office/mac/drawingml/2011/main" val="1"/>
+            </a:ext>
+          </a:extLst>
+        </p:spPr>
+        <p:txBody>
+          <a:bodyPr vert="horz" wrap="square" lIns="91440" tIns="45720" rIns="91440" bIns="45720" numCol="1" anchor="t" anchorCtr="0" compatLnSpc="1">
+            <a:prstTxWarp prst="textNoShape">
+              <a:avLst/>
+            </a:prstTxWarp>
+          </a:bodyPr>
+          <a:lstStyle>
+            <a:lvl1pPr marL="342900" indent="-342900" algn="l" rtl="0" eaLnBrk="1" fontAlgn="base" hangingPunct="1">
+              <a:spcBef>
+                <a:spcPct val="20000"/>
+              </a:spcBef>
+              <a:spcAft>
+                <a:spcPct val="0"/>
+              </a:spcAft>
+              <a:buClr>
+                <a:schemeClr val="accent2"/>
+              </a:buClr>
+              <a:buSzPct val="120000"/>
+              <a:buFont typeface="Wingdings" charset="2"/>
+              <a:buChar char="§"/>
+              <a:defRPr sz="2000">
+                <a:solidFill>
+                  <a:schemeClr val="hlink"/>
+                </a:solidFill>
+                <a:latin typeface="+mn-lt"/>
+                <a:ea typeface="ＭＳ Ｐゴシック" charset="0"/>
+                <a:cs typeface="ＭＳ Ｐゴシック" charset="0"/>
+              </a:defRPr>
+            </a:lvl1pPr>
+            <a:lvl2pPr marL="742950" indent="-285750" algn="l" rtl="0" eaLnBrk="1" fontAlgn="base" hangingPunct="1">
+              <a:spcBef>
+                <a:spcPct val="20000"/>
+              </a:spcBef>
+              <a:spcAft>
+                <a:spcPct val="0"/>
+              </a:spcAft>
+              <a:buClr>
+                <a:schemeClr val="tx2"/>
+              </a:buClr>
+              <a:buChar char="–"/>
+              <a:defRPr sz="2000">
+                <a:solidFill>
+                  <a:schemeClr val="tx1"/>
+                </a:solidFill>
+                <a:latin typeface="+mn-lt"/>
+                <a:ea typeface="ＭＳ Ｐゴシック" pitchFamily="-107" charset="-128"/>
+              </a:defRPr>
+            </a:lvl2pPr>
+            <a:lvl3pPr marL="1143000" indent="-228600" algn="l" rtl="0" eaLnBrk="1" fontAlgn="base" hangingPunct="1">
+              <a:spcBef>
+                <a:spcPct val="20000"/>
+              </a:spcBef>
+              <a:spcAft>
+                <a:spcPct val="0"/>
+              </a:spcAft>
+              <a:buClr>
+                <a:schemeClr val="bg2"/>
+              </a:buClr>
+              <a:buSzPct val="90000"/>
+              <a:buChar char="•"/>
+              <a:defRPr sz="2000">
+                <a:solidFill>
+                  <a:schemeClr val="tx1"/>
+                </a:solidFill>
+                <a:latin typeface="+mn-lt"/>
+                <a:ea typeface="ＭＳ Ｐゴシック" pitchFamily="-107" charset="-128"/>
+              </a:defRPr>
+            </a:lvl3pPr>
+            <a:lvl4pPr marL="1600200" indent="-228600" algn="l" rtl="0" eaLnBrk="1" fontAlgn="base" hangingPunct="1">
+              <a:spcBef>
+                <a:spcPct val="20000"/>
+              </a:spcBef>
+              <a:spcAft>
+                <a:spcPct val="0"/>
+              </a:spcAft>
+              <a:buChar char="–"/>
+              <a:defRPr sz="2000">
+                <a:solidFill>
+                  <a:schemeClr val="tx1"/>
+                </a:solidFill>
+                <a:latin typeface="+mn-lt"/>
+                <a:ea typeface="ＭＳ Ｐゴシック" pitchFamily="-107" charset="-128"/>
+              </a:defRPr>
+            </a:lvl4pPr>
+            <a:lvl5pPr marL="2057400" indent="-228600" algn="l" rtl="0" eaLnBrk="1" fontAlgn="base" hangingPunct="1">
+              <a:spcBef>
+                <a:spcPct val="20000"/>
+              </a:spcBef>
+              <a:spcAft>
+                <a:spcPct val="0"/>
+              </a:spcAft>
+              <a:buChar char="»"/>
+              <a:defRPr sz="2000">
+                <a:solidFill>
+                  <a:schemeClr val="tx1"/>
+                </a:solidFill>
+                <a:latin typeface="+mn-lt"/>
+                <a:ea typeface="ＭＳ Ｐゴシック" pitchFamily="-107" charset="-128"/>
+              </a:defRPr>
+            </a:lvl5pPr>
+            <a:lvl6pPr marL="2514600" indent="-228600" algn="l" rtl="0" eaLnBrk="1" fontAlgn="base" hangingPunct="1">
+              <a:spcBef>
+                <a:spcPct val="20000"/>
+              </a:spcBef>
+              <a:spcAft>
+                <a:spcPct val="0"/>
+              </a:spcAft>
+              <a:buChar char="»"/>
+              <a:defRPr>
+                <a:solidFill>
+                  <a:schemeClr val="tx1"/>
+                </a:solidFill>
+                <a:latin typeface="+mn-lt"/>
+                <a:ea typeface="ＭＳ Ｐゴシック" pitchFamily="-107" charset="-128"/>
+              </a:defRPr>
+            </a:lvl6pPr>
+            <a:lvl7pPr marL="2971800" indent="-228600" algn="l" rtl="0" eaLnBrk="1" fontAlgn="base" hangingPunct="1">
+              <a:spcBef>
+                <a:spcPct val="20000"/>
+              </a:spcBef>
+              <a:spcAft>
+                <a:spcPct val="0"/>
+              </a:spcAft>
+              <a:buChar char="»"/>
+              <a:defRPr>
+                <a:solidFill>
+                  <a:schemeClr val="tx1"/>
+                </a:solidFill>
+                <a:latin typeface="+mn-lt"/>
+                <a:ea typeface="ＭＳ Ｐゴシック" pitchFamily="-107" charset="-128"/>
+              </a:defRPr>
+            </a:lvl7pPr>
+            <a:lvl8pPr marL="3429000" indent="-228600" algn="l" rtl="0" eaLnBrk="1" fontAlgn="base" hangingPunct="1">
+              <a:spcBef>
+                <a:spcPct val="20000"/>
+              </a:spcBef>
+              <a:spcAft>
+                <a:spcPct val="0"/>
+              </a:spcAft>
+              <a:buChar char="»"/>
+              <a:defRPr>
+                <a:solidFill>
+                  <a:schemeClr val="tx1"/>
+                </a:solidFill>
+                <a:latin typeface="+mn-lt"/>
+                <a:ea typeface="ＭＳ Ｐゴシック" pitchFamily="-107" charset="-128"/>
+              </a:defRPr>
+            </a:lvl8pPr>
+            <a:lvl9pPr marL="3886200" indent="-228600" algn="l" rtl="0" eaLnBrk="1" fontAlgn="base" hangingPunct="1">
+              <a:spcBef>
+                <a:spcPct val="20000"/>
+              </a:spcBef>
+              <a:spcAft>
+                <a:spcPct val="0"/>
+              </a:spcAft>
+              <a:buChar char="»"/>
+              <a:defRPr>
+                <a:solidFill>
+                  <a:schemeClr val="tx1"/>
+                </a:solidFill>
+                <a:latin typeface="+mn-lt"/>
+                <a:ea typeface="ＭＳ Ｐゴシック" pitchFamily="-107" charset="-128"/>
+              </a:defRPr>
+            </a:lvl9pPr>
+          </a:lstStyle>
+          <a:p>
+            <a:r>
+              <a:rPr lang="de-DE" kern="0" dirty="0" err="1" smtClean="0">
+                <a:latin typeface="Calibri"/>
+              </a:rPr>
+              <a:t>Symmetric</a:t>
+            </a:r>
+            <a:r>
+              <a:rPr lang="de-DE" kern="0" dirty="0" smtClean="0">
+                <a:latin typeface="Calibri"/>
+              </a:rPr>
+              <a:t> </a:t>
+            </a:r>
+            <a:r>
+              <a:rPr lang="de-DE" kern="0" dirty="0" err="1" smtClean="0">
+                <a:latin typeface="Calibri"/>
+              </a:rPr>
+              <a:t>encryption</a:t>
+            </a:r>
+            <a:endParaRPr lang="de-DE" kern="0" dirty="0" smtClean="0">
+              <a:latin typeface="Calibri"/>
+            </a:endParaRPr>
+          </a:p>
+          <a:p>
+            <a:r>
+              <a:rPr lang="de-DE" kern="0" dirty="0" err="1" smtClean="0">
+                <a:solidFill>
+                  <a:schemeClr val="bg2">
+                    <a:lumMod val="60000"/>
+                    <a:lumOff val="40000"/>
+                  </a:schemeClr>
+                </a:solidFill>
+                <a:latin typeface="Calibri"/>
+              </a:rPr>
+              <a:t>Asymmetric</a:t>
+            </a:r>
+            <a:r>
+              <a:rPr lang="de-DE" kern="0" dirty="0" smtClean="0">
+                <a:solidFill>
+                  <a:schemeClr val="bg2">
+                    <a:lumMod val="60000"/>
+                    <a:lumOff val="40000"/>
+                  </a:schemeClr>
+                </a:solidFill>
+                <a:latin typeface="Calibri"/>
+              </a:rPr>
+              <a:t> </a:t>
+            </a:r>
+            <a:r>
+              <a:rPr lang="de-DE" kern="0" dirty="0" err="1" smtClean="0">
+                <a:solidFill>
+                  <a:schemeClr val="bg2">
+                    <a:lumMod val="60000"/>
+                    <a:lumOff val="40000"/>
+                  </a:schemeClr>
+                </a:solidFill>
+                <a:latin typeface="Calibri"/>
+              </a:rPr>
+              <a:t>encryption</a:t>
+            </a:r>
+            <a:endParaRPr lang="de-DE" kern="0" dirty="0" smtClean="0">
+              <a:solidFill>
+                <a:schemeClr val="bg2">
+                  <a:lumMod val="60000"/>
+                  <a:lumOff val="40000"/>
+                </a:schemeClr>
+              </a:solidFill>
+              <a:latin typeface="Calibri"/>
+            </a:endParaRPr>
+          </a:p>
+          <a:p>
+            <a:r>
+              <a:rPr lang="de-DE" kern="0" dirty="0" smtClean="0">
+                <a:solidFill>
+                  <a:schemeClr val="bg2">
+                    <a:lumMod val="60000"/>
+                    <a:lumOff val="40000"/>
+                  </a:schemeClr>
+                </a:solidFill>
+                <a:latin typeface="Calibri"/>
+              </a:rPr>
+              <a:t>Diffie-Hellman </a:t>
+            </a:r>
+            <a:r>
+              <a:rPr lang="de-DE" kern="0" dirty="0" err="1" smtClean="0">
+                <a:solidFill>
+                  <a:schemeClr val="bg2">
+                    <a:lumMod val="60000"/>
+                    <a:lumOff val="40000"/>
+                  </a:schemeClr>
+                </a:solidFill>
+                <a:latin typeface="Calibri"/>
+              </a:rPr>
+              <a:t>key</a:t>
+            </a:r>
+            <a:r>
+              <a:rPr lang="de-DE" kern="0" dirty="0" smtClean="0">
+                <a:solidFill>
+                  <a:schemeClr val="bg2">
+                    <a:lumMod val="60000"/>
+                    <a:lumOff val="40000"/>
+                  </a:schemeClr>
+                </a:solidFill>
+                <a:latin typeface="Calibri"/>
+              </a:rPr>
+              <a:t> </a:t>
+            </a:r>
+            <a:r>
+              <a:rPr lang="de-DE" kern="0" dirty="0" err="1" smtClean="0">
+                <a:solidFill>
+                  <a:schemeClr val="bg2">
+                    <a:lumMod val="60000"/>
+                    <a:lumOff val="40000"/>
+                  </a:schemeClr>
+                </a:solidFill>
+                <a:latin typeface="Calibri"/>
+              </a:rPr>
+              <a:t>exchange</a:t>
+            </a:r>
+            <a:endParaRPr lang="de-DE" kern="0" dirty="0" smtClean="0">
+              <a:solidFill>
+                <a:schemeClr val="bg2">
+                  <a:lumMod val="60000"/>
+                  <a:lumOff val="40000"/>
+                </a:schemeClr>
+              </a:solidFill>
+              <a:latin typeface="Calibri"/>
+            </a:endParaRPr>
+          </a:p>
+          <a:p>
+            <a:pPr lvl="1"/>
+            <a:endParaRPr lang="de-DE" kern="0" dirty="0">
+              <a:latin typeface="Calibri"/>
+            </a:endParaRPr>
+          </a:p>
+        </p:txBody>
+      </p:sp>
+      <p:sp>
+        <p:nvSpPr>
+          <p:cNvPr id="12290" name="Rectangle 3"/>
+          <p:cNvSpPr>
+            <a:spLocks noGrp="1" noChangeArrowheads="1"/>
+          </p:cNvSpPr>
+          <p:nvPr>
+            <p:ph type="title"/>
+          </p:nvPr>
+        </p:nvSpPr>
+        <p:spPr/>
+        <p:txBody>
+          <a:bodyPr/>
+          <a:lstStyle/>
+          <a:p>
+            <a:pPr eaLnBrk="1" hangingPunct="1"/>
+            <a:r>
+              <a:rPr lang="de-DE" dirty="0" smtClean="0">
+                <a:latin typeface="Calibri"/>
+              </a:rPr>
+              <a:t>(</a:t>
+            </a:r>
+            <a:r>
+              <a:rPr lang="de-DE" dirty="0" err="1" smtClean="0">
+                <a:latin typeface="Calibri"/>
+              </a:rPr>
+              <a:t>Used</a:t>
+            </a:r>
+            <a:r>
+              <a:rPr lang="de-DE" dirty="0" smtClean="0">
+                <a:latin typeface="Calibri"/>
+              </a:rPr>
+              <a:t> </a:t>
+            </a:r>
+            <a:r>
+              <a:rPr lang="de-DE" dirty="0" err="1" smtClean="0">
+                <a:latin typeface="Calibri"/>
+              </a:rPr>
+              <a:t>cryptographic</a:t>
+            </a:r>
+            <a:r>
+              <a:rPr lang="de-DE" dirty="0" smtClean="0">
+                <a:latin typeface="Calibri"/>
+              </a:rPr>
+              <a:t> </a:t>
+            </a:r>
+            <a:r>
+              <a:rPr lang="de-DE" dirty="0" err="1" smtClean="0">
+                <a:latin typeface="Calibri"/>
+              </a:rPr>
+              <a:t>principles</a:t>
+            </a:r>
+            <a:r>
+              <a:rPr lang="de-DE" dirty="0" smtClean="0">
+                <a:latin typeface="Calibri"/>
+              </a:rPr>
+              <a:t>)</a:t>
+            </a:r>
+            <a:endParaRPr lang="de-DE" dirty="0">
+              <a:latin typeface="Calibri"/>
+            </a:endParaRPr>
+          </a:p>
+        </p:txBody>
+      </p:sp>
+      <p:pic>
+        <p:nvPicPr>
+          <p:cNvPr id="2050" name="Picture 2" descr="C:\Users\m3\Entwicklung\EclipseWorkspaces\git\ski-tor\presentation\symmetric.png"/>
+          <p:cNvPicPr>
+            <a:picLocks noChangeAspect="1" noChangeArrowheads="1"/>
+          </p:cNvPicPr>
+          <p:nvPr/>
+        </p:nvPicPr>
+        <p:blipFill>
+          <a:blip r:embed="rId3">
+            <a:extLst>
+              <a:ext uri="{28A0092B-C50C-407E-A947-70E740481C1C}">
+                <a14:useLocalDpi xmlns:a14="http://schemas.microsoft.com/office/drawing/2010/main" val="0"/>
+              </a:ext>
+            </a:extLst>
+          </a:blip>
+          <a:srcRect/>
+          <a:stretch>
+            <a:fillRect/>
+          </a:stretch>
+        </p:blipFill>
+        <p:spPr bwMode="auto">
+          <a:xfrm>
+            <a:off x="990600" y="3241774"/>
+            <a:ext cx="7162800" cy="2203450"/>
+          </a:xfrm>
+          <a:prstGeom prst="rect">
+            <a:avLst/>
+          </a:prstGeom>
+          <a:noFill/>
+          <a:extLst>
+            <a:ext uri="{909E8E84-426E-40DD-AFC4-6F175D3DCCD1}">
+              <a14:hiddenFill xmlns:a14="http://schemas.microsoft.com/office/drawing/2010/main">
+                <a:solidFill>
+                  <a:srgbClr val="FFFFFF"/>
+                </a:solidFill>
+              </a14:hiddenFill>
+            </a:ext>
+          </a:extLst>
+        </p:spPr>
+      </p:pic>
+    </p:spTree>
+    <p:extLst>
+      <p:ext uri="{BB962C8B-B14F-4D97-AF65-F5344CB8AC3E}">
+        <p14:creationId xmlns:p14="http://schemas.microsoft.com/office/powerpoint/2010/main" val="3982010014"/>
+      </p:ext>
+    </p:extLst>
+  </p:cSld>
+  <p:clrMapOvr>
+    <a:masterClrMapping/>
+  </p:clrMapOvr>
+  <p:timing>
+    <p:tnLst>
+      <p:par>
+        <p:cTn id="1" dur="indefinite" restart="never" nodeType="tmRoot"/>
+      </p:par>
+    </p:tnLst>
+  </p:timing>
+</p:sld>
+</file>
+
+<file path=ppt/slides/slide7.xml><?xml version="1.0" encoding="utf-8"?>
+<p:sld xmlns:a="http://schemas.openxmlformats.org/drawingml/2006/main" xmlns:r="http://schemas.openxmlformats.org/officeDocument/2006/relationships" xmlns:p="http://schemas.openxmlformats.org/presentationml/2006/main">
+  <p:cSld>
+    <p:spTree>
+      <p:nvGrpSpPr>
+        <p:cNvPr id="1" name=""/>
+        <p:cNvGrpSpPr/>
+        <p:nvPr/>
+      </p:nvGrpSpPr>
+      <p:grpSpPr>
+        <a:xfrm>
+          <a:off x="0" y="0"/>
+          <a:ext cx="0" cy="0"/>
+          <a:chOff x="0" y="0"/>
+          <a:chExt cx="0" cy="0"/>
+        </a:xfrm>
+      </p:grpSpPr>
+      <p:sp>
+        <p:nvSpPr>
+          <p:cNvPr id="26" name="Rectangle 28"/>
+          <p:cNvSpPr txBox="1">
+            <a:spLocks noChangeArrowheads="1"/>
+          </p:cNvSpPr>
+          <p:nvPr/>
+        </p:nvSpPr>
+        <p:spPr bwMode="auto">
+          <a:xfrm>
+            <a:off x="457200" y="1219200"/>
+            <a:ext cx="8458200" cy="1066800"/>
+          </a:xfrm>
+          <a:prstGeom prst="rect">
+            <a:avLst/>
+          </a:prstGeom>
+          <a:noFill/>
+          <a:ln>
+            <a:noFill/>
+          </a:ln>
+          <a:extLst>
+            <a:ext uri="{909E8E84-426E-40DD-AFC4-6F175D3DCCD1}">
+              <a14:hiddenFill xmlns:a14="http://schemas.microsoft.com/office/drawing/2010/main">
+                <a:solidFill>
+                  <a:srgbClr val="FFFFFF"/>
+                </a:solidFill>
+              </a14:hiddenFill>
+            </a:ext>
+            <a:ext uri="{91240B29-F687-4F45-9708-019B960494DF}">
+              <a14:hiddenLine xmlns:a14="http://schemas.microsoft.com/office/drawing/2010/main" w="9525">
+                <a:solidFill>
+                  <a:srgbClr val="000000"/>
+                </a:solidFill>
+                <a:miter lim="800000"/>
+                <a:headEnd/>
+                <a:tailEnd/>
+              </a14:hiddenLine>
+            </a:ext>
+            <a:ext uri="{FAA26D3D-D897-4be2-8F04-BA451C77F1D7}">
+              <ma14:placeholderFlag xmlns="" xmlns:ma14="http://schemas.microsoft.com/office/mac/drawingml/2011/main" val="1"/>
+            </a:ext>
+          </a:extLst>
+        </p:spPr>
+        <p:txBody>
+          <a:bodyPr vert="horz" wrap="square" lIns="91440" tIns="45720" rIns="91440" bIns="45720" numCol="1" anchor="t" anchorCtr="0" compatLnSpc="1">
+            <a:prstTxWarp prst="textNoShape">
+              <a:avLst/>
+            </a:prstTxWarp>
+          </a:bodyPr>
+          <a:lstStyle>
+            <a:lvl1pPr marL="342900" indent="-342900" algn="l" rtl="0" eaLnBrk="1" fontAlgn="base" hangingPunct="1">
+              <a:spcBef>
+                <a:spcPct val="20000"/>
+              </a:spcBef>
+              <a:spcAft>
+                <a:spcPct val="0"/>
+              </a:spcAft>
+              <a:buClr>
+                <a:schemeClr val="accent2"/>
+              </a:buClr>
+              <a:buSzPct val="120000"/>
+              <a:buFont typeface="Wingdings" charset="2"/>
+              <a:buChar char="§"/>
+              <a:defRPr sz="2000">
+                <a:solidFill>
+                  <a:schemeClr val="hlink"/>
+                </a:solidFill>
+                <a:latin typeface="+mn-lt"/>
+                <a:ea typeface="ＭＳ Ｐゴシック" charset="0"/>
+                <a:cs typeface="ＭＳ Ｐゴシック" charset="0"/>
+              </a:defRPr>
+            </a:lvl1pPr>
+            <a:lvl2pPr marL="742950" indent="-285750" algn="l" rtl="0" eaLnBrk="1" fontAlgn="base" hangingPunct="1">
+              <a:spcBef>
+                <a:spcPct val="20000"/>
+              </a:spcBef>
+              <a:spcAft>
+                <a:spcPct val="0"/>
+              </a:spcAft>
+              <a:buClr>
+                <a:schemeClr val="tx2"/>
+              </a:buClr>
+              <a:buChar char="–"/>
+              <a:defRPr sz="2000">
+                <a:solidFill>
+                  <a:schemeClr val="tx1"/>
+                </a:solidFill>
+                <a:latin typeface="+mn-lt"/>
+                <a:ea typeface="ＭＳ Ｐゴシック" pitchFamily="-107" charset="-128"/>
+              </a:defRPr>
+            </a:lvl2pPr>
+            <a:lvl3pPr marL="1143000" indent="-228600" algn="l" rtl="0" eaLnBrk="1" fontAlgn="base" hangingPunct="1">
+              <a:spcBef>
+                <a:spcPct val="20000"/>
+              </a:spcBef>
+              <a:spcAft>
+                <a:spcPct val="0"/>
+              </a:spcAft>
+              <a:buClr>
+                <a:schemeClr val="bg2"/>
+              </a:buClr>
+              <a:buSzPct val="90000"/>
+              <a:buChar char="•"/>
+              <a:defRPr sz="2000">
+                <a:solidFill>
+                  <a:schemeClr val="tx1"/>
+                </a:solidFill>
+                <a:latin typeface="+mn-lt"/>
+                <a:ea typeface="ＭＳ Ｐゴシック" pitchFamily="-107" charset="-128"/>
+              </a:defRPr>
+            </a:lvl3pPr>
+            <a:lvl4pPr marL="1600200" indent="-228600" algn="l" rtl="0" eaLnBrk="1" fontAlgn="base" hangingPunct="1">
+              <a:spcBef>
+                <a:spcPct val="20000"/>
+              </a:spcBef>
+              <a:spcAft>
+                <a:spcPct val="0"/>
+              </a:spcAft>
+              <a:buChar char="–"/>
+              <a:defRPr sz="2000">
+                <a:solidFill>
+                  <a:schemeClr val="tx1"/>
+                </a:solidFill>
+                <a:latin typeface="+mn-lt"/>
+                <a:ea typeface="ＭＳ Ｐゴシック" pitchFamily="-107" charset="-128"/>
+              </a:defRPr>
+            </a:lvl4pPr>
+            <a:lvl5pPr marL="2057400" indent="-228600" algn="l" rtl="0" eaLnBrk="1" fontAlgn="base" hangingPunct="1">
+              <a:spcBef>
+                <a:spcPct val="20000"/>
+              </a:spcBef>
+              <a:spcAft>
+                <a:spcPct val="0"/>
+              </a:spcAft>
+              <a:buChar char="»"/>
+              <a:defRPr sz="2000">
+                <a:solidFill>
+                  <a:schemeClr val="tx1"/>
+                </a:solidFill>
+                <a:latin typeface="+mn-lt"/>
+                <a:ea typeface="ＭＳ Ｐゴシック" pitchFamily="-107" charset="-128"/>
+              </a:defRPr>
+            </a:lvl5pPr>
+            <a:lvl6pPr marL="2514600" indent="-228600" algn="l" rtl="0" eaLnBrk="1" fontAlgn="base" hangingPunct="1">
+              <a:spcBef>
+                <a:spcPct val="20000"/>
+              </a:spcBef>
+              <a:spcAft>
+                <a:spcPct val="0"/>
+              </a:spcAft>
+              <a:buChar char="»"/>
+              <a:defRPr>
+                <a:solidFill>
+                  <a:schemeClr val="tx1"/>
+                </a:solidFill>
+                <a:latin typeface="+mn-lt"/>
+                <a:ea typeface="ＭＳ Ｐゴシック" pitchFamily="-107" charset="-128"/>
+              </a:defRPr>
+            </a:lvl6pPr>
+            <a:lvl7pPr marL="2971800" indent="-228600" algn="l" rtl="0" eaLnBrk="1" fontAlgn="base" hangingPunct="1">
+              <a:spcBef>
+                <a:spcPct val="20000"/>
+              </a:spcBef>
+              <a:spcAft>
+                <a:spcPct val="0"/>
+              </a:spcAft>
+              <a:buChar char="»"/>
+              <a:defRPr>
+                <a:solidFill>
+                  <a:schemeClr val="tx1"/>
+                </a:solidFill>
+                <a:latin typeface="+mn-lt"/>
+                <a:ea typeface="ＭＳ Ｐゴシック" pitchFamily="-107" charset="-128"/>
+              </a:defRPr>
+            </a:lvl7pPr>
+            <a:lvl8pPr marL="3429000" indent="-228600" algn="l" rtl="0" eaLnBrk="1" fontAlgn="base" hangingPunct="1">
+              <a:spcBef>
+                <a:spcPct val="20000"/>
+              </a:spcBef>
+              <a:spcAft>
+                <a:spcPct val="0"/>
+              </a:spcAft>
+              <a:buChar char="»"/>
+              <a:defRPr>
+                <a:solidFill>
+                  <a:schemeClr val="tx1"/>
+                </a:solidFill>
+                <a:latin typeface="+mn-lt"/>
+                <a:ea typeface="ＭＳ Ｐゴシック" pitchFamily="-107" charset="-128"/>
+              </a:defRPr>
+            </a:lvl8pPr>
+            <a:lvl9pPr marL="3886200" indent="-228600" algn="l" rtl="0" eaLnBrk="1" fontAlgn="base" hangingPunct="1">
+              <a:spcBef>
+                <a:spcPct val="20000"/>
+              </a:spcBef>
+              <a:spcAft>
+                <a:spcPct val="0"/>
+              </a:spcAft>
+              <a:buChar char="»"/>
+              <a:defRPr>
+                <a:solidFill>
+                  <a:schemeClr val="tx1"/>
+                </a:solidFill>
+                <a:latin typeface="+mn-lt"/>
+                <a:ea typeface="ＭＳ Ｐゴシック" pitchFamily="-107" charset="-128"/>
+              </a:defRPr>
+            </a:lvl9pPr>
+          </a:lstStyle>
+          <a:p>
+            <a:r>
+              <a:rPr lang="de-DE" kern="0" dirty="0" err="1" smtClean="0">
+                <a:solidFill>
+                  <a:schemeClr val="bg2">
+                    <a:lumMod val="60000"/>
+                    <a:lumOff val="40000"/>
+                  </a:schemeClr>
+                </a:solidFill>
+                <a:latin typeface="Calibri"/>
+              </a:rPr>
+              <a:t>Symmetric</a:t>
+            </a:r>
+            <a:r>
+              <a:rPr lang="de-DE" kern="0" dirty="0" smtClean="0">
+                <a:solidFill>
+                  <a:schemeClr val="bg2">
+                    <a:lumMod val="60000"/>
+                    <a:lumOff val="40000"/>
+                  </a:schemeClr>
+                </a:solidFill>
+                <a:latin typeface="Calibri"/>
+              </a:rPr>
+              <a:t> </a:t>
+            </a:r>
+            <a:r>
+              <a:rPr lang="de-DE" kern="0" dirty="0" err="1" smtClean="0">
+                <a:solidFill>
+                  <a:schemeClr val="bg2">
+                    <a:lumMod val="60000"/>
+                    <a:lumOff val="40000"/>
+                  </a:schemeClr>
+                </a:solidFill>
+                <a:latin typeface="Calibri"/>
+              </a:rPr>
+              <a:t>encryption</a:t>
+            </a:r>
+            <a:endParaRPr lang="de-DE" kern="0" dirty="0" smtClean="0">
+              <a:solidFill>
+                <a:schemeClr val="bg2">
+                  <a:lumMod val="60000"/>
+                  <a:lumOff val="40000"/>
+                </a:schemeClr>
+              </a:solidFill>
+              <a:latin typeface="Calibri"/>
+            </a:endParaRPr>
+          </a:p>
+          <a:p>
+            <a:r>
+              <a:rPr lang="de-DE" kern="0" dirty="0" err="1" smtClean="0">
+                <a:latin typeface="Calibri"/>
+              </a:rPr>
+              <a:t>Asymmetric</a:t>
+            </a:r>
+            <a:r>
+              <a:rPr lang="de-DE" kern="0" dirty="0" smtClean="0">
+                <a:latin typeface="Calibri"/>
+              </a:rPr>
+              <a:t> </a:t>
+            </a:r>
+            <a:r>
+              <a:rPr lang="de-DE" kern="0" dirty="0" err="1" smtClean="0">
+                <a:latin typeface="Calibri"/>
+              </a:rPr>
+              <a:t>encryption</a:t>
+            </a:r>
+            <a:endParaRPr lang="de-DE" kern="0" dirty="0" smtClean="0">
+              <a:latin typeface="Calibri"/>
+            </a:endParaRPr>
+          </a:p>
+          <a:p>
+            <a:r>
+              <a:rPr lang="de-DE" kern="0" dirty="0" smtClean="0">
+                <a:solidFill>
+                  <a:schemeClr val="bg2">
+                    <a:lumMod val="60000"/>
+                    <a:lumOff val="40000"/>
+                  </a:schemeClr>
+                </a:solidFill>
+                <a:latin typeface="Calibri"/>
+              </a:rPr>
+              <a:t>Diffie-Hellman </a:t>
+            </a:r>
+            <a:r>
+              <a:rPr lang="de-DE" kern="0" dirty="0" err="1" smtClean="0">
+                <a:solidFill>
+                  <a:schemeClr val="bg2">
+                    <a:lumMod val="60000"/>
+                    <a:lumOff val="40000"/>
+                  </a:schemeClr>
+                </a:solidFill>
+                <a:latin typeface="Calibri"/>
+              </a:rPr>
+              <a:t>key</a:t>
+            </a:r>
+            <a:r>
+              <a:rPr lang="de-DE" kern="0" dirty="0" smtClean="0">
+                <a:solidFill>
+                  <a:schemeClr val="bg2">
+                    <a:lumMod val="60000"/>
+                    <a:lumOff val="40000"/>
+                  </a:schemeClr>
+                </a:solidFill>
+                <a:latin typeface="Calibri"/>
+              </a:rPr>
+              <a:t> </a:t>
+            </a:r>
+            <a:r>
+              <a:rPr lang="de-DE" kern="0" dirty="0" err="1" smtClean="0">
+                <a:solidFill>
+                  <a:schemeClr val="bg2">
+                    <a:lumMod val="60000"/>
+                    <a:lumOff val="40000"/>
+                  </a:schemeClr>
+                </a:solidFill>
+                <a:latin typeface="Calibri"/>
+              </a:rPr>
+              <a:t>exchange</a:t>
+            </a:r>
+            <a:endParaRPr lang="de-DE" kern="0" dirty="0" smtClean="0">
+              <a:solidFill>
+                <a:schemeClr val="bg2">
+                  <a:lumMod val="60000"/>
+                  <a:lumOff val="40000"/>
+                </a:schemeClr>
+              </a:solidFill>
+              <a:latin typeface="Calibri"/>
+            </a:endParaRPr>
+          </a:p>
+          <a:p>
+            <a:pPr lvl="1"/>
+            <a:endParaRPr lang="de-DE" kern="0" dirty="0">
+              <a:latin typeface="Calibri"/>
+            </a:endParaRPr>
+          </a:p>
+        </p:txBody>
+      </p:sp>
+      <p:sp>
+        <p:nvSpPr>
+          <p:cNvPr id="12290" name="Rectangle 3"/>
+          <p:cNvSpPr>
+            <a:spLocks noGrp="1" noChangeArrowheads="1"/>
+          </p:cNvSpPr>
+          <p:nvPr>
+            <p:ph type="title"/>
+          </p:nvPr>
+        </p:nvSpPr>
+        <p:spPr/>
+        <p:txBody>
+          <a:bodyPr/>
+          <a:lstStyle/>
+          <a:p>
+            <a:r>
+              <a:rPr lang="de-DE" dirty="0"/>
+              <a:t>(</a:t>
+            </a:r>
+            <a:r>
+              <a:rPr lang="de-DE" dirty="0" err="1"/>
+              <a:t>Used</a:t>
+            </a:r>
+            <a:r>
+              <a:rPr lang="de-DE" dirty="0"/>
+              <a:t> </a:t>
+            </a:r>
+            <a:r>
+              <a:rPr lang="de-DE" dirty="0" err="1"/>
+              <a:t>cryptographic</a:t>
+            </a:r>
+            <a:r>
+              <a:rPr lang="de-DE" dirty="0"/>
+              <a:t> </a:t>
+            </a:r>
+            <a:r>
+              <a:rPr lang="de-DE" dirty="0" err="1"/>
+              <a:t>principles</a:t>
+            </a:r>
+            <a:r>
+              <a:rPr lang="de-DE" dirty="0"/>
+              <a:t>)</a:t>
+            </a:r>
+            <a:endParaRPr lang="de-DE" dirty="0">
+              <a:latin typeface="Calibri"/>
+            </a:endParaRPr>
+          </a:p>
+        </p:txBody>
+      </p:sp>
+      <p:pic>
+        <p:nvPicPr>
+          <p:cNvPr id="1026" name="Picture 2" descr="C:\Users\m3\Entwicklung\EclipseWorkspaces\git\ski-tor\presentation\asymmetric.png"/>
+          <p:cNvPicPr>
+            <a:picLocks noChangeAspect="1" noChangeArrowheads="1"/>
+          </p:cNvPicPr>
+          <p:nvPr/>
+        </p:nvPicPr>
+        <p:blipFill>
+          <a:blip r:embed="rId3">
+            <a:extLst>
+              <a:ext uri="{28A0092B-C50C-407E-A947-70E740481C1C}">
+                <a14:useLocalDpi xmlns:a14="http://schemas.microsoft.com/office/drawing/2010/main" val="0"/>
+              </a:ext>
+            </a:extLst>
+          </a:blip>
+          <a:srcRect/>
+          <a:stretch>
+            <a:fillRect/>
+          </a:stretch>
+        </p:blipFill>
+        <p:spPr bwMode="auto">
+          <a:xfrm>
+            <a:off x="989013" y="2780928"/>
+            <a:ext cx="7165975" cy="3494087"/>
+          </a:xfrm>
+          <a:prstGeom prst="rect">
+            <a:avLst/>
+          </a:prstGeom>
+          <a:noFill/>
+          <a:extLst>
+            <a:ext uri="{909E8E84-426E-40DD-AFC4-6F175D3DCCD1}">
+              <a14:hiddenFill xmlns:a14="http://schemas.microsoft.com/office/drawing/2010/main">
+                <a:solidFill>
+                  <a:srgbClr val="FFFFFF"/>
+                </a:solidFill>
+              </a14:hiddenFill>
+            </a:ext>
+          </a:extLst>
+        </p:spPr>
+      </p:pic>
+    </p:spTree>
+    <p:extLst>
+      <p:ext uri="{BB962C8B-B14F-4D97-AF65-F5344CB8AC3E}">
+        <p14:creationId xmlns:p14="http://schemas.microsoft.com/office/powerpoint/2010/main" val="1309793297"/>
+      </p:ext>
+    </p:extLst>
+  </p:cSld>
+  <p:clrMapOvr>
+    <a:masterClrMapping/>
+  </p:clrMapOvr>
+  <p:timing>
+    <p:tnLst>
+      <p:par>
+        <p:cTn id="1" dur="indefinite" restart="never" nodeType="tmRoot"/>
+      </p:par>
+    </p:tnLst>
+  </p:timing>
+</p:sld>
+</file>
+
+<file path=ppt/slides/slide8.xml><?xml version="1.0" encoding="utf-8"?>
+<p:sld xmlns:a="http://schemas.openxmlformats.org/drawingml/2006/main" xmlns:r="http://schemas.openxmlformats.org/officeDocument/2006/relationships" xmlns:p="http://schemas.openxmlformats.org/presentationml/2006/main">
+  <p:cSld>
+    <p:spTree>
+      <p:nvGrpSpPr>
+        <p:cNvPr id="1" name=""/>
+        <p:cNvGrpSpPr/>
+        <p:nvPr/>
+      </p:nvGrpSpPr>
+      <p:grpSpPr>
+        <a:xfrm>
+          <a:off x="0" y="0"/>
+          <a:ext cx="0" cy="0"/>
+          <a:chOff x="0" y="0"/>
+          <a:chExt cx="0" cy="0"/>
+        </a:xfrm>
+      </p:grpSpPr>
+      <p:sp>
+        <p:nvSpPr>
+          <p:cNvPr id="26" name="Rectangle 28"/>
+          <p:cNvSpPr txBox="1">
+            <a:spLocks noChangeArrowheads="1"/>
+          </p:cNvSpPr>
+          <p:nvPr/>
+        </p:nvSpPr>
+        <p:spPr bwMode="auto">
+          <a:xfrm>
+            <a:off x="457200" y="1219200"/>
+            <a:ext cx="8458200" cy="1066800"/>
+          </a:xfrm>
+          <a:prstGeom prst="rect">
+            <a:avLst/>
+          </a:prstGeom>
+          <a:noFill/>
+          <a:ln>
+            <a:noFill/>
+          </a:ln>
+          <a:extLst>
+            <a:ext uri="{909E8E84-426E-40DD-AFC4-6F175D3DCCD1}">
+              <a14:hiddenFill xmlns:a14="http://schemas.microsoft.com/office/drawing/2010/main">
+                <a:solidFill>
+                  <a:srgbClr val="FFFFFF"/>
+                </a:solidFill>
+              </a14:hiddenFill>
+            </a:ext>
+            <a:ext uri="{91240B29-F687-4F45-9708-019B960494DF}">
+              <a14:hiddenLine xmlns:a14="http://schemas.microsoft.com/office/drawing/2010/main" w="9525">
+                <a:solidFill>
+                  <a:srgbClr val="000000"/>
+                </a:solidFill>
+                <a:miter lim="800000"/>
+                <a:headEnd/>
+                <a:tailEnd/>
+              </a14:hiddenLine>
+            </a:ext>
+            <a:ext uri="{FAA26D3D-D897-4be2-8F04-BA451C77F1D7}">
+              <ma14:placeholderFlag xmlns="" xmlns:ma14="http://schemas.microsoft.com/office/mac/drawingml/2011/main" val="1"/>
+            </a:ext>
+          </a:extLst>
+        </p:spPr>
+        <p:txBody>
+          <a:bodyPr vert="horz" wrap="square" lIns="91440" tIns="45720" rIns="91440" bIns="45720" numCol="1" anchor="t" anchorCtr="0" compatLnSpc="1">
+            <a:prstTxWarp prst="textNoShape">
+              <a:avLst/>
+            </a:prstTxWarp>
+          </a:bodyPr>
+          <a:lstStyle>
+            <a:lvl1pPr marL="342900" indent="-342900" algn="l" rtl="0" eaLnBrk="1" fontAlgn="base" hangingPunct="1">
+              <a:spcBef>
+                <a:spcPct val="20000"/>
+              </a:spcBef>
+              <a:spcAft>
+                <a:spcPct val="0"/>
+              </a:spcAft>
+              <a:buClr>
+                <a:schemeClr val="accent2"/>
+              </a:buClr>
+              <a:buSzPct val="120000"/>
+              <a:buFont typeface="Wingdings" charset="2"/>
+              <a:buChar char="§"/>
+              <a:defRPr sz="2000">
+                <a:solidFill>
+                  <a:schemeClr val="hlink"/>
+                </a:solidFill>
+                <a:latin typeface="+mn-lt"/>
+                <a:ea typeface="ＭＳ Ｐゴシック" charset="0"/>
+                <a:cs typeface="ＭＳ Ｐゴシック" charset="0"/>
+              </a:defRPr>
+            </a:lvl1pPr>
+            <a:lvl2pPr marL="742950" indent="-285750" algn="l" rtl="0" eaLnBrk="1" fontAlgn="base" hangingPunct="1">
+              <a:spcBef>
+                <a:spcPct val="20000"/>
+              </a:spcBef>
+              <a:spcAft>
+                <a:spcPct val="0"/>
+              </a:spcAft>
+              <a:buClr>
+                <a:schemeClr val="tx2"/>
+              </a:buClr>
+              <a:buChar char="–"/>
+              <a:defRPr sz="2000">
+                <a:solidFill>
+                  <a:schemeClr val="tx1"/>
+                </a:solidFill>
+                <a:latin typeface="+mn-lt"/>
+                <a:ea typeface="ＭＳ Ｐゴシック" pitchFamily="-107" charset="-128"/>
+              </a:defRPr>
+            </a:lvl2pPr>
+            <a:lvl3pPr marL="1143000" indent="-228600" algn="l" rtl="0" eaLnBrk="1" fontAlgn="base" hangingPunct="1">
+              <a:spcBef>
+                <a:spcPct val="20000"/>
+              </a:spcBef>
+              <a:spcAft>
+                <a:spcPct val="0"/>
+              </a:spcAft>
+              <a:buClr>
+                <a:schemeClr val="bg2"/>
+              </a:buClr>
+              <a:buSzPct val="90000"/>
+              <a:buChar char="•"/>
+              <a:defRPr sz="2000">
+                <a:solidFill>
+                  <a:schemeClr val="tx1"/>
+                </a:solidFill>
+                <a:latin typeface="+mn-lt"/>
+                <a:ea typeface="ＭＳ Ｐゴシック" pitchFamily="-107" charset="-128"/>
+              </a:defRPr>
+            </a:lvl3pPr>
+            <a:lvl4pPr marL="1600200" indent="-228600" algn="l" rtl="0" eaLnBrk="1" fontAlgn="base" hangingPunct="1">
+              <a:spcBef>
+                <a:spcPct val="20000"/>
+              </a:spcBef>
+              <a:spcAft>
+                <a:spcPct val="0"/>
+              </a:spcAft>
+              <a:buChar char="–"/>
+              <a:defRPr sz="2000">
+                <a:solidFill>
+                  <a:schemeClr val="tx1"/>
+                </a:solidFill>
+                <a:latin typeface="+mn-lt"/>
+                <a:ea typeface="ＭＳ Ｐゴシック" pitchFamily="-107" charset="-128"/>
+              </a:defRPr>
+            </a:lvl4pPr>
+            <a:lvl5pPr marL="2057400" indent="-228600" algn="l" rtl="0" eaLnBrk="1" fontAlgn="base" hangingPunct="1">
+              <a:spcBef>
+                <a:spcPct val="20000"/>
+              </a:spcBef>
+              <a:spcAft>
+                <a:spcPct val="0"/>
+              </a:spcAft>
+              <a:buChar char="»"/>
+              <a:defRPr sz="2000">
+                <a:solidFill>
+                  <a:schemeClr val="tx1"/>
+                </a:solidFill>
+                <a:latin typeface="+mn-lt"/>
+                <a:ea typeface="ＭＳ Ｐゴシック" pitchFamily="-107" charset="-128"/>
+              </a:defRPr>
+            </a:lvl5pPr>
+            <a:lvl6pPr marL="2514600" indent="-228600" algn="l" rtl="0" eaLnBrk="1" fontAlgn="base" hangingPunct="1">
+              <a:spcBef>
+                <a:spcPct val="20000"/>
+              </a:spcBef>
+              <a:spcAft>
+                <a:spcPct val="0"/>
+              </a:spcAft>
+              <a:buChar char="»"/>
+              <a:defRPr>
+                <a:solidFill>
+                  <a:schemeClr val="tx1"/>
+                </a:solidFill>
+                <a:latin typeface="+mn-lt"/>
+                <a:ea typeface="ＭＳ Ｐゴシック" pitchFamily="-107" charset="-128"/>
+              </a:defRPr>
+            </a:lvl6pPr>
+            <a:lvl7pPr marL="2971800" indent="-228600" algn="l" rtl="0" eaLnBrk="1" fontAlgn="base" hangingPunct="1">
+              <a:spcBef>
+                <a:spcPct val="20000"/>
+              </a:spcBef>
+              <a:spcAft>
+                <a:spcPct val="0"/>
+              </a:spcAft>
+              <a:buChar char="»"/>
+              <a:defRPr>
+                <a:solidFill>
+                  <a:schemeClr val="tx1"/>
+                </a:solidFill>
+                <a:latin typeface="+mn-lt"/>
+                <a:ea typeface="ＭＳ Ｐゴシック" pitchFamily="-107" charset="-128"/>
+              </a:defRPr>
+            </a:lvl7pPr>
+            <a:lvl8pPr marL="3429000" indent="-228600" algn="l" rtl="0" eaLnBrk="1" fontAlgn="base" hangingPunct="1">
+              <a:spcBef>
+                <a:spcPct val="20000"/>
+              </a:spcBef>
+              <a:spcAft>
+                <a:spcPct val="0"/>
+              </a:spcAft>
+              <a:buChar char="»"/>
+              <a:defRPr>
+                <a:solidFill>
+                  <a:schemeClr val="tx1"/>
+                </a:solidFill>
+                <a:latin typeface="+mn-lt"/>
+                <a:ea typeface="ＭＳ Ｐゴシック" pitchFamily="-107" charset="-128"/>
+              </a:defRPr>
+            </a:lvl8pPr>
+            <a:lvl9pPr marL="3886200" indent="-228600" algn="l" rtl="0" eaLnBrk="1" fontAlgn="base" hangingPunct="1">
+              <a:spcBef>
+                <a:spcPct val="20000"/>
+              </a:spcBef>
+              <a:spcAft>
+                <a:spcPct val="0"/>
+              </a:spcAft>
+              <a:buChar char="»"/>
+              <a:defRPr>
+                <a:solidFill>
+                  <a:schemeClr val="tx1"/>
+                </a:solidFill>
+                <a:latin typeface="+mn-lt"/>
+                <a:ea typeface="ＭＳ Ｐゴシック" pitchFamily="-107" charset="-128"/>
+              </a:defRPr>
+            </a:lvl9pPr>
+          </a:lstStyle>
+          <a:p>
+            <a:r>
+              <a:rPr lang="de-DE" kern="0" dirty="0" err="1" smtClean="0">
+                <a:solidFill>
+                  <a:schemeClr val="bg2">
+                    <a:lumMod val="60000"/>
+                    <a:lumOff val="40000"/>
+                  </a:schemeClr>
+                </a:solidFill>
+                <a:latin typeface="Calibri"/>
+              </a:rPr>
+              <a:t>Symmetric</a:t>
+            </a:r>
+            <a:r>
+              <a:rPr lang="de-DE" kern="0" dirty="0" smtClean="0">
+                <a:solidFill>
+                  <a:schemeClr val="bg2">
+                    <a:lumMod val="60000"/>
+                    <a:lumOff val="40000"/>
+                  </a:schemeClr>
+                </a:solidFill>
+                <a:latin typeface="Calibri"/>
+              </a:rPr>
+              <a:t> </a:t>
+            </a:r>
+            <a:r>
+              <a:rPr lang="de-DE" kern="0" dirty="0" err="1" smtClean="0">
+                <a:solidFill>
+                  <a:schemeClr val="bg2">
+                    <a:lumMod val="60000"/>
+                    <a:lumOff val="40000"/>
+                  </a:schemeClr>
+                </a:solidFill>
+                <a:latin typeface="Calibri"/>
+              </a:rPr>
+              <a:t>encryption</a:t>
+            </a:r>
+            <a:endParaRPr lang="de-DE" kern="0" dirty="0" smtClean="0">
+              <a:solidFill>
+                <a:schemeClr val="bg2">
+                  <a:lumMod val="60000"/>
+                  <a:lumOff val="40000"/>
+                </a:schemeClr>
+              </a:solidFill>
+              <a:latin typeface="Calibri"/>
+            </a:endParaRPr>
+          </a:p>
+          <a:p>
+            <a:r>
+              <a:rPr lang="de-DE" kern="0" dirty="0" err="1" smtClean="0">
+                <a:solidFill>
+                  <a:schemeClr val="bg2">
+                    <a:lumMod val="60000"/>
+                    <a:lumOff val="40000"/>
+                  </a:schemeClr>
+                </a:solidFill>
+                <a:latin typeface="Calibri"/>
+              </a:rPr>
+              <a:t>Asymmetric</a:t>
+            </a:r>
+            <a:r>
+              <a:rPr lang="de-DE" kern="0" dirty="0" smtClean="0">
+                <a:solidFill>
+                  <a:schemeClr val="bg2">
+                    <a:lumMod val="60000"/>
+                    <a:lumOff val="40000"/>
+                  </a:schemeClr>
+                </a:solidFill>
+                <a:latin typeface="Calibri"/>
+              </a:rPr>
+              <a:t> </a:t>
+            </a:r>
+            <a:r>
+              <a:rPr lang="de-DE" kern="0" dirty="0" err="1" smtClean="0">
+                <a:solidFill>
+                  <a:schemeClr val="bg2">
+                    <a:lumMod val="60000"/>
+                    <a:lumOff val="40000"/>
+                  </a:schemeClr>
+                </a:solidFill>
+                <a:latin typeface="Calibri"/>
+              </a:rPr>
+              <a:t>encryption</a:t>
+            </a:r>
+            <a:endParaRPr lang="de-DE" kern="0" dirty="0" smtClean="0">
+              <a:solidFill>
+                <a:schemeClr val="bg2">
+                  <a:lumMod val="60000"/>
+                  <a:lumOff val="40000"/>
+                </a:schemeClr>
+              </a:solidFill>
+              <a:latin typeface="Calibri"/>
+            </a:endParaRPr>
+          </a:p>
+          <a:p>
+            <a:r>
+              <a:rPr lang="de-DE" kern="0" dirty="0" smtClean="0">
+                <a:latin typeface="Calibri"/>
+              </a:rPr>
+              <a:t>Diffie-Hellman </a:t>
+            </a:r>
+            <a:r>
+              <a:rPr lang="de-DE" kern="0" dirty="0" err="1" smtClean="0">
+                <a:latin typeface="Calibri"/>
+              </a:rPr>
+              <a:t>key</a:t>
+            </a:r>
+            <a:r>
+              <a:rPr lang="de-DE" kern="0" dirty="0" smtClean="0">
+                <a:latin typeface="Calibri"/>
+              </a:rPr>
+              <a:t> </a:t>
+            </a:r>
+            <a:r>
+              <a:rPr lang="de-DE" kern="0" dirty="0" err="1" smtClean="0">
+                <a:latin typeface="Calibri"/>
+              </a:rPr>
+              <a:t>exchange</a:t>
+            </a:r>
+            <a:endParaRPr lang="de-DE" kern="0" dirty="0" smtClean="0">
+              <a:latin typeface="Calibri"/>
+            </a:endParaRPr>
+          </a:p>
+          <a:p>
+            <a:pPr lvl="1"/>
+            <a:endParaRPr lang="de-DE" kern="0" dirty="0">
+              <a:latin typeface="Calibri"/>
+            </a:endParaRPr>
+          </a:p>
+        </p:txBody>
+      </p:sp>
+      <p:sp>
+        <p:nvSpPr>
+          <p:cNvPr id="12290" name="Rectangle 3"/>
+          <p:cNvSpPr>
+            <a:spLocks noGrp="1" noChangeArrowheads="1"/>
+          </p:cNvSpPr>
+          <p:nvPr>
+            <p:ph type="title"/>
+          </p:nvPr>
+        </p:nvSpPr>
+        <p:spPr/>
+        <p:txBody>
+          <a:bodyPr/>
+          <a:lstStyle/>
+          <a:p>
+            <a:r>
+              <a:rPr lang="de-DE" dirty="0"/>
+              <a:t>(</a:t>
+            </a:r>
+            <a:r>
+              <a:rPr lang="de-DE" dirty="0" err="1"/>
+              <a:t>Used</a:t>
+            </a:r>
+            <a:r>
+              <a:rPr lang="de-DE" dirty="0"/>
+              <a:t> </a:t>
+            </a:r>
+            <a:r>
+              <a:rPr lang="de-DE" dirty="0" err="1"/>
+              <a:t>cryptographic</a:t>
+            </a:r>
+            <a:r>
+              <a:rPr lang="de-DE" dirty="0"/>
+              <a:t> </a:t>
+            </a:r>
+            <a:r>
+              <a:rPr lang="de-DE" dirty="0" err="1"/>
+              <a:t>principles</a:t>
+            </a:r>
+            <a:r>
+              <a:rPr lang="de-DE" dirty="0"/>
+              <a:t>)</a:t>
+            </a:r>
+            <a:endParaRPr lang="de-DE" dirty="0">
+              <a:latin typeface="Calibri"/>
+            </a:endParaRPr>
+          </a:p>
+        </p:txBody>
+      </p:sp>
+      <mc:AlternateContent xmlns:mc="http://schemas.openxmlformats.org/markup-compatibility/2006" xmlns:a14="http://schemas.microsoft.com/office/drawing/2010/main">
+        <mc:Choice Requires="a14">
+          <p:sp>
+            <p:nvSpPr>
+              <p:cNvPr id="30" name="Textfeld 29"/>
+              <p:cNvSpPr txBox="1"/>
+              <p:nvPr/>
+            </p:nvSpPr>
+            <p:spPr>
+              <a:xfrm>
+                <a:off x="596266" y="4653136"/>
+                <a:ext cx="2613408" cy="461665"/>
+              </a:xfrm>
+              <a:prstGeom prst="rect">
+                <a:avLst/>
+              </a:prstGeom>
+              <a:noFill/>
+            </p:spPr>
+            <p:txBody>
+              <a:bodyPr wrap="none" rtlCol="0">
+                <a:spAutoFit/>
+              </a:bodyPr>
+              <a:lstStyle/>
+              <a:p>
+                <a:pPr/>
+                <a14:m>
+                  <m:oMathPara xmlns:m="http://schemas.openxmlformats.org/officeDocument/2006/math">
+                    <m:oMathParaPr>
+                      <m:jc m:val="right"/>
+                    </m:oMathParaPr>
+                    <m:oMath xmlns:m="http://schemas.openxmlformats.org/officeDocument/2006/math">
+                      <m:r>
+                        <a:rPr lang="de-DE" b="0" i="1" smtClean="0">
+                          <a:solidFill>
+                            <a:schemeClr val="tx1">
+                              <a:lumMod val="75000"/>
+                              <a:lumOff val="25000"/>
+                            </a:schemeClr>
+                          </a:solidFill>
+                          <a:latin typeface="Cambria Math" panose="02040503050406030204" pitchFamily="18" charset="0"/>
+                        </a:rPr>
+                        <m:t>𝐾</m:t>
+                      </m:r>
+                      <m:r>
+                        <a:rPr lang="de-DE" b="0" i="1" smtClean="0">
+                          <a:solidFill>
+                            <a:schemeClr val="tx1">
+                              <a:lumMod val="75000"/>
+                              <a:lumOff val="25000"/>
+                            </a:schemeClr>
+                          </a:solidFill>
+                          <a:latin typeface="Cambria Math" panose="02040503050406030204" pitchFamily="18" charset="0"/>
+                        </a:rPr>
+                        <m:t>=</m:t>
+                      </m:r>
+                      <m:sSup>
+                        <m:sSupPr>
+                          <m:ctrlPr>
+                            <a:rPr lang="de-DE" b="0" i="1" smtClean="0">
+                              <a:solidFill>
+                                <a:schemeClr val="tx1">
+                                  <a:lumMod val="75000"/>
+                                  <a:lumOff val="25000"/>
+                                </a:schemeClr>
+                              </a:solidFill>
+                              <a:latin typeface="Cambria Math"/>
+                            </a:rPr>
+                          </m:ctrlPr>
+                        </m:sSupPr>
+                        <m:e>
+                          <m:sSup>
+                            <m:sSupPr>
+                              <m:ctrlPr>
+                                <a:rPr lang="de-DE" i="1">
+                                  <a:solidFill>
+                                    <a:schemeClr val="tx1">
+                                      <a:lumMod val="75000"/>
+                                      <a:lumOff val="25000"/>
+                                    </a:schemeClr>
+                                  </a:solidFill>
+                                  <a:latin typeface="Cambria Math"/>
+                                </a:rPr>
+                              </m:ctrlPr>
+                            </m:sSupPr>
+                            <m:e>
+                              <m:r>
+                                <a:rPr lang="de-DE" i="1">
+                                  <a:solidFill>
+                                    <a:schemeClr val="tx1">
+                                      <a:lumMod val="75000"/>
+                                      <a:lumOff val="25000"/>
+                                    </a:schemeClr>
+                                  </a:solidFill>
+                                  <a:latin typeface="Cambria Math"/>
+                                </a:rPr>
+                                <m:t>(</m:t>
+                              </m:r>
+                              <m:r>
+                                <a:rPr lang="de-DE" i="1">
+                                  <a:solidFill>
+                                    <a:schemeClr val="tx1">
+                                      <a:lumMod val="75000"/>
+                                      <a:lumOff val="25000"/>
+                                    </a:schemeClr>
+                                  </a:solidFill>
+                                  <a:latin typeface="Cambria Math" panose="02040503050406030204" pitchFamily="18" charset="0"/>
+                                </a:rPr>
+                                <m:t>𝑔</m:t>
+                              </m:r>
+                            </m:e>
+                            <m:sup>
+                              <m:r>
+                                <a:rPr lang="de-DE" i="1">
+                                  <a:solidFill>
+                                    <a:schemeClr val="tx1">
+                                      <a:lumMod val="75000"/>
+                                      <a:lumOff val="25000"/>
+                                    </a:schemeClr>
+                                  </a:solidFill>
+                                  <a:latin typeface="Cambria Math" panose="02040503050406030204" pitchFamily="18" charset="0"/>
+                                </a:rPr>
+                                <m:t>𝑦</m:t>
+                              </m:r>
+                            </m:sup>
+                          </m:sSup>
+                          <m:r>
+                            <a:rPr lang="de-DE" i="1">
+                              <a:solidFill>
+                                <a:schemeClr val="tx1">
+                                  <a:lumMod val="75000"/>
+                                  <a:lumOff val="25000"/>
+                                </a:schemeClr>
+                              </a:solidFill>
+                              <a:latin typeface="Cambria Math"/>
+                            </a:rPr>
+                            <m:t>)</m:t>
+                          </m:r>
+                        </m:e>
+                        <m:sup>
+                          <m:r>
+                            <a:rPr lang="de-DE" b="0" i="1" smtClean="0">
+                              <a:solidFill>
+                                <a:schemeClr val="tx1">
+                                  <a:lumMod val="75000"/>
+                                  <a:lumOff val="25000"/>
+                                </a:schemeClr>
+                              </a:solidFill>
+                              <a:latin typeface="Cambria Math"/>
+                            </a:rPr>
+                            <m:t>𝑥</m:t>
+                          </m:r>
+                        </m:sup>
+                      </m:sSup>
+                      <m:r>
+                        <a:rPr lang="de-DE" b="0" i="1" smtClean="0">
+                          <a:solidFill>
+                            <a:schemeClr val="tx1">
+                              <a:lumMod val="75000"/>
+                              <a:lumOff val="25000"/>
+                            </a:schemeClr>
+                          </a:solidFill>
+                          <a:latin typeface="Cambria Math"/>
+                        </a:rPr>
+                        <m:t> </m:t>
+                      </m:r>
+                      <m:r>
+                        <a:rPr lang="de-DE" b="0" i="1" smtClean="0">
+                          <a:solidFill>
+                            <a:schemeClr val="tx1">
+                              <a:lumMod val="75000"/>
+                              <a:lumOff val="25000"/>
+                            </a:schemeClr>
+                          </a:solidFill>
+                          <a:latin typeface="Cambria Math"/>
+                        </a:rPr>
+                        <m:t>𝑚𝑜𝑑</m:t>
+                      </m:r>
+                      <m:r>
+                        <a:rPr lang="de-DE" b="0" i="1" smtClean="0">
+                          <a:solidFill>
+                            <a:schemeClr val="tx1">
+                              <a:lumMod val="75000"/>
+                              <a:lumOff val="25000"/>
+                            </a:schemeClr>
+                          </a:solidFill>
+                          <a:latin typeface="Cambria Math"/>
+                        </a:rPr>
+                        <m:t> </m:t>
+                      </m:r>
+                      <m:r>
+                        <a:rPr lang="de-DE" b="0" i="1" smtClean="0">
+                          <a:solidFill>
+                            <a:schemeClr val="tx1">
+                              <a:lumMod val="75000"/>
+                              <a:lumOff val="25000"/>
+                            </a:schemeClr>
+                          </a:solidFill>
+                          <a:latin typeface="Cambria Math"/>
+                        </a:rPr>
+                        <m:t>𝑝</m:t>
+                      </m:r>
+                    </m:oMath>
+                  </m:oMathPara>
+                </a14:m>
+                <a:endParaRPr lang="en-US" dirty="0">
+                  <a:solidFill>
+                    <a:schemeClr val="tx1">
+                      <a:lumMod val="75000"/>
+                      <a:lumOff val="25000"/>
+                    </a:schemeClr>
+                  </a:solidFill>
+                </a:endParaRPr>
+              </a:p>
+            </p:txBody>
+          </p:sp>
+        </mc:Choice>
+        <mc:Fallback xmlns="">
+          <p:sp>
+            <p:nvSpPr>
+              <p:cNvPr id="30" name="Textfeld 29"/>
+              <p:cNvSpPr txBox="1">
+                <a:spLocks noRot="1" noChangeAspect="1" noMove="1" noResize="1" noEditPoints="1" noAdjustHandles="1" noChangeArrowheads="1" noChangeShapeType="1" noTextEdit="1"/>
+              </p:cNvSpPr>
+              <p:nvPr/>
+            </p:nvSpPr>
+            <p:spPr>
+              <a:xfrm>
+                <a:off x="596266" y="4653136"/>
+                <a:ext cx="2613408" cy="461665"/>
+              </a:xfrm>
+              <a:prstGeom prst="rect">
+                <a:avLst/>
+              </a:prstGeom>
+              <a:blipFill rotWithShape="1">
+                <a:blip r:embed="rId3"/>
+                <a:stretch>
+                  <a:fillRect r="-466" b="-19737"/>
+                </a:stretch>
+              </a:blipFill>
+            </p:spPr>
+            <p:txBody>
+              <a:bodyPr/>
+              <a:lstStyle/>
+              <a:p>
+                <a:r>
+                  <a:rPr lang="de-DE">
+                    <a:noFill/>
+                  </a:rPr>
+                  <a:t> </a:t>
+                </a:r>
+              </a:p>
+            </p:txBody>
+          </p:sp>
+        </mc:Fallback>
+      </mc:AlternateContent>
+      <p:sp>
+        <p:nvSpPr>
+          <p:cNvPr id="7" name="Rechteck 6"/>
+          <p:cNvSpPr/>
+          <p:nvPr/>
+        </p:nvSpPr>
+        <p:spPr bwMode="auto">
+          <a:xfrm>
+            <a:off x="2273570" y="3032955"/>
+            <a:ext cx="936104" cy="1384289"/>
+          </a:xfrm>
+          <a:prstGeom prst="rect">
+            <a:avLst/>
+          </a:prstGeom>
+          <a:solidFill>
+            <a:schemeClr val="accent1"/>
+          </a:solidFill>
+          <a:ln w="9525" cap="flat" cmpd="sng" algn="ctr">
+            <a:solidFill>
+              <a:schemeClr val="bg2">
+                <a:lumMod val="50000"/>
+              </a:schemeClr>
+            </a:solidFill>
+            <a:prstDash val="solid"/>
+            <a:round/>
+            <a:headEnd type="none" w="med" len="med"/>
+            <a:tailEnd type="none" w="med" len="med"/>
+          </a:ln>
+          <a:effectLst/>
+        </p:spPr>
+        <p:txBody>
+          <a:bodyPr vert="horz" wrap="square" lIns="91440" tIns="45720" rIns="91440" bIns="45720" numCol="1" rtlCol="0" anchor="ctr" anchorCtr="0" compatLnSpc="1">
+            <a:prstTxWarp prst="textNoShape">
+              <a:avLst/>
+            </a:prstTxWarp>
+          </a:bodyPr>
+          <a:lstStyle/>
+          <a:p>
+            <a:pPr marL="0" marR="0" indent="0" algn="ctr" defTabSz="914400" rtl="0" eaLnBrk="0" fontAlgn="base" latinLnBrk="0" hangingPunct="0">
+              <a:lnSpc>
+                <a:spcPct val="100000"/>
+              </a:lnSpc>
+              <a:spcBef>
+                <a:spcPct val="0"/>
+              </a:spcBef>
+              <a:spcAft>
+                <a:spcPct val="0"/>
+              </a:spcAft>
+              <a:buClrTx/>
+              <a:buSzTx/>
+              <a:buFontTx/>
+              <a:buNone/>
+              <a:tabLst/>
+            </a:pPr>
+            <a:r>
+              <a:rPr kumimoji="0" lang="en-US" sz="4000" b="0" i="0" u="none" strike="noStrike" cap="none" normalizeH="0" baseline="0" dirty="0">
+                <a:ln>
+                  <a:noFill/>
+                </a:ln>
+                <a:solidFill>
+                  <a:schemeClr val="tx1">
+                    <a:lumMod val="75000"/>
+                    <a:lumOff val="25000"/>
+                  </a:schemeClr>
+                </a:solidFill>
+                <a:effectLst/>
+                <a:latin typeface="Arial" pitchFamily="-107" charset="0"/>
+                <a:ea typeface="ＭＳ Ｐゴシック" pitchFamily="-107" charset="-128"/>
+                <a:cs typeface="ＭＳ Ｐゴシック" pitchFamily="-107" charset="-128"/>
+              </a:rPr>
+              <a:t>A</a:t>
+            </a:r>
+          </a:p>
+        </p:txBody>
+      </p:sp>
+      <p:sp>
+        <p:nvSpPr>
+          <p:cNvPr id="8" name="Rechteck 7"/>
+          <p:cNvSpPr/>
+          <p:nvPr/>
+        </p:nvSpPr>
+        <p:spPr bwMode="auto">
+          <a:xfrm>
+            <a:off x="5934326" y="3032956"/>
+            <a:ext cx="936104" cy="1377083"/>
+          </a:xfrm>
+          <a:prstGeom prst="rect">
+            <a:avLst/>
+          </a:prstGeom>
+          <a:solidFill>
+            <a:schemeClr val="accent1"/>
+          </a:solidFill>
+          <a:ln w="9525" cap="flat" cmpd="sng" algn="ctr">
+            <a:solidFill>
+              <a:schemeClr val="bg2">
+                <a:lumMod val="50000"/>
+              </a:schemeClr>
+            </a:solidFill>
+            <a:prstDash val="solid"/>
+            <a:round/>
+            <a:headEnd type="none" w="med" len="med"/>
+            <a:tailEnd type="none" w="med" len="med"/>
+          </a:ln>
+          <a:effectLst/>
+        </p:spPr>
+        <p:txBody>
+          <a:bodyPr vert="horz" wrap="square" lIns="91440" tIns="45720" rIns="91440" bIns="45720" numCol="1" rtlCol="0" anchor="ctr" anchorCtr="0" compatLnSpc="1">
+            <a:prstTxWarp prst="textNoShape">
+              <a:avLst/>
+            </a:prstTxWarp>
+          </a:bodyPr>
+          <a:lstStyle/>
+          <a:p>
+            <a:pPr marL="0" marR="0" indent="0" algn="ctr" defTabSz="914400" rtl="0" eaLnBrk="0" fontAlgn="base" latinLnBrk="0" hangingPunct="0">
+              <a:lnSpc>
+                <a:spcPct val="100000"/>
+              </a:lnSpc>
+              <a:spcBef>
+                <a:spcPct val="0"/>
+              </a:spcBef>
+              <a:spcAft>
+                <a:spcPct val="0"/>
+              </a:spcAft>
+              <a:buClrTx/>
+              <a:buSzTx/>
+              <a:buFontTx/>
+              <a:buNone/>
+              <a:tabLst/>
+            </a:pPr>
+            <a:r>
+              <a:rPr kumimoji="0" lang="en-US" sz="4000" b="0" i="0" u="none" strike="noStrike" cap="none" normalizeH="0" baseline="0" dirty="0">
+                <a:ln>
+                  <a:noFill/>
+                </a:ln>
+                <a:solidFill>
+                  <a:schemeClr val="tx1">
+                    <a:lumMod val="75000"/>
+                    <a:lumOff val="25000"/>
+                  </a:schemeClr>
+                </a:solidFill>
+                <a:effectLst/>
+                <a:latin typeface="Arial" pitchFamily="-107" charset="0"/>
+                <a:ea typeface="ＭＳ Ｐゴシック" pitchFamily="-107" charset="-128"/>
+                <a:cs typeface="ＭＳ Ｐゴシック" pitchFamily="-107" charset="-128"/>
+              </a:rPr>
+              <a:t>B</a:t>
+            </a:r>
+          </a:p>
+        </p:txBody>
+      </p:sp>
+      <p:grpSp>
+        <p:nvGrpSpPr>
+          <p:cNvPr id="17" name="Gruppieren 16"/>
+          <p:cNvGrpSpPr/>
+          <p:nvPr/>
+        </p:nvGrpSpPr>
+        <p:grpSpPr>
+          <a:xfrm>
+            <a:off x="3209674" y="2996952"/>
+            <a:ext cx="2724652" cy="476941"/>
+            <a:chOff x="3209674" y="3111351"/>
+            <a:chExt cx="2724652" cy="476941"/>
+          </a:xfrm>
+        </p:grpSpPr>
+        <p:cxnSp>
+          <p:nvCxnSpPr>
+            <p:cNvPr id="11" name="Gerade Verbindung mit Pfeil 10"/>
+            <p:cNvCxnSpPr>
+              <a:cxnSpLocks/>
+            </p:cNvCxnSpPr>
+            <p:nvPr/>
+          </p:nvCxnSpPr>
+          <p:spPr bwMode="auto">
+            <a:xfrm>
+              <a:off x="3209674" y="3588291"/>
+              <a:ext cx="2724652" cy="1"/>
+            </a:xfrm>
+            <a:prstGeom prst="straightConnector1">
+              <a:avLst/>
+            </a:prstGeom>
+            <a:solidFill>
+              <a:schemeClr val="accent1"/>
+            </a:solidFill>
+            <a:ln w="9525" cap="flat" cmpd="sng" algn="ctr">
+              <a:solidFill>
+                <a:schemeClr val="tx1"/>
+              </a:solidFill>
+              <a:prstDash val="solid"/>
+              <a:round/>
+              <a:headEnd type="none" w="med" len="med"/>
+              <a:tailEnd type="triangle"/>
+            </a:ln>
+            <a:effectLst/>
+          </p:spPr>
+        </p:cxnSp>
+        <mc:AlternateContent xmlns:mc="http://schemas.openxmlformats.org/markup-compatibility/2006" xmlns:a14="http://schemas.microsoft.com/office/drawing/2010/main">
+          <mc:Choice Requires="a14">
+            <p:sp>
+              <p:nvSpPr>
+                <p:cNvPr id="12" name="Textfeld 11"/>
+                <p:cNvSpPr txBox="1"/>
+                <p:nvPr/>
+              </p:nvSpPr>
+              <p:spPr>
+                <a:xfrm>
+                  <a:off x="4253790" y="3111351"/>
+                  <a:ext cx="636420" cy="461665"/>
+                </a:xfrm>
+                <a:prstGeom prst="rect">
+                  <a:avLst/>
+                </a:prstGeom>
+                <a:noFill/>
+              </p:spPr>
+              <p:txBody>
+                <a:bodyPr wrap="square" rtlCol="0">
+                  <a:spAutoFit/>
+                </a:bodyPr>
+                <a:lstStyle/>
+                <a:p>
+                  <a:pPr algn="ctr"/>
+                  <a14:m>
+                    <m:oMathPara xmlns:m="http://schemas.openxmlformats.org/officeDocument/2006/math">
+                      <m:oMathParaPr>
+                        <m:jc m:val="centerGroup"/>
+                      </m:oMathParaPr>
+                      <m:oMath xmlns:m="http://schemas.openxmlformats.org/officeDocument/2006/math">
+                        <m:sSup>
+                          <m:sSupPr>
+                            <m:ctrlPr>
+                              <a:rPr lang="de-DE" i="1" smtClean="0">
+                                <a:solidFill>
+                                  <a:schemeClr val="tx1">
+                                    <a:lumMod val="75000"/>
+                                    <a:lumOff val="25000"/>
+                                  </a:schemeClr>
+                                </a:solidFill>
+                                <a:latin typeface="Cambria Math"/>
+                              </a:rPr>
+                            </m:ctrlPr>
+                          </m:sSupPr>
+                          <m:e>
+                            <m:r>
+                              <a:rPr lang="de-DE" i="1">
+                                <a:solidFill>
+                                  <a:schemeClr val="tx1">
+                                    <a:lumMod val="75000"/>
+                                    <a:lumOff val="25000"/>
+                                  </a:schemeClr>
+                                </a:solidFill>
+                                <a:latin typeface="Cambria Math" panose="02040503050406030204" pitchFamily="18" charset="0"/>
+                              </a:rPr>
+                              <m:t>𝑔</m:t>
+                            </m:r>
+                          </m:e>
+                          <m:sup>
+                            <m:r>
+                              <a:rPr lang="de-DE" i="1">
+                                <a:solidFill>
+                                  <a:schemeClr val="tx1">
+                                    <a:lumMod val="75000"/>
+                                    <a:lumOff val="25000"/>
+                                  </a:schemeClr>
+                                </a:solidFill>
+                                <a:latin typeface="Cambria Math" panose="02040503050406030204" pitchFamily="18" charset="0"/>
+                              </a:rPr>
+                              <m:t>𝑥</m:t>
+                            </m:r>
+                          </m:sup>
+                        </m:sSup>
+                        <m:r>
+                          <a:rPr lang="de-DE" b="0" i="1" smtClean="0">
+                            <a:solidFill>
+                              <a:schemeClr val="tx1">
+                                <a:lumMod val="75000"/>
+                                <a:lumOff val="25000"/>
+                              </a:schemeClr>
+                            </a:solidFill>
+                            <a:latin typeface="Cambria Math"/>
+                          </a:rPr>
+                          <m:t> </m:t>
+                        </m:r>
+                        <m:r>
+                          <a:rPr lang="de-DE" b="0" i="1" smtClean="0">
+                            <a:solidFill>
+                              <a:schemeClr val="tx1">
+                                <a:lumMod val="75000"/>
+                                <a:lumOff val="25000"/>
+                              </a:schemeClr>
+                            </a:solidFill>
+                            <a:latin typeface="Cambria Math"/>
+                          </a:rPr>
+                          <m:t>𝑚𝑜𝑑</m:t>
+                        </m:r>
+                        <m:r>
+                          <a:rPr lang="de-DE" b="0" i="1" smtClean="0">
+                            <a:solidFill>
+                              <a:schemeClr val="tx1">
+                                <a:lumMod val="75000"/>
+                                <a:lumOff val="25000"/>
+                              </a:schemeClr>
+                            </a:solidFill>
+                            <a:latin typeface="Cambria Math"/>
+                          </a:rPr>
+                          <m:t> </m:t>
+                        </m:r>
+                        <m:r>
+                          <a:rPr lang="de-DE" b="0" i="1" smtClean="0">
+                            <a:solidFill>
+                              <a:schemeClr val="tx1">
+                                <a:lumMod val="75000"/>
+                                <a:lumOff val="25000"/>
+                              </a:schemeClr>
+                            </a:solidFill>
+                            <a:latin typeface="Cambria Math"/>
+                          </a:rPr>
+                          <m:t>𝑝</m:t>
+                        </m:r>
+                      </m:oMath>
+                    </m:oMathPara>
+                  </a14:m>
+                  <a:endParaRPr lang="en-US" dirty="0">
+                    <a:solidFill>
+                      <a:schemeClr val="tx1">
+                        <a:lumMod val="75000"/>
+                        <a:lumOff val="25000"/>
+                      </a:schemeClr>
+                    </a:solidFill>
+                  </a:endParaRPr>
+                </a:p>
+              </p:txBody>
+            </p:sp>
+          </mc:Choice>
+          <mc:Fallback xmlns="">
+            <p:sp>
+              <p:nvSpPr>
+                <p:cNvPr id="12" name="Textfeld 11"/>
+                <p:cNvSpPr txBox="1">
+                  <a:spLocks noRot="1" noChangeAspect="1" noMove="1" noResize="1" noEditPoints="1" noAdjustHandles="1" noChangeArrowheads="1" noChangeShapeType="1" noTextEdit="1"/>
+                </p:cNvSpPr>
+                <p:nvPr/>
+              </p:nvSpPr>
+              <p:spPr>
+                <a:xfrm>
+                  <a:off x="4253790" y="3111351"/>
+                  <a:ext cx="636420" cy="461665"/>
+                </a:xfrm>
+                <a:prstGeom prst="rect">
+                  <a:avLst/>
+                </a:prstGeom>
+                <a:blipFill rotWithShape="1">
+                  <a:blip r:embed="rId4"/>
+                  <a:stretch>
+                    <a:fillRect l="-75000" r="-57692" b="-13333"/>
+                  </a:stretch>
+                </a:blipFill>
+              </p:spPr>
+              <p:txBody>
+                <a:bodyPr/>
+                <a:lstStyle/>
+                <a:p>
+                  <a:r>
+                    <a:rPr lang="de-DE">
+                      <a:noFill/>
+                    </a:rPr>
+                    <a:t> </a:t>
+                  </a:r>
+                </a:p>
+              </p:txBody>
+            </p:sp>
+          </mc:Fallback>
+        </mc:AlternateContent>
+      </p:grpSp>
+      <p:grpSp>
+        <p:nvGrpSpPr>
+          <p:cNvPr id="16" name="Gruppieren 15"/>
+          <p:cNvGrpSpPr/>
+          <p:nvPr/>
+        </p:nvGrpSpPr>
+        <p:grpSpPr>
+          <a:xfrm>
+            <a:off x="3209674" y="3759423"/>
+            <a:ext cx="2724652" cy="461665"/>
+            <a:chOff x="3209674" y="3975447"/>
+            <a:chExt cx="2724652" cy="461665"/>
+          </a:xfrm>
+        </p:grpSpPr>
+        <p:cxnSp>
+          <p:nvCxnSpPr>
+            <p:cNvPr id="14" name="Gerade Verbindung mit Pfeil 13"/>
+            <p:cNvCxnSpPr>
+              <a:cxnSpLocks/>
+            </p:cNvCxnSpPr>
+            <p:nvPr/>
+          </p:nvCxnSpPr>
+          <p:spPr bwMode="auto">
+            <a:xfrm>
+              <a:off x="3209674" y="4410039"/>
+              <a:ext cx="2724652" cy="7205"/>
+            </a:xfrm>
+            <a:prstGeom prst="straightConnector1">
+              <a:avLst/>
+            </a:prstGeom>
+            <a:solidFill>
+              <a:schemeClr val="accent1"/>
+            </a:solidFill>
+            <a:ln w="9525" cap="flat" cmpd="sng" algn="ctr">
+              <a:solidFill>
+                <a:schemeClr val="tx1"/>
+              </a:solidFill>
+              <a:prstDash val="solid"/>
+              <a:round/>
+              <a:headEnd type="triangle" w="med" len="med"/>
+              <a:tailEnd type="none" w="med" len="med"/>
+            </a:ln>
+            <a:effectLst/>
+          </p:spPr>
+        </p:cxnSp>
+        <mc:AlternateContent xmlns:mc="http://schemas.openxmlformats.org/markup-compatibility/2006" xmlns:a14="http://schemas.microsoft.com/office/drawing/2010/main">
+          <mc:Choice Requires="a14">
+            <p:sp>
+              <p:nvSpPr>
+                <p:cNvPr id="15" name="Textfeld 14"/>
+                <p:cNvSpPr txBox="1"/>
+                <p:nvPr/>
+              </p:nvSpPr>
+              <p:spPr>
+                <a:xfrm>
+                  <a:off x="4253790" y="3975447"/>
+                  <a:ext cx="636420" cy="461665"/>
+                </a:xfrm>
+                <a:prstGeom prst="rect">
+                  <a:avLst/>
+                </a:prstGeom>
+                <a:noFill/>
+              </p:spPr>
+              <p:txBody>
+                <a:bodyPr wrap="square" rtlCol="0">
+                  <a:spAutoFit/>
+                </a:bodyPr>
+                <a:lstStyle/>
+                <a:p>
+                  <a:pPr algn="ctr"/>
+                  <a14:m>
+                    <m:oMathPara xmlns:m="http://schemas.openxmlformats.org/officeDocument/2006/math">
+                      <m:oMathParaPr>
+                        <m:jc m:val="centerGroup"/>
+                      </m:oMathParaPr>
+                      <m:oMath xmlns:m="http://schemas.openxmlformats.org/officeDocument/2006/math">
+                        <m:sSup>
+                          <m:sSupPr>
+                            <m:ctrlPr>
+                              <a:rPr lang="de-DE" i="1" smtClean="0">
+                                <a:solidFill>
+                                  <a:schemeClr val="tx1">
+                                    <a:lumMod val="75000"/>
+                                    <a:lumOff val="25000"/>
+                                  </a:schemeClr>
+                                </a:solidFill>
+                                <a:latin typeface="Cambria Math"/>
+                              </a:rPr>
+                            </m:ctrlPr>
+                          </m:sSupPr>
+                          <m:e>
+                            <m:r>
+                              <a:rPr lang="de-DE" i="1">
+                                <a:solidFill>
+                                  <a:schemeClr val="tx1">
+                                    <a:lumMod val="75000"/>
+                                    <a:lumOff val="25000"/>
+                                  </a:schemeClr>
+                                </a:solidFill>
+                                <a:latin typeface="Cambria Math" panose="02040503050406030204" pitchFamily="18" charset="0"/>
+                              </a:rPr>
+                              <m:t>𝑔</m:t>
+                            </m:r>
+                          </m:e>
+                          <m:sup>
+                            <m:r>
+                              <a:rPr lang="de-DE" i="1">
+                                <a:solidFill>
+                                  <a:schemeClr val="tx1">
+                                    <a:lumMod val="75000"/>
+                                    <a:lumOff val="25000"/>
+                                  </a:schemeClr>
+                                </a:solidFill>
+                                <a:latin typeface="Cambria Math" panose="02040503050406030204" pitchFamily="18" charset="0"/>
+                              </a:rPr>
+                              <m:t>𝑦</m:t>
+                            </m:r>
+                          </m:sup>
+                        </m:sSup>
+                        <m:r>
+                          <a:rPr lang="de-DE" b="0" i="1" smtClean="0">
+                            <a:solidFill>
+                              <a:schemeClr val="tx1">
+                                <a:lumMod val="75000"/>
+                                <a:lumOff val="25000"/>
+                              </a:schemeClr>
+                            </a:solidFill>
+                            <a:latin typeface="Cambria Math"/>
+                          </a:rPr>
+                          <m:t> </m:t>
+                        </m:r>
+                        <m:r>
+                          <a:rPr lang="de-DE" b="0" i="1" smtClean="0">
+                            <a:solidFill>
+                              <a:schemeClr val="tx1">
+                                <a:lumMod val="75000"/>
+                                <a:lumOff val="25000"/>
+                              </a:schemeClr>
+                            </a:solidFill>
+                            <a:latin typeface="Cambria Math"/>
+                          </a:rPr>
+                          <m:t>𝑚𝑜𝑑</m:t>
+                        </m:r>
+                        <m:r>
+                          <a:rPr lang="de-DE" b="0" i="1" smtClean="0">
+                            <a:solidFill>
+                              <a:schemeClr val="tx1">
+                                <a:lumMod val="75000"/>
+                                <a:lumOff val="25000"/>
+                              </a:schemeClr>
+                            </a:solidFill>
+                            <a:latin typeface="Cambria Math"/>
+                          </a:rPr>
+                          <m:t> </m:t>
+                        </m:r>
+                        <m:r>
+                          <a:rPr lang="de-DE" b="0" i="1" smtClean="0">
+                            <a:solidFill>
+                              <a:schemeClr val="tx1">
+                                <a:lumMod val="75000"/>
+                                <a:lumOff val="25000"/>
+                              </a:schemeClr>
+                            </a:solidFill>
+                            <a:latin typeface="Cambria Math"/>
+                          </a:rPr>
+                          <m:t>𝑝</m:t>
+                        </m:r>
+                      </m:oMath>
+                    </m:oMathPara>
+                  </a14:m>
+                  <a:endParaRPr lang="en-US" dirty="0">
+                    <a:solidFill>
+                      <a:schemeClr val="tx1">
+                        <a:lumMod val="75000"/>
+                        <a:lumOff val="25000"/>
+                      </a:schemeClr>
+                    </a:solidFill>
+                  </a:endParaRPr>
+                </a:p>
+              </p:txBody>
+            </p:sp>
+          </mc:Choice>
+          <mc:Fallback xmlns="">
+            <p:sp>
+              <p:nvSpPr>
+                <p:cNvPr id="15" name="Textfeld 14"/>
+                <p:cNvSpPr txBox="1">
+                  <a:spLocks noRot="1" noChangeAspect="1" noMove="1" noResize="1" noEditPoints="1" noAdjustHandles="1" noChangeArrowheads="1" noChangeShapeType="1" noTextEdit="1"/>
+                </p:cNvSpPr>
+                <p:nvPr/>
+              </p:nvSpPr>
+              <p:spPr>
+                <a:xfrm>
+                  <a:off x="4253790" y="3975447"/>
+                  <a:ext cx="636420" cy="461665"/>
+                </a:xfrm>
+                <a:prstGeom prst="rect">
+                  <a:avLst/>
+                </a:prstGeom>
+                <a:blipFill rotWithShape="1">
+                  <a:blip r:embed="rId5"/>
+                  <a:stretch>
+                    <a:fillRect l="-75000" r="-59615" b="-13333"/>
+                  </a:stretch>
+                </a:blipFill>
+              </p:spPr>
+              <p:txBody>
+                <a:bodyPr/>
+                <a:lstStyle/>
+                <a:p>
+                  <a:r>
+                    <a:rPr lang="de-DE">
+                      <a:noFill/>
+                    </a:rPr>
+                    <a:t> </a:t>
+                  </a:r>
+                </a:p>
+              </p:txBody>
+            </p:sp>
+          </mc:Fallback>
+        </mc:AlternateContent>
+      </p:grpSp>
+      <mc:AlternateContent xmlns:mc="http://schemas.openxmlformats.org/markup-compatibility/2006" xmlns:a14="http://schemas.microsoft.com/office/drawing/2010/main">
+        <mc:Choice Requires="a14">
+          <p:sp>
+            <p:nvSpPr>
+              <p:cNvPr id="22" name="Textfeld 21"/>
+              <p:cNvSpPr txBox="1"/>
+              <p:nvPr/>
+            </p:nvSpPr>
+            <p:spPr>
+              <a:xfrm>
+                <a:off x="5934326" y="4653136"/>
+                <a:ext cx="2613408" cy="461665"/>
+              </a:xfrm>
+              <a:prstGeom prst="rect">
+                <a:avLst/>
+              </a:prstGeom>
+              <a:noFill/>
+            </p:spPr>
+            <p:txBody>
+              <a:bodyPr wrap="none" rtlCol="0">
+                <a:spAutoFit/>
+              </a:bodyPr>
+              <a:lstStyle/>
+              <a:p>
+                <a:pPr/>
+                <a14:m>
+                  <m:oMathPara xmlns:m="http://schemas.openxmlformats.org/officeDocument/2006/math">
+                    <m:oMathParaPr>
+                      <m:jc m:val="left"/>
+                    </m:oMathParaPr>
+                    <m:oMath xmlns:m="http://schemas.openxmlformats.org/officeDocument/2006/math">
+                      <m:r>
+                        <a:rPr lang="de-DE" b="0" i="1" smtClean="0">
+                          <a:solidFill>
+                            <a:schemeClr val="tx1">
+                              <a:lumMod val="75000"/>
+                              <a:lumOff val="25000"/>
+                            </a:schemeClr>
+                          </a:solidFill>
+                          <a:latin typeface="Cambria Math" panose="02040503050406030204" pitchFamily="18" charset="0"/>
+                        </a:rPr>
+                        <m:t>𝐾</m:t>
+                      </m:r>
+                      <m:r>
+                        <a:rPr lang="de-DE" b="0" i="1" smtClean="0">
+                          <a:solidFill>
+                            <a:schemeClr val="tx1">
+                              <a:lumMod val="75000"/>
+                              <a:lumOff val="25000"/>
+                            </a:schemeClr>
+                          </a:solidFill>
+                          <a:latin typeface="Cambria Math" panose="02040503050406030204" pitchFamily="18" charset="0"/>
+                        </a:rPr>
+                        <m:t>=</m:t>
+                      </m:r>
+                      <m:sSup>
+                        <m:sSupPr>
+                          <m:ctrlPr>
+                            <a:rPr lang="de-DE" b="0" i="1" smtClean="0">
+                              <a:solidFill>
+                                <a:schemeClr val="tx1">
+                                  <a:lumMod val="75000"/>
+                                  <a:lumOff val="25000"/>
+                                </a:schemeClr>
+                              </a:solidFill>
+                              <a:latin typeface="Cambria Math"/>
+                            </a:rPr>
+                          </m:ctrlPr>
+                        </m:sSupPr>
+                        <m:e>
+                          <m:sSup>
+                            <m:sSupPr>
+                              <m:ctrlPr>
+                                <a:rPr lang="de-DE" i="1">
+                                  <a:solidFill>
+                                    <a:schemeClr val="tx1">
+                                      <a:lumMod val="75000"/>
+                                      <a:lumOff val="25000"/>
+                                    </a:schemeClr>
+                                  </a:solidFill>
+                                  <a:latin typeface="Cambria Math"/>
+                                </a:rPr>
+                              </m:ctrlPr>
+                            </m:sSupPr>
+                            <m:e>
+                              <m:r>
+                                <a:rPr lang="de-DE" b="0" i="1" smtClean="0">
+                                  <a:solidFill>
+                                    <a:schemeClr val="tx1">
+                                      <a:lumMod val="75000"/>
+                                      <a:lumOff val="25000"/>
+                                    </a:schemeClr>
+                                  </a:solidFill>
+                                  <a:latin typeface="Cambria Math"/>
+                                </a:rPr>
+                                <m:t>(</m:t>
+                              </m:r>
+                              <m:r>
+                                <a:rPr lang="de-DE" i="1">
+                                  <a:solidFill>
+                                    <a:schemeClr val="tx1">
+                                      <a:lumMod val="75000"/>
+                                      <a:lumOff val="25000"/>
+                                    </a:schemeClr>
+                                  </a:solidFill>
+                                  <a:latin typeface="Cambria Math" panose="02040503050406030204" pitchFamily="18" charset="0"/>
+                                </a:rPr>
+                                <m:t>𝑔</m:t>
+                              </m:r>
+                            </m:e>
+                            <m:sup>
+                              <m:r>
+                                <a:rPr lang="de-DE" i="1">
+                                  <a:solidFill>
+                                    <a:schemeClr val="tx1">
+                                      <a:lumMod val="75000"/>
+                                      <a:lumOff val="25000"/>
+                                    </a:schemeClr>
+                                  </a:solidFill>
+                                  <a:latin typeface="Cambria Math" panose="02040503050406030204" pitchFamily="18" charset="0"/>
+                                </a:rPr>
+                                <m:t>𝑥</m:t>
+                              </m:r>
+                            </m:sup>
+                          </m:sSup>
+                          <m:r>
+                            <a:rPr lang="de-DE" b="0" i="1" smtClean="0">
+                              <a:solidFill>
+                                <a:schemeClr val="tx1">
+                                  <a:lumMod val="75000"/>
+                                  <a:lumOff val="25000"/>
+                                </a:schemeClr>
+                              </a:solidFill>
+                              <a:latin typeface="Cambria Math"/>
+                            </a:rPr>
+                            <m:t>)</m:t>
+                          </m:r>
+                        </m:e>
+                        <m:sup>
+                          <m:r>
+                            <a:rPr lang="de-DE" b="0" i="1" smtClean="0">
+                              <a:solidFill>
+                                <a:schemeClr val="tx1">
+                                  <a:lumMod val="75000"/>
+                                  <a:lumOff val="25000"/>
+                                </a:schemeClr>
+                              </a:solidFill>
+                              <a:latin typeface="Cambria Math"/>
+                            </a:rPr>
+                            <m:t>𝑦</m:t>
+                          </m:r>
+                        </m:sup>
+                      </m:sSup>
+                      <m:r>
+                        <a:rPr lang="de-DE" b="0" i="1" smtClean="0">
+                          <a:solidFill>
+                            <a:schemeClr val="tx1">
+                              <a:lumMod val="75000"/>
+                              <a:lumOff val="25000"/>
+                            </a:schemeClr>
+                          </a:solidFill>
+                          <a:latin typeface="Cambria Math"/>
+                        </a:rPr>
+                        <m:t> </m:t>
+                      </m:r>
+                      <m:r>
+                        <a:rPr lang="de-DE" b="0" i="1" smtClean="0">
+                          <a:solidFill>
+                            <a:schemeClr val="tx1">
+                              <a:lumMod val="75000"/>
+                              <a:lumOff val="25000"/>
+                            </a:schemeClr>
+                          </a:solidFill>
+                          <a:latin typeface="Cambria Math"/>
+                        </a:rPr>
+                        <m:t>𝑚𝑜𝑑</m:t>
+                      </m:r>
+                      <m:r>
+                        <a:rPr lang="de-DE" b="0" i="1" smtClean="0">
+                          <a:solidFill>
+                            <a:schemeClr val="tx1">
+                              <a:lumMod val="75000"/>
+                              <a:lumOff val="25000"/>
+                            </a:schemeClr>
+                          </a:solidFill>
+                          <a:latin typeface="Cambria Math"/>
+                        </a:rPr>
+                        <m:t> </m:t>
+                      </m:r>
+                      <m:r>
+                        <a:rPr lang="de-DE" b="0" i="1" smtClean="0">
+                          <a:solidFill>
+                            <a:schemeClr val="tx1">
+                              <a:lumMod val="75000"/>
+                              <a:lumOff val="25000"/>
+                            </a:schemeClr>
+                          </a:solidFill>
+                          <a:latin typeface="Cambria Math"/>
+                        </a:rPr>
+                        <m:t>𝑝</m:t>
+                      </m:r>
+                    </m:oMath>
+                  </m:oMathPara>
+                </a14:m>
+                <a:endParaRPr lang="en-US" dirty="0">
+                  <a:solidFill>
+                    <a:schemeClr val="tx1">
+                      <a:lumMod val="75000"/>
+                      <a:lumOff val="25000"/>
+                    </a:schemeClr>
+                  </a:solidFill>
+                </a:endParaRPr>
+              </a:p>
+            </p:txBody>
+          </p:sp>
+        </mc:Choice>
+        <mc:Fallback xmlns="">
+          <p:sp>
+            <p:nvSpPr>
+              <p:cNvPr id="22" name="Textfeld 21"/>
+              <p:cNvSpPr txBox="1">
+                <a:spLocks noRot="1" noChangeAspect="1" noMove="1" noResize="1" noEditPoints="1" noAdjustHandles="1" noChangeArrowheads="1" noChangeShapeType="1" noTextEdit="1"/>
+              </p:cNvSpPr>
+              <p:nvPr/>
+            </p:nvSpPr>
+            <p:spPr>
+              <a:xfrm>
+                <a:off x="5934326" y="4653136"/>
+                <a:ext cx="2613408" cy="461665"/>
+              </a:xfrm>
+              <a:prstGeom prst="rect">
+                <a:avLst/>
+              </a:prstGeom>
+              <a:blipFill rotWithShape="1">
+                <a:blip r:embed="rId6"/>
+                <a:stretch>
+                  <a:fillRect l="-466" b="-19737"/>
+                </a:stretch>
+              </a:blipFill>
+            </p:spPr>
+            <p:txBody>
+              <a:bodyPr/>
+              <a:lstStyle/>
+              <a:p>
+                <a:r>
+                  <a:rPr lang="de-DE">
+                    <a:noFill/>
+                  </a:rPr>
+                  <a:t> </a:t>
+                </a:r>
+              </a:p>
+            </p:txBody>
+          </p:sp>
+        </mc:Fallback>
+      </mc:AlternateContent>
+    </p:spTree>
+    <p:extLst>
+      <p:ext uri="{BB962C8B-B14F-4D97-AF65-F5344CB8AC3E}">
+        <p14:creationId xmlns:p14="http://schemas.microsoft.com/office/powerpoint/2010/main" val="414102247"/>
+      </p:ext>
+    </p:extLst>
+  </p:cSld>
+  <p:clrMapOvr>
+    <a:masterClrMapping/>
+  </p:clrMapOvr>
+  <p:timing>
+    <p:tnLst>
+      <p:par>
+        <p:cTn id="1" dur="indefinite" restart="never" nodeType="tmRoot"/>
+      </p:par>
+    </p:tnLst>
+  </p:timing>
+</p:sld>
+</file>
+
+<file path=ppt/slides/slide9.xml><?xml version="1.0" encoding="utf-8"?>
 <p:sld xmlns:a="http://schemas.openxmlformats.org/drawingml/2006/main" xmlns:r="http://schemas.openxmlformats.org/officeDocument/2006/relationships" xmlns:p="http://schemas.openxmlformats.org/presentationml/2006/main">
   <p:cSld>
     <p:spTree>
@@ -9714,7 +13925,7 @@
                                   <a:lumOff val="25000"/>
                                 </a:schemeClr>
                               </a:solidFill>
-                              <a:latin typeface="Cambria Math" panose="02040503050406030204" pitchFamily="18" charset="0"/>
+                              <a:latin typeface="Cambria Math"/>
                             </a:rPr>
                           </m:ctrlPr>
                         </m:dPr>
@@ -9753,7 +13964,7 @@
                                       <a:lumOff val="25000"/>
                                     </a:schemeClr>
                                   </a:solidFill>
-                                  <a:latin typeface="Cambria Math" panose="02040503050406030204" pitchFamily="18" charset="0"/>
+                                  <a:latin typeface="Cambria Math"/>
                                 </a:rPr>
                               </m:ctrlPr>
                             </m:sSubSupPr>
@@ -9810,7 +14021,7 @@
                                       <a:lumOff val="25000"/>
                                     </a:schemeClr>
                                   </a:solidFill>
-                                  <a:latin typeface="Cambria Math" panose="02040503050406030204" pitchFamily="18" charset="0"/>
+                                  <a:latin typeface="Cambria Math"/>
                                 </a:rPr>
                               </m:ctrlPr>
                             </m:dPr>
@@ -9825,7 +14036,7 @@
                                           <a:lumOff val="25000"/>
                                         </a:schemeClr>
                                       </a:solidFill>
-                                      <a:latin typeface="Cambria Math" panose="02040503050406030204" pitchFamily="18" charset="0"/>
+                                      <a:latin typeface="Cambria Math"/>
                                     </a:rPr>
                                   </m:ctrlPr>
                                 </m:sSupPr>
@@ -10047,7 +14258,7 @@
                                   <a:lumOff val="25000"/>
                                 </a:schemeClr>
                               </a:solidFill>
-                              <a:latin typeface="Cambria Math" panose="02040503050406030204" pitchFamily="18" charset="0"/>
+                              <a:latin typeface="Cambria Math"/>
                             </a:rPr>
                           </m:ctrlPr>
                         </m:dPr>
@@ -10086,7 +14297,7 @@
                                       <a:lumOff val="25000"/>
                                     </a:schemeClr>
                                   </a:solidFill>
-                                  <a:latin typeface="Cambria Math" panose="02040503050406030204" pitchFamily="18" charset="0"/>
+                                  <a:latin typeface="Cambria Math"/>
                                 </a:rPr>
                               </m:ctrlPr>
                             </m:sSupPr>
@@ -10343,7 +14554,7 @@
                                   <a:lumOff val="25000"/>
                                 </a:schemeClr>
                               </a:solidFill>
-                              <a:latin typeface="Cambria Math" panose="02040503050406030204" pitchFamily="18" charset="0"/>
+                              <a:latin typeface="Cambria Math"/>
                             </a:rPr>
                           </m:ctrlPr>
                         </m:dPr>
@@ -10631,7 +14842,7 @@
                                   <a:lumOff val="25000"/>
                                 </a:schemeClr>
                               </a:solidFill>
-                              <a:latin typeface="Cambria Math" panose="02040503050406030204" pitchFamily="18" charset="0"/>
+                              <a:latin typeface="Cambria Math"/>
                             </a:rPr>
                           </m:ctrlPr>
                         </m:dPr>
@@ -10853,7 +15064,7 @@
                                   <a:lumOff val="25000"/>
                                 </a:schemeClr>
                               </a:solidFill>
-                              <a:latin typeface="Cambria Math" panose="02040503050406030204" pitchFamily="18" charset="0"/>
+                              <a:latin typeface="Cambria Math"/>
                             </a:rPr>
                           </m:ctrlPr>
                         </m:sSupPr>
@@ -11005,7 +15216,7 @@
                                   <a:lumOff val="25000"/>
                                 </a:schemeClr>
                               </a:solidFill>
-                              <a:latin typeface="Cambria Math" panose="02040503050406030204" pitchFamily="18" charset="0"/>
+                              <a:latin typeface="Cambria Math"/>
                             </a:rPr>
                           </m:ctrlPr>
                         </m:sSupPr>
@@ -11293,7 +15504,7 @@
                                   <a:lumOff val="25000"/>
                                 </a:schemeClr>
                               </a:solidFill>
-                              <a:latin typeface="Cambria Math" panose="02040503050406030204" pitchFamily="18" charset="0"/>
+                              <a:latin typeface="Cambria Math"/>
                             </a:rPr>
                           </m:ctrlPr>
                         </m:sSubSupPr>
@@ -11404,933 +15615,13 @@
   <p:clrMapOvr>
     <a:masterClrMapping/>
   </p:clrMapOvr>
-</p:sld>
-</file>
-
-<file path=ppt/slides/slide7.xml><?xml version="1.0" encoding="utf-8"?>
-<p:sld xmlns:a="http://schemas.openxmlformats.org/drawingml/2006/main" xmlns:r="http://schemas.openxmlformats.org/officeDocument/2006/relationships" xmlns:p="http://schemas.openxmlformats.org/presentationml/2006/main">
-  <p:cSld>
-    <p:spTree>
-      <p:nvGrpSpPr>
-        <p:cNvPr id="1" name=""/>
-        <p:cNvGrpSpPr/>
-        <p:nvPr/>
-      </p:nvGrpSpPr>
-      <p:grpSpPr>
-        <a:xfrm>
-          <a:off x="0" y="0"/>
-          <a:ext cx="0" cy="0"/>
-          <a:chOff x="0" y="0"/>
-          <a:chExt cx="0" cy="0"/>
-        </a:xfrm>
-      </p:grpSpPr>
-      <p:sp>
-        <p:nvSpPr>
-          <p:cNvPr id="12290" name="Rectangle 3"/>
-          <p:cNvSpPr>
-            <a:spLocks noGrp="1" noChangeArrowheads="1"/>
-          </p:cNvSpPr>
-          <p:nvPr>
-            <p:ph type="title"/>
-          </p:nvPr>
-        </p:nvSpPr>
-        <p:spPr/>
-        <p:txBody>
-          <a:bodyPr/>
-          <a:lstStyle/>
-          <a:p>
-            <a:r>
-              <a:rPr lang="de-DE" dirty="0" err="1"/>
-              <a:t>Improvements</a:t>
-            </a:r>
-            <a:r>
-              <a:rPr lang="de-DE" dirty="0"/>
-              <a:t> </a:t>
-            </a:r>
-            <a:r>
-              <a:rPr lang="de-DE" dirty="0" err="1"/>
-              <a:t>to</a:t>
-            </a:r>
-            <a:r>
-              <a:rPr lang="de-DE" dirty="0"/>
-              <a:t> </a:t>
-            </a:r>
-            <a:r>
-              <a:rPr lang="de-DE" dirty="0" err="1"/>
-              <a:t>onion</a:t>
-            </a:r>
-            <a:r>
-              <a:rPr lang="de-DE" dirty="0"/>
-              <a:t> </a:t>
-            </a:r>
-            <a:r>
-              <a:rPr lang="de-DE" dirty="0" err="1"/>
-              <a:t>routing</a:t>
-            </a:r>
-            <a:endParaRPr lang="de-DE" dirty="0"/>
-          </a:p>
-        </p:txBody>
-      </p:sp>
-      <p:sp>
-        <p:nvSpPr>
-          <p:cNvPr id="12315" name="Rectangle 28"/>
-          <p:cNvSpPr>
-            <a:spLocks noGrp="1" noChangeArrowheads="1"/>
-          </p:cNvSpPr>
-          <p:nvPr>
-            <p:ph type="body" idx="1"/>
-          </p:nvPr>
-        </p:nvSpPr>
-        <p:spPr>
-          <a:xfrm>
-            <a:off x="457200" y="1219200"/>
-            <a:ext cx="8458200" cy="1066800"/>
-          </a:xfrm>
-        </p:spPr>
-        <p:txBody>
-          <a:bodyPr/>
-          <a:lstStyle/>
-          <a:p>
-            <a:pPr eaLnBrk="1" hangingPunct="1"/>
-            <a:endParaRPr lang="de-DE" dirty="0">
-              <a:latin typeface="Calibri"/>
-            </a:endParaRPr>
-          </a:p>
-          <a:p>
-            <a:pPr eaLnBrk="1" hangingPunct="1"/>
-            <a:r>
-              <a:rPr lang="de-DE" dirty="0">
-                <a:latin typeface="Calibri"/>
-              </a:rPr>
-              <a:t>Directory </a:t>
-            </a:r>
-            <a:r>
-              <a:rPr lang="de-DE" dirty="0" err="1">
-                <a:latin typeface="Calibri"/>
-              </a:rPr>
-              <a:t>servers</a:t>
-            </a:r>
-            <a:r>
-              <a:rPr lang="de-DE" dirty="0">
-                <a:latin typeface="Calibri"/>
-              </a:rPr>
-              <a:t> </a:t>
-            </a:r>
-            <a:r>
-              <a:rPr lang="de-DE" dirty="0" err="1">
-                <a:latin typeface="Calibri"/>
-              </a:rPr>
-              <a:t>instead</a:t>
-            </a:r>
-            <a:r>
-              <a:rPr lang="de-DE" dirty="0">
-                <a:latin typeface="Calibri"/>
-              </a:rPr>
-              <a:t> </a:t>
-            </a:r>
-            <a:r>
-              <a:rPr lang="de-DE" dirty="0" err="1">
-                <a:latin typeface="Calibri"/>
-              </a:rPr>
-              <a:t>of</a:t>
-            </a:r>
-            <a:r>
-              <a:rPr lang="de-DE" dirty="0">
-                <a:latin typeface="Calibri"/>
-              </a:rPr>
-              <a:t> </a:t>
-            </a:r>
-            <a:r>
-              <a:rPr lang="de-DE" dirty="0" err="1">
-                <a:latin typeface="Calibri"/>
-              </a:rPr>
-              <a:t>routing</a:t>
-            </a:r>
-            <a:r>
-              <a:rPr lang="de-DE" dirty="0">
-                <a:latin typeface="Calibri"/>
-              </a:rPr>
-              <a:t> </a:t>
-            </a:r>
-            <a:r>
-              <a:rPr lang="de-DE" dirty="0" err="1">
-                <a:latin typeface="Calibri"/>
-              </a:rPr>
-              <a:t>information</a:t>
-            </a:r>
-            <a:r>
-              <a:rPr lang="de-DE" dirty="0">
-                <a:latin typeface="Calibri"/>
-              </a:rPr>
-              <a:t> </a:t>
-            </a:r>
-            <a:r>
-              <a:rPr lang="de-DE" dirty="0" err="1">
-                <a:latin typeface="Calibri"/>
-              </a:rPr>
-              <a:t>flooding</a:t>
-            </a:r>
-            <a:endParaRPr lang="de-DE" dirty="0">
-              <a:latin typeface="Calibri"/>
-            </a:endParaRPr>
-          </a:p>
-          <a:p>
-            <a:pPr eaLnBrk="1" hangingPunct="1"/>
-            <a:r>
-              <a:rPr lang="de-DE" dirty="0">
-                <a:latin typeface="Calibri"/>
-              </a:rPr>
-              <a:t>Hidden </a:t>
-            </a:r>
-            <a:r>
-              <a:rPr lang="de-DE" dirty="0" err="1">
-                <a:latin typeface="Calibri"/>
-              </a:rPr>
-              <a:t>services</a:t>
-            </a:r>
-            <a:endParaRPr lang="de-DE" dirty="0">
-              <a:latin typeface="Calibri"/>
-            </a:endParaRPr>
-          </a:p>
-          <a:p>
-            <a:pPr eaLnBrk="1" hangingPunct="1"/>
-            <a:r>
-              <a:rPr lang="de-DE" dirty="0" err="1">
-                <a:latin typeface="Calibri"/>
-              </a:rPr>
-              <a:t>Perfect</a:t>
-            </a:r>
-            <a:r>
-              <a:rPr lang="de-DE" dirty="0">
-                <a:latin typeface="Calibri"/>
-              </a:rPr>
-              <a:t> </a:t>
-            </a:r>
-            <a:r>
-              <a:rPr lang="de-DE" dirty="0" err="1">
-                <a:latin typeface="Calibri"/>
-              </a:rPr>
-              <a:t>forward</a:t>
-            </a:r>
-            <a:r>
-              <a:rPr lang="de-DE" dirty="0">
-                <a:latin typeface="Calibri"/>
-              </a:rPr>
-              <a:t> </a:t>
-            </a:r>
-            <a:r>
-              <a:rPr lang="de-DE" dirty="0" err="1">
-                <a:latin typeface="Calibri"/>
-              </a:rPr>
-              <a:t>secrecy</a:t>
-            </a:r>
-            <a:endParaRPr lang="de-DE" dirty="0">
-              <a:latin typeface="Calibri"/>
-            </a:endParaRPr>
-          </a:p>
-          <a:p>
-            <a:r>
-              <a:rPr lang="en-US" dirty="0"/>
-              <a:t>Usage of a standard proxy interface</a:t>
-            </a:r>
-            <a:endParaRPr lang="de-DE" dirty="0">
-              <a:latin typeface="Calibri"/>
-            </a:endParaRPr>
-          </a:p>
-          <a:p>
-            <a:pPr eaLnBrk="1" hangingPunct="1"/>
-            <a:r>
-              <a:rPr lang="de-DE" dirty="0">
-                <a:latin typeface="Calibri"/>
-              </a:rPr>
-              <a:t>Exit </a:t>
-            </a:r>
-            <a:r>
-              <a:rPr lang="de-DE" dirty="0" err="1">
-                <a:latin typeface="Calibri"/>
-              </a:rPr>
-              <a:t>policies</a:t>
-            </a:r>
-            <a:endParaRPr lang="de-DE" dirty="0">
-              <a:latin typeface="Calibri"/>
-            </a:endParaRPr>
-          </a:p>
-          <a:p>
-            <a:pPr eaLnBrk="1" hangingPunct="1"/>
-            <a:r>
-              <a:rPr lang="de-DE" dirty="0">
-                <a:latin typeface="Calibri"/>
-              </a:rPr>
-              <a:t>…</a:t>
-            </a:r>
-          </a:p>
-        </p:txBody>
-      </p:sp>
-    </p:spTree>
-    <p:extLst>
-      <p:ext uri="{BB962C8B-B14F-4D97-AF65-F5344CB8AC3E}">
-        <p14:creationId xmlns:p14="http://schemas.microsoft.com/office/powerpoint/2010/main" val="3255082760"/>
-      </p:ext>
-    </p:extLst>
-  </p:cSld>
-  <p:clrMapOvr>
-    <a:masterClrMapping/>
-  </p:clrMapOvr>
-</p:sld>
-</file>
-
-<file path=ppt/slides/slide8.xml><?xml version="1.0" encoding="utf-8"?>
-<p:sld xmlns:a="http://schemas.openxmlformats.org/drawingml/2006/main" xmlns:r="http://schemas.openxmlformats.org/officeDocument/2006/relationships" xmlns:p="http://schemas.openxmlformats.org/presentationml/2006/main">
-  <p:cSld>
-    <p:spTree>
-      <p:nvGrpSpPr>
-        <p:cNvPr id="1" name=""/>
-        <p:cNvGrpSpPr/>
-        <p:nvPr/>
-      </p:nvGrpSpPr>
-      <p:grpSpPr>
-        <a:xfrm>
-          <a:off x="0" y="0"/>
-          <a:ext cx="0" cy="0"/>
-          <a:chOff x="0" y="0"/>
-          <a:chExt cx="0" cy="0"/>
-        </a:xfrm>
-      </p:grpSpPr>
-      <p:sp>
-        <p:nvSpPr>
-          <p:cNvPr id="12290" name="Rectangle 3"/>
-          <p:cNvSpPr>
-            <a:spLocks noGrp="1" noChangeArrowheads="1"/>
-          </p:cNvSpPr>
-          <p:nvPr>
-            <p:ph type="title"/>
-          </p:nvPr>
-        </p:nvSpPr>
-        <p:spPr/>
-        <p:txBody>
-          <a:bodyPr/>
-          <a:lstStyle/>
-          <a:p>
-            <a:r>
-              <a:rPr lang="de-DE" dirty="0"/>
-              <a:t>Status quo</a:t>
-            </a:r>
-            <a:endParaRPr lang="de-DE" dirty="0">
-              <a:latin typeface="Calibri"/>
-            </a:endParaRPr>
-          </a:p>
-        </p:txBody>
-      </p:sp>
-      <p:sp>
-        <p:nvSpPr>
-          <p:cNvPr id="12315" name="Rectangle 28"/>
-          <p:cNvSpPr>
-            <a:spLocks noGrp="1" noChangeArrowheads="1"/>
-          </p:cNvSpPr>
-          <p:nvPr>
-            <p:ph type="body" idx="1"/>
-          </p:nvPr>
-        </p:nvSpPr>
-        <p:spPr>
-          <a:xfrm>
-            <a:off x="457200" y="1219200"/>
-            <a:ext cx="8458200" cy="1066800"/>
-          </a:xfrm>
-        </p:spPr>
-        <p:txBody>
-          <a:bodyPr/>
-          <a:lstStyle/>
-          <a:p>
-            <a:pPr eaLnBrk="1" hangingPunct="1"/>
-            <a:endParaRPr lang="de-DE" dirty="0">
-              <a:latin typeface="Calibri"/>
-            </a:endParaRPr>
-          </a:p>
-          <a:p>
-            <a:pPr eaLnBrk="1" hangingPunct="1"/>
-            <a:r>
-              <a:rPr lang="de-DE" dirty="0" err="1">
-                <a:latin typeface="Calibri"/>
-              </a:rPr>
-              <a:t>Upsides</a:t>
-            </a:r>
-            <a:r>
-              <a:rPr lang="de-DE" dirty="0">
-                <a:latin typeface="Calibri"/>
-              </a:rPr>
-              <a:t>: </a:t>
-            </a:r>
-          </a:p>
-          <a:p>
-            <a:pPr lvl="1"/>
-            <a:r>
-              <a:rPr lang="de-DE" dirty="0" err="1"/>
-              <a:t>Protect</a:t>
-            </a:r>
-            <a:r>
-              <a:rPr lang="de-DE" dirty="0"/>
-              <a:t> </a:t>
-            </a:r>
-            <a:r>
-              <a:rPr lang="de-DE" dirty="0" err="1"/>
-              <a:t>your</a:t>
-            </a:r>
-            <a:r>
-              <a:rPr lang="de-DE" dirty="0"/>
-              <a:t> </a:t>
-            </a:r>
-            <a:r>
-              <a:rPr lang="de-DE" dirty="0" err="1"/>
-              <a:t>privacy</a:t>
-            </a:r>
-            <a:r>
-              <a:rPr lang="de-DE" dirty="0"/>
-              <a:t>, </a:t>
-            </a:r>
-            <a:r>
-              <a:rPr lang="de-DE" dirty="0" err="1"/>
-              <a:t>fight</a:t>
-            </a:r>
-            <a:r>
-              <a:rPr lang="de-DE" dirty="0"/>
-              <a:t> </a:t>
-            </a:r>
-            <a:r>
-              <a:rPr lang="de-DE" dirty="0" err="1"/>
-              <a:t>mass</a:t>
-            </a:r>
-            <a:r>
-              <a:rPr lang="de-DE" dirty="0"/>
-              <a:t> </a:t>
-            </a:r>
-            <a:r>
-              <a:rPr lang="de-DE" dirty="0" err="1"/>
-              <a:t>surveillance</a:t>
-            </a:r>
-            <a:r>
-              <a:rPr lang="de-DE" dirty="0"/>
-              <a:t>, </a:t>
-            </a:r>
-            <a:r>
-              <a:rPr lang="de-DE" dirty="0" err="1"/>
-              <a:t>circumvent</a:t>
-            </a:r>
-            <a:r>
-              <a:rPr lang="de-DE" dirty="0"/>
-              <a:t> </a:t>
-            </a:r>
-            <a:r>
-              <a:rPr lang="de-DE" dirty="0" err="1"/>
-              <a:t>censorship</a:t>
-            </a:r>
-            <a:endParaRPr lang="de-DE" dirty="0">
-              <a:latin typeface="Calibri"/>
-            </a:endParaRPr>
-          </a:p>
-          <a:p>
-            <a:pPr lvl="1"/>
-            <a:r>
-              <a:rPr lang="de-DE" dirty="0" err="1">
-                <a:latin typeface="Calibri"/>
-              </a:rPr>
-              <a:t>Used</a:t>
-            </a:r>
-            <a:r>
-              <a:rPr lang="de-DE" dirty="0">
-                <a:latin typeface="Calibri"/>
-              </a:rPr>
-              <a:t> </a:t>
-            </a:r>
-            <a:r>
-              <a:rPr lang="de-DE" dirty="0" err="1">
-                <a:latin typeface="Calibri"/>
-              </a:rPr>
-              <a:t>by</a:t>
-            </a:r>
-            <a:r>
-              <a:rPr lang="de-DE" dirty="0">
-                <a:latin typeface="Calibri"/>
-              </a:rPr>
-              <a:t> </a:t>
-            </a:r>
-            <a:r>
-              <a:rPr lang="de-DE" dirty="0" err="1">
-                <a:latin typeface="Calibri"/>
-              </a:rPr>
-              <a:t>businesses</a:t>
-            </a:r>
-            <a:r>
-              <a:rPr lang="de-DE" dirty="0">
-                <a:latin typeface="Calibri"/>
-              </a:rPr>
-              <a:t>, human </a:t>
-            </a:r>
-            <a:r>
-              <a:rPr lang="de-DE" dirty="0" err="1">
-                <a:latin typeface="Calibri"/>
-              </a:rPr>
-              <a:t>rights</a:t>
-            </a:r>
-            <a:r>
-              <a:rPr lang="de-DE" dirty="0">
-                <a:latin typeface="Calibri"/>
-              </a:rPr>
-              <a:t> </a:t>
-            </a:r>
-            <a:r>
-              <a:rPr lang="de-DE" dirty="0" err="1">
-                <a:latin typeface="Calibri"/>
-              </a:rPr>
-              <a:t>activists</a:t>
-            </a:r>
-            <a:r>
-              <a:rPr lang="de-DE" dirty="0">
-                <a:latin typeface="Calibri"/>
-              </a:rPr>
-              <a:t> </a:t>
-            </a:r>
-            <a:r>
-              <a:rPr lang="de-DE" dirty="0" err="1">
-                <a:latin typeface="Calibri"/>
-              </a:rPr>
-              <a:t>or</a:t>
-            </a:r>
-            <a:r>
-              <a:rPr lang="de-DE" dirty="0">
-                <a:latin typeface="Calibri"/>
-              </a:rPr>
-              <a:t> </a:t>
-            </a:r>
-            <a:r>
-              <a:rPr lang="de-DE" dirty="0" err="1">
-                <a:latin typeface="Calibri"/>
-              </a:rPr>
-              <a:t>whistleblowers</a:t>
-            </a:r>
-            <a:r>
-              <a:rPr lang="de-DE" dirty="0">
-                <a:latin typeface="Calibri"/>
-              </a:rPr>
-              <a:t>, </a:t>
-            </a:r>
-            <a:r>
-              <a:rPr lang="de-DE" dirty="0" err="1">
-                <a:latin typeface="Calibri"/>
-              </a:rPr>
-              <a:t>journalists</a:t>
-            </a:r>
-            <a:r>
-              <a:rPr lang="de-DE" dirty="0">
-                <a:latin typeface="Calibri"/>
-              </a:rPr>
-              <a:t>, …</a:t>
-            </a:r>
-          </a:p>
-          <a:p>
-            <a:endParaRPr lang="de-DE" dirty="0">
-              <a:latin typeface="Calibri"/>
-            </a:endParaRPr>
-          </a:p>
-          <a:p>
-            <a:r>
-              <a:rPr lang="de-DE" dirty="0" err="1">
-                <a:latin typeface="Calibri"/>
-              </a:rPr>
-              <a:t>Downsides</a:t>
-            </a:r>
-            <a:r>
-              <a:rPr lang="de-DE" dirty="0">
-                <a:latin typeface="Calibri"/>
-              </a:rPr>
-              <a:t>:</a:t>
-            </a:r>
-          </a:p>
-          <a:p>
-            <a:pPr lvl="1"/>
-            <a:r>
-              <a:rPr lang="de-DE" dirty="0">
-                <a:latin typeface="Calibri"/>
-              </a:rPr>
-              <a:t>Non-legal </a:t>
-            </a:r>
-            <a:r>
-              <a:rPr lang="de-DE" dirty="0" err="1">
-                <a:latin typeface="Calibri"/>
-              </a:rPr>
-              <a:t>marketplaces</a:t>
-            </a:r>
-            <a:r>
-              <a:rPr lang="de-DE" dirty="0">
-                <a:latin typeface="Calibri"/>
-              </a:rPr>
-              <a:t> like </a:t>
-            </a:r>
-            <a:r>
-              <a:rPr lang="de-DE" dirty="0" err="1">
-                <a:latin typeface="Calibri"/>
-              </a:rPr>
-              <a:t>SilkRoad</a:t>
-            </a:r>
-            <a:r>
-              <a:rPr lang="de-DE" dirty="0">
-                <a:latin typeface="Calibri"/>
-              </a:rPr>
-              <a:t> </a:t>
-            </a:r>
-          </a:p>
-          <a:p>
-            <a:pPr lvl="1"/>
-            <a:r>
-              <a:rPr lang="de-DE" dirty="0">
-                <a:latin typeface="Calibri"/>
-              </a:rPr>
-              <a:t>Command &amp; </a:t>
-            </a:r>
-            <a:r>
-              <a:rPr lang="de-DE" dirty="0" err="1">
-                <a:latin typeface="Calibri"/>
-              </a:rPr>
-              <a:t>control</a:t>
-            </a:r>
-            <a:r>
-              <a:rPr lang="de-DE" dirty="0">
-                <a:latin typeface="Calibri"/>
-              </a:rPr>
-              <a:t> </a:t>
-            </a:r>
-            <a:r>
-              <a:rPr lang="de-DE" dirty="0" err="1">
-                <a:latin typeface="Calibri"/>
-              </a:rPr>
-              <a:t>server</a:t>
-            </a:r>
-            <a:r>
-              <a:rPr lang="de-DE" dirty="0">
-                <a:latin typeface="Calibri"/>
-              </a:rPr>
-              <a:t> </a:t>
-            </a:r>
-            <a:r>
-              <a:rPr lang="de-DE" dirty="0" err="1">
-                <a:latin typeface="Calibri"/>
-              </a:rPr>
-              <a:t>for</a:t>
-            </a:r>
-            <a:r>
-              <a:rPr lang="de-DE" dirty="0">
-                <a:latin typeface="Calibri"/>
-              </a:rPr>
-              <a:t> </a:t>
-            </a:r>
-            <a:r>
-              <a:rPr lang="de-DE" dirty="0" err="1">
-                <a:latin typeface="Calibri"/>
-              </a:rPr>
-              <a:t>botnets</a:t>
-            </a:r>
-            <a:endParaRPr lang="de-DE" dirty="0">
-              <a:latin typeface="Calibri"/>
-            </a:endParaRPr>
-          </a:p>
-          <a:p>
-            <a:endParaRPr lang="de-DE" dirty="0">
-              <a:latin typeface="Calibri"/>
-            </a:endParaRPr>
-          </a:p>
-          <a:p>
-            <a:r>
-              <a:rPr lang="de-DE" dirty="0" err="1">
-                <a:latin typeface="Calibri"/>
-              </a:rPr>
-              <a:t>Influence</a:t>
-            </a:r>
-            <a:r>
-              <a:rPr lang="de-DE" dirty="0">
-                <a:latin typeface="Calibri"/>
-              </a:rPr>
-              <a:t> </a:t>
-            </a:r>
-            <a:r>
-              <a:rPr lang="de-DE" dirty="0" err="1">
-                <a:latin typeface="Calibri"/>
-              </a:rPr>
-              <a:t>of</a:t>
-            </a:r>
-            <a:r>
-              <a:rPr lang="de-DE" dirty="0">
-                <a:latin typeface="Calibri"/>
-              </a:rPr>
-              <a:t> </a:t>
-            </a:r>
-            <a:r>
-              <a:rPr lang="de-DE" dirty="0" err="1">
-                <a:latin typeface="Calibri"/>
-              </a:rPr>
-              <a:t>the</a:t>
-            </a:r>
-            <a:r>
-              <a:rPr lang="de-DE" dirty="0">
-                <a:latin typeface="Calibri"/>
-              </a:rPr>
-              <a:t> </a:t>
-            </a:r>
-            <a:r>
-              <a:rPr lang="de-DE" dirty="0" err="1">
-                <a:latin typeface="Calibri"/>
-              </a:rPr>
-              <a:t>paper</a:t>
-            </a:r>
-            <a:endParaRPr lang="de-DE" dirty="0">
-              <a:latin typeface="Calibri"/>
-            </a:endParaRPr>
-          </a:p>
-          <a:p>
-            <a:pPr lvl="1"/>
-            <a:r>
-              <a:rPr lang="de-DE" dirty="0" err="1">
-                <a:latin typeface="Calibri"/>
-              </a:rPr>
-              <a:t>Cited</a:t>
-            </a:r>
-            <a:r>
-              <a:rPr lang="de-DE" dirty="0">
-                <a:latin typeface="Calibri"/>
-              </a:rPr>
-              <a:t> </a:t>
-            </a:r>
-            <a:r>
-              <a:rPr lang="de-DE" dirty="0" err="1">
-                <a:latin typeface="Calibri"/>
-              </a:rPr>
-              <a:t>more</a:t>
-            </a:r>
-            <a:r>
-              <a:rPr lang="de-DE" dirty="0">
-                <a:latin typeface="Calibri"/>
-              </a:rPr>
-              <a:t> </a:t>
-            </a:r>
-            <a:r>
-              <a:rPr lang="de-DE" dirty="0" err="1">
-                <a:latin typeface="Calibri"/>
-              </a:rPr>
-              <a:t>than</a:t>
-            </a:r>
-            <a:r>
-              <a:rPr lang="de-DE" dirty="0">
-                <a:latin typeface="Calibri"/>
-              </a:rPr>
-              <a:t> 3000 </a:t>
-            </a:r>
-            <a:r>
-              <a:rPr lang="de-DE" dirty="0" err="1">
-                <a:latin typeface="Calibri"/>
-              </a:rPr>
-              <a:t>times</a:t>
-            </a:r>
-            <a:endParaRPr lang="de-DE" dirty="0">
-              <a:latin typeface="Calibri"/>
-            </a:endParaRPr>
-          </a:p>
-          <a:p>
-            <a:pPr lvl="1"/>
-            <a:r>
-              <a:rPr lang="de-DE" dirty="0">
-                <a:latin typeface="Calibri"/>
-              </a:rPr>
-              <a:t>Tor </a:t>
-            </a:r>
-            <a:r>
-              <a:rPr lang="de-DE" dirty="0" err="1">
-                <a:latin typeface="Calibri"/>
-              </a:rPr>
-              <a:t>is</a:t>
-            </a:r>
-            <a:r>
-              <a:rPr lang="de-DE" dirty="0">
-                <a:latin typeface="Calibri"/>
-              </a:rPr>
-              <a:t> </a:t>
-            </a:r>
-            <a:r>
-              <a:rPr lang="de-DE" dirty="0" err="1">
-                <a:latin typeface="Calibri"/>
-              </a:rPr>
-              <a:t>currently</a:t>
-            </a:r>
-            <a:r>
-              <a:rPr lang="de-DE" dirty="0">
-                <a:latin typeface="Calibri"/>
-              </a:rPr>
-              <a:t> </a:t>
-            </a:r>
-            <a:r>
-              <a:rPr lang="de-DE" dirty="0" err="1">
-                <a:latin typeface="Calibri"/>
-              </a:rPr>
-              <a:t>used</a:t>
-            </a:r>
-            <a:r>
-              <a:rPr lang="de-DE" dirty="0">
-                <a:latin typeface="Calibri"/>
-              </a:rPr>
-              <a:t> </a:t>
-            </a:r>
-            <a:r>
-              <a:rPr lang="de-DE" dirty="0" err="1">
-                <a:latin typeface="Calibri"/>
-              </a:rPr>
-              <a:t>by</a:t>
-            </a:r>
-            <a:r>
-              <a:rPr lang="de-DE" dirty="0">
-                <a:latin typeface="Calibri"/>
-              </a:rPr>
-              <a:t> </a:t>
-            </a:r>
-            <a:r>
-              <a:rPr lang="de-DE" dirty="0" err="1">
-                <a:latin typeface="Calibri"/>
-              </a:rPr>
-              <a:t>round</a:t>
-            </a:r>
-            <a:r>
-              <a:rPr lang="de-DE" dirty="0">
-                <a:latin typeface="Calibri"/>
-              </a:rPr>
-              <a:t> </a:t>
-            </a:r>
-            <a:r>
-              <a:rPr lang="de-DE" dirty="0" err="1">
-                <a:latin typeface="Calibri"/>
-              </a:rPr>
-              <a:t>about</a:t>
-            </a:r>
-            <a:r>
-              <a:rPr lang="de-DE" dirty="0">
-                <a:latin typeface="Calibri"/>
-              </a:rPr>
-              <a:t> 2 </a:t>
-            </a:r>
-            <a:r>
-              <a:rPr lang="de-DE" dirty="0" err="1">
-                <a:latin typeface="Calibri"/>
-              </a:rPr>
-              <a:t>million</a:t>
-            </a:r>
-            <a:r>
-              <a:rPr lang="de-DE" dirty="0">
-                <a:latin typeface="Calibri"/>
-              </a:rPr>
-              <a:t> </a:t>
-            </a:r>
-            <a:r>
-              <a:rPr lang="de-DE" dirty="0" err="1">
-                <a:latin typeface="Calibri"/>
-              </a:rPr>
-              <a:t>users</a:t>
-            </a:r>
-            <a:endParaRPr lang="de-DE" dirty="0">
-              <a:latin typeface="Calibri"/>
-            </a:endParaRPr>
-          </a:p>
-        </p:txBody>
-      </p:sp>
-    </p:spTree>
-    <p:extLst>
-      <p:ext uri="{BB962C8B-B14F-4D97-AF65-F5344CB8AC3E}">
-        <p14:creationId xmlns:p14="http://schemas.microsoft.com/office/powerpoint/2010/main" val="2923737226"/>
-      </p:ext>
-    </p:extLst>
-  </p:cSld>
-  <p:clrMapOvr>
-    <a:masterClrMapping/>
-  </p:clrMapOvr>
-</p:sld>
-</file>
-
-<file path=ppt/slides/slide9.xml><?xml version="1.0" encoding="utf-8"?>
-<p:sld xmlns:a="http://schemas.openxmlformats.org/drawingml/2006/main" xmlns:r="http://schemas.openxmlformats.org/officeDocument/2006/relationships" xmlns:p="http://schemas.openxmlformats.org/presentationml/2006/main">
-  <p:cSld>
-    <p:spTree>
-      <p:nvGrpSpPr>
-        <p:cNvPr id="1" name=""/>
-        <p:cNvGrpSpPr/>
-        <p:nvPr/>
-      </p:nvGrpSpPr>
-      <p:grpSpPr>
-        <a:xfrm>
-          <a:off x="0" y="0"/>
-          <a:ext cx="0" cy="0"/>
-          <a:chOff x="0" y="0"/>
-          <a:chExt cx="0" cy="0"/>
-        </a:xfrm>
-      </p:grpSpPr>
-      <p:sp>
-        <p:nvSpPr>
-          <p:cNvPr id="12290" name="Rectangle 3"/>
-          <p:cNvSpPr>
-            <a:spLocks noGrp="1" noChangeArrowheads="1"/>
-          </p:cNvSpPr>
-          <p:nvPr>
-            <p:ph type="title"/>
-          </p:nvPr>
-        </p:nvSpPr>
-        <p:spPr/>
-        <p:txBody>
-          <a:bodyPr/>
-          <a:lstStyle/>
-          <a:p>
-            <a:r>
-              <a:rPr lang="de-DE" dirty="0"/>
-              <a:t>Status quo</a:t>
-            </a:r>
-            <a:endParaRPr lang="de-DE" dirty="0">
-              <a:latin typeface="Calibri"/>
-            </a:endParaRPr>
-          </a:p>
-        </p:txBody>
-      </p:sp>
-      <p:pic>
-        <p:nvPicPr>
-          <p:cNvPr id="2" name="Grafik 1"/>
-          <p:cNvPicPr>
-            <a:picLocks noChangeAspect="1"/>
-          </p:cNvPicPr>
-          <p:nvPr/>
-        </p:nvPicPr>
-        <p:blipFill>
-          <a:blip r:embed="rId3">
-            <a:extLst>
-              <a:ext uri="{96DAC541-7B7A-43D3-8B79-37D633B846F1}">
-                <asvg:svgBlip xmlns:asvg="http://schemas.microsoft.com/office/drawing/2016/SVG/main" r:embed="rId4"/>
-              </a:ext>
-            </a:extLst>
-          </a:blip>
-          <a:stretch>
-            <a:fillRect/>
-          </a:stretch>
-        </p:blipFill>
-        <p:spPr>
-          <a:xfrm>
-            <a:off x="179512" y="1340768"/>
-            <a:ext cx="8204448" cy="5127780"/>
-          </a:xfrm>
-          <a:prstGeom prst="rect">
-            <a:avLst/>
-          </a:prstGeom>
-        </p:spPr>
-      </p:pic>
-    </p:spTree>
-    <p:extLst>
-      <p:ext uri="{BB962C8B-B14F-4D97-AF65-F5344CB8AC3E}">
-        <p14:creationId xmlns:p14="http://schemas.microsoft.com/office/powerpoint/2010/main" val="713447161"/>
-      </p:ext>
-    </p:extLst>
-  </p:cSld>
-  <p:clrMapOvr>
-    <a:masterClrMapping/>
-  </p:clrMapOvr>
+  <p:timing>
+    <p:tnLst>
+      <p:par>
+        <p:cTn id="1" dur="indefinite" restart="never" nodeType="tmRoot"/>
+      </p:par>
+    </p:tnLst>
+  </p:timing>
 </p:sld>
 </file>
 
